--- a/MyUnitTest/Document/单元测试.pptx
+++ b/MyUnitTest/Document/单元测试.pptx
@@ -142,7 +142,7 @@
   </p:defaultTextStyle>
   <p:extLst>
     <p:ext uri="{EFAFB233-063F-42B5-8137-9DF3F51BA10A}">
-      <p15:sldGuideLst xmlns:p15="http://schemas.microsoft.com/office/powerpoint/2012/main">
+      <p15:sldGuideLst xmlns:p15="http://schemas.microsoft.com/office/powerpoint/2012/main" xmlns="">
         <p15:guide id="1" orient="horz" pos="2160">
           <p15:clr>
             <a:srgbClr val="A4A3A4"/>
@@ -164,7 +164,7 @@
   <p:cmAuthor id="1" name="hj" initials="h" lastIdx="1" clrIdx="0">
     <p:extLst>
       <p:ext uri="{19B8F6BF-5375-455C-9EA6-DF929625EA0E}">
-        <p15:presenceInfo xmlns:p15="http://schemas.microsoft.com/office/powerpoint/2012/main" userId="hj" providerId="None"/>
+        <p15:presenceInfo xmlns:p15="http://schemas.microsoft.com/office/powerpoint/2012/main" xmlns="" userId="hj" providerId="None"/>
       </p:ext>
     </p:extLst>
   </p:cmAuthor>
@@ -173,17 +173,7 @@
 
 <file path=ppt/charts/chart1.xml><?xml version="1.0" encoding="utf-8"?>
 <c:chartSpace xmlns:c="http://schemas.openxmlformats.org/drawingml/2006/chart" xmlns:a="http://schemas.openxmlformats.org/drawingml/2006/main" xmlns:r="http://schemas.openxmlformats.org/officeDocument/2006/relationships">
-  <c:date1904 val="0"/>
   <c:lang val="zh-CN"/>
-  <c:roundedCorners val="0"/>
-  <mc:AlternateContent xmlns:mc="http://schemas.openxmlformats.org/markup-compatibility/2006">
-    <mc:Choice xmlns:c14="http://schemas.microsoft.com/office/drawing/2007/8/2/chart" Requires="c14">
-      <c14:style val="102"/>
-    </mc:Choice>
-    <mc:Fallback>
-      <c:style val="2"/>
-    </mc:Fallback>
-  </mc:AlternateContent>
   <c:chart>
     <c:autoTitleDeleted val="1"/>
     <c:plotArea>
@@ -193,9 +183,9 @@
           <c:xMode val="edge"/>
           <c:yMode val="edge"/>
           <c:x val="9.5972736792530683E-2"/>
-          <c:y val="0.13571182532151996"/>
-          <c:w val="0.82897503195318945"/>
-          <c:h val="0.82426374998628238"/>
+          <c:y val="0.13571182532151993"/>
+          <c:w val="0.82897503195318967"/>
+          <c:h val="0.82426374998628227"/>
         </c:manualLayout>
       </c:layout>
       <c:pieChart>
@@ -205,7 +195,6 @@
           <c:order val="0"/>
           <c:dPt>
             <c:idx val="0"/>
-            <c:bubble3D val="0"/>
             <c:spPr>
               <a:solidFill>
                 <a:schemeClr val="accent2"/>
@@ -218,7 +207,6 @@
           </c:dPt>
           <c:dPt>
             <c:idx val="1"/>
-            <c:bubble3D val="0"/>
             <c:spPr>
               <a:solidFill>
                 <a:schemeClr val="accent4"/>
@@ -231,7 +219,6 @@
           </c:dPt>
           <c:dPt>
             <c:idx val="2"/>
-            <c:bubble3D val="0"/>
             <c:spPr>
               <a:solidFill>
                 <a:schemeClr val="accent6"/>
@@ -244,7 +231,6 @@
           </c:dPt>
           <c:dPt>
             <c:idx val="3"/>
-            <c:bubble3D val="0"/>
             <c:spPr>
               <a:solidFill>
                 <a:schemeClr val="accent2">
@@ -259,7 +245,6 @@
           </c:dPt>
           <c:dPt>
             <c:idx val="4"/>
-            <c:bubble3D val="0"/>
             <c:spPr>
               <a:solidFill>
                 <a:schemeClr val="accent4">
@@ -274,7 +259,6 @@
           </c:dPt>
           <c:dPt>
             <c:idx val="5"/>
-            <c:bubble3D val="0"/>
             <c:spPr>
               <a:solidFill>
                 <a:schemeClr val="accent6">
@@ -289,7 +273,6 @@
           </c:dPt>
           <c:dPt>
             <c:idx val="6"/>
-            <c:bubble3D val="0"/>
             <c:spPr>
               <a:solidFill>
                 <a:schemeClr val="accent2">
@@ -305,7 +288,6 @@
           </c:dPt>
           <c:dPt>
             <c:idx val="7"/>
-            <c:bubble3D val="0"/>
             <c:spPr>
               <a:solidFill>
                 <a:schemeClr val="accent4">
@@ -321,7 +303,6 @@
           </c:dPt>
           <c:dPt>
             <c:idx val="8"/>
-            <c:bubble3D val="0"/>
             <c:spPr>
               <a:solidFill>
                 <a:schemeClr val="accent6">
@@ -360,12 +341,8 @@
                 <a:endParaRPr lang="zh-CN"/>
               </a:p>
             </c:txPr>
-            <c:showLegendKey val="0"/>
-            <c:showVal val="0"/>
             <c:showCatName val="1"/>
-            <c:showSerName val="0"/>
             <c:showPercent val="1"/>
-            <c:showBubbleSize val="0"/>
             <c:showLeaderLines val="1"/>
             <c:leaderLines>
               <c:spPr>
@@ -459,13 +436,8 @@
           <c:extLst/>
         </c:ser>
         <c:dLbls>
-          <c:showLegendKey val="0"/>
-          <c:showVal val="0"/>
           <c:showCatName val="1"/>
-          <c:showSerName val="0"/>
           <c:showPercent val="1"/>
-          <c:showBubbleSize val="0"/>
-          <c:showLeaderLines val="1"/>
         </c:dLbls>
         <c:firstSliceAng val="0"/>
       </c:pieChart>
@@ -477,9 +449,7 @@
         <a:effectLst/>
       </c:spPr>
     </c:plotArea>
-    <c:plotVisOnly val="0"/>
     <c:dispBlanksAs val="zero"/>
-    <c:showDLblsOverMax val="0"/>
   </c:chart>
   <c:spPr>
     <a:noFill/>
@@ -500,25 +470,13 @@
       <a:endParaRPr lang="zh-CN"/>
     </a:p>
   </c:txPr>
-  <c:externalData r:id="rId3">
-    <c:autoUpdate val="0"/>
-  </c:externalData>
+  <c:externalData r:id="rId1"/>
 </c:chartSpace>
 </file>
 
 <file path=ppt/charts/chart2.xml><?xml version="1.0" encoding="utf-8"?>
 <c:chartSpace xmlns:c="http://schemas.openxmlformats.org/drawingml/2006/chart" xmlns:a="http://schemas.openxmlformats.org/drawingml/2006/main" xmlns:r="http://schemas.openxmlformats.org/officeDocument/2006/relationships">
-  <c:date1904 val="0"/>
   <c:lang val="zh-CN"/>
-  <c:roundedCorners val="0"/>
-  <mc:AlternateContent xmlns:mc="http://schemas.openxmlformats.org/markup-compatibility/2006">
-    <mc:Choice xmlns:c14="http://schemas.microsoft.com/office/drawing/2007/8/2/chart" Requires="c14">
-      <c14:style val="102"/>
-    </mc:Choice>
-    <mc:Fallback>
-      <c:style val="2"/>
-    </mc:Fallback>
-  </mc:AlternateContent>
   <c:chart>
     <c:title>
       <c:tx>
@@ -548,11 +506,10 @@
         <c:manualLayout>
           <c:xMode val="edge"/>
           <c:yMode val="edge"/>
-          <c:x val="0.63271114425941799"/>
-          <c:y val="0.91902286350856721"/>
+          <c:x val="0.6327111442594181"/>
+          <c:y val="0.91902286350856732"/>
         </c:manualLayout>
       </c:layout>
-      <c:overlay val="0"/>
       <c:spPr>
         <a:noFill/>
         <a:ln>
@@ -560,25 +517,7 @@
         </a:ln>
         <a:effectLst/>
       </c:spPr>
-      <c:txPr>
-        <a:bodyPr rot="0" spcFirstLastPara="1" vertOverflow="ellipsis" vert="horz" wrap="square" anchor="ctr" anchorCtr="1"/>
-        <a:lstStyle/>
-        <a:p>
-          <a:pPr>
-            <a:defRPr sz="2160" b="1" i="0" u="none" strike="noStrike" kern="1200" baseline="0">
-              <a:solidFill>
-                <a:schemeClr val="tx1"/>
-              </a:solidFill>
-              <a:latin typeface="+mn-lt"/>
-              <a:ea typeface="+mn-ea"/>
-              <a:cs typeface="+mn-cs"/>
-            </a:defRPr>
-          </a:pPr>
-          <a:endParaRPr lang="zh-CN"/>
-        </a:p>
-      </c:txPr>
     </c:title>
-    <c:autoTitleDeleted val="0"/>
     <c:plotArea>
       <c:layout/>
       <c:pieChart>
@@ -599,7 +538,6 @@
           </c:tx>
           <c:dPt>
             <c:idx val="0"/>
-            <c:bubble3D val="0"/>
             <c:spPr>
               <a:solidFill>
                 <a:schemeClr val="accent2"/>
@@ -612,7 +550,6 @@
           </c:dPt>
           <c:dPt>
             <c:idx val="1"/>
-            <c:bubble3D val="0"/>
             <c:spPr>
               <a:solidFill>
                 <a:schemeClr val="accent4"/>
@@ -625,7 +562,6 @@
           </c:dPt>
           <c:dPt>
             <c:idx val="2"/>
-            <c:bubble3D val="0"/>
             <c:spPr>
               <a:solidFill>
                 <a:schemeClr val="accent6"/>
@@ -638,7 +574,6 @@
           </c:dPt>
           <c:dPt>
             <c:idx val="3"/>
-            <c:bubble3D val="0"/>
             <c:spPr>
               <a:solidFill>
                 <a:schemeClr val="accent2">
@@ -653,7 +588,6 @@
           </c:dPt>
           <c:dPt>
             <c:idx val="4"/>
-            <c:bubble3D val="0"/>
             <c:spPr>
               <a:solidFill>
                 <a:schemeClr val="accent4">
@@ -668,7 +602,6 @@
           </c:dPt>
           <c:dPt>
             <c:idx val="5"/>
-            <c:bubble3D val="0"/>
             <c:spPr>
               <a:solidFill>
                 <a:schemeClr val="accent6">
@@ -708,13 +641,8 @@
                 <a:endParaRPr lang="zh-CN"/>
               </a:p>
             </c:txPr>
-            <c:showLegendKey val="0"/>
-            <c:showVal val="0"/>
             <c:showCatName val="1"/>
-            <c:showSerName val="0"/>
             <c:showPercent val="1"/>
-            <c:showBubbleSize val="0"/>
-            <c:showLeaderLines val="0"/>
             <c:extLst>
               <c:ext xmlns:c15="http://schemas.microsoft.com/office/drawing/2012/chart" uri="{CE6537A1-D6FC-4f65-9D91-7224C49458BB}">
                 <c15:layout/>
@@ -776,13 +704,8 @@
           </c:val>
         </c:ser>
         <c:dLbls>
-          <c:showLegendKey val="0"/>
-          <c:showVal val="0"/>
           <c:showCatName val="1"/>
-          <c:showSerName val="0"/>
           <c:showPercent val="1"/>
-          <c:showBubbleSize val="0"/>
-          <c:showLeaderLines val="0"/>
         </c:dLbls>
         <c:firstSliceAng val="0"/>
       </c:pieChart>
@@ -795,8 +718,7 @@
       </c:spPr>
     </c:plotArea>
     <c:plotVisOnly val="1"/>
-    <c:dispBlanksAs val="gap"/>
-    <c:showDLblsOverMax val="0"/>
+    <c:dispBlanksAs val="zero"/>
   </c:chart>
   <c:spPr>
     <a:noFill/>
@@ -817,9 +739,7 @@
       <a:endParaRPr lang="zh-CN"/>
     </a:p>
   </c:txPr>
-  <c:externalData r:id="rId3">
-    <c:autoUpdate val="0"/>
-  </c:externalData>
+  <c:externalData r:id="rId1"/>
 </c:chartSpace>
 </file>
 
@@ -1784,7 +1704,7 @@
     <p:text/>
     <p:extLst>
       <p:ext uri="{C676402C-5697-4E1C-873F-D02D1690AC5C}">
-        <p15:threadingInfo xmlns:p15="http://schemas.microsoft.com/office/powerpoint/2012/main" timeZoneBias="-480"/>
+        <p15:threadingInfo xmlns:p15="http://schemas.microsoft.com/office/powerpoint/2012/main" xmlns="" timeZoneBias="-480"/>
       </p:ext>
     </p:extLst>
   </p:cm>
@@ -5137,15 +5057,15 @@
     </dgm:pt>
   </dgm:ptLst>
   <dgm:cxnLst>
+    <dgm:cxn modelId="{B2280418-878E-4B8F-B912-E1C67AD909FE}" type="presOf" srcId="{01283AE1-6792-4ACE-A856-CBCE96AA03BE}" destId="{574D576A-56EA-42BC-85D2-CFC064124D29}" srcOrd="0" destOrd="0" presId="urn:microsoft.com/office/officeart/2005/8/layout/hList6"/>
     <dgm:cxn modelId="{8A790073-B15C-4DC8-8E37-C00AEE9AD816}" srcId="{01283AE1-6792-4ACE-A856-CBCE96AA03BE}" destId="{5BC199E0-DF68-43D3-B765-0CEDF392B228}" srcOrd="1" destOrd="0" parTransId="{2B2F120E-4A70-4BE1-B3C5-14ACDFB31E8C}" sibTransId="{AC182543-F170-40A4-A3D8-BF35EADCAFD8}"/>
+    <dgm:cxn modelId="{FB850789-F7BC-4C03-8BE5-EE2448A01BE3}" type="presOf" srcId="{CC68CA08-DAA0-4065-8DE3-DCDF925CC3BB}" destId="{59AAEB71-E03F-4FA0-8AC1-58E19F092DB6}" srcOrd="0" destOrd="0" presId="urn:microsoft.com/office/officeart/2005/8/layout/hList6"/>
+    <dgm:cxn modelId="{EE368F7C-B69C-4023-A49D-8D0625A545D9}" type="presOf" srcId="{A0784A84-C867-448B-937E-735D4A1F5DB0}" destId="{1BAC7C92-48DB-4CD2-913F-229A9DF2EB7E}" srcOrd="0" destOrd="0" presId="urn:microsoft.com/office/officeart/2005/8/layout/hList6"/>
+    <dgm:cxn modelId="{4C820ABD-A7B3-4756-9412-0B682ABB5F2F}" srcId="{01283AE1-6792-4ACE-A856-CBCE96AA03BE}" destId="{42D4448C-C5FB-4206-B107-515D59762D47}" srcOrd="2" destOrd="0" parTransId="{029CB2F0-7D51-4B44-885A-2D696EF1295E}" sibTransId="{5CFA4DAE-F93F-47F6-9265-7A5370477511}"/>
+    <dgm:cxn modelId="{D9361309-8D28-4166-A4C7-303E32744E19}" srcId="{01283AE1-6792-4ACE-A856-CBCE96AA03BE}" destId="{CC68CA08-DAA0-4065-8DE3-DCDF925CC3BB}" srcOrd="3" destOrd="0" parTransId="{6402084D-FCA5-4B72-92B5-0887D818600A}" sibTransId="{5F70E8A7-4C65-41A8-A3E2-9B4015366357}"/>
     <dgm:cxn modelId="{1A5B2260-E17F-4BBE-AAD9-4BED48379872}" type="presOf" srcId="{5BC199E0-DF68-43D3-B765-0CEDF392B228}" destId="{C19C4CC4-4408-4336-8021-DCDA70786B84}" srcOrd="0" destOrd="0" presId="urn:microsoft.com/office/officeart/2005/8/layout/hList6"/>
-    <dgm:cxn modelId="{FB850789-F7BC-4C03-8BE5-EE2448A01BE3}" type="presOf" srcId="{CC68CA08-DAA0-4065-8DE3-DCDF925CC3BB}" destId="{59AAEB71-E03F-4FA0-8AC1-58E19F092DB6}" srcOrd="0" destOrd="0" presId="urn:microsoft.com/office/officeart/2005/8/layout/hList6"/>
     <dgm:cxn modelId="{868EBAB3-EBA0-4FA7-A14B-AA8BEAEA35E9}" srcId="{01283AE1-6792-4ACE-A856-CBCE96AA03BE}" destId="{A0784A84-C867-448B-937E-735D4A1F5DB0}" srcOrd="0" destOrd="0" parTransId="{4A4F826A-9C2F-4E04-907F-447412BE796E}" sibTransId="{54D90DF1-B6D7-47A2-B7AC-EC9CB6A2F71F}"/>
     <dgm:cxn modelId="{4D53DEA3-6561-4B6E-B40F-D6E4F882835D}" type="presOf" srcId="{42D4448C-C5FB-4206-B107-515D59762D47}" destId="{FC426D81-F097-478B-AAD3-A103F255A0E4}" srcOrd="0" destOrd="0" presId="urn:microsoft.com/office/officeart/2005/8/layout/hList6"/>
-    <dgm:cxn modelId="{4C820ABD-A7B3-4756-9412-0B682ABB5F2F}" srcId="{01283AE1-6792-4ACE-A856-CBCE96AA03BE}" destId="{42D4448C-C5FB-4206-B107-515D59762D47}" srcOrd="2" destOrd="0" parTransId="{029CB2F0-7D51-4B44-885A-2D696EF1295E}" sibTransId="{5CFA4DAE-F93F-47F6-9265-7A5370477511}"/>
-    <dgm:cxn modelId="{D9361309-8D28-4166-A4C7-303E32744E19}" srcId="{01283AE1-6792-4ACE-A856-CBCE96AA03BE}" destId="{CC68CA08-DAA0-4065-8DE3-DCDF925CC3BB}" srcOrd="3" destOrd="0" parTransId="{6402084D-FCA5-4B72-92B5-0887D818600A}" sibTransId="{5F70E8A7-4C65-41A8-A3E2-9B4015366357}"/>
-    <dgm:cxn modelId="{B2280418-878E-4B8F-B912-E1C67AD909FE}" type="presOf" srcId="{01283AE1-6792-4ACE-A856-CBCE96AA03BE}" destId="{574D576A-56EA-42BC-85D2-CFC064124D29}" srcOrd="0" destOrd="0" presId="urn:microsoft.com/office/officeart/2005/8/layout/hList6"/>
-    <dgm:cxn modelId="{EE368F7C-B69C-4023-A49D-8D0625A545D9}" type="presOf" srcId="{A0784A84-C867-448B-937E-735D4A1F5DB0}" destId="{1BAC7C92-48DB-4CD2-913F-229A9DF2EB7E}" srcOrd="0" destOrd="0" presId="urn:microsoft.com/office/officeart/2005/8/layout/hList6"/>
     <dgm:cxn modelId="{9F51E6D8-5C37-4C38-A391-2BA482A23EDF}" type="presParOf" srcId="{574D576A-56EA-42BC-85D2-CFC064124D29}" destId="{1BAC7C92-48DB-4CD2-913F-229A9DF2EB7E}" srcOrd="0" destOrd="0" presId="urn:microsoft.com/office/officeart/2005/8/layout/hList6"/>
     <dgm:cxn modelId="{1510022D-14F9-474A-B084-CAE811BA2FE4}" type="presParOf" srcId="{574D576A-56EA-42BC-85D2-CFC064124D29}" destId="{E4DC0848-9670-4EC9-AFAA-36028125F488}" srcOrd="1" destOrd="0" presId="urn:microsoft.com/office/officeart/2005/8/layout/hList6"/>
     <dgm:cxn modelId="{B5F706B9-25B1-4362-BFA6-EAF25945B49B}" type="presParOf" srcId="{574D576A-56EA-42BC-85D2-CFC064124D29}" destId="{C19C4CC4-4408-4336-8021-DCDA70786B84}" srcOrd="2" destOrd="0" presId="urn:microsoft.com/office/officeart/2005/8/layout/hList6"/>
@@ -5158,7 +5078,7 @@
   <dgm:whole/>
   <dgm:extLst>
     <a:ext uri="http://schemas.microsoft.com/office/drawing/2008/diagram">
-      <dsp:dataModelExt xmlns:dsp="http://schemas.microsoft.com/office/drawing/2008/diagram" relId="rId7" minVer="http://schemas.openxmlformats.org/drawingml/2006/diagram"/>
+      <dsp:dataModelExt xmlns:dsp="http://schemas.microsoft.com/office/drawing/2008/diagram" xmlns="" relId="rId7" minVer="http://schemas.openxmlformats.org/drawingml/2006/diagram"/>
     </a:ext>
   </dgm:extLst>
 </dgm:dataModel>
@@ -5528,6 +5448,13 @@
         </dgm:presLayoutVars>
       </dgm:prSet>
       <dgm:spPr/>
+      <dgm:t>
+        <a:bodyPr/>
+        <a:lstStyle/>
+        <a:p>
+          <a:endParaRPr lang="zh-CN" altLang="en-US"/>
+        </a:p>
+      </dgm:t>
     </dgm:pt>
     <dgm:pt modelId="{13F417B4-B05C-4E01-97BE-8FE5B4DFFBCD}" type="pres">
       <dgm:prSet presAssocID="{F25648D3-4B2D-4AC8-B95F-6367E4304B6C}" presName="parentText" presStyleLbl="node1" presStyleIdx="0" presStyleCnt="9">
@@ -5537,6 +5464,13 @@
         </dgm:presLayoutVars>
       </dgm:prSet>
       <dgm:spPr/>
+      <dgm:t>
+        <a:bodyPr/>
+        <a:lstStyle/>
+        <a:p>
+          <a:endParaRPr lang="zh-CN" altLang="en-US"/>
+        </a:p>
+      </dgm:t>
     </dgm:pt>
     <dgm:pt modelId="{23FFE85B-604C-4537-8A2C-6B365F6F5013}" type="pres">
       <dgm:prSet presAssocID="{3CEA008C-7AC4-404C-AFB1-5097C784B973}" presName="spacer" presStyleCnt="0"/>
@@ -5550,6 +5484,13 @@
         </dgm:presLayoutVars>
       </dgm:prSet>
       <dgm:spPr/>
+      <dgm:t>
+        <a:bodyPr/>
+        <a:lstStyle/>
+        <a:p>
+          <a:endParaRPr lang="zh-CN" altLang="en-US"/>
+        </a:p>
+      </dgm:t>
     </dgm:pt>
     <dgm:pt modelId="{9A902C5F-ADD4-4517-8C94-D312AAFC5827}" type="pres">
       <dgm:prSet presAssocID="{4F90B89C-F776-49FE-91E5-3989DFD591E7}" presName="spacer" presStyleCnt="0"/>
@@ -5563,6 +5504,13 @@
         </dgm:presLayoutVars>
       </dgm:prSet>
       <dgm:spPr/>
+      <dgm:t>
+        <a:bodyPr/>
+        <a:lstStyle/>
+        <a:p>
+          <a:endParaRPr lang="zh-CN" altLang="en-US"/>
+        </a:p>
+      </dgm:t>
     </dgm:pt>
     <dgm:pt modelId="{2E59796A-F3ED-412D-AF0E-F243582716CE}" type="pres">
       <dgm:prSet presAssocID="{CFBC7339-64CB-4A6F-B9F0-F556B4AE75C6}" presName="spacer" presStyleCnt="0"/>
@@ -5576,6 +5524,13 @@
         </dgm:presLayoutVars>
       </dgm:prSet>
       <dgm:spPr/>
+      <dgm:t>
+        <a:bodyPr/>
+        <a:lstStyle/>
+        <a:p>
+          <a:endParaRPr lang="zh-CN" altLang="en-US"/>
+        </a:p>
+      </dgm:t>
     </dgm:pt>
     <dgm:pt modelId="{F2B3BFEB-83C8-4247-ACF8-F2A4743E12B7}" type="pres">
       <dgm:prSet presAssocID="{97DB0E8C-4C16-467E-B9B7-156B61DF4C50}" presName="spacer" presStyleCnt="0"/>
@@ -5589,6 +5544,13 @@
         </dgm:presLayoutVars>
       </dgm:prSet>
       <dgm:spPr/>
+      <dgm:t>
+        <a:bodyPr/>
+        <a:lstStyle/>
+        <a:p>
+          <a:endParaRPr lang="zh-CN" altLang="en-US"/>
+        </a:p>
+      </dgm:t>
     </dgm:pt>
     <dgm:pt modelId="{45C1671C-08F5-4C79-873E-641345F575B7}" type="pres">
       <dgm:prSet presAssocID="{518FAF13-A554-47BE-9447-8DC5CDDDE2FA}" presName="spacer" presStyleCnt="0"/>
@@ -5602,6 +5564,13 @@
         </dgm:presLayoutVars>
       </dgm:prSet>
       <dgm:spPr/>
+      <dgm:t>
+        <a:bodyPr/>
+        <a:lstStyle/>
+        <a:p>
+          <a:endParaRPr lang="zh-CN" altLang="en-US"/>
+        </a:p>
+      </dgm:t>
     </dgm:pt>
     <dgm:pt modelId="{61F5ABD8-C57C-4E3E-9783-A139D3967023}" type="pres">
       <dgm:prSet presAssocID="{B13092C5-B869-4D40-8ABA-AB4E10C81BBA}" presName="spacer" presStyleCnt="0"/>
@@ -5615,6 +5584,13 @@
         </dgm:presLayoutVars>
       </dgm:prSet>
       <dgm:spPr/>
+      <dgm:t>
+        <a:bodyPr/>
+        <a:lstStyle/>
+        <a:p>
+          <a:endParaRPr lang="zh-CN" altLang="en-US"/>
+        </a:p>
+      </dgm:t>
     </dgm:pt>
     <dgm:pt modelId="{63722DBF-9CA9-4DFB-836F-67448690E940}" type="pres">
       <dgm:prSet presAssocID="{0FBA502A-8C94-4408-82DC-3036B14DC91A}" presName="spacer" presStyleCnt="0"/>
@@ -5628,6 +5604,13 @@
         </dgm:presLayoutVars>
       </dgm:prSet>
       <dgm:spPr/>
+      <dgm:t>
+        <a:bodyPr/>
+        <a:lstStyle/>
+        <a:p>
+          <a:endParaRPr lang="zh-CN" altLang="en-US"/>
+        </a:p>
+      </dgm:t>
     </dgm:pt>
     <dgm:pt modelId="{AF3D7B75-1188-46B4-85B4-F19067F2D8A8}" type="pres">
       <dgm:prSet presAssocID="{3D33C9FA-F1A8-4199-9B31-AF66212BC73B}" presName="spacer" presStyleCnt="0"/>
@@ -5641,6 +5624,13 @@
         </dgm:presLayoutVars>
       </dgm:prSet>
       <dgm:spPr/>
+      <dgm:t>
+        <a:bodyPr/>
+        <a:lstStyle/>
+        <a:p>
+          <a:endParaRPr lang="zh-CN" altLang="en-US"/>
+        </a:p>
+      </dgm:t>
     </dgm:pt>
   </dgm:ptLst>
   <dgm:cxnLst>
@@ -5657,12 +5647,12 @@
     <dgm:cxn modelId="{03EE9BFC-B07B-4B43-8328-154CD2B53DC7}" type="presOf" srcId="{12608442-2D12-4099-907B-838DCA644F87}" destId="{3C134EC1-F90C-4A95-986B-64EC26F9628A}" srcOrd="0" destOrd="0" presId="urn:microsoft.com/office/officeart/2005/8/layout/vList2"/>
     <dgm:cxn modelId="{C7E52DBA-2E25-4924-AA53-EE73BE25B476}" type="presOf" srcId="{89A328AD-B04E-430A-A282-BAD7EE2A6135}" destId="{9D957FCD-19B8-4F52-8F23-D120908C942A}" srcOrd="0" destOrd="0" presId="urn:microsoft.com/office/officeart/2005/8/layout/vList2"/>
     <dgm:cxn modelId="{6CCB52B7-957A-4A39-9000-AD80FF3A3B79}" srcId="{12608442-2D12-4099-907B-838DCA644F87}" destId="{F25648D3-4B2D-4AC8-B95F-6367E4304B6C}" srcOrd="0" destOrd="0" parTransId="{09C5E831-C95B-425E-8D5A-31FF0999EAF2}" sibTransId="{3CEA008C-7AC4-404C-AFB1-5097C784B973}"/>
+    <dgm:cxn modelId="{D5CF9329-8432-4A11-88B8-DBDED98191E6}" srcId="{12608442-2D12-4099-907B-838DCA644F87}" destId="{25643373-1D06-488A-8185-2FC694F957A3}" srcOrd="4" destOrd="0" parTransId="{5BA1773B-CDB8-45BC-90B6-A9B8E276F29E}" sibTransId="{518FAF13-A554-47BE-9447-8DC5CDDDE2FA}"/>
     <dgm:cxn modelId="{AD86FDC5-4CA4-4A9A-8CC4-A10E7E0AEDA3}" srcId="{12608442-2D12-4099-907B-838DCA644F87}" destId="{873E4879-D568-4CD3-A246-934E8D4A7499}" srcOrd="7" destOrd="0" parTransId="{C3C7408E-EBF8-4887-9534-161425D7F3FA}" sibTransId="{3D33C9FA-F1A8-4199-9B31-AF66212BC73B}"/>
-    <dgm:cxn modelId="{D5CF9329-8432-4A11-88B8-DBDED98191E6}" srcId="{12608442-2D12-4099-907B-838DCA644F87}" destId="{25643373-1D06-488A-8185-2FC694F957A3}" srcOrd="4" destOrd="0" parTransId="{5BA1773B-CDB8-45BC-90B6-A9B8E276F29E}" sibTransId="{518FAF13-A554-47BE-9447-8DC5CDDDE2FA}"/>
+    <dgm:cxn modelId="{E351B7AA-7E55-4086-BC05-7B5BD5837BCB}" srcId="{12608442-2D12-4099-907B-838DCA644F87}" destId="{CB3EF51E-0786-4B77-9E0E-5CE39DA123DC}" srcOrd="1" destOrd="0" parTransId="{50E04C24-844D-4B6C-A589-E7D006BC2D08}" sibTransId="{4F90B89C-F776-49FE-91E5-3989DFD591E7}"/>
     <dgm:cxn modelId="{ED17B9D6-E00C-44FD-953A-1DBA245E2530}" srcId="{12608442-2D12-4099-907B-838DCA644F87}" destId="{AB4E9A40-5FE0-440D-86A7-BE294EFDA9A0}" srcOrd="5" destOrd="0" parTransId="{95EF3A29-6AF8-4AAE-AD72-9AC45367C519}" sibTransId="{B13092C5-B869-4D40-8ABA-AB4E10C81BBA}"/>
-    <dgm:cxn modelId="{E351B7AA-7E55-4086-BC05-7B5BD5837BCB}" srcId="{12608442-2D12-4099-907B-838DCA644F87}" destId="{CB3EF51E-0786-4B77-9E0E-5CE39DA123DC}" srcOrd="1" destOrd="0" parTransId="{50E04C24-844D-4B6C-A589-E7D006BC2D08}" sibTransId="{4F90B89C-F776-49FE-91E5-3989DFD591E7}"/>
+    <dgm:cxn modelId="{D5340EE5-C211-44F5-9D90-11D0069E9034}" type="presOf" srcId="{AB4E9A40-5FE0-440D-86A7-BE294EFDA9A0}" destId="{A0016F7E-A614-4BF7-9E9C-74526837614C}" srcOrd="0" destOrd="0" presId="urn:microsoft.com/office/officeart/2005/8/layout/vList2"/>
     <dgm:cxn modelId="{42AD458C-4E76-444E-AC2B-867B0E459E4C}" type="presOf" srcId="{CB3EF51E-0786-4B77-9E0E-5CE39DA123DC}" destId="{12FC72C9-6B4F-44FD-AAF7-0FD013F53B0D}" srcOrd="0" destOrd="0" presId="urn:microsoft.com/office/officeart/2005/8/layout/vList2"/>
-    <dgm:cxn modelId="{D5340EE5-C211-44F5-9D90-11D0069E9034}" type="presOf" srcId="{AB4E9A40-5FE0-440D-86A7-BE294EFDA9A0}" destId="{A0016F7E-A614-4BF7-9E9C-74526837614C}" srcOrd="0" destOrd="0" presId="urn:microsoft.com/office/officeart/2005/8/layout/vList2"/>
     <dgm:cxn modelId="{5C85214E-DF11-440C-B417-FD63656104F8}" type="presParOf" srcId="{3C134EC1-F90C-4A95-986B-64EC26F9628A}" destId="{13F417B4-B05C-4E01-97BE-8FE5B4DFFBCD}" srcOrd="0" destOrd="0" presId="urn:microsoft.com/office/officeart/2005/8/layout/vList2"/>
     <dgm:cxn modelId="{93A22869-3593-41CB-9243-25F4D7928496}" type="presParOf" srcId="{3C134EC1-F90C-4A95-986B-64EC26F9628A}" destId="{23FFE85B-604C-4537-8A2C-6B365F6F5013}" srcOrd="1" destOrd="0" presId="urn:microsoft.com/office/officeart/2005/8/layout/vList2"/>
     <dgm:cxn modelId="{DD817C39-59B1-4DB6-9CB1-3AB644B4CD0A}" type="presParOf" srcId="{3C134EC1-F90C-4A95-986B-64EC26F9628A}" destId="{12FC72C9-6B4F-44FD-AAF7-0FD013F53B0D}" srcOrd="2" destOrd="0" presId="urn:microsoft.com/office/officeart/2005/8/layout/vList2"/>
@@ -5685,7 +5675,7 @@
   <dgm:whole/>
   <dgm:extLst>
     <a:ext uri="http://schemas.microsoft.com/office/drawing/2008/diagram">
-      <dsp:dataModelExt xmlns:dsp="http://schemas.microsoft.com/office/drawing/2008/diagram" relId="rId6" minVer="http://schemas.openxmlformats.org/drawingml/2006/diagram"/>
+      <dsp:dataModelExt xmlns:dsp="http://schemas.microsoft.com/office/drawing/2008/diagram" xmlns="" relId="rId6" minVer="http://schemas.openxmlformats.org/drawingml/2006/diagram"/>
     </a:ext>
   </dgm:extLst>
 </dgm:dataModel>
@@ -5864,6 +5854,13 @@
         </dgm:presLayoutVars>
       </dgm:prSet>
       <dgm:spPr/>
+      <dgm:t>
+        <a:bodyPr/>
+        <a:lstStyle/>
+        <a:p>
+          <a:endParaRPr lang="zh-CN" altLang="en-US"/>
+        </a:p>
+      </dgm:t>
     </dgm:pt>
     <dgm:pt modelId="{A838F566-182C-4A7D-A0CC-6288D95FEA4B}" type="pres">
       <dgm:prSet presAssocID="{ECD5FEE4-F8FE-4A89-B275-225DEAE1365B}" presName="root1" presStyleCnt="0"/>
@@ -5876,6 +5873,13 @@
         </dgm:presLayoutVars>
       </dgm:prSet>
       <dgm:spPr/>
+      <dgm:t>
+        <a:bodyPr/>
+        <a:lstStyle/>
+        <a:p>
+          <a:endParaRPr lang="zh-CN" altLang="en-US"/>
+        </a:p>
+      </dgm:t>
     </dgm:pt>
     <dgm:pt modelId="{6EB9E418-861E-4FD2-946D-44A24403C8E1}" type="pres">
       <dgm:prSet presAssocID="{ECD5FEE4-F8FE-4A89-B275-225DEAE1365B}" presName="level2hierChild" presStyleCnt="0"/>
@@ -5884,10 +5888,24 @@
     <dgm:pt modelId="{A96A41C0-5764-46B8-895F-8CB3D9FB35B5}" type="pres">
       <dgm:prSet presAssocID="{6BF58135-7CA7-449C-96C5-3466F006DC2A}" presName="conn2-1" presStyleLbl="parChTrans1D2" presStyleIdx="0" presStyleCnt="3"/>
       <dgm:spPr/>
+      <dgm:t>
+        <a:bodyPr/>
+        <a:lstStyle/>
+        <a:p>
+          <a:endParaRPr lang="zh-CN" altLang="en-US"/>
+        </a:p>
+      </dgm:t>
     </dgm:pt>
     <dgm:pt modelId="{70C33C40-509C-4A7A-A233-690085674AE9}" type="pres">
       <dgm:prSet presAssocID="{6BF58135-7CA7-449C-96C5-3466F006DC2A}" presName="connTx" presStyleLbl="parChTrans1D2" presStyleIdx="0" presStyleCnt="3"/>
       <dgm:spPr/>
+      <dgm:t>
+        <a:bodyPr/>
+        <a:lstStyle/>
+        <a:p>
+          <a:endParaRPr lang="zh-CN" altLang="en-US"/>
+        </a:p>
+      </dgm:t>
     </dgm:pt>
     <dgm:pt modelId="{96CDC8F0-2189-40CD-9A36-79387FE626CD}" type="pres">
       <dgm:prSet presAssocID="{C0B76923-4142-437F-B9EA-B9E972E333D1}" presName="root2" presStyleCnt="0"/>
@@ -5900,6 +5918,13 @@
         </dgm:presLayoutVars>
       </dgm:prSet>
       <dgm:spPr/>
+      <dgm:t>
+        <a:bodyPr/>
+        <a:lstStyle/>
+        <a:p>
+          <a:endParaRPr lang="zh-CN" altLang="en-US"/>
+        </a:p>
+      </dgm:t>
     </dgm:pt>
     <dgm:pt modelId="{65098B25-F784-4EB1-82BC-40D4AFC7024B}" type="pres">
       <dgm:prSet presAssocID="{C0B76923-4142-437F-B9EA-B9E972E333D1}" presName="level3hierChild" presStyleCnt="0"/>
@@ -5908,10 +5933,24 @@
     <dgm:pt modelId="{B4A513AB-C2E6-492E-8161-207361CC1A7D}" type="pres">
       <dgm:prSet presAssocID="{4281BB24-A722-47B7-9ACB-448D3373C1A4}" presName="conn2-1" presStyleLbl="parChTrans1D2" presStyleIdx="1" presStyleCnt="3"/>
       <dgm:spPr/>
+      <dgm:t>
+        <a:bodyPr/>
+        <a:lstStyle/>
+        <a:p>
+          <a:endParaRPr lang="zh-CN" altLang="en-US"/>
+        </a:p>
+      </dgm:t>
     </dgm:pt>
     <dgm:pt modelId="{8356D5EE-9BE6-4598-A4AA-115ADB9AB7C2}" type="pres">
       <dgm:prSet presAssocID="{4281BB24-A722-47B7-9ACB-448D3373C1A4}" presName="connTx" presStyleLbl="parChTrans1D2" presStyleIdx="1" presStyleCnt="3"/>
       <dgm:spPr/>
+      <dgm:t>
+        <a:bodyPr/>
+        <a:lstStyle/>
+        <a:p>
+          <a:endParaRPr lang="zh-CN" altLang="en-US"/>
+        </a:p>
+      </dgm:t>
     </dgm:pt>
     <dgm:pt modelId="{521FD10C-14DC-4809-9032-160142D909B9}" type="pres">
       <dgm:prSet presAssocID="{326D6A3A-8084-456B-AEBA-51082EDD4A99}" presName="root2" presStyleCnt="0"/>
@@ -5924,6 +5963,13 @@
         </dgm:presLayoutVars>
       </dgm:prSet>
       <dgm:spPr/>
+      <dgm:t>
+        <a:bodyPr/>
+        <a:lstStyle/>
+        <a:p>
+          <a:endParaRPr lang="zh-CN" altLang="en-US"/>
+        </a:p>
+      </dgm:t>
     </dgm:pt>
     <dgm:pt modelId="{333CF175-C15F-4A80-9913-3CF4E5AB2515}" type="pres">
       <dgm:prSet presAssocID="{326D6A3A-8084-456B-AEBA-51082EDD4A99}" presName="level3hierChild" presStyleCnt="0"/>
@@ -5932,10 +5978,24 @@
     <dgm:pt modelId="{79315EFD-F0D5-4F6D-B6E2-08344FD98E5B}" type="pres">
       <dgm:prSet presAssocID="{5934292A-0991-49E2-9586-635A2C229680}" presName="conn2-1" presStyleLbl="parChTrans1D2" presStyleIdx="2" presStyleCnt="3"/>
       <dgm:spPr/>
+      <dgm:t>
+        <a:bodyPr/>
+        <a:lstStyle/>
+        <a:p>
+          <a:endParaRPr lang="zh-CN" altLang="en-US"/>
+        </a:p>
+      </dgm:t>
     </dgm:pt>
     <dgm:pt modelId="{716EE90F-2927-4BAE-8E18-DB83BD69B1D1}" type="pres">
       <dgm:prSet presAssocID="{5934292A-0991-49E2-9586-635A2C229680}" presName="connTx" presStyleLbl="parChTrans1D2" presStyleIdx="2" presStyleCnt="3"/>
       <dgm:spPr/>
+      <dgm:t>
+        <a:bodyPr/>
+        <a:lstStyle/>
+        <a:p>
+          <a:endParaRPr lang="zh-CN" altLang="en-US"/>
+        </a:p>
+      </dgm:t>
     </dgm:pt>
     <dgm:pt modelId="{1AB4D82E-EC99-4C2C-B153-FE4B2AC8A2FB}" type="pres">
       <dgm:prSet presAssocID="{13589A82-6D90-4135-B8D7-3A6E86C8EE39}" presName="root2" presStyleCnt="0"/>
@@ -5948,6 +6008,13 @@
         </dgm:presLayoutVars>
       </dgm:prSet>
       <dgm:spPr/>
+      <dgm:t>
+        <a:bodyPr/>
+        <a:lstStyle/>
+        <a:p>
+          <a:endParaRPr lang="zh-CN" altLang="en-US"/>
+        </a:p>
+      </dgm:t>
     </dgm:pt>
     <dgm:pt modelId="{505C8E15-11D9-477F-A3A9-390AA00E6040}" type="pres">
       <dgm:prSet presAssocID="{13589A82-6D90-4135-B8D7-3A6E86C8EE39}" presName="level3hierChild" presStyleCnt="0"/>
@@ -5956,20 +6023,20 @@
   </dgm:ptLst>
   <dgm:cxnLst>
     <dgm:cxn modelId="{FA8B9F46-69F3-4776-BCE1-A8A221BAD222}" srcId="{ECD5FEE4-F8FE-4A89-B275-225DEAE1365B}" destId="{C0B76923-4142-437F-B9EA-B9E972E333D1}" srcOrd="0" destOrd="0" parTransId="{6BF58135-7CA7-449C-96C5-3466F006DC2A}" sibTransId="{373BADAB-0E15-4AD7-9F7A-EEAC8EAB14D8}"/>
-    <dgm:cxn modelId="{E1ECDE35-67D3-48A6-8F44-7424501C062D}" srcId="{ECD5FEE4-F8FE-4A89-B275-225DEAE1365B}" destId="{326D6A3A-8084-456B-AEBA-51082EDD4A99}" srcOrd="1" destOrd="0" parTransId="{4281BB24-A722-47B7-9ACB-448D3373C1A4}" sibTransId="{4B0A2760-EA1C-4EC6-8A68-CEAA769B918B}"/>
-    <dgm:cxn modelId="{B28AA845-9BB3-483A-95BE-06890963522C}" type="presOf" srcId="{4281BB24-A722-47B7-9ACB-448D3373C1A4}" destId="{B4A513AB-C2E6-492E-8161-207361CC1A7D}" srcOrd="0" destOrd="0" presId="urn:microsoft.com/office/officeart/2005/8/layout/hierarchy2"/>
     <dgm:cxn modelId="{F8098299-332F-424D-B779-85EC7CEBCB69}" type="presOf" srcId="{ECD5FEE4-F8FE-4A89-B275-225DEAE1365B}" destId="{D4EF05F2-0854-4310-8437-63917B197385}" srcOrd="0" destOrd="0" presId="urn:microsoft.com/office/officeart/2005/8/layout/hierarchy2"/>
+    <dgm:cxn modelId="{B54FA0F0-FE5B-4484-B63E-FCC0C6C1EB9B}" type="presOf" srcId="{5934292A-0991-49E2-9586-635A2C229680}" destId="{79315EFD-F0D5-4F6D-B6E2-08344FD98E5B}" srcOrd="0" destOrd="0" presId="urn:microsoft.com/office/officeart/2005/8/layout/hierarchy2"/>
+    <dgm:cxn modelId="{CE8EC631-7A35-490F-9808-6E93AEDA40F9}" type="presOf" srcId="{5934292A-0991-49E2-9586-635A2C229680}" destId="{716EE90F-2927-4BAE-8E18-DB83BD69B1D1}" srcOrd="1" destOrd="0" presId="urn:microsoft.com/office/officeart/2005/8/layout/hierarchy2"/>
+    <dgm:cxn modelId="{5311675D-EBB5-4C44-A882-F1BB0582048B}" srcId="{ECD5FEE4-F8FE-4A89-B275-225DEAE1365B}" destId="{13589A82-6D90-4135-B8D7-3A6E86C8EE39}" srcOrd="2" destOrd="0" parTransId="{5934292A-0991-49E2-9586-635A2C229680}" sibTransId="{5380AFB7-720B-4614-BBA7-22864506B485}"/>
+    <dgm:cxn modelId="{CFAD38A1-E21C-4800-B0C9-00B861E854A6}" type="presOf" srcId="{6BF58135-7CA7-449C-96C5-3466F006DC2A}" destId="{70C33C40-509C-4A7A-A233-690085674AE9}" srcOrd="1" destOrd="0" presId="urn:microsoft.com/office/officeart/2005/8/layout/hierarchy2"/>
+    <dgm:cxn modelId="{DE3B0C7A-4782-4176-8C5F-13D10CCBBC3C}" type="presOf" srcId="{6BF58135-7CA7-449C-96C5-3466F006DC2A}" destId="{A96A41C0-5764-46B8-895F-8CB3D9FB35B5}" srcOrd="0" destOrd="0" presId="urn:microsoft.com/office/officeart/2005/8/layout/hierarchy2"/>
     <dgm:cxn modelId="{5AE96FA4-A48C-4A58-8F9F-851E331E3FA7}" type="presOf" srcId="{326D6A3A-8084-456B-AEBA-51082EDD4A99}" destId="{E97E8025-E196-4855-9B9E-6B6772445907}" srcOrd="0" destOrd="0" presId="urn:microsoft.com/office/officeart/2005/8/layout/hierarchy2"/>
-    <dgm:cxn modelId="{B54FA0F0-FE5B-4484-B63E-FCC0C6C1EB9B}" type="presOf" srcId="{5934292A-0991-49E2-9586-635A2C229680}" destId="{79315EFD-F0D5-4F6D-B6E2-08344FD98E5B}" srcOrd="0" destOrd="0" presId="urn:microsoft.com/office/officeart/2005/8/layout/hierarchy2"/>
     <dgm:cxn modelId="{9012DD3F-C7C5-4C92-98A0-B499616DCBB3}" srcId="{68ABACAE-B821-40F8-83C1-98FA11018ECE}" destId="{ECD5FEE4-F8FE-4A89-B275-225DEAE1365B}" srcOrd="0" destOrd="0" parTransId="{A75360FC-0419-468B-89E7-E02A7444AD3D}" sibTransId="{57BCCAF5-D2EC-4700-BB1C-9BC9A4FE07A9}"/>
-    <dgm:cxn modelId="{0A7619A1-CFBD-4D00-807B-65F4ADB34AB8}" type="presOf" srcId="{4281BB24-A722-47B7-9ACB-448D3373C1A4}" destId="{8356D5EE-9BE6-4598-A4AA-115ADB9AB7C2}" srcOrd="1" destOrd="0" presId="urn:microsoft.com/office/officeart/2005/8/layout/hierarchy2"/>
-    <dgm:cxn modelId="{5311675D-EBB5-4C44-A882-F1BB0582048B}" srcId="{ECD5FEE4-F8FE-4A89-B275-225DEAE1365B}" destId="{13589A82-6D90-4135-B8D7-3A6E86C8EE39}" srcOrd="2" destOrd="0" parTransId="{5934292A-0991-49E2-9586-635A2C229680}" sibTransId="{5380AFB7-720B-4614-BBA7-22864506B485}"/>
+    <dgm:cxn modelId="{83AC8B7C-0097-4BF3-8515-DE23E4AFD269}" type="presOf" srcId="{68ABACAE-B821-40F8-83C1-98FA11018ECE}" destId="{3991A67E-CA15-41A2-B74F-AD1689BDAEF0}" srcOrd="0" destOrd="0" presId="urn:microsoft.com/office/officeart/2005/8/layout/hierarchy2"/>
     <dgm:cxn modelId="{9FB69068-1334-4594-A14F-3483854D5934}" type="presOf" srcId="{C0B76923-4142-437F-B9EA-B9E972E333D1}" destId="{D8C75AAF-0C30-49C2-8872-1A709B2ED191}" srcOrd="0" destOrd="0" presId="urn:microsoft.com/office/officeart/2005/8/layout/hierarchy2"/>
     <dgm:cxn modelId="{02E1F27F-297B-42CC-8245-B32AD3CF5192}" type="presOf" srcId="{13589A82-6D90-4135-B8D7-3A6E86C8EE39}" destId="{F1B24ECC-6A9E-429C-BD67-8F8FB6027DF6}" srcOrd="0" destOrd="0" presId="urn:microsoft.com/office/officeart/2005/8/layout/hierarchy2"/>
-    <dgm:cxn modelId="{CFAD38A1-E21C-4800-B0C9-00B861E854A6}" type="presOf" srcId="{6BF58135-7CA7-449C-96C5-3466F006DC2A}" destId="{70C33C40-509C-4A7A-A233-690085674AE9}" srcOrd="1" destOrd="0" presId="urn:microsoft.com/office/officeart/2005/8/layout/hierarchy2"/>
-    <dgm:cxn modelId="{83AC8B7C-0097-4BF3-8515-DE23E4AFD269}" type="presOf" srcId="{68ABACAE-B821-40F8-83C1-98FA11018ECE}" destId="{3991A67E-CA15-41A2-B74F-AD1689BDAEF0}" srcOrd="0" destOrd="0" presId="urn:microsoft.com/office/officeart/2005/8/layout/hierarchy2"/>
-    <dgm:cxn modelId="{CE8EC631-7A35-490F-9808-6E93AEDA40F9}" type="presOf" srcId="{5934292A-0991-49E2-9586-635A2C229680}" destId="{716EE90F-2927-4BAE-8E18-DB83BD69B1D1}" srcOrd="1" destOrd="0" presId="urn:microsoft.com/office/officeart/2005/8/layout/hierarchy2"/>
-    <dgm:cxn modelId="{DE3B0C7A-4782-4176-8C5F-13D10CCBBC3C}" type="presOf" srcId="{6BF58135-7CA7-449C-96C5-3466F006DC2A}" destId="{A96A41C0-5764-46B8-895F-8CB3D9FB35B5}" srcOrd="0" destOrd="0" presId="urn:microsoft.com/office/officeart/2005/8/layout/hierarchy2"/>
+    <dgm:cxn modelId="{B28AA845-9BB3-483A-95BE-06890963522C}" type="presOf" srcId="{4281BB24-A722-47B7-9ACB-448D3373C1A4}" destId="{B4A513AB-C2E6-492E-8161-207361CC1A7D}" srcOrd="0" destOrd="0" presId="urn:microsoft.com/office/officeart/2005/8/layout/hierarchy2"/>
+    <dgm:cxn modelId="{0A7619A1-CFBD-4D00-807B-65F4ADB34AB8}" type="presOf" srcId="{4281BB24-A722-47B7-9ACB-448D3373C1A4}" destId="{8356D5EE-9BE6-4598-A4AA-115ADB9AB7C2}" srcOrd="1" destOrd="0" presId="urn:microsoft.com/office/officeart/2005/8/layout/hierarchy2"/>
+    <dgm:cxn modelId="{E1ECDE35-67D3-48A6-8F44-7424501C062D}" srcId="{ECD5FEE4-F8FE-4A89-B275-225DEAE1365B}" destId="{326D6A3A-8084-456B-AEBA-51082EDD4A99}" srcOrd="1" destOrd="0" parTransId="{4281BB24-A722-47B7-9ACB-448D3373C1A4}" sibTransId="{4B0A2760-EA1C-4EC6-8A68-CEAA769B918B}"/>
     <dgm:cxn modelId="{0F6E7D7A-41FD-4E85-995E-83E5C5E8EF3C}" type="presParOf" srcId="{3991A67E-CA15-41A2-B74F-AD1689BDAEF0}" destId="{A838F566-182C-4A7D-A0CC-6288D95FEA4B}" srcOrd="0" destOrd="0" presId="urn:microsoft.com/office/officeart/2005/8/layout/hierarchy2"/>
     <dgm:cxn modelId="{D502390C-3A32-4782-BDC0-BB8184FB8068}" type="presParOf" srcId="{A838F566-182C-4A7D-A0CC-6288D95FEA4B}" destId="{D4EF05F2-0854-4310-8437-63917B197385}" srcOrd="0" destOrd="0" presId="urn:microsoft.com/office/officeart/2005/8/layout/hierarchy2"/>
     <dgm:cxn modelId="{95535B5E-44D9-423D-910E-8E5CE01442B1}" type="presParOf" srcId="{A838F566-182C-4A7D-A0CC-6288D95FEA4B}" destId="{6EB9E418-861E-4FD2-946D-44A24403C8E1}" srcOrd="1" destOrd="0" presId="urn:microsoft.com/office/officeart/2005/8/layout/hierarchy2"/>
@@ -5993,7 +6060,7 @@
   <dgm:whole/>
   <dgm:extLst>
     <a:ext uri="http://schemas.microsoft.com/office/drawing/2008/diagram">
-      <dsp:dataModelExt xmlns:dsp="http://schemas.microsoft.com/office/drawing/2008/diagram" relId="rId7" minVer="http://schemas.openxmlformats.org/drawingml/2006/diagram"/>
+      <dsp:dataModelExt xmlns:dsp="http://schemas.microsoft.com/office/drawing/2008/diagram" xmlns="" relId="rId7" minVer="http://schemas.openxmlformats.org/drawingml/2006/diagram"/>
     </a:ext>
   </dgm:extLst>
 </dgm:dataModel>
@@ -6250,6 +6317,13 @@
         </dgm:presLayoutVars>
       </dgm:prSet>
       <dgm:spPr/>
+      <dgm:t>
+        <a:bodyPr/>
+        <a:lstStyle/>
+        <a:p>
+          <a:endParaRPr lang="zh-CN" altLang="en-US"/>
+        </a:p>
+      </dgm:t>
     </dgm:pt>
     <dgm:pt modelId="{39955E96-7654-44E1-ADE5-1A557D58AA89}" type="pres">
       <dgm:prSet presAssocID="{97CAE2D7-9C11-4809-9E7D-B3EC132B23D4}" presName="compNode" presStyleCnt="0"/>
@@ -6266,10 +6340,24 @@
         </dgm:presLayoutVars>
       </dgm:prSet>
       <dgm:spPr/>
+      <dgm:t>
+        <a:bodyPr/>
+        <a:lstStyle/>
+        <a:p>
+          <a:endParaRPr lang="zh-CN" altLang="en-US"/>
+        </a:p>
+      </dgm:t>
     </dgm:pt>
     <dgm:pt modelId="{62572535-E523-42B3-B29F-7D548FC4031C}" type="pres">
       <dgm:prSet presAssocID="{97CAE2D7-9C11-4809-9E7D-B3EC132B23D4}" presName="childTextHidden" presStyleLbl="bgAccFollowNode1" presStyleIdx="0" presStyleCnt="1"/>
       <dgm:spPr/>
+      <dgm:t>
+        <a:bodyPr/>
+        <a:lstStyle/>
+        <a:p>
+          <a:endParaRPr lang="zh-CN" altLang="en-US"/>
+        </a:p>
+      </dgm:t>
     </dgm:pt>
     <dgm:pt modelId="{D0EC7321-54F1-407E-9A60-11EADB909AA4}" type="pres">
       <dgm:prSet presAssocID="{97CAE2D7-9C11-4809-9E7D-B3EC132B23D4}" presName="parentText" presStyleLbl="node1" presStyleIdx="0" presStyleCnt="1" custLinFactNeighborX="-64943" custLinFactNeighborY="-2460">
@@ -6279,27 +6367,34 @@
         </dgm:presLayoutVars>
       </dgm:prSet>
       <dgm:spPr/>
+      <dgm:t>
+        <a:bodyPr/>
+        <a:lstStyle/>
+        <a:p>
+          <a:endParaRPr lang="zh-CN" altLang="en-US"/>
+        </a:p>
+      </dgm:t>
     </dgm:pt>
   </dgm:ptLst>
   <dgm:cxnLst>
+    <dgm:cxn modelId="{ACBD455F-166D-48A7-B87E-22B4FF75384F}" type="presOf" srcId="{AD657148-26AE-4E9F-8FC0-A942BFB490B6}" destId="{62572535-E523-42B3-B29F-7D548FC4031C}" srcOrd="1" destOrd="0" presId="urn:microsoft.com/office/officeart/2005/8/layout/hProcess6"/>
     <dgm:cxn modelId="{1F579EA1-129B-43F8-BA8B-DFEB95BB8F24}" type="presOf" srcId="{47E22631-EDFC-4AA5-9B09-16A8BF5B17B5}" destId="{62572535-E523-42B3-B29F-7D548FC4031C}" srcOrd="1" destOrd="2" presId="urn:microsoft.com/office/officeart/2005/8/layout/hProcess6"/>
+    <dgm:cxn modelId="{63BE91F4-A073-4D0B-8D38-B8BC1730AEF2}" type="presOf" srcId="{E9152AD7-00F6-4772-8F42-9D809381A035}" destId="{62572535-E523-42B3-B29F-7D548FC4031C}" srcOrd="1" destOrd="3" presId="urn:microsoft.com/office/officeart/2005/8/layout/hProcess6"/>
+    <dgm:cxn modelId="{EBC45706-4BAD-4B40-9FBC-6F7A66D5F236}" type="presOf" srcId="{263E639B-DCF5-45FE-9156-397137A33DF2}" destId="{DD036332-2853-417C-8ACB-3A96B5039347}" srcOrd="0" destOrd="1" presId="urn:microsoft.com/office/officeart/2005/8/layout/hProcess6"/>
+    <dgm:cxn modelId="{F87A810C-13BD-4920-8C7E-05526B955E72}" srcId="{97CAE2D7-9C11-4809-9E7D-B3EC132B23D4}" destId="{263E639B-DCF5-45FE-9156-397137A33DF2}" srcOrd="1" destOrd="0" parTransId="{A3B4D681-07A5-492A-8078-8CE96718BB03}" sibTransId="{D0F65C60-6B70-48C9-A1BF-7A56D78A50C2}"/>
+    <dgm:cxn modelId="{B1015C5E-D1BE-4BA4-8B81-93230A07009B}" srcId="{97CAE2D7-9C11-4809-9E7D-B3EC132B23D4}" destId="{E9152AD7-00F6-4772-8F42-9D809381A035}" srcOrd="3" destOrd="0" parTransId="{DD628961-B7E7-4C70-9493-EBF5DB5A1757}" sibTransId="{401EBFD1-0347-4B57-87C6-D60519E39D60}"/>
+    <dgm:cxn modelId="{A196D2ED-D32F-4AB4-AEE1-3F0157CF5754}" type="presOf" srcId="{0B97CAF7-4159-4FBD-992D-F7E1CCA1118E}" destId="{62572535-E523-42B3-B29F-7D548FC4031C}" srcOrd="1" destOrd="4" presId="urn:microsoft.com/office/officeart/2005/8/layout/hProcess6"/>
+    <dgm:cxn modelId="{7A3A7C08-0DFD-4B35-8EB7-FF89F2314BD2}" type="presOf" srcId="{47E22631-EDFC-4AA5-9B09-16A8BF5B17B5}" destId="{DD036332-2853-417C-8ACB-3A96B5039347}" srcOrd="0" destOrd="2" presId="urn:microsoft.com/office/officeart/2005/8/layout/hProcess6"/>
+    <dgm:cxn modelId="{2D40CFAE-FFDC-4B61-BD58-F442BBE06BB8}" type="presOf" srcId="{E9152AD7-00F6-4772-8F42-9D809381A035}" destId="{DD036332-2853-417C-8ACB-3A96B5039347}" srcOrd="0" destOrd="3" presId="urn:microsoft.com/office/officeart/2005/8/layout/hProcess6"/>
     <dgm:cxn modelId="{DFAFD945-80D6-4FF4-B99B-F5097D313FFC}" srcId="{97CAE2D7-9C11-4809-9E7D-B3EC132B23D4}" destId="{47E22631-EDFC-4AA5-9B09-16A8BF5B17B5}" srcOrd="2" destOrd="0" parTransId="{2B30D08B-83F9-4F47-AAA1-2E2160DBDA1F}" sibTransId="{D1E4702E-FDD6-454C-A31B-B543E02694DA}"/>
+    <dgm:cxn modelId="{135707BF-4865-4D69-BB84-6F56BC79BC32}" srcId="{97CAE2D7-9C11-4809-9E7D-B3EC132B23D4}" destId="{AD657148-26AE-4E9F-8FC0-A942BFB490B6}" srcOrd="0" destOrd="0" parTransId="{05086D4A-2E24-441C-A1E7-794125365EF6}" sibTransId="{39DBA63A-92D2-45E1-AF36-67B4F7315A99}"/>
+    <dgm:cxn modelId="{C4396DFC-B31A-409B-9CF9-9C3B280BCA92}" type="presOf" srcId="{AD657148-26AE-4E9F-8FC0-A942BFB490B6}" destId="{DD036332-2853-417C-8ACB-3A96B5039347}" srcOrd="0" destOrd="0" presId="urn:microsoft.com/office/officeart/2005/8/layout/hProcess6"/>
+    <dgm:cxn modelId="{2A043402-E411-45DF-81D1-1A2BDBA6E00B}" srcId="{97CAE2D7-9C11-4809-9E7D-B3EC132B23D4}" destId="{0B97CAF7-4159-4FBD-992D-F7E1CCA1118E}" srcOrd="4" destOrd="0" parTransId="{A8BB7460-26CB-4732-A61F-2CFD5D9C424B}" sibTransId="{98EC6805-E2A8-44AE-9F63-E5868432E8C8}"/>
     <dgm:cxn modelId="{32C26BBD-5EA9-49CB-AD3B-B8EDE163CD08}" srcId="{1A2CEC77-91D8-4D49-A55E-0586B9AB905D}" destId="{97CAE2D7-9C11-4809-9E7D-B3EC132B23D4}" srcOrd="0" destOrd="0" parTransId="{1C643CFF-7E0A-41C6-AB13-CE0FA4B779EF}" sibTransId="{64EE1B86-E5E1-403B-981C-CEF956BBB38A}"/>
-    <dgm:cxn modelId="{B1015C5E-D1BE-4BA4-8B81-93230A07009B}" srcId="{97CAE2D7-9C11-4809-9E7D-B3EC132B23D4}" destId="{E9152AD7-00F6-4772-8F42-9D809381A035}" srcOrd="3" destOrd="0" parTransId="{DD628961-B7E7-4C70-9493-EBF5DB5A1757}" sibTransId="{401EBFD1-0347-4B57-87C6-D60519E39D60}"/>
+    <dgm:cxn modelId="{A03CA572-3B69-46B8-A0C1-79BEB67FB017}" type="presOf" srcId="{1A2CEC77-91D8-4D49-A55E-0586B9AB905D}" destId="{6356F55C-E3B3-4BBB-A9E0-7BC6CAE37290}" srcOrd="0" destOrd="0" presId="urn:microsoft.com/office/officeart/2005/8/layout/hProcess6"/>
+    <dgm:cxn modelId="{A27914F7-FC34-495B-AA5A-CB6CC63CEB66}" type="presOf" srcId="{0B97CAF7-4159-4FBD-992D-F7E1CCA1118E}" destId="{DD036332-2853-417C-8ACB-3A96B5039347}" srcOrd="0" destOrd="4" presId="urn:microsoft.com/office/officeart/2005/8/layout/hProcess6"/>
+    <dgm:cxn modelId="{70E6139F-C0AA-4370-A7A9-E721A7F2E0EF}" type="presOf" srcId="{263E639B-DCF5-45FE-9156-397137A33DF2}" destId="{62572535-E523-42B3-B29F-7D548FC4031C}" srcOrd="1" destOrd="1" presId="urn:microsoft.com/office/officeart/2005/8/layout/hProcess6"/>
     <dgm:cxn modelId="{BE00B9B2-620D-40EC-923F-18A66680B91E}" type="presOf" srcId="{97CAE2D7-9C11-4809-9E7D-B3EC132B23D4}" destId="{D0EC7321-54F1-407E-9A60-11EADB909AA4}" srcOrd="0" destOrd="0" presId="urn:microsoft.com/office/officeart/2005/8/layout/hProcess6"/>
-    <dgm:cxn modelId="{2A043402-E411-45DF-81D1-1A2BDBA6E00B}" srcId="{97CAE2D7-9C11-4809-9E7D-B3EC132B23D4}" destId="{0B97CAF7-4159-4FBD-992D-F7E1CCA1118E}" srcOrd="4" destOrd="0" parTransId="{A8BB7460-26CB-4732-A61F-2CFD5D9C424B}" sibTransId="{98EC6805-E2A8-44AE-9F63-E5868432E8C8}"/>
-    <dgm:cxn modelId="{7A3A7C08-0DFD-4B35-8EB7-FF89F2314BD2}" type="presOf" srcId="{47E22631-EDFC-4AA5-9B09-16A8BF5B17B5}" destId="{DD036332-2853-417C-8ACB-3A96B5039347}" srcOrd="0" destOrd="2" presId="urn:microsoft.com/office/officeart/2005/8/layout/hProcess6"/>
-    <dgm:cxn modelId="{A27914F7-FC34-495B-AA5A-CB6CC63CEB66}" type="presOf" srcId="{0B97CAF7-4159-4FBD-992D-F7E1CCA1118E}" destId="{DD036332-2853-417C-8ACB-3A96B5039347}" srcOrd="0" destOrd="4" presId="urn:microsoft.com/office/officeart/2005/8/layout/hProcess6"/>
-    <dgm:cxn modelId="{EBC45706-4BAD-4B40-9FBC-6F7A66D5F236}" type="presOf" srcId="{263E639B-DCF5-45FE-9156-397137A33DF2}" destId="{DD036332-2853-417C-8ACB-3A96B5039347}" srcOrd="0" destOrd="1" presId="urn:microsoft.com/office/officeart/2005/8/layout/hProcess6"/>
-    <dgm:cxn modelId="{A196D2ED-D32F-4AB4-AEE1-3F0157CF5754}" type="presOf" srcId="{0B97CAF7-4159-4FBD-992D-F7E1CCA1118E}" destId="{62572535-E523-42B3-B29F-7D548FC4031C}" srcOrd="1" destOrd="4" presId="urn:microsoft.com/office/officeart/2005/8/layout/hProcess6"/>
-    <dgm:cxn modelId="{ACBD455F-166D-48A7-B87E-22B4FF75384F}" type="presOf" srcId="{AD657148-26AE-4E9F-8FC0-A942BFB490B6}" destId="{62572535-E523-42B3-B29F-7D548FC4031C}" srcOrd="1" destOrd="0" presId="urn:microsoft.com/office/officeart/2005/8/layout/hProcess6"/>
-    <dgm:cxn modelId="{A03CA572-3B69-46B8-A0C1-79BEB67FB017}" type="presOf" srcId="{1A2CEC77-91D8-4D49-A55E-0586B9AB905D}" destId="{6356F55C-E3B3-4BBB-A9E0-7BC6CAE37290}" srcOrd="0" destOrd="0" presId="urn:microsoft.com/office/officeart/2005/8/layout/hProcess6"/>
-    <dgm:cxn modelId="{F87A810C-13BD-4920-8C7E-05526B955E72}" srcId="{97CAE2D7-9C11-4809-9E7D-B3EC132B23D4}" destId="{263E639B-DCF5-45FE-9156-397137A33DF2}" srcOrd="1" destOrd="0" parTransId="{A3B4D681-07A5-492A-8078-8CE96718BB03}" sibTransId="{D0F65C60-6B70-48C9-A1BF-7A56D78A50C2}"/>
-    <dgm:cxn modelId="{2D40CFAE-FFDC-4B61-BD58-F442BBE06BB8}" type="presOf" srcId="{E9152AD7-00F6-4772-8F42-9D809381A035}" destId="{DD036332-2853-417C-8ACB-3A96B5039347}" srcOrd="0" destOrd="3" presId="urn:microsoft.com/office/officeart/2005/8/layout/hProcess6"/>
-    <dgm:cxn modelId="{C4396DFC-B31A-409B-9CF9-9C3B280BCA92}" type="presOf" srcId="{AD657148-26AE-4E9F-8FC0-A942BFB490B6}" destId="{DD036332-2853-417C-8ACB-3A96B5039347}" srcOrd="0" destOrd="0" presId="urn:microsoft.com/office/officeart/2005/8/layout/hProcess6"/>
-    <dgm:cxn modelId="{63BE91F4-A073-4D0B-8D38-B8BC1730AEF2}" type="presOf" srcId="{E9152AD7-00F6-4772-8F42-9D809381A035}" destId="{62572535-E523-42B3-B29F-7D548FC4031C}" srcOrd="1" destOrd="3" presId="urn:microsoft.com/office/officeart/2005/8/layout/hProcess6"/>
-    <dgm:cxn modelId="{135707BF-4865-4D69-BB84-6F56BC79BC32}" srcId="{97CAE2D7-9C11-4809-9E7D-B3EC132B23D4}" destId="{AD657148-26AE-4E9F-8FC0-A942BFB490B6}" srcOrd="0" destOrd="0" parTransId="{05086D4A-2E24-441C-A1E7-794125365EF6}" sibTransId="{39DBA63A-92D2-45E1-AF36-67B4F7315A99}"/>
-    <dgm:cxn modelId="{70E6139F-C0AA-4370-A7A9-E721A7F2E0EF}" type="presOf" srcId="{263E639B-DCF5-45FE-9156-397137A33DF2}" destId="{62572535-E523-42B3-B29F-7D548FC4031C}" srcOrd="1" destOrd="1" presId="urn:microsoft.com/office/officeart/2005/8/layout/hProcess6"/>
     <dgm:cxn modelId="{35B499AD-470A-4091-9009-44C2FB7DFD28}" type="presParOf" srcId="{6356F55C-E3B3-4BBB-A9E0-7BC6CAE37290}" destId="{39955E96-7654-44E1-ADE5-1A557D58AA89}" srcOrd="0" destOrd="0" presId="urn:microsoft.com/office/officeart/2005/8/layout/hProcess6"/>
     <dgm:cxn modelId="{BB093EF7-FE7B-4720-B01E-D4F03B345F9D}" type="presParOf" srcId="{39955E96-7654-44E1-ADE5-1A557D58AA89}" destId="{EC55195B-D107-4F7D-969A-F7CC7AE43076}" srcOrd="0" destOrd="0" presId="urn:microsoft.com/office/officeart/2005/8/layout/hProcess6"/>
     <dgm:cxn modelId="{05460D29-3995-42CA-9DED-1F6B2E9F6059}" type="presParOf" srcId="{39955E96-7654-44E1-ADE5-1A557D58AA89}" destId="{DD036332-2853-417C-8ACB-3A96B5039347}" srcOrd="1" destOrd="0" presId="urn:microsoft.com/office/officeart/2005/8/layout/hProcess6"/>
@@ -6310,7 +6405,7 @@
   <dgm:whole/>
   <dgm:extLst>
     <a:ext uri="http://schemas.microsoft.com/office/drawing/2008/diagram">
-      <dsp:dataModelExt xmlns:dsp="http://schemas.microsoft.com/office/drawing/2008/diagram" relId="rId7" minVer="http://schemas.openxmlformats.org/drawingml/2006/diagram"/>
+      <dsp:dataModelExt xmlns:dsp="http://schemas.microsoft.com/office/drawing/2008/diagram" xmlns="" relId="rId7" minVer="http://schemas.openxmlformats.org/drawingml/2006/diagram"/>
     </a:ext>
   </dgm:extLst>
 </dgm:dataModel>
@@ -13634,7 +13729,7 @@
             <a:fld id="{CB07F4DD-2616-4ADB-B085-03E0041EBE9A}" type="datetime1">
               <a:rPr lang="zh-CN" altLang="en-US" smtClean="0"/>
               <a:pPr/>
-              <a:t>2015/12/9</a:t>
+              <a:t>2016/1/5</a:t>
             </a:fld>
             <a:endParaRPr lang="zh-CN" altLang="en-US"/>
           </a:p>
@@ -13714,7 +13809,7 @@
     </p:spTree>
     <p:extLst>
       <p:ext uri="{BB962C8B-B14F-4D97-AF65-F5344CB8AC3E}">
-        <p14:creationId xmlns:p14="http://schemas.microsoft.com/office/powerpoint/2010/main" val="3139051690"/>
+        <p14:creationId xmlns:p14="http://schemas.microsoft.com/office/powerpoint/2010/main" xmlns="" val="3139051690"/>
       </p:ext>
     </p:extLst>
   </p:cSld>
@@ -13810,7 +13905,7 @@
             <a:fld id="{F1290695-11F3-4201-9521-690EE7DDEFC3}" type="datetime1">
               <a:rPr lang="zh-CN" altLang="en-US" smtClean="0"/>
               <a:pPr/>
-              <a:t>2015/12/9</a:t>
+              <a:t>2016/1/5</a:t>
             </a:fld>
             <a:endParaRPr lang="zh-CN" altLang="en-US"/>
           </a:p>
@@ -13983,7 +14078,7 @@
     </p:spTree>
     <p:extLst>
       <p:ext uri="{BB962C8B-B14F-4D97-AF65-F5344CB8AC3E}">
-        <p14:creationId xmlns:p14="http://schemas.microsoft.com/office/powerpoint/2010/main" val="3818961803"/>
+        <p14:creationId xmlns:p14="http://schemas.microsoft.com/office/powerpoint/2010/main" xmlns="" val="3818961803"/>
       </p:ext>
     </p:extLst>
   </p:cSld>
@@ -14135,7 +14230,7 @@
     </p:spTree>
     <p:extLst>
       <p:ext uri="{BB962C8B-B14F-4D97-AF65-F5344CB8AC3E}">
-        <p14:creationId xmlns:p14="http://schemas.microsoft.com/office/powerpoint/2010/main" val="4233778880"/>
+        <p14:creationId xmlns:p14="http://schemas.microsoft.com/office/powerpoint/2010/main" xmlns="" val="4233778880"/>
       </p:ext>
     </p:extLst>
   </p:cSld>
@@ -14196,7 +14291,7 @@
     </p:spTree>
     <p:extLst>
       <p:ext uri="{BB962C8B-B14F-4D97-AF65-F5344CB8AC3E}">
-        <p14:creationId xmlns:p14="http://schemas.microsoft.com/office/powerpoint/2010/main" val="3681023334"/>
+        <p14:creationId xmlns:p14="http://schemas.microsoft.com/office/powerpoint/2010/main" xmlns="" val="3681023334"/>
       </p:ext>
     </p:extLst>
   </p:cSld>
@@ -14257,7 +14352,7 @@
     </p:spTree>
     <p:extLst>
       <p:ext uri="{BB962C8B-B14F-4D97-AF65-F5344CB8AC3E}">
-        <p14:creationId xmlns:p14="http://schemas.microsoft.com/office/powerpoint/2010/main" val="4013860578"/>
+        <p14:creationId xmlns:p14="http://schemas.microsoft.com/office/powerpoint/2010/main" xmlns="" val="4013860578"/>
       </p:ext>
     </p:extLst>
   </p:cSld>
@@ -14318,7 +14413,7 @@
     </p:spTree>
     <p:extLst>
       <p:ext uri="{BB962C8B-B14F-4D97-AF65-F5344CB8AC3E}">
-        <p14:creationId xmlns:p14="http://schemas.microsoft.com/office/powerpoint/2010/main" val="2384192954"/>
+        <p14:creationId xmlns:p14="http://schemas.microsoft.com/office/powerpoint/2010/main" xmlns="" val="2384192954"/>
       </p:ext>
     </p:extLst>
   </p:cSld>
@@ -14379,7 +14474,7 @@
     </p:spTree>
     <p:extLst>
       <p:ext uri="{BB962C8B-B14F-4D97-AF65-F5344CB8AC3E}">
-        <p14:creationId xmlns:p14="http://schemas.microsoft.com/office/powerpoint/2010/main" val="2303718269"/>
+        <p14:creationId xmlns:p14="http://schemas.microsoft.com/office/powerpoint/2010/main" xmlns="" val="2303718269"/>
       </p:ext>
     </p:extLst>
   </p:cSld>
@@ -14440,7 +14535,7 @@
     </p:spTree>
     <p:extLst>
       <p:ext uri="{BB962C8B-B14F-4D97-AF65-F5344CB8AC3E}">
-        <p14:creationId xmlns:p14="http://schemas.microsoft.com/office/powerpoint/2010/main" val="3135186500"/>
+        <p14:creationId xmlns:p14="http://schemas.microsoft.com/office/powerpoint/2010/main" xmlns="" val="3135186500"/>
       </p:ext>
     </p:extLst>
   </p:cSld>
@@ -14501,7 +14596,7 @@
     </p:spTree>
     <p:extLst>
       <p:ext uri="{BB962C8B-B14F-4D97-AF65-F5344CB8AC3E}">
-        <p14:creationId xmlns:p14="http://schemas.microsoft.com/office/powerpoint/2010/main" val="2534329476"/>
+        <p14:creationId xmlns:p14="http://schemas.microsoft.com/office/powerpoint/2010/main" xmlns="" val="2534329476"/>
       </p:ext>
     </p:extLst>
   </p:cSld>
@@ -14562,7 +14657,7 @@
     </p:spTree>
     <p:extLst>
       <p:ext uri="{BB962C8B-B14F-4D97-AF65-F5344CB8AC3E}">
-        <p14:creationId xmlns:p14="http://schemas.microsoft.com/office/powerpoint/2010/main" val="3433403895"/>
+        <p14:creationId xmlns:p14="http://schemas.microsoft.com/office/powerpoint/2010/main" xmlns="" val="3433403895"/>
       </p:ext>
     </p:extLst>
   </p:cSld>
@@ -14623,7 +14718,7 @@
     </p:spTree>
     <p:extLst>
       <p:ext uri="{BB962C8B-B14F-4D97-AF65-F5344CB8AC3E}">
-        <p14:creationId xmlns:p14="http://schemas.microsoft.com/office/powerpoint/2010/main" val="2372924299"/>
+        <p14:creationId xmlns:p14="http://schemas.microsoft.com/office/powerpoint/2010/main" xmlns="" val="2372924299"/>
       </p:ext>
     </p:extLst>
   </p:cSld>
@@ -14684,7 +14779,7 @@
     </p:spTree>
     <p:extLst>
       <p:ext uri="{BB962C8B-B14F-4D97-AF65-F5344CB8AC3E}">
-        <p14:creationId xmlns:p14="http://schemas.microsoft.com/office/powerpoint/2010/main" val="1379253347"/>
+        <p14:creationId xmlns:p14="http://schemas.microsoft.com/office/powerpoint/2010/main" xmlns="" val="1379253347"/>
       </p:ext>
     </p:extLst>
   </p:cSld>
@@ -14745,7 +14840,7 @@
     </p:spTree>
     <p:extLst>
       <p:ext uri="{BB962C8B-B14F-4D97-AF65-F5344CB8AC3E}">
-        <p14:creationId xmlns:p14="http://schemas.microsoft.com/office/powerpoint/2010/main" val="3148297237"/>
+        <p14:creationId xmlns:p14="http://schemas.microsoft.com/office/powerpoint/2010/main" xmlns="" val="3148297237"/>
       </p:ext>
     </p:extLst>
   </p:cSld>
@@ -14806,7 +14901,7 @@
     </p:spTree>
     <p:extLst>
       <p:ext uri="{BB962C8B-B14F-4D97-AF65-F5344CB8AC3E}">
-        <p14:creationId xmlns:p14="http://schemas.microsoft.com/office/powerpoint/2010/main" val="496991311"/>
+        <p14:creationId xmlns:p14="http://schemas.microsoft.com/office/powerpoint/2010/main" xmlns="" val="496991311"/>
       </p:ext>
     </p:extLst>
   </p:cSld>
@@ -14867,7 +14962,7 @@
     </p:spTree>
     <p:extLst>
       <p:ext uri="{BB962C8B-B14F-4D97-AF65-F5344CB8AC3E}">
-        <p14:creationId xmlns:p14="http://schemas.microsoft.com/office/powerpoint/2010/main" val="3057971724"/>
+        <p14:creationId xmlns:p14="http://schemas.microsoft.com/office/powerpoint/2010/main" xmlns="" val="3057971724"/>
       </p:ext>
     </p:extLst>
   </p:cSld>
@@ -15009,7 +15104,7 @@
             <a:fld id="{25D33A48-F4CA-4D64-BD5D-F30DAC11E182}" type="datetime1">
               <a:rPr lang="zh-CN" altLang="en-US" smtClean="0"/>
               <a:pPr/>
-              <a:t>2015/12/9</a:t>
+              <a:t>2016/1/5</a:t>
             </a:fld>
             <a:endParaRPr lang="zh-CN" altLang="en-US"/>
           </a:p>
@@ -15061,7 +15156,7 @@
     </p:spTree>
     <p:extLst>
       <p:ext uri="{BB962C8B-B14F-4D97-AF65-F5344CB8AC3E}">
-        <p14:creationId xmlns:p14="http://schemas.microsoft.com/office/powerpoint/2010/main" val="3543592591"/>
+        <p14:creationId xmlns:p14="http://schemas.microsoft.com/office/powerpoint/2010/main" xmlns="" val="3543592591"/>
       </p:ext>
     </p:extLst>
   </p:cSld>
@@ -15181,7 +15276,7 @@
             <a:fld id="{7835C9A2-A860-435D-8D86-7057808A46BB}" type="datetime1">
               <a:rPr lang="zh-CN" altLang="en-US" smtClean="0"/>
               <a:pPr/>
-              <a:t>2015/12/9</a:t>
+              <a:t>2016/1/5</a:t>
             </a:fld>
             <a:endParaRPr lang="zh-CN" altLang="en-US"/>
           </a:p>
@@ -15237,7 +15332,7 @@
     </p:spTree>
     <p:extLst>
       <p:ext uri="{BB962C8B-B14F-4D97-AF65-F5344CB8AC3E}">
-        <p14:creationId xmlns:p14="http://schemas.microsoft.com/office/powerpoint/2010/main" val="2637827693"/>
+        <p14:creationId xmlns:p14="http://schemas.microsoft.com/office/powerpoint/2010/main" xmlns="" val="2637827693"/>
       </p:ext>
     </p:extLst>
   </p:cSld>
@@ -15367,7 +15462,7 @@
             <a:fld id="{8DCBC361-869B-451A-B3B0-8C4F1BA9360E}" type="datetime1">
               <a:rPr lang="zh-CN" altLang="en-US" smtClean="0"/>
               <a:pPr/>
-              <a:t>2015/12/9</a:t>
+              <a:t>2016/1/5</a:t>
             </a:fld>
             <a:endParaRPr lang="zh-CN" altLang="en-US"/>
           </a:p>
@@ -15423,7 +15518,7 @@
     </p:spTree>
     <p:extLst>
       <p:ext uri="{BB962C8B-B14F-4D97-AF65-F5344CB8AC3E}">
-        <p14:creationId xmlns:p14="http://schemas.microsoft.com/office/powerpoint/2010/main" val="1795914738"/>
+        <p14:creationId xmlns:p14="http://schemas.microsoft.com/office/powerpoint/2010/main" xmlns="" val="1795914738"/>
       </p:ext>
     </p:extLst>
   </p:cSld>
@@ -15558,7 +15653,7 @@
             <a:fld id="{BC20C777-790A-4729-B908-08454939E402}" type="datetime1">
               <a:rPr lang="zh-CN" altLang="en-US" smtClean="0"/>
               <a:pPr/>
-              <a:t>2015/12/9</a:t>
+              <a:t>2016/1/5</a:t>
             </a:fld>
             <a:endParaRPr lang="zh-CN" altLang="en-US" dirty="0"/>
           </a:p>
@@ -15623,7 +15718,7 @@
     </p:spTree>
     <p:extLst>
       <p:ext uri="{BB962C8B-B14F-4D97-AF65-F5344CB8AC3E}">
-        <p14:creationId xmlns:p14="http://schemas.microsoft.com/office/powerpoint/2010/main" val="2065731511"/>
+        <p14:creationId xmlns:p14="http://schemas.microsoft.com/office/powerpoint/2010/main" xmlns="" val="2065731511"/>
       </p:ext>
     </p:extLst>
   </p:cSld>
@@ -15819,7 +15914,7 @@
             <a:fld id="{0365DCE1-2D81-4988-9FFB-38C77368E5AB}" type="datetime1">
               <a:rPr lang="zh-CN" altLang="en-US" smtClean="0"/>
               <a:pPr/>
-              <a:t>2015/12/9</a:t>
+              <a:t>2016/1/5</a:t>
             </a:fld>
             <a:endParaRPr lang="zh-CN" altLang="en-US"/>
           </a:p>
@@ -15875,7 +15970,7 @@
     </p:spTree>
     <p:extLst>
       <p:ext uri="{BB962C8B-B14F-4D97-AF65-F5344CB8AC3E}">
-        <p14:creationId xmlns:p14="http://schemas.microsoft.com/office/powerpoint/2010/main" val="2237297140"/>
+        <p14:creationId xmlns:p14="http://schemas.microsoft.com/office/powerpoint/2010/main" xmlns="" val="2237297140"/>
       </p:ext>
     </p:extLst>
   </p:cSld>
@@ -16057,7 +16152,7 @@
             <a:fld id="{AE044FB5-8BC0-4607-92CA-3A99C780D839}" type="datetime1">
               <a:rPr lang="zh-CN" altLang="en-US" smtClean="0"/>
               <a:pPr/>
-              <a:t>2015/12/9</a:t>
+              <a:t>2016/1/5</a:t>
             </a:fld>
             <a:endParaRPr lang="zh-CN" altLang="en-US"/>
           </a:p>
@@ -16113,7 +16208,7 @@
     </p:spTree>
     <p:extLst>
       <p:ext uri="{BB962C8B-B14F-4D97-AF65-F5344CB8AC3E}">
-        <p14:creationId xmlns:p14="http://schemas.microsoft.com/office/powerpoint/2010/main" val="4045436177"/>
+        <p14:creationId xmlns:p14="http://schemas.microsoft.com/office/powerpoint/2010/main" xmlns="" val="4045436177"/>
       </p:ext>
     </p:extLst>
   </p:cSld>
@@ -16430,7 +16525,7 @@
             <a:fld id="{197C8F87-DC25-4850-AC0C-AD7398EEDB18}" type="datetime1">
               <a:rPr lang="zh-CN" altLang="en-US" smtClean="0"/>
               <a:pPr/>
-              <a:t>2015/12/9</a:t>
+              <a:t>2016/1/5</a:t>
             </a:fld>
             <a:endParaRPr lang="zh-CN" altLang="en-US"/>
           </a:p>
@@ -16486,7 +16581,7 @@
     </p:spTree>
     <p:extLst>
       <p:ext uri="{BB962C8B-B14F-4D97-AF65-F5344CB8AC3E}">
-        <p14:creationId xmlns:p14="http://schemas.microsoft.com/office/powerpoint/2010/main" val="3279032153"/>
+        <p14:creationId xmlns:p14="http://schemas.microsoft.com/office/powerpoint/2010/main" xmlns="" val="3279032153"/>
       </p:ext>
     </p:extLst>
   </p:cSld>
@@ -16554,7 +16649,7 @@
             <a:fld id="{5D4E2BA0-9952-45C2-A08C-1F25826F55B6}" type="datetime1">
               <a:rPr lang="zh-CN" altLang="en-US" smtClean="0"/>
               <a:pPr/>
-              <a:t>2015/12/9</a:t>
+              <a:t>2016/1/5</a:t>
             </a:fld>
             <a:endParaRPr lang="zh-CN" altLang="en-US"/>
           </a:p>
@@ -16610,7 +16705,7 @@
     </p:spTree>
     <p:extLst>
       <p:ext uri="{BB962C8B-B14F-4D97-AF65-F5344CB8AC3E}">
-        <p14:creationId xmlns:p14="http://schemas.microsoft.com/office/powerpoint/2010/main" val="3633593654"/>
+        <p14:creationId xmlns:p14="http://schemas.microsoft.com/office/powerpoint/2010/main" xmlns="" val="3633593654"/>
       </p:ext>
     </p:extLst>
   </p:cSld>
@@ -16655,7 +16750,7 @@
             <a:fld id="{8D3A08FE-8931-43C6-A3F8-57DF16A0B008}" type="datetime1">
               <a:rPr lang="zh-CN" altLang="en-US" smtClean="0"/>
               <a:pPr/>
-              <a:t>2015/12/9</a:t>
+              <a:t>2016/1/5</a:t>
             </a:fld>
             <a:endParaRPr lang="zh-CN" altLang="en-US"/>
           </a:p>
@@ -16711,7 +16806,7 @@
     </p:spTree>
     <p:extLst>
       <p:ext uri="{BB962C8B-B14F-4D97-AF65-F5344CB8AC3E}">
-        <p14:creationId xmlns:p14="http://schemas.microsoft.com/office/powerpoint/2010/main" val="3481910277"/>
+        <p14:creationId xmlns:p14="http://schemas.microsoft.com/office/powerpoint/2010/main" xmlns="" val="3481910277"/>
       </p:ext>
     </p:extLst>
   </p:cSld>
@@ -16938,7 +17033,7 @@
             <a:fld id="{F92AFE50-3DB7-445D-B4F8-E51EAB8F49B4}" type="datetime1">
               <a:rPr lang="zh-CN" altLang="en-US" smtClean="0"/>
               <a:pPr/>
-              <a:t>2015/12/9</a:t>
+              <a:t>2016/1/5</a:t>
             </a:fld>
             <a:endParaRPr lang="zh-CN" altLang="en-US"/>
           </a:p>
@@ -16994,7 +17089,7 @@
     </p:spTree>
     <p:extLst>
       <p:ext uri="{BB962C8B-B14F-4D97-AF65-F5344CB8AC3E}">
-        <p14:creationId xmlns:p14="http://schemas.microsoft.com/office/powerpoint/2010/main" val="2718699996"/>
+        <p14:creationId xmlns:p14="http://schemas.microsoft.com/office/powerpoint/2010/main" xmlns="" val="2718699996"/>
       </p:ext>
     </p:extLst>
   </p:cSld>
@@ -17197,7 +17292,7 @@
             <a:fld id="{C38F9322-B05B-4876-83A9-782F04B0A82E}" type="datetime1">
               <a:rPr lang="zh-CN" altLang="en-US" smtClean="0"/>
               <a:pPr/>
-              <a:t>2015/12/9</a:t>
+              <a:t>2016/1/5</a:t>
             </a:fld>
             <a:endParaRPr lang="zh-CN" altLang="en-US"/>
           </a:p>
@@ -17253,7 +17348,7 @@
     </p:spTree>
     <p:extLst>
       <p:ext uri="{BB962C8B-B14F-4D97-AF65-F5344CB8AC3E}">
-        <p14:creationId xmlns:p14="http://schemas.microsoft.com/office/powerpoint/2010/main" val="1377151352"/>
+        <p14:creationId xmlns:p14="http://schemas.microsoft.com/office/powerpoint/2010/main" xmlns="" val="1377151352"/>
       </p:ext>
     </p:extLst>
   </p:cSld>
@@ -17416,7 +17511,7 @@
             <a:fld id="{CCF59172-651A-49CE-9B4F-274F81EB3FA7}" type="datetime1">
               <a:rPr lang="zh-CN" altLang="en-US" smtClean="0"/>
               <a:pPr/>
-              <a:t>2015/12/9</a:t>
+              <a:t>2016/1/5</a:t>
             </a:fld>
             <a:endParaRPr lang="zh-CN" altLang="en-US"/>
           </a:p>
@@ -17508,7 +17603,7 @@
     </p:spTree>
     <p:extLst>
       <p:ext uri="{BB962C8B-B14F-4D97-AF65-F5344CB8AC3E}">
-        <p14:creationId xmlns:p14="http://schemas.microsoft.com/office/powerpoint/2010/main" val="2920253679"/>
+        <p14:creationId xmlns:p14="http://schemas.microsoft.com/office/powerpoint/2010/main" xmlns="" val="2920253679"/>
       </p:ext>
     </p:extLst>
   </p:cSld>
@@ -17862,7 +17957,7 @@
           <p:nvPr>
             <p:extLst>
               <p:ext uri="{D42A27DB-BD31-4B8C-83A1-F6EECF244321}">
-                <p14:modId xmlns:p14="http://schemas.microsoft.com/office/powerpoint/2010/main" val="3178934926"/>
+                <p14:modId xmlns:p14="http://schemas.microsoft.com/office/powerpoint/2010/main" xmlns="" val="3178934926"/>
               </p:ext>
             </p:extLst>
           </p:nvPr>
@@ -17880,7 +17975,7 @@
     </p:spTree>
     <p:extLst>
       <p:ext uri="{BB962C8B-B14F-4D97-AF65-F5344CB8AC3E}">
-        <p14:creationId xmlns:p14="http://schemas.microsoft.com/office/powerpoint/2010/main" val="4174816406"/>
+        <p14:creationId xmlns:p14="http://schemas.microsoft.com/office/powerpoint/2010/main" xmlns="" val="4174816406"/>
       </p:ext>
     </p:extLst>
   </p:cSld>
@@ -18172,7 +18267,7 @@
     </p:spTree>
     <p:extLst>
       <p:ext uri="{BB962C8B-B14F-4D97-AF65-F5344CB8AC3E}">
-        <p14:creationId xmlns:p14="http://schemas.microsoft.com/office/powerpoint/2010/main" val="1246062724"/>
+        <p14:creationId xmlns:p14="http://schemas.microsoft.com/office/powerpoint/2010/main" xmlns="" val="1246062724"/>
       </p:ext>
     </p:extLst>
   </p:cSld>
@@ -18651,7 +18746,6 @@
               <a:rPr lang="zh-CN" altLang="en-US" dirty="0"/>
               <a:t>伪对象</a:t>
             </a:r>
-            <a:endParaRPr lang="zh-CN" altLang="en-US" dirty="0"/>
           </a:p>
         </p:txBody>
       </p:sp>
@@ -19057,7 +19151,7 @@
     </p:spTree>
     <p:extLst>
       <p:ext uri="{BB962C8B-B14F-4D97-AF65-F5344CB8AC3E}">
-        <p14:creationId xmlns:p14="http://schemas.microsoft.com/office/powerpoint/2010/main" val="10304932"/>
+        <p14:creationId xmlns:p14="http://schemas.microsoft.com/office/powerpoint/2010/main" xmlns="" val="10304932"/>
       </p:ext>
     </p:extLst>
   </p:cSld>
@@ -19210,7 +19304,7 @@
           <p:nvPr>
             <p:extLst>
               <p:ext uri="{D42A27DB-BD31-4B8C-83A1-F6EECF244321}">
-                <p14:modId xmlns:p14="http://schemas.microsoft.com/office/powerpoint/2010/main" val="973585415"/>
+                <p14:modId xmlns:p14="http://schemas.microsoft.com/office/powerpoint/2010/main" xmlns="" val="973585415"/>
               </p:ext>
             </p:extLst>
           </p:nvPr>
@@ -19952,7 +20046,7 @@
     </p:spTree>
     <p:extLst>
       <p:ext uri="{BB962C8B-B14F-4D97-AF65-F5344CB8AC3E}">
-        <p14:creationId xmlns:p14="http://schemas.microsoft.com/office/powerpoint/2010/main" val="4120100793"/>
+        <p14:creationId xmlns:p14="http://schemas.microsoft.com/office/powerpoint/2010/main" xmlns="" val="4120100793"/>
       </p:ext>
     </p:extLst>
   </p:cSld>
@@ -20005,7 +20099,6 @@
               <a:rPr lang="zh-CN" altLang="en-US" dirty="0"/>
               <a:t>隔离框架</a:t>
             </a:r>
-            <a:endParaRPr lang="zh-CN" altLang="en-US" dirty="0"/>
           </a:p>
         </p:txBody>
       </p:sp>
@@ -20040,7 +20133,7 @@
           <p:nvPr>
             <p:extLst>
               <p:ext uri="{D42A27DB-BD31-4B8C-83A1-F6EECF244321}">
-                <p14:modId xmlns:p14="http://schemas.microsoft.com/office/powerpoint/2010/main" val="1977680684"/>
+                <p14:modId xmlns:p14="http://schemas.microsoft.com/office/powerpoint/2010/main" xmlns="" val="1977680684"/>
               </p:ext>
             </p:extLst>
           </p:nvPr>
@@ -20100,7 +20193,7 @@
           <p:nvPr>
             <p:extLst>
               <p:ext uri="{D42A27DB-BD31-4B8C-83A1-F6EECF244321}">
-                <p14:modId xmlns:p14="http://schemas.microsoft.com/office/powerpoint/2010/main" val="3925052879"/>
+                <p14:modId xmlns:p14="http://schemas.microsoft.com/office/powerpoint/2010/main" xmlns="" val="3925052879"/>
               </p:ext>
             </p:extLst>
           </p:nvPr>
@@ -20166,7 +20259,7 @@
     </p:spTree>
     <p:extLst>
       <p:ext uri="{BB962C8B-B14F-4D97-AF65-F5344CB8AC3E}">
-        <p14:creationId xmlns:p14="http://schemas.microsoft.com/office/powerpoint/2010/main" val="843410372"/>
+        <p14:creationId xmlns:p14="http://schemas.microsoft.com/office/powerpoint/2010/main" xmlns="" val="843410372"/>
       </p:ext>
     </p:extLst>
   </p:cSld>
@@ -20310,7 +20403,7 @@
     </p:spTree>
     <p:extLst>
       <p:ext uri="{BB962C8B-B14F-4D97-AF65-F5344CB8AC3E}">
-        <p14:creationId xmlns:p14="http://schemas.microsoft.com/office/powerpoint/2010/main" val="3704677259"/>
+        <p14:creationId xmlns:p14="http://schemas.microsoft.com/office/powerpoint/2010/main" xmlns="" val="3704677259"/>
       </p:ext>
     </p:extLst>
   </p:cSld>
@@ -20461,7 +20554,7 @@
     </p:spTree>
     <p:extLst>
       <p:ext uri="{BB962C8B-B14F-4D97-AF65-F5344CB8AC3E}">
-        <p14:creationId xmlns:p14="http://schemas.microsoft.com/office/powerpoint/2010/main" val="232620772"/>
+        <p14:creationId xmlns:p14="http://schemas.microsoft.com/office/powerpoint/2010/main" xmlns="" val="232620772"/>
       </p:ext>
     </p:extLst>
   </p:cSld>
@@ -20620,7 +20713,6 @@
               <a:rPr lang="zh-CN" altLang="en-US" dirty="0"/>
               <a:t>隔离框架</a:t>
             </a:r>
-            <a:endParaRPr lang="zh-CN" altLang="en-US" dirty="0"/>
           </a:p>
         </p:txBody>
       </p:sp>
@@ -20651,7 +20743,7 @@
     </p:spTree>
     <p:extLst>
       <p:ext uri="{BB962C8B-B14F-4D97-AF65-F5344CB8AC3E}">
-        <p14:creationId xmlns:p14="http://schemas.microsoft.com/office/powerpoint/2010/main" val="1000910794"/>
+        <p14:creationId xmlns:p14="http://schemas.microsoft.com/office/powerpoint/2010/main" xmlns="" val="1000910794"/>
       </p:ext>
     </p:extLst>
   </p:cSld>
@@ -20785,7 +20877,7 @@
     </p:spTree>
     <p:extLst>
       <p:ext uri="{BB962C8B-B14F-4D97-AF65-F5344CB8AC3E}">
-        <p14:creationId xmlns:p14="http://schemas.microsoft.com/office/powerpoint/2010/main" val="1322045940"/>
+        <p14:creationId xmlns:p14="http://schemas.microsoft.com/office/powerpoint/2010/main" xmlns="" val="1322045940"/>
       </p:ext>
     </p:extLst>
   </p:cSld>
@@ -20978,7 +21070,7 @@
     </p:spTree>
     <p:extLst>
       <p:ext uri="{BB962C8B-B14F-4D97-AF65-F5344CB8AC3E}">
-        <p14:creationId xmlns:p14="http://schemas.microsoft.com/office/powerpoint/2010/main" val="2353156051"/>
+        <p14:creationId xmlns:p14="http://schemas.microsoft.com/office/powerpoint/2010/main" xmlns="" val="2353156051"/>
       </p:ext>
     </p:extLst>
   </p:cSld>
@@ -21060,7 +21152,7 @@
             <p:ph idx="1"/>
             <p:extLst>
               <p:ext uri="{D42A27DB-BD31-4B8C-83A1-F6EECF244321}">
-                <p14:modId xmlns:p14="http://schemas.microsoft.com/office/powerpoint/2010/main" val="4268596295"/>
+                <p14:modId xmlns:p14="http://schemas.microsoft.com/office/powerpoint/2010/main" xmlns="" val="4268596295"/>
               </p:ext>
             </p:extLst>
           </p:nvPr>
@@ -21125,7 +21217,7 @@
     </p:spTree>
     <p:extLst>
       <p:ext uri="{BB962C8B-B14F-4D97-AF65-F5344CB8AC3E}">
-        <p14:creationId xmlns:p14="http://schemas.microsoft.com/office/powerpoint/2010/main" val="1408319310"/>
+        <p14:creationId xmlns:p14="http://schemas.microsoft.com/office/powerpoint/2010/main" xmlns="" val="1408319310"/>
       </p:ext>
     </p:extLst>
   </p:cSld>
@@ -21263,7 +21355,7 @@
     </p:spTree>
     <p:extLst>
       <p:ext uri="{BB962C8B-B14F-4D97-AF65-F5344CB8AC3E}">
-        <p14:creationId xmlns:p14="http://schemas.microsoft.com/office/powerpoint/2010/main" val="881922409"/>
+        <p14:creationId xmlns:p14="http://schemas.microsoft.com/office/powerpoint/2010/main" xmlns="" val="881922409"/>
       </p:ext>
     </p:extLst>
   </p:cSld>
@@ -21361,7 +21453,7 @@
           <a:blip r:embed="rId2">
             <a:extLst>
               <a:ext uri="{28A0092B-C50C-407E-A947-70E740481C1C}">
-                <a14:useLocalDpi xmlns:a14="http://schemas.microsoft.com/office/drawing/2010/main" val="0"/>
+                <a14:useLocalDpi xmlns:a14="http://schemas.microsoft.com/office/drawing/2010/main" xmlns="" val="0"/>
               </a:ext>
             </a:extLst>
           </a:blip>
@@ -21382,7 +21474,7 @@
     </p:spTree>
     <p:extLst>
       <p:ext uri="{BB962C8B-B14F-4D97-AF65-F5344CB8AC3E}">
-        <p14:creationId xmlns:p14="http://schemas.microsoft.com/office/powerpoint/2010/main" val="4265376992"/>
+        <p14:creationId xmlns:p14="http://schemas.microsoft.com/office/powerpoint/2010/main" xmlns="" val="4265376992"/>
       </p:ext>
     </p:extLst>
   </p:cSld>
@@ -21480,7 +21572,7 @@
           <a:blip r:embed="rId2">
             <a:extLst>
               <a:ext uri="{28A0092B-C50C-407E-A947-70E740481C1C}">
-                <a14:useLocalDpi xmlns:a14="http://schemas.microsoft.com/office/drawing/2010/main" val="0"/>
+                <a14:useLocalDpi xmlns:a14="http://schemas.microsoft.com/office/drawing/2010/main" xmlns="" val="0"/>
               </a:ext>
             </a:extLst>
           </a:blip>
@@ -21501,7 +21593,7 @@
     </p:spTree>
     <p:extLst>
       <p:ext uri="{BB962C8B-B14F-4D97-AF65-F5344CB8AC3E}">
-        <p14:creationId xmlns:p14="http://schemas.microsoft.com/office/powerpoint/2010/main" val="2911620675"/>
+        <p14:creationId xmlns:p14="http://schemas.microsoft.com/office/powerpoint/2010/main" xmlns="" val="2911620675"/>
       </p:ext>
     </p:extLst>
   </p:cSld>
@@ -21559,7 +21651,6 @@
               <a:rPr lang="zh-CN" altLang="en-US" dirty="0"/>
               <a:t>单元测试覆盖率</a:t>
             </a:r>
-            <a:endParaRPr lang="zh-CN" altLang="en-US" dirty="0"/>
           </a:p>
         </p:txBody>
       </p:sp>
@@ -21599,7 +21690,7 @@
           <a:blip r:embed="rId2">
             <a:extLst>
               <a:ext uri="{28A0092B-C50C-407E-A947-70E740481C1C}">
-                <a14:useLocalDpi xmlns:a14="http://schemas.microsoft.com/office/drawing/2010/main" val="0"/>
+                <a14:useLocalDpi xmlns:a14="http://schemas.microsoft.com/office/drawing/2010/main" xmlns="" val="0"/>
               </a:ext>
             </a:extLst>
           </a:blip>
@@ -21620,7 +21711,7 @@
     </p:spTree>
     <p:extLst>
       <p:ext uri="{BB962C8B-B14F-4D97-AF65-F5344CB8AC3E}">
-        <p14:creationId xmlns:p14="http://schemas.microsoft.com/office/powerpoint/2010/main" val="1639528390"/>
+        <p14:creationId xmlns:p14="http://schemas.microsoft.com/office/powerpoint/2010/main" xmlns="" val="1639528390"/>
       </p:ext>
     </p:extLst>
   </p:cSld>
@@ -21678,7 +21769,6 @@
               <a:rPr lang="zh-CN" altLang="en-US" dirty="0"/>
               <a:t>单元测试覆盖率</a:t>
             </a:r>
-            <a:endParaRPr lang="zh-CN" altLang="en-US" dirty="0"/>
           </a:p>
         </p:txBody>
       </p:sp>
@@ -21718,7 +21808,7 @@
           <a:blip r:embed="rId2">
             <a:extLst>
               <a:ext uri="{28A0092B-C50C-407E-A947-70E740481C1C}">
-                <a14:useLocalDpi xmlns:a14="http://schemas.microsoft.com/office/drawing/2010/main" val="0"/>
+                <a14:useLocalDpi xmlns:a14="http://schemas.microsoft.com/office/drawing/2010/main" xmlns="" val="0"/>
               </a:ext>
             </a:extLst>
           </a:blip>
@@ -21739,7 +21829,7 @@
     </p:spTree>
     <p:extLst>
       <p:ext uri="{BB962C8B-B14F-4D97-AF65-F5344CB8AC3E}">
-        <p14:creationId xmlns:p14="http://schemas.microsoft.com/office/powerpoint/2010/main" val="1541191744"/>
+        <p14:creationId xmlns:p14="http://schemas.microsoft.com/office/powerpoint/2010/main" xmlns="" val="1541191744"/>
       </p:ext>
     </p:extLst>
   </p:cSld>
@@ -21811,7 +21901,7 @@
             <p:ph idx="1"/>
             <p:extLst>
               <p:ext uri="{D42A27DB-BD31-4B8C-83A1-F6EECF244321}">
-                <p14:modId xmlns:p14="http://schemas.microsoft.com/office/powerpoint/2010/main" val="4004654259"/>
+                <p14:modId xmlns:p14="http://schemas.microsoft.com/office/powerpoint/2010/main" xmlns="" val="4004654259"/>
               </p:ext>
             </p:extLst>
           </p:nvPr>
@@ -22145,7 +22235,7 @@
     </p:spTree>
     <p:extLst>
       <p:ext uri="{BB962C8B-B14F-4D97-AF65-F5344CB8AC3E}">
-        <p14:creationId xmlns:p14="http://schemas.microsoft.com/office/powerpoint/2010/main" val="3804095954"/>
+        <p14:creationId xmlns:p14="http://schemas.microsoft.com/office/powerpoint/2010/main" xmlns="" val="3804095954"/>
       </p:ext>
     </p:extLst>
   </p:cSld>
@@ -22342,7 +22432,7 @@
     </p:spTree>
     <p:extLst>
       <p:ext uri="{BB962C8B-B14F-4D97-AF65-F5344CB8AC3E}">
-        <p14:creationId xmlns:p14="http://schemas.microsoft.com/office/powerpoint/2010/main" val="3745167176"/>
+        <p14:creationId xmlns:p14="http://schemas.microsoft.com/office/powerpoint/2010/main" xmlns="" val="3745167176"/>
       </p:ext>
     </p:extLst>
   </p:cSld>
@@ -23150,6 +23240,101 @@
           <a:bodyPr/>
           <a:lstStyle/>
           <a:p>
+            <a:pPr lvl="0"/>
+            <a:r>
+              <a:rPr lang="zh-CN" altLang="en-US" dirty="0" smtClean="0"/>
+              <a:t>修改遗留代码时需要解决的问题</a:t>
+            </a:r>
+          </a:p>
+          <a:p>
+            <a:pPr lvl="1"/>
+            <a:r>
+              <a:rPr lang="zh-CN" altLang="en-US" dirty="0" smtClean="0"/>
+              <a:t>在众多工作中，从何处添加测试？哪里才是重点？</a:t>
+            </a:r>
+          </a:p>
+          <a:p>
+            <a:pPr lvl="1"/>
+            <a:r>
+              <a:rPr lang="zh-CN" altLang="en-US" dirty="0" smtClean="0"/>
+              <a:t>如果它本身没有测试，如何安全地重构代码？</a:t>
+            </a:r>
+          </a:p>
+          <a:p>
+            <a:pPr lvl="1"/>
+            <a:r>
+              <a:rPr lang="zh-CN" altLang="en-US" dirty="0" smtClean="0"/>
+              <a:t>有什么工具可以用于修改遗留代码？</a:t>
+            </a:r>
+          </a:p>
+          <a:p>
+            <a:pPr lvl="0"/>
+            <a:r>
+              <a:rPr lang="zh-CN" altLang="en-US" dirty="0" smtClean="0"/>
+              <a:t>从哪里开始添加单元测试</a:t>
+            </a:r>
+          </a:p>
+          <a:p>
+            <a:pPr lvl="1"/>
+            <a:r>
+              <a:rPr lang="zh-CN" altLang="en-US" dirty="0" smtClean="0"/>
+              <a:t>优先级因素</a:t>
+            </a:r>
+          </a:p>
+          <a:p>
+            <a:pPr lvl="2"/>
+            <a:r>
+              <a:rPr lang="zh-CN" altLang="en-US" dirty="0" smtClean="0"/>
+              <a:t>逻辑复杂程度</a:t>
+            </a:r>
+            <a:r>
+              <a:rPr lang="en-US" dirty="0" smtClean="0"/>
+              <a:t>--</a:t>
+            </a:r>
+            <a:r>
+              <a:rPr lang="zh-CN" altLang="en-US" dirty="0" smtClean="0"/>
+              <a:t>组件里的逻辑数量</a:t>
+            </a:r>
+          </a:p>
+          <a:p>
+            <a:pPr lvl="3"/>
+            <a:r>
+              <a:rPr lang="zh-CN" altLang="en-US" dirty="0" smtClean="0"/>
+              <a:t>使用</a:t>
+            </a:r>
+            <a:r>
+              <a:rPr lang="en-US" dirty="0" smtClean="0"/>
+              <a:t>Visual Studio</a:t>
+            </a:r>
+            <a:r>
+              <a:rPr lang="zh-CN" altLang="en-US" dirty="0" smtClean="0"/>
+              <a:t>的</a:t>
+            </a:r>
+            <a:r>
+              <a:rPr lang="en-US" dirty="0" err="1" smtClean="0"/>
+              <a:t>Anayliz</a:t>
+            </a:r>
+            <a:r>
+              <a:rPr lang="zh-CN" altLang="en-US" dirty="0" smtClean="0"/>
+              <a:t>工具</a:t>
+            </a:r>
+          </a:p>
+          <a:p>
+            <a:pPr lvl="2"/>
+            <a:r>
+              <a:rPr lang="zh-CN" altLang="en-US" dirty="0" smtClean="0"/>
+              <a:t>依赖等级</a:t>
+            </a:r>
+            <a:r>
+              <a:rPr lang="en-US" altLang="zh-CN" dirty="0" smtClean="0"/>
+              <a:t>——</a:t>
+            </a:r>
+            <a:r>
+              <a:rPr lang="zh-CN" altLang="en-US" smtClean="0"/>
+              <a:t>组件里依赖的个数</a:t>
+            </a:r>
+          </a:p>
+          <a:p>
             <a:endParaRPr lang="zh-CN" altLang="en-US" dirty="0"/>
           </a:p>
         </p:txBody>
@@ -23204,7 +23389,7 @@
     </p:spTree>
     <p:extLst>
       <p:ext uri="{BB962C8B-B14F-4D97-AF65-F5344CB8AC3E}">
-        <p14:creationId xmlns:p14="http://schemas.microsoft.com/office/powerpoint/2010/main" val="3948841432"/>
+        <p14:creationId xmlns:p14="http://schemas.microsoft.com/office/powerpoint/2010/main" xmlns="" val="3948841432"/>
       </p:ext>
     </p:extLst>
   </p:cSld>
@@ -23616,7 +23801,7 @@
             <p:ph idx="1"/>
             <p:extLst>
               <p:ext uri="{D42A27DB-BD31-4B8C-83A1-F6EECF244321}">
-                <p14:modId xmlns:p14="http://schemas.microsoft.com/office/powerpoint/2010/main" val="2703503720"/>
+                <p14:modId xmlns:p14="http://schemas.microsoft.com/office/powerpoint/2010/main" xmlns="" val="2703503720"/>
               </p:ext>
             </p:extLst>
           </p:nvPr>
@@ -23681,7 +23866,7 @@
     </p:spTree>
     <p:extLst>
       <p:ext uri="{BB962C8B-B14F-4D97-AF65-F5344CB8AC3E}">
-        <p14:creationId xmlns:p14="http://schemas.microsoft.com/office/powerpoint/2010/main" val="2276224563"/>
+        <p14:creationId xmlns:p14="http://schemas.microsoft.com/office/powerpoint/2010/main" xmlns="" val="2276224563"/>
       </p:ext>
     </p:extLst>
   </p:cSld>
@@ -23911,7 +24096,7 @@
     </p:spTree>
     <p:extLst>
       <p:ext uri="{BB962C8B-B14F-4D97-AF65-F5344CB8AC3E}">
-        <p14:creationId xmlns:p14="http://schemas.microsoft.com/office/powerpoint/2010/main" val="250897556"/>
+        <p14:creationId xmlns:p14="http://schemas.microsoft.com/office/powerpoint/2010/main" xmlns="" val="250897556"/>
       </p:ext>
     </p:extLst>
   </p:cSld>
@@ -23985,7 +24170,7 @@
             <p:ph idx="1"/>
             <p:extLst>
               <p:ext uri="{D42A27DB-BD31-4B8C-83A1-F6EECF244321}">
-                <p14:modId xmlns:p14="http://schemas.microsoft.com/office/powerpoint/2010/main" val="2935677693"/>
+                <p14:modId xmlns:p14="http://schemas.microsoft.com/office/powerpoint/2010/main" xmlns="" val="2935677693"/>
               </p:ext>
             </p:extLst>
           </p:nvPr>
@@ -24628,7 +24813,7 @@
     </p:spTree>
     <p:extLst>
       <p:ext uri="{BB962C8B-B14F-4D97-AF65-F5344CB8AC3E}">
-        <p14:creationId xmlns:p14="http://schemas.microsoft.com/office/powerpoint/2010/main" val="1025917695"/>
+        <p14:creationId xmlns:p14="http://schemas.microsoft.com/office/powerpoint/2010/main" xmlns="" val="1025917695"/>
       </p:ext>
     </p:extLst>
   </p:cSld>
@@ -24779,14 +24964,14 @@
           <p:nvPr>
             <p:extLst>
               <p:ext uri="{D42A27DB-BD31-4B8C-83A1-F6EECF244321}">
-                <p14:modId xmlns:p14="http://schemas.microsoft.com/office/powerpoint/2010/main" val="1160269705"/>
+                <p14:modId xmlns:p14="http://schemas.microsoft.com/office/powerpoint/2010/main" xmlns="" val="1160269705"/>
               </p:ext>
             </p:extLst>
           </p:nvPr>
         </p:nvGraphicFramePr>
         <p:xfrm>
           <a:off x="838200" y="1494175"/>
-          <a:ext cx="8127999" cy="2225040"/>
+          <a:ext cx="8127999" cy="3210560"/>
         </p:xfrm>
         <a:graphic>
           <a:graphicData uri="http://schemas.openxmlformats.org/drawingml/2006/table">
@@ -24867,6 +25052,22 @@
                     <a:bodyPr/>
                     <a:lstStyle/>
                     <a:p>
+                      <a:r>
+                        <a:rPr lang="en-US" altLang="zh-CN" dirty="0" smtClean="0"/>
+                        <a:t>VS</a:t>
+                      </a:r>
+                      <a:r>
+                        <a:rPr lang="zh-CN" altLang="en-US" dirty="0" smtClean="0"/>
+                        <a:t>自带工具，提供类似</a:t>
+                      </a:r>
+                      <a:r>
+                        <a:rPr lang="en-US" altLang="zh-CN" dirty="0" err="1" smtClean="0"/>
+                        <a:t>Nunit</a:t>
+                      </a:r>
+                      <a:r>
+                        <a:rPr lang="zh-CN" altLang="en-US" dirty="0" smtClean="0"/>
+                        <a:t>的功能</a:t>
+                      </a:r>
                       <a:endParaRPr lang="zh-CN" altLang="en-US" dirty="0"/>
                     </a:p>
                   </a:txBody>
@@ -24877,6 +25078,29 @@
                     <a:bodyPr/>
                     <a:lstStyle/>
                     <a:p>
+                      <a:r>
+                        <a:rPr lang="en-US" altLang="zh-CN" dirty="0" smtClean="0"/>
+                        <a:t>1</a:t>
+                      </a:r>
+                      <a:r>
+                        <a:rPr lang="zh-CN" altLang="en-US" dirty="0" smtClean="0"/>
+                        <a:t>，不易扩展；</a:t>
+                      </a:r>
+                      <a:endParaRPr lang="en-US" altLang="zh-CN" dirty="0" smtClean="0"/>
+                    </a:p>
+                    <a:p>
+                      <a:r>
+                        <a:rPr lang="en-US" altLang="zh-CN" dirty="0" smtClean="0"/>
+                        <a:t>2</a:t>
+                      </a:r>
+                      <a:r>
+                        <a:rPr lang="zh-CN" altLang="en-US" dirty="0" smtClean="0"/>
+                        <a:t>，缺少</a:t>
+                      </a:r>
+                      <a:r>
+                        <a:rPr lang="en-US" altLang="zh-CN" dirty="0" err="1" smtClean="0"/>
+                        <a:t>Assert.Throws</a:t>
+                      </a:r>
                       <a:endParaRPr lang="zh-CN" altLang="en-US" dirty="0"/>
                     </a:p>
                   </a:txBody>
@@ -24903,7 +25127,11 @@
                     <a:bodyPr/>
                     <a:lstStyle/>
                     <a:p>
-                      <a:endParaRPr lang="zh-CN" altLang="en-US"/>
+                      <a:r>
+                        <a:rPr lang="zh-CN" altLang="en-US" dirty="0" smtClean="0"/>
+                        <a:t>开源，易扩展</a:t>
+                      </a:r>
+                      <a:endParaRPr lang="zh-CN" altLang="en-US" dirty="0"/>
                     </a:p>
                   </a:txBody>
                   <a:tcPr/>
@@ -24956,6 +25184,10 @@
                     <a:bodyPr/>
                     <a:lstStyle/>
                     <a:p>
+                      <a:r>
+                        <a:rPr lang="zh-CN" altLang="en-US" dirty="0" smtClean="0"/>
+                        <a:t>开源，极简，健壮；致力于回归基础，提供比其他框架更少而不是更多的功能。非常容易扩展。</a:t>
+                      </a:r>
                       <a:endParaRPr lang="zh-CN" altLang="en-US" dirty="0"/>
                     </a:p>
                   </a:txBody>
@@ -24992,31 +25224,13 @@
                     <a:bodyPr/>
                     <a:lstStyle/>
                     <a:p>
-                      <a:endParaRPr lang="zh-CN" altLang="en-US"/>
-                    </a:p>
-                  </a:txBody>
-                  <a:tcPr/>
-                </a:tc>
-                <a:tc>
-                  <a:txBody>
-                    <a:bodyPr/>
-                    <a:lstStyle/>
-                    <a:p>
-                      <a:endParaRPr lang="zh-CN" altLang="en-US"/>
-                    </a:p>
-                  </a:txBody>
-                  <a:tcPr/>
-                </a:tc>
-              </a:tr>
-              <a:tr h="370840">
-                <a:tc>
-                  <a:txBody>
-                    <a:bodyPr/>
-                    <a:lstStyle/>
-                    <a:p>
                       <a:r>
-                        <a:rPr lang="en-US" altLang="zh-CN" dirty="0" err="1" smtClean="0"/>
-                        <a:t>AutoFixture</a:t>
+                        <a:rPr lang="zh-CN" altLang="en-US" dirty="0" smtClean="0"/>
+                        <a:t>断言辅助</a:t>
+                      </a:r>
+                      <a:r>
+                        <a:rPr lang="en-US" altLang="zh-CN" dirty="0" smtClean="0"/>
+                        <a:t>API</a:t>
                       </a:r>
                       <a:endParaRPr lang="zh-CN" altLang="en-US" dirty="0"/>
                     </a:p>
@@ -25028,16 +25242,26 @@
                     <a:bodyPr/>
                     <a:lstStyle/>
                     <a:p>
-                      <a:endParaRPr lang="zh-CN" altLang="en-US"/>
-                    </a:p>
-                  </a:txBody>
-                  <a:tcPr/>
-                </a:tc>
-                <a:tc>
-                  <a:txBody>
-                    <a:bodyPr/>
-                    <a:lstStyle/>
-                    <a:p>
+                      <a:r>
+                        <a:rPr lang="zh-CN" altLang="en-US" dirty="0" smtClean="0"/>
+                        <a:t>可以在</a:t>
+                      </a:r>
+                      <a:r>
+                        <a:rPr lang="en-US" altLang="zh-CN" dirty="0" err="1" smtClean="0"/>
+                        <a:t>MSTest</a:t>
+                      </a:r>
+                      <a:r>
+                        <a:rPr lang="zh-CN" altLang="en-US" dirty="0" smtClean="0"/>
+                        <a:t>中实现类似</a:t>
+                      </a:r>
+                      <a:r>
+                        <a:rPr lang="en-US" altLang="zh-CN" dirty="0" err="1" smtClean="0"/>
+                        <a:t>Assert.Throws</a:t>
+                      </a:r>
+                      <a:r>
+                        <a:rPr lang="zh-CN" altLang="en-US" dirty="0" smtClean="0"/>
+                        <a:t>功能</a:t>
+                      </a:r>
                       <a:endParaRPr lang="zh-CN" altLang="en-US" dirty="0"/>
                     </a:p>
                   </a:txBody>
@@ -25051,7 +25275,7 @@
     </p:spTree>
     <p:extLst>
       <p:ext uri="{BB962C8B-B14F-4D97-AF65-F5344CB8AC3E}">
-        <p14:creationId xmlns:p14="http://schemas.microsoft.com/office/powerpoint/2010/main" val="1064877064"/>
+        <p14:creationId xmlns:p14="http://schemas.microsoft.com/office/powerpoint/2010/main" xmlns="" val="1064877064"/>
       </p:ext>
     </p:extLst>
   </p:cSld>
@@ -25291,7 +25515,7 @@
     </p:spTree>
     <p:extLst>
       <p:ext uri="{BB962C8B-B14F-4D97-AF65-F5344CB8AC3E}">
-        <p14:creationId xmlns:p14="http://schemas.microsoft.com/office/powerpoint/2010/main" val="3525597983"/>
+        <p14:creationId xmlns:p14="http://schemas.microsoft.com/office/powerpoint/2010/main" xmlns="" val="3525597983"/>
       </p:ext>
     </p:extLst>
   </p:cSld>
@@ -25410,7 +25634,7 @@
             <p:ph idx="1"/>
             <p:extLst>
               <p:ext uri="{D42A27DB-BD31-4B8C-83A1-F6EECF244321}">
-                <p14:modId xmlns:p14="http://schemas.microsoft.com/office/powerpoint/2010/main" val="4065712132"/>
+                <p14:modId xmlns:p14="http://schemas.microsoft.com/office/powerpoint/2010/main" xmlns="" val="4065712132"/>
               </p:ext>
             </p:extLst>
           </p:nvPr>
@@ -25428,7 +25652,7 @@
     </p:spTree>
     <p:extLst>
       <p:ext uri="{BB962C8B-B14F-4D97-AF65-F5344CB8AC3E}">
-        <p14:creationId xmlns:p14="http://schemas.microsoft.com/office/powerpoint/2010/main" val="1258132720"/>
+        <p14:creationId xmlns:p14="http://schemas.microsoft.com/office/powerpoint/2010/main" xmlns="" val="1258132720"/>
       </p:ext>
     </p:extLst>
   </p:cSld>
@@ -25775,11 +25999,7 @@
           <a:p>
             <a:r>
               <a:rPr lang="zh-CN" altLang="en-US" dirty="0" smtClean="0"/>
-              <a:t>参数</a:t>
-            </a:r>
-            <a:r>
-              <a:rPr lang="zh-CN" altLang="en-US" dirty="0" smtClean="0"/>
-              <a:t>化测试</a:t>
+              <a:t>参数化测试</a:t>
             </a:r>
             <a:endParaRPr lang="en-US" altLang="zh-CN" dirty="0" smtClean="0"/>
           </a:p>
@@ -25791,7 +26011,7 @@
     </p:spTree>
     <p:extLst>
       <p:ext uri="{BB962C8B-B14F-4D97-AF65-F5344CB8AC3E}">
-        <p14:creationId xmlns:p14="http://schemas.microsoft.com/office/powerpoint/2010/main" val="941624380"/>
+        <p14:creationId xmlns:p14="http://schemas.microsoft.com/office/powerpoint/2010/main" xmlns="" val="941624380"/>
       </p:ext>
     </p:extLst>
   </p:cSld>
@@ -26002,7 +26222,7 @@
     </p:spTree>
     <p:extLst>
       <p:ext uri="{BB962C8B-B14F-4D97-AF65-F5344CB8AC3E}">
-        <p14:creationId xmlns:p14="http://schemas.microsoft.com/office/powerpoint/2010/main" val="3490512329"/>
+        <p14:creationId xmlns:p14="http://schemas.microsoft.com/office/powerpoint/2010/main" xmlns="" val="3490512329"/>
       </p:ext>
     </p:extLst>
   </p:cSld>
@@ -26274,7 +26494,7 @@
   <a:extraClrSchemeLst/>
   <a:extLst>
     <a:ext uri="{05A4C25C-085E-4340-85A3-A5531E510DB2}">
-      <thm15:themeFamily xmlns:thm15="http://schemas.microsoft.com/office/thememl/2012/main" name="Office Theme" id="{62F939B6-93AF-4DB8-9C6B-D6C7DFDC589F}" vid="{4A3C46E8-61CC-4603-A589-7422A47A8E4A}"/>
+      <thm15:themeFamily xmlns:thm15="http://schemas.microsoft.com/office/thememl/2012/main" xmlns="" name="Office Theme" id="{62F939B6-93AF-4DB8-9C6B-D6C7DFDC589F}" vid="{4A3C46E8-61CC-4603-A589-7422A47A8E4A}"/>
     </a:ext>
   </a:extLst>
 </a:theme>
@@ -26535,7 +26755,7 @@
   <a:extraClrSchemeLst/>
   <a:extLst>
     <a:ext uri="{05A4C25C-085E-4340-85A3-A5531E510DB2}">
-      <thm15:themeFamily xmlns:thm15="http://schemas.microsoft.com/office/thememl/2012/main" name="Office Theme" id="{62F939B6-93AF-4DB8-9C6B-D6C7DFDC589F}" vid="{4A3C46E8-61CC-4603-A589-7422A47A8E4A}"/>
+      <thm15:themeFamily xmlns:thm15="http://schemas.microsoft.com/office/thememl/2012/main" xmlns="" name="Office Theme" id="{62F939B6-93AF-4DB8-9C6B-D6C7DFDC589F}" vid="{4A3C46E8-61CC-4603-A589-7422A47A8E4A}"/>
     </a:ext>
   </a:extLst>
 </a:theme>
@@ -26796,7 +27016,7 @@
   <a:extraClrSchemeLst/>
   <a:extLst>
     <a:ext uri="{05A4C25C-085E-4340-85A3-A5531E510DB2}">
-      <thm15:themeFamily xmlns:thm15="http://schemas.microsoft.com/office/thememl/2012/main" name="Office Theme" id="{62F939B6-93AF-4DB8-9C6B-D6C7DFDC589F}" vid="{4A3C46E8-61CC-4603-A589-7422A47A8E4A}"/>
+      <thm15:themeFamily xmlns:thm15="http://schemas.microsoft.com/office/thememl/2012/main" xmlns="" name="Office Theme" id="{62F939B6-93AF-4DB8-9C6B-D6C7DFDC589F}" vid="{4A3C46E8-61CC-4603-A589-7422A47A8E4A}"/>
     </a:ext>
   </a:extLst>
 </a:theme>

--- a/MyUnitTest/Document/单元测试.pptx
+++ b/MyUnitTest/Document/单元测试.pptx
@@ -5,43 +5,44 @@
     <p:sldMasterId id="2147483648" r:id="rId1"/>
   </p:sldMasterIdLst>
   <p:notesMasterIdLst>
-    <p:notesMasterId r:id="rId33"/>
+    <p:notesMasterId r:id="rId34"/>
   </p:notesMasterIdLst>
   <p:handoutMasterIdLst>
-    <p:handoutMasterId r:id="rId34"/>
+    <p:handoutMasterId r:id="rId35"/>
   </p:handoutMasterIdLst>
   <p:sldIdLst>
     <p:sldId id="256" r:id="rId2"/>
-    <p:sldId id="258" r:id="rId3"/>
-    <p:sldId id="274" r:id="rId4"/>
-    <p:sldId id="277" r:id="rId5"/>
-    <p:sldId id="259" r:id="rId6"/>
-    <p:sldId id="272" r:id="rId7"/>
-    <p:sldId id="284" r:id="rId8"/>
-    <p:sldId id="279" r:id="rId9"/>
-    <p:sldId id="262" r:id="rId10"/>
-    <p:sldId id="269" r:id="rId11"/>
-    <p:sldId id="263" r:id="rId12"/>
-    <p:sldId id="260" r:id="rId13"/>
-    <p:sldId id="278" r:id="rId14"/>
-    <p:sldId id="270" r:id="rId15"/>
-    <p:sldId id="271" r:id="rId16"/>
-    <p:sldId id="275" r:id="rId17"/>
-    <p:sldId id="261" r:id="rId18"/>
-    <p:sldId id="268" r:id="rId19"/>
-    <p:sldId id="267" r:id="rId20"/>
-    <p:sldId id="288" r:id="rId21"/>
-    <p:sldId id="285" r:id="rId22"/>
-    <p:sldId id="286" r:id="rId23"/>
-    <p:sldId id="287" r:id="rId24"/>
-    <p:sldId id="264" r:id="rId25"/>
-    <p:sldId id="273" r:id="rId26"/>
-    <p:sldId id="283" r:id="rId27"/>
-    <p:sldId id="276" r:id="rId28"/>
-    <p:sldId id="280" r:id="rId29"/>
-    <p:sldId id="281" r:id="rId30"/>
-    <p:sldId id="282" r:id="rId31"/>
-    <p:sldId id="266" r:id="rId32"/>
+    <p:sldId id="274" r:id="rId3"/>
+    <p:sldId id="277" r:id="rId4"/>
+    <p:sldId id="259" r:id="rId5"/>
+    <p:sldId id="289" r:id="rId6"/>
+    <p:sldId id="290" r:id="rId7"/>
+    <p:sldId id="272" r:id="rId8"/>
+    <p:sldId id="284" r:id="rId9"/>
+    <p:sldId id="279" r:id="rId10"/>
+    <p:sldId id="262" r:id="rId11"/>
+    <p:sldId id="269" r:id="rId12"/>
+    <p:sldId id="263" r:id="rId13"/>
+    <p:sldId id="260" r:id="rId14"/>
+    <p:sldId id="278" r:id="rId15"/>
+    <p:sldId id="270" r:id="rId16"/>
+    <p:sldId id="271" r:id="rId17"/>
+    <p:sldId id="275" r:id="rId18"/>
+    <p:sldId id="261" r:id="rId19"/>
+    <p:sldId id="268" r:id="rId20"/>
+    <p:sldId id="267" r:id="rId21"/>
+    <p:sldId id="288" r:id="rId22"/>
+    <p:sldId id="285" r:id="rId23"/>
+    <p:sldId id="286" r:id="rId24"/>
+    <p:sldId id="287" r:id="rId25"/>
+    <p:sldId id="264" r:id="rId26"/>
+    <p:sldId id="273" r:id="rId27"/>
+    <p:sldId id="283" r:id="rId28"/>
+    <p:sldId id="276" r:id="rId29"/>
+    <p:sldId id="280" r:id="rId30"/>
+    <p:sldId id="281" r:id="rId31"/>
+    <p:sldId id="282" r:id="rId32"/>
+    <p:sldId id="266" r:id="rId33"/>
   </p:sldIdLst>
   <p:sldSz cx="12192000" cy="6858000"/>
   <p:notesSz cx="6858000" cy="9144000"/>
@@ -173,6 +174,7 @@
 
 <file path=ppt/charts/chart1.xml><?xml version="1.0" encoding="utf-8"?>
 <c:chartSpace xmlns:c="http://schemas.openxmlformats.org/drawingml/2006/chart" xmlns:a="http://schemas.openxmlformats.org/drawingml/2006/main" xmlns:r="http://schemas.openxmlformats.org/officeDocument/2006/relationships">
+  <c:date1904 val="1"/>
   <c:lang val="zh-CN"/>
   <c:chart>
     <c:autoTitleDeleted val="1"/>
@@ -183,9 +185,9 @@
           <c:xMode val="edge"/>
           <c:yMode val="edge"/>
           <c:x val="9.5972736792530683E-2"/>
-          <c:y val="0.13571182532151993"/>
-          <c:w val="0.82897503195318967"/>
-          <c:h val="0.82426374998628227"/>
+          <c:y val="0.13571182532151987"/>
+          <c:w val="0.82897503195319011"/>
+          <c:h val="0.82426374998628205"/>
         </c:manualLayout>
       </c:layout>
       <c:pieChart>
@@ -476,6 +478,7 @@
 
 <file path=ppt/charts/chart2.xml><?xml version="1.0" encoding="utf-8"?>
 <c:chartSpace xmlns:c="http://schemas.openxmlformats.org/drawingml/2006/chart" xmlns:a="http://schemas.openxmlformats.org/drawingml/2006/main" xmlns:r="http://schemas.openxmlformats.org/officeDocument/2006/relationships">
+  <c:date1904 val="1"/>
   <c:lang val="zh-CN"/>
   <c:chart>
     <c:title>
@@ -506,8 +509,8 @@
         <c:manualLayout>
           <c:xMode val="edge"/>
           <c:yMode val="edge"/>
-          <c:x val="0.6327111442594181"/>
-          <c:y val="0.91902286350856732"/>
+          <c:x val="0.63271114425941832"/>
+          <c:y val="0.91902286350856754"/>
         </c:manualLayout>
       </c:layout>
       <c:spPr>
@@ -13729,7 +13732,7 @@
             <a:fld id="{CB07F4DD-2616-4ADB-B085-03E0041EBE9A}" type="datetime1">
               <a:rPr lang="zh-CN" altLang="en-US" smtClean="0"/>
               <a:pPr/>
-              <a:t>2016/1/5</a:t>
+              <a:t>2016/1/7</a:t>
             </a:fld>
             <a:endParaRPr lang="zh-CN" altLang="en-US"/>
           </a:p>
@@ -13905,7 +13908,7 @@
             <a:fld id="{F1290695-11F3-4201-9521-690EE7DDEFC3}" type="datetime1">
               <a:rPr lang="zh-CN" altLang="en-US" smtClean="0"/>
               <a:pPr/>
-              <a:t>2016/1/5</a:t>
+              <a:t>2016/1/7</a:t>
             </a:fld>
             <a:endParaRPr lang="zh-CN" altLang="en-US"/>
           </a:p>
@@ -14291,7 +14294,7 @@
     </p:spTree>
     <p:extLst>
       <p:ext uri="{BB962C8B-B14F-4D97-AF65-F5344CB8AC3E}">
-        <p14:creationId xmlns:p14="http://schemas.microsoft.com/office/powerpoint/2010/main" xmlns="" val="3681023334"/>
+        <p14:creationId xmlns:p14="http://schemas.microsoft.com/office/powerpoint/2010/main" xmlns="" val="4013860578"/>
       </p:ext>
     </p:extLst>
   </p:cSld>
@@ -14352,7 +14355,7 @@
     </p:spTree>
     <p:extLst>
       <p:ext uri="{BB962C8B-B14F-4D97-AF65-F5344CB8AC3E}">
-        <p14:creationId xmlns:p14="http://schemas.microsoft.com/office/powerpoint/2010/main" xmlns="" val="4013860578"/>
+        <p14:creationId xmlns:p14="http://schemas.microsoft.com/office/powerpoint/2010/main" xmlns="" val="2384192954"/>
       </p:ext>
     </p:extLst>
   </p:cSld>
@@ -14363,67 +14366,6 @@
 </file>
 
 <file path=ppt/notesSlides/notesSlide12.xml><?xml version="1.0" encoding="utf-8"?>
-<p:notes xmlns:a="http://schemas.openxmlformats.org/drawingml/2006/main" xmlns:r="http://schemas.openxmlformats.org/officeDocument/2006/relationships" xmlns:p="http://schemas.openxmlformats.org/presentationml/2006/main">
-  <p:cSld>
-    <p:spTree>
-      <p:nvGrpSpPr>
-        <p:cNvPr id="1" name=""/>
-        <p:cNvGrpSpPr/>
-        <p:nvPr/>
-      </p:nvGrpSpPr>
-      <p:grpSpPr>
-        <a:xfrm>
-          <a:off x="0" y="0"/>
-          <a:ext cx="0" cy="0"/>
-          <a:chOff x="0" y="0"/>
-          <a:chExt cx="0" cy="0"/>
-        </a:xfrm>
-      </p:grpSpPr>
-      <p:sp>
-        <p:nvSpPr>
-          <p:cNvPr id="2" name="幻灯片图像占位符 1"/>
-          <p:cNvSpPr>
-            <a:spLocks noGrp="1" noRot="1" noChangeAspect="1"/>
-          </p:cNvSpPr>
-          <p:nvPr>
-            <p:ph type="sldImg"/>
-          </p:nvPr>
-        </p:nvSpPr>
-        <p:spPr/>
-      </p:sp>
-      <p:sp>
-        <p:nvSpPr>
-          <p:cNvPr id="3" name="备注占位符 2"/>
-          <p:cNvSpPr>
-            <a:spLocks noGrp="1"/>
-          </p:cNvSpPr>
-          <p:nvPr>
-            <p:ph type="body" idx="1"/>
-          </p:nvPr>
-        </p:nvSpPr>
-        <p:spPr/>
-        <p:txBody>
-          <a:bodyPr/>
-          <a:lstStyle/>
-          <a:p>
-            <a:endParaRPr lang="zh-CN" altLang="en-US"/>
-          </a:p>
-        </p:txBody>
-      </p:sp>
-    </p:spTree>
-    <p:extLst>
-      <p:ext uri="{BB962C8B-B14F-4D97-AF65-F5344CB8AC3E}">
-        <p14:creationId xmlns:p14="http://schemas.microsoft.com/office/powerpoint/2010/main" xmlns="" val="2384192954"/>
-      </p:ext>
-    </p:extLst>
-  </p:cSld>
-  <p:clrMapOvr>
-    <a:masterClrMapping/>
-  </p:clrMapOvr>
-</p:notes>
-</file>
-
-<file path=ppt/notesSlides/notesSlide13.xml><?xml version="1.0" encoding="utf-8"?>
 <p:notes xmlns:a="http://schemas.openxmlformats.org/drawingml/2006/main" xmlns:r="http://schemas.openxmlformats.org/officeDocument/2006/relationships" xmlns:p="http://schemas.openxmlformats.org/presentationml/2006/main">
   <p:cSld>
     <p:spTree>
@@ -14528,14 +14470,14 @@
           <a:bodyPr/>
           <a:lstStyle/>
           <a:p>
-            <a:endParaRPr lang="zh-CN" altLang="en-US"/>
+            <a:endParaRPr lang="zh-CN" altLang="en-US" dirty="0"/>
           </a:p>
         </p:txBody>
       </p:sp>
     </p:spTree>
     <p:extLst>
       <p:ext uri="{BB962C8B-B14F-4D97-AF65-F5344CB8AC3E}">
-        <p14:creationId xmlns:p14="http://schemas.microsoft.com/office/powerpoint/2010/main" xmlns="" val="3135186500"/>
+        <p14:creationId xmlns:p14="http://schemas.microsoft.com/office/powerpoint/2010/main" xmlns="" val="2534329476"/>
       </p:ext>
     </p:extLst>
   </p:cSld>
@@ -14589,14 +14531,14 @@
           <a:bodyPr/>
           <a:lstStyle/>
           <a:p>
-            <a:endParaRPr lang="zh-CN" altLang="en-US" dirty="0"/>
+            <a:endParaRPr lang="zh-CN" altLang="en-US"/>
           </a:p>
         </p:txBody>
       </p:sp>
     </p:spTree>
     <p:extLst>
       <p:ext uri="{BB962C8B-B14F-4D97-AF65-F5344CB8AC3E}">
-        <p14:creationId xmlns:p14="http://schemas.microsoft.com/office/powerpoint/2010/main" xmlns="" val="2534329476"/>
+        <p14:creationId xmlns:p14="http://schemas.microsoft.com/office/powerpoint/2010/main" xmlns="" val="3433403895"/>
       </p:ext>
     </p:extLst>
   </p:cSld>
@@ -14657,7 +14599,7 @@
     </p:spTree>
     <p:extLst>
       <p:ext uri="{BB962C8B-B14F-4D97-AF65-F5344CB8AC3E}">
-        <p14:creationId xmlns:p14="http://schemas.microsoft.com/office/powerpoint/2010/main" xmlns="" val="3433403895"/>
+        <p14:creationId xmlns:p14="http://schemas.microsoft.com/office/powerpoint/2010/main" xmlns="" val="2372924299"/>
       </p:ext>
     </p:extLst>
   </p:cSld>
@@ -14718,7 +14660,7 @@
     </p:spTree>
     <p:extLst>
       <p:ext uri="{BB962C8B-B14F-4D97-AF65-F5344CB8AC3E}">
-        <p14:creationId xmlns:p14="http://schemas.microsoft.com/office/powerpoint/2010/main" xmlns="" val="2372924299"/>
+        <p14:creationId xmlns:p14="http://schemas.microsoft.com/office/powerpoint/2010/main" xmlns="" val="1379253347"/>
       </p:ext>
     </p:extLst>
   </p:cSld>
@@ -14779,7 +14721,7 @@
     </p:spTree>
     <p:extLst>
       <p:ext uri="{BB962C8B-B14F-4D97-AF65-F5344CB8AC3E}">
-        <p14:creationId xmlns:p14="http://schemas.microsoft.com/office/powerpoint/2010/main" xmlns="" val="1379253347"/>
+        <p14:creationId xmlns:p14="http://schemas.microsoft.com/office/powerpoint/2010/main" xmlns="" val="3148297237"/>
       </p:ext>
     </p:extLst>
   </p:cSld>
@@ -14840,7 +14782,7 @@
     </p:spTree>
     <p:extLst>
       <p:ext uri="{BB962C8B-B14F-4D97-AF65-F5344CB8AC3E}">
-        <p14:creationId xmlns:p14="http://schemas.microsoft.com/office/powerpoint/2010/main" xmlns="" val="3148297237"/>
+        <p14:creationId xmlns:p14="http://schemas.microsoft.com/office/powerpoint/2010/main" xmlns="" val="496991311"/>
       </p:ext>
     </p:extLst>
   </p:cSld>
@@ -14901,7 +14843,7 @@
     </p:spTree>
     <p:extLst>
       <p:ext uri="{BB962C8B-B14F-4D97-AF65-F5344CB8AC3E}">
-        <p14:creationId xmlns:p14="http://schemas.microsoft.com/office/powerpoint/2010/main" xmlns="" val="496991311"/>
+        <p14:creationId xmlns:p14="http://schemas.microsoft.com/office/powerpoint/2010/main" xmlns="" val="3057971724"/>
       </p:ext>
     </p:extLst>
   </p:cSld>
@@ -14962,7 +14904,7 @@
     </p:spTree>
     <p:extLst>
       <p:ext uri="{BB962C8B-B14F-4D97-AF65-F5344CB8AC3E}">
-        <p14:creationId xmlns:p14="http://schemas.microsoft.com/office/powerpoint/2010/main" xmlns="" val="3057971724"/>
+        <p14:creationId xmlns:p14="http://schemas.microsoft.com/office/powerpoint/2010/main" xmlns="" val="3681023334"/>
       </p:ext>
     </p:extLst>
   </p:cSld>
@@ -15104,7 +15046,7 @@
             <a:fld id="{25D33A48-F4CA-4D64-BD5D-F30DAC11E182}" type="datetime1">
               <a:rPr lang="zh-CN" altLang="en-US" smtClean="0"/>
               <a:pPr/>
-              <a:t>2016/1/5</a:t>
+              <a:t>2016/1/7</a:t>
             </a:fld>
             <a:endParaRPr lang="zh-CN" altLang="en-US"/>
           </a:p>
@@ -15276,7 +15218,7 @@
             <a:fld id="{7835C9A2-A860-435D-8D86-7057808A46BB}" type="datetime1">
               <a:rPr lang="zh-CN" altLang="en-US" smtClean="0"/>
               <a:pPr/>
-              <a:t>2016/1/5</a:t>
+              <a:t>2016/1/7</a:t>
             </a:fld>
             <a:endParaRPr lang="zh-CN" altLang="en-US"/>
           </a:p>
@@ -15462,7 +15404,7 @@
             <a:fld id="{8DCBC361-869B-451A-B3B0-8C4F1BA9360E}" type="datetime1">
               <a:rPr lang="zh-CN" altLang="en-US" smtClean="0"/>
               <a:pPr/>
-              <a:t>2016/1/5</a:t>
+              <a:t>2016/1/7</a:t>
             </a:fld>
             <a:endParaRPr lang="zh-CN" altLang="en-US"/>
           </a:p>
@@ -15653,7 +15595,7 @@
             <a:fld id="{BC20C777-790A-4729-B908-08454939E402}" type="datetime1">
               <a:rPr lang="zh-CN" altLang="en-US" smtClean="0"/>
               <a:pPr/>
-              <a:t>2016/1/5</a:t>
+              <a:t>2016/1/7</a:t>
             </a:fld>
             <a:endParaRPr lang="zh-CN" altLang="en-US" dirty="0"/>
           </a:p>
@@ -15914,7 +15856,7 @@
             <a:fld id="{0365DCE1-2D81-4988-9FFB-38C77368E5AB}" type="datetime1">
               <a:rPr lang="zh-CN" altLang="en-US" smtClean="0"/>
               <a:pPr/>
-              <a:t>2016/1/5</a:t>
+              <a:t>2016/1/7</a:t>
             </a:fld>
             <a:endParaRPr lang="zh-CN" altLang="en-US"/>
           </a:p>
@@ -16152,7 +16094,7 @@
             <a:fld id="{AE044FB5-8BC0-4607-92CA-3A99C780D839}" type="datetime1">
               <a:rPr lang="zh-CN" altLang="en-US" smtClean="0"/>
               <a:pPr/>
-              <a:t>2016/1/5</a:t>
+              <a:t>2016/1/7</a:t>
             </a:fld>
             <a:endParaRPr lang="zh-CN" altLang="en-US"/>
           </a:p>
@@ -16525,7 +16467,7 @@
             <a:fld id="{197C8F87-DC25-4850-AC0C-AD7398EEDB18}" type="datetime1">
               <a:rPr lang="zh-CN" altLang="en-US" smtClean="0"/>
               <a:pPr/>
-              <a:t>2016/1/5</a:t>
+              <a:t>2016/1/7</a:t>
             </a:fld>
             <a:endParaRPr lang="zh-CN" altLang="en-US"/>
           </a:p>
@@ -16649,7 +16591,7 @@
             <a:fld id="{5D4E2BA0-9952-45C2-A08C-1F25826F55B6}" type="datetime1">
               <a:rPr lang="zh-CN" altLang="en-US" smtClean="0"/>
               <a:pPr/>
-              <a:t>2016/1/5</a:t>
+              <a:t>2016/1/7</a:t>
             </a:fld>
             <a:endParaRPr lang="zh-CN" altLang="en-US"/>
           </a:p>
@@ -16750,7 +16692,7 @@
             <a:fld id="{8D3A08FE-8931-43C6-A3F8-57DF16A0B008}" type="datetime1">
               <a:rPr lang="zh-CN" altLang="en-US" smtClean="0"/>
               <a:pPr/>
-              <a:t>2016/1/5</a:t>
+              <a:t>2016/1/7</a:t>
             </a:fld>
             <a:endParaRPr lang="zh-CN" altLang="en-US"/>
           </a:p>
@@ -17033,7 +16975,7 @@
             <a:fld id="{F92AFE50-3DB7-445D-B4F8-E51EAB8F49B4}" type="datetime1">
               <a:rPr lang="zh-CN" altLang="en-US" smtClean="0"/>
               <a:pPr/>
-              <a:t>2016/1/5</a:t>
+              <a:t>2016/1/7</a:t>
             </a:fld>
             <a:endParaRPr lang="zh-CN" altLang="en-US"/>
           </a:p>
@@ -17292,7 +17234,7 @@
             <a:fld id="{C38F9322-B05B-4876-83A9-782F04B0A82E}" type="datetime1">
               <a:rPr lang="zh-CN" altLang="en-US" smtClean="0"/>
               <a:pPr/>
-              <a:t>2016/1/5</a:t>
+              <a:t>2016/1/7</a:t>
             </a:fld>
             <a:endParaRPr lang="zh-CN" altLang="en-US"/>
           </a:p>
@@ -17511,7 +17453,7 @@
             <a:fld id="{CCF59172-651A-49CE-9B4F-274F81EB3FA7}" type="datetime1">
               <a:rPr lang="zh-CN" altLang="en-US" smtClean="0"/>
               <a:pPr/>
-              <a:t>2016/1/5</a:t>
+              <a:t>2016/1/7</a:t>
             </a:fld>
             <a:endParaRPr lang="zh-CN" altLang="en-US"/>
           </a:p>
@@ -18019,6 +17961,217 @@
             <p:ph type="title"/>
           </p:nvPr>
         </p:nvSpPr>
+        <p:spPr/>
+        <p:txBody>
+          <a:bodyPr/>
+          <a:lstStyle/>
+          <a:p>
+            <a:r>
+              <a:rPr lang="zh-CN" altLang="en-US" dirty="0" smtClean="0"/>
+              <a:t>单元测试的范围</a:t>
+            </a:r>
+            <a:endParaRPr lang="zh-CN" altLang="en-US" dirty="0"/>
+          </a:p>
+        </p:txBody>
+      </p:sp>
+      <p:sp>
+        <p:nvSpPr>
+          <p:cNvPr id="3" name="内容占位符 2"/>
+          <p:cNvSpPr>
+            <a:spLocks noGrp="1"/>
+          </p:cNvSpPr>
+          <p:nvPr>
+            <p:ph idx="1"/>
+          </p:nvPr>
+        </p:nvSpPr>
+        <p:spPr/>
+        <p:txBody>
+          <a:bodyPr/>
+          <a:lstStyle/>
+          <a:p>
+            <a:r>
+              <a:rPr lang="zh-CN" altLang="en-US" dirty="0" smtClean="0"/>
+              <a:t>测试什么</a:t>
+            </a:r>
+            <a:endParaRPr lang="en-US" altLang="zh-CN" dirty="0" smtClean="0"/>
+          </a:p>
+          <a:p>
+            <a:pPr lvl="1">
+              <a:buFont typeface="Wingdings" panose="05000000000000000000" pitchFamily="2" charset="2"/>
+              <a:buChar char="ü"/>
+            </a:pPr>
+            <a:r>
+              <a:rPr lang="zh-CN" altLang="en-US" dirty="0" smtClean="0"/>
+              <a:t>界面逻辑</a:t>
+            </a:r>
+            <a:endParaRPr lang="en-US" altLang="zh-CN" dirty="0" smtClean="0"/>
+          </a:p>
+          <a:p>
+            <a:pPr lvl="1">
+              <a:buFont typeface="Wingdings" panose="05000000000000000000" pitchFamily="2" charset="2"/>
+              <a:buChar char="ü"/>
+            </a:pPr>
+            <a:r>
+              <a:rPr lang="zh-CN" altLang="en-US" dirty="0" smtClean="0"/>
+              <a:t>业务逻辑</a:t>
+            </a:r>
+            <a:endParaRPr lang="en-US" altLang="zh-CN" dirty="0" smtClean="0"/>
+          </a:p>
+          <a:p>
+            <a:r>
+              <a:rPr lang="zh-CN" altLang="en-US" dirty="0" smtClean="0"/>
+              <a:t>不测试什么</a:t>
+            </a:r>
+            <a:endParaRPr lang="en-US" altLang="zh-CN" dirty="0" smtClean="0"/>
+          </a:p>
+          <a:p>
+            <a:pPr lvl="1">
+              <a:buFont typeface="Wingdings" panose="05000000000000000000" pitchFamily="2" charset="2"/>
+              <a:buChar char="ü"/>
+            </a:pPr>
+            <a:r>
+              <a:rPr lang="zh-CN" altLang="en-US" dirty="0" smtClean="0"/>
+              <a:t>外部服务</a:t>
+            </a:r>
+            <a:endParaRPr lang="en-US" altLang="zh-CN" dirty="0" smtClean="0"/>
+          </a:p>
+          <a:p>
+            <a:pPr lvl="1">
+              <a:buFont typeface="Wingdings" panose="05000000000000000000" pitchFamily="2" charset="2"/>
+              <a:buChar char="ü"/>
+            </a:pPr>
+            <a:r>
+              <a:rPr lang="zh-CN" altLang="en-US" dirty="0" smtClean="0"/>
+              <a:t>数据库</a:t>
+            </a:r>
+            <a:endParaRPr lang="en-US" altLang="zh-CN" dirty="0" smtClean="0"/>
+          </a:p>
+          <a:p>
+            <a:pPr lvl="1">
+              <a:buFont typeface="Wingdings" panose="05000000000000000000" pitchFamily="2" charset="2"/>
+              <a:buChar char="ü"/>
+            </a:pPr>
+            <a:r>
+              <a:rPr lang="en-US" altLang="zh-CN" dirty="0" smtClean="0"/>
+              <a:t>I/O</a:t>
+            </a:r>
+            <a:r>
+              <a:rPr lang="zh-CN" altLang="en-US" dirty="0" smtClean="0"/>
+              <a:t>存储</a:t>
+            </a:r>
+            <a:endParaRPr lang="en-US" altLang="zh-CN" dirty="0" smtClean="0"/>
+          </a:p>
+          <a:p>
+            <a:pPr lvl="1">
+              <a:buFont typeface="Wingdings" panose="05000000000000000000" pitchFamily="2" charset="2"/>
+              <a:buChar char="ü"/>
+            </a:pPr>
+            <a:r>
+              <a:rPr lang="en-US" altLang="zh-CN" dirty="0" smtClean="0"/>
+              <a:t>UI</a:t>
+            </a:r>
+            <a:r>
+              <a:rPr lang="zh-CN" altLang="en-US" dirty="0" smtClean="0"/>
+              <a:t>界面</a:t>
+            </a:r>
+            <a:endParaRPr lang="zh-CN" altLang="en-US" dirty="0"/>
+          </a:p>
+        </p:txBody>
+      </p:sp>
+      <p:sp>
+        <p:nvSpPr>
+          <p:cNvPr id="6" name="页脚占位符 5"/>
+          <p:cNvSpPr>
+            <a:spLocks noGrp="1"/>
+          </p:cNvSpPr>
+          <p:nvPr>
+            <p:ph type="ftr" sz="quarter" idx="11"/>
+          </p:nvPr>
+        </p:nvSpPr>
+        <p:spPr/>
+        <p:txBody>
+          <a:bodyPr/>
+          <a:lstStyle/>
+          <a:p>
+            <a:r>
+              <a:rPr lang="zh-CN" altLang="en-US" smtClean="0"/>
+              <a:t>单元测试概论</a:t>
+            </a:r>
+            <a:endParaRPr lang="zh-CN" altLang="en-US" dirty="0"/>
+          </a:p>
+        </p:txBody>
+      </p:sp>
+      <p:sp>
+        <p:nvSpPr>
+          <p:cNvPr id="7" name="灯片编号占位符 6"/>
+          <p:cNvSpPr>
+            <a:spLocks noGrp="1"/>
+          </p:cNvSpPr>
+          <p:nvPr>
+            <p:ph type="sldNum" sz="quarter" idx="12"/>
+          </p:nvPr>
+        </p:nvSpPr>
+        <p:spPr/>
+        <p:txBody>
+          <a:bodyPr/>
+          <a:lstStyle/>
+          <a:p>
+            <a:fld id="{F4A2626E-A0A3-4722-B047-8920ED1A51E7}" type="slidenum">
+              <a:rPr lang="zh-CN" altLang="en-US" smtClean="0"/>
+              <a:pPr/>
+              <a:t>10</a:t>
+            </a:fld>
+            <a:endParaRPr lang="zh-CN" altLang="en-US" dirty="0"/>
+          </a:p>
+        </p:txBody>
+      </p:sp>
+    </p:spTree>
+    <p:extLst>
+      <p:ext uri="{BB962C8B-B14F-4D97-AF65-F5344CB8AC3E}">
+        <p14:creationId xmlns:p14="http://schemas.microsoft.com/office/powerpoint/2010/main" xmlns="" val="3490512329"/>
+      </p:ext>
+    </p:extLst>
+  </p:cSld>
+  <p:clrMapOvr>
+    <a:masterClrMapping/>
+  </p:clrMapOvr>
+  <p:timing>
+    <p:tnLst>
+      <p:par>
+        <p:cTn id="1" dur="indefinite" restart="never" nodeType="tmRoot"/>
+      </p:par>
+    </p:tnLst>
+  </p:timing>
+</p:sld>
+</file>
+
+<file path=ppt/slides/slide11.xml><?xml version="1.0" encoding="utf-8"?>
+<p:sld xmlns:a="http://schemas.openxmlformats.org/drawingml/2006/main" xmlns:r="http://schemas.openxmlformats.org/officeDocument/2006/relationships" xmlns:p="http://schemas.openxmlformats.org/presentationml/2006/main">
+  <p:cSld>
+    <p:spTree>
+      <p:nvGrpSpPr>
+        <p:cNvPr id="1" name=""/>
+        <p:cNvGrpSpPr/>
+        <p:nvPr/>
+      </p:nvGrpSpPr>
+      <p:grpSpPr>
+        <a:xfrm>
+          <a:off x="0" y="0"/>
+          <a:ext cx="0" cy="0"/>
+          <a:chOff x="0" y="0"/>
+          <a:chExt cx="0" cy="0"/>
+        </a:xfrm>
+      </p:grpSpPr>
+      <p:sp>
+        <p:nvSpPr>
+          <p:cNvPr id="2" name="标题 1"/>
+          <p:cNvSpPr>
+            <a:spLocks noGrp="1"/>
+          </p:cNvSpPr>
+          <p:nvPr>
+            <p:ph type="title"/>
+          </p:nvPr>
+        </p:nvSpPr>
         <p:spPr>
           <a:xfrm>
             <a:off x="838200" y="478744"/>
@@ -18229,7 +18382,7 @@
             <a:fld id="{F4A2626E-A0A3-4722-B047-8920ED1A51E7}" type="slidenum">
               <a:rPr lang="zh-CN" altLang="en-US" smtClean="0"/>
               <a:pPr/>
-              <a:t>10</a:t>
+              <a:t>11</a:t>
             </a:fld>
             <a:endParaRPr lang="zh-CN" altLang="en-US" dirty="0"/>
           </a:p>
@@ -18284,7 +18437,7 @@
 </p:sld>
 </file>
 
-<file path=ppt/slides/slide11.xml><?xml version="1.0" encoding="utf-8"?>
+<file path=ppt/slides/slide12.xml><?xml version="1.0" encoding="utf-8"?>
 <p:sld xmlns:a="http://schemas.openxmlformats.org/drawingml/2006/main" xmlns:r="http://schemas.openxmlformats.org/officeDocument/2006/relationships" xmlns:p="http://schemas.openxmlformats.org/presentationml/2006/main">
   <p:cSld>
     <p:spTree>
@@ -18458,7 +18611,7 @@
             <a:fld id="{F4A2626E-A0A3-4722-B047-8920ED1A51E7}" type="slidenum">
               <a:rPr lang="zh-CN" altLang="en-US" smtClean="0"/>
               <a:pPr/>
-              <a:t>11</a:t>
+              <a:t>12</a:t>
             </a:fld>
             <a:endParaRPr lang="zh-CN" altLang="en-US" dirty="0"/>
           </a:p>
@@ -19168,7 +19321,7 @@
 </p:sld>
 </file>
 
-<file path=ppt/slides/slide12.xml><?xml version="1.0" encoding="utf-8"?>
+<file path=ppt/slides/slide13.xml><?xml version="1.0" encoding="utf-8"?>
 <p:sld xmlns:a="http://schemas.openxmlformats.org/drawingml/2006/main" xmlns:r="http://schemas.openxmlformats.org/officeDocument/2006/relationships" xmlns:p="http://schemas.openxmlformats.org/presentationml/2006/main">
   <p:cSld>
     <p:spTree>
@@ -19289,7 +19442,7 @@
             <a:fld id="{F4A2626E-A0A3-4722-B047-8920ED1A51E7}" type="slidenum">
               <a:rPr lang="zh-CN" altLang="en-US" smtClean="0"/>
               <a:pPr/>
-              <a:t>12</a:t>
+              <a:t>13</a:t>
             </a:fld>
             <a:endParaRPr lang="zh-CN" altLang="en-US" dirty="0"/>
           </a:p>
@@ -20063,7 +20216,7 @@
 </p:sld>
 </file>
 
-<file path=ppt/slides/slide13.xml><?xml version="1.0" encoding="utf-8"?>
+<file path=ppt/slides/slide14.xml><?xml version="1.0" encoding="utf-8"?>
 <p:sld xmlns:a="http://schemas.openxmlformats.org/drawingml/2006/main" xmlns:r="http://schemas.openxmlformats.org/officeDocument/2006/relationships" xmlns:p="http://schemas.openxmlformats.org/presentationml/2006/main">
   <p:cSld>
     <p:spTree>
@@ -20120,7 +20273,7 @@
             <a:fld id="{F4A2626E-A0A3-4722-B047-8920ED1A51E7}" type="slidenum">
               <a:rPr lang="zh-CN" altLang="en-US" smtClean="0"/>
               <a:pPr/>
-              <a:t>13</a:t>
+              <a:t>14</a:t>
             </a:fld>
             <a:endParaRPr lang="zh-CN" altLang="en-US" dirty="0"/>
           </a:p>
@@ -20276,7 +20429,7 @@
 </p:sld>
 </file>
 
-<file path=ppt/slides/slide14.xml><?xml version="1.0" encoding="utf-8"?>
+<file path=ppt/slides/slide15.xml><?xml version="1.0" encoding="utf-8"?>
 <p:sld xmlns:a="http://schemas.openxmlformats.org/drawingml/2006/main" xmlns:r="http://schemas.openxmlformats.org/officeDocument/2006/relationships" xmlns:p="http://schemas.openxmlformats.org/presentationml/2006/main">
   <p:cSld>
     <p:spTree>
@@ -20394,7 +20547,7 @@
             <a:fld id="{F4A2626E-A0A3-4722-B047-8920ED1A51E7}" type="slidenum">
               <a:rPr lang="zh-CN" altLang="en-US" smtClean="0"/>
               <a:pPr/>
-              <a:t>14</a:t>
+              <a:t>15</a:t>
             </a:fld>
             <a:endParaRPr lang="zh-CN" altLang="en-US" dirty="0"/>
           </a:p>
@@ -20420,7 +20573,7 @@
 </p:sld>
 </file>
 
-<file path=ppt/slides/slide15.xml><?xml version="1.0" encoding="utf-8"?>
+<file path=ppt/slides/slide16.xml><?xml version="1.0" encoding="utf-8"?>
 <p:sld xmlns:a="http://schemas.openxmlformats.org/drawingml/2006/main" xmlns:r="http://schemas.openxmlformats.org/officeDocument/2006/relationships" xmlns:p="http://schemas.openxmlformats.org/presentationml/2006/main">
   <p:cSld>
     <p:spTree>
@@ -20545,7 +20698,7 @@
             <a:fld id="{F4A2626E-A0A3-4722-B047-8920ED1A51E7}" type="slidenum">
               <a:rPr lang="zh-CN" altLang="en-US" smtClean="0"/>
               <a:pPr/>
-              <a:t>15</a:t>
+              <a:t>16</a:t>
             </a:fld>
             <a:endParaRPr lang="zh-CN" altLang="en-US" dirty="0"/>
           </a:p>
@@ -20571,7 +20724,7 @@
 </p:sld>
 </file>
 
-<file path=ppt/slides/slide16.xml><?xml version="1.0" encoding="utf-8"?>
+<file path=ppt/slides/slide17.xml><?xml version="1.0" encoding="utf-8"?>
 <p:sld xmlns:a="http://schemas.openxmlformats.org/drawingml/2006/main" xmlns:r="http://schemas.openxmlformats.org/officeDocument/2006/relationships" xmlns:p="http://schemas.openxmlformats.org/presentationml/2006/main">
   <p:cSld>
     <p:spTree>
@@ -20734,7 +20887,7 @@
             <a:fld id="{F4A2626E-A0A3-4722-B047-8920ED1A51E7}" type="slidenum">
               <a:rPr lang="zh-CN" altLang="en-US" smtClean="0"/>
               <a:pPr/>
-              <a:t>16</a:t>
+              <a:t>17</a:t>
             </a:fld>
             <a:endParaRPr lang="zh-CN" altLang="en-US" dirty="0"/>
           </a:p>
@@ -20760,7 +20913,7 @@
 </p:sld>
 </file>
 
-<file path=ppt/slides/slide17.xml><?xml version="1.0" encoding="utf-8"?>
+<file path=ppt/slides/slide18.xml><?xml version="1.0" encoding="utf-8"?>
 <p:sld xmlns:a="http://schemas.openxmlformats.org/drawingml/2006/main" xmlns:r="http://schemas.openxmlformats.org/officeDocument/2006/relationships" xmlns:p="http://schemas.openxmlformats.org/presentationml/2006/main">
   <p:cSld>
     <p:spTree>
@@ -20868,7 +21021,7 @@
             <a:fld id="{F4A2626E-A0A3-4722-B047-8920ED1A51E7}" type="slidenum">
               <a:rPr lang="zh-CN" altLang="en-US" smtClean="0"/>
               <a:pPr/>
-              <a:t>17</a:t>
+              <a:t>18</a:t>
             </a:fld>
             <a:endParaRPr lang="zh-CN" altLang="en-US" dirty="0"/>
           </a:p>
@@ -20894,7 +21047,7 @@
 </p:sld>
 </file>
 
-<file path=ppt/slides/slide18.xml><?xml version="1.0" encoding="utf-8"?>
+<file path=ppt/slides/slide19.xml><?xml version="1.0" encoding="utf-8"?>
 <p:sld xmlns:a="http://schemas.openxmlformats.org/drawingml/2006/main" xmlns:r="http://schemas.openxmlformats.org/officeDocument/2006/relationships" xmlns:p="http://schemas.openxmlformats.org/presentationml/2006/main">
   <p:cSld>
     <p:spTree>
@@ -21061,7 +21214,7 @@
             <a:fld id="{F4A2626E-A0A3-4722-B047-8920ED1A51E7}" type="slidenum">
               <a:rPr lang="zh-CN" altLang="en-US" smtClean="0"/>
               <a:pPr/>
-              <a:t>18</a:t>
+              <a:t>19</a:t>
             </a:fld>
             <a:endParaRPr lang="zh-CN" altLang="en-US" dirty="0"/>
           </a:p>
@@ -21087,7 +21240,147 @@
 </p:sld>
 </file>
 
-<file path=ppt/slides/slide19.xml><?xml version="1.0" encoding="utf-8"?>
+<file path=ppt/slides/slide2.xml><?xml version="1.0" encoding="utf-8"?>
+<p:sld xmlns:a="http://schemas.openxmlformats.org/drawingml/2006/main" xmlns:r="http://schemas.openxmlformats.org/officeDocument/2006/relationships" xmlns:p="http://schemas.openxmlformats.org/presentationml/2006/main">
+  <p:cSld>
+    <p:spTree>
+      <p:nvGrpSpPr>
+        <p:cNvPr id="1" name=""/>
+        <p:cNvGrpSpPr/>
+        <p:nvPr/>
+      </p:nvGrpSpPr>
+      <p:grpSpPr>
+        <a:xfrm>
+          <a:off x="0" y="0"/>
+          <a:ext cx="0" cy="0"/>
+          <a:chOff x="0" y="0"/>
+          <a:chExt cx="0" cy="0"/>
+        </a:xfrm>
+      </p:grpSpPr>
+      <p:sp>
+        <p:nvSpPr>
+          <p:cNvPr id="2" name="标题 1"/>
+          <p:cNvSpPr>
+            <a:spLocks noGrp="1"/>
+          </p:cNvSpPr>
+          <p:nvPr>
+            <p:ph type="title"/>
+          </p:nvPr>
+        </p:nvSpPr>
+        <p:spPr>
+          <a:xfrm>
+            <a:off x="838200" y="478744"/>
+            <a:ext cx="10515600" cy="696913"/>
+          </a:xfrm>
+        </p:spPr>
+        <p:txBody>
+          <a:bodyPr/>
+          <a:lstStyle/>
+          <a:p>
+            <a:r>
+              <a:rPr lang="zh-CN" altLang="en-US" dirty="0" smtClean="0"/>
+              <a:t>优秀单元测试的</a:t>
+            </a:r>
+            <a:r>
+              <a:rPr lang="zh-CN" altLang="en-US" dirty="0"/>
+              <a:t>特性</a:t>
+            </a:r>
+          </a:p>
+        </p:txBody>
+      </p:sp>
+      <p:graphicFrame>
+        <p:nvGraphicFramePr>
+          <p:cNvPr id="14" name="内容占位符 13"/>
+          <p:cNvGraphicFramePr>
+            <a:graphicFrameLocks noGrp="1"/>
+          </p:cNvGraphicFramePr>
+          <p:nvPr>
+            <p:ph idx="1"/>
+            <p:extLst>
+              <p:ext uri="{D42A27DB-BD31-4B8C-83A1-F6EECF244321}">
+                <p14:modId xmlns:p14="http://schemas.microsoft.com/office/powerpoint/2010/main" xmlns="" val="2703503720"/>
+              </p:ext>
+            </p:extLst>
+          </p:nvPr>
+        </p:nvGraphicFramePr>
+        <p:xfrm>
+          <a:off x="838200" y="1318078"/>
+          <a:ext cx="10515600" cy="4751796"/>
+        </p:xfrm>
+        <a:graphic>
+          <a:graphicData uri="http://schemas.openxmlformats.org/drawingml/2006/diagram">
+            <dgm:relIds xmlns:dgm="http://schemas.openxmlformats.org/drawingml/2006/diagram" xmlns:r="http://schemas.openxmlformats.org/officeDocument/2006/relationships" r:dm="rId2" r:lo="rId3" r:qs="rId4" r:cs="rId5"/>
+          </a:graphicData>
+        </a:graphic>
+      </p:graphicFrame>
+      <p:sp>
+        <p:nvSpPr>
+          <p:cNvPr id="6" name="页脚占位符 5"/>
+          <p:cNvSpPr>
+            <a:spLocks noGrp="1"/>
+          </p:cNvSpPr>
+          <p:nvPr>
+            <p:ph type="ftr" sz="quarter" idx="11"/>
+          </p:nvPr>
+        </p:nvSpPr>
+        <p:spPr/>
+        <p:txBody>
+          <a:bodyPr/>
+          <a:lstStyle/>
+          <a:p>
+            <a:r>
+              <a:rPr lang="zh-CN" altLang="en-US" dirty="0" smtClean="0"/>
+              <a:t>单元测试概论</a:t>
+            </a:r>
+            <a:endParaRPr lang="zh-CN" altLang="en-US" dirty="0"/>
+          </a:p>
+        </p:txBody>
+      </p:sp>
+      <p:sp>
+        <p:nvSpPr>
+          <p:cNvPr id="7" name="灯片编号占位符 6"/>
+          <p:cNvSpPr>
+            <a:spLocks noGrp="1"/>
+          </p:cNvSpPr>
+          <p:nvPr>
+            <p:ph type="sldNum" sz="quarter" idx="12"/>
+          </p:nvPr>
+        </p:nvSpPr>
+        <p:spPr/>
+        <p:txBody>
+          <a:bodyPr/>
+          <a:lstStyle/>
+          <a:p>
+            <a:fld id="{F4A2626E-A0A3-4722-B047-8920ED1A51E7}" type="slidenum">
+              <a:rPr lang="zh-CN" altLang="en-US" smtClean="0"/>
+              <a:pPr/>
+              <a:t>2</a:t>
+            </a:fld>
+            <a:endParaRPr lang="zh-CN" altLang="en-US" dirty="0"/>
+          </a:p>
+        </p:txBody>
+      </p:sp>
+    </p:spTree>
+    <p:extLst>
+      <p:ext uri="{BB962C8B-B14F-4D97-AF65-F5344CB8AC3E}">
+        <p14:creationId xmlns:p14="http://schemas.microsoft.com/office/powerpoint/2010/main" xmlns="" val="2276224563"/>
+      </p:ext>
+    </p:extLst>
+  </p:cSld>
+  <p:clrMapOvr>
+    <a:masterClrMapping/>
+  </p:clrMapOvr>
+  <p:timing>
+    <p:tnLst>
+      <p:par>
+        <p:cTn id="1" dur="indefinite" restart="never" nodeType="tmRoot"/>
+      </p:par>
+    </p:tnLst>
+  </p:timing>
+</p:sld>
+</file>
+
+<file path=ppt/slides/slide20.xml><?xml version="1.0" encoding="utf-8"?>
 <p:sld xmlns:a="http://schemas.openxmlformats.org/drawingml/2006/main" xmlns:r="http://schemas.openxmlformats.org/officeDocument/2006/relationships" xmlns:p="http://schemas.openxmlformats.org/presentationml/2006/main">
   <p:cSld>
     <p:spTree>
@@ -21208,7 +21501,7 @@
             <a:fld id="{F4A2626E-A0A3-4722-B047-8920ED1A51E7}" type="slidenum">
               <a:rPr lang="zh-CN" altLang="en-US" smtClean="0"/>
               <a:pPr/>
-              <a:t>19</a:t>
+              <a:t>20</a:t>
             </a:fld>
             <a:endParaRPr lang="zh-CN" altLang="en-US" dirty="0"/>
           </a:p>
@@ -21234,145 +21527,7 @@
 </p:sld>
 </file>
 
-<file path=ppt/slides/slide2.xml><?xml version="1.0" encoding="utf-8"?>
-<p:sld xmlns:a="http://schemas.openxmlformats.org/drawingml/2006/main" xmlns:r="http://schemas.openxmlformats.org/officeDocument/2006/relationships" xmlns:p="http://schemas.openxmlformats.org/presentationml/2006/main">
-  <p:cSld>
-    <p:spTree>
-      <p:nvGrpSpPr>
-        <p:cNvPr id="1" name=""/>
-        <p:cNvGrpSpPr/>
-        <p:nvPr/>
-      </p:nvGrpSpPr>
-      <p:grpSpPr>
-        <a:xfrm>
-          <a:off x="0" y="0"/>
-          <a:ext cx="0" cy="0"/>
-          <a:chOff x="0" y="0"/>
-          <a:chExt cx="0" cy="0"/>
-        </a:xfrm>
-      </p:grpSpPr>
-      <p:sp>
-        <p:nvSpPr>
-          <p:cNvPr id="2" name="标题 1"/>
-          <p:cNvSpPr>
-            <a:spLocks noGrp="1"/>
-          </p:cNvSpPr>
-          <p:nvPr>
-            <p:ph type="title"/>
-          </p:nvPr>
-        </p:nvSpPr>
-        <p:spPr/>
-        <p:txBody>
-          <a:bodyPr/>
-          <a:lstStyle/>
-          <a:p>
-            <a:r>
-              <a:rPr lang="zh-CN" altLang="en-US" dirty="0" smtClean="0"/>
-              <a:t>单元测试无处不在</a:t>
-            </a:r>
-            <a:endParaRPr lang="zh-CN" altLang="en-US" dirty="0"/>
-          </a:p>
-        </p:txBody>
-      </p:sp>
-      <p:sp>
-        <p:nvSpPr>
-          <p:cNvPr id="3" name="内容占位符 2"/>
-          <p:cNvSpPr>
-            <a:spLocks noGrp="1"/>
-          </p:cNvSpPr>
-          <p:nvPr>
-            <p:ph idx="1"/>
-          </p:nvPr>
-        </p:nvSpPr>
-        <p:spPr/>
-        <p:txBody>
-          <a:bodyPr/>
-          <a:lstStyle/>
-          <a:p>
-            <a:r>
-              <a:rPr lang="zh-CN" altLang="en-US" dirty="0" smtClean="0">
-                <a:hlinkClick r:id="rId3"/>
-              </a:rPr>
-              <a:t>各种语言的单元测试框架</a:t>
-            </a:r>
-            <a:endParaRPr lang="en-US" altLang="zh-CN" dirty="0"/>
-          </a:p>
-          <a:p>
-            <a:endParaRPr lang="en-US" altLang="zh-CN" dirty="0" smtClean="0"/>
-          </a:p>
-          <a:p>
-            <a:endParaRPr lang="zh-CN" altLang="en-US" dirty="0"/>
-          </a:p>
-        </p:txBody>
-      </p:sp>
-      <p:sp>
-        <p:nvSpPr>
-          <p:cNvPr id="6" name="页脚占位符 5"/>
-          <p:cNvSpPr>
-            <a:spLocks noGrp="1"/>
-          </p:cNvSpPr>
-          <p:nvPr>
-            <p:ph type="ftr" sz="quarter" idx="11"/>
-          </p:nvPr>
-        </p:nvSpPr>
-        <p:spPr/>
-        <p:txBody>
-          <a:bodyPr/>
-          <a:lstStyle/>
-          <a:p>
-            <a:r>
-              <a:rPr lang="zh-CN" altLang="en-US" smtClean="0"/>
-              <a:t>单元测试概论</a:t>
-            </a:r>
-            <a:endParaRPr lang="zh-CN" altLang="en-US" dirty="0"/>
-          </a:p>
-        </p:txBody>
-      </p:sp>
-      <p:sp>
-        <p:nvSpPr>
-          <p:cNvPr id="7" name="灯片编号占位符 6"/>
-          <p:cNvSpPr>
-            <a:spLocks noGrp="1"/>
-          </p:cNvSpPr>
-          <p:nvPr>
-            <p:ph type="sldNum" sz="quarter" idx="12"/>
-          </p:nvPr>
-        </p:nvSpPr>
-        <p:spPr/>
-        <p:txBody>
-          <a:bodyPr/>
-          <a:lstStyle/>
-          <a:p>
-            <a:fld id="{F4A2626E-A0A3-4722-B047-8920ED1A51E7}" type="slidenum">
-              <a:rPr lang="zh-CN" altLang="en-US" smtClean="0"/>
-              <a:pPr/>
-              <a:t>2</a:t>
-            </a:fld>
-            <a:endParaRPr lang="zh-CN" altLang="en-US" dirty="0"/>
-          </a:p>
-        </p:txBody>
-      </p:sp>
-    </p:spTree>
-    <p:extLst>
-      <p:ext uri="{BB962C8B-B14F-4D97-AF65-F5344CB8AC3E}">
-        <p14:creationId xmlns:p14="http://schemas.microsoft.com/office/powerpoint/2010/main" xmlns="" val="881922409"/>
-      </p:ext>
-    </p:extLst>
-  </p:cSld>
-  <p:clrMapOvr>
-    <a:masterClrMapping/>
-  </p:clrMapOvr>
-  <p:timing>
-    <p:tnLst>
-      <p:par>
-        <p:cTn id="1" dur="indefinite" restart="never" nodeType="tmRoot"/>
-      </p:par>
-    </p:tnLst>
-  </p:timing>
-</p:sld>
-</file>
-
-<file path=ppt/slides/slide20.xml><?xml version="1.0" encoding="utf-8"?>
+<file path=ppt/slides/slide21.xml><?xml version="1.0" encoding="utf-8"?>
 <p:sld xmlns:a="http://schemas.openxmlformats.org/drawingml/2006/main" xmlns:r="http://schemas.openxmlformats.org/officeDocument/2006/relationships" xmlns:p="http://schemas.openxmlformats.org/presentationml/2006/main">
   <p:cSld>
     <p:spTree>
@@ -21435,7 +21590,7 @@
             <a:fld id="{F4A2626E-A0A3-4722-B047-8920ED1A51E7}" type="slidenum">
               <a:rPr lang="zh-CN" altLang="en-US" smtClean="0"/>
               <a:pPr/>
-              <a:t>20</a:t>
+              <a:t>21</a:t>
             </a:fld>
             <a:endParaRPr lang="zh-CN" altLang="en-US"/>
           </a:p>
@@ -21491,7 +21646,7 @@
 </p:sld>
 </file>
 
-<file path=ppt/slides/slide21.xml><?xml version="1.0" encoding="utf-8"?>
+<file path=ppt/slides/slide22.xml><?xml version="1.0" encoding="utf-8"?>
 <p:sld xmlns:a="http://schemas.openxmlformats.org/drawingml/2006/main" xmlns:r="http://schemas.openxmlformats.org/officeDocument/2006/relationships" xmlns:p="http://schemas.openxmlformats.org/presentationml/2006/main">
   <p:cSld>
     <p:spTree>
@@ -21554,7 +21709,7 @@
             <a:fld id="{F4A2626E-A0A3-4722-B047-8920ED1A51E7}" type="slidenum">
               <a:rPr lang="zh-CN" altLang="en-US" smtClean="0"/>
               <a:pPr/>
-              <a:t>21</a:t>
+              <a:t>22</a:t>
             </a:fld>
             <a:endParaRPr lang="zh-CN" altLang="en-US"/>
           </a:p>
@@ -21610,7 +21765,7 @@
 </p:sld>
 </file>
 
-<file path=ppt/slides/slide22.xml><?xml version="1.0" encoding="utf-8"?>
+<file path=ppt/slides/slide23.xml><?xml version="1.0" encoding="utf-8"?>
 <p:sld xmlns:a="http://schemas.openxmlformats.org/drawingml/2006/main" xmlns:r="http://schemas.openxmlformats.org/officeDocument/2006/relationships" xmlns:p="http://schemas.openxmlformats.org/presentationml/2006/main">
   <p:cSld>
     <p:spTree>
@@ -21672,7 +21827,7 @@
             <a:fld id="{F4A2626E-A0A3-4722-B047-8920ED1A51E7}" type="slidenum">
               <a:rPr lang="zh-CN" altLang="en-US" smtClean="0"/>
               <a:pPr/>
-              <a:t>22</a:t>
+              <a:t>23</a:t>
             </a:fld>
             <a:endParaRPr lang="zh-CN" altLang="en-US"/>
           </a:p>
@@ -21728,7 +21883,7 @@
 </p:sld>
 </file>
 
-<file path=ppt/slides/slide23.xml><?xml version="1.0" encoding="utf-8"?>
+<file path=ppt/slides/slide24.xml><?xml version="1.0" encoding="utf-8"?>
 <p:sld xmlns:a="http://schemas.openxmlformats.org/drawingml/2006/main" xmlns:r="http://schemas.openxmlformats.org/officeDocument/2006/relationships" xmlns:p="http://schemas.openxmlformats.org/presentationml/2006/main">
   <p:cSld>
     <p:spTree>
@@ -21790,7 +21945,7 @@
             <a:fld id="{F4A2626E-A0A3-4722-B047-8920ED1A51E7}" type="slidenum">
               <a:rPr lang="zh-CN" altLang="en-US" smtClean="0"/>
               <a:pPr/>
-              <a:t>23</a:t>
+              <a:t>24</a:t>
             </a:fld>
             <a:endParaRPr lang="zh-CN" altLang="en-US"/>
           </a:p>
@@ -21846,7 +22001,7 @@
 </p:sld>
 </file>
 
-<file path=ppt/slides/slide24.xml><?xml version="1.0" encoding="utf-8"?>
+<file path=ppt/slides/slide25.xml><?xml version="1.0" encoding="utf-8"?>
 <p:sld xmlns:a="http://schemas.openxmlformats.org/drawingml/2006/main" xmlns:r="http://schemas.openxmlformats.org/officeDocument/2006/relationships" xmlns:p="http://schemas.openxmlformats.org/presentationml/2006/main">
   <p:cSld>
     <p:spTree>
@@ -22226,7 +22381,7 @@
             <a:fld id="{F4A2626E-A0A3-4722-B047-8920ED1A51E7}" type="slidenum">
               <a:rPr lang="zh-CN" altLang="en-US" smtClean="0"/>
               <a:pPr/>
-              <a:t>24</a:t>
+              <a:t>25</a:t>
             </a:fld>
             <a:endParaRPr lang="zh-CN" altLang="en-US" dirty="0"/>
           </a:p>
@@ -22252,7 +22407,7 @@
 </p:sld>
 </file>
 
-<file path=ppt/slides/slide25.xml><?xml version="1.0" encoding="utf-8"?>
+<file path=ppt/slides/slide26.xml><?xml version="1.0" encoding="utf-8"?>
 <p:sld xmlns:a="http://schemas.openxmlformats.org/drawingml/2006/main" xmlns:r="http://schemas.openxmlformats.org/officeDocument/2006/relationships" xmlns:p="http://schemas.openxmlformats.org/presentationml/2006/main">
   <p:cSld>
     <p:spTree>
@@ -22423,7 +22578,7 @@
             <a:fld id="{F4A2626E-A0A3-4722-B047-8920ED1A51E7}" type="slidenum">
               <a:rPr lang="zh-CN" altLang="en-US" smtClean="0"/>
               <a:pPr/>
-              <a:t>25</a:t>
+              <a:t>26</a:t>
             </a:fld>
             <a:endParaRPr lang="zh-CN" altLang="en-US" dirty="0"/>
           </a:p>
@@ -22449,7 +22604,7 @@
 </p:sld>
 </file>
 
-<file path=ppt/slides/slide26.xml><?xml version="1.0" encoding="utf-8"?>
+<file path=ppt/slides/slide27.xml><?xml version="1.0" encoding="utf-8"?>
 <p:sld xmlns:a="http://schemas.openxmlformats.org/drawingml/2006/main" xmlns:r="http://schemas.openxmlformats.org/officeDocument/2006/relationships" xmlns:p="http://schemas.openxmlformats.org/presentationml/2006/main">
   <p:cSld>
     <p:spTree>
@@ -23164,7 +23319,7 @@
             <a:fld id="{F4A2626E-A0A3-4722-B047-8920ED1A51E7}" type="slidenum">
               <a:rPr lang="zh-CN" altLang="en-US" smtClean="0"/>
               <a:pPr/>
-              <a:t>26</a:t>
+              <a:t>27</a:t>
             </a:fld>
             <a:endParaRPr lang="zh-CN" altLang="en-US" dirty="0"/>
           </a:p>
@@ -23185,7 +23340,7 @@
 </p:sld>
 </file>
 
-<file path=ppt/slides/slide27.xml><?xml version="1.0" encoding="utf-8"?>
+<file path=ppt/slides/slide28.xml><?xml version="1.0" encoding="utf-8"?>
 <p:sld xmlns:a="http://schemas.openxmlformats.org/drawingml/2006/main" xmlns:r="http://schemas.openxmlformats.org/officeDocument/2006/relationships" xmlns:p="http://schemas.openxmlformats.org/presentationml/2006/main">
   <p:cSld>
     <p:spTree>
@@ -23380,7 +23535,7 @@
             <a:fld id="{F4A2626E-A0A3-4722-B047-8920ED1A51E7}" type="slidenum">
               <a:rPr lang="zh-CN" altLang="en-US" smtClean="0"/>
               <a:pPr/>
-              <a:t>27</a:t>
+              <a:t>28</a:t>
             </a:fld>
             <a:endParaRPr lang="zh-CN" altLang="en-US" dirty="0"/>
           </a:p>
@@ -23406,7 +23561,7 @@
 </p:sld>
 </file>
 
-<file path=ppt/slides/slide28.xml><?xml version="1.0" encoding="utf-8"?>
+<file path=ppt/slides/slide29.xml><?xml version="1.0" encoding="utf-8"?>
 <p:sld xmlns:a="http://schemas.openxmlformats.org/drawingml/2006/main" xmlns:r="http://schemas.openxmlformats.org/officeDocument/2006/relationships" xmlns:p="http://schemas.openxmlformats.org/presentationml/2006/main">
   <p:cSld>
     <p:spTree>
@@ -23573,7 +23728,7 @@
             <a:fld id="{F4A2626E-A0A3-4722-B047-8920ED1A51E7}" type="slidenum">
               <a:rPr lang="zh-CN" altLang="en-US" smtClean="0"/>
               <a:pPr/>
-              <a:t>28</a:t>
+              <a:t>29</a:t>
             </a:fld>
             <a:endParaRPr lang="zh-CN" altLang="en-US" dirty="0"/>
           </a:p>
@@ -23594,526 +23749,7 @@
 </p:sld>
 </file>
 
-<file path=ppt/slides/slide29.xml><?xml version="1.0" encoding="utf-8"?>
-<p:sld xmlns:a="http://schemas.openxmlformats.org/drawingml/2006/main" xmlns:r="http://schemas.openxmlformats.org/officeDocument/2006/relationships" xmlns:p="http://schemas.openxmlformats.org/presentationml/2006/main">
-  <p:cSld>
-    <p:spTree>
-      <p:nvGrpSpPr>
-        <p:cNvPr id="1" name=""/>
-        <p:cNvGrpSpPr/>
-        <p:nvPr/>
-      </p:nvGrpSpPr>
-      <p:grpSpPr>
-        <a:xfrm>
-          <a:off x="0" y="0"/>
-          <a:ext cx="0" cy="0"/>
-          <a:chOff x="0" y="0"/>
-          <a:chExt cx="0" cy="0"/>
-        </a:xfrm>
-      </p:grpSpPr>
-      <p:sp>
-        <p:nvSpPr>
-          <p:cNvPr id="2" name="标题 1"/>
-          <p:cNvSpPr>
-            <a:spLocks noGrp="1"/>
-          </p:cNvSpPr>
-          <p:nvPr>
-            <p:ph type="title"/>
-          </p:nvPr>
-        </p:nvSpPr>
-        <p:spPr/>
-        <p:txBody>
-          <a:bodyPr/>
-          <a:lstStyle/>
-          <a:p>
-            <a:r>
-              <a:rPr lang="zh-CN" altLang="en-US" dirty="0" smtClean="0"/>
-              <a:t>推荐资源</a:t>
-            </a:r>
-            <a:endParaRPr lang="zh-CN" altLang="en-US" dirty="0"/>
-          </a:p>
-        </p:txBody>
-      </p:sp>
-      <p:pic>
-        <p:nvPicPr>
-          <p:cNvPr id="6" name="内容占位符 5" descr="54100b1cN6e37a5fc.jpg"/>
-          <p:cNvPicPr>
-            <a:picLocks noGrp="1" noChangeAspect="1"/>
-          </p:cNvPicPr>
-          <p:nvPr>
-            <p:ph idx="1"/>
-          </p:nvPr>
-        </p:nvPicPr>
-        <p:blipFill>
-          <a:blip r:embed="rId2"/>
-          <a:stretch>
-            <a:fillRect/>
-          </a:stretch>
-        </p:blipFill>
-        <p:spPr>
-          <a:xfrm>
-            <a:off x="5968744" y="1464379"/>
-            <a:ext cx="4906811" cy="4721931"/>
-          </a:xfrm>
-        </p:spPr>
-      </p:pic>
-      <p:sp>
-        <p:nvSpPr>
-          <p:cNvPr id="4" name="页脚占位符 3"/>
-          <p:cNvSpPr>
-            <a:spLocks noGrp="1"/>
-          </p:cNvSpPr>
-          <p:nvPr>
-            <p:ph type="ftr" sz="quarter" idx="11"/>
-          </p:nvPr>
-        </p:nvSpPr>
-        <p:spPr/>
-        <p:txBody>
-          <a:bodyPr/>
-          <a:lstStyle/>
-          <a:p>
-            <a:r>
-              <a:rPr lang="zh-CN" altLang="en-US" smtClean="0"/>
-              <a:t>单元测试概论</a:t>
-            </a:r>
-            <a:endParaRPr lang="zh-CN" altLang="en-US" dirty="0"/>
-          </a:p>
-        </p:txBody>
-      </p:sp>
-      <p:sp>
-        <p:nvSpPr>
-          <p:cNvPr id="5" name="灯片编号占位符 4"/>
-          <p:cNvSpPr>
-            <a:spLocks noGrp="1"/>
-          </p:cNvSpPr>
-          <p:nvPr>
-            <p:ph type="sldNum" sz="quarter" idx="12"/>
-          </p:nvPr>
-        </p:nvSpPr>
-        <p:spPr/>
-        <p:txBody>
-          <a:bodyPr/>
-          <a:lstStyle/>
-          <a:p>
-            <a:fld id="{F4A2626E-A0A3-4722-B047-8920ED1A51E7}" type="slidenum">
-              <a:rPr lang="zh-CN" altLang="en-US" smtClean="0"/>
-              <a:pPr/>
-              <a:t>29</a:t>
-            </a:fld>
-            <a:endParaRPr lang="zh-CN" altLang="en-US" dirty="0"/>
-          </a:p>
-        </p:txBody>
-      </p:sp>
-      <p:pic>
-        <p:nvPicPr>
-          <p:cNvPr id="8" name="图片 7" descr="7302269161584357.gif.jpg"/>
-          <p:cNvPicPr>
-            <a:picLocks noChangeAspect="1"/>
-          </p:cNvPicPr>
-          <p:nvPr/>
-        </p:nvPicPr>
-        <p:blipFill>
-          <a:blip r:embed="rId3"/>
-          <a:stretch>
-            <a:fillRect/>
-          </a:stretch>
-        </p:blipFill>
-        <p:spPr>
-          <a:xfrm>
-            <a:off x="1524000" y="1575169"/>
-            <a:ext cx="3826934" cy="4658876"/>
-          </a:xfrm>
-          <a:prstGeom prst="rect">
-            <a:avLst/>
-          </a:prstGeom>
-        </p:spPr>
-      </p:pic>
-    </p:spTree>
-  </p:cSld>
-  <p:clrMapOvr>
-    <a:masterClrMapping/>
-  </p:clrMapOvr>
-  <p:timing>
-    <p:tnLst>
-      <p:par>
-        <p:cTn id="1" dur="indefinite" restart="never" nodeType="tmRoot"/>
-      </p:par>
-    </p:tnLst>
-  </p:timing>
-</p:sld>
-</file>
-
 <file path=ppt/slides/slide3.xml><?xml version="1.0" encoding="utf-8"?>
-<p:sld xmlns:a="http://schemas.openxmlformats.org/drawingml/2006/main" xmlns:r="http://schemas.openxmlformats.org/officeDocument/2006/relationships" xmlns:p="http://schemas.openxmlformats.org/presentationml/2006/main">
-  <p:cSld>
-    <p:spTree>
-      <p:nvGrpSpPr>
-        <p:cNvPr id="1" name=""/>
-        <p:cNvGrpSpPr/>
-        <p:nvPr/>
-      </p:nvGrpSpPr>
-      <p:grpSpPr>
-        <a:xfrm>
-          <a:off x="0" y="0"/>
-          <a:ext cx="0" cy="0"/>
-          <a:chOff x="0" y="0"/>
-          <a:chExt cx="0" cy="0"/>
-        </a:xfrm>
-      </p:grpSpPr>
-      <p:sp>
-        <p:nvSpPr>
-          <p:cNvPr id="2" name="标题 1"/>
-          <p:cNvSpPr>
-            <a:spLocks noGrp="1"/>
-          </p:cNvSpPr>
-          <p:nvPr>
-            <p:ph type="title"/>
-          </p:nvPr>
-        </p:nvSpPr>
-        <p:spPr>
-          <a:xfrm>
-            <a:off x="838200" y="478744"/>
-            <a:ext cx="10515600" cy="696913"/>
-          </a:xfrm>
-        </p:spPr>
-        <p:txBody>
-          <a:bodyPr/>
-          <a:lstStyle/>
-          <a:p>
-            <a:r>
-              <a:rPr lang="zh-CN" altLang="en-US" dirty="0" smtClean="0"/>
-              <a:t>优秀单元测试的</a:t>
-            </a:r>
-            <a:r>
-              <a:rPr lang="zh-CN" altLang="en-US" dirty="0"/>
-              <a:t>特性</a:t>
-            </a:r>
-          </a:p>
-        </p:txBody>
-      </p:sp>
-      <p:graphicFrame>
-        <p:nvGraphicFramePr>
-          <p:cNvPr id="14" name="内容占位符 13"/>
-          <p:cNvGraphicFramePr>
-            <a:graphicFrameLocks noGrp="1"/>
-          </p:cNvGraphicFramePr>
-          <p:nvPr>
-            <p:ph idx="1"/>
-            <p:extLst>
-              <p:ext uri="{D42A27DB-BD31-4B8C-83A1-F6EECF244321}">
-                <p14:modId xmlns:p14="http://schemas.microsoft.com/office/powerpoint/2010/main" xmlns="" val="2703503720"/>
-              </p:ext>
-            </p:extLst>
-          </p:nvPr>
-        </p:nvGraphicFramePr>
-        <p:xfrm>
-          <a:off x="838200" y="1318078"/>
-          <a:ext cx="10515600" cy="4751796"/>
-        </p:xfrm>
-        <a:graphic>
-          <a:graphicData uri="http://schemas.openxmlformats.org/drawingml/2006/diagram">
-            <dgm:relIds xmlns:dgm="http://schemas.openxmlformats.org/drawingml/2006/diagram" xmlns:r="http://schemas.openxmlformats.org/officeDocument/2006/relationships" r:dm="rId2" r:lo="rId3" r:qs="rId4" r:cs="rId5"/>
-          </a:graphicData>
-        </a:graphic>
-      </p:graphicFrame>
-      <p:sp>
-        <p:nvSpPr>
-          <p:cNvPr id="6" name="页脚占位符 5"/>
-          <p:cNvSpPr>
-            <a:spLocks noGrp="1"/>
-          </p:cNvSpPr>
-          <p:nvPr>
-            <p:ph type="ftr" sz="quarter" idx="11"/>
-          </p:nvPr>
-        </p:nvSpPr>
-        <p:spPr/>
-        <p:txBody>
-          <a:bodyPr/>
-          <a:lstStyle/>
-          <a:p>
-            <a:r>
-              <a:rPr lang="zh-CN" altLang="en-US" dirty="0" smtClean="0"/>
-              <a:t>单元测试概论</a:t>
-            </a:r>
-            <a:endParaRPr lang="zh-CN" altLang="en-US" dirty="0"/>
-          </a:p>
-        </p:txBody>
-      </p:sp>
-      <p:sp>
-        <p:nvSpPr>
-          <p:cNvPr id="7" name="灯片编号占位符 6"/>
-          <p:cNvSpPr>
-            <a:spLocks noGrp="1"/>
-          </p:cNvSpPr>
-          <p:nvPr>
-            <p:ph type="sldNum" sz="quarter" idx="12"/>
-          </p:nvPr>
-        </p:nvSpPr>
-        <p:spPr/>
-        <p:txBody>
-          <a:bodyPr/>
-          <a:lstStyle/>
-          <a:p>
-            <a:fld id="{F4A2626E-A0A3-4722-B047-8920ED1A51E7}" type="slidenum">
-              <a:rPr lang="zh-CN" altLang="en-US" smtClean="0"/>
-              <a:pPr/>
-              <a:t>3</a:t>
-            </a:fld>
-            <a:endParaRPr lang="zh-CN" altLang="en-US" dirty="0"/>
-          </a:p>
-        </p:txBody>
-      </p:sp>
-    </p:spTree>
-    <p:extLst>
-      <p:ext uri="{BB962C8B-B14F-4D97-AF65-F5344CB8AC3E}">
-        <p14:creationId xmlns:p14="http://schemas.microsoft.com/office/powerpoint/2010/main" xmlns="" val="2276224563"/>
-      </p:ext>
-    </p:extLst>
-  </p:cSld>
-  <p:clrMapOvr>
-    <a:masterClrMapping/>
-  </p:clrMapOvr>
-  <p:timing>
-    <p:tnLst>
-      <p:par>
-        <p:cTn id="1" dur="indefinite" restart="never" nodeType="tmRoot"/>
-      </p:par>
-    </p:tnLst>
-  </p:timing>
-</p:sld>
-</file>
-
-<file path=ppt/slides/slide30.xml><?xml version="1.0" encoding="utf-8"?>
-<p:sld xmlns:a="http://schemas.openxmlformats.org/drawingml/2006/main" xmlns:r="http://schemas.openxmlformats.org/officeDocument/2006/relationships" xmlns:p="http://schemas.openxmlformats.org/presentationml/2006/main">
-  <p:cSld>
-    <p:spTree>
-      <p:nvGrpSpPr>
-        <p:cNvPr id="1" name=""/>
-        <p:cNvGrpSpPr/>
-        <p:nvPr/>
-      </p:nvGrpSpPr>
-      <p:grpSpPr>
-        <a:xfrm>
-          <a:off x="0" y="0"/>
-          <a:ext cx="0" cy="0"/>
-          <a:chOff x="0" y="0"/>
-          <a:chExt cx="0" cy="0"/>
-        </a:xfrm>
-      </p:grpSpPr>
-      <p:sp>
-        <p:nvSpPr>
-          <p:cNvPr id="4" name="页脚占位符 3"/>
-          <p:cNvSpPr>
-            <a:spLocks noGrp="1"/>
-          </p:cNvSpPr>
-          <p:nvPr>
-            <p:ph type="ftr" sz="quarter" idx="11"/>
-          </p:nvPr>
-        </p:nvSpPr>
-        <p:spPr/>
-        <p:txBody>
-          <a:bodyPr/>
-          <a:lstStyle/>
-          <a:p>
-            <a:r>
-              <a:rPr lang="zh-CN" altLang="en-US" smtClean="0"/>
-              <a:t>单元测试概论</a:t>
-            </a:r>
-            <a:endParaRPr lang="zh-CN" altLang="en-US" dirty="0"/>
-          </a:p>
-        </p:txBody>
-      </p:sp>
-      <p:sp>
-        <p:nvSpPr>
-          <p:cNvPr id="5" name="灯片编号占位符 4"/>
-          <p:cNvSpPr>
-            <a:spLocks noGrp="1"/>
-          </p:cNvSpPr>
-          <p:nvPr>
-            <p:ph type="sldNum" sz="quarter" idx="12"/>
-          </p:nvPr>
-        </p:nvSpPr>
-        <p:spPr/>
-        <p:txBody>
-          <a:bodyPr/>
-          <a:lstStyle/>
-          <a:p>
-            <a:fld id="{F4A2626E-A0A3-4722-B047-8920ED1A51E7}" type="slidenum">
-              <a:rPr lang="zh-CN" altLang="en-US" smtClean="0"/>
-              <a:pPr/>
-              <a:t>30</a:t>
-            </a:fld>
-            <a:endParaRPr lang="zh-CN" altLang="en-US" dirty="0"/>
-          </a:p>
-        </p:txBody>
-      </p:sp>
-      <p:sp>
-        <p:nvSpPr>
-          <p:cNvPr id="6" name="矩形 5"/>
-          <p:cNvSpPr/>
-          <p:nvPr/>
-        </p:nvSpPr>
-        <p:spPr>
-          <a:xfrm>
-            <a:off x="1320800" y="1704622"/>
-            <a:ext cx="8963378" cy="3785652"/>
-          </a:xfrm>
-          <a:prstGeom prst="rect">
-            <a:avLst/>
-          </a:prstGeom>
-        </p:spPr>
-        <p:txBody>
-          <a:bodyPr wrap="square">
-            <a:spAutoFit/>
-          </a:bodyPr>
-          <a:lstStyle/>
-          <a:p>
-            <a:r>
-              <a:rPr lang="zh-CN" altLang="en-US" sz="4800" dirty="0" smtClean="0"/>
-              <a:t>以正确的方式进行单元测试，是决定项目成败的关键，是决定代码维护性强弱的分水岭，是决定你加班到深夜两点还是准点下班回家晚餐的重要因素。 </a:t>
-            </a:r>
-            <a:endParaRPr lang="zh-CN" altLang="en-US" sz="4800" dirty="0"/>
-          </a:p>
-        </p:txBody>
-      </p:sp>
-      <p:sp>
-        <p:nvSpPr>
-          <p:cNvPr id="7" name="TextBox 6"/>
-          <p:cNvSpPr txBox="1"/>
-          <p:nvPr/>
-        </p:nvSpPr>
-        <p:spPr>
-          <a:xfrm>
-            <a:off x="1478845" y="598311"/>
-            <a:ext cx="8342488" cy="923330"/>
-          </a:xfrm>
-          <a:prstGeom prst="rect">
-            <a:avLst/>
-          </a:prstGeom>
-          <a:noFill/>
-        </p:spPr>
-        <p:txBody>
-          <a:bodyPr wrap="square" rtlCol="0">
-            <a:spAutoFit/>
-          </a:bodyPr>
-          <a:lstStyle/>
-          <a:p>
-            <a:pPr algn="ctr"/>
-            <a:r>
-              <a:rPr lang="zh-CN" altLang="en-US" sz="5400" dirty="0" smtClean="0"/>
-              <a:t>结     语</a:t>
-            </a:r>
-          </a:p>
-        </p:txBody>
-      </p:sp>
-    </p:spTree>
-  </p:cSld>
-  <p:clrMapOvr>
-    <a:masterClrMapping/>
-  </p:clrMapOvr>
-  <p:timing>
-    <p:tnLst>
-      <p:par>
-        <p:cTn id="1" dur="indefinite" restart="never" nodeType="tmRoot"/>
-      </p:par>
-    </p:tnLst>
-  </p:timing>
-</p:sld>
-</file>
-
-<file path=ppt/slides/slide31.xml><?xml version="1.0" encoding="utf-8"?>
-<p:sld xmlns:a="http://schemas.openxmlformats.org/drawingml/2006/main" xmlns:r="http://schemas.openxmlformats.org/officeDocument/2006/relationships" xmlns:p="http://schemas.openxmlformats.org/presentationml/2006/main">
-  <p:cSld>
-    <p:spTree>
-      <p:nvGrpSpPr>
-        <p:cNvPr id="1" name=""/>
-        <p:cNvGrpSpPr/>
-        <p:nvPr/>
-      </p:nvGrpSpPr>
-      <p:grpSpPr>
-        <a:xfrm>
-          <a:off x="0" y="0"/>
-          <a:ext cx="0" cy="0"/>
-          <a:chOff x="0" y="0"/>
-          <a:chExt cx="0" cy="0"/>
-        </a:xfrm>
-      </p:grpSpPr>
-      <p:sp>
-        <p:nvSpPr>
-          <p:cNvPr id="2" name="标题 1"/>
-          <p:cNvSpPr>
-            <a:spLocks noGrp="1"/>
-          </p:cNvSpPr>
-          <p:nvPr>
-            <p:ph type="title"/>
-          </p:nvPr>
-        </p:nvSpPr>
-        <p:spPr>
-          <a:xfrm>
-            <a:off x="838200" y="365125"/>
-            <a:ext cx="10224911" cy="5062281"/>
-          </a:xfrm>
-        </p:spPr>
-        <p:txBody>
-          <a:bodyPr>
-            <a:normAutofit/>
-          </a:bodyPr>
-          <a:lstStyle/>
-          <a:p>
-            <a:pPr algn="ctr"/>
-            <a:r>
-              <a:rPr lang="zh-CN" altLang="en-US" sz="9600" dirty="0" smtClean="0"/>
-              <a:t>谢谢大家！</a:t>
-            </a:r>
-            <a:endParaRPr lang="zh-CN" altLang="en-US" sz="9600" dirty="0"/>
-          </a:p>
-        </p:txBody>
-      </p:sp>
-      <p:sp>
-        <p:nvSpPr>
-          <p:cNvPr id="6" name="灯片编号占位符 5"/>
-          <p:cNvSpPr>
-            <a:spLocks noGrp="1"/>
-          </p:cNvSpPr>
-          <p:nvPr>
-            <p:ph type="sldNum" sz="quarter" idx="12"/>
-          </p:nvPr>
-        </p:nvSpPr>
-        <p:spPr/>
-        <p:txBody>
-          <a:bodyPr/>
-          <a:lstStyle/>
-          <a:p>
-            <a:fld id="{F4A2626E-A0A3-4722-B047-8920ED1A51E7}" type="slidenum">
-              <a:rPr lang="zh-CN" altLang="en-US" smtClean="0"/>
-              <a:pPr/>
-              <a:t>31</a:t>
-            </a:fld>
-            <a:endParaRPr lang="zh-CN" altLang="en-US"/>
-          </a:p>
-        </p:txBody>
-      </p:sp>
-    </p:spTree>
-    <p:extLst>
-      <p:ext uri="{BB962C8B-B14F-4D97-AF65-F5344CB8AC3E}">
-        <p14:creationId xmlns:p14="http://schemas.microsoft.com/office/powerpoint/2010/main" xmlns="" val="250897556"/>
-      </p:ext>
-    </p:extLst>
-  </p:cSld>
-  <p:clrMapOvr>
-    <a:masterClrMapping/>
-  </p:clrMapOvr>
-  <p:timing>
-    <p:tnLst>
-      <p:par>
-        <p:cTn id="1" dur="indefinite" restart="never" nodeType="tmRoot"/>
-      </p:par>
-    </p:tnLst>
-  </p:timing>
-</p:sld>
-</file>
-
-<file path=ppt/slides/slide4.xml><?xml version="1.0" encoding="utf-8"?>
 <p:sld xmlns:a="http://schemas.openxmlformats.org/drawingml/2006/main" xmlns:r="http://schemas.openxmlformats.org/officeDocument/2006/relationships" xmlns:p="http://schemas.openxmlformats.org/presentationml/2006/main">
   <p:cSld>
     <p:spTree>
@@ -24804,7 +24440,7 @@
             <a:fld id="{F4A2626E-A0A3-4722-B047-8920ED1A51E7}" type="slidenum">
               <a:rPr lang="zh-CN" altLang="en-US" smtClean="0"/>
               <a:pPr/>
-              <a:t>4</a:t>
+              <a:t>3</a:t>
             </a:fld>
             <a:endParaRPr lang="zh-CN" altLang="en-US" dirty="0"/>
           </a:p>
@@ -24830,7 +24466,386 @@
 </p:sld>
 </file>
 
-<file path=ppt/slides/slide5.xml><?xml version="1.0" encoding="utf-8"?>
+<file path=ppt/slides/slide30.xml><?xml version="1.0" encoding="utf-8"?>
+<p:sld xmlns:a="http://schemas.openxmlformats.org/drawingml/2006/main" xmlns:r="http://schemas.openxmlformats.org/officeDocument/2006/relationships" xmlns:p="http://schemas.openxmlformats.org/presentationml/2006/main">
+  <p:cSld>
+    <p:spTree>
+      <p:nvGrpSpPr>
+        <p:cNvPr id="1" name=""/>
+        <p:cNvGrpSpPr/>
+        <p:nvPr/>
+      </p:nvGrpSpPr>
+      <p:grpSpPr>
+        <a:xfrm>
+          <a:off x="0" y="0"/>
+          <a:ext cx="0" cy="0"/>
+          <a:chOff x="0" y="0"/>
+          <a:chExt cx="0" cy="0"/>
+        </a:xfrm>
+      </p:grpSpPr>
+      <p:sp>
+        <p:nvSpPr>
+          <p:cNvPr id="2" name="标题 1"/>
+          <p:cNvSpPr>
+            <a:spLocks noGrp="1"/>
+          </p:cNvSpPr>
+          <p:nvPr>
+            <p:ph type="title"/>
+          </p:nvPr>
+        </p:nvSpPr>
+        <p:spPr/>
+        <p:txBody>
+          <a:bodyPr/>
+          <a:lstStyle/>
+          <a:p>
+            <a:r>
+              <a:rPr lang="zh-CN" altLang="en-US" dirty="0" smtClean="0"/>
+              <a:t>推荐资源</a:t>
+            </a:r>
+            <a:endParaRPr lang="zh-CN" altLang="en-US" dirty="0"/>
+          </a:p>
+        </p:txBody>
+      </p:sp>
+      <p:pic>
+        <p:nvPicPr>
+          <p:cNvPr id="6" name="内容占位符 5" descr="54100b1cN6e37a5fc.jpg"/>
+          <p:cNvPicPr>
+            <a:picLocks noGrp="1" noChangeAspect="1"/>
+          </p:cNvPicPr>
+          <p:nvPr>
+            <p:ph idx="1"/>
+          </p:nvPr>
+        </p:nvPicPr>
+        <p:blipFill>
+          <a:blip r:embed="rId2"/>
+          <a:stretch>
+            <a:fillRect/>
+          </a:stretch>
+        </p:blipFill>
+        <p:spPr>
+          <a:xfrm>
+            <a:off x="5968744" y="1464379"/>
+            <a:ext cx="4906811" cy="4721931"/>
+          </a:xfrm>
+        </p:spPr>
+      </p:pic>
+      <p:sp>
+        <p:nvSpPr>
+          <p:cNvPr id="4" name="页脚占位符 3"/>
+          <p:cNvSpPr>
+            <a:spLocks noGrp="1"/>
+          </p:cNvSpPr>
+          <p:nvPr>
+            <p:ph type="ftr" sz="quarter" idx="11"/>
+          </p:nvPr>
+        </p:nvSpPr>
+        <p:spPr/>
+        <p:txBody>
+          <a:bodyPr/>
+          <a:lstStyle/>
+          <a:p>
+            <a:r>
+              <a:rPr lang="zh-CN" altLang="en-US" smtClean="0"/>
+              <a:t>单元测试概论</a:t>
+            </a:r>
+            <a:endParaRPr lang="zh-CN" altLang="en-US" dirty="0"/>
+          </a:p>
+        </p:txBody>
+      </p:sp>
+      <p:sp>
+        <p:nvSpPr>
+          <p:cNvPr id="5" name="灯片编号占位符 4"/>
+          <p:cNvSpPr>
+            <a:spLocks noGrp="1"/>
+          </p:cNvSpPr>
+          <p:nvPr>
+            <p:ph type="sldNum" sz="quarter" idx="12"/>
+          </p:nvPr>
+        </p:nvSpPr>
+        <p:spPr/>
+        <p:txBody>
+          <a:bodyPr/>
+          <a:lstStyle/>
+          <a:p>
+            <a:fld id="{F4A2626E-A0A3-4722-B047-8920ED1A51E7}" type="slidenum">
+              <a:rPr lang="zh-CN" altLang="en-US" smtClean="0"/>
+              <a:pPr/>
+              <a:t>30</a:t>
+            </a:fld>
+            <a:endParaRPr lang="zh-CN" altLang="en-US" dirty="0"/>
+          </a:p>
+        </p:txBody>
+      </p:sp>
+      <p:pic>
+        <p:nvPicPr>
+          <p:cNvPr id="8" name="图片 7" descr="7302269161584357.gif.jpg"/>
+          <p:cNvPicPr>
+            <a:picLocks noChangeAspect="1"/>
+          </p:cNvPicPr>
+          <p:nvPr/>
+        </p:nvPicPr>
+        <p:blipFill>
+          <a:blip r:embed="rId3"/>
+          <a:stretch>
+            <a:fillRect/>
+          </a:stretch>
+        </p:blipFill>
+        <p:spPr>
+          <a:xfrm>
+            <a:off x="1524000" y="1575169"/>
+            <a:ext cx="3826934" cy="4658876"/>
+          </a:xfrm>
+          <a:prstGeom prst="rect">
+            <a:avLst/>
+          </a:prstGeom>
+        </p:spPr>
+      </p:pic>
+    </p:spTree>
+  </p:cSld>
+  <p:clrMapOvr>
+    <a:masterClrMapping/>
+  </p:clrMapOvr>
+  <p:timing>
+    <p:tnLst>
+      <p:par>
+        <p:cTn id="1" dur="indefinite" restart="never" nodeType="tmRoot"/>
+      </p:par>
+    </p:tnLst>
+  </p:timing>
+</p:sld>
+</file>
+
+<file path=ppt/slides/slide31.xml><?xml version="1.0" encoding="utf-8"?>
+<p:sld xmlns:a="http://schemas.openxmlformats.org/drawingml/2006/main" xmlns:r="http://schemas.openxmlformats.org/officeDocument/2006/relationships" xmlns:p="http://schemas.openxmlformats.org/presentationml/2006/main">
+  <p:cSld>
+    <p:spTree>
+      <p:nvGrpSpPr>
+        <p:cNvPr id="1" name=""/>
+        <p:cNvGrpSpPr/>
+        <p:nvPr/>
+      </p:nvGrpSpPr>
+      <p:grpSpPr>
+        <a:xfrm>
+          <a:off x="0" y="0"/>
+          <a:ext cx="0" cy="0"/>
+          <a:chOff x="0" y="0"/>
+          <a:chExt cx="0" cy="0"/>
+        </a:xfrm>
+      </p:grpSpPr>
+      <p:sp>
+        <p:nvSpPr>
+          <p:cNvPr id="4" name="页脚占位符 3"/>
+          <p:cNvSpPr>
+            <a:spLocks noGrp="1"/>
+          </p:cNvSpPr>
+          <p:nvPr>
+            <p:ph type="ftr" sz="quarter" idx="11"/>
+          </p:nvPr>
+        </p:nvSpPr>
+        <p:spPr/>
+        <p:txBody>
+          <a:bodyPr/>
+          <a:lstStyle/>
+          <a:p>
+            <a:r>
+              <a:rPr lang="zh-CN" altLang="en-US" smtClean="0"/>
+              <a:t>单元测试概论</a:t>
+            </a:r>
+            <a:endParaRPr lang="zh-CN" altLang="en-US" dirty="0"/>
+          </a:p>
+        </p:txBody>
+      </p:sp>
+      <p:sp>
+        <p:nvSpPr>
+          <p:cNvPr id="5" name="灯片编号占位符 4"/>
+          <p:cNvSpPr>
+            <a:spLocks noGrp="1"/>
+          </p:cNvSpPr>
+          <p:nvPr>
+            <p:ph type="sldNum" sz="quarter" idx="12"/>
+          </p:nvPr>
+        </p:nvSpPr>
+        <p:spPr/>
+        <p:txBody>
+          <a:bodyPr/>
+          <a:lstStyle/>
+          <a:p>
+            <a:fld id="{F4A2626E-A0A3-4722-B047-8920ED1A51E7}" type="slidenum">
+              <a:rPr lang="zh-CN" altLang="en-US" smtClean="0"/>
+              <a:pPr/>
+              <a:t>31</a:t>
+            </a:fld>
+            <a:endParaRPr lang="zh-CN" altLang="en-US" dirty="0"/>
+          </a:p>
+        </p:txBody>
+      </p:sp>
+      <p:sp>
+        <p:nvSpPr>
+          <p:cNvPr id="6" name="矩形 5"/>
+          <p:cNvSpPr/>
+          <p:nvPr/>
+        </p:nvSpPr>
+        <p:spPr>
+          <a:xfrm>
+            <a:off x="1320800" y="1704622"/>
+            <a:ext cx="8963378" cy="3785652"/>
+          </a:xfrm>
+          <a:prstGeom prst="rect">
+            <a:avLst/>
+          </a:prstGeom>
+        </p:spPr>
+        <p:txBody>
+          <a:bodyPr wrap="square">
+            <a:spAutoFit/>
+          </a:bodyPr>
+          <a:lstStyle/>
+          <a:p>
+            <a:r>
+              <a:rPr lang="zh-CN" altLang="en-US" sz="4800" dirty="0" smtClean="0"/>
+              <a:t>以正确的方式进行单元测试，是决定项目成败的关键，是决定代码维护性强弱的分水岭，是决定你加班到深夜两点还是准点下班回家晚餐的重要因素。 </a:t>
+            </a:r>
+            <a:endParaRPr lang="zh-CN" altLang="en-US" sz="4800" dirty="0"/>
+          </a:p>
+        </p:txBody>
+      </p:sp>
+      <p:sp>
+        <p:nvSpPr>
+          <p:cNvPr id="7" name="TextBox 6"/>
+          <p:cNvSpPr txBox="1"/>
+          <p:nvPr/>
+        </p:nvSpPr>
+        <p:spPr>
+          <a:xfrm>
+            <a:off x="1478845" y="598311"/>
+            <a:ext cx="8342488" cy="923330"/>
+          </a:xfrm>
+          <a:prstGeom prst="rect">
+            <a:avLst/>
+          </a:prstGeom>
+          <a:noFill/>
+        </p:spPr>
+        <p:txBody>
+          <a:bodyPr wrap="square" rtlCol="0">
+            <a:spAutoFit/>
+          </a:bodyPr>
+          <a:lstStyle/>
+          <a:p>
+            <a:pPr algn="ctr"/>
+            <a:r>
+              <a:rPr lang="zh-CN" altLang="en-US" sz="5400" dirty="0" smtClean="0"/>
+              <a:t>结     语</a:t>
+            </a:r>
+          </a:p>
+        </p:txBody>
+      </p:sp>
+    </p:spTree>
+  </p:cSld>
+  <p:clrMapOvr>
+    <a:masterClrMapping/>
+  </p:clrMapOvr>
+  <p:timing>
+    <p:tnLst>
+      <p:par>
+        <p:cTn id="1" dur="indefinite" restart="never" nodeType="tmRoot"/>
+      </p:par>
+    </p:tnLst>
+  </p:timing>
+</p:sld>
+</file>
+
+<file path=ppt/slides/slide32.xml><?xml version="1.0" encoding="utf-8"?>
+<p:sld xmlns:a="http://schemas.openxmlformats.org/drawingml/2006/main" xmlns:r="http://schemas.openxmlformats.org/officeDocument/2006/relationships" xmlns:p="http://schemas.openxmlformats.org/presentationml/2006/main">
+  <p:cSld>
+    <p:spTree>
+      <p:nvGrpSpPr>
+        <p:cNvPr id="1" name=""/>
+        <p:cNvGrpSpPr/>
+        <p:nvPr/>
+      </p:nvGrpSpPr>
+      <p:grpSpPr>
+        <a:xfrm>
+          <a:off x="0" y="0"/>
+          <a:ext cx="0" cy="0"/>
+          <a:chOff x="0" y="0"/>
+          <a:chExt cx="0" cy="0"/>
+        </a:xfrm>
+      </p:grpSpPr>
+      <p:sp>
+        <p:nvSpPr>
+          <p:cNvPr id="2" name="标题 1"/>
+          <p:cNvSpPr>
+            <a:spLocks noGrp="1"/>
+          </p:cNvSpPr>
+          <p:nvPr>
+            <p:ph type="title"/>
+          </p:nvPr>
+        </p:nvSpPr>
+        <p:spPr>
+          <a:xfrm>
+            <a:off x="838200" y="365125"/>
+            <a:ext cx="10224911" cy="5062281"/>
+          </a:xfrm>
+        </p:spPr>
+        <p:txBody>
+          <a:bodyPr>
+            <a:normAutofit/>
+          </a:bodyPr>
+          <a:lstStyle/>
+          <a:p>
+            <a:pPr algn="ctr"/>
+            <a:r>
+              <a:rPr lang="zh-CN" altLang="en-US" sz="9600" dirty="0" smtClean="0"/>
+              <a:t>谢谢大家！</a:t>
+            </a:r>
+            <a:endParaRPr lang="zh-CN" altLang="en-US" sz="9600" dirty="0"/>
+          </a:p>
+        </p:txBody>
+      </p:sp>
+      <p:sp>
+        <p:nvSpPr>
+          <p:cNvPr id="6" name="灯片编号占位符 5"/>
+          <p:cNvSpPr>
+            <a:spLocks noGrp="1"/>
+          </p:cNvSpPr>
+          <p:nvPr>
+            <p:ph type="sldNum" sz="quarter" idx="12"/>
+          </p:nvPr>
+        </p:nvSpPr>
+        <p:spPr/>
+        <p:txBody>
+          <a:bodyPr/>
+          <a:lstStyle/>
+          <a:p>
+            <a:fld id="{F4A2626E-A0A3-4722-B047-8920ED1A51E7}" type="slidenum">
+              <a:rPr lang="zh-CN" altLang="en-US" smtClean="0"/>
+              <a:pPr/>
+              <a:t>32</a:t>
+            </a:fld>
+            <a:endParaRPr lang="zh-CN" altLang="en-US"/>
+          </a:p>
+        </p:txBody>
+      </p:sp>
+    </p:spTree>
+    <p:extLst>
+      <p:ext uri="{BB962C8B-B14F-4D97-AF65-F5344CB8AC3E}">
+        <p14:creationId xmlns:p14="http://schemas.microsoft.com/office/powerpoint/2010/main" xmlns="" val="250897556"/>
+      </p:ext>
+    </p:extLst>
+  </p:cSld>
+  <p:clrMapOvr>
+    <a:masterClrMapping/>
+  </p:clrMapOvr>
+  <p:timing>
+    <p:tnLst>
+      <p:par>
+        <p:cTn id="1" dur="indefinite" restart="never" nodeType="tmRoot"/>
+      </p:par>
+    </p:tnLst>
+  </p:timing>
+</p:sld>
+</file>
+
+<file path=ppt/slides/slide4.xml><?xml version="1.0" encoding="utf-8"?>
 <p:sld xmlns:a="http://schemas.openxmlformats.org/drawingml/2006/main" xmlns:r="http://schemas.openxmlformats.org/officeDocument/2006/relationships" xmlns:p="http://schemas.openxmlformats.org/presentationml/2006/main">
   <p:cSld>
     <p:spTree>
@@ -24949,7 +24964,7 @@
             <a:fld id="{F4A2626E-A0A3-4722-B047-8920ED1A51E7}" type="slidenum">
               <a:rPr lang="zh-CN" altLang="en-US" smtClean="0"/>
               <a:pPr/>
-              <a:t>5</a:t>
+              <a:t>4</a:t>
             </a:fld>
             <a:endParaRPr lang="zh-CN" altLang="en-US" dirty="0"/>
           </a:p>
@@ -24991,17 +25006,42 @@
                     <a:lstStyle/>
                     <a:p>
                       <a:r>
-                        <a:rPr lang="zh-CN" altLang="en-US" dirty="0" smtClean="0"/>
+                        <a:rPr lang="zh-CN" altLang="en-US" sz="1800" b="1" kern="1200" dirty="0" smtClean="0">
+                          <a:solidFill>
+                            <a:schemeClr val="lt1"/>
+                          </a:solidFill>
+                          <a:latin typeface="+mn-lt"/>
+                          <a:ea typeface="+mn-ea"/>
+                          <a:cs typeface="+mn-cs"/>
+                        </a:rPr>
                         <a:t>测试</a:t>
                       </a:r>
                       <a:r>
-                        <a:rPr lang="en-US" altLang="zh-CN" dirty="0" smtClean="0"/>
+                        <a:rPr lang="en-US" altLang="zh-CN" sz="1800" b="1" kern="1200" dirty="0" smtClean="0">
+                          <a:solidFill>
+                            <a:schemeClr val="lt1"/>
+                          </a:solidFill>
+                          <a:latin typeface="+mn-lt"/>
+                          <a:ea typeface="+mn-ea"/>
+                          <a:cs typeface="+mn-cs"/>
+                        </a:rPr>
                         <a:t>API</a:t>
                       </a:r>
-                      <a:endParaRPr lang="zh-CN" altLang="en-US" dirty="0"/>
+                      <a:endParaRPr lang="zh-CN" altLang="en-US" sz="1800" b="1" kern="1200" dirty="0">
+                        <a:solidFill>
+                          <a:schemeClr val="lt1"/>
+                        </a:solidFill>
+                        <a:latin typeface="+mn-lt"/>
+                        <a:ea typeface="+mn-ea"/>
+                        <a:cs typeface="+mn-cs"/>
+                      </a:endParaRPr>
                     </a:p>
                   </a:txBody>
-                  <a:tcPr/>
+                  <a:tcPr>
+                    <a:solidFill>
+                      <a:schemeClr val="accent1"/>
+                    </a:solidFill>
+                  </a:tcPr>
                 </a:tc>
                 <a:tc>
                   <a:txBody>
@@ -25009,13 +25049,31 @@
                     <a:lstStyle/>
                     <a:p>
                       <a:r>
-                        <a:rPr lang="zh-CN" altLang="en-US" dirty="0" smtClean="0"/>
+                        <a:rPr lang="zh-CN" altLang="en-US" sz="1800" b="1" kern="1200" dirty="0" smtClean="0">
+                          <a:solidFill>
+                            <a:schemeClr val="lt1"/>
+                          </a:solidFill>
+                          <a:latin typeface="+mn-lt"/>
+                          <a:ea typeface="+mn-ea"/>
+                          <a:cs typeface="+mn-cs"/>
+                        </a:rPr>
                         <a:t>特点</a:t>
                       </a:r>
-                      <a:endParaRPr lang="zh-CN" altLang="en-US" dirty="0"/>
+                      <a:endParaRPr lang="zh-CN" altLang="en-US" sz="1800" b="1" kern="1200" dirty="0">
+                        <a:solidFill>
+                          <a:schemeClr val="lt1"/>
+                        </a:solidFill>
+                        <a:latin typeface="+mn-lt"/>
+                        <a:ea typeface="+mn-ea"/>
+                        <a:cs typeface="+mn-cs"/>
+                      </a:endParaRPr>
                     </a:p>
                   </a:txBody>
-                  <a:tcPr/>
+                  <a:tcPr>
+                    <a:solidFill>
+                      <a:schemeClr val="accent1"/>
+                    </a:solidFill>
+                  </a:tcPr>
                 </a:tc>
                 <a:tc>
                   <a:txBody>
@@ -25029,7 +25087,11 @@
                       <a:endParaRPr lang="zh-CN" altLang="en-US" dirty="0"/>
                     </a:p>
                   </a:txBody>
-                  <a:tcPr/>
+                  <a:tcPr>
+                    <a:solidFill>
+                      <a:schemeClr val="accent1"/>
+                    </a:solidFill>
+                  </a:tcPr>
                 </a:tc>
               </a:tr>
               <a:tr h="370840">
@@ -25141,7 +25203,7 @@
                     <a:bodyPr/>
                     <a:lstStyle/>
                     <a:p>
-                      <a:endParaRPr lang="zh-CN" altLang="en-US"/>
+                      <a:endParaRPr lang="zh-CN" altLang="en-US" dirty="0"/>
                     </a:p>
                   </a:txBody>
                   <a:tcPr/>
@@ -25292,7 +25354,5276 @@
 </p:sld>
 </file>
 
+<file path=ppt/slides/slide5.xml><?xml version="1.0" encoding="utf-8"?>
+<p:sld xmlns:a="http://schemas.openxmlformats.org/drawingml/2006/main" xmlns:r="http://schemas.openxmlformats.org/officeDocument/2006/relationships" xmlns:p="http://schemas.openxmlformats.org/presentationml/2006/main">
+  <p:cSld>
+    <p:spTree>
+      <p:nvGrpSpPr>
+        <p:cNvPr id="1" name=""/>
+        <p:cNvGrpSpPr/>
+        <p:nvPr/>
+      </p:nvGrpSpPr>
+      <p:grpSpPr>
+        <a:xfrm>
+          <a:off x="0" y="0"/>
+          <a:ext cx="0" cy="0"/>
+          <a:chOff x="0" y="0"/>
+          <a:chExt cx="0" cy="0"/>
+        </a:xfrm>
+      </p:grpSpPr>
+      <p:sp>
+        <p:nvSpPr>
+          <p:cNvPr id="4" name="页脚占位符 3"/>
+          <p:cNvSpPr>
+            <a:spLocks noGrp="1"/>
+          </p:cNvSpPr>
+          <p:nvPr>
+            <p:ph type="ftr" sz="quarter" idx="11"/>
+          </p:nvPr>
+        </p:nvSpPr>
+        <p:spPr>
+          <a:xfrm>
+            <a:off x="0" y="0"/>
+            <a:ext cx="1317978" cy="365125"/>
+          </a:xfrm>
+        </p:spPr>
+        <p:txBody>
+          <a:bodyPr/>
+          <a:lstStyle/>
+          <a:p>
+            <a:r>
+              <a:rPr lang="zh-CN" altLang="en-US" dirty="0" smtClean="0"/>
+              <a:t>单元测试概论</a:t>
+            </a:r>
+            <a:endParaRPr lang="zh-CN" altLang="en-US" dirty="0"/>
+          </a:p>
+        </p:txBody>
+      </p:sp>
+      <p:sp>
+        <p:nvSpPr>
+          <p:cNvPr id="5" name="灯片编号占位符 4"/>
+          <p:cNvSpPr>
+            <a:spLocks noGrp="1"/>
+          </p:cNvSpPr>
+          <p:nvPr>
+            <p:ph type="sldNum" sz="quarter" idx="12"/>
+          </p:nvPr>
+        </p:nvSpPr>
+        <p:spPr/>
+        <p:txBody>
+          <a:bodyPr/>
+          <a:lstStyle/>
+          <a:p>
+            <a:fld id="{F4A2626E-A0A3-4722-B047-8920ED1A51E7}" type="slidenum">
+              <a:rPr lang="zh-CN" altLang="en-US" smtClean="0"/>
+              <a:pPr/>
+              <a:t>5</a:t>
+            </a:fld>
+            <a:endParaRPr lang="zh-CN" altLang="en-US" dirty="0"/>
+          </a:p>
+        </p:txBody>
+      </p:sp>
+      <p:graphicFrame>
+        <p:nvGraphicFramePr>
+          <p:cNvPr id="8" name="表格 7"/>
+          <p:cNvGraphicFramePr>
+            <a:graphicFrameLocks noGrp="1"/>
+          </p:cNvGraphicFramePr>
+          <p:nvPr/>
+        </p:nvGraphicFramePr>
+        <p:xfrm>
+          <a:off x="406400" y="575733"/>
+          <a:ext cx="11040533" cy="5357012"/>
+        </p:xfrm>
+        <a:graphic>
+          <a:graphicData uri="http://schemas.openxmlformats.org/drawingml/2006/table">
+            <a:tbl>
+              <a:tblPr/>
+              <a:tblGrid>
+                <a:gridCol w="2302933"/>
+                <a:gridCol w="2540000"/>
+                <a:gridCol w="6197600"/>
+              </a:tblGrid>
+              <a:tr h="305480">
+                <a:tc>
+                  <a:txBody>
+                    <a:bodyPr/>
+                    <a:lstStyle/>
+                    <a:p>
+                      <a:pPr algn="l">
+                        <a:spcAft>
+                          <a:spcPts val="0"/>
+                        </a:spcAft>
+                      </a:pPr>
+                      <a:r>
+                        <a:rPr lang="en-US" sz="2000" b="1" kern="0" dirty="0" err="1">
+                          <a:latin typeface="宋体"/>
+                          <a:ea typeface="宋体"/>
+                          <a:cs typeface="宋体"/>
+                        </a:rPr>
+                        <a:t>MSTest</a:t>
+                      </a:r>
+                      <a:endParaRPr lang="zh-CN" sz="2000" kern="100" dirty="0">
+                        <a:latin typeface="Calibri"/>
+                        <a:ea typeface="宋体"/>
+                        <a:cs typeface="Times New Roman"/>
+                      </a:endParaRPr>
+                    </a:p>
+                  </a:txBody>
+                  <a:tcPr marL="9525" marR="9525" marT="9525" marB="9525" anchor="ctr">
+                    <a:lnL w="12700" cap="flat" cmpd="sng" algn="ctr">
+                      <a:solidFill>
+                        <a:srgbClr val="000000"/>
+                      </a:solidFill>
+                      <a:prstDash val="solid"/>
+                      <a:round/>
+                      <a:headEnd type="none" w="med" len="med"/>
+                      <a:tailEnd type="none" w="med" len="med"/>
+                    </a:lnL>
+                    <a:lnR w="12700" cap="flat" cmpd="sng" algn="ctr">
+                      <a:solidFill>
+                        <a:srgbClr val="000000"/>
+                      </a:solidFill>
+                      <a:prstDash val="solid"/>
+                      <a:round/>
+                      <a:headEnd type="none" w="med" len="med"/>
+                      <a:tailEnd type="none" w="med" len="med"/>
+                    </a:lnR>
+                    <a:lnT w="12700" cap="flat" cmpd="sng" algn="ctr">
+                      <a:solidFill>
+                        <a:srgbClr val="000000"/>
+                      </a:solidFill>
+                      <a:prstDash val="solid"/>
+                      <a:round/>
+                      <a:headEnd type="none" w="med" len="med"/>
+                      <a:tailEnd type="none" w="med" len="med"/>
+                    </a:lnT>
+                    <a:lnB w="12700" cap="flat" cmpd="sng" algn="ctr">
+                      <a:solidFill>
+                        <a:srgbClr val="000000"/>
+                      </a:solidFill>
+                      <a:prstDash val="solid"/>
+                      <a:round/>
+                      <a:headEnd type="none" w="med" len="med"/>
+                      <a:tailEnd type="none" w="med" len="med"/>
+                    </a:lnB>
+                    <a:solidFill>
+                      <a:srgbClr val="D3D9D8"/>
+                    </a:solidFill>
+                  </a:tcPr>
+                </a:tc>
+                <a:tc>
+                  <a:txBody>
+                    <a:bodyPr/>
+                    <a:lstStyle/>
+                    <a:p>
+                      <a:pPr algn="l">
+                        <a:spcAft>
+                          <a:spcPts val="0"/>
+                        </a:spcAft>
+                      </a:pPr>
+                      <a:r>
+                        <a:rPr lang="en-US" sz="2000" b="1" kern="0" dirty="0">
+                          <a:latin typeface="宋体"/>
+                          <a:ea typeface="宋体"/>
+                          <a:cs typeface="宋体"/>
+                        </a:rPr>
+                        <a:t>xUnit.net</a:t>
+                      </a:r>
+                      <a:endParaRPr lang="zh-CN" sz="2000" kern="100" dirty="0">
+                        <a:latin typeface="Calibri"/>
+                        <a:ea typeface="宋体"/>
+                        <a:cs typeface="Times New Roman"/>
+                      </a:endParaRPr>
+                    </a:p>
+                  </a:txBody>
+                  <a:tcPr marL="9525" marR="9525" marT="9525" marB="9525" anchor="ctr">
+                    <a:lnL w="12700" cap="flat" cmpd="sng" algn="ctr">
+                      <a:solidFill>
+                        <a:srgbClr val="000000"/>
+                      </a:solidFill>
+                      <a:prstDash val="solid"/>
+                      <a:round/>
+                      <a:headEnd type="none" w="med" len="med"/>
+                      <a:tailEnd type="none" w="med" len="med"/>
+                    </a:lnL>
+                    <a:lnR w="12700" cap="flat" cmpd="sng" algn="ctr">
+                      <a:solidFill>
+                        <a:srgbClr val="000000"/>
+                      </a:solidFill>
+                      <a:prstDash val="solid"/>
+                      <a:round/>
+                      <a:headEnd type="none" w="med" len="med"/>
+                      <a:tailEnd type="none" w="med" len="med"/>
+                    </a:lnR>
+                    <a:lnT w="12700" cap="flat" cmpd="sng" algn="ctr">
+                      <a:solidFill>
+                        <a:srgbClr val="000000"/>
+                      </a:solidFill>
+                      <a:prstDash val="solid"/>
+                      <a:round/>
+                      <a:headEnd type="none" w="med" len="med"/>
+                      <a:tailEnd type="none" w="med" len="med"/>
+                    </a:lnT>
+                    <a:lnB w="12700" cap="flat" cmpd="sng" algn="ctr">
+                      <a:solidFill>
+                        <a:srgbClr val="000000"/>
+                      </a:solidFill>
+                      <a:prstDash val="solid"/>
+                      <a:round/>
+                      <a:headEnd type="none" w="med" len="med"/>
+                      <a:tailEnd type="none" w="med" len="med"/>
+                    </a:lnB>
+                    <a:solidFill>
+                      <a:srgbClr val="D3D9D8"/>
+                    </a:solidFill>
+                  </a:tcPr>
+                </a:tc>
+                <a:tc>
+                  <a:txBody>
+                    <a:bodyPr/>
+                    <a:lstStyle/>
+                    <a:p>
+                      <a:pPr algn="l">
+                        <a:spcAft>
+                          <a:spcPts val="0"/>
+                        </a:spcAft>
+                      </a:pPr>
+                      <a:r>
+                        <a:rPr lang="en-US" sz="2000" b="1" kern="0">
+                          <a:latin typeface="宋体"/>
+                          <a:ea typeface="宋体"/>
+                          <a:cs typeface="宋体"/>
+                        </a:rPr>
+                        <a:t>Comments</a:t>
+                      </a:r>
+                      <a:endParaRPr lang="zh-CN" sz="2000" kern="100">
+                        <a:latin typeface="Calibri"/>
+                        <a:ea typeface="宋体"/>
+                        <a:cs typeface="Times New Roman"/>
+                      </a:endParaRPr>
+                    </a:p>
+                  </a:txBody>
+                  <a:tcPr marL="9525" marR="9525" marT="9525" marB="9525" anchor="ctr">
+                    <a:lnL w="12700" cap="flat" cmpd="sng" algn="ctr">
+                      <a:solidFill>
+                        <a:srgbClr val="000000"/>
+                      </a:solidFill>
+                      <a:prstDash val="solid"/>
+                      <a:round/>
+                      <a:headEnd type="none" w="med" len="med"/>
+                      <a:tailEnd type="none" w="med" len="med"/>
+                    </a:lnL>
+                    <a:lnR w="12700" cap="flat" cmpd="sng" algn="ctr">
+                      <a:solidFill>
+                        <a:srgbClr val="000000"/>
+                      </a:solidFill>
+                      <a:prstDash val="solid"/>
+                      <a:round/>
+                      <a:headEnd type="none" w="med" len="med"/>
+                      <a:tailEnd type="none" w="med" len="med"/>
+                    </a:lnR>
+                    <a:lnT w="12700" cap="flat" cmpd="sng" algn="ctr">
+                      <a:solidFill>
+                        <a:srgbClr val="000000"/>
+                      </a:solidFill>
+                      <a:prstDash val="solid"/>
+                      <a:round/>
+                      <a:headEnd type="none" w="med" len="med"/>
+                      <a:tailEnd type="none" w="med" len="med"/>
+                    </a:lnT>
+                    <a:lnB w="12700" cap="flat" cmpd="sng" algn="ctr">
+                      <a:solidFill>
+                        <a:srgbClr val="000000"/>
+                      </a:solidFill>
+                      <a:prstDash val="solid"/>
+                      <a:round/>
+                      <a:headEnd type="none" w="med" len="med"/>
+                      <a:tailEnd type="none" w="med" len="med"/>
+                    </a:lnB>
+                    <a:solidFill>
+                      <a:srgbClr val="D3D9D8"/>
+                    </a:solidFill>
+                  </a:tcPr>
+                </a:tc>
+              </a:tr>
+              <a:tr h="305480">
+                <a:tc>
+                  <a:txBody>
+                    <a:bodyPr/>
+                    <a:lstStyle/>
+                    <a:p>
+                      <a:pPr algn="l">
+                        <a:spcAft>
+                          <a:spcPts val="0"/>
+                        </a:spcAft>
+                      </a:pPr>
+                      <a:r>
+                        <a:rPr lang="en-US" sz="1800" kern="0" dirty="0">
+                          <a:latin typeface="宋体"/>
+                          <a:ea typeface="宋体"/>
+                          <a:cs typeface="宋体"/>
+                        </a:rPr>
+                        <a:t>[</a:t>
+                      </a:r>
+                      <a:r>
+                        <a:rPr lang="en-US" sz="1800" kern="0" dirty="0" err="1">
+                          <a:latin typeface="宋体"/>
+                          <a:ea typeface="宋体"/>
+                          <a:cs typeface="宋体"/>
+                        </a:rPr>
+                        <a:t>TestMethod</a:t>
+                      </a:r>
+                      <a:r>
+                        <a:rPr lang="en-US" sz="1800" kern="0" dirty="0">
+                          <a:latin typeface="宋体"/>
+                          <a:ea typeface="宋体"/>
+                          <a:cs typeface="宋体"/>
+                        </a:rPr>
+                        <a:t>]</a:t>
+                      </a:r>
+                      <a:endParaRPr lang="zh-CN" sz="1800" kern="100" dirty="0">
+                        <a:latin typeface="Calibri"/>
+                        <a:ea typeface="宋体"/>
+                        <a:cs typeface="Times New Roman"/>
+                      </a:endParaRPr>
+                    </a:p>
+                  </a:txBody>
+                  <a:tcPr marL="9525" marR="9525" marT="9525" marB="9525" anchor="ctr">
+                    <a:lnL w="12700" cap="flat" cmpd="sng" algn="ctr">
+                      <a:solidFill>
+                        <a:srgbClr val="000000"/>
+                      </a:solidFill>
+                      <a:prstDash val="solid"/>
+                      <a:round/>
+                      <a:headEnd type="none" w="med" len="med"/>
+                      <a:tailEnd type="none" w="med" len="med"/>
+                    </a:lnL>
+                    <a:lnR w="12700" cap="flat" cmpd="sng" algn="ctr">
+                      <a:solidFill>
+                        <a:srgbClr val="000000"/>
+                      </a:solidFill>
+                      <a:prstDash val="solid"/>
+                      <a:round/>
+                      <a:headEnd type="none" w="med" len="med"/>
+                      <a:tailEnd type="none" w="med" len="med"/>
+                    </a:lnR>
+                    <a:lnT w="12700" cap="flat" cmpd="sng" algn="ctr">
+                      <a:solidFill>
+                        <a:srgbClr val="000000"/>
+                      </a:solidFill>
+                      <a:prstDash val="solid"/>
+                      <a:round/>
+                      <a:headEnd type="none" w="med" len="med"/>
+                      <a:tailEnd type="none" w="med" len="med"/>
+                    </a:lnT>
+                    <a:lnB w="12700" cap="flat" cmpd="sng" algn="ctr">
+                      <a:solidFill>
+                        <a:srgbClr val="000000"/>
+                      </a:solidFill>
+                      <a:prstDash val="solid"/>
+                      <a:round/>
+                      <a:headEnd type="none" w="med" len="med"/>
+                      <a:tailEnd type="none" w="med" len="med"/>
+                    </a:lnB>
+                    <a:solidFill>
+                      <a:srgbClr val="FFFFFF"/>
+                    </a:solidFill>
+                  </a:tcPr>
+                </a:tc>
+                <a:tc>
+                  <a:txBody>
+                    <a:bodyPr/>
+                    <a:lstStyle/>
+                    <a:p>
+                      <a:pPr algn="l">
+                        <a:spcAft>
+                          <a:spcPts val="0"/>
+                        </a:spcAft>
+                      </a:pPr>
+                      <a:r>
+                        <a:rPr lang="en-US" sz="1800" kern="0">
+                          <a:latin typeface="宋体"/>
+                          <a:ea typeface="宋体"/>
+                          <a:cs typeface="宋体"/>
+                        </a:rPr>
+                        <a:t>[Fact]</a:t>
+                      </a:r>
+                      <a:endParaRPr lang="zh-CN" sz="1800" kern="100">
+                        <a:latin typeface="Calibri"/>
+                        <a:ea typeface="宋体"/>
+                        <a:cs typeface="Times New Roman"/>
+                      </a:endParaRPr>
+                    </a:p>
+                  </a:txBody>
+                  <a:tcPr marL="9525" marR="9525" marT="9525" marB="9525" anchor="ctr">
+                    <a:lnL w="12700" cap="flat" cmpd="sng" algn="ctr">
+                      <a:solidFill>
+                        <a:srgbClr val="000000"/>
+                      </a:solidFill>
+                      <a:prstDash val="solid"/>
+                      <a:round/>
+                      <a:headEnd type="none" w="med" len="med"/>
+                      <a:tailEnd type="none" w="med" len="med"/>
+                    </a:lnL>
+                    <a:lnR w="12700" cap="flat" cmpd="sng" algn="ctr">
+                      <a:solidFill>
+                        <a:srgbClr val="000000"/>
+                      </a:solidFill>
+                      <a:prstDash val="solid"/>
+                      <a:round/>
+                      <a:headEnd type="none" w="med" len="med"/>
+                      <a:tailEnd type="none" w="med" len="med"/>
+                    </a:lnR>
+                    <a:lnT w="12700" cap="flat" cmpd="sng" algn="ctr">
+                      <a:solidFill>
+                        <a:srgbClr val="000000"/>
+                      </a:solidFill>
+                      <a:prstDash val="solid"/>
+                      <a:round/>
+                      <a:headEnd type="none" w="med" len="med"/>
+                      <a:tailEnd type="none" w="med" len="med"/>
+                    </a:lnT>
+                    <a:lnB w="12700" cap="flat" cmpd="sng" algn="ctr">
+                      <a:solidFill>
+                        <a:srgbClr val="000000"/>
+                      </a:solidFill>
+                      <a:prstDash val="solid"/>
+                      <a:round/>
+                      <a:headEnd type="none" w="med" len="med"/>
+                      <a:tailEnd type="none" w="med" len="med"/>
+                    </a:lnB>
+                    <a:solidFill>
+                      <a:srgbClr val="FFFFFF"/>
+                    </a:solidFill>
+                  </a:tcPr>
+                </a:tc>
+                <a:tc>
+                  <a:txBody>
+                    <a:bodyPr/>
+                    <a:lstStyle/>
+                    <a:p>
+                      <a:pPr algn="l">
+                        <a:spcAft>
+                          <a:spcPts val="0"/>
+                        </a:spcAft>
+                      </a:pPr>
+                      <a:r>
+                        <a:rPr lang="en-US" sz="1800" kern="0">
+                          <a:latin typeface="宋体"/>
+                          <a:ea typeface="宋体"/>
+                          <a:cs typeface="宋体"/>
+                        </a:rPr>
+                        <a:t>Marks a test method.</a:t>
+                      </a:r>
+                      <a:endParaRPr lang="zh-CN" sz="1800" kern="100">
+                        <a:latin typeface="Calibri"/>
+                        <a:ea typeface="宋体"/>
+                        <a:cs typeface="Times New Roman"/>
+                      </a:endParaRPr>
+                    </a:p>
+                  </a:txBody>
+                  <a:tcPr marL="9525" marR="9525" marT="9525" marB="9525" anchor="ctr">
+                    <a:lnL w="12700" cap="flat" cmpd="sng" algn="ctr">
+                      <a:solidFill>
+                        <a:srgbClr val="000000"/>
+                      </a:solidFill>
+                      <a:prstDash val="solid"/>
+                      <a:round/>
+                      <a:headEnd type="none" w="med" len="med"/>
+                      <a:tailEnd type="none" w="med" len="med"/>
+                    </a:lnL>
+                    <a:lnR w="12700" cap="flat" cmpd="sng" algn="ctr">
+                      <a:solidFill>
+                        <a:srgbClr val="000000"/>
+                      </a:solidFill>
+                      <a:prstDash val="solid"/>
+                      <a:round/>
+                      <a:headEnd type="none" w="med" len="med"/>
+                      <a:tailEnd type="none" w="med" len="med"/>
+                    </a:lnR>
+                    <a:lnT w="12700" cap="flat" cmpd="sng" algn="ctr">
+                      <a:solidFill>
+                        <a:srgbClr val="000000"/>
+                      </a:solidFill>
+                      <a:prstDash val="solid"/>
+                      <a:round/>
+                      <a:headEnd type="none" w="med" len="med"/>
+                      <a:tailEnd type="none" w="med" len="med"/>
+                    </a:lnT>
+                    <a:lnB w="12700" cap="flat" cmpd="sng" algn="ctr">
+                      <a:solidFill>
+                        <a:srgbClr val="000000"/>
+                      </a:solidFill>
+                      <a:prstDash val="solid"/>
+                      <a:round/>
+                      <a:headEnd type="none" w="med" len="med"/>
+                      <a:tailEnd type="none" w="med" len="med"/>
+                    </a:lnB>
+                    <a:solidFill>
+                      <a:srgbClr val="FFFFFF"/>
+                    </a:solidFill>
+                  </a:tcPr>
+                </a:tc>
+              </a:tr>
+              <a:tr h="305480">
+                <a:tc>
+                  <a:txBody>
+                    <a:bodyPr/>
+                    <a:lstStyle/>
+                    <a:p>
+                      <a:pPr algn="l">
+                        <a:spcAft>
+                          <a:spcPts val="0"/>
+                        </a:spcAft>
+                      </a:pPr>
+                      <a:r>
+                        <a:rPr lang="en-US" sz="1800" kern="0" dirty="0">
+                          <a:latin typeface="宋体"/>
+                          <a:ea typeface="宋体"/>
+                          <a:cs typeface="宋体"/>
+                        </a:rPr>
+                        <a:t>[</a:t>
+                      </a:r>
+                      <a:r>
+                        <a:rPr lang="en-US" sz="1800" kern="0" dirty="0" err="1">
+                          <a:latin typeface="宋体"/>
+                          <a:ea typeface="宋体"/>
+                          <a:cs typeface="宋体"/>
+                        </a:rPr>
+                        <a:t>TestClass</a:t>
+                      </a:r>
+                      <a:r>
+                        <a:rPr lang="en-US" sz="1800" kern="0" dirty="0">
+                          <a:latin typeface="宋体"/>
+                          <a:ea typeface="宋体"/>
+                          <a:cs typeface="宋体"/>
+                        </a:rPr>
+                        <a:t>]</a:t>
+                      </a:r>
+                      <a:endParaRPr lang="zh-CN" sz="1800" kern="100" dirty="0">
+                        <a:latin typeface="Calibri"/>
+                        <a:ea typeface="宋体"/>
+                        <a:cs typeface="Times New Roman"/>
+                      </a:endParaRPr>
+                    </a:p>
+                  </a:txBody>
+                  <a:tcPr marL="9525" marR="9525" marT="9525" marB="9525" anchor="ctr">
+                    <a:lnL w="12700" cap="flat" cmpd="sng" algn="ctr">
+                      <a:solidFill>
+                        <a:srgbClr val="000000"/>
+                      </a:solidFill>
+                      <a:prstDash val="solid"/>
+                      <a:round/>
+                      <a:headEnd type="none" w="med" len="med"/>
+                      <a:tailEnd type="none" w="med" len="med"/>
+                    </a:lnL>
+                    <a:lnR w="12700" cap="flat" cmpd="sng" algn="ctr">
+                      <a:solidFill>
+                        <a:srgbClr val="000000"/>
+                      </a:solidFill>
+                      <a:prstDash val="solid"/>
+                      <a:round/>
+                      <a:headEnd type="none" w="med" len="med"/>
+                      <a:tailEnd type="none" w="med" len="med"/>
+                    </a:lnR>
+                    <a:lnT w="12700" cap="flat" cmpd="sng" algn="ctr">
+                      <a:solidFill>
+                        <a:srgbClr val="000000"/>
+                      </a:solidFill>
+                      <a:prstDash val="solid"/>
+                      <a:round/>
+                      <a:headEnd type="none" w="med" len="med"/>
+                      <a:tailEnd type="none" w="med" len="med"/>
+                    </a:lnT>
+                    <a:lnB w="12700" cap="flat" cmpd="sng" algn="ctr">
+                      <a:solidFill>
+                        <a:srgbClr val="000000"/>
+                      </a:solidFill>
+                      <a:prstDash val="solid"/>
+                      <a:round/>
+                      <a:headEnd type="none" w="med" len="med"/>
+                      <a:tailEnd type="none" w="med" len="med"/>
+                    </a:lnB>
+                    <a:solidFill>
+                      <a:srgbClr val="FFFFFF"/>
+                    </a:solidFill>
+                  </a:tcPr>
+                </a:tc>
+                <a:tc>
+                  <a:txBody>
+                    <a:bodyPr/>
+                    <a:lstStyle/>
+                    <a:p>
+                      <a:pPr algn="l">
+                        <a:spcAft>
+                          <a:spcPts val="0"/>
+                        </a:spcAft>
+                      </a:pPr>
+                      <a:r>
+                        <a:rPr lang="en-US" sz="1800" i="1" kern="0">
+                          <a:latin typeface="宋体"/>
+                          <a:ea typeface="宋体"/>
+                          <a:cs typeface="宋体"/>
+                        </a:rPr>
+                        <a:t>n/a</a:t>
+                      </a:r>
+                      <a:endParaRPr lang="zh-CN" sz="1800" kern="100">
+                        <a:latin typeface="Calibri"/>
+                        <a:ea typeface="宋体"/>
+                        <a:cs typeface="Times New Roman"/>
+                      </a:endParaRPr>
+                    </a:p>
+                  </a:txBody>
+                  <a:tcPr marL="9525" marR="9525" marT="9525" marB="9525" anchor="ctr">
+                    <a:lnL w="12700" cap="flat" cmpd="sng" algn="ctr">
+                      <a:solidFill>
+                        <a:srgbClr val="000000"/>
+                      </a:solidFill>
+                      <a:prstDash val="solid"/>
+                      <a:round/>
+                      <a:headEnd type="none" w="med" len="med"/>
+                      <a:tailEnd type="none" w="med" len="med"/>
+                    </a:lnL>
+                    <a:lnR w="12700" cap="flat" cmpd="sng" algn="ctr">
+                      <a:solidFill>
+                        <a:srgbClr val="000000"/>
+                      </a:solidFill>
+                      <a:prstDash val="solid"/>
+                      <a:round/>
+                      <a:headEnd type="none" w="med" len="med"/>
+                      <a:tailEnd type="none" w="med" len="med"/>
+                    </a:lnR>
+                    <a:lnT w="12700" cap="flat" cmpd="sng" algn="ctr">
+                      <a:solidFill>
+                        <a:srgbClr val="000000"/>
+                      </a:solidFill>
+                      <a:prstDash val="solid"/>
+                      <a:round/>
+                      <a:headEnd type="none" w="med" len="med"/>
+                      <a:tailEnd type="none" w="med" len="med"/>
+                    </a:lnT>
+                    <a:lnB w="12700" cap="flat" cmpd="sng" algn="ctr">
+                      <a:solidFill>
+                        <a:srgbClr val="000000"/>
+                      </a:solidFill>
+                      <a:prstDash val="solid"/>
+                      <a:round/>
+                      <a:headEnd type="none" w="med" len="med"/>
+                      <a:tailEnd type="none" w="med" len="med"/>
+                    </a:lnB>
+                    <a:solidFill>
+                      <a:srgbClr val="FFFFFF"/>
+                    </a:solidFill>
+                  </a:tcPr>
+                </a:tc>
+                <a:tc>
+                  <a:txBody>
+                    <a:bodyPr/>
+                    <a:lstStyle/>
+                    <a:p>
+                      <a:pPr algn="l"/>
+                      <a:endParaRPr lang="zh-CN" sz="1800" kern="100">
+                        <a:latin typeface="Calibri"/>
+                      </a:endParaRPr>
+                    </a:p>
+                  </a:txBody>
+                  <a:tcPr marL="9525" marR="9525" marT="9525" marB="9525" anchor="ctr">
+                    <a:lnL w="12700" cap="flat" cmpd="sng" algn="ctr">
+                      <a:solidFill>
+                        <a:srgbClr val="000000"/>
+                      </a:solidFill>
+                      <a:prstDash val="solid"/>
+                      <a:round/>
+                      <a:headEnd type="none" w="med" len="med"/>
+                      <a:tailEnd type="none" w="med" len="med"/>
+                    </a:lnL>
+                    <a:lnR w="12700" cap="flat" cmpd="sng" algn="ctr">
+                      <a:solidFill>
+                        <a:srgbClr val="000000"/>
+                      </a:solidFill>
+                      <a:prstDash val="solid"/>
+                      <a:round/>
+                      <a:headEnd type="none" w="med" len="med"/>
+                      <a:tailEnd type="none" w="med" len="med"/>
+                    </a:lnR>
+                    <a:lnT w="12700" cap="flat" cmpd="sng" algn="ctr">
+                      <a:solidFill>
+                        <a:srgbClr val="000000"/>
+                      </a:solidFill>
+                      <a:prstDash val="solid"/>
+                      <a:round/>
+                      <a:headEnd type="none" w="med" len="med"/>
+                      <a:tailEnd type="none" w="med" len="med"/>
+                    </a:lnT>
+                    <a:lnB w="12700" cap="flat" cmpd="sng" algn="ctr">
+                      <a:solidFill>
+                        <a:srgbClr val="000000"/>
+                      </a:solidFill>
+                      <a:prstDash val="solid"/>
+                      <a:round/>
+                      <a:headEnd type="none" w="med" len="med"/>
+                      <a:tailEnd type="none" w="med" len="med"/>
+                    </a:lnB>
+                    <a:solidFill>
+                      <a:srgbClr val="FFFFFF"/>
+                    </a:solidFill>
+                  </a:tcPr>
+                </a:tc>
+              </a:tr>
+              <a:tr h="876767">
+                <a:tc>
+                  <a:txBody>
+                    <a:bodyPr/>
+                    <a:lstStyle/>
+                    <a:p>
+                      <a:pPr algn="l">
+                        <a:spcAft>
+                          <a:spcPts val="0"/>
+                        </a:spcAft>
+                      </a:pPr>
+                      <a:r>
+                        <a:rPr lang="en-US" sz="1800" kern="0" dirty="0">
+                          <a:latin typeface="宋体"/>
+                          <a:ea typeface="宋体"/>
+                          <a:cs typeface="宋体"/>
+                        </a:rPr>
+                        <a:t>[</a:t>
+                      </a:r>
+                      <a:r>
+                        <a:rPr lang="en-US" sz="1800" kern="0" dirty="0" err="1">
+                          <a:latin typeface="宋体"/>
+                          <a:ea typeface="宋体"/>
+                          <a:cs typeface="宋体"/>
+                        </a:rPr>
+                        <a:t>ExpectedException</a:t>
+                      </a:r>
+                      <a:r>
+                        <a:rPr lang="en-US" sz="1800" kern="0" dirty="0">
+                          <a:latin typeface="宋体"/>
+                          <a:ea typeface="宋体"/>
+                          <a:cs typeface="宋体"/>
+                        </a:rPr>
+                        <a:t>]</a:t>
+                      </a:r>
+                      <a:endParaRPr lang="zh-CN" sz="1800" kern="100" dirty="0">
+                        <a:latin typeface="Calibri"/>
+                        <a:ea typeface="宋体"/>
+                        <a:cs typeface="Times New Roman"/>
+                      </a:endParaRPr>
+                    </a:p>
+                  </a:txBody>
+                  <a:tcPr marL="9525" marR="9525" marT="9525" marB="9525" anchor="ctr">
+                    <a:lnL w="12700" cap="flat" cmpd="sng" algn="ctr">
+                      <a:solidFill>
+                        <a:srgbClr val="000000"/>
+                      </a:solidFill>
+                      <a:prstDash val="solid"/>
+                      <a:round/>
+                      <a:headEnd type="none" w="med" len="med"/>
+                      <a:tailEnd type="none" w="med" len="med"/>
+                    </a:lnL>
+                    <a:lnR w="12700" cap="flat" cmpd="sng" algn="ctr">
+                      <a:solidFill>
+                        <a:srgbClr val="000000"/>
+                      </a:solidFill>
+                      <a:prstDash val="solid"/>
+                      <a:round/>
+                      <a:headEnd type="none" w="med" len="med"/>
+                      <a:tailEnd type="none" w="med" len="med"/>
+                    </a:lnR>
+                    <a:lnT w="12700" cap="flat" cmpd="sng" algn="ctr">
+                      <a:solidFill>
+                        <a:srgbClr val="000000"/>
+                      </a:solidFill>
+                      <a:prstDash val="solid"/>
+                      <a:round/>
+                      <a:headEnd type="none" w="med" len="med"/>
+                      <a:tailEnd type="none" w="med" len="med"/>
+                    </a:lnT>
+                    <a:lnB w="12700" cap="flat" cmpd="sng" algn="ctr">
+                      <a:solidFill>
+                        <a:srgbClr val="000000"/>
+                      </a:solidFill>
+                      <a:prstDash val="solid"/>
+                      <a:round/>
+                      <a:headEnd type="none" w="med" len="med"/>
+                      <a:tailEnd type="none" w="med" len="med"/>
+                    </a:lnB>
+                    <a:solidFill>
+                      <a:srgbClr val="FFFFFF"/>
+                    </a:solidFill>
+                  </a:tcPr>
+                </a:tc>
+                <a:tc>
+                  <a:txBody>
+                    <a:bodyPr/>
+                    <a:lstStyle/>
+                    <a:p>
+                      <a:pPr algn="l">
+                        <a:spcAft>
+                          <a:spcPts val="0"/>
+                        </a:spcAft>
+                      </a:pPr>
+                      <a:r>
+                        <a:rPr lang="en-US" sz="1800" kern="0">
+                          <a:latin typeface="宋体"/>
+                          <a:ea typeface="宋体"/>
+                          <a:cs typeface="宋体"/>
+                        </a:rPr>
+                        <a:t>Assert.Throws</a:t>
+                      </a:r>
+                      <a:endParaRPr lang="zh-CN" sz="1800" kern="100">
+                        <a:latin typeface="Calibri"/>
+                        <a:ea typeface="宋体"/>
+                        <a:cs typeface="Times New Roman"/>
+                      </a:endParaRPr>
+                    </a:p>
+                    <a:p>
+                      <a:pPr algn="l">
+                        <a:spcAft>
+                          <a:spcPts val="0"/>
+                        </a:spcAft>
+                      </a:pPr>
+                      <a:r>
+                        <a:rPr lang="en-US" sz="1800" kern="0">
+                          <a:latin typeface="宋体"/>
+                          <a:ea typeface="宋体"/>
+                          <a:cs typeface="宋体"/>
+                        </a:rPr>
+                        <a:t>Record.Exception</a:t>
+                      </a:r>
+                      <a:endParaRPr lang="zh-CN" sz="1800" kern="100">
+                        <a:latin typeface="Calibri"/>
+                        <a:ea typeface="宋体"/>
+                        <a:cs typeface="Times New Roman"/>
+                      </a:endParaRPr>
+                    </a:p>
+                  </a:txBody>
+                  <a:tcPr marL="9525" marR="9525" marT="9525" marB="9525" anchor="ctr">
+                    <a:lnL w="12700" cap="flat" cmpd="sng" algn="ctr">
+                      <a:solidFill>
+                        <a:srgbClr val="000000"/>
+                      </a:solidFill>
+                      <a:prstDash val="solid"/>
+                      <a:round/>
+                      <a:headEnd type="none" w="med" len="med"/>
+                      <a:tailEnd type="none" w="med" len="med"/>
+                    </a:lnL>
+                    <a:lnR w="12700" cap="flat" cmpd="sng" algn="ctr">
+                      <a:solidFill>
+                        <a:srgbClr val="000000"/>
+                      </a:solidFill>
+                      <a:prstDash val="solid"/>
+                      <a:round/>
+                      <a:headEnd type="none" w="med" len="med"/>
+                      <a:tailEnd type="none" w="med" len="med"/>
+                    </a:lnR>
+                    <a:lnT w="12700" cap="flat" cmpd="sng" algn="ctr">
+                      <a:solidFill>
+                        <a:srgbClr val="000000"/>
+                      </a:solidFill>
+                      <a:prstDash val="solid"/>
+                      <a:round/>
+                      <a:headEnd type="none" w="med" len="med"/>
+                      <a:tailEnd type="none" w="med" len="med"/>
+                    </a:lnT>
+                    <a:lnB w="12700" cap="flat" cmpd="sng" algn="ctr">
+                      <a:solidFill>
+                        <a:srgbClr val="000000"/>
+                      </a:solidFill>
+                      <a:prstDash val="solid"/>
+                      <a:round/>
+                      <a:headEnd type="none" w="med" len="med"/>
+                      <a:tailEnd type="none" w="med" len="med"/>
+                    </a:lnB>
+                    <a:solidFill>
+                      <a:srgbClr val="FFFFFF"/>
+                    </a:solidFill>
+                  </a:tcPr>
+                </a:tc>
+                <a:tc>
+                  <a:txBody>
+                    <a:bodyPr/>
+                    <a:lstStyle/>
+                    <a:p>
+                      <a:pPr algn="l">
+                        <a:spcAft>
+                          <a:spcPts val="0"/>
+                        </a:spcAft>
+                      </a:pPr>
+                      <a:r>
+                        <a:rPr lang="en-US" sz="1800" kern="0" dirty="0">
+                          <a:latin typeface="宋体"/>
+                          <a:ea typeface="宋体"/>
+                          <a:cs typeface="宋体"/>
+                        </a:rPr>
+                        <a:t>xUnit.net has done away with the </a:t>
+                      </a:r>
+                      <a:r>
+                        <a:rPr lang="en-US" sz="1800" kern="0" dirty="0" err="1">
+                          <a:latin typeface="宋体"/>
+                          <a:ea typeface="宋体"/>
+                          <a:cs typeface="宋体"/>
+                        </a:rPr>
+                        <a:t>ExpectedException</a:t>
+                      </a:r>
+                      <a:r>
+                        <a:rPr lang="en-US" sz="1800" kern="0" dirty="0">
+                          <a:latin typeface="宋体"/>
+                          <a:ea typeface="宋体"/>
+                          <a:cs typeface="宋体"/>
+                        </a:rPr>
+                        <a:t> attribute in favor of </a:t>
+                      </a:r>
+                      <a:r>
+                        <a:rPr lang="en-US" sz="1800" kern="0" dirty="0" err="1">
+                          <a:latin typeface="宋体"/>
+                          <a:ea typeface="宋体"/>
+                          <a:cs typeface="宋体"/>
+                        </a:rPr>
+                        <a:t>Assert.Throws</a:t>
+                      </a:r>
+                      <a:r>
+                        <a:rPr lang="en-US" sz="1800" kern="0" dirty="0">
+                          <a:latin typeface="宋体"/>
+                          <a:ea typeface="宋体"/>
+                          <a:cs typeface="宋体"/>
+                        </a:rPr>
+                        <a:t>.</a:t>
+                      </a:r>
+                      <a:endParaRPr lang="zh-CN" sz="1800" kern="100" dirty="0">
+                        <a:latin typeface="Calibri"/>
+                        <a:ea typeface="宋体"/>
+                        <a:cs typeface="Times New Roman"/>
+                      </a:endParaRPr>
+                    </a:p>
+                  </a:txBody>
+                  <a:tcPr marL="9525" marR="9525" marT="9525" marB="9525" anchor="ctr">
+                    <a:lnL w="12700" cap="flat" cmpd="sng" algn="ctr">
+                      <a:solidFill>
+                        <a:srgbClr val="000000"/>
+                      </a:solidFill>
+                      <a:prstDash val="solid"/>
+                      <a:round/>
+                      <a:headEnd type="none" w="med" len="med"/>
+                      <a:tailEnd type="none" w="med" len="med"/>
+                    </a:lnL>
+                    <a:lnR w="12700" cap="flat" cmpd="sng" algn="ctr">
+                      <a:solidFill>
+                        <a:srgbClr val="000000"/>
+                      </a:solidFill>
+                      <a:prstDash val="solid"/>
+                      <a:round/>
+                      <a:headEnd type="none" w="med" len="med"/>
+                      <a:tailEnd type="none" w="med" len="med"/>
+                    </a:lnR>
+                    <a:lnT w="12700" cap="flat" cmpd="sng" algn="ctr">
+                      <a:solidFill>
+                        <a:srgbClr val="000000"/>
+                      </a:solidFill>
+                      <a:prstDash val="solid"/>
+                      <a:round/>
+                      <a:headEnd type="none" w="med" len="med"/>
+                      <a:tailEnd type="none" w="med" len="med"/>
+                    </a:lnT>
+                    <a:lnB w="12700" cap="flat" cmpd="sng" algn="ctr">
+                      <a:solidFill>
+                        <a:srgbClr val="000000"/>
+                      </a:solidFill>
+                      <a:prstDash val="solid"/>
+                      <a:round/>
+                      <a:headEnd type="none" w="med" len="med"/>
+                      <a:tailEnd type="none" w="med" len="med"/>
+                    </a:lnB>
+                    <a:solidFill>
+                      <a:srgbClr val="FFFFFF"/>
+                    </a:solidFill>
+                  </a:tcPr>
+                </a:tc>
+              </a:tr>
+              <a:tr h="916127">
+                <a:tc>
+                  <a:txBody>
+                    <a:bodyPr/>
+                    <a:lstStyle/>
+                    <a:p>
+                      <a:pPr algn="l">
+                        <a:spcAft>
+                          <a:spcPts val="0"/>
+                        </a:spcAft>
+                      </a:pPr>
+                      <a:r>
+                        <a:rPr lang="en-US" sz="1800" kern="0" dirty="0">
+                          <a:latin typeface="宋体"/>
+                          <a:ea typeface="宋体"/>
+                          <a:cs typeface="宋体"/>
+                        </a:rPr>
+                        <a:t>[</a:t>
+                      </a:r>
+                      <a:r>
+                        <a:rPr lang="en-US" sz="1800" kern="0" dirty="0" err="1">
+                          <a:latin typeface="宋体"/>
+                          <a:ea typeface="宋体"/>
+                          <a:cs typeface="宋体"/>
+                        </a:rPr>
+                        <a:t>TestInitialize</a:t>
+                      </a:r>
+                      <a:r>
+                        <a:rPr lang="en-US" sz="1800" kern="0" dirty="0">
+                          <a:latin typeface="宋体"/>
+                          <a:ea typeface="宋体"/>
+                          <a:cs typeface="宋体"/>
+                        </a:rPr>
+                        <a:t>]</a:t>
+                      </a:r>
+                      <a:endParaRPr lang="zh-CN" sz="1800" kern="100" dirty="0">
+                        <a:latin typeface="Calibri"/>
+                        <a:ea typeface="宋体"/>
+                        <a:cs typeface="Times New Roman"/>
+                      </a:endParaRPr>
+                    </a:p>
+                  </a:txBody>
+                  <a:tcPr marL="9525" marR="9525" marT="9525" marB="9525" anchor="ctr">
+                    <a:lnL w="12700" cap="flat" cmpd="sng" algn="ctr">
+                      <a:solidFill>
+                        <a:srgbClr val="000000"/>
+                      </a:solidFill>
+                      <a:prstDash val="solid"/>
+                      <a:round/>
+                      <a:headEnd type="none" w="med" len="med"/>
+                      <a:tailEnd type="none" w="med" len="med"/>
+                    </a:lnL>
+                    <a:lnR w="12700" cap="flat" cmpd="sng" algn="ctr">
+                      <a:solidFill>
+                        <a:srgbClr val="000000"/>
+                      </a:solidFill>
+                      <a:prstDash val="solid"/>
+                      <a:round/>
+                      <a:headEnd type="none" w="med" len="med"/>
+                      <a:tailEnd type="none" w="med" len="med"/>
+                    </a:lnR>
+                    <a:lnT w="12700" cap="flat" cmpd="sng" algn="ctr">
+                      <a:solidFill>
+                        <a:srgbClr val="000000"/>
+                      </a:solidFill>
+                      <a:prstDash val="solid"/>
+                      <a:round/>
+                      <a:headEnd type="none" w="med" len="med"/>
+                      <a:tailEnd type="none" w="med" len="med"/>
+                    </a:lnT>
+                    <a:lnB w="12700" cap="flat" cmpd="sng" algn="ctr">
+                      <a:solidFill>
+                        <a:srgbClr val="000000"/>
+                      </a:solidFill>
+                      <a:prstDash val="solid"/>
+                      <a:round/>
+                      <a:headEnd type="none" w="med" len="med"/>
+                      <a:tailEnd type="none" w="med" len="med"/>
+                    </a:lnB>
+                    <a:solidFill>
+                      <a:srgbClr val="FFFFFF"/>
+                    </a:solidFill>
+                  </a:tcPr>
+                </a:tc>
+                <a:tc>
+                  <a:txBody>
+                    <a:bodyPr/>
+                    <a:lstStyle/>
+                    <a:p>
+                      <a:pPr algn="l">
+                        <a:spcAft>
+                          <a:spcPts val="0"/>
+                        </a:spcAft>
+                      </a:pPr>
+                      <a:r>
+                        <a:rPr lang="en-US" sz="1800" kern="0" dirty="0">
+                          <a:latin typeface="宋体"/>
+                          <a:ea typeface="宋体"/>
+                          <a:cs typeface="宋体"/>
+                        </a:rPr>
+                        <a:t>Constructor</a:t>
+                      </a:r>
+                      <a:endParaRPr lang="zh-CN" sz="1800" kern="100" dirty="0">
+                        <a:latin typeface="Calibri"/>
+                        <a:ea typeface="宋体"/>
+                        <a:cs typeface="Times New Roman"/>
+                      </a:endParaRPr>
+                    </a:p>
+                  </a:txBody>
+                  <a:tcPr marL="9525" marR="9525" marT="9525" marB="9525" anchor="ctr">
+                    <a:lnL w="12700" cap="flat" cmpd="sng" algn="ctr">
+                      <a:solidFill>
+                        <a:srgbClr val="000000"/>
+                      </a:solidFill>
+                      <a:prstDash val="solid"/>
+                      <a:round/>
+                      <a:headEnd type="none" w="med" len="med"/>
+                      <a:tailEnd type="none" w="med" len="med"/>
+                    </a:lnL>
+                    <a:lnR w="12700" cap="flat" cmpd="sng" algn="ctr">
+                      <a:solidFill>
+                        <a:srgbClr val="000000"/>
+                      </a:solidFill>
+                      <a:prstDash val="solid"/>
+                      <a:round/>
+                      <a:headEnd type="none" w="med" len="med"/>
+                      <a:tailEnd type="none" w="med" len="med"/>
+                    </a:lnR>
+                    <a:lnT w="12700" cap="flat" cmpd="sng" algn="ctr">
+                      <a:solidFill>
+                        <a:srgbClr val="000000"/>
+                      </a:solidFill>
+                      <a:prstDash val="solid"/>
+                      <a:round/>
+                      <a:headEnd type="none" w="med" len="med"/>
+                      <a:tailEnd type="none" w="med" len="med"/>
+                    </a:lnT>
+                    <a:lnB w="12700" cap="flat" cmpd="sng" algn="ctr">
+                      <a:solidFill>
+                        <a:srgbClr val="000000"/>
+                      </a:solidFill>
+                      <a:prstDash val="solid"/>
+                      <a:round/>
+                      <a:headEnd type="none" w="med" len="med"/>
+                      <a:tailEnd type="none" w="med" len="med"/>
+                    </a:lnB>
+                    <a:solidFill>
+                      <a:srgbClr val="FFFFFF"/>
+                    </a:solidFill>
+                  </a:tcPr>
+                </a:tc>
+                <a:tc>
+                  <a:txBody>
+                    <a:bodyPr/>
+                    <a:lstStyle/>
+                    <a:p>
+                      <a:pPr algn="l">
+                        <a:spcAft>
+                          <a:spcPts val="0"/>
+                        </a:spcAft>
+                      </a:pPr>
+                      <a:r>
+                        <a:rPr lang="en-US" sz="1800" kern="0">
+                          <a:latin typeface="宋体"/>
+                          <a:ea typeface="宋体"/>
+                          <a:cs typeface="宋体"/>
+                        </a:rPr>
+                        <a:t>We believe that use of [SetUp]is generally bad. However, you can implement a parameterless constructor as a direct replacement. </a:t>
+                      </a:r>
+                      <a:endParaRPr lang="zh-CN" sz="1800" kern="100">
+                        <a:latin typeface="Calibri"/>
+                        <a:ea typeface="宋体"/>
+                        <a:cs typeface="Times New Roman"/>
+                      </a:endParaRPr>
+                    </a:p>
+                  </a:txBody>
+                  <a:tcPr marL="9525" marR="9525" marT="9525" marB="9525" anchor="ctr">
+                    <a:lnL w="12700" cap="flat" cmpd="sng" algn="ctr">
+                      <a:solidFill>
+                        <a:srgbClr val="000000"/>
+                      </a:solidFill>
+                      <a:prstDash val="solid"/>
+                      <a:round/>
+                      <a:headEnd type="none" w="med" len="med"/>
+                      <a:tailEnd type="none" w="med" len="med"/>
+                    </a:lnL>
+                    <a:lnR w="12700" cap="flat" cmpd="sng" algn="ctr">
+                      <a:solidFill>
+                        <a:srgbClr val="000000"/>
+                      </a:solidFill>
+                      <a:prstDash val="solid"/>
+                      <a:round/>
+                      <a:headEnd type="none" w="med" len="med"/>
+                      <a:tailEnd type="none" w="med" len="med"/>
+                    </a:lnR>
+                    <a:lnT w="12700" cap="flat" cmpd="sng" algn="ctr">
+                      <a:solidFill>
+                        <a:srgbClr val="000000"/>
+                      </a:solidFill>
+                      <a:prstDash val="solid"/>
+                      <a:round/>
+                      <a:headEnd type="none" w="med" len="med"/>
+                      <a:tailEnd type="none" w="med" len="med"/>
+                    </a:lnT>
+                    <a:lnB w="12700" cap="flat" cmpd="sng" algn="ctr">
+                      <a:solidFill>
+                        <a:srgbClr val="000000"/>
+                      </a:solidFill>
+                      <a:prstDash val="solid"/>
+                      <a:round/>
+                      <a:headEnd type="none" w="med" len="med"/>
+                      <a:tailEnd type="none" w="med" len="med"/>
+                    </a:lnB>
+                    <a:solidFill>
+                      <a:srgbClr val="FFFFFF"/>
+                    </a:solidFill>
+                  </a:tcPr>
+                </a:tc>
+              </a:tr>
+              <a:tr h="1027289">
+                <a:tc>
+                  <a:txBody>
+                    <a:bodyPr/>
+                    <a:lstStyle/>
+                    <a:p>
+                      <a:pPr algn="l">
+                        <a:spcAft>
+                          <a:spcPts val="0"/>
+                        </a:spcAft>
+                      </a:pPr>
+                      <a:r>
+                        <a:rPr lang="en-US" sz="1800" kern="0" dirty="0">
+                          <a:latin typeface="宋体"/>
+                          <a:ea typeface="宋体"/>
+                          <a:cs typeface="宋体"/>
+                        </a:rPr>
+                        <a:t>[</a:t>
+                      </a:r>
+                      <a:r>
+                        <a:rPr lang="en-US" sz="1800" kern="0" dirty="0" err="1">
+                          <a:latin typeface="宋体"/>
+                          <a:ea typeface="宋体"/>
+                          <a:cs typeface="宋体"/>
+                        </a:rPr>
+                        <a:t>TestCleanup</a:t>
+                      </a:r>
+                      <a:r>
+                        <a:rPr lang="en-US" sz="1800" kern="0" dirty="0">
+                          <a:latin typeface="宋体"/>
+                          <a:ea typeface="宋体"/>
+                          <a:cs typeface="宋体"/>
+                        </a:rPr>
+                        <a:t>]</a:t>
+                      </a:r>
+                      <a:endParaRPr lang="zh-CN" sz="1800" kern="100" dirty="0">
+                        <a:latin typeface="Calibri"/>
+                        <a:ea typeface="宋体"/>
+                        <a:cs typeface="Times New Roman"/>
+                      </a:endParaRPr>
+                    </a:p>
+                  </a:txBody>
+                  <a:tcPr marL="9525" marR="9525" marT="9525" marB="9525" anchor="ctr">
+                    <a:lnL w="12700" cap="flat" cmpd="sng" algn="ctr">
+                      <a:solidFill>
+                        <a:srgbClr val="000000"/>
+                      </a:solidFill>
+                      <a:prstDash val="solid"/>
+                      <a:round/>
+                      <a:headEnd type="none" w="med" len="med"/>
+                      <a:tailEnd type="none" w="med" len="med"/>
+                    </a:lnL>
+                    <a:lnR w="12700" cap="flat" cmpd="sng" algn="ctr">
+                      <a:solidFill>
+                        <a:srgbClr val="000000"/>
+                      </a:solidFill>
+                      <a:prstDash val="solid"/>
+                      <a:round/>
+                      <a:headEnd type="none" w="med" len="med"/>
+                      <a:tailEnd type="none" w="med" len="med"/>
+                    </a:lnR>
+                    <a:lnT w="12700" cap="flat" cmpd="sng" algn="ctr">
+                      <a:solidFill>
+                        <a:srgbClr val="000000"/>
+                      </a:solidFill>
+                      <a:prstDash val="solid"/>
+                      <a:round/>
+                      <a:headEnd type="none" w="med" len="med"/>
+                      <a:tailEnd type="none" w="med" len="med"/>
+                    </a:lnT>
+                    <a:lnB w="12700" cap="flat" cmpd="sng" algn="ctr">
+                      <a:solidFill>
+                        <a:srgbClr val="000000"/>
+                      </a:solidFill>
+                      <a:prstDash val="solid"/>
+                      <a:round/>
+                      <a:headEnd type="none" w="med" len="med"/>
+                      <a:tailEnd type="none" w="med" len="med"/>
+                    </a:lnB>
+                    <a:solidFill>
+                      <a:srgbClr val="FFFFFF"/>
+                    </a:solidFill>
+                  </a:tcPr>
+                </a:tc>
+                <a:tc>
+                  <a:txBody>
+                    <a:bodyPr/>
+                    <a:lstStyle/>
+                    <a:p>
+                      <a:pPr algn="l">
+                        <a:spcAft>
+                          <a:spcPts val="0"/>
+                        </a:spcAft>
+                      </a:pPr>
+                      <a:r>
+                        <a:rPr lang="en-US" sz="1800" kern="0">
+                          <a:latin typeface="宋体"/>
+                          <a:ea typeface="宋体"/>
+                          <a:cs typeface="宋体"/>
+                        </a:rPr>
+                        <a:t>IDisposable.Dispose</a:t>
+                      </a:r>
+                      <a:endParaRPr lang="zh-CN" sz="1800" kern="100">
+                        <a:latin typeface="Calibri"/>
+                        <a:ea typeface="宋体"/>
+                        <a:cs typeface="Times New Roman"/>
+                      </a:endParaRPr>
+                    </a:p>
+                  </a:txBody>
+                  <a:tcPr marL="9525" marR="9525" marT="9525" marB="9525" anchor="ctr">
+                    <a:lnL w="12700" cap="flat" cmpd="sng" algn="ctr">
+                      <a:solidFill>
+                        <a:srgbClr val="000000"/>
+                      </a:solidFill>
+                      <a:prstDash val="solid"/>
+                      <a:round/>
+                      <a:headEnd type="none" w="med" len="med"/>
+                      <a:tailEnd type="none" w="med" len="med"/>
+                    </a:lnL>
+                    <a:lnR w="12700" cap="flat" cmpd="sng" algn="ctr">
+                      <a:solidFill>
+                        <a:srgbClr val="000000"/>
+                      </a:solidFill>
+                      <a:prstDash val="solid"/>
+                      <a:round/>
+                      <a:headEnd type="none" w="med" len="med"/>
+                      <a:tailEnd type="none" w="med" len="med"/>
+                    </a:lnR>
+                    <a:lnT w="12700" cap="flat" cmpd="sng" algn="ctr">
+                      <a:solidFill>
+                        <a:srgbClr val="000000"/>
+                      </a:solidFill>
+                      <a:prstDash val="solid"/>
+                      <a:round/>
+                      <a:headEnd type="none" w="med" len="med"/>
+                      <a:tailEnd type="none" w="med" len="med"/>
+                    </a:lnT>
+                    <a:lnB w="12700" cap="flat" cmpd="sng" algn="ctr">
+                      <a:solidFill>
+                        <a:srgbClr val="000000"/>
+                      </a:solidFill>
+                      <a:prstDash val="solid"/>
+                      <a:round/>
+                      <a:headEnd type="none" w="med" len="med"/>
+                      <a:tailEnd type="none" w="med" len="med"/>
+                    </a:lnB>
+                    <a:solidFill>
+                      <a:srgbClr val="FFFFFF"/>
+                    </a:solidFill>
+                  </a:tcPr>
+                </a:tc>
+                <a:tc>
+                  <a:txBody>
+                    <a:bodyPr/>
+                    <a:lstStyle/>
+                    <a:p>
+                      <a:pPr algn="l">
+                        <a:spcAft>
+                          <a:spcPts val="0"/>
+                        </a:spcAft>
+                      </a:pPr>
+                      <a:r>
+                        <a:rPr lang="en-US" sz="1800" kern="0" dirty="0">
+                          <a:latin typeface="宋体"/>
+                          <a:ea typeface="宋体"/>
+                          <a:cs typeface="宋体"/>
+                        </a:rPr>
+                        <a:t>We believe that use of[</a:t>
+                      </a:r>
+                      <a:r>
+                        <a:rPr lang="en-US" sz="1800" kern="0" dirty="0" err="1">
+                          <a:latin typeface="宋体"/>
+                          <a:ea typeface="宋体"/>
+                          <a:cs typeface="宋体"/>
+                        </a:rPr>
+                        <a:t>TearDown</a:t>
+                      </a:r>
+                      <a:r>
+                        <a:rPr lang="en-US" sz="1800" kern="0" dirty="0">
+                          <a:latin typeface="宋体"/>
+                          <a:ea typeface="宋体"/>
+                          <a:cs typeface="宋体"/>
+                        </a:rPr>
+                        <a:t>] is generally bad. However, you can </a:t>
+                      </a:r>
+                      <a:r>
+                        <a:rPr lang="en-US" sz="1800" kern="0" dirty="0" err="1">
+                          <a:latin typeface="宋体"/>
+                          <a:ea typeface="宋体"/>
+                          <a:cs typeface="宋体"/>
+                        </a:rPr>
+                        <a:t>implementIDisposable.Dispose</a:t>
+                      </a:r>
+                      <a:r>
+                        <a:rPr lang="en-US" sz="1800" kern="0" dirty="0">
+                          <a:latin typeface="宋体"/>
+                          <a:ea typeface="宋体"/>
+                          <a:cs typeface="宋体"/>
+                        </a:rPr>
+                        <a:t> as a direct replacement.</a:t>
+                      </a:r>
+                      <a:endParaRPr lang="zh-CN" sz="1800" kern="100" dirty="0">
+                        <a:latin typeface="Calibri"/>
+                        <a:ea typeface="宋体"/>
+                        <a:cs typeface="Times New Roman"/>
+                      </a:endParaRPr>
+                    </a:p>
+                  </a:txBody>
+                  <a:tcPr marL="9525" marR="9525" marT="9525" marB="9525" anchor="ctr">
+                    <a:lnL w="12700" cap="flat" cmpd="sng" algn="ctr">
+                      <a:solidFill>
+                        <a:srgbClr val="000000"/>
+                      </a:solidFill>
+                      <a:prstDash val="solid"/>
+                      <a:round/>
+                      <a:headEnd type="none" w="med" len="med"/>
+                      <a:tailEnd type="none" w="med" len="med"/>
+                    </a:lnL>
+                    <a:lnR w="12700" cap="flat" cmpd="sng" algn="ctr">
+                      <a:solidFill>
+                        <a:srgbClr val="000000"/>
+                      </a:solidFill>
+                      <a:prstDash val="solid"/>
+                      <a:round/>
+                      <a:headEnd type="none" w="med" len="med"/>
+                      <a:tailEnd type="none" w="med" len="med"/>
+                    </a:lnR>
+                    <a:lnT w="12700" cap="flat" cmpd="sng" algn="ctr">
+                      <a:solidFill>
+                        <a:srgbClr val="000000"/>
+                      </a:solidFill>
+                      <a:prstDash val="solid"/>
+                      <a:round/>
+                      <a:headEnd type="none" w="med" len="med"/>
+                      <a:tailEnd type="none" w="med" len="med"/>
+                    </a:lnT>
+                    <a:lnB w="12700" cap="flat" cmpd="sng" algn="ctr">
+                      <a:solidFill>
+                        <a:srgbClr val="000000"/>
+                      </a:solidFill>
+                      <a:prstDash val="solid"/>
+                      <a:round/>
+                      <a:headEnd type="none" w="med" len="med"/>
+                      <a:tailEnd type="none" w="med" len="med"/>
+                    </a:lnB>
+                    <a:solidFill>
+                      <a:srgbClr val="FFFFFF"/>
+                    </a:solidFill>
+                  </a:tcPr>
+                </a:tc>
+              </a:tr>
+              <a:tr h="876767">
+                <a:tc>
+                  <a:txBody>
+                    <a:bodyPr/>
+                    <a:lstStyle/>
+                    <a:p>
+                      <a:pPr algn="l">
+                        <a:spcAft>
+                          <a:spcPts val="0"/>
+                        </a:spcAft>
+                      </a:pPr>
+                      <a:r>
+                        <a:rPr lang="en-US" sz="1800" kern="0" dirty="0">
+                          <a:latin typeface="宋体"/>
+                          <a:ea typeface="宋体"/>
+                          <a:cs typeface="宋体"/>
+                        </a:rPr>
+                        <a:t>[</a:t>
+                      </a:r>
+                      <a:r>
+                        <a:rPr lang="en-US" sz="1800" kern="0" dirty="0" err="1">
+                          <a:latin typeface="宋体"/>
+                          <a:ea typeface="宋体"/>
+                          <a:cs typeface="宋体"/>
+                        </a:rPr>
+                        <a:t>ClassInitialize</a:t>
+                      </a:r>
+                      <a:r>
+                        <a:rPr lang="en-US" sz="1800" kern="0" dirty="0">
+                          <a:latin typeface="宋体"/>
+                          <a:ea typeface="宋体"/>
+                          <a:cs typeface="宋体"/>
+                        </a:rPr>
+                        <a:t>]</a:t>
+                      </a:r>
+                      <a:endParaRPr lang="zh-CN" sz="1800" kern="100" dirty="0">
+                        <a:latin typeface="Calibri"/>
+                        <a:ea typeface="宋体"/>
+                        <a:cs typeface="Times New Roman"/>
+                      </a:endParaRPr>
+                    </a:p>
+                  </a:txBody>
+                  <a:tcPr marL="9525" marR="9525" marT="9525" marB="9525" anchor="ctr">
+                    <a:lnL w="12700" cap="flat" cmpd="sng" algn="ctr">
+                      <a:solidFill>
+                        <a:srgbClr val="000000"/>
+                      </a:solidFill>
+                      <a:prstDash val="solid"/>
+                      <a:round/>
+                      <a:headEnd type="none" w="med" len="med"/>
+                      <a:tailEnd type="none" w="med" len="med"/>
+                    </a:lnL>
+                    <a:lnR w="12700" cap="flat" cmpd="sng" algn="ctr">
+                      <a:solidFill>
+                        <a:srgbClr val="000000"/>
+                      </a:solidFill>
+                      <a:prstDash val="solid"/>
+                      <a:round/>
+                      <a:headEnd type="none" w="med" len="med"/>
+                      <a:tailEnd type="none" w="med" len="med"/>
+                    </a:lnR>
+                    <a:lnT w="12700" cap="flat" cmpd="sng" algn="ctr">
+                      <a:solidFill>
+                        <a:srgbClr val="000000"/>
+                      </a:solidFill>
+                      <a:prstDash val="solid"/>
+                      <a:round/>
+                      <a:headEnd type="none" w="med" len="med"/>
+                      <a:tailEnd type="none" w="med" len="med"/>
+                    </a:lnT>
+                    <a:lnB w="12700" cap="flat" cmpd="sng" algn="ctr">
+                      <a:solidFill>
+                        <a:srgbClr val="000000"/>
+                      </a:solidFill>
+                      <a:prstDash val="solid"/>
+                      <a:round/>
+                      <a:headEnd type="none" w="med" len="med"/>
+                      <a:tailEnd type="none" w="med" len="med"/>
+                    </a:lnB>
+                    <a:solidFill>
+                      <a:srgbClr val="FFFFFF"/>
+                    </a:solidFill>
+                  </a:tcPr>
+                </a:tc>
+                <a:tc>
+                  <a:txBody>
+                    <a:bodyPr/>
+                    <a:lstStyle/>
+                    <a:p>
+                      <a:pPr algn="l">
+                        <a:spcAft>
+                          <a:spcPts val="0"/>
+                        </a:spcAft>
+                      </a:pPr>
+                      <a:r>
+                        <a:rPr lang="en-US" sz="1800" kern="0" dirty="0" err="1">
+                          <a:latin typeface="宋体"/>
+                          <a:ea typeface="宋体"/>
+                          <a:cs typeface="宋体"/>
+                        </a:rPr>
+                        <a:t>IUseFixture</a:t>
+                      </a:r>
+                      <a:r>
+                        <a:rPr lang="en-US" sz="1800" kern="0" dirty="0">
+                          <a:latin typeface="宋体"/>
+                          <a:ea typeface="宋体"/>
+                          <a:cs typeface="宋体"/>
+                        </a:rPr>
+                        <a:t>&lt;T&gt;</a:t>
+                      </a:r>
+                      <a:endParaRPr lang="zh-CN" sz="1800" kern="100" dirty="0">
+                        <a:latin typeface="Calibri"/>
+                        <a:ea typeface="宋体"/>
+                        <a:cs typeface="Times New Roman"/>
+                      </a:endParaRPr>
+                    </a:p>
+                  </a:txBody>
+                  <a:tcPr marL="9525" marR="9525" marT="9525" marB="9525" anchor="ctr">
+                    <a:lnL w="12700" cap="flat" cmpd="sng" algn="ctr">
+                      <a:solidFill>
+                        <a:srgbClr val="000000"/>
+                      </a:solidFill>
+                      <a:prstDash val="solid"/>
+                      <a:round/>
+                      <a:headEnd type="none" w="med" len="med"/>
+                      <a:tailEnd type="none" w="med" len="med"/>
+                    </a:lnL>
+                    <a:lnR w="12700" cap="flat" cmpd="sng" algn="ctr">
+                      <a:solidFill>
+                        <a:srgbClr val="000000"/>
+                      </a:solidFill>
+                      <a:prstDash val="solid"/>
+                      <a:round/>
+                      <a:headEnd type="none" w="med" len="med"/>
+                      <a:tailEnd type="none" w="med" len="med"/>
+                    </a:lnR>
+                    <a:lnT w="12700" cap="flat" cmpd="sng" algn="ctr">
+                      <a:solidFill>
+                        <a:srgbClr val="000000"/>
+                      </a:solidFill>
+                      <a:prstDash val="solid"/>
+                      <a:round/>
+                      <a:headEnd type="none" w="med" len="med"/>
+                      <a:tailEnd type="none" w="med" len="med"/>
+                    </a:lnT>
+                    <a:lnB w="12700" cap="flat" cmpd="sng" algn="ctr">
+                      <a:solidFill>
+                        <a:srgbClr val="000000"/>
+                      </a:solidFill>
+                      <a:prstDash val="solid"/>
+                      <a:round/>
+                      <a:headEnd type="none" w="med" len="med"/>
+                      <a:tailEnd type="none" w="med" len="med"/>
+                    </a:lnB>
+                    <a:solidFill>
+                      <a:srgbClr val="FFFFFF"/>
+                    </a:solidFill>
+                  </a:tcPr>
+                </a:tc>
+                <a:tc>
+                  <a:txBody>
+                    <a:bodyPr/>
+                    <a:lstStyle/>
+                    <a:p>
+                      <a:pPr algn="l">
+                        <a:spcAft>
+                          <a:spcPts val="0"/>
+                        </a:spcAft>
+                      </a:pPr>
+                      <a:r>
+                        <a:rPr lang="en-US" sz="1800" kern="0" dirty="0">
+                          <a:latin typeface="宋体"/>
+                          <a:ea typeface="宋体"/>
+                          <a:cs typeface="宋体"/>
+                        </a:rPr>
+                        <a:t>To get per-fixture setup, implement </a:t>
+                      </a:r>
+                      <a:r>
+                        <a:rPr lang="en-US" sz="1800" kern="0" dirty="0" err="1">
+                          <a:latin typeface="宋体"/>
+                          <a:ea typeface="宋体"/>
+                          <a:cs typeface="宋体"/>
+                        </a:rPr>
+                        <a:t>IUseFixture</a:t>
+                      </a:r>
+                      <a:r>
+                        <a:rPr lang="en-US" sz="1800" kern="0" dirty="0">
+                          <a:latin typeface="宋体"/>
+                          <a:ea typeface="宋体"/>
+                          <a:cs typeface="宋体"/>
+                        </a:rPr>
+                        <a:t>&lt;T&gt; on your test class.</a:t>
+                      </a:r>
+                      <a:endParaRPr lang="zh-CN" sz="1800" kern="100" dirty="0">
+                        <a:latin typeface="Calibri"/>
+                        <a:ea typeface="宋体"/>
+                        <a:cs typeface="Times New Roman"/>
+                      </a:endParaRPr>
+                    </a:p>
+                  </a:txBody>
+                  <a:tcPr marL="9525" marR="9525" marT="9525" marB="9525" anchor="ctr">
+                    <a:lnL w="12700" cap="flat" cmpd="sng" algn="ctr">
+                      <a:solidFill>
+                        <a:srgbClr val="000000"/>
+                      </a:solidFill>
+                      <a:prstDash val="solid"/>
+                      <a:round/>
+                      <a:headEnd type="none" w="med" len="med"/>
+                      <a:tailEnd type="none" w="med" len="med"/>
+                    </a:lnL>
+                    <a:lnR w="12700" cap="flat" cmpd="sng" algn="ctr">
+                      <a:solidFill>
+                        <a:srgbClr val="000000"/>
+                      </a:solidFill>
+                      <a:prstDash val="solid"/>
+                      <a:round/>
+                      <a:headEnd type="none" w="med" len="med"/>
+                      <a:tailEnd type="none" w="med" len="med"/>
+                    </a:lnR>
+                    <a:lnT w="12700" cap="flat" cmpd="sng" algn="ctr">
+                      <a:solidFill>
+                        <a:srgbClr val="000000"/>
+                      </a:solidFill>
+                      <a:prstDash val="solid"/>
+                      <a:round/>
+                      <a:headEnd type="none" w="med" len="med"/>
+                      <a:tailEnd type="none" w="med" len="med"/>
+                    </a:lnT>
+                    <a:lnB w="12700" cap="flat" cmpd="sng" algn="ctr">
+                      <a:solidFill>
+                        <a:srgbClr val="000000"/>
+                      </a:solidFill>
+                      <a:prstDash val="solid"/>
+                      <a:round/>
+                      <a:headEnd type="none" w="med" len="med"/>
+                      <a:tailEnd type="none" w="med" len="med"/>
+                    </a:lnB>
+                    <a:solidFill>
+                      <a:srgbClr val="FFFFFF"/>
+                    </a:solidFill>
+                  </a:tcPr>
+                </a:tc>
+              </a:tr>
+              <a:tr h="419772">
+                <a:tc>
+                  <a:txBody>
+                    <a:bodyPr/>
+                    <a:lstStyle/>
+                    <a:p>
+                      <a:pPr algn="l">
+                        <a:spcAft>
+                          <a:spcPts val="0"/>
+                        </a:spcAft>
+                      </a:pPr>
+                      <a:r>
+                        <a:rPr lang="en-US" sz="1800" kern="0" dirty="0">
+                          <a:latin typeface="宋体"/>
+                          <a:ea typeface="宋体"/>
+                          <a:cs typeface="宋体"/>
+                        </a:rPr>
+                        <a:t>[Ignore]</a:t>
+                      </a:r>
+                      <a:endParaRPr lang="zh-CN" sz="1800" kern="100" dirty="0">
+                        <a:latin typeface="Calibri"/>
+                        <a:ea typeface="宋体"/>
+                        <a:cs typeface="Times New Roman"/>
+                      </a:endParaRPr>
+                    </a:p>
+                  </a:txBody>
+                  <a:tcPr marL="9525" marR="9525" marT="9525" marB="9525" anchor="ctr">
+                    <a:lnL w="12700" cap="flat" cmpd="sng" algn="ctr">
+                      <a:solidFill>
+                        <a:srgbClr val="000000"/>
+                      </a:solidFill>
+                      <a:prstDash val="solid"/>
+                      <a:round/>
+                      <a:headEnd type="none" w="med" len="med"/>
+                      <a:tailEnd type="none" w="med" len="med"/>
+                    </a:lnL>
+                    <a:lnR w="12700" cap="flat" cmpd="sng" algn="ctr">
+                      <a:solidFill>
+                        <a:srgbClr val="000000"/>
+                      </a:solidFill>
+                      <a:prstDash val="solid"/>
+                      <a:round/>
+                      <a:headEnd type="none" w="med" len="med"/>
+                      <a:tailEnd type="none" w="med" len="med"/>
+                    </a:lnR>
+                    <a:lnT w="12700" cap="flat" cmpd="sng" algn="ctr">
+                      <a:solidFill>
+                        <a:srgbClr val="000000"/>
+                      </a:solidFill>
+                      <a:prstDash val="solid"/>
+                      <a:round/>
+                      <a:headEnd type="none" w="med" len="med"/>
+                      <a:tailEnd type="none" w="med" len="med"/>
+                    </a:lnT>
+                    <a:lnB w="12700" cap="flat" cmpd="sng" algn="ctr">
+                      <a:solidFill>
+                        <a:srgbClr val="000000"/>
+                      </a:solidFill>
+                      <a:prstDash val="solid"/>
+                      <a:round/>
+                      <a:headEnd type="none" w="med" len="med"/>
+                      <a:tailEnd type="none" w="med" len="med"/>
+                    </a:lnB>
+                    <a:solidFill>
+                      <a:srgbClr val="FFFFFF"/>
+                    </a:solidFill>
+                  </a:tcPr>
+                </a:tc>
+                <a:tc>
+                  <a:txBody>
+                    <a:bodyPr/>
+                    <a:lstStyle/>
+                    <a:p>
+                      <a:pPr algn="l">
+                        <a:spcAft>
+                          <a:spcPts val="0"/>
+                        </a:spcAft>
+                      </a:pPr>
+                      <a:r>
+                        <a:rPr lang="en-US" sz="1800" kern="0">
+                          <a:latin typeface="宋体"/>
+                          <a:ea typeface="宋体"/>
+                          <a:cs typeface="宋体"/>
+                        </a:rPr>
+                        <a:t>[Fact(Skip="reason")]</a:t>
+                      </a:r>
+                      <a:endParaRPr lang="zh-CN" sz="1800" kern="100">
+                        <a:latin typeface="Calibri"/>
+                        <a:ea typeface="宋体"/>
+                        <a:cs typeface="Times New Roman"/>
+                      </a:endParaRPr>
+                    </a:p>
+                  </a:txBody>
+                  <a:tcPr marL="9525" marR="9525" marT="9525" marB="9525" anchor="ctr">
+                    <a:lnL w="12700" cap="flat" cmpd="sng" algn="ctr">
+                      <a:solidFill>
+                        <a:srgbClr val="000000"/>
+                      </a:solidFill>
+                      <a:prstDash val="solid"/>
+                      <a:round/>
+                      <a:headEnd type="none" w="med" len="med"/>
+                      <a:tailEnd type="none" w="med" len="med"/>
+                    </a:lnL>
+                    <a:lnR w="12700" cap="flat" cmpd="sng" algn="ctr">
+                      <a:solidFill>
+                        <a:srgbClr val="000000"/>
+                      </a:solidFill>
+                      <a:prstDash val="solid"/>
+                      <a:round/>
+                      <a:headEnd type="none" w="med" len="med"/>
+                      <a:tailEnd type="none" w="med" len="med"/>
+                    </a:lnR>
+                    <a:lnT w="12700" cap="flat" cmpd="sng" algn="ctr">
+                      <a:solidFill>
+                        <a:srgbClr val="000000"/>
+                      </a:solidFill>
+                      <a:prstDash val="solid"/>
+                      <a:round/>
+                      <a:headEnd type="none" w="med" len="med"/>
+                      <a:tailEnd type="none" w="med" len="med"/>
+                    </a:lnT>
+                    <a:lnB w="12700" cap="flat" cmpd="sng" algn="ctr">
+                      <a:solidFill>
+                        <a:srgbClr val="000000"/>
+                      </a:solidFill>
+                      <a:prstDash val="solid"/>
+                      <a:round/>
+                      <a:headEnd type="none" w="med" len="med"/>
+                      <a:tailEnd type="none" w="med" len="med"/>
+                    </a:lnB>
+                    <a:solidFill>
+                      <a:srgbClr val="FFFFFF"/>
+                    </a:solidFill>
+                  </a:tcPr>
+                </a:tc>
+                <a:tc>
+                  <a:txBody>
+                    <a:bodyPr/>
+                    <a:lstStyle/>
+                    <a:p>
+                      <a:pPr algn="l"/>
+                      <a:endParaRPr lang="zh-CN" sz="1800" kern="100" dirty="0">
+                        <a:latin typeface="Calibri"/>
+                      </a:endParaRPr>
+                    </a:p>
+                  </a:txBody>
+                  <a:tcPr marL="9525" marR="9525" marT="9525" marB="9525" anchor="ctr">
+                    <a:lnL w="12700" cap="flat" cmpd="sng" algn="ctr">
+                      <a:solidFill>
+                        <a:srgbClr val="000000"/>
+                      </a:solidFill>
+                      <a:prstDash val="solid"/>
+                      <a:round/>
+                      <a:headEnd type="none" w="med" len="med"/>
+                      <a:tailEnd type="none" w="med" len="med"/>
+                    </a:lnL>
+                    <a:lnR w="12700" cap="flat" cmpd="sng" algn="ctr">
+                      <a:solidFill>
+                        <a:srgbClr val="000000"/>
+                      </a:solidFill>
+                      <a:prstDash val="solid"/>
+                      <a:round/>
+                      <a:headEnd type="none" w="med" len="med"/>
+                      <a:tailEnd type="none" w="med" len="med"/>
+                    </a:lnR>
+                    <a:lnT w="12700" cap="flat" cmpd="sng" algn="ctr">
+                      <a:solidFill>
+                        <a:srgbClr val="000000"/>
+                      </a:solidFill>
+                      <a:prstDash val="solid"/>
+                      <a:round/>
+                      <a:headEnd type="none" w="med" len="med"/>
+                      <a:tailEnd type="none" w="med" len="med"/>
+                    </a:lnT>
+                    <a:lnB w="12700" cap="flat" cmpd="sng" algn="ctr">
+                      <a:solidFill>
+                        <a:srgbClr val="000000"/>
+                      </a:solidFill>
+                      <a:prstDash val="solid"/>
+                      <a:round/>
+                      <a:headEnd type="none" w="med" len="med"/>
+                      <a:tailEnd type="none" w="med" len="med"/>
+                    </a:lnB>
+                    <a:solidFill>
+                      <a:srgbClr val="FFFFFF"/>
+                    </a:solidFill>
+                  </a:tcPr>
+                </a:tc>
+              </a:tr>
+              <a:tr h="305480">
+                <a:tc>
+                  <a:txBody>
+                    <a:bodyPr/>
+                    <a:lstStyle/>
+                    <a:p>
+                      <a:pPr algn="l">
+                        <a:spcAft>
+                          <a:spcPts val="0"/>
+                        </a:spcAft>
+                      </a:pPr>
+                      <a:r>
+                        <a:rPr lang="en-US" sz="1800" kern="0">
+                          <a:latin typeface="宋体"/>
+                          <a:ea typeface="宋体"/>
+                          <a:cs typeface="宋体"/>
+                        </a:rPr>
+                        <a:t>[Timeout]</a:t>
+                      </a:r>
+                      <a:endParaRPr lang="zh-CN" sz="1800" kern="100">
+                        <a:latin typeface="Calibri"/>
+                        <a:ea typeface="宋体"/>
+                        <a:cs typeface="Times New Roman"/>
+                      </a:endParaRPr>
+                    </a:p>
+                  </a:txBody>
+                  <a:tcPr marL="9525" marR="9525" marT="9525" marB="9525" anchor="ctr">
+                    <a:lnL w="12700" cap="flat" cmpd="sng" algn="ctr">
+                      <a:solidFill>
+                        <a:srgbClr val="000000"/>
+                      </a:solidFill>
+                      <a:prstDash val="solid"/>
+                      <a:round/>
+                      <a:headEnd type="none" w="med" len="med"/>
+                      <a:tailEnd type="none" w="med" len="med"/>
+                    </a:lnL>
+                    <a:lnR w="12700" cap="flat" cmpd="sng" algn="ctr">
+                      <a:solidFill>
+                        <a:srgbClr val="000000"/>
+                      </a:solidFill>
+                      <a:prstDash val="solid"/>
+                      <a:round/>
+                      <a:headEnd type="none" w="med" len="med"/>
+                      <a:tailEnd type="none" w="med" len="med"/>
+                    </a:lnR>
+                    <a:lnT w="12700" cap="flat" cmpd="sng" algn="ctr">
+                      <a:solidFill>
+                        <a:srgbClr val="000000"/>
+                      </a:solidFill>
+                      <a:prstDash val="solid"/>
+                      <a:round/>
+                      <a:headEnd type="none" w="med" len="med"/>
+                      <a:tailEnd type="none" w="med" len="med"/>
+                    </a:lnT>
+                    <a:lnB w="12700" cap="flat" cmpd="sng" algn="ctr">
+                      <a:solidFill>
+                        <a:srgbClr val="000000"/>
+                      </a:solidFill>
+                      <a:prstDash val="solid"/>
+                      <a:round/>
+                      <a:headEnd type="none" w="med" len="med"/>
+                      <a:tailEnd type="none" w="med" len="med"/>
+                    </a:lnB>
+                    <a:solidFill>
+                      <a:srgbClr val="FFFFFF"/>
+                    </a:solidFill>
+                  </a:tcPr>
+                </a:tc>
+                <a:tc>
+                  <a:txBody>
+                    <a:bodyPr/>
+                    <a:lstStyle/>
+                    <a:p>
+                      <a:pPr algn="l">
+                        <a:spcAft>
+                          <a:spcPts val="0"/>
+                        </a:spcAft>
+                      </a:pPr>
+                      <a:r>
+                        <a:rPr lang="en-US" sz="1800" kern="0">
+                          <a:latin typeface="宋体"/>
+                          <a:ea typeface="宋体"/>
+                          <a:cs typeface="宋体"/>
+                        </a:rPr>
+                        <a:t>[Fact(Timeout=n)]</a:t>
+                      </a:r>
+                      <a:endParaRPr lang="zh-CN" sz="1800" kern="100">
+                        <a:latin typeface="Calibri"/>
+                        <a:ea typeface="宋体"/>
+                        <a:cs typeface="Times New Roman"/>
+                      </a:endParaRPr>
+                    </a:p>
+                  </a:txBody>
+                  <a:tcPr marL="9525" marR="9525" marT="9525" marB="9525" anchor="ctr">
+                    <a:lnL w="12700" cap="flat" cmpd="sng" algn="ctr">
+                      <a:solidFill>
+                        <a:srgbClr val="000000"/>
+                      </a:solidFill>
+                      <a:prstDash val="solid"/>
+                      <a:round/>
+                      <a:headEnd type="none" w="med" len="med"/>
+                      <a:tailEnd type="none" w="med" len="med"/>
+                    </a:lnL>
+                    <a:lnR w="12700" cap="flat" cmpd="sng" algn="ctr">
+                      <a:solidFill>
+                        <a:srgbClr val="000000"/>
+                      </a:solidFill>
+                      <a:prstDash val="solid"/>
+                      <a:round/>
+                      <a:headEnd type="none" w="med" len="med"/>
+                      <a:tailEnd type="none" w="med" len="med"/>
+                    </a:lnR>
+                    <a:lnT w="12700" cap="flat" cmpd="sng" algn="ctr">
+                      <a:solidFill>
+                        <a:srgbClr val="000000"/>
+                      </a:solidFill>
+                      <a:prstDash val="solid"/>
+                      <a:round/>
+                      <a:headEnd type="none" w="med" len="med"/>
+                      <a:tailEnd type="none" w="med" len="med"/>
+                    </a:lnT>
+                    <a:lnB w="12700" cap="flat" cmpd="sng" algn="ctr">
+                      <a:solidFill>
+                        <a:srgbClr val="000000"/>
+                      </a:solidFill>
+                      <a:prstDash val="solid"/>
+                      <a:round/>
+                      <a:headEnd type="none" w="med" len="med"/>
+                      <a:tailEnd type="none" w="med" len="med"/>
+                    </a:lnB>
+                    <a:solidFill>
+                      <a:srgbClr val="FFFFFF"/>
+                    </a:solidFill>
+                  </a:tcPr>
+                </a:tc>
+                <a:tc>
+                  <a:txBody>
+                    <a:bodyPr/>
+                    <a:lstStyle/>
+                    <a:p>
+                      <a:pPr algn="l"/>
+                      <a:endParaRPr lang="zh-CN" sz="1800" kern="100" dirty="0">
+                        <a:latin typeface="Calibri"/>
+                      </a:endParaRPr>
+                    </a:p>
+                  </a:txBody>
+                  <a:tcPr marL="9525" marR="9525" marT="9525" marB="9525" anchor="ctr">
+                    <a:lnL w="12700" cap="flat" cmpd="sng" algn="ctr">
+                      <a:solidFill>
+                        <a:srgbClr val="000000"/>
+                      </a:solidFill>
+                      <a:prstDash val="solid"/>
+                      <a:round/>
+                      <a:headEnd type="none" w="med" len="med"/>
+                      <a:tailEnd type="none" w="med" len="med"/>
+                    </a:lnL>
+                    <a:lnR w="12700" cap="flat" cmpd="sng" algn="ctr">
+                      <a:solidFill>
+                        <a:srgbClr val="000000"/>
+                      </a:solidFill>
+                      <a:prstDash val="solid"/>
+                      <a:round/>
+                      <a:headEnd type="none" w="med" len="med"/>
+                      <a:tailEnd type="none" w="med" len="med"/>
+                    </a:lnR>
+                    <a:lnT w="12700" cap="flat" cmpd="sng" algn="ctr">
+                      <a:solidFill>
+                        <a:srgbClr val="000000"/>
+                      </a:solidFill>
+                      <a:prstDash val="solid"/>
+                      <a:round/>
+                      <a:headEnd type="none" w="med" len="med"/>
+                      <a:tailEnd type="none" w="med" len="med"/>
+                    </a:lnT>
+                    <a:lnB w="12700" cap="flat" cmpd="sng" algn="ctr">
+                      <a:solidFill>
+                        <a:srgbClr val="000000"/>
+                      </a:solidFill>
+                      <a:prstDash val="solid"/>
+                      <a:round/>
+                      <a:headEnd type="none" w="med" len="med"/>
+                      <a:tailEnd type="none" w="med" len="med"/>
+                    </a:lnB>
+                    <a:solidFill>
+                      <a:srgbClr val="FFFFFF"/>
+                    </a:solidFill>
+                  </a:tcPr>
+                </a:tc>
+              </a:tr>
+            </a:tbl>
+          </a:graphicData>
+        </a:graphic>
+      </p:graphicFrame>
+      <p:sp>
+        <p:nvSpPr>
+          <p:cNvPr id="9" name="矩形 8"/>
+          <p:cNvSpPr/>
+          <p:nvPr/>
+        </p:nvSpPr>
+        <p:spPr>
+          <a:xfrm>
+            <a:off x="3672508" y="0"/>
+            <a:ext cx="3266535" cy="369332"/>
+          </a:xfrm>
+          <a:prstGeom prst="rect">
+            <a:avLst/>
+          </a:prstGeom>
+        </p:spPr>
+        <p:txBody>
+          <a:bodyPr wrap="none">
+            <a:spAutoFit/>
+          </a:bodyPr>
+          <a:lstStyle/>
+          <a:p>
+            <a:r>
+              <a:rPr lang="en-US" b="1" dirty="0" err="1" smtClean="0"/>
+              <a:t>MSTest</a:t>
+            </a:r>
+            <a:r>
+              <a:rPr lang="zh-CN" altLang="en-US" b="1" dirty="0" smtClean="0"/>
+              <a:t>、</a:t>
+            </a:r>
+            <a:r>
+              <a:rPr lang="en-US" b="1" dirty="0" smtClean="0"/>
+              <a:t>xUnit.net </a:t>
+            </a:r>
+            <a:r>
+              <a:rPr lang="zh-CN" altLang="en-US" b="1" dirty="0" smtClean="0"/>
+              <a:t>属性对照表</a:t>
+            </a:r>
+            <a:r>
+              <a:rPr lang="zh-CN" altLang="en-US" dirty="0" smtClean="0"/>
+              <a:t> </a:t>
+            </a:r>
+            <a:endParaRPr lang="zh-CN" altLang="en-US" dirty="0"/>
+          </a:p>
+        </p:txBody>
+      </p:sp>
+    </p:spTree>
+  </p:cSld>
+  <p:clrMapOvr>
+    <a:masterClrMapping/>
+  </p:clrMapOvr>
+</p:sld>
+</file>
+
 <file path=ppt/slides/slide6.xml><?xml version="1.0" encoding="utf-8"?>
+<p:sld xmlns:a="http://schemas.openxmlformats.org/drawingml/2006/main" xmlns:r="http://schemas.openxmlformats.org/officeDocument/2006/relationships" xmlns:p="http://schemas.openxmlformats.org/presentationml/2006/main">
+  <p:cSld>
+    <p:spTree>
+      <p:nvGrpSpPr>
+        <p:cNvPr id="1" name=""/>
+        <p:cNvGrpSpPr/>
+        <p:nvPr/>
+      </p:nvGrpSpPr>
+      <p:grpSpPr>
+        <a:xfrm>
+          <a:off x="0" y="0"/>
+          <a:ext cx="0" cy="0"/>
+          <a:chOff x="0" y="0"/>
+          <a:chExt cx="0" cy="0"/>
+        </a:xfrm>
+      </p:grpSpPr>
+      <p:sp>
+        <p:nvSpPr>
+          <p:cNvPr id="4" name="页脚占位符 3"/>
+          <p:cNvSpPr>
+            <a:spLocks noGrp="1"/>
+          </p:cNvSpPr>
+          <p:nvPr>
+            <p:ph type="ftr" sz="quarter" idx="11"/>
+          </p:nvPr>
+        </p:nvSpPr>
+        <p:spPr/>
+        <p:txBody>
+          <a:bodyPr/>
+          <a:lstStyle/>
+          <a:p>
+            <a:r>
+              <a:rPr lang="zh-CN" altLang="en-US" smtClean="0"/>
+              <a:t>单元测试概论</a:t>
+            </a:r>
+            <a:endParaRPr lang="zh-CN" altLang="en-US" dirty="0"/>
+          </a:p>
+        </p:txBody>
+      </p:sp>
+      <p:sp>
+        <p:nvSpPr>
+          <p:cNvPr id="5" name="灯片编号占位符 4"/>
+          <p:cNvSpPr>
+            <a:spLocks noGrp="1"/>
+          </p:cNvSpPr>
+          <p:nvPr>
+            <p:ph type="sldNum" sz="quarter" idx="12"/>
+          </p:nvPr>
+        </p:nvSpPr>
+        <p:spPr/>
+        <p:txBody>
+          <a:bodyPr/>
+          <a:lstStyle/>
+          <a:p>
+            <a:fld id="{F4A2626E-A0A3-4722-B047-8920ED1A51E7}" type="slidenum">
+              <a:rPr lang="zh-CN" altLang="en-US" smtClean="0"/>
+              <a:pPr/>
+              <a:t>6</a:t>
+            </a:fld>
+            <a:endParaRPr lang="zh-CN" altLang="en-US" dirty="0"/>
+          </a:p>
+        </p:txBody>
+      </p:sp>
+      <p:sp>
+        <p:nvSpPr>
+          <p:cNvPr id="6" name="矩形 5"/>
+          <p:cNvSpPr/>
+          <p:nvPr/>
+        </p:nvSpPr>
+        <p:spPr>
+          <a:xfrm>
+            <a:off x="545487" y="767645"/>
+            <a:ext cx="3266535" cy="369332"/>
+          </a:xfrm>
+          <a:prstGeom prst="rect">
+            <a:avLst/>
+          </a:prstGeom>
+        </p:spPr>
+        <p:txBody>
+          <a:bodyPr wrap="none">
+            <a:spAutoFit/>
+          </a:bodyPr>
+          <a:lstStyle/>
+          <a:p>
+            <a:r>
+              <a:rPr lang="en-US" b="1" dirty="0" err="1" smtClean="0"/>
+              <a:t>MSTest</a:t>
+            </a:r>
+            <a:r>
+              <a:rPr lang="zh-CN" altLang="en-US" b="1" dirty="0" smtClean="0"/>
+              <a:t>、</a:t>
+            </a:r>
+            <a:r>
+              <a:rPr lang="en-US" b="1" dirty="0" smtClean="0"/>
+              <a:t>xUnit.net </a:t>
+            </a:r>
+            <a:r>
+              <a:rPr lang="zh-CN" altLang="en-US" b="1" dirty="0" smtClean="0"/>
+              <a:t>断言对照表</a:t>
+            </a:r>
+            <a:r>
+              <a:rPr lang="zh-CN" altLang="en-US" dirty="0" smtClean="0"/>
+              <a:t> </a:t>
+            </a:r>
+            <a:endParaRPr lang="zh-CN" altLang="en-US" dirty="0"/>
+          </a:p>
+        </p:txBody>
+      </p:sp>
+      <p:graphicFrame>
+        <p:nvGraphicFramePr>
+          <p:cNvPr id="7" name="表格 6"/>
+          <p:cNvGraphicFramePr>
+            <a:graphicFrameLocks noGrp="1"/>
+          </p:cNvGraphicFramePr>
+          <p:nvPr/>
+        </p:nvGraphicFramePr>
+        <p:xfrm>
+          <a:off x="4357510" y="79014"/>
+          <a:ext cx="5000978" cy="6716908"/>
+        </p:xfrm>
+        <a:graphic>
+          <a:graphicData uri="http://schemas.openxmlformats.org/drawingml/2006/table">
+            <a:tbl>
+              <a:tblPr/>
+              <a:tblGrid>
+                <a:gridCol w="2500489"/>
+                <a:gridCol w="2500489"/>
+              </a:tblGrid>
+              <a:tr h="305314">
+                <a:tc>
+                  <a:txBody>
+                    <a:bodyPr/>
+                    <a:lstStyle/>
+                    <a:p>
+                      <a:pPr algn="l">
+                        <a:spcAft>
+                          <a:spcPts val="0"/>
+                        </a:spcAft>
+                      </a:pPr>
+                      <a:r>
+                        <a:rPr lang="en-US" sz="1600" b="1" kern="0" dirty="0" err="1">
+                          <a:latin typeface="宋体"/>
+                          <a:ea typeface="宋体"/>
+                          <a:cs typeface="宋体"/>
+                        </a:rPr>
+                        <a:t>MSTest</a:t>
+                      </a:r>
+                      <a:endParaRPr lang="zh-CN" sz="1600" kern="100" dirty="0">
+                        <a:latin typeface="Calibri"/>
+                        <a:ea typeface="宋体"/>
+                        <a:cs typeface="Times New Roman"/>
+                      </a:endParaRPr>
+                    </a:p>
+                  </a:txBody>
+                  <a:tcPr marL="9525" marR="9525" marT="9525" marB="9525" anchor="ctr">
+                    <a:lnL w="12700" cap="flat" cmpd="sng" algn="ctr">
+                      <a:solidFill>
+                        <a:srgbClr val="000000"/>
+                      </a:solidFill>
+                      <a:prstDash val="solid"/>
+                      <a:round/>
+                      <a:headEnd type="none" w="med" len="med"/>
+                      <a:tailEnd type="none" w="med" len="med"/>
+                    </a:lnL>
+                    <a:lnR w="12700" cap="flat" cmpd="sng" algn="ctr">
+                      <a:solidFill>
+                        <a:srgbClr val="000000"/>
+                      </a:solidFill>
+                      <a:prstDash val="solid"/>
+                      <a:round/>
+                      <a:headEnd type="none" w="med" len="med"/>
+                      <a:tailEnd type="none" w="med" len="med"/>
+                    </a:lnR>
+                    <a:lnT w="12700" cap="flat" cmpd="sng" algn="ctr">
+                      <a:solidFill>
+                        <a:srgbClr val="000000"/>
+                      </a:solidFill>
+                      <a:prstDash val="solid"/>
+                      <a:round/>
+                      <a:headEnd type="none" w="med" len="med"/>
+                      <a:tailEnd type="none" w="med" len="med"/>
+                    </a:lnT>
+                    <a:lnB w="12700" cap="flat" cmpd="sng" algn="ctr">
+                      <a:solidFill>
+                        <a:srgbClr val="000000"/>
+                      </a:solidFill>
+                      <a:prstDash val="solid"/>
+                      <a:round/>
+                      <a:headEnd type="none" w="med" len="med"/>
+                      <a:tailEnd type="none" w="med" len="med"/>
+                    </a:lnB>
+                    <a:solidFill>
+                      <a:srgbClr val="D3D9D8"/>
+                    </a:solidFill>
+                  </a:tcPr>
+                </a:tc>
+                <a:tc>
+                  <a:txBody>
+                    <a:bodyPr/>
+                    <a:lstStyle/>
+                    <a:p>
+                      <a:pPr algn="ctr">
+                        <a:spcAft>
+                          <a:spcPts val="0"/>
+                        </a:spcAft>
+                      </a:pPr>
+                      <a:r>
+                        <a:rPr lang="en-US" sz="1600" b="1" kern="0" dirty="0">
+                          <a:latin typeface="宋体"/>
+                          <a:ea typeface="宋体"/>
+                          <a:cs typeface="宋体"/>
+                        </a:rPr>
+                        <a:t>xUnit.net</a:t>
+                      </a:r>
+                      <a:endParaRPr lang="zh-CN" sz="1600" kern="100" dirty="0">
+                        <a:latin typeface="Calibri"/>
+                        <a:ea typeface="宋体"/>
+                        <a:cs typeface="Times New Roman"/>
+                      </a:endParaRPr>
+                    </a:p>
+                  </a:txBody>
+                  <a:tcPr marL="9525" marR="9525" marT="9525" marB="9525" anchor="ctr">
+                    <a:lnL w="12700" cap="flat" cmpd="sng" algn="ctr">
+                      <a:solidFill>
+                        <a:srgbClr val="000000"/>
+                      </a:solidFill>
+                      <a:prstDash val="solid"/>
+                      <a:round/>
+                      <a:headEnd type="none" w="med" len="med"/>
+                      <a:tailEnd type="none" w="med" len="med"/>
+                    </a:lnL>
+                    <a:lnR w="12700" cap="flat" cmpd="sng" algn="ctr">
+                      <a:solidFill>
+                        <a:srgbClr val="000000"/>
+                      </a:solidFill>
+                      <a:prstDash val="solid"/>
+                      <a:round/>
+                      <a:headEnd type="none" w="med" len="med"/>
+                      <a:tailEnd type="none" w="med" len="med"/>
+                    </a:lnR>
+                    <a:lnT w="12700" cap="flat" cmpd="sng" algn="ctr">
+                      <a:solidFill>
+                        <a:srgbClr val="000000"/>
+                      </a:solidFill>
+                      <a:prstDash val="solid"/>
+                      <a:round/>
+                      <a:headEnd type="none" w="med" len="med"/>
+                      <a:tailEnd type="none" w="med" len="med"/>
+                    </a:lnT>
+                    <a:lnB w="12700" cap="flat" cmpd="sng" algn="ctr">
+                      <a:solidFill>
+                        <a:srgbClr val="000000"/>
+                      </a:solidFill>
+                      <a:prstDash val="solid"/>
+                      <a:round/>
+                      <a:headEnd type="none" w="med" len="med"/>
+                      <a:tailEnd type="none" w="med" len="med"/>
+                    </a:lnB>
+                    <a:solidFill>
+                      <a:srgbClr val="D3D9D8"/>
+                    </a:solidFill>
+                  </a:tcPr>
+                </a:tc>
+              </a:tr>
+              <a:tr h="305314">
+                <a:tc>
+                  <a:txBody>
+                    <a:bodyPr/>
+                    <a:lstStyle/>
+                    <a:p>
+                      <a:pPr algn="l">
+                        <a:spcAft>
+                          <a:spcPts val="0"/>
+                        </a:spcAft>
+                      </a:pPr>
+                      <a:r>
+                        <a:rPr lang="en-US" sz="1600" kern="0">
+                          <a:latin typeface="宋体"/>
+                          <a:ea typeface="宋体"/>
+                          <a:cs typeface="宋体"/>
+                        </a:rPr>
+                        <a:t>AreEqual</a:t>
+                      </a:r>
+                      <a:endParaRPr lang="zh-CN" sz="1600" kern="100">
+                        <a:latin typeface="Calibri"/>
+                        <a:ea typeface="宋体"/>
+                        <a:cs typeface="Times New Roman"/>
+                      </a:endParaRPr>
+                    </a:p>
+                  </a:txBody>
+                  <a:tcPr marL="9525" marR="9525" marT="9525" marB="9525" anchor="ctr">
+                    <a:lnL w="12700" cap="flat" cmpd="sng" algn="ctr">
+                      <a:solidFill>
+                        <a:srgbClr val="000000"/>
+                      </a:solidFill>
+                      <a:prstDash val="solid"/>
+                      <a:round/>
+                      <a:headEnd type="none" w="med" len="med"/>
+                      <a:tailEnd type="none" w="med" len="med"/>
+                    </a:lnL>
+                    <a:lnR w="12700" cap="flat" cmpd="sng" algn="ctr">
+                      <a:solidFill>
+                        <a:srgbClr val="000000"/>
+                      </a:solidFill>
+                      <a:prstDash val="solid"/>
+                      <a:round/>
+                      <a:headEnd type="none" w="med" len="med"/>
+                      <a:tailEnd type="none" w="med" len="med"/>
+                    </a:lnR>
+                    <a:lnT w="12700" cap="flat" cmpd="sng" algn="ctr">
+                      <a:solidFill>
+                        <a:srgbClr val="000000"/>
+                      </a:solidFill>
+                      <a:prstDash val="solid"/>
+                      <a:round/>
+                      <a:headEnd type="none" w="med" len="med"/>
+                      <a:tailEnd type="none" w="med" len="med"/>
+                    </a:lnT>
+                    <a:lnB w="12700" cap="flat" cmpd="sng" algn="ctr">
+                      <a:solidFill>
+                        <a:srgbClr val="000000"/>
+                      </a:solidFill>
+                      <a:prstDash val="solid"/>
+                      <a:round/>
+                      <a:headEnd type="none" w="med" len="med"/>
+                      <a:tailEnd type="none" w="med" len="med"/>
+                    </a:lnB>
+                    <a:solidFill>
+                      <a:srgbClr val="FFFFFF"/>
+                    </a:solidFill>
+                  </a:tcPr>
+                </a:tc>
+                <a:tc>
+                  <a:txBody>
+                    <a:bodyPr/>
+                    <a:lstStyle/>
+                    <a:p>
+                      <a:pPr algn="ctr">
+                        <a:spcAft>
+                          <a:spcPts val="0"/>
+                        </a:spcAft>
+                      </a:pPr>
+                      <a:r>
+                        <a:rPr lang="en-US" sz="1600" kern="0">
+                          <a:latin typeface="宋体"/>
+                          <a:ea typeface="宋体"/>
+                          <a:cs typeface="宋体"/>
+                        </a:rPr>
+                        <a:t>Equal</a:t>
+                      </a:r>
+                      <a:endParaRPr lang="zh-CN" sz="1600" kern="100">
+                        <a:latin typeface="Calibri"/>
+                        <a:ea typeface="宋体"/>
+                        <a:cs typeface="Times New Roman"/>
+                      </a:endParaRPr>
+                    </a:p>
+                  </a:txBody>
+                  <a:tcPr marL="9525" marR="9525" marT="9525" marB="9525" anchor="ctr">
+                    <a:lnL w="12700" cap="flat" cmpd="sng" algn="ctr">
+                      <a:solidFill>
+                        <a:srgbClr val="000000"/>
+                      </a:solidFill>
+                      <a:prstDash val="solid"/>
+                      <a:round/>
+                      <a:headEnd type="none" w="med" len="med"/>
+                      <a:tailEnd type="none" w="med" len="med"/>
+                    </a:lnL>
+                    <a:lnR w="12700" cap="flat" cmpd="sng" algn="ctr">
+                      <a:solidFill>
+                        <a:srgbClr val="000000"/>
+                      </a:solidFill>
+                      <a:prstDash val="solid"/>
+                      <a:round/>
+                      <a:headEnd type="none" w="med" len="med"/>
+                      <a:tailEnd type="none" w="med" len="med"/>
+                    </a:lnR>
+                    <a:lnT w="12700" cap="flat" cmpd="sng" algn="ctr">
+                      <a:solidFill>
+                        <a:srgbClr val="000000"/>
+                      </a:solidFill>
+                      <a:prstDash val="solid"/>
+                      <a:round/>
+                      <a:headEnd type="none" w="med" len="med"/>
+                      <a:tailEnd type="none" w="med" len="med"/>
+                    </a:lnT>
+                    <a:lnB w="12700" cap="flat" cmpd="sng" algn="ctr">
+                      <a:solidFill>
+                        <a:srgbClr val="000000"/>
+                      </a:solidFill>
+                      <a:prstDash val="solid"/>
+                      <a:round/>
+                      <a:headEnd type="none" w="med" len="med"/>
+                      <a:tailEnd type="none" w="med" len="med"/>
+                    </a:lnB>
+                    <a:solidFill>
+                      <a:srgbClr val="FFFFFF"/>
+                    </a:solidFill>
+                  </a:tcPr>
+                </a:tc>
+              </a:tr>
+              <a:tr h="305314">
+                <a:tc>
+                  <a:txBody>
+                    <a:bodyPr/>
+                    <a:lstStyle/>
+                    <a:p>
+                      <a:pPr algn="l">
+                        <a:spcAft>
+                          <a:spcPts val="0"/>
+                        </a:spcAft>
+                      </a:pPr>
+                      <a:r>
+                        <a:rPr lang="en-US" sz="1600" kern="0">
+                          <a:latin typeface="宋体"/>
+                          <a:ea typeface="宋体"/>
+                          <a:cs typeface="宋体"/>
+                        </a:rPr>
+                        <a:t>AreNotEqual</a:t>
+                      </a:r>
+                      <a:endParaRPr lang="zh-CN" sz="1600" kern="100">
+                        <a:latin typeface="Calibri"/>
+                        <a:ea typeface="宋体"/>
+                        <a:cs typeface="Times New Roman"/>
+                      </a:endParaRPr>
+                    </a:p>
+                  </a:txBody>
+                  <a:tcPr marL="9525" marR="9525" marT="9525" marB="9525" anchor="ctr">
+                    <a:lnL w="12700" cap="flat" cmpd="sng" algn="ctr">
+                      <a:solidFill>
+                        <a:srgbClr val="000000"/>
+                      </a:solidFill>
+                      <a:prstDash val="solid"/>
+                      <a:round/>
+                      <a:headEnd type="none" w="med" len="med"/>
+                      <a:tailEnd type="none" w="med" len="med"/>
+                    </a:lnL>
+                    <a:lnR w="12700" cap="flat" cmpd="sng" algn="ctr">
+                      <a:solidFill>
+                        <a:srgbClr val="000000"/>
+                      </a:solidFill>
+                      <a:prstDash val="solid"/>
+                      <a:round/>
+                      <a:headEnd type="none" w="med" len="med"/>
+                      <a:tailEnd type="none" w="med" len="med"/>
+                    </a:lnR>
+                    <a:lnT w="12700" cap="flat" cmpd="sng" algn="ctr">
+                      <a:solidFill>
+                        <a:srgbClr val="000000"/>
+                      </a:solidFill>
+                      <a:prstDash val="solid"/>
+                      <a:round/>
+                      <a:headEnd type="none" w="med" len="med"/>
+                      <a:tailEnd type="none" w="med" len="med"/>
+                    </a:lnT>
+                    <a:lnB w="12700" cap="flat" cmpd="sng" algn="ctr">
+                      <a:solidFill>
+                        <a:srgbClr val="000000"/>
+                      </a:solidFill>
+                      <a:prstDash val="solid"/>
+                      <a:round/>
+                      <a:headEnd type="none" w="med" len="med"/>
+                      <a:tailEnd type="none" w="med" len="med"/>
+                    </a:lnB>
+                    <a:solidFill>
+                      <a:srgbClr val="FFFFFF"/>
+                    </a:solidFill>
+                  </a:tcPr>
+                </a:tc>
+                <a:tc>
+                  <a:txBody>
+                    <a:bodyPr/>
+                    <a:lstStyle/>
+                    <a:p>
+                      <a:pPr algn="ctr">
+                        <a:spcAft>
+                          <a:spcPts val="0"/>
+                        </a:spcAft>
+                      </a:pPr>
+                      <a:r>
+                        <a:rPr lang="en-US" sz="1600" kern="0">
+                          <a:latin typeface="宋体"/>
+                          <a:ea typeface="宋体"/>
+                          <a:cs typeface="宋体"/>
+                        </a:rPr>
+                        <a:t>NotEqual</a:t>
+                      </a:r>
+                      <a:endParaRPr lang="zh-CN" sz="1600" kern="100">
+                        <a:latin typeface="Calibri"/>
+                        <a:ea typeface="宋体"/>
+                        <a:cs typeface="Times New Roman"/>
+                      </a:endParaRPr>
+                    </a:p>
+                  </a:txBody>
+                  <a:tcPr marL="9525" marR="9525" marT="9525" marB="9525" anchor="ctr">
+                    <a:lnL w="12700" cap="flat" cmpd="sng" algn="ctr">
+                      <a:solidFill>
+                        <a:srgbClr val="000000"/>
+                      </a:solidFill>
+                      <a:prstDash val="solid"/>
+                      <a:round/>
+                      <a:headEnd type="none" w="med" len="med"/>
+                      <a:tailEnd type="none" w="med" len="med"/>
+                    </a:lnL>
+                    <a:lnR w="12700" cap="flat" cmpd="sng" algn="ctr">
+                      <a:solidFill>
+                        <a:srgbClr val="000000"/>
+                      </a:solidFill>
+                      <a:prstDash val="solid"/>
+                      <a:round/>
+                      <a:headEnd type="none" w="med" len="med"/>
+                      <a:tailEnd type="none" w="med" len="med"/>
+                    </a:lnR>
+                    <a:lnT w="12700" cap="flat" cmpd="sng" algn="ctr">
+                      <a:solidFill>
+                        <a:srgbClr val="000000"/>
+                      </a:solidFill>
+                      <a:prstDash val="solid"/>
+                      <a:round/>
+                      <a:headEnd type="none" w="med" len="med"/>
+                      <a:tailEnd type="none" w="med" len="med"/>
+                    </a:lnT>
+                    <a:lnB w="12700" cap="flat" cmpd="sng" algn="ctr">
+                      <a:solidFill>
+                        <a:srgbClr val="000000"/>
+                      </a:solidFill>
+                      <a:prstDash val="solid"/>
+                      <a:round/>
+                      <a:headEnd type="none" w="med" len="med"/>
+                      <a:tailEnd type="none" w="med" len="med"/>
+                    </a:lnB>
+                    <a:solidFill>
+                      <a:srgbClr val="FFFFFF"/>
+                    </a:solidFill>
+                  </a:tcPr>
+                </a:tc>
+              </a:tr>
+              <a:tr h="305314">
+                <a:tc>
+                  <a:txBody>
+                    <a:bodyPr/>
+                    <a:lstStyle/>
+                    <a:p>
+                      <a:pPr algn="l">
+                        <a:spcAft>
+                          <a:spcPts val="0"/>
+                        </a:spcAft>
+                      </a:pPr>
+                      <a:r>
+                        <a:rPr lang="en-US" sz="1600" kern="0">
+                          <a:latin typeface="宋体"/>
+                          <a:ea typeface="宋体"/>
+                          <a:cs typeface="宋体"/>
+                        </a:rPr>
+                        <a:t>AreNotSame</a:t>
+                      </a:r>
+                      <a:endParaRPr lang="zh-CN" sz="1600" kern="100">
+                        <a:latin typeface="Calibri"/>
+                        <a:ea typeface="宋体"/>
+                        <a:cs typeface="Times New Roman"/>
+                      </a:endParaRPr>
+                    </a:p>
+                  </a:txBody>
+                  <a:tcPr marL="9525" marR="9525" marT="9525" marB="9525" anchor="ctr">
+                    <a:lnL w="12700" cap="flat" cmpd="sng" algn="ctr">
+                      <a:solidFill>
+                        <a:srgbClr val="000000"/>
+                      </a:solidFill>
+                      <a:prstDash val="solid"/>
+                      <a:round/>
+                      <a:headEnd type="none" w="med" len="med"/>
+                      <a:tailEnd type="none" w="med" len="med"/>
+                    </a:lnL>
+                    <a:lnR w="12700" cap="flat" cmpd="sng" algn="ctr">
+                      <a:solidFill>
+                        <a:srgbClr val="000000"/>
+                      </a:solidFill>
+                      <a:prstDash val="solid"/>
+                      <a:round/>
+                      <a:headEnd type="none" w="med" len="med"/>
+                      <a:tailEnd type="none" w="med" len="med"/>
+                    </a:lnR>
+                    <a:lnT w="12700" cap="flat" cmpd="sng" algn="ctr">
+                      <a:solidFill>
+                        <a:srgbClr val="000000"/>
+                      </a:solidFill>
+                      <a:prstDash val="solid"/>
+                      <a:round/>
+                      <a:headEnd type="none" w="med" len="med"/>
+                      <a:tailEnd type="none" w="med" len="med"/>
+                    </a:lnT>
+                    <a:lnB w="12700" cap="flat" cmpd="sng" algn="ctr">
+                      <a:solidFill>
+                        <a:srgbClr val="000000"/>
+                      </a:solidFill>
+                      <a:prstDash val="solid"/>
+                      <a:round/>
+                      <a:headEnd type="none" w="med" len="med"/>
+                      <a:tailEnd type="none" w="med" len="med"/>
+                    </a:lnB>
+                    <a:solidFill>
+                      <a:srgbClr val="FFFFFF"/>
+                    </a:solidFill>
+                  </a:tcPr>
+                </a:tc>
+                <a:tc>
+                  <a:txBody>
+                    <a:bodyPr/>
+                    <a:lstStyle/>
+                    <a:p>
+                      <a:pPr algn="ctr">
+                        <a:spcAft>
+                          <a:spcPts val="0"/>
+                        </a:spcAft>
+                      </a:pPr>
+                      <a:r>
+                        <a:rPr lang="en-US" sz="1600" kern="0">
+                          <a:latin typeface="宋体"/>
+                          <a:ea typeface="宋体"/>
+                          <a:cs typeface="宋体"/>
+                        </a:rPr>
+                        <a:t>NotSame</a:t>
+                      </a:r>
+                      <a:endParaRPr lang="zh-CN" sz="1600" kern="100">
+                        <a:latin typeface="Calibri"/>
+                        <a:ea typeface="宋体"/>
+                        <a:cs typeface="Times New Roman"/>
+                      </a:endParaRPr>
+                    </a:p>
+                  </a:txBody>
+                  <a:tcPr marL="9525" marR="9525" marT="9525" marB="9525" anchor="ctr">
+                    <a:lnL w="12700" cap="flat" cmpd="sng" algn="ctr">
+                      <a:solidFill>
+                        <a:srgbClr val="000000"/>
+                      </a:solidFill>
+                      <a:prstDash val="solid"/>
+                      <a:round/>
+                      <a:headEnd type="none" w="med" len="med"/>
+                      <a:tailEnd type="none" w="med" len="med"/>
+                    </a:lnL>
+                    <a:lnR w="12700" cap="flat" cmpd="sng" algn="ctr">
+                      <a:solidFill>
+                        <a:srgbClr val="000000"/>
+                      </a:solidFill>
+                      <a:prstDash val="solid"/>
+                      <a:round/>
+                      <a:headEnd type="none" w="med" len="med"/>
+                      <a:tailEnd type="none" w="med" len="med"/>
+                    </a:lnR>
+                    <a:lnT w="12700" cap="flat" cmpd="sng" algn="ctr">
+                      <a:solidFill>
+                        <a:srgbClr val="000000"/>
+                      </a:solidFill>
+                      <a:prstDash val="solid"/>
+                      <a:round/>
+                      <a:headEnd type="none" w="med" len="med"/>
+                      <a:tailEnd type="none" w="med" len="med"/>
+                    </a:lnT>
+                    <a:lnB w="12700" cap="flat" cmpd="sng" algn="ctr">
+                      <a:solidFill>
+                        <a:srgbClr val="000000"/>
+                      </a:solidFill>
+                      <a:prstDash val="solid"/>
+                      <a:round/>
+                      <a:headEnd type="none" w="med" len="med"/>
+                      <a:tailEnd type="none" w="med" len="med"/>
+                    </a:lnB>
+                    <a:solidFill>
+                      <a:srgbClr val="FFFFFF"/>
+                    </a:solidFill>
+                  </a:tcPr>
+                </a:tc>
+              </a:tr>
+              <a:tr h="305314">
+                <a:tc>
+                  <a:txBody>
+                    <a:bodyPr/>
+                    <a:lstStyle/>
+                    <a:p>
+                      <a:pPr algn="l">
+                        <a:spcAft>
+                          <a:spcPts val="0"/>
+                        </a:spcAft>
+                      </a:pPr>
+                      <a:r>
+                        <a:rPr lang="en-US" sz="1600" kern="0">
+                          <a:latin typeface="宋体"/>
+                          <a:ea typeface="宋体"/>
+                          <a:cs typeface="宋体"/>
+                        </a:rPr>
+                        <a:t>AreSame</a:t>
+                      </a:r>
+                      <a:endParaRPr lang="zh-CN" sz="1600" kern="100">
+                        <a:latin typeface="Calibri"/>
+                        <a:ea typeface="宋体"/>
+                        <a:cs typeface="Times New Roman"/>
+                      </a:endParaRPr>
+                    </a:p>
+                  </a:txBody>
+                  <a:tcPr marL="9525" marR="9525" marT="9525" marB="9525" anchor="ctr">
+                    <a:lnL w="12700" cap="flat" cmpd="sng" algn="ctr">
+                      <a:solidFill>
+                        <a:srgbClr val="000000"/>
+                      </a:solidFill>
+                      <a:prstDash val="solid"/>
+                      <a:round/>
+                      <a:headEnd type="none" w="med" len="med"/>
+                      <a:tailEnd type="none" w="med" len="med"/>
+                    </a:lnL>
+                    <a:lnR w="12700" cap="flat" cmpd="sng" algn="ctr">
+                      <a:solidFill>
+                        <a:srgbClr val="000000"/>
+                      </a:solidFill>
+                      <a:prstDash val="solid"/>
+                      <a:round/>
+                      <a:headEnd type="none" w="med" len="med"/>
+                      <a:tailEnd type="none" w="med" len="med"/>
+                    </a:lnR>
+                    <a:lnT w="12700" cap="flat" cmpd="sng" algn="ctr">
+                      <a:solidFill>
+                        <a:srgbClr val="000000"/>
+                      </a:solidFill>
+                      <a:prstDash val="solid"/>
+                      <a:round/>
+                      <a:headEnd type="none" w="med" len="med"/>
+                      <a:tailEnd type="none" w="med" len="med"/>
+                    </a:lnT>
+                    <a:lnB w="12700" cap="flat" cmpd="sng" algn="ctr">
+                      <a:solidFill>
+                        <a:srgbClr val="000000"/>
+                      </a:solidFill>
+                      <a:prstDash val="solid"/>
+                      <a:round/>
+                      <a:headEnd type="none" w="med" len="med"/>
+                      <a:tailEnd type="none" w="med" len="med"/>
+                    </a:lnB>
+                    <a:solidFill>
+                      <a:srgbClr val="FFFFFF"/>
+                    </a:solidFill>
+                  </a:tcPr>
+                </a:tc>
+                <a:tc>
+                  <a:txBody>
+                    <a:bodyPr/>
+                    <a:lstStyle/>
+                    <a:p>
+                      <a:pPr algn="ctr">
+                        <a:spcAft>
+                          <a:spcPts val="0"/>
+                        </a:spcAft>
+                      </a:pPr>
+                      <a:r>
+                        <a:rPr lang="en-US" sz="1600" kern="0">
+                          <a:latin typeface="宋体"/>
+                          <a:ea typeface="宋体"/>
+                          <a:cs typeface="宋体"/>
+                        </a:rPr>
+                        <a:t>Same</a:t>
+                      </a:r>
+                      <a:endParaRPr lang="zh-CN" sz="1600" kern="100">
+                        <a:latin typeface="Calibri"/>
+                        <a:ea typeface="宋体"/>
+                        <a:cs typeface="Times New Roman"/>
+                      </a:endParaRPr>
+                    </a:p>
+                  </a:txBody>
+                  <a:tcPr marL="9525" marR="9525" marT="9525" marB="9525" anchor="ctr">
+                    <a:lnL w="12700" cap="flat" cmpd="sng" algn="ctr">
+                      <a:solidFill>
+                        <a:srgbClr val="000000"/>
+                      </a:solidFill>
+                      <a:prstDash val="solid"/>
+                      <a:round/>
+                      <a:headEnd type="none" w="med" len="med"/>
+                      <a:tailEnd type="none" w="med" len="med"/>
+                    </a:lnL>
+                    <a:lnR w="12700" cap="flat" cmpd="sng" algn="ctr">
+                      <a:solidFill>
+                        <a:srgbClr val="000000"/>
+                      </a:solidFill>
+                      <a:prstDash val="solid"/>
+                      <a:round/>
+                      <a:headEnd type="none" w="med" len="med"/>
+                      <a:tailEnd type="none" w="med" len="med"/>
+                    </a:lnR>
+                    <a:lnT w="12700" cap="flat" cmpd="sng" algn="ctr">
+                      <a:solidFill>
+                        <a:srgbClr val="000000"/>
+                      </a:solidFill>
+                      <a:prstDash val="solid"/>
+                      <a:round/>
+                      <a:headEnd type="none" w="med" len="med"/>
+                      <a:tailEnd type="none" w="med" len="med"/>
+                    </a:lnT>
+                    <a:lnB w="12700" cap="flat" cmpd="sng" algn="ctr">
+                      <a:solidFill>
+                        <a:srgbClr val="000000"/>
+                      </a:solidFill>
+                      <a:prstDash val="solid"/>
+                      <a:round/>
+                      <a:headEnd type="none" w="med" len="med"/>
+                      <a:tailEnd type="none" w="med" len="med"/>
+                    </a:lnB>
+                    <a:solidFill>
+                      <a:srgbClr val="FFFFFF"/>
+                    </a:solidFill>
+                  </a:tcPr>
+                </a:tc>
+              </a:tr>
+              <a:tr h="305314">
+                <a:tc>
+                  <a:txBody>
+                    <a:bodyPr/>
+                    <a:lstStyle/>
+                    <a:p>
+                      <a:pPr algn="l">
+                        <a:spcAft>
+                          <a:spcPts val="0"/>
+                        </a:spcAft>
+                      </a:pPr>
+                      <a:r>
+                        <a:rPr lang="en-US" sz="1600" kern="0">
+                          <a:latin typeface="宋体"/>
+                          <a:ea typeface="宋体"/>
+                          <a:cs typeface="宋体"/>
+                        </a:rPr>
+                        <a:t>Contains</a:t>
+                      </a:r>
+                      <a:endParaRPr lang="zh-CN" sz="1600" kern="100">
+                        <a:latin typeface="Calibri"/>
+                        <a:ea typeface="宋体"/>
+                        <a:cs typeface="Times New Roman"/>
+                      </a:endParaRPr>
+                    </a:p>
+                  </a:txBody>
+                  <a:tcPr marL="9525" marR="9525" marT="9525" marB="9525" anchor="ctr">
+                    <a:lnL w="12700" cap="flat" cmpd="sng" algn="ctr">
+                      <a:solidFill>
+                        <a:srgbClr val="000000"/>
+                      </a:solidFill>
+                      <a:prstDash val="solid"/>
+                      <a:round/>
+                      <a:headEnd type="none" w="med" len="med"/>
+                      <a:tailEnd type="none" w="med" len="med"/>
+                    </a:lnL>
+                    <a:lnR w="12700" cap="flat" cmpd="sng" algn="ctr">
+                      <a:solidFill>
+                        <a:srgbClr val="000000"/>
+                      </a:solidFill>
+                      <a:prstDash val="solid"/>
+                      <a:round/>
+                      <a:headEnd type="none" w="med" len="med"/>
+                      <a:tailEnd type="none" w="med" len="med"/>
+                    </a:lnR>
+                    <a:lnT w="12700" cap="flat" cmpd="sng" algn="ctr">
+                      <a:solidFill>
+                        <a:srgbClr val="000000"/>
+                      </a:solidFill>
+                      <a:prstDash val="solid"/>
+                      <a:round/>
+                      <a:headEnd type="none" w="med" len="med"/>
+                      <a:tailEnd type="none" w="med" len="med"/>
+                    </a:lnT>
+                    <a:lnB w="12700" cap="flat" cmpd="sng" algn="ctr">
+                      <a:solidFill>
+                        <a:srgbClr val="000000"/>
+                      </a:solidFill>
+                      <a:prstDash val="solid"/>
+                      <a:round/>
+                      <a:headEnd type="none" w="med" len="med"/>
+                      <a:tailEnd type="none" w="med" len="med"/>
+                    </a:lnB>
+                    <a:solidFill>
+                      <a:srgbClr val="FFFFFF"/>
+                    </a:solidFill>
+                  </a:tcPr>
+                </a:tc>
+                <a:tc>
+                  <a:txBody>
+                    <a:bodyPr/>
+                    <a:lstStyle/>
+                    <a:p>
+                      <a:pPr algn="ctr">
+                        <a:spcAft>
+                          <a:spcPts val="0"/>
+                        </a:spcAft>
+                      </a:pPr>
+                      <a:r>
+                        <a:rPr lang="en-US" sz="1600" kern="0">
+                          <a:latin typeface="宋体"/>
+                          <a:ea typeface="宋体"/>
+                          <a:cs typeface="宋体"/>
+                        </a:rPr>
+                        <a:t>Contains</a:t>
+                      </a:r>
+                      <a:endParaRPr lang="zh-CN" sz="1600" kern="100">
+                        <a:latin typeface="Calibri"/>
+                        <a:ea typeface="宋体"/>
+                        <a:cs typeface="Times New Roman"/>
+                      </a:endParaRPr>
+                    </a:p>
+                  </a:txBody>
+                  <a:tcPr marL="9525" marR="9525" marT="9525" marB="9525" anchor="ctr">
+                    <a:lnL w="12700" cap="flat" cmpd="sng" algn="ctr">
+                      <a:solidFill>
+                        <a:srgbClr val="000000"/>
+                      </a:solidFill>
+                      <a:prstDash val="solid"/>
+                      <a:round/>
+                      <a:headEnd type="none" w="med" len="med"/>
+                      <a:tailEnd type="none" w="med" len="med"/>
+                    </a:lnL>
+                    <a:lnR w="12700" cap="flat" cmpd="sng" algn="ctr">
+                      <a:solidFill>
+                        <a:srgbClr val="000000"/>
+                      </a:solidFill>
+                      <a:prstDash val="solid"/>
+                      <a:round/>
+                      <a:headEnd type="none" w="med" len="med"/>
+                      <a:tailEnd type="none" w="med" len="med"/>
+                    </a:lnR>
+                    <a:lnT w="12700" cap="flat" cmpd="sng" algn="ctr">
+                      <a:solidFill>
+                        <a:srgbClr val="000000"/>
+                      </a:solidFill>
+                      <a:prstDash val="solid"/>
+                      <a:round/>
+                      <a:headEnd type="none" w="med" len="med"/>
+                      <a:tailEnd type="none" w="med" len="med"/>
+                    </a:lnT>
+                    <a:lnB w="12700" cap="flat" cmpd="sng" algn="ctr">
+                      <a:solidFill>
+                        <a:srgbClr val="000000"/>
+                      </a:solidFill>
+                      <a:prstDash val="solid"/>
+                      <a:round/>
+                      <a:headEnd type="none" w="med" len="med"/>
+                      <a:tailEnd type="none" w="med" len="med"/>
+                    </a:lnB>
+                    <a:solidFill>
+                      <a:srgbClr val="FFFFFF"/>
+                    </a:solidFill>
+                  </a:tcPr>
+                </a:tc>
+              </a:tr>
+              <a:tr h="305314">
+                <a:tc>
+                  <a:txBody>
+                    <a:bodyPr/>
+                    <a:lstStyle/>
+                    <a:p>
+                      <a:pPr algn="l">
+                        <a:spcAft>
+                          <a:spcPts val="0"/>
+                        </a:spcAft>
+                      </a:pPr>
+                      <a:r>
+                        <a:rPr lang="en-US" sz="1600" kern="0">
+                          <a:latin typeface="宋体"/>
+                          <a:ea typeface="宋体"/>
+                          <a:cs typeface="宋体"/>
+                        </a:rPr>
+                        <a:t>DoesNotContain</a:t>
+                      </a:r>
+                      <a:endParaRPr lang="zh-CN" sz="1600" kern="100">
+                        <a:latin typeface="Calibri"/>
+                        <a:ea typeface="宋体"/>
+                        <a:cs typeface="Times New Roman"/>
+                      </a:endParaRPr>
+                    </a:p>
+                  </a:txBody>
+                  <a:tcPr marL="9525" marR="9525" marT="9525" marB="9525" anchor="ctr">
+                    <a:lnL w="12700" cap="flat" cmpd="sng" algn="ctr">
+                      <a:solidFill>
+                        <a:srgbClr val="000000"/>
+                      </a:solidFill>
+                      <a:prstDash val="solid"/>
+                      <a:round/>
+                      <a:headEnd type="none" w="med" len="med"/>
+                      <a:tailEnd type="none" w="med" len="med"/>
+                    </a:lnL>
+                    <a:lnR w="12700" cap="flat" cmpd="sng" algn="ctr">
+                      <a:solidFill>
+                        <a:srgbClr val="000000"/>
+                      </a:solidFill>
+                      <a:prstDash val="solid"/>
+                      <a:round/>
+                      <a:headEnd type="none" w="med" len="med"/>
+                      <a:tailEnd type="none" w="med" len="med"/>
+                    </a:lnR>
+                    <a:lnT w="12700" cap="flat" cmpd="sng" algn="ctr">
+                      <a:solidFill>
+                        <a:srgbClr val="000000"/>
+                      </a:solidFill>
+                      <a:prstDash val="solid"/>
+                      <a:round/>
+                      <a:headEnd type="none" w="med" len="med"/>
+                      <a:tailEnd type="none" w="med" len="med"/>
+                    </a:lnT>
+                    <a:lnB w="12700" cap="flat" cmpd="sng" algn="ctr">
+                      <a:solidFill>
+                        <a:srgbClr val="000000"/>
+                      </a:solidFill>
+                      <a:prstDash val="solid"/>
+                      <a:round/>
+                      <a:headEnd type="none" w="med" len="med"/>
+                      <a:tailEnd type="none" w="med" len="med"/>
+                    </a:lnB>
+                    <a:solidFill>
+                      <a:srgbClr val="FFFFFF"/>
+                    </a:solidFill>
+                  </a:tcPr>
+                </a:tc>
+                <a:tc>
+                  <a:txBody>
+                    <a:bodyPr/>
+                    <a:lstStyle/>
+                    <a:p>
+                      <a:pPr algn="ctr">
+                        <a:spcAft>
+                          <a:spcPts val="0"/>
+                        </a:spcAft>
+                      </a:pPr>
+                      <a:r>
+                        <a:rPr lang="en-US" sz="1600" kern="0">
+                          <a:latin typeface="宋体"/>
+                          <a:ea typeface="宋体"/>
+                          <a:cs typeface="宋体"/>
+                        </a:rPr>
+                        <a:t>DoesNotContain</a:t>
+                      </a:r>
+                      <a:endParaRPr lang="zh-CN" sz="1600" kern="100">
+                        <a:latin typeface="Calibri"/>
+                        <a:ea typeface="宋体"/>
+                        <a:cs typeface="Times New Roman"/>
+                      </a:endParaRPr>
+                    </a:p>
+                  </a:txBody>
+                  <a:tcPr marL="9525" marR="9525" marT="9525" marB="9525" anchor="ctr">
+                    <a:lnL w="12700" cap="flat" cmpd="sng" algn="ctr">
+                      <a:solidFill>
+                        <a:srgbClr val="000000"/>
+                      </a:solidFill>
+                      <a:prstDash val="solid"/>
+                      <a:round/>
+                      <a:headEnd type="none" w="med" len="med"/>
+                      <a:tailEnd type="none" w="med" len="med"/>
+                    </a:lnL>
+                    <a:lnR w="12700" cap="flat" cmpd="sng" algn="ctr">
+                      <a:solidFill>
+                        <a:srgbClr val="000000"/>
+                      </a:solidFill>
+                      <a:prstDash val="solid"/>
+                      <a:round/>
+                      <a:headEnd type="none" w="med" len="med"/>
+                      <a:tailEnd type="none" w="med" len="med"/>
+                    </a:lnR>
+                    <a:lnT w="12700" cap="flat" cmpd="sng" algn="ctr">
+                      <a:solidFill>
+                        <a:srgbClr val="000000"/>
+                      </a:solidFill>
+                      <a:prstDash val="solid"/>
+                      <a:round/>
+                      <a:headEnd type="none" w="med" len="med"/>
+                      <a:tailEnd type="none" w="med" len="med"/>
+                    </a:lnT>
+                    <a:lnB w="12700" cap="flat" cmpd="sng" algn="ctr">
+                      <a:solidFill>
+                        <a:srgbClr val="000000"/>
+                      </a:solidFill>
+                      <a:prstDash val="solid"/>
+                      <a:round/>
+                      <a:headEnd type="none" w="med" len="med"/>
+                      <a:tailEnd type="none" w="med" len="med"/>
+                    </a:lnB>
+                    <a:solidFill>
+                      <a:srgbClr val="FFFFFF"/>
+                    </a:solidFill>
+                  </a:tcPr>
+                </a:tc>
+              </a:tr>
+              <a:tr h="305314">
+                <a:tc>
+                  <a:txBody>
+                    <a:bodyPr/>
+                    <a:lstStyle/>
+                    <a:p>
+                      <a:pPr algn="l">
+                        <a:spcAft>
+                          <a:spcPts val="0"/>
+                        </a:spcAft>
+                      </a:pPr>
+                      <a:r>
+                        <a:rPr lang="en-US" sz="1600" i="1" kern="0">
+                          <a:latin typeface="宋体"/>
+                          <a:ea typeface="宋体"/>
+                          <a:cs typeface="宋体"/>
+                        </a:rPr>
+                        <a:t>n/a</a:t>
+                      </a:r>
+                      <a:endParaRPr lang="zh-CN" sz="1600" kern="100">
+                        <a:latin typeface="Calibri"/>
+                        <a:ea typeface="宋体"/>
+                        <a:cs typeface="Times New Roman"/>
+                      </a:endParaRPr>
+                    </a:p>
+                  </a:txBody>
+                  <a:tcPr marL="9525" marR="9525" marT="9525" marB="9525" anchor="ctr">
+                    <a:lnL w="12700" cap="flat" cmpd="sng" algn="ctr">
+                      <a:solidFill>
+                        <a:srgbClr val="000000"/>
+                      </a:solidFill>
+                      <a:prstDash val="solid"/>
+                      <a:round/>
+                      <a:headEnd type="none" w="med" len="med"/>
+                      <a:tailEnd type="none" w="med" len="med"/>
+                    </a:lnL>
+                    <a:lnR w="12700" cap="flat" cmpd="sng" algn="ctr">
+                      <a:solidFill>
+                        <a:srgbClr val="000000"/>
+                      </a:solidFill>
+                      <a:prstDash val="solid"/>
+                      <a:round/>
+                      <a:headEnd type="none" w="med" len="med"/>
+                      <a:tailEnd type="none" w="med" len="med"/>
+                    </a:lnR>
+                    <a:lnT w="12700" cap="flat" cmpd="sng" algn="ctr">
+                      <a:solidFill>
+                        <a:srgbClr val="000000"/>
+                      </a:solidFill>
+                      <a:prstDash val="solid"/>
+                      <a:round/>
+                      <a:headEnd type="none" w="med" len="med"/>
+                      <a:tailEnd type="none" w="med" len="med"/>
+                    </a:lnT>
+                    <a:lnB w="12700" cap="flat" cmpd="sng" algn="ctr">
+                      <a:solidFill>
+                        <a:srgbClr val="000000"/>
+                      </a:solidFill>
+                      <a:prstDash val="solid"/>
+                      <a:round/>
+                      <a:headEnd type="none" w="med" len="med"/>
+                      <a:tailEnd type="none" w="med" len="med"/>
+                    </a:lnB>
+                    <a:solidFill>
+                      <a:srgbClr val="FFFFFF"/>
+                    </a:solidFill>
+                  </a:tcPr>
+                </a:tc>
+                <a:tc>
+                  <a:txBody>
+                    <a:bodyPr/>
+                    <a:lstStyle/>
+                    <a:p>
+                      <a:pPr algn="ctr">
+                        <a:spcAft>
+                          <a:spcPts val="0"/>
+                        </a:spcAft>
+                      </a:pPr>
+                      <a:r>
+                        <a:rPr lang="en-US" sz="1600" kern="0">
+                          <a:latin typeface="宋体"/>
+                          <a:ea typeface="宋体"/>
+                          <a:cs typeface="宋体"/>
+                        </a:rPr>
+                        <a:t>DoesNotThrow</a:t>
+                      </a:r>
+                      <a:endParaRPr lang="zh-CN" sz="1600" kern="100">
+                        <a:latin typeface="Calibri"/>
+                        <a:ea typeface="宋体"/>
+                        <a:cs typeface="Times New Roman"/>
+                      </a:endParaRPr>
+                    </a:p>
+                  </a:txBody>
+                  <a:tcPr marL="9525" marR="9525" marT="9525" marB="9525" anchor="ctr">
+                    <a:lnL w="12700" cap="flat" cmpd="sng" algn="ctr">
+                      <a:solidFill>
+                        <a:srgbClr val="000000"/>
+                      </a:solidFill>
+                      <a:prstDash val="solid"/>
+                      <a:round/>
+                      <a:headEnd type="none" w="med" len="med"/>
+                      <a:tailEnd type="none" w="med" len="med"/>
+                    </a:lnL>
+                    <a:lnR w="12700" cap="flat" cmpd="sng" algn="ctr">
+                      <a:solidFill>
+                        <a:srgbClr val="000000"/>
+                      </a:solidFill>
+                      <a:prstDash val="solid"/>
+                      <a:round/>
+                      <a:headEnd type="none" w="med" len="med"/>
+                      <a:tailEnd type="none" w="med" len="med"/>
+                    </a:lnR>
+                    <a:lnT w="12700" cap="flat" cmpd="sng" algn="ctr">
+                      <a:solidFill>
+                        <a:srgbClr val="000000"/>
+                      </a:solidFill>
+                      <a:prstDash val="solid"/>
+                      <a:round/>
+                      <a:headEnd type="none" w="med" len="med"/>
+                      <a:tailEnd type="none" w="med" len="med"/>
+                    </a:lnT>
+                    <a:lnB w="12700" cap="flat" cmpd="sng" algn="ctr">
+                      <a:solidFill>
+                        <a:srgbClr val="000000"/>
+                      </a:solidFill>
+                      <a:prstDash val="solid"/>
+                      <a:round/>
+                      <a:headEnd type="none" w="med" len="med"/>
+                      <a:tailEnd type="none" w="med" len="med"/>
+                    </a:lnB>
+                    <a:solidFill>
+                      <a:srgbClr val="FFFFFF"/>
+                    </a:solidFill>
+                  </a:tcPr>
+                </a:tc>
+              </a:tr>
+              <a:tr h="305314">
+                <a:tc>
+                  <a:txBody>
+                    <a:bodyPr/>
+                    <a:lstStyle/>
+                    <a:p>
+                      <a:pPr algn="l">
+                        <a:spcAft>
+                          <a:spcPts val="0"/>
+                        </a:spcAft>
+                      </a:pPr>
+                      <a:r>
+                        <a:rPr lang="en-US" sz="1600" kern="0">
+                          <a:latin typeface="宋体"/>
+                          <a:ea typeface="宋体"/>
+                          <a:cs typeface="宋体"/>
+                        </a:rPr>
+                        <a:t>Fail</a:t>
+                      </a:r>
+                      <a:endParaRPr lang="zh-CN" sz="1600" kern="100">
+                        <a:latin typeface="Calibri"/>
+                        <a:ea typeface="宋体"/>
+                        <a:cs typeface="Times New Roman"/>
+                      </a:endParaRPr>
+                    </a:p>
+                  </a:txBody>
+                  <a:tcPr marL="9525" marR="9525" marT="9525" marB="9525" anchor="ctr">
+                    <a:lnL w="12700" cap="flat" cmpd="sng" algn="ctr">
+                      <a:solidFill>
+                        <a:srgbClr val="000000"/>
+                      </a:solidFill>
+                      <a:prstDash val="solid"/>
+                      <a:round/>
+                      <a:headEnd type="none" w="med" len="med"/>
+                      <a:tailEnd type="none" w="med" len="med"/>
+                    </a:lnL>
+                    <a:lnR w="12700" cap="flat" cmpd="sng" algn="ctr">
+                      <a:solidFill>
+                        <a:srgbClr val="000000"/>
+                      </a:solidFill>
+                      <a:prstDash val="solid"/>
+                      <a:round/>
+                      <a:headEnd type="none" w="med" len="med"/>
+                      <a:tailEnd type="none" w="med" len="med"/>
+                    </a:lnR>
+                    <a:lnT w="12700" cap="flat" cmpd="sng" algn="ctr">
+                      <a:solidFill>
+                        <a:srgbClr val="000000"/>
+                      </a:solidFill>
+                      <a:prstDash val="solid"/>
+                      <a:round/>
+                      <a:headEnd type="none" w="med" len="med"/>
+                      <a:tailEnd type="none" w="med" len="med"/>
+                    </a:lnT>
+                    <a:lnB w="12700" cap="flat" cmpd="sng" algn="ctr">
+                      <a:solidFill>
+                        <a:srgbClr val="000000"/>
+                      </a:solidFill>
+                      <a:prstDash val="solid"/>
+                      <a:round/>
+                      <a:headEnd type="none" w="med" len="med"/>
+                      <a:tailEnd type="none" w="med" len="med"/>
+                    </a:lnB>
+                    <a:solidFill>
+                      <a:srgbClr val="FFFFFF"/>
+                    </a:solidFill>
+                  </a:tcPr>
+                </a:tc>
+                <a:tc>
+                  <a:txBody>
+                    <a:bodyPr/>
+                    <a:lstStyle/>
+                    <a:p>
+                      <a:pPr algn="ctr">
+                        <a:spcAft>
+                          <a:spcPts val="0"/>
+                        </a:spcAft>
+                      </a:pPr>
+                      <a:r>
+                        <a:rPr lang="en-US" sz="1600" i="1" kern="0">
+                          <a:latin typeface="宋体"/>
+                          <a:ea typeface="宋体"/>
+                          <a:cs typeface="宋体"/>
+                        </a:rPr>
+                        <a:t>n/a</a:t>
+                      </a:r>
+                      <a:endParaRPr lang="zh-CN" sz="1600" kern="100">
+                        <a:latin typeface="Calibri"/>
+                        <a:ea typeface="宋体"/>
+                        <a:cs typeface="Times New Roman"/>
+                      </a:endParaRPr>
+                    </a:p>
+                  </a:txBody>
+                  <a:tcPr marL="9525" marR="9525" marT="9525" marB="9525" anchor="ctr">
+                    <a:lnL w="12700" cap="flat" cmpd="sng" algn="ctr">
+                      <a:solidFill>
+                        <a:srgbClr val="000000"/>
+                      </a:solidFill>
+                      <a:prstDash val="solid"/>
+                      <a:round/>
+                      <a:headEnd type="none" w="med" len="med"/>
+                      <a:tailEnd type="none" w="med" len="med"/>
+                    </a:lnL>
+                    <a:lnR w="12700" cap="flat" cmpd="sng" algn="ctr">
+                      <a:solidFill>
+                        <a:srgbClr val="000000"/>
+                      </a:solidFill>
+                      <a:prstDash val="solid"/>
+                      <a:round/>
+                      <a:headEnd type="none" w="med" len="med"/>
+                      <a:tailEnd type="none" w="med" len="med"/>
+                    </a:lnR>
+                    <a:lnT w="12700" cap="flat" cmpd="sng" algn="ctr">
+                      <a:solidFill>
+                        <a:srgbClr val="000000"/>
+                      </a:solidFill>
+                      <a:prstDash val="solid"/>
+                      <a:round/>
+                      <a:headEnd type="none" w="med" len="med"/>
+                      <a:tailEnd type="none" w="med" len="med"/>
+                    </a:lnT>
+                    <a:lnB w="12700" cap="flat" cmpd="sng" algn="ctr">
+                      <a:solidFill>
+                        <a:srgbClr val="000000"/>
+                      </a:solidFill>
+                      <a:prstDash val="solid"/>
+                      <a:round/>
+                      <a:headEnd type="none" w="med" len="med"/>
+                      <a:tailEnd type="none" w="med" len="med"/>
+                    </a:lnB>
+                    <a:solidFill>
+                      <a:srgbClr val="FFFFFF"/>
+                    </a:solidFill>
+                  </a:tcPr>
+                </a:tc>
+              </a:tr>
+              <a:tr h="305314">
+                <a:tc>
+                  <a:txBody>
+                    <a:bodyPr/>
+                    <a:lstStyle/>
+                    <a:p>
+                      <a:pPr algn="l">
+                        <a:spcAft>
+                          <a:spcPts val="0"/>
+                        </a:spcAft>
+                      </a:pPr>
+                      <a:r>
+                        <a:rPr lang="en-US" sz="1600" kern="0">
+                          <a:latin typeface="宋体"/>
+                          <a:ea typeface="宋体"/>
+                          <a:cs typeface="宋体"/>
+                        </a:rPr>
+                        <a:t>Inconclusive</a:t>
+                      </a:r>
+                      <a:endParaRPr lang="zh-CN" sz="1600" kern="100">
+                        <a:latin typeface="Calibri"/>
+                        <a:ea typeface="宋体"/>
+                        <a:cs typeface="Times New Roman"/>
+                      </a:endParaRPr>
+                    </a:p>
+                  </a:txBody>
+                  <a:tcPr marL="9525" marR="9525" marT="9525" marB="9525" anchor="ctr">
+                    <a:lnL w="12700" cap="flat" cmpd="sng" algn="ctr">
+                      <a:solidFill>
+                        <a:srgbClr val="000000"/>
+                      </a:solidFill>
+                      <a:prstDash val="solid"/>
+                      <a:round/>
+                      <a:headEnd type="none" w="med" len="med"/>
+                      <a:tailEnd type="none" w="med" len="med"/>
+                    </a:lnL>
+                    <a:lnR w="12700" cap="flat" cmpd="sng" algn="ctr">
+                      <a:solidFill>
+                        <a:srgbClr val="000000"/>
+                      </a:solidFill>
+                      <a:prstDash val="solid"/>
+                      <a:round/>
+                      <a:headEnd type="none" w="med" len="med"/>
+                      <a:tailEnd type="none" w="med" len="med"/>
+                    </a:lnR>
+                    <a:lnT w="12700" cap="flat" cmpd="sng" algn="ctr">
+                      <a:solidFill>
+                        <a:srgbClr val="000000"/>
+                      </a:solidFill>
+                      <a:prstDash val="solid"/>
+                      <a:round/>
+                      <a:headEnd type="none" w="med" len="med"/>
+                      <a:tailEnd type="none" w="med" len="med"/>
+                    </a:lnT>
+                    <a:lnB w="12700" cap="flat" cmpd="sng" algn="ctr">
+                      <a:solidFill>
+                        <a:srgbClr val="000000"/>
+                      </a:solidFill>
+                      <a:prstDash val="solid"/>
+                      <a:round/>
+                      <a:headEnd type="none" w="med" len="med"/>
+                      <a:tailEnd type="none" w="med" len="med"/>
+                    </a:lnB>
+                    <a:solidFill>
+                      <a:srgbClr val="FFFFFF"/>
+                    </a:solidFill>
+                  </a:tcPr>
+                </a:tc>
+                <a:tc>
+                  <a:txBody>
+                    <a:bodyPr/>
+                    <a:lstStyle/>
+                    <a:p>
+                      <a:pPr algn="ctr">
+                        <a:spcAft>
+                          <a:spcPts val="0"/>
+                        </a:spcAft>
+                      </a:pPr>
+                      <a:r>
+                        <a:rPr lang="en-US" sz="1600" i="1" kern="0">
+                          <a:latin typeface="宋体"/>
+                          <a:ea typeface="宋体"/>
+                          <a:cs typeface="宋体"/>
+                        </a:rPr>
+                        <a:t>n/a</a:t>
+                      </a:r>
+                      <a:endParaRPr lang="zh-CN" sz="1600" kern="100">
+                        <a:latin typeface="Calibri"/>
+                        <a:ea typeface="宋体"/>
+                        <a:cs typeface="Times New Roman"/>
+                      </a:endParaRPr>
+                    </a:p>
+                  </a:txBody>
+                  <a:tcPr marL="9525" marR="9525" marT="9525" marB="9525" anchor="ctr">
+                    <a:lnL w="12700" cap="flat" cmpd="sng" algn="ctr">
+                      <a:solidFill>
+                        <a:srgbClr val="000000"/>
+                      </a:solidFill>
+                      <a:prstDash val="solid"/>
+                      <a:round/>
+                      <a:headEnd type="none" w="med" len="med"/>
+                      <a:tailEnd type="none" w="med" len="med"/>
+                    </a:lnL>
+                    <a:lnR w="12700" cap="flat" cmpd="sng" algn="ctr">
+                      <a:solidFill>
+                        <a:srgbClr val="000000"/>
+                      </a:solidFill>
+                      <a:prstDash val="solid"/>
+                      <a:round/>
+                      <a:headEnd type="none" w="med" len="med"/>
+                      <a:tailEnd type="none" w="med" len="med"/>
+                    </a:lnR>
+                    <a:lnT w="12700" cap="flat" cmpd="sng" algn="ctr">
+                      <a:solidFill>
+                        <a:srgbClr val="000000"/>
+                      </a:solidFill>
+                      <a:prstDash val="solid"/>
+                      <a:round/>
+                      <a:headEnd type="none" w="med" len="med"/>
+                      <a:tailEnd type="none" w="med" len="med"/>
+                    </a:lnT>
+                    <a:lnB w="12700" cap="flat" cmpd="sng" algn="ctr">
+                      <a:solidFill>
+                        <a:srgbClr val="000000"/>
+                      </a:solidFill>
+                      <a:prstDash val="solid"/>
+                      <a:round/>
+                      <a:headEnd type="none" w="med" len="med"/>
+                      <a:tailEnd type="none" w="med" len="med"/>
+                    </a:lnB>
+                    <a:solidFill>
+                      <a:srgbClr val="FFFFFF"/>
+                    </a:solidFill>
+                  </a:tcPr>
+                </a:tc>
+              </a:tr>
+              <a:tr h="305314">
+                <a:tc>
+                  <a:txBody>
+                    <a:bodyPr/>
+                    <a:lstStyle/>
+                    <a:p>
+                      <a:pPr algn="l">
+                        <a:spcAft>
+                          <a:spcPts val="0"/>
+                        </a:spcAft>
+                      </a:pPr>
+                      <a:r>
+                        <a:rPr lang="en-US" sz="1600" i="1" kern="0">
+                          <a:latin typeface="宋体"/>
+                          <a:ea typeface="宋体"/>
+                          <a:cs typeface="宋体"/>
+                        </a:rPr>
+                        <a:t>n/a</a:t>
+                      </a:r>
+                      <a:endParaRPr lang="zh-CN" sz="1600" kern="100">
+                        <a:latin typeface="Calibri"/>
+                        <a:ea typeface="宋体"/>
+                        <a:cs typeface="Times New Roman"/>
+                      </a:endParaRPr>
+                    </a:p>
+                  </a:txBody>
+                  <a:tcPr marL="9525" marR="9525" marT="9525" marB="9525" anchor="ctr">
+                    <a:lnL w="12700" cap="flat" cmpd="sng" algn="ctr">
+                      <a:solidFill>
+                        <a:srgbClr val="000000"/>
+                      </a:solidFill>
+                      <a:prstDash val="solid"/>
+                      <a:round/>
+                      <a:headEnd type="none" w="med" len="med"/>
+                      <a:tailEnd type="none" w="med" len="med"/>
+                    </a:lnL>
+                    <a:lnR w="12700" cap="flat" cmpd="sng" algn="ctr">
+                      <a:solidFill>
+                        <a:srgbClr val="000000"/>
+                      </a:solidFill>
+                      <a:prstDash val="solid"/>
+                      <a:round/>
+                      <a:headEnd type="none" w="med" len="med"/>
+                      <a:tailEnd type="none" w="med" len="med"/>
+                    </a:lnR>
+                    <a:lnT w="12700" cap="flat" cmpd="sng" algn="ctr">
+                      <a:solidFill>
+                        <a:srgbClr val="000000"/>
+                      </a:solidFill>
+                      <a:prstDash val="solid"/>
+                      <a:round/>
+                      <a:headEnd type="none" w="med" len="med"/>
+                      <a:tailEnd type="none" w="med" len="med"/>
+                    </a:lnT>
+                    <a:lnB w="12700" cap="flat" cmpd="sng" algn="ctr">
+                      <a:solidFill>
+                        <a:srgbClr val="000000"/>
+                      </a:solidFill>
+                      <a:prstDash val="solid"/>
+                      <a:round/>
+                      <a:headEnd type="none" w="med" len="med"/>
+                      <a:tailEnd type="none" w="med" len="med"/>
+                    </a:lnB>
+                    <a:solidFill>
+                      <a:srgbClr val="FFFFFF"/>
+                    </a:solidFill>
+                  </a:tcPr>
+                </a:tc>
+                <a:tc>
+                  <a:txBody>
+                    <a:bodyPr/>
+                    <a:lstStyle/>
+                    <a:p>
+                      <a:pPr algn="ctr">
+                        <a:spcAft>
+                          <a:spcPts val="0"/>
+                        </a:spcAft>
+                      </a:pPr>
+                      <a:r>
+                        <a:rPr lang="en-US" sz="1600" kern="0">
+                          <a:latin typeface="宋体"/>
+                          <a:ea typeface="宋体"/>
+                          <a:cs typeface="宋体"/>
+                        </a:rPr>
+                        <a:t>InRange</a:t>
+                      </a:r>
+                      <a:endParaRPr lang="zh-CN" sz="1600" kern="100">
+                        <a:latin typeface="Calibri"/>
+                        <a:ea typeface="宋体"/>
+                        <a:cs typeface="Times New Roman"/>
+                      </a:endParaRPr>
+                    </a:p>
+                  </a:txBody>
+                  <a:tcPr marL="9525" marR="9525" marT="9525" marB="9525" anchor="ctr">
+                    <a:lnL w="12700" cap="flat" cmpd="sng" algn="ctr">
+                      <a:solidFill>
+                        <a:srgbClr val="000000"/>
+                      </a:solidFill>
+                      <a:prstDash val="solid"/>
+                      <a:round/>
+                      <a:headEnd type="none" w="med" len="med"/>
+                      <a:tailEnd type="none" w="med" len="med"/>
+                    </a:lnL>
+                    <a:lnR w="12700" cap="flat" cmpd="sng" algn="ctr">
+                      <a:solidFill>
+                        <a:srgbClr val="000000"/>
+                      </a:solidFill>
+                      <a:prstDash val="solid"/>
+                      <a:round/>
+                      <a:headEnd type="none" w="med" len="med"/>
+                      <a:tailEnd type="none" w="med" len="med"/>
+                    </a:lnR>
+                    <a:lnT w="12700" cap="flat" cmpd="sng" algn="ctr">
+                      <a:solidFill>
+                        <a:srgbClr val="000000"/>
+                      </a:solidFill>
+                      <a:prstDash val="solid"/>
+                      <a:round/>
+                      <a:headEnd type="none" w="med" len="med"/>
+                      <a:tailEnd type="none" w="med" len="med"/>
+                    </a:lnT>
+                    <a:lnB w="12700" cap="flat" cmpd="sng" algn="ctr">
+                      <a:solidFill>
+                        <a:srgbClr val="000000"/>
+                      </a:solidFill>
+                      <a:prstDash val="solid"/>
+                      <a:round/>
+                      <a:headEnd type="none" w="med" len="med"/>
+                      <a:tailEnd type="none" w="med" len="med"/>
+                    </a:lnB>
+                    <a:solidFill>
+                      <a:srgbClr val="FFFFFF"/>
+                    </a:solidFill>
+                  </a:tcPr>
+                </a:tc>
+              </a:tr>
+              <a:tr h="305314">
+                <a:tc>
+                  <a:txBody>
+                    <a:bodyPr/>
+                    <a:lstStyle/>
+                    <a:p>
+                      <a:pPr algn="l">
+                        <a:spcAft>
+                          <a:spcPts val="0"/>
+                        </a:spcAft>
+                      </a:pPr>
+                      <a:r>
+                        <a:rPr lang="en-US" sz="1600" i="1" kern="0">
+                          <a:latin typeface="宋体"/>
+                          <a:ea typeface="宋体"/>
+                          <a:cs typeface="宋体"/>
+                        </a:rPr>
+                        <a:t>n/a</a:t>
+                      </a:r>
+                      <a:endParaRPr lang="zh-CN" sz="1600" kern="100">
+                        <a:latin typeface="Calibri"/>
+                        <a:ea typeface="宋体"/>
+                        <a:cs typeface="Times New Roman"/>
+                      </a:endParaRPr>
+                    </a:p>
+                  </a:txBody>
+                  <a:tcPr marL="9525" marR="9525" marT="9525" marB="9525" anchor="ctr">
+                    <a:lnL w="12700" cap="flat" cmpd="sng" algn="ctr">
+                      <a:solidFill>
+                        <a:srgbClr val="000000"/>
+                      </a:solidFill>
+                      <a:prstDash val="solid"/>
+                      <a:round/>
+                      <a:headEnd type="none" w="med" len="med"/>
+                      <a:tailEnd type="none" w="med" len="med"/>
+                    </a:lnL>
+                    <a:lnR w="12700" cap="flat" cmpd="sng" algn="ctr">
+                      <a:solidFill>
+                        <a:srgbClr val="000000"/>
+                      </a:solidFill>
+                      <a:prstDash val="solid"/>
+                      <a:round/>
+                      <a:headEnd type="none" w="med" len="med"/>
+                      <a:tailEnd type="none" w="med" len="med"/>
+                    </a:lnR>
+                    <a:lnT w="12700" cap="flat" cmpd="sng" algn="ctr">
+                      <a:solidFill>
+                        <a:srgbClr val="000000"/>
+                      </a:solidFill>
+                      <a:prstDash val="solid"/>
+                      <a:round/>
+                      <a:headEnd type="none" w="med" len="med"/>
+                      <a:tailEnd type="none" w="med" len="med"/>
+                    </a:lnT>
+                    <a:lnB w="12700" cap="flat" cmpd="sng" algn="ctr">
+                      <a:solidFill>
+                        <a:srgbClr val="000000"/>
+                      </a:solidFill>
+                      <a:prstDash val="solid"/>
+                      <a:round/>
+                      <a:headEnd type="none" w="med" len="med"/>
+                      <a:tailEnd type="none" w="med" len="med"/>
+                    </a:lnB>
+                    <a:solidFill>
+                      <a:srgbClr val="FFFFFF"/>
+                    </a:solidFill>
+                  </a:tcPr>
+                </a:tc>
+                <a:tc>
+                  <a:txBody>
+                    <a:bodyPr/>
+                    <a:lstStyle/>
+                    <a:p>
+                      <a:pPr algn="ctr">
+                        <a:spcAft>
+                          <a:spcPts val="0"/>
+                        </a:spcAft>
+                      </a:pPr>
+                      <a:r>
+                        <a:rPr lang="en-US" sz="1600" kern="0">
+                          <a:latin typeface="宋体"/>
+                          <a:ea typeface="宋体"/>
+                          <a:cs typeface="宋体"/>
+                        </a:rPr>
+                        <a:t>IsAssignableFrom</a:t>
+                      </a:r>
+                      <a:endParaRPr lang="zh-CN" sz="1600" kern="100">
+                        <a:latin typeface="Calibri"/>
+                        <a:ea typeface="宋体"/>
+                        <a:cs typeface="Times New Roman"/>
+                      </a:endParaRPr>
+                    </a:p>
+                  </a:txBody>
+                  <a:tcPr marL="9525" marR="9525" marT="9525" marB="9525" anchor="ctr">
+                    <a:lnL w="12700" cap="flat" cmpd="sng" algn="ctr">
+                      <a:solidFill>
+                        <a:srgbClr val="000000"/>
+                      </a:solidFill>
+                      <a:prstDash val="solid"/>
+                      <a:round/>
+                      <a:headEnd type="none" w="med" len="med"/>
+                      <a:tailEnd type="none" w="med" len="med"/>
+                    </a:lnL>
+                    <a:lnR w="12700" cap="flat" cmpd="sng" algn="ctr">
+                      <a:solidFill>
+                        <a:srgbClr val="000000"/>
+                      </a:solidFill>
+                      <a:prstDash val="solid"/>
+                      <a:round/>
+                      <a:headEnd type="none" w="med" len="med"/>
+                      <a:tailEnd type="none" w="med" len="med"/>
+                    </a:lnR>
+                    <a:lnT w="12700" cap="flat" cmpd="sng" algn="ctr">
+                      <a:solidFill>
+                        <a:srgbClr val="000000"/>
+                      </a:solidFill>
+                      <a:prstDash val="solid"/>
+                      <a:round/>
+                      <a:headEnd type="none" w="med" len="med"/>
+                      <a:tailEnd type="none" w="med" len="med"/>
+                    </a:lnT>
+                    <a:lnB w="12700" cap="flat" cmpd="sng" algn="ctr">
+                      <a:solidFill>
+                        <a:srgbClr val="000000"/>
+                      </a:solidFill>
+                      <a:prstDash val="solid"/>
+                      <a:round/>
+                      <a:headEnd type="none" w="med" len="med"/>
+                      <a:tailEnd type="none" w="med" len="med"/>
+                    </a:lnB>
+                    <a:solidFill>
+                      <a:srgbClr val="FFFFFF"/>
+                    </a:solidFill>
+                  </a:tcPr>
+                </a:tc>
+              </a:tr>
+              <a:tr h="305314">
+                <a:tc>
+                  <a:txBody>
+                    <a:bodyPr/>
+                    <a:lstStyle/>
+                    <a:p>
+                      <a:pPr algn="l">
+                        <a:spcAft>
+                          <a:spcPts val="0"/>
+                        </a:spcAft>
+                      </a:pPr>
+                      <a:r>
+                        <a:rPr lang="en-US" sz="1600" i="1" kern="0">
+                          <a:latin typeface="宋体"/>
+                          <a:ea typeface="宋体"/>
+                          <a:cs typeface="宋体"/>
+                        </a:rPr>
+                        <a:t>n/a</a:t>
+                      </a:r>
+                      <a:endParaRPr lang="zh-CN" sz="1600" kern="100">
+                        <a:latin typeface="Calibri"/>
+                        <a:ea typeface="宋体"/>
+                        <a:cs typeface="Times New Roman"/>
+                      </a:endParaRPr>
+                    </a:p>
+                  </a:txBody>
+                  <a:tcPr marL="9525" marR="9525" marT="9525" marB="9525" anchor="ctr">
+                    <a:lnL w="12700" cap="flat" cmpd="sng" algn="ctr">
+                      <a:solidFill>
+                        <a:srgbClr val="000000"/>
+                      </a:solidFill>
+                      <a:prstDash val="solid"/>
+                      <a:round/>
+                      <a:headEnd type="none" w="med" len="med"/>
+                      <a:tailEnd type="none" w="med" len="med"/>
+                    </a:lnL>
+                    <a:lnR w="12700" cap="flat" cmpd="sng" algn="ctr">
+                      <a:solidFill>
+                        <a:srgbClr val="000000"/>
+                      </a:solidFill>
+                      <a:prstDash val="solid"/>
+                      <a:round/>
+                      <a:headEnd type="none" w="med" len="med"/>
+                      <a:tailEnd type="none" w="med" len="med"/>
+                    </a:lnR>
+                    <a:lnT w="12700" cap="flat" cmpd="sng" algn="ctr">
+                      <a:solidFill>
+                        <a:srgbClr val="000000"/>
+                      </a:solidFill>
+                      <a:prstDash val="solid"/>
+                      <a:round/>
+                      <a:headEnd type="none" w="med" len="med"/>
+                      <a:tailEnd type="none" w="med" len="med"/>
+                    </a:lnT>
+                    <a:lnB w="12700" cap="flat" cmpd="sng" algn="ctr">
+                      <a:solidFill>
+                        <a:srgbClr val="000000"/>
+                      </a:solidFill>
+                      <a:prstDash val="solid"/>
+                      <a:round/>
+                      <a:headEnd type="none" w="med" len="med"/>
+                      <a:tailEnd type="none" w="med" len="med"/>
+                    </a:lnB>
+                    <a:solidFill>
+                      <a:srgbClr val="FFFFFF"/>
+                    </a:solidFill>
+                  </a:tcPr>
+                </a:tc>
+                <a:tc>
+                  <a:txBody>
+                    <a:bodyPr/>
+                    <a:lstStyle/>
+                    <a:p>
+                      <a:pPr algn="ctr">
+                        <a:spcAft>
+                          <a:spcPts val="0"/>
+                        </a:spcAft>
+                      </a:pPr>
+                      <a:r>
+                        <a:rPr lang="en-US" sz="1600" kern="0">
+                          <a:latin typeface="宋体"/>
+                          <a:ea typeface="宋体"/>
+                          <a:cs typeface="宋体"/>
+                        </a:rPr>
+                        <a:t>Empty</a:t>
+                      </a:r>
+                      <a:endParaRPr lang="zh-CN" sz="1600" kern="100">
+                        <a:latin typeface="Calibri"/>
+                        <a:ea typeface="宋体"/>
+                        <a:cs typeface="Times New Roman"/>
+                      </a:endParaRPr>
+                    </a:p>
+                  </a:txBody>
+                  <a:tcPr marL="9525" marR="9525" marT="9525" marB="9525" anchor="ctr">
+                    <a:lnL w="12700" cap="flat" cmpd="sng" algn="ctr">
+                      <a:solidFill>
+                        <a:srgbClr val="000000"/>
+                      </a:solidFill>
+                      <a:prstDash val="solid"/>
+                      <a:round/>
+                      <a:headEnd type="none" w="med" len="med"/>
+                      <a:tailEnd type="none" w="med" len="med"/>
+                    </a:lnL>
+                    <a:lnR w="12700" cap="flat" cmpd="sng" algn="ctr">
+                      <a:solidFill>
+                        <a:srgbClr val="000000"/>
+                      </a:solidFill>
+                      <a:prstDash val="solid"/>
+                      <a:round/>
+                      <a:headEnd type="none" w="med" len="med"/>
+                      <a:tailEnd type="none" w="med" len="med"/>
+                    </a:lnR>
+                    <a:lnT w="12700" cap="flat" cmpd="sng" algn="ctr">
+                      <a:solidFill>
+                        <a:srgbClr val="000000"/>
+                      </a:solidFill>
+                      <a:prstDash val="solid"/>
+                      <a:round/>
+                      <a:headEnd type="none" w="med" len="med"/>
+                      <a:tailEnd type="none" w="med" len="med"/>
+                    </a:lnT>
+                    <a:lnB w="12700" cap="flat" cmpd="sng" algn="ctr">
+                      <a:solidFill>
+                        <a:srgbClr val="000000"/>
+                      </a:solidFill>
+                      <a:prstDash val="solid"/>
+                      <a:round/>
+                      <a:headEnd type="none" w="med" len="med"/>
+                      <a:tailEnd type="none" w="med" len="med"/>
+                    </a:lnB>
+                    <a:solidFill>
+                      <a:srgbClr val="FFFFFF"/>
+                    </a:solidFill>
+                  </a:tcPr>
+                </a:tc>
+              </a:tr>
+              <a:tr h="305314">
+                <a:tc>
+                  <a:txBody>
+                    <a:bodyPr/>
+                    <a:lstStyle/>
+                    <a:p>
+                      <a:pPr algn="l">
+                        <a:spcAft>
+                          <a:spcPts val="0"/>
+                        </a:spcAft>
+                      </a:pPr>
+                      <a:r>
+                        <a:rPr lang="en-US" sz="1600" kern="0">
+                          <a:latin typeface="宋体"/>
+                          <a:ea typeface="宋体"/>
+                          <a:cs typeface="宋体"/>
+                        </a:rPr>
+                        <a:t>IsFalse</a:t>
+                      </a:r>
+                      <a:endParaRPr lang="zh-CN" sz="1600" kern="100">
+                        <a:latin typeface="Calibri"/>
+                        <a:ea typeface="宋体"/>
+                        <a:cs typeface="Times New Roman"/>
+                      </a:endParaRPr>
+                    </a:p>
+                  </a:txBody>
+                  <a:tcPr marL="9525" marR="9525" marT="9525" marB="9525" anchor="ctr">
+                    <a:lnL w="12700" cap="flat" cmpd="sng" algn="ctr">
+                      <a:solidFill>
+                        <a:srgbClr val="000000"/>
+                      </a:solidFill>
+                      <a:prstDash val="solid"/>
+                      <a:round/>
+                      <a:headEnd type="none" w="med" len="med"/>
+                      <a:tailEnd type="none" w="med" len="med"/>
+                    </a:lnL>
+                    <a:lnR w="12700" cap="flat" cmpd="sng" algn="ctr">
+                      <a:solidFill>
+                        <a:srgbClr val="000000"/>
+                      </a:solidFill>
+                      <a:prstDash val="solid"/>
+                      <a:round/>
+                      <a:headEnd type="none" w="med" len="med"/>
+                      <a:tailEnd type="none" w="med" len="med"/>
+                    </a:lnR>
+                    <a:lnT w="12700" cap="flat" cmpd="sng" algn="ctr">
+                      <a:solidFill>
+                        <a:srgbClr val="000000"/>
+                      </a:solidFill>
+                      <a:prstDash val="solid"/>
+                      <a:round/>
+                      <a:headEnd type="none" w="med" len="med"/>
+                      <a:tailEnd type="none" w="med" len="med"/>
+                    </a:lnT>
+                    <a:lnB w="12700" cap="flat" cmpd="sng" algn="ctr">
+                      <a:solidFill>
+                        <a:srgbClr val="000000"/>
+                      </a:solidFill>
+                      <a:prstDash val="solid"/>
+                      <a:round/>
+                      <a:headEnd type="none" w="med" len="med"/>
+                      <a:tailEnd type="none" w="med" len="med"/>
+                    </a:lnB>
+                    <a:solidFill>
+                      <a:srgbClr val="FFFFFF"/>
+                    </a:solidFill>
+                  </a:tcPr>
+                </a:tc>
+                <a:tc>
+                  <a:txBody>
+                    <a:bodyPr/>
+                    <a:lstStyle/>
+                    <a:p>
+                      <a:pPr algn="ctr">
+                        <a:spcAft>
+                          <a:spcPts val="0"/>
+                        </a:spcAft>
+                      </a:pPr>
+                      <a:r>
+                        <a:rPr lang="en-US" sz="1600" kern="0">
+                          <a:latin typeface="宋体"/>
+                          <a:ea typeface="宋体"/>
+                          <a:cs typeface="宋体"/>
+                        </a:rPr>
+                        <a:t>False</a:t>
+                      </a:r>
+                      <a:endParaRPr lang="zh-CN" sz="1600" kern="100">
+                        <a:latin typeface="Calibri"/>
+                        <a:ea typeface="宋体"/>
+                        <a:cs typeface="Times New Roman"/>
+                      </a:endParaRPr>
+                    </a:p>
+                  </a:txBody>
+                  <a:tcPr marL="9525" marR="9525" marT="9525" marB="9525" anchor="ctr">
+                    <a:lnL w="12700" cap="flat" cmpd="sng" algn="ctr">
+                      <a:solidFill>
+                        <a:srgbClr val="000000"/>
+                      </a:solidFill>
+                      <a:prstDash val="solid"/>
+                      <a:round/>
+                      <a:headEnd type="none" w="med" len="med"/>
+                      <a:tailEnd type="none" w="med" len="med"/>
+                    </a:lnL>
+                    <a:lnR w="12700" cap="flat" cmpd="sng" algn="ctr">
+                      <a:solidFill>
+                        <a:srgbClr val="000000"/>
+                      </a:solidFill>
+                      <a:prstDash val="solid"/>
+                      <a:round/>
+                      <a:headEnd type="none" w="med" len="med"/>
+                      <a:tailEnd type="none" w="med" len="med"/>
+                    </a:lnR>
+                    <a:lnT w="12700" cap="flat" cmpd="sng" algn="ctr">
+                      <a:solidFill>
+                        <a:srgbClr val="000000"/>
+                      </a:solidFill>
+                      <a:prstDash val="solid"/>
+                      <a:round/>
+                      <a:headEnd type="none" w="med" len="med"/>
+                      <a:tailEnd type="none" w="med" len="med"/>
+                    </a:lnT>
+                    <a:lnB w="12700" cap="flat" cmpd="sng" algn="ctr">
+                      <a:solidFill>
+                        <a:srgbClr val="000000"/>
+                      </a:solidFill>
+                      <a:prstDash val="solid"/>
+                      <a:round/>
+                      <a:headEnd type="none" w="med" len="med"/>
+                      <a:tailEnd type="none" w="med" len="med"/>
+                    </a:lnB>
+                    <a:solidFill>
+                      <a:srgbClr val="FFFFFF"/>
+                    </a:solidFill>
+                  </a:tcPr>
+                </a:tc>
+              </a:tr>
+              <a:tr h="305314">
+                <a:tc>
+                  <a:txBody>
+                    <a:bodyPr/>
+                    <a:lstStyle/>
+                    <a:p>
+                      <a:pPr algn="l">
+                        <a:spcAft>
+                          <a:spcPts val="0"/>
+                        </a:spcAft>
+                      </a:pPr>
+                      <a:r>
+                        <a:rPr lang="en-US" sz="1600" kern="0">
+                          <a:latin typeface="宋体"/>
+                          <a:ea typeface="宋体"/>
+                          <a:cs typeface="宋体"/>
+                        </a:rPr>
+                        <a:t>IsInstanceOfType</a:t>
+                      </a:r>
+                      <a:endParaRPr lang="zh-CN" sz="1600" kern="100">
+                        <a:latin typeface="Calibri"/>
+                        <a:ea typeface="宋体"/>
+                        <a:cs typeface="Times New Roman"/>
+                      </a:endParaRPr>
+                    </a:p>
+                  </a:txBody>
+                  <a:tcPr marL="9525" marR="9525" marT="9525" marB="9525" anchor="ctr">
+                    <a:lnL w="12700" cap="flat" cmpd="sng" algn="ctr">
+                      <a:solidFill>
+                        <a:srgbClr val="000000"/>
+                      </a:solidFill>
+                      <a:prstDash val="solid"/>
+                      <a:round/>
+                      <a:headEnd type="none" w="med" len="med"/>
+                      <a:tailEnd type="none" w="med" len="med"/>
+                    </a:lnL>
+                    <a:lnR w="12700" cap="flat" cmpd="sng" algn="ctr">
+                      <a:solidFill>
+                        <a:srgbClr val="000000"/>
+                      </a:solidFill>
+                      <a:prstDash val="solid"/>
+                      <a:round/>
+                      <a:headEnd type="none" w="med" len="med"/>
+                      <a:tailEnd type="none" w="med" len="med"/>
+                    </a:lnR>
+                    <a:lnT w="12700" cap="flat" cmpd="sng" algn="ctr">
+                      <a:solidFill>
+                        <a:srgbClr val="000000"/>
+                      </a:solidFill>
+                      <a:prstDash val="solid"/>
+                      <a:round/>
+                      <a:headEnd type="none" w="med" len="med"/>
+                      <a:tailEnd type="none" w="med" len="med"/>
+                    </a:lnT>
+                    <a:lnB w="12700" cap="flat" cmpd="sng" algn="ctr">
+                      <a:solidFill>
+                        <a:srgbClr val="000000"/>
+                      </a:solidFill>
+                      <a:prstDash val="solid"/>
+                      <a:round/>
+                      <a:headEnd type="none" w="med" len="med"/>
+                      <a:tailEnd type="none" w="med" len="med"/>
+                    </a:lnB>
+                    <a:solidFill>
+                      <a:srgbClr val="FFFFFF"/>
+                    </a:solidFill>
+                  </a:tcPr>
+                </a:tc>
+                <a:tc>
+                  <a:txBody>
+                    <a:bodyPr/>
+                    <a:lstStyle/>
+                    <a:p>
+                      <a:pPr algn="ctr">
+                        <a:spcAft>
+                          <a:spcPts val="0"/>
+                        </a:spcAft>
+                      </a:pPr>
+                      <a:r>
+                        <a:rPr lang="en-US" sz="1600" kern="0">
+                          <a:latin typeface="宋体"/>
+                          <a:ea typeface="宋体"/>
+                          <a:cs typeface="宋体"/>
+                        </a:rPr>
+                        <a:t>IsType</a:t>
+                      </a:r>
+                      <a:endParaRPr lang="zh-CN" sz="1600" kern="100">
+                        <a:latin typeface="Calibri"/>
+                        <a:ea typeface="宋体"/>
+                        <a:cs typeface="Times New Roman"/>
+                      </a:endParaRPr>
+                    </a:p>
+                  </a:txBody>
+                  <a:tcPr marL="9525" marR="9525" marT="9525" marB="9525" anchor="ctr">
+                    <a:lnL w="12700" cap="flat" cmpd="sng" algn="ctr">
+                      <a:solidFill>
+                        <a:srgbClr val="000000"/>
+                      </a:solidFill>
+                      <a:prstDash val="solid"/>
+                      <a:round/>
+                      <a:headEnd type="none" w="med" len="med"/>
+                      <a:tailEnd type="none" w="med" len="med"/>
+                    </a:lnL>
+                    <a:lnR w="12700" cap="flat" cmpd="sng" algn="ctr">
+                      <a:solidFill>
+                        <a:srgbClr val="000000"/>
+                      </a:solidFill>
+                      <a:prstDash val="solid"/>
+                      <a:round/>
+                      <a:headEnd type="none" w="med" len="med"/>
+                      <a:tailEnd type="none" w="med" len="med"/>
+                    </a:lnR>
+                    <a:lnT w="12700" cap="flat" cmpd="sng" algn="ctr">
+                      <a:solidFill>
+                        <a:srgbClr val="000000"/>
+                      </a:solidFill>
+                      <a:prstDash val="solid"/>
+                      <a:round/>
+                      <a:headEnd type="none" w="med" len="med"/>
+                      <a:tailEnd type="none" w="med" len="med"/>
+                    </a:lnT>
+                    <a:lnB w="12700" cap="flat" cmpd="sng" algn="ctr">
+                      <a:solidFill>
+                        <a:srgbClr val="000000"/>
+                      </a:solidFill>
+                      <a:prstDash val="solid"/>
+                      <a:round/>
+                      <a:headEnd type="none" w="med" len="med"/>
+                      <a:tailEnd type="none" w="med" len="med"/>
+                    </a:lnB>
+                    <a:solidFill>
+                      <a:srgbClr val="FFFFFF"/>
+                    </a:solidFill>
+                  </a:tcPr>
+                </a:tc>
+              </a:tr>
+              <a:tr h="305314">
+                <a:tc>
+                  <a:txBody>
+                    <a:bodyPr/>
+                    <a:lstStyle/>
+                    <a:p>
+                      <a:pPr algn="l">
+                        <a:spcAft>
+                          <a:spcPts val="0"/>
+                        </a:spcAft>
+                      </a:pPr>
+                      <a:r>
+                        <a:rPr lang="en-US" sz="1600" i="1" kern="0">
+                          <a:latin typeface="宋体"/>
+                          <a:ea typeface="宋体"/>
+                          <a:cs typeface="宋体"/>
+                        </a:rPr>
+                        <a:t>n/a</a:t>
+                      </a:r>
+                      <a:endParaRPr lang="zh-CN" sz="1600" kern="100">
+                        <a:latin typeface="Calibri"/>
+                        <a:ea typeface="宋体"/>
+                        <a:cs typeface="Times New Roman"/>
+                      </a:endParaRPr>
+                    </a:p>
+                  </a:txBody>
+                  <a:tcPr marL="9525" marR="9525" marT="9525" marB="9525" anchor="ctr">
+                    <a:lnL w="12700" cap="flat" cmpd="sng" algn="ctr">
+                      <a:solidFill>
+                        <a:srgbClr val="000000"/>
+                      </a:solidFill>
+                      <a:prstDash val="solid"/>
+                      <a:round/>
+                      <a:headEnd type="none" w="med" len="med"/>
+                      <a:tailEnd type="none" w="med" len="med"/>
+                    </a:lnL>
+                    <a:lnR w="12700" cap="flat" cmpd="sng" algn="ctr">
+                      <a:solidFill>
+                        <a:srgbClr val="000000"/>
+                      </a:solidFill>
+                      <a:prstDash val="solid"/>
+                      <a:round/>
+                      <a:headEnd type="none" w="med" len="med"/>
+                      <a:tailEnd type="none" w="med" len="med"/>
+                    </a:lnR>
+                    <a:lnT w="12700" cap="flat" cmpd="sng" algn="ctr">
+                      <a:solidFill>
+                        <a:srgbClr val="000000"/>
+                      </a:solidFill>
+                      <a:prstDash val="solid"/>
+                      <a:round/>
+                      <a:headEnd type="none" w="med" len="med"/>
+                      <a:tailEnd type="none" w="med" len="med"/>
+                    </a:lnT>
+                    <a:lnB w="12700" cap="flat" cmpd="sng" algn="ctr">
+                      <a:solidFill>
+                        <a:srgbClr val="000000"/>
+                      </a:solidFill>
+                      <a:prstDash val="solid"/>
+                      <a:round/>
+                      <a:headEnd type="none" w="med" len="med"/>
+                      <a:tailEnd type="none" w="med" len="med"/>
+                    </a:lnB>
+                    <a:solidFill>
+                      <a:srgbClr val="FFFFFF"/>
+                    </a:solidFill>
+                  </a:tcPr>
+                </a:tc>
+                <a:tc>
+                  <a:txBody>
+                    <a:bodyPr/>
+                    <a:lstStyle/>
+                    <a:p>
+                      <a:pPr algn="ctr">
+                        <a:spcAft>
+                          <a:spcPts val="0"/>
+                        </a:spcAft>
+                      </a:pPr>
+                      <a:r>
+                        <a:rPr lang="en-US" sz="1600" kern="0">
+                          <a:latin typeface="宋体"/>
+                          <a:ea typeface="宋体"/>
+                          <a:cs typeface="宋体"/>
+                        </a:rPr>
+                        <a:t>NotEmpty</a:t>
+                      </a:r>
+                      <a:endParaRPr lang="zh-CN" sz="1600" kern="100">
+                        <a:latin typeface="Calibri"/>
+                        <a:ea typeface="宋体"/>
+                        <a:cs typeface="Times New Roman"/>
+                      </a:endParaRPr>
+                    </a:p>
+                  </a:txBody>
+                  <a:tcPr marL="9525" marR="9525" marT="9525" marB="9525" anchor="ctr">
+                    <a:lnL w="12700" cap="flat" cmpd="sng" algn="ctr">
+                      <a:solidFill>
+                        <a:srgbClr val="000000"/>
+                      </a:solidFill>
+                      <a:prstDash val="solid"/>
+                      <a:round/>
+                      <a:headEnd type="none" w="med" len="med"/>
+                      <a:tailEnd type="none" w="med" len="med"/>
+                    </a:lnL>
+                    <a:lnR w="12700" cap="flat" cmpd="sng" algn="ctr">
+                      <a:solidFill>
+                        <a:srgbClr val="000000"/>
+                      </a:solidFill>
+                      <a:prstDash val="solid"/>
+                      <a:round/>
+                      <a:headEnd type="none" w="med" len="med"/>
+                      <a:tailEnd type="none" w="med" len="med"/>
+                    </a:lnR>
+                    <a:lnT w="12700" cap="flat" cmpd="sng" algn="ctr">
+                      <a:solidFill>
+                        <a:srgbClr val="000000"/>
+                      </a:solidFill>
+                      <a:prstDash val="solid"/>
+                      <a:round/>
+                      <a:headEnd type="none" w="med" len="med"/>
+                      <a:tailEnd type="none" w="med" len="med"/>
+                    </a:lnT>
+                    <a:lnB w="12700" cap="flat" cmpd="sng" algn="ctr">
+                      <a:solidFill>
+                        <a:srgbClr val="000000"/>
+                      </a:solidFill>
+                      <a:prstDash val="solid"/>
+                      <a:round/>
+                      <a:headEnd type="none" w="med" len="med"/>
+                      <a:tailEnd type="none" w="med" len="med"/>
+                    </a:lnB>
+                    <a:solidFill>
+                      <a:srgbClr val="FFFFFF"/>
+                    </a:solidFill>
+                  </a:tcPr>
+                </a:tc>
+              </a:tr>
+              <a:tr h="305314">
+                <a:tc>
+                  <a:txBody>
+                    <a:bodyPr/>
+                    <a:lstStyle/>
+                    <a:p>
+                      <a:pPr algn="l">
+                        <a:spcAft>
+                          <a:spcPts val="0"/>
+                        </a:spcAft>
+                      </a:pPr>
+                      <a:r>
+                        <a:rPr lang="en-US" sz="1600" kern="0">
+                          <a:latin typeface="宋体"/>
+                          <a:ea typeface="宋体"/>
+                          <a:cs typeface="宋体"/>
+                        </a:rPr>
+                        <a:t>IsNotInstanceOfType</a:t>
+                      </a:r>
+                      <a:endParaRPr lang="zh-CN" sz="1600" kern="100">
+                        <a:latin typeface="Calibri"/>
+                        <a:ea typeface="宋体"/>
+                        <a:cs typeface="Times New Roman"/>
+                      </a:endParaRPr>
+                    </a:p>
+                  </a:txBody>
+                  <a:tcPr marL="9525" marR="9525" marT="9525" marB="9525" anchor="ctr">
+                    <a:lnL w="12700" cap="flat" cmpd="sng" algn="ctr">
+                      <a:solidFill>
+                        <a:srgbClr val="000000"/>
+                      </a:solidFill>
+                      <a:prstDash val="solid"/>
+                      <a:round/>
+                      <a:headEnd type="none" w="med" len="med"/>
+                      <a:tailEnd type="none" w="med" len="med"/>
+                    </a:lnL>
+                    <a:lnR w="12700" cap="flat" cmpd="sng" algn="ctr">
+                      <a:solidFill>
+                        <a:srgbClr val="000000"/>
+                      </a:solidFill>
+                      <a:prstDash val="solid"/>
+                      <a:round/>
+                      <a:headEnd type="none" w="med" len="med"/>
+                      <a:tailEnd type="none" w="med" len="med"/>
+                    </a:lnR>
+                    <a:lnT w="12700" cap="flat" cmpd="sng" algn="ctr">
+                      <a:solidFill>
+                        <a:srgbClr val="000000"/>
+                      </a:solidFill>
+                      <a:prstDash val="solid"/>
+                      <a:round/>
+                      <a:headEnd type="none" w="med" len="med"/>
+                      <a:tailEnd type="none" w="med" len="med"/>
+                    </a:lnT>
+                    <a:lnB w="12700" cap="flat" cmpd="sng" algn="ctr">
+                      <a:solidFill>
+                        <a:srgbClr val="000000"/>
+                      </a:solidFill>
+                      <a:prstDash val="solid"/>
+                      <a:round/>
+                      <a:headEnd type="none" w="med" len="med"/>
+                      <a:tailEnd type="none" w="med" len="med"/>
+                    </a:lnB>
+                    <a:solidFill>
+                      <a:srgbClr val="FFFFFF"/>
+                    </a:solidFill>
+                  </a:tcPr>
+                </a:tc>
+                <a:tc>
+                  <a:txBody>
+                    <a:bodyPr/>
+                    <a:lstStyle/>
+                    <a:p>
+                      <a:pPr algn="ctr">
+                        <a:spcAft>
+                          <a:spcPts val="0"/>
+                        </a:spcAft>
+                      </a:pPr>
+                      <a:r>
+                        <a:rPr lang="en-US" sz="1600" kern="0">
+                          <a:latin typeface="宋体"/>
+                          <a:ea typeface="宋体"/>
+                          <a:cs typeface="宋体"/>
+                        </a:rPr>
+                        <a:t>IsNotType</a:t>
+                      </a:r>
+                      <a:endParaRPr lang="zh-CN" sz="1600" kern="100">
+                        <a:latin typeface="Calibri"/>
+                        <a:ea typeface="宋体"/>
+                        <a:cs typeface="Times New Roman"/>
+                      </a:endParaRPr>
+                    </a:p>
+                  </a:txBody>
+                  <a:tcPr marL="9525" marR="9525" marT="9525" marB="9525" anchor="ctr">
+                    <a:lnL w="12700" cap="flat" cmpd="sng" algn="ctr">
+                      <a:solidFill>
+                        <a:srgbClr val="000000"/>
+                      </a:solidFill>
+                      <a:prstDash val="solid"/>
+                      <a:round/>
+                      <a:headEnd type="none" w="med" len="med"/>
+                      <a:tailEnd type="none" w="med" len="med"/>
+                    </a:lnL>
+                    <a:lnR w="12700" cap="flat" cmpd="sng" algn="ctr">
+                      <a:solidFill>
+                        <a:srgbClr val="000000"/>
+                      </a:solidFill>
+                      <a:prstDash val="solid"/>
+                      <a:round/>
+                      <a:headEnd type="none" w="med" len="med"/>
+                      <a:tailEnd type="none" w="med" len="med"/>
+                    </a:lnR>
+                    <a:lnT w="12700" cap="flat" cmpd="sng" algn="ctr">
+                      <a:solidFill>
+                        <a:srgbClr val="000000"/>
+                      </a:solidFill>
+                      <a:prstDash val="solid"/>
+                      <a:round/>
+                      <a:headEnd type="none" w="med" len="med"/>
+                      <a:tailEnd type="none" w="med" len="med"/>
+                    </a:lnT>
+                    <a:lnB w="12700" cap="flat" cmpd="sng" algn="ctr">
+                      <a:solidFill>
+                        <a:srgbClr val="000000"/>
+                      </a:solidFill>
+                      <a:prstDash val="solid"/>
+                      <a:round/>
+                      <a:headEnd type="none" w="med" len="med"/>
+                      <a:tailEnd type="none" w="med" len="med"/>
+                    </a:lnB>
+                    <a:solidFill>
+                      <a:srgbClr val="FFFFFF"/>
+                    </a:solidFill>
+                  </a:tcPr>
+                </a:tc>
+              </a:tr>
+              <a:tr h="305314">
+                <a:tc>
+                  <a:txBody>
+                    <a:bodyPr/>
+                    <a:lstStyle/>
+                    <a:p>
+                      <a:pPr algn="l">
+                        <a:spcAft>
+                          <a:spcPts val="0"/>
+                        </a:spcAft>
+                      </a:pPr>
+                      <a:r>
+                        <a:rPr lang="en-US" sz="1600" kern="0">
+                          <a:latin typeface="宋体"/>
+                          <a:ea typeface="宋体"/>
+                          <a:cs typeface="宋体"/>
+                        </a:rPr>
+                        <a:t>IsNotNull</a:t>
+                      </a:r>
+                      <a:endParaRPr lang="zh-CN" sz="1600" kern="100">
+                        <a:latin typeface="Calibri"/>
+                        <a:ea typeface="宋体"/>
+                        <a:cs typeface="Times New Roman"/>
+                      </a:endParaRPr>
+                    </a:p>
+                  </a:txBody>
+                  <a:tcPr marL="9525" marR="9525" marT="9525" marB="9525" anchor="ctr">
+                    <a:lnL w="12700" cap="flat" cmpd="sng" algn="ctr">
+                      <a:solidFill>
+                        <a:srgbClr val="000000"/>
+                      </a:solidFill>
+                      <a:prstDash val="solid"/>
+                      <a:round/>
+                      <a:headEnd type="none" w="med" len="med"/>
+                      <a:tailEnd type="none" w="med" len="med"/>
+                    </a:lnL>
+                    <a:lnR w="12700" cap="flat" cmpd="sng" algn="ctr">
+                      <a:solidFill>
+                        <a:srgbClr val="000000"/>
+                      </a:solidFill>
+                      <a:prstDash val="solid"/>
+                      <a:round/>
+                      <a:headEnd type="none" w="med" len="med"/>
+                      <a:tailEnd type="none" w="med" len="med"/>
+                    </a:lnR>
+                    <a:lnT w="12700" cap="flat" cmpd="sng" algn="ctr">
+                      <a:solidFill>
+                        <a:srgbClr val="000000"/>
+                      </a:solidFill>
+                      <a:prstDash val="solid"/>
+                      <a:round/>
+                      <a:headEnd type="none" w="med" len="med"/>
+                      <a:tailEnd type="none" w="med" len="med"/>
+                    </a:lnT>
+                    <a:lnB w="12700" cap="flat" cmpd="sng" algn="ctr">
+                      <a:solidFill>
+                        <a:srgbClr val="000000"/>
+                      </a:solidFill>
+                      <a:prstDash val="solid"/>
+                      <a:round/>
+                      <a:headEnd type="none" w="med" len="med"/>
+                      <a:tailEnd type="none" w="med" len="med"/>
+                    </a:lnB>
+                    <a:solidFill>
+                      <a:srgbClr val="FFFFFF"/>
+                    </a:solidFill>
+                  </a:tcPr>
+                </a:tc>
+                <a:tc>
+                  <a:txBody>
+                    <a:bodyPr/>
+                    <a:lstStyle/>
+                    <a:p>
+                      <a:pPr algn="ctr">
+                        <a:spcAft>
+                          <a:spcPts val="0"/>
+                        </a:spcAft>
+                      </a:pPr>
+                      <a:r>
+                        <a:rPr lang="en-US" sz="1600" kern="0">
+                          <a:latin typeface="宋体"/>
+                          <a:ea typeface="宋体"/>
+                          <a:cs typeface="宋体"/>
+                        </a:rPr>
+                        <a:t>NotNull</a:t>
+                      </a:r>
+                      <a:endParaRPr lang="zh-CN" sz="1600" kern="100">
+                        <a:latin typeface="Calibri"/>
+                        <a:ea typeface="宋体"/>
+                        <a:cs typeface="Times New Roman"/>
+                      </a:endParaRPr>
+                    </a:p>
+                  </a:txBody>
+                  <a:tcPr marL="9525" marR="9525" marT="9525" marB="9525" anchor="ctr">
+                    <a:lnL w="12700" cap="flat" cmpd="sng" algn="ctr">
+                      <a:solidFill>
+                        <a:srgbClr val="000000"/>
+                      </a:solidFill>
+                      <a:prstDash val="solid"/>
+                      <a:round/>
+                      <a:headEnd type="none" w="med" len="med"/>
+                      <a:tailEnd type="none" w="med" len="med"/>
+                    </a:lnL>
+                    <a:lnR w="12700" cap="flat" cmpd="sng" algn="ctr">
+                      <a:solidFill>
+                        <a:srgbClr val="000000"/>
+                      </a:solidFill>
+                      <a:prstDash val="solid"/>
+                      <a:round/>
+                      <a:headEnd type="none" w="med" len="med"/>
+                      <a:tailEnd type="none" w="med" len="med"/>
+                    </a:lnR>
+                    <a:lnT w="12700" cap="flat" cmpd="sng" algn="ctr">
+                      <a:solidFill>
+                        <a:srgbClr val="000000"/>
+                      </a:solidFill>
+                      <a:prstDash val="solid"/>
+                      <a:round/>
+                      <a:headEnd type="none" w="med" len="med"/>
+                      <a:tailEnd type="none" w="med" len="med"/>
+                    </a:lnT>
+                    <a:lnB w="12700" cap="flat" cmpd="sng" algn="ctr">
+                      <a:solidFill>
+                        <a:srgbClr val="000000"/>
+                      </a:solidFill>
+                      <a:prstDash val="solid"/>
+                      <a:round/>
+                      <a:headEnd type="none" w="med" len="med"/>
+                      <a:tailEnd type="none" w="med" len="med"/>
+                    </a:lnB>
+                    <a:solidFill>
+                      <a:srgbClr val="FFFFFF"/>
+                    </a:solidFill>
+                  </a:tcPr>
+                </a:tc>
+              </a:tr>
+              <a:tr h="305314">
+                <a:tc>
+                  <a:txBody>
+                    <a:bodyPr/>
+                    <a:lstStyle/>
+                    <a:p>
+                      <a:pPr algn="l">
+                        <a:spcAft>
+                          <a:spcPts val="0"/>
+                        </a:spcAft>
+                      </a:pPr>
+                      <a:r>
+                        <a:rPr lang="en-US" sz="1600" kern="0">
+                          <a:latin typeface="宋体"/>
+                          <a:ea typeface="宋体"/>
+                          <a:cs typeface="宋体"/>
+                        </a:rPr>
+                        <a:t>IsNull</a:t>
+                      </a:r>
+                      <a:endParaRPr lang="zh-CN" sz="1600" kern="100">
+                        <a:latin typeface="Calibri"/>
+                        <a:ea typeface="宋体"/>
+                        <a:cs typeface="Times New Roman"/>
+                      </a:endParaRPr>
+                    </a:p>
+                  </a:txBody>
+                  <a:tcPr marL="9525" marR="9525" marT="9525" marB="9525" anchor="ctr">
+                    <a:lnL w="12700" cap="flat" cmpd="sng" algn="ctr">
+                      <a:solidFill>
+                        <a:srgbClr val="000000"/>
+                      </a:solidFill>
+                      <a:prstDash val="solid"/>
+                      <a:round/>
+                      <a:headEnd type="none" w="med" len="med"/>
+                      <a:tailEnd type="none" w="med" len="med"/>
+                    </a:lnL>
+                    <a:lnR w="12700" cap="flat" cmpd="sng" algn="ctr">
+                      <a:solidFill>
+                        <a:srgbClr val="000000"/>
+                      </a:solidFill>
+                      <a:prstDash val="solid"/>
+                      <a:round/>
+                      <a:headEnd type="none" w="med" len="med"/>
+                      <a:tailEnd type="none" w="med" len="med"/>
+                    </a:lnR>
+                    <a:lnT w="12700" cap="flat" cmpd="sng" algn="ctr">
+                      <a:solidFill>
+                        <a:srgbClr val="000000"/>
+                      </a:solidFill>
+                      <a:prstDash val="solid"/>
+                      <a:round/>
+                      <a:headEnd type="none" w="med" len="med"/>
+                      <a:tailEnd type="none" w="med" len="med"/>
+                    </a:lnT>
+                    <a:lnB w="12700" cap="flat" cmpd="sng" algn="ctr">
+                      <a:solidFill>
+                        <a:srgbClr val="000000"/>
+                      </a:solidFill>
+                      <a:prstDash val="solid"/>
+                      <a:round/>
+                      <a:headEnd type="none" w="med" len="med"/>
+                      <a:tailEnd type="none" w="med" len="med"/>
+                    </a:lnB>
+                    <a:solidFill>
+                      <a:srgbClr val="FFFFFF"/>
+                    </a:solidFill>
+                  </a:tcPr>
+                </a:tc>
+                <a:tc>
+                  <a:txBody>
+                    <a:bodyPr/>
+                    <a:lstStyle/>
+                    <a:p>
+                      <a:pPr algn="ctr">
+                        <a:spcAft>
+                          <a:spcPts val="0"/>
+                        </a:spcAft>
+                      </a:pPr>
+                      <a:r>
+                        <a:rPr lang="en-US" sz="1600" kern="0">
+                          <a:latin typeface="宋体"/>
+                          <a:ea typeface="宋体"/>
+                          <a:cs typeface="宋体"/>
+                        </a:rPr>
+                        <a:t>Null</a:t>
+                      </a:r>
+                      <a:endParaRPr lang="zh-CN" sz="1600" kern="100">
+                        <a:latin typeface="Calibri"/>
+                        <a:ea typeface="宋体"/>
+                        <a:cs typeface="Times New Roman"/>
+                      </a:endParaRPr>
+                    </a:p>
+                  </a:txBody>
+                  <a:tcPr marL="9525" marR="9525" marT="9525" marB="9525" anchor="ctr">
+                    <a:lnL w="12700" cap="flat" cmpd="sng" algn="ctr">
+                      <a:solidFill>
+                        <a:srgbClr val="000000"/>
+                      </a:solidFill>
+                      <a:prstDash val="solid"/>
+                      <a:round/>
+                      <a:headEnd type="none" w="med" len="med"/>
+                      <a:tailEnd type="none" w="med" len="med"/>
+                    </a:lnL>
+                    <a:lnR w="12700" cap="flat" cmpd="sng" algn="ctr">
+                      <a:solidFill>
+                        <a:srgbClr val="000000"/>
+                      </a:solidFill>
+                      <a:prstDash val="solid"/>
+                      <a:round/>
+                      <a:headEnd type="none" w="med" len="med"/>
+                      <a:tailEnd type="none" w="med" len="med"/>
+                    </a:lnR>
+                    <a:lnT w="12700" cap="flat" cmpd="sng" algn="ctr">
+                      <a:solidFill>
+                        <a:srgbClr val="000000"/>
+                      </a:solidFill>
+                      <a:prstDash val="solid"/>
+                      <a:round/>
+                      <a:headEnd type="none" w="med" len="med"/>
+                      <a:tailEnd type="none" w="med" len="med"/>
+                    </a:lnT>
+                    <a:lnB w="12700" cap="flat" cmpd="sng" algn="ctr">
+                      <a:solidFill>
+                        <a:srgbClr val="000000"/>
+                      </a:solidFill>
+                      <a:prstDash val="solid"/>
+                      <a:round/>
+                      <a:headEnd type="none" w="med" len="med"/>
+                      <a:tailEnd type="none" w="med" len="med"/>
+                    </a:lnB>
+                    <a:solidFill>
+                      <a:srgbClr val="FFFFFF"/>
+                    </a:solidFill>
+                  </a:tcPr>
+                </a:tc>
+              </a:tr>
+              <a:tr h="305314">
+                <a:tc>
+                  <a:txBody>
+                    <a:bodyPr/>
+                    <a:lstStyle/>
+                    <a:p>
+                      <a:pPr algn="l">
+                        <a:spcAft>
+                          <a:spcPts val="0"/>
+                        </a:spcAft>
+                      </a:pPr>
+                      <a:r>
+                        <a:rPr lang="en-US" sz="1600" kern="0">
+                          <a:latin typeface="宋体"/>
+                          <a:ea typeface="宋体"/>
+                          <a:cs typeface="宋体"/>
+                        </a:rPr>
+                        <a:t>IsTrue</a:t>
+                      </a:r>
+                      <a:endParaRPr lang="zh-CN" sz="1600" kern="100">
+                        <a:latin typeface="Calibri"/>
+                        <a:ea typeface="宋体"/>
+                        <a:cs typeface="Times New Roman"/>
+                      </a:endParaRPr>
+                    </a:p>
+                  </a:txBody>
+                  <a:tcPr marL="9525" marR="9525" marT="9525" marB="9525" anchor="ctr">
+                    <a:lnL w="12700" cap="flat" cmpd="sng" algn="ctr">
+                      <a:solidFill>
+                        <a:srgbClr val="000000"/>
+                      </a:solidFill>
+                      <a:prstDash val="solid"/>
+                      <a:round/>
+                      <a:headEnd type="none" w="med" len="med"/>
+                      <a:tailEnd type="none" w="med" len="med"/>
+                    </a:lnL>
+                    <a:lnR w="12700" cap="flat" cmpd="sng" algn="ctr">
+                      <a:solidFill>
+                        <a:srgbClr val="000000"/>
+                      </a:solidFill>
+                      <a:prstDash val="solid"/>
+                      <a:round/>
+                      <a:headEnd type="none" w="med" len="med"/>
+                      <a:tailEnd type="none" w="med" len="med"/>
+                    </a:lnR>
+                    <a:lnT w="12700" cap="flat" cmpd="sng" algn="ctr">
+                      <a:solidFill>
+                        <a:srgbClr val="000000"/>
+                      </a:solidFill>
+                      <a:prstDash val="solid"/>
+                      <a:round/>
+                      <a:headEnd type="none" w="med" len="med"/>
+                      <a:tailEnd type="none" w="med" len="med"/>
+                    </a:lnT>
+                    <a:lnB w="12700" cap="flat" cmpd="sng" algn="ctr">
+                      <a:solidFill>
+                        <a:srgbClr val="000000"/>
+                      </a:solidFill>
+                      <a:prstDash val="solid"/>
+                      <a:round/>
+                      <a:headEnd type="none" w="med" len="med"/>
+                      <a:tailEnd type="none" w="med" len="med"/>
+                    </a:lnB>
+                    <a:solidFill>
+                      <a:srgbClr val="FFFFFF"/>
+                    </a:solidFill>
+                  </a:tcPr>
+                </a:tc>
+                <a:tc>
+                  <a:txBody>
+                    <a:bodyPr/>
+                    <a:lstStyle/>
+                    <a:p>
+                      <a:pPr algn="ctr">
+                        <a:spcAft>
+                          <a:spcPts val="0"/>
+                        </a:spcAft>
+                      </a:pPr>
+                      <a:r>
+                        <a:rPr lang="en-US" sz="1600" kern="0">
+                          <a:latin typeface="宋体"/>
+                          <a:ea typeface="宋体"/>
+                          <a:cs typeface="宋体"/>
+                        </a:rPr>
+                        <a:t>True</a:t>
+                      </a:r>
+                      <a:endParaRPr lang="zh-CN" sz="1600" kern="100">
+                        <a:latin typeface="Calibri"/>
+                        <a:ea typeface="宋体"/>
+                        <a:cs typeface="Times New Roman"/>
+                      </a:endParaRPr>
+                    </a:p>
+                  </a:txBody>
+                  <a:tcPr marL="9525" marR="9525" marT="9525" marB="9525" anchor="ctr">
+                    <a:lnL w="12700" cap="flat" cmpd="sng" algn="ctr">
+                      <a:solidFill>
+                        <a:srgbClr val="000000"/>
+                      </a:solidFill>
+                      <a:prstDash val="solid"/>
+                      <a:round/>
+                      <a:headEnd type="none" w="med" len="med"/>
+                      <a:tailEnd type="none" w="med" len="med"/>
+                    </a:lnL>
+                    <a:lnR w="12700" cap="flat" cmpd="sng" algn="ctr">
+                      <a:solidFill>
+                        <a:srgbClr val="000000"/>
+                      </a:solidFill>
+                      <a:prstDash val="solid"/>
+                      <a:round/>
+                      <a:headEnd type="none" w="med" len="med"/>
+                      <a:tailEnd type="none" w="med" len="med"/>
+                    </a:lnR>
+                    <a:lnT w="12700" cap="flat" cmpd="sng" algn="ctr">
+                      <a:solidFill>
+                        <a:srgbClr val="000000"/>
+                      </a:solidFill>
+                      <a:prstDash val="solid"/>
+                      <a:round/>
+                      <a:headEnd type="none" w="med" len="med"/>
+                      <a:tailEnd type="none" w="med" len="med"/>
+                    </a:lnT>
+                    <a:lnB w="12700" cap="flat" cmpd="sng" algn="ctr">
+                      <a:solidFill>
+                        <a:srgbClr val="000000"/>
+                      </a:solidFill>
+                      <a:prstDash val="solid"/>
+                      <a:round/>
+                      <a:headEnd type="none" w="med" len="med"/>
+                      <a:tailEnd type="none" w="med" len="med"/>
+                    </a:lnB>
+                    <a:solidFill>
+                      <a:srgbClr val="FFFFFF"/>
+                    </a:solidFill>
+                  </a:tcPr>
+                </a:tc>
+              </a:tr>
+              <a:tr h="305314">
+                <a:tc>
+                  <a:txBody>
+                    <a:bodyPr/>
+                    <a:lstStyle/>
+                    <a:p>
+                      <a:pPr algn="l">
+                        <a:spcAft>
+                          <a:spcPts val="0"/>
+                        </a:spcAft>
+                      </a:pPr>
+                      <a:r>
+                        <a:rPr lang="en-US" sz="1600" i="1" kern="0">
+                          <a:latin typeface="宋体"/>
+                          <a:ea typeface="宋体"/>
+                          <a:cs typeface="宋体"/>
+                        </a:rPr>
+                        <a:t>n/a</a:t>
+                      </a:r>
+                      <a:endParaRPr lang="zh-CN" sz="1600" kern="100">
+                        <a:latin typeface="Calibri"/>
+                        <a:ea typeface="宋体"/>
+                        <a:cs typeface="Times New Roman"/>
+                      </a:endParaRPr>
+                    </a:p>
+                  </a:txBody>
+                  <a:tcPr marL="9525" marR="9525" marT="9525" marB="9525" anchor="ctr">
+                    <a:lnL w="12700" cap="flat" cmpd="sng" algn="ctr">
+                      <a:solidFill>
+                        <a:srgbClr val="000000"/>
+                      </a:solidFill>
+                      <a:prstDash val="solid"/>
+                      <a:round/>
+                      <a:headEnd type="none" w="med" len="med"/>
+                      <a:tailEnd type="none" w="med" len="med"/>
+                    </a:lnL>
+                    <a:lnR w="12700" cap="flat" cmpd="sng" algn="ctr">
+                      <a:solidFill>
+                        <a:srgbClr val="000000"/>
+                      </a:solidFill>
+                      <a:prstDash val="solid"/>
+                      <a:round/>
+                      <a:headEnd type="none" w="med" len="med"/>
+                      <a:tailEnd type="none" w="med" len="med"/>
+                    </a:lnR>
+                    <a:lnT w="12700" cap="flat" cmpd="sng" algn="ctr">
+                      <a:solidFill>
+                        <a:srgbClr val="000000"/>
+                      </a:solidFill>
+                      <a:prstDash val="solid"/>
+                      <a:round/>
+                      <a:headEnd type="none" w="med" len="med"/>
+                      <a:tailEnd type="none" w="med" len="med"/>
+                    </a:lnT>
+                    <a:lnB w="12700" cap="flat" cmpd="sng" algn="ctr">
+                      <a:solidFill>
+                        <a:srgbClr val="000000"/>
+                      </a:solidFill>
+                      <a:prstDash val="solid"/>
+                      <a:round/>
+                      <a:headEnd type="none" w="med" len="med"/>
+                      <a:tailEnd type="none" w="med" len="med"/>
+                    </a:lnB>
+                    <a:solidFill>
+                      <a:srgbClr val="FFFFFF"/>
+                    </a:solidFill>
+                  </a:tcPr>
+                </a:tc>
+                <a:tc>
+                  <a:txBody>
+                    <a:bodyPr/>
+                    <a:lstStyle/>
+                    <a:p>
+                      <a:pPr algn="ctr">
+                        <a:spcAft>
+                          <a:spcPts val="0"/>
+                        </a:spcAft>
+                      </a:pPr>
+                      <a:r>
+                        <a:rPr lang="en-US" sz="1600" kern="0">
+                          <a:latin typeface="宋体"/>
+                          <a:ea typeface="宋体"/>
+                          <a:cs typeface="宋体"/>
+                        </a:rPr>
+                        <a:t>NotInRange</a:t>
+                      </a:r>
+                      <a:endParaRPr lang="zh-CN" sz="1600" kern="100">
+                        <a:latin typeface="Calibri"/>
+                        <a:ea typeface="宋体"/>
+                        <a:cs typeface="Times New Roman"/>
+                      </a:endParaRPr>
+                    </a:p>
+                  </a:txBody>
+                  <a:tcPr marL="9525" marR="9525" marT="9525" marB="9525" anchor="ctr">
+                    <a:lnL w="12700" cap="flat" cmpd="sng" algn="ctr">
+                      <a:solidFill>
+                        <a:srgbClr val="000000"/>
+                      </a:solidFill>
+                      <a:prstDash val="solid"/>
+                      <a:round/>
+                      <a:headEnd type="none" w="med" len="med"/>
+                      <a:tailEnd type="none" w="med" len="med"/>
+                    </a:lnL>
+                    <a:lnR w="12700" cap="flat" cmpd="sng" algn="ctr">
+                      <a:solidFill>
+                        <a:srgbClr val="000000"/>
+                      </a:solidFill>
+                      <a:prstDash val="solid"/>
+                      <a:round/>
+                      <a:headEnd type="none" w="med" len="med"/>
+                      <a:tailEnd type="none" w="med" len="med"/>
+                    </a:lnR>
+                    <a:lnT w="12700" cap="flat" cmpd="sng" algn="ctr">
+                      <a:solidFill>
+                        <a:srgbClr val="000000"/>
+                      </a:solidFill>
+                      <a:prstDash val="solid"/>
+                      <a:round/>
+                      <a:headEnd type="none" w="med" len="med"/>
+                      <a:tailEnd type="none" w="med" len="med"/>
+                    </a:lnT>
+                    <a:lnB w="12700" cap="flat" cmpd="sng" algn="ctr">
+                      <a:solidFill>
+                        <a:srgbClr val="000000"/>
+                      </a:solidFill>
+                      <a:prstDash val="solid"/>
+                      <a:round/>
+                      <a:headEnd type="none" w="med" len="med"/>
+                      <a:tailEnd type="none" w="med" len="med"/>
+                    </a:lnB>
+                    <a:solidFill>
+                      <a:srgbClr val="FFFFFF"/>
+                    </a:solidFill>
+                  </a:tcPr>
+                </a:tc>
+              </a:tr>
+              <a:tr h="305314">
+                <a:tc>
+                  <a:txBody>
+                    <a:bodyPr/>
+                    <a:lstStyle/>
+                    <a:p>
+                      <a:pPr algn="l">
+                        <a:spcAft>
+                          <a:spcPts val="0"/>
+                        </a:spcAft>
+                      </a:pPr>
+                      <a:r>
+                        <a:rPr lang="en-US" sz="1600" i="1" kern="0" dirty="0">
+                          <a:latin typeface="宋体"/>
+                          <a:ea typeface="宋体"/>
+                          <a:cs typeface="宋体"/>
+                        </a:rPr>
+                        <a:t>n/a</a:t>
+                      </a:r>
+                      <a:endParaRPr lang="zh-CN" sz="1600" kern="100" dirty="0">
+                        <a:latin typeface="Calibri"/>
+                        <a:ea typeface="宋体"/>
+                        <a:cs typeface="Times New Roman"/>
+                      </a:endParaRPr>
+                    </a:p>
+                  </a:txBody>
+                  <a:tcPr marL="9525" marR="9525" marT="9525" marB="9525" anchor="ctr">
+                    <a:lnL w="12700" cap="flat" cmpd="sng" algn="ctr">
+                      <a:solidFill>
+                        <a:srgbClr val="000000"/>
+                      </a:solidFill>
+                      <a:prstDash val="solid"/>
+                      <a:round/>
+                      <a:headEnd type="none" w="med" len="med"/>
+                      <a:tailEnd type="none" w="med" len="med"/>
+                    </a:lnL>
+                    <a:lnR w="12700" cap="flat" cmpd="sng" algn="ctr">
+                      <a:solidFill>
+                        <a:srgbClr val="000000"/>
+                      </a:solidFill>
+                      <a:prstDash val="solid"/>
+                      <a:round/>
+                      <a:headEnd type="none" w="med" len="med"/>
+                      <a:tailEnd type="none" w="med" len="med"/>
+                    </a:lnR>
+                    <a:lnT w="12700" cap="flat" cmpd="sng" algn="ctr">
+                      <a:solidFill>
+                        <a:srgbClr val="000000"/>
+                      </a:solidFill>
+                      <a:prstDash val="solid"/>
+                      <a:round/>
+                      <a:headEnd type="none" w="med" len="med"/>
+                      <a:tailEnd type="none" w="med" len="med"/>
+                    </a:lnT>
+                    <a:lnB w="12700" cap="flat" cmpd="sng" algn="ctr">
+                      <a:solidFill>
+                        <a:srgbClr val="000000"/>
+                      </a:solidFill>
+                      <a:prstDash val="solid"/>
+                      <a:round/>
+                      <a:headEnd type="none" w="med" len="med"/>
+                      <a:tailEnd type="none" w="med" len="med"/>
+                    </a:lnB>
+                    <a:solidFill>
+                      <a:srgbClr val="FFFFFF"/>
+                    </a:solidFill>
+                  </a:tcPr>
+                </a:tc>
+                <a:tc>
+                  <a:txBody>
+                    <a:bodyPr/>
+                    <a:lstStyle/>
+                    <a:p>
+                      <a:pPr algn="ctr">
+                        <a:spcAft>
+                          <a:spcPts val="0"/>
+                        </a:spcAft>
+                      </a:pPr>
+                      <a:r>
+                        <a:rPr lang="en-US" sz="1600" kern="0" dirty="0">
+                          <a:latin typeface="宋体"/>
+                          <a:ea typeface="宋体"/>
+                          <a:cs typeface="宋体"/>
+                        </a:rPr>
+                        <a:t>Throws</a:t>
+                      </a:r>
+                      <a:endParaRPr lang="zh-CN" sz="1600" kern="100" dirty="0">
+                        <a:latin typeface="Calibri"/>
+                        <a:ea typeface="宋体"/>
+                        <a:cs typeface="Times New Roman"/>
+                      </a:endParaRPr>
+                    </a:p>
+                  </a:txBody>
+                  <a:tcPr marL="9525" marR="9525" marT="9525" marB="9525" anchor="ctr">
+                    <a:lnL w="12700" cap="flat" cmpd="sng" algn="ctr">
+                      <a:solidFill>
+                        <a:srgbClr val="000000"/>
+                      </a:solidFill>
+                      <a:prstDash val="solid"/>
+                      <a:round/>
+                      <a:headEnd type="none" w="med" len="med"/>
+                      <a:tailEnd type="none" w="med" len="med"/>
+                    </a:lnL>
+                    <a:lnR w="12700" cap="flat" cmpd="sng" algn="ctr">
+                      <a:solidFill>
+                        <a:srgbClr val="000000"/>
+                      </a:solidFill>
+                      <a:prstDash val="solid"/>
+                      <a:round/>
+                      <a:headEnd type="none" w="med" len="med"/>
+                      <a:tailEnd type="none" w="med" len="med"/>
+                    </a:lnR>
+                    <a:lnT w="12700" cap="flat" cmpd="sng" algn="ctr">
+                      <a:solidFill>
+                        <a:srgbClr val="000000"/>
+                      </a:solidFill>
+                      <a:prstDash val="solid"/>
+                      <a:round/>
+                      <a:headEnd type="none" w="med" len="med"/>
+                      <a:tailEnd type="none" w="med" len="med"/>
+                    </a:lnT>
+                    <a:lnB w="12700" cap="flat" cmpd="sng" algn="ctr">
+                      <a:solidFill>
+                        <a:srgbClr val="000000"/>
+                      </a:solidFill>
+                      <a:prstDash val="solid"/>
+                      <a:round/>
+                      <a:headEnd type="none" w="med" len="med"/>
+                      <a:tailEnd type="none" w="med" len="med"/>
+                    </a:lnB>
+                    <a:solidFill>
+                      <a:srgbClr val="FFFFFF"/>
+                    </a:solidFill>
+                  </a:tcPr>
+                </a:tc>
+              </a:tr>
+            </a:tbl>
+          </a:graphicData>
+        </a:graphic>
+      </p:graphicFrame>
+    </p:spTree>
+  </p:cSld>
+  <p:clrMapOvr>
+    <a:masterClrMapping/>
+  </p:clrMapOvr>
+</p:sld>
+</file>
+
+<file path=ppt/slides/slide7.xml><?xml version="1.0" encoding="utf-8"?>
 <p:sld xmlns:a="http://schemas.openxmlformats.org/drawingml/2006/main" xmlns:r="http://schemas.openxmlformats.org/officeDocument/2006/relationships" xmlns:p="http://schemas.openxmlformats.org/presentationml/2006/main">
   <p:cSld>
     <p:spTree>
@@ -25506,7 +30837,7 @@
             <a:fld id="{F4A2626E-A0A3-4722-B047-8920ED1A51E7}" type="slidenum">
               <a:rPr lang="zh-CN" altLang="en-US" smtClean="0"/>
               <a:pPr/>
-              <a:t>6</a:t>
+              <a:t>7</a:t>
             </a:fld>
             <a:endParaRPr lang="zh-CN" altLang="en-US" dirty="0"/>
           </a:p>
@@ -25532,7 +30863,7 @@
 </p:sld>
 </file>
 
-<file path=ppt/slides/slide7.xml><?xml version="1.0" encoding="utf-8"?>
+<file path=ppt/slides/slide8.xml><?xml version="1.0" encoding="utf-8"?>
 <p:sld xmlns:a="http://schemas.openxmlformats.org/drawingml/2006/main" xmlns:r="http://schemas.openxmlformats.org/officeDocument/2006/relationships" xmlns:p="http://schemas.openxmlformats.org/presentationml/2006/main">
   <p:cSld>
     <p:spTree>
@@ -25618,7 +30949,7 @@
             <a:fld id="{F4A2626E-A0A3-4722-B047-8920ED1A51E7}" type="slidenum">
               <a:rPr lang="zh-CN" altLang="en-US" smtClean="0"/>
               <a:pPr/>
-              <a:t>7</a:t>
+              <a:t>8</a:t>
             </a:fld>
             <a:endParaRPr lang="zh-CN" altLang="en-US" dirty="0"/>
           </a:p>
@@ -25669,7 +31000,7 @@
 </p:sld>
 </file>
 
-<file path=ppt/slides/slide8.xml><?xml version="1.0" encoding="utf-8"?>
+<file path=ppt/slides/slide9.xml><?xml version="1.0" encoding="utf-8"?>
 <p:sld xmlns:a="http://schemas.openxmlformats.org/drawingml/2006/main" xmlns:r="http://schemas.openxmlformats.org/officeDocument/2006/relationships" xmlns:p="http://schemas.openxmlformats.org/presentationml/2006/main">
   <p:cSld>
     <p:spTree>
@@ -25761,7 +31092,7 @@
             <a:fld id="{F4A2626E-A0A3-4722-B047-8920ED1A51E7}" type="slidenum">
               <a:rPr lang="zh-CN" altLang="en-US" smtClean="0"/>
               <a:pPr/>
-              <a:t>8</a:t>
+              <a:t>9</a:t>
             </a:fld>
             <a:endParaRPr lang="zh-CN" altLang="en-US" dirty="0"/>
           </a:p>
@@ -25786,7 +31117,7 @@
         </p:spPr>
         <p:txBody>
           <a:bodyPr vert="horz" lIns="91440" tIns="45720" rIns="91440" bIns="45720" rtlCol="0">
-            <a:normAutofit fontScale="92500" lnSpcReduction="20000"/>
+            <a:normAutofit lnSpcReduction="10000"/>
           </a:bodyPr>
           <a:lstStyle>
             <a:lvl1pPr marL="228600" indent="-228600" algn="l" defTabSz="914400" rtl="0" eaLnBrk="1" latinLnBrk="0" hangingPunct="1">
@@ -25980,13 +31311,6 @@
           </a:p>
           <a:p>
             <a:r>
-              <a:rPr lang="zh-CN" altLang="en-US" dirty="0"/>
-              <a:t>测试分类</a:t>
-            </a:r>
-            <a:endParaRPr lang="en-US" altLang="zh-CN" dirty="0"/>
-          </a:p>
-          <a:p>
-            <a:r>
               <a:rPr lang="zh-CN" altLang="en-US" dirty="0" smtClean="0"/>
               <a:t>忽略</a:t>
             </a:r>
@@ -26012,217 +31336,6 @@
     <p:extLst>
       <p:ext uri="{BB962C8B-B14F-4D97-AF65-F5344CB8AC3E}">
         <p14:creationId xmlns:p14="http://schemas.microsoft.com/office/powerpoint/2010/main" xmlns="" val="941624380"/>
-      </p:ext>
-    </p:extLst>
-  </p:cSld>
-  <p:clrMapOvr>
-    <a:masterClrMapping/>
-  </p:clrMapOvr>
-  <p:timing>
-    <p:tnLst>
-      <p:par>
-        <p:cTn id="1" dur="indefinite" restart="never" nodeType="tmRoot"/>
-      </p:par>
-    </p:tnLst>
-  </p:timing>
-</p:sld>
-</file>
-
-<file path=ppt/slides/slide9.xml><?xml version="1.0" encoding="utf-8"?>
-<p:sld xmlns:a="http://schemas.openxmlformats.org/drawingml/2006/main" xmlns:r="http://schemas.openxmlformats.org/officeDocument/2006/relationships" xmlns:p="http://schemas.openxmlformats.org/presentationml/2006/main">
-  <p:cSld>
-    <p:spTree>
-      <p:nvGrpSpPr>
-        <p:cNvPr id="1" name=""/>
-        <p:cNvGrpSpPr/>
-        <p:nvPr/>
-      </p:nvGrpSpPr>
-      <p:grpSpPr>
-        <a:xfrm>
-          <a:off x="0" y="0"/>
-          <a:ext cx="0" cy="0"/>
-          <a:chOff x="0" y="0"/>
-          <a:chExt cx="0" cy="0"/>
-        </a:xfrm>
-      </p:grpSpPr>
-      <p:sp>
-        <p:nvSpPr>
-          <p:cNvPr id="2" name="标题 1"/>
-          <p:cNvSpPr>
-            <a:spLocks noGrp="1"/>
-          </p:cNvSpPr>
-          <p:nvPr>
-            <p:ph type="title"/>
-          </p:nvPr>
-        </p:nvSpPr>
-        <p:spPr/>
-        <p:txBody>
-          <a:bodyPr/>
-          <a:lstStyle/>
-          <a:p>
-            <a:r>
-              <a:rPr lang="zh-CN" altLang="en-US" dirty="0" smtClean="0"/>
-              <a:t>单元测试的范围</a:t>
-            </a:r>
-            <a:endParaRPr lang="zh-CN" altLang="en-US" dirty="0"/>
-          </a:p>
-        </p:txBody>
-      </p:sp>
-      <p:sp>
-        <p:nvSpPr>
-          <p:cNvPr id="3" name="内容占位符 2"/>
-          <p:cNvSpPr>
-            <a:spLocks noGrp="1"/>
-          </p:cNvSpPr>
-          <p:nvPr>
-            <p:ph idx="1"/>
-          </p:nvPr>
-        </p:nvSpPr>
-        <p:spPr/>
-        <p:txBody>
-          <a:bodyPr/>
-          <a:lstStyle/>
-          <a:p>
-            <a:r>
-              <a:rPr lang="zh-CN" altLang="en-US" dirty="0" smtClean="0"/>
-              <a:t>测试什么</a:t>
-            </a:r>
-            <a:endParaRPr lang="en-US" altLang="zh-CN" dirty="0" smtClean="0"/>
-          </a:p>
-          <a:p>
-            <a:pPr lvl="1">
-              <a:buFont typeface="Wingdings" panose="05000000000000000000" pitchFamily="2" charset="2"/>
-              <a:buChar char="ü"/>
-            </a:pPr>
-            <a:r>
-              <a:rPr lang="zh-CN" altLang="en-US" dirty="0" smtClean="0"/>
-              <a:t>界面逻辑</a:t>
-            </a:r>
-            <a:endParaRPr lang="en-US" altLang="zh-CN" dirty="0" smtClean="0"/>
-          </a:p>
-          <a:p>
-            <a:pPr lvl="1">
-              <a:buFont typeface="Wingdings" panose="05000000000000000000" pitchFamily="2" charset="2"/>
-              <a:buChar char="ü"/>
-            </a:pPr>
-            <a:r>
-              <a:rPr lang="zh-CN" altLang="en-US" dirty="0" smtClean="0"/>
-              <a:t>业务逻辑</a:t>
-            </a:r>
-            <a:endParaRPr lang="en-US" altLang="zh-CN" dirty="0" smtClean="0"/>
-          </a:p>
-          <a:p>
-            <a:r>
-              <a:rPr lang="zh-CN" altLang="en-US" dirty="0" smtClean="0"/>
-              <a:t>不测试什么</a:t>
-            </a:r>
-            <a:endParaRPr lang="en-US" altLang="zh-CN" dirty="0" smtClean="0"/>
-          </a:p>
-          <a:p>
-            <a:pPr lvl="1">
-              <a:buFont typeface="Wingdings" panose="05000000000000000000" pitchFamily="2" charset="2"/>
-              <a:buChar char="ü"/>
-            </a:pPr>
-            <a:r>
-              <a:rPr lang="zh-CN" altLang="en-US" dirty="0" smtClean="0"/>
-              <a:t>外部服务</a:t>
-            </a:r>
-            <a:endParaRPr lang="en-US" altLang="zh-CN" dirty="0" smtClean="0"/>
-          </a:p>
-          <a:p>
-            <a:pPr lvl="1">
-              <a:buFont typeface="Wingdings" panose="05000000000000000000" pitchFamily="2" charset="2"/>
-              <a:buChar char="ü"/>
-            </a:pPr>
-            <a:r>
-              <a:rPr lang="zh-CN" altLang="en-US" dirty="0" smtClean="0"/>
-              <a:t>数据库</a:t>
-            </a:r>
-            <a:endParaRPr lang="en-US" altLang="zh-CN" dirty="0" smtClean="0"/>
-          </a:p>
-          <a:p>
-            <a:pPr lvl="1">
-              <a:buFont typeface="Wingdings" panose="05000000000000000000" pitchFamily="2" charset="2"/>
-              <a:buChar char="ü"/>
-            </a:pPr>
-            <a:r>
-              <a:rPr lang="en-US" altLang="zh-CN" dirty="0" smtClean="0"/>
-              <a:t>I/O</a:t>
-            </a:r>
-            <a:r>
-              <a:rPr lang="zh-CN" altLang="en-US" dirty="0" smtClean="0"/>
-              <a:t>存储</a:t>
-            </a:r>
-            <a:endParaRPr lang="en-US" altLang="zh-CN" dirty="0" smtClean="0"/>
-          </a:p>
-          <a:p>
-            <a:pPr lvl="1">
-              <a:buFont typeface="Wingdings" panose="05000000000000000000" pitchFamily="2" charset="2"/>
-              <a:buChar char="ü"/>
-            </a:pPr>
-            <a:r>
-              <a:rPr lang="en-US" altLang="zh-CN" dirty="0" smtClean="0"/>
-              <a:t>UI</a:t>
-            </a:r>
-            <a:r>
-              <a:rPr lang="zh-CN" altLang="en-US" dirty="0" smtClean="0"/>
-              <a:t>界面</a:t>
-            </a:r>
-            <a:endParaRPr lang="zh-CN" altLang="en-US" dirty="0"/>
-          </a:p>
-        </p:txBody>
-      </p:sp>
-      <p:sp>
-        <p:nvSpPr>
-          <p:cNvPr id="6" name="页脚占位符 5"/>
-          <p:cNvSpPr>
-            <a:spLocks noGrp="1"/>
-          </p:cNvSpPr>
-          <p:nvPr>
-            <p:ph type="ftr" sz="quarter" idx="11"/>
-          </p:nvPr>
-        </p:nvSpPr>
-        <p:spPr/>
-        <p:txBody>
-          <a:bodyPr/>
-          <a:lstStyle/>
-          <a:p>
-            <a:r>
-              <a:rPr lang="zh-CN" altLang="en-US" smtClean="0"/>
-              <a:t>单元测试概论</a:t>
-            </a:r>
-            <a:endParaRPr lang="zh-CN" altLang="en-US" dirty="0"/>
-          </a:p>
-        </p:txBody>
-      </p:sp>
-      <p:sp>
-        <p:nvSpPr>
-          <p:cNvPr id="7" name="灯片编号占位符 6"/>
-          <p:cNvSpPr>
-            <a:spLocks noGrp="1"/>
-          </p:cNvSpPr>
-          <p:nvPr>
-            <p:ph type="sldNum" sz="quarter" idx="12"/>
-          </p:nvPr>
-        </p:nvSpPr>
-        <p:spPr/>
-        <p:txBody>
-          <a:bodyPr/>
-          <a:lstStyle/>
-          <a:p>
-            <a:fld id="{F4A2626E-A0A3-4722-B047-8920ED1A51E7}" type="slidenum">
-              <a:rPr lang="zh-CN" altLang="en-US" smtClean="0"/>
-              <a:pPr/>
-              <a:t>9</a:t>
-            </a:fld>
-            <a:endParaRPr lang="zh-CN" altLang="en-US" dirty="0"/>
-          </a:p>
-        </p:txBody>
-      </p:sp>
-    </p:spTree>
-    <p:extLst>
-      <p:ext uri="{BB962C8B-B14F-4D97-AF65-F5344CB8AC3E}">
-        <p14:creationId xmlns:p14="http://schemas.microsoft.com/office/powerpoint/2010/main" xmlns="" val="3490512329"/>
       </p:ext>
     </p:extLst>
   </p:cSld>

--- a/MyUnitTest/Document/单元测试.pptx
+++ b/MyUnitTest/Document/单元测试.pptx
@@ -143,7 +143,7 @@
   </p:defaultTextStyle>
   <p:extLst>
     <p:ext uri="{EFAFB233-063F-42B5-8137-9DF3F51BA10A}">
-      <p15:sldGuideLst xmlns:p15="http://schemas.microsoft.com/office/powerpoint/2012/main" xmlns="">
+      <p15:sldGuideLst xmlns:p15="http://schemas.microsoft.com/office/powerpoint/2012/main">
         <p15:guide id="1" orient="horz" pos="2160">
           <p15:clr>
             <a:srgbClr val="A4A3A4"/>
@@ -162,10 +162,10 @@
 
 <file path=ppt/commentAuthors.xml><?xml version="1.0" encoding="utf-8"?>
 <p:cmAuthorLst xmlns:a="http://schemas.openxmlformats.org/drawingml/2006/main" xmlns:r="http://schemas.openxmlformats.org/officeDocument/2006/relationships" xmlns:p="http://schemas.openxmlformats.org/presentationml/2006/main">
-  <p:cmAuthor id="1" name="hj" initials="h" lastIdx="1" clrIdx="0">
+  <p:cmAuthor id="1" name="hj" initials="h" lastIdx="2" clrIdx="0">
     <p:extLst>
       <p:ext uri="{19B8F6BF-5375-455C-9EA6-DF929625EA0E}">
-        <p15:presenceInfo xmlns:p15="http://schemas.microsoft.com/office/powerpoint/2012/main" xmlns="" userId="hj" providerId="None"/>
+        <p15:presenceInfo xmlns:p15="http://schemas.microsoft.com/office/powerpoint/2012/main" userId="hj" providerId="None"/>
       </p:ext>
     </p:extLst>
   </p:cmAuthor>
@@ -174,8 +174,17 @@
 
 <file path=ppt/charts/chart1.xml><?xml version="1.0" encoding="utf-8"?>
 <c:chartSpace xmlns:c="http://schemas.openxmlformats.org/drawingml/2006/chart" xmlns:a="http://schemas.openxmlformats.org/drawingml/2006/main" xmlns:r="http://schemas.openxmlformats.org/officeDocument/2006/relationships">
-  <c:date1904 val="1"/>
+  <c:date1904 val="0"/>
   <c:lang val="zh-CN"/>
+  <c:roundedCorners val="0"/>
+  <mc:AlternateContent xmlns:mc="http://schemas.openxmlformats.org/markup-compatibility/2006">
+    <mc:Choice xmlns:c14="http://schemas.microsoft.com/office/drawing/2007/8/2/chart" Requires="c14">
+      <c14:style val="102"/>
+    </mc:Choice>
+    <mc:Fallback>
+      <c:style val="2"/>
+    </mc:Fallback>
+  </mc:AlternateContent>
   <c:chart>
     <c:autoTitleDeleted val="1"/>
     <c:plotArea>
@@ -197,6 +206,7 @@
           <c:order val="0"/>
           <c:dPt>
             <c:idx val="0"/>
+            <c:bubble3D val="0"/>
             <c:spPr>
               <a:solidFill>
                 <a:schemeClr val="accent2"/>
@@ -209,6 +219,7 @@
           </c:dPt>
           <c:dPt>
             <c:idx val="1"/>
+            <c:bubble3D val="0"/>
             <c:spPr>
               <a:solidFill>
                 <a:schemeClr val="accent4"/>
@@ -221,6 +232,7 @@
           </c:dPt>
           <c:dPt>
             <c:idx val="2"/>
+            <c:bubble3D val="0"/>
             <c:spPr>
               <a:solidFill>
                 <a:schemeClr val="accent6"/>
@@ -233,6 +245,7 @@
           </c:dPt>
           <c:dPt>
             <c:idx val="3"/>
+            <c:bubble3D val="0"/>
             <c:spPr>
               <a:solidFill>
                 <a:schemeClr val="accent2">
@@ -247,6 +260,7 @@
           </c:dPt>
           <c:dPt>
             <c:idx val="4"/>
+            <c:bubble3D val="0"/>
             <c:spPr>
               <a:solidFill>
                 <a:schemeClr val="accent4">
@@ -261,6 +275,7 @@
           </c:dPt>
           <c:dPt>
             <c:idx val="5"/>
+            <c:bubble3D val="0"/>
             <c:spPr>
               <a:solidFill>
                 <a:schemeClr val="accent6">
@@ -275,6 +290,7 @@
           </c:dPt>
           <c:dPt>
             <c:idx val="6"/>
+            <c:bubble3D val="0"/>
             <c:spPr>
               <a:solidFill>
                 <a:schemeClr val="accent2">
@@ -290,6 +306,7 @@
           </c:dPt>
           <c:dPt>
             <c:idx val="7"/>
+            <c:bubble3D val="0"/>
             <c:spPr>
               <a:solidFill>
                 <a:schemeClr val="accent4">
@@ -305,6 +322,7 @@
           </c:dPt>
           <c:dPt>
             <c:idx val="8"/>
+            <c:bubble3D val="0"/>
             <c:spPr>
               <a:solidFill>
                 <a:schemeClr val="accent6">
@@ -343,8 +361,12 @@
                 <a:endParaRPr lang="zh-CN"/>
               </a:p>
             </c:txPr>
+            <c:showLegendKey val="0"/>
+            <c:showVal val="0"/>
             <c:showCatName val="1"/>
+            <c:showSerName val="0"/>
             <c:showPercent val="1"/>
+            <c:showBubbleSize val="0"/>
             <c:showLeaderLines val="1"/>
             <c:leaderLines>
               <c:spPr>
@@ -359,9 +381,7 @@
               </c:spPr>
             </c:leaderLines>
             <c:extLst>
-              <c:ext xmlns:c15="http://schemas.microsoft.com/office/drawing/2012/chart" uri="{CE6537A1-D6FC-4f65-9D91-7224C49458BB}">
-                <c15:layout/>
-              </c:ext>
+              <c:ext xmlns:c15="http://schemas.microsoft.com/office/drawing/2012/chart" uri="{CE6537A1-D6FC-4f65-9D91-7224C49458BB}"/>
             </c:extLst>
           </c:dLbls>
           <c:cat>
@@ -438,8 +458,13 @@
           <c:extLst/>
         </c:ser>
         <c:dLbls>
+          <c:showLegendKey val="0"/>
+          <c:showVal val="0"/>
           <c:showCatName val="1"/>
+          <c:showSerName val="0"/>
           <c:showPercent val="1"/>
+          <c:showBubbleSize val="0"/>
+          <c:showLeaderLines val="1"/>
         </c:dLbls>
         <c:firstSliceAng val="0"/>
       </c:pieChart>
@@ -451,7 +476,9 @@
         <a:effectLst/>
       </c:spPr>
     </c:plotArea>
+    <c:plotVisOnly val="0"/>
     <c:dispBlanksAs val="zero"/>
+    <c:showDLblsOverMax val="0"/>
   </c:chart>
   <c:spPr>
     <a:noFill/>
@@ -472,14 +499,25 @@
       <a:endParaRPr lang="zh-CN"/>
     </a:p>
   </c:txPr>
-  <c:externalData r:id="rId1"/>
+  <c:externalData r:id="rId3">
+    <c:autoUpdate val="0"/>
+  </c:externalData>
 </c:chartSpace>
 </file>
 
 <file path=ppt/charts/chart2.xml><?xml version="1.0" encoding="utf-8"?>
 <c:chartSpace xmlns:c="http://schemas.openxmlformats.org/drawingml/2006/chart" xmlns:a="http://schemas.openxmlformats.org/drawingml/2006/main" xmlns:r="http://schemas.openxmlformats.org/officeDocument/2006/relationships">
-  <c:date1904 val="1"/>
+  <c:date1904 val="0"/>
   <c:lang val="zh-CN"/>
+  <c:roundedCorners val="0"/>
+  <mc:AlternateContent xmlns:mc="http://schemas.openxmlformats.org/markup-compatibility/2006">
+    <mc:Choice xmlns:c14="http://schemas.microsoft.com/office/drawing/2007/8/2/chart" Requires="c14">
+      <c14:style val="102"/>
+    </mc:Choice>
+    <mc:Fallback>
+      <c:style val="2"/>
+    </mc:Fallback>
+  </mc:AlternateContent>
   <c:chart>
     <c:title>
       <c:tx>
@@ -513,6 +551,7 @@
           <c:y val="0.91902286350856754"/>
         </c:manualLayout>
       </c:layout>
+      <c:overlay val="0"/>
       <c:spPr>
         <a:noFill/>
         <a:ln>
@@ -520,7 +559,25 @@
         </a:ln>
         <a:effectLst/>
       </c:spPr>
+      <c:txPr>
+        <a:bodyPr rot="0" spcFirstLastPara="1" vertOverflow="ellipsis" vert="horz" wrap="square" anchor="ctr" anchorCtr="1"/>
+        <a:lstStyle/>
+        <a:p>
+          <a:pPr>
+            <a:defRPr sz="2160" b="1" i="0" u="none" strike="noStrike" kern="1200" baseline="0">
+              <a:solidFill>
+                <a:schemeClr val="tx1"/>
+              </a:solidFill>
+              <a:latin typeface="+mn-lt"/>
+              <a:ea typeface="+mn-ea"/>
+              <a:cs typeface="+mn-cs"/>
+            </a:defRPr>
+          </a:pPr>
+          <a:endParaRPr lang="zh-CN"/>
+        </a:p>
+      </c:txPr>
     </c:title>
+    <c:autoTitleDeleted val="0"/>
     <c:plotArea>
       <c:layout/>
       <c:pieChart>
@@ -541,6 +598,7 @@
           </c:tx>
           <c:dPt>
             <c:idx val="0"/>
+            <c:bubble3D val="0"/>
             <c:spPr>
               <a:solidFill>
                 <a:schemeClr val="accent2"/>
@@ -553,6 +611,7 @@
           </c:dPt>
           <c:dPt>
             <c:idx val="1"/>
+            <c:bubble3D val="0"/>
             <c:spPr>
               <a:solidFill>
                 <a:schemeClr val="accent4"/>
@@ -565,6 +624,7 @@
           </c:dPt>
           <c:dPt>
             <c:idx val="2"/>
+            <c:bubble3D val="0"/>
             <c:spPr>
               <a:solidFill>
                 <a:schemeClr val="accent6"/>
@@ -577,6 +637,7 @@
           </c:dPt>
           <c:dPt>
             <c:idx val="3"/>
+            <c:bubble3D val="0"/>
             <c:spPr>
               <a:solidFill>
                 <a:schemeClr val="accent2">
@@ -591,6 +652,7 @@
           </c:dPt>
           <c:dPt>
             <c:idx val="4"/>
+            <c:bubble3D val="0"/>
             <c:spPr>
               <a:solidFill>
                 <a:schemeClr val="accent4">
@@ -605,6 +667,7 @@
           </c:dPt>
           <c:dPt>
             <c:idx val="5"/>
+            <c:bubble3D val="0"/>
             <c:spPr>
               <a:solidFill>
                 <a:schemeClr val="accent6">
@@ -644,12 +707,15 @@
                 <a:endParaRPr lang="zh-CN"/>
               </a:p>
             </c:txPr>
+            <c:showLegendKey val="0"/>
+            <c:showVal val="0"/>
             <c:showCatName val="1"/>
+            <c:showSerName val="0"/>
             <c:showPercent val="1"/>
+            <c:showBubbleSize val="0"/>
+            <c:showLeaderLines val="0"/>
             <c:extLst>
-              <c:ext xmlns:c15="http://schemas.microsoft.com/office/drawing/2012/chart" uri="{CE6537A1-D6FC-4f65-9D91-7224C49458BB}">
-                <c15:layout/>
-              </c:ext>
+              <c:ext xmlns:c15="http://schemas.microsoft.com/office/drawing/2012/chart" uri="{CE6537A1-D6FC-4f65-9D91-7224C49458BB}"/>
             </c:extLst>
           </c:dLbls>
           <c:cat>
@@ -707,8 +773,13 @@
           </c:val>
         </c:ser>
         <c:dLbls>
+          <c:showLegendKey val="0"/>
+          <c:showVal val="0"/>
           <c:showCatName val="1"/>
+          <c:showSerName val="0"/>
           <c:showPercent val="1"/>
+          <c:showBubbleSize val="0"/>
+          <c:showLeaderLines val="0"/>
         </c:dLbls>
         <c:firstSliceAng val="0"/>
       </c:pieChart>
@@ -722,6 +793,7 @@
     </c:plotArea>
     <c:plotVisOnly val="1"/>
     <c:dispBlanksAs val="zero"/>
+    <c:showDLblsOverMax val="0"/>
   </c:chart>
   <c:spPr>
     <a:noFill/>
@@ -742,7 +814,9 @@
       <a:endParaRPr lang="zh-CN"/>
     </a:p>
   </c:txPr>
-  <c:externalData r:id="rId1"/>
+  <c:externalData r:id="rId3">
+    <c:autoUpdate val="0"/>
+  </c:externalData>
 </c:chartSpace>
 </file>
 
@@ -1702,12 +1776,26 @@
 
 <file path=ppt/comments/comment1.xml><?xml version="1.0" encoding="utf-8"?>
 <p:cmLst xmlns:a="http://schemas.openxmlformats.org/drawingml/2006/main" xmlns:r="http://schemas.openxmlformats.org/officeDocument/2006/relationships" xmlns:p="http://schemas.openxmlformats.org/presentationml/2006/main">
+  <p:cm authorId="1" dt="2016-01-08T10:27:00.774" idx="2">
+    <p:pos x="2359" y="2913"/>
+    <p:text>用法？</p:text>
+    <p:extLst>
+      <p:ext uri="{C676402C-5697-4E1C-873F-D02D1690AC5C}">
+        <p15:threadingInfo xmlns:p15="http://schemas.microsoft.com/office/powerpoint/2012/main" timeZoneBias="-480"/>
+      </p:ext>
+    </p:extLst>
+  </p:cm>
+</p:cmLst>
+</file>
+
+<file path=ppt/comments/comment2.xml><?xml version="1.0" encoding="utf-8"?>
+<p:cmLst xmlns:a="http://schemas.openxmlformats.org/drawingml/2006/main" xmlns:r="http://schemas.openxmlformats.org/officeDocument/2006/relationships" xmlns:p="http://schemas.openxmlformats.org/presentationml/2006/main">
   <p:cm authorId="1" dt="2015-12-07T15:46:22.819" idx="1">
     <p:pos x="10" y="10"/>
     <p:text/>
     <p:extLst>
       <p:ext uri="{C676402C-5697-4E1C-873F-D02D1690AC5C}">
-        <p15:threadingInfo xmlns:p15="http://schemas.microsoft.com/office/powerpoint/2012/main" xmlns="" timeZoneBias="-480"/>
+        <p15:threadingInfo xmlns:p15="http://schemas.microsoft.com/office/powerpoint/2012/main" timeZoneBias="-480"/>
       </p:ext>
     </p:extLst>
   </p:cm>
@@ -5060,15 +5148,15 @@
     </dgm:pt>
   </dgm:ptLst>
   <dgm:cxnLst>
-    <dgm:cxn modelId="{B2280418-878E-4B8F-B912-E1C67AD909FE}" type="presOf" srcId="{01283AE1-6792-4ACE-A856-CBCE96AA03BE}" destId="{574D576A-56EA-42BC-85D2-CFC064124D29}" srcOrd="0" destOrd="0" presId="urn:microsoft.com/office/officeart/2005/8/layout/hList6"/>
     <dgm:cxn modelId="{8A790073-B15C-4DC8-8E37-C00AEE9AD816}" srcId="{01283AE1-6792-4ACE-A856-CBCE96AA03BE}" destId="{5BC199E0-DF68-43D3-B765-0CEDF392B228}" srcOrd="1" destOrd="0" parTransId="{2B2F120E-4A70-4BE1-B3C5-14ACDFB31E8C}" sibTransId="{AC182543-F170-40A4-A3D8-BF35EADCAFD8}"/>
+    <dgm:cxn modelId="{1A5B2260-E17F-4BBE-AAD9-4BED48379872}" type="presOf" srcId="{5BC199E0-DF68-43D3-B765-0CEDF392B228}" destId="{C19C4CC4-4408-4336-8021-DCDA70786B84}" srcOrd="0" destOrd="0" presId="urn:microsoft.com/office/officeart/2005/8/layout/hList6"/>
     <dgm:cxn modelId="{FB850789-F7BC-4C03-8BE5-EE2448A01BE3}" type="presOf" srcId="{CC68CA08-DAA0-4065-8DE3-DCDF925CC3BB}" destId="{59AAEB71-E03F-4FA0-8AC1-58E19F092DB6}" srcOrd="0" destOrd="0" presId="urn:microsoft.com/office/officeart/2005/8/layout/hList6"/>
-    <dgm:cxn modelId="{EE368F7C-B69C-4023-A49D-8D0625A545D9}" type="presOf" srcId="{A0784A84-C867-448B-937E-735D4A1F5DB0}" destId="{1BAC7C92-48DB-4CD2-913F-229A9DF2EB7E}" srcOrd="0" destOrd="0" presId="urn:microsoft.com/office/officeart/2005/8/layout/hList6"/>
+    <dgm:cxn modelId="{868EBAB3-EBA0-4FA7-A14B-AA8BEAEA35E9}" srcId="{01283AE1-6792-4ACE-A856-CBCE96AA03BE}" destId="{A0784A84-C867-448B-937E-735D4A1F5DB0}" srcOrd="0" destOrd="0" parTransId="{4A4F826A-9C2F-4E04-907F-447412BE796E}" sibTransId="{54D90DF1-B6D7-47A2-B7AC-EC9CB6A2F71F}"/>
+    <dgm:cxn modelId="{4D53DEA3-6561-4B6E-B40F-D6E4F882835D}" type="presOf" srcId="{42D4448C-C5FB-4206-B107-515D59762D47}" destId="{FC426D81-F097-478B-AAD3-A103F255A0E4}" srcOrd="0" destOrd="0" presId="urn:microsoft.com/office/officeart/2005/8/layout/hList6"/>
     <dgm:cxn modelId="{4C820ABD-A7B3-4756-9412-0B682ABB5F2F}" srcId="{01283AE1-6792-4ACE-A856-CBCE96AA03BE}" destId="{42D4448C-C5FB-4206-B107-515D59762D47}" srcOrd="2" destOrd="0" parTransId="{029CB2F0-7D51-4B44-885A-2D696EF1295E}" sibTransId="{5CFA4DAE-F93F-47F6-9265-7A5370477511}"/>
     <dgm:cxn modelId="{D9361309-8D28-4166-A4C7-303E32744E19}" srcId="{01283AE1-6792-4ACE-A856-CBCE96AA03BE}" destId="{CC68CA08-DAA0-4065-8DE3-DCDF925CC3BB}" srcOrd="3" destOrd="0" parTransId="{6402084D-FCA5-4B72-92B5-0887D818600A}" sibTransId="{5F70E8A7-4C65-41A8-A3E2-9B4015366357}"/>
-    <dgm:cxn modelId="{1A5B2260-E17F-4BBE-AAD9-4BED48379872}" type="presOf" srcId="{5BC199E0-DF68-43D3-B765-0CEDF392B228}" destId="{C19C4CC4-4408-4336-8021-DCDA70786B84}" srcOrd="0" destOrd="0" presId="urn:microsoft.com/office/officeart/2005/8/layout/hList6"/>
-    <dgm:cxn modelId="{868EBAB3-EBA0-4FA7-A14B-AA8BEAEA35E9}" srcId="{01283AE1-6792-4ACE-A856-CBCE96AA03BE}" destId="{A0784A84-C867-448B-937E-735D4A1F5DB0}" srcOrd="0" destOrd="0" parTransId="{4A4F826A-9C2F-4E04-907F-447412BE796E}" sibTransId="{54D90DF1-B6D7-47A2-B7AC-EC9CB6A2F71F}"/>
-    <dgm:cxn modelId="{4D53DEA3-6561-4B6E-B40F-D6E4F882835D}" type="presOf" srcId="{42D4448C-C5FB-4206-B107-515D59762D47}" destId="{FC426D81-F097-478B-AAD3-A103F255A0E4}" srcOrd="0" destOrd="0" presId="urn:microsoft.com/office/officeart/2005/8/layout/hList6"/>
+    <dgm:cxn modelId="{B2280418-878E-4B8F-B912-E1C67AD909FE}" type="presOf" srcId="{01283AE1-6792-4ACE-A856-CBCE96AA03BE}" destId="{574D576A-56EA-42BC-85D2-CFC064124D29}" srcOrd="0" destOrd="0" presId="urn:microsoft.com/office/officeart/2005/8/layout/hList6"/>
+    <dgm:cxn modelId="{EE368F7C-B69C-4023-A49D-8D0625A545D9}" type="presOf" srcId="{A0784A84-C867-448B-937E-735D4A1F5DB0}" destId="{1BAC7C92-48DB-4CD2-913F-229A9DF2EB7E}" srcOrd="0" destOrd="0" presId="urn:microsoft.com/office/officeart/2005/8/layout/hList6"/>
     <dgm:cxn modelId="{9F51E6D8-5C37-4C38-A391-2BA482A23EDF}" type="presParOf" srcId="{574D576A-56EA-42BC-85D2-CFC064124D29}" destId="{1BAC7C92-48DB-4CD2-913F-229A9DF2EB7E}" srcOrd="0" destOrd="0" presId="urn:microsoft.com/office/officeart/2005/8/layout/hList6"/>
     <dgm:cxn modelId="{1510022D-14F9-474A-B084-CAE811BA2FE4}" type="presParOf" srcId="{574D576A-56EA-42BC-85D2-CFC064124D29}" destId="{E4DC0848-9670-4EC9-AFAA-36028125F488}" srcOrd="1" destOrd="0" presId="urn:microsoft.com/office/officeart/2005/8/layout/hList6"/>
     <dgm:cxn modelId="{B5F706B9-25B1-4362-BFA6-EAF25945B49B}" type="presParOf" srcId="{574D576A-56EA-42BC-85D2-CFC064124D29}" destId="{C19C4CC4-4408-4336-8021-DCDA70786B84}" srcOrd="2" destOrd="0" presId="urn:microsoft.com/office/officeart/2005/8/layout/hList6"/>
@@ -5081,7 +5169,7 @@
   <dgm:whole/>
   <dgm:extLst>
     <a:ext uri="http://schemas.microsoft.com/office/drawing/2008/diagram">
-      <dsp:dataModelExt xmlns:dsp="http://schemas.microsoft.com/office/drawing/2008/diagram" xmlns="" relId="rId7" minVer="http://schemas.openxmlformats.org/drawingml/2006/diagram"/>
+      <dsp:dataModelExt xmlns:dsp="http://schemas.microsoft.com/office/drawing/2008/diagram" relId="rId7" minVer="http://schemas.openxmlformats.org/drawingml/2006/diagram"/>
     </a:ext>
   </dgm:extLst>
 </dgm:dataModel>
@@ -5637,25 +5725,25 @@
     </dgm:pt>
   </dgm:ptLst>
   <dgm:cxnLst>
-    <dgm:cxn modelId="{1F19371A-2072-4DF2-971F-8FC8C126C2C2}" type="presOf" srcId="{0BD50BFE-8F67-489A-9CC1-CE402704C29B}" destId="{D0A8B1D7-2CF4-4572-8692-C4DFE295E73A}" srcOrd="0" destOrd="0" presId="urn:microsoft.com/office/officeart/2005/8/layout/vList2"/>
     <dgm:cxn modelId="{9F7B1B92-FFDA-489C-9E08-5FB1896983F9}" srcId="{12608442-2D12-4099-907B-838DCA644F87}" destId="{0BD50BFE-8F67-489A-9CC1-CE402704C29B}" srcOrd="2" destOrd="0" parTransId="{9FD4DD88-BD0D-4873-9AAE-8C3649EDFB4E}" sibTransId="{CFBC7339-64CB-4A6F-B9F0-F556B4AE75C6}"/>
-    <dgm:cxn modelId="{4770BF72-CBC7-481C-AB81-68BC06A307D4}" srcId="{12608442-2D12-4099-907B-838DCA644F87}" destId="{5E36E64A-8063-4325-8D7B-6F6F385B262D}" srcOrd="8" destOrd="0" parTransId="{7C1632F3-9A35-4685-BC90-B5FDDCB5A577}" sibTransId="{40516D1E-E7F3-4EB4-94FD-64C1DA8BB2B6}"/>
-    <dgm:cxn modelId="{6141650A-64E0-41A2-9A47-88A85AAE4B68}" type="presOf" srcId="{5E36E64A-8063-4325-8D7B-6F6F385B262D}" destId="{F1A4582A-D685-421B-82D4-F7ACC28DEDB3}" srcOrd="0" destOrd="0" presId="urn:microsoft.com/office/officeart/2005/8/layout/vList2"/>
-    <dgm:cxn modelId="{C4250C43-78B1-4540-B39C-EA52BA18A551}" type="presOf" srcId="{8AB1FE4C-0E61-4E74-A665-3956C297081A}" destId="{8126ED31-E1DA-4192-8C3B-F326AD00D33D}" srcOrd="0" destOrd="0" presId="urn:microsoft.com/office/officeart/2005/8/layout/vList2"/>
+    <dgm:cxn modelId="{AD86FDC5-4CA4-4A9A-8CC4-A10E7E0AEDA3}" srcId="{12608442-2D12-4099-907B-838DCA644F87}" destId="{873E4879-D568-4CD3-A246-934E8D4A7499}" srcOrd="7" destOrd="0" parTransId="{C3C7408E-EBF8-4887-9534-161425D7F3FA}" sibTransId="{3D33C9FA-F1A8-4199-9B31-AF66212BC73B}"/>
+    <dgm:cxn modelId="{03EE9BFC-B07B-4B43-8328-154CD2B53DC7}" type="presOf" srcId="{12608442-2D12-4099-907B-838DCA644F87}" destId="{3C134EC1-F90C-4A95-986B-64EC26F9628A}" srcOrd="0" destOrd="0" presId="urn:microsoft.com/office/officeart/2005/8/layout/vList2"/>
+    <dgm:cxn modelId="{6CCB52B7-957A-4A39-9000-AD80FF3A3B79}" srcId="{12608442-2D12-4099-907B-838DCA644F87}" destId="{F25648D3-4B2D-4AC8-B95F-6367E4304B6C}" srcOrd="0" destOrd="0" parTransId="{09C5E831-C95B-425E-8D5A-31FF0999EAF2}" sibTransId="{3CEA008C-7AC4-404C-AFB1-5097C784B973}"/>
     <dgm:cxn modelId="{8C12CBB0-3321-4AD9-B2CC-42EF927DBB4D}" type="presOf" srcId="{873E4879-D568-4CD3-A246-934E8D4A7499}" destId="{C0337F5B-F4C6-4455-9E4E-E42014C71AB6}" srcOrd="0" destOrd="0" presId="urn:microsoft.com/office/officeart/2005/8/layout/vList2"/>
     <dgm:cxn modelId="{4C8921E2-4179-406F-A88C-142710B70EAF}" srcId="{12608442-2D12-4099-907B-838DCA644F87}" destId="{8AB1FE4C-0E61-4E74-A665-3956C297081A}" srcOrd="3" destOrd="0" parTransId="{61EDDD92-11AA-4BCC-849F-1C5062B4DD36}" sibTransId="{97DB0E8C-4C16-467E-B9B7-156B61DF4C50}"/>
+    <dgm:cxn modelId="{6EA9A9AD-6849-41CD-8FA5-F7AC034CE031}" type="presOf" srcId="{25643373-1D06-488A-8185-2FC694F957A3}" destId="{4C8F5D48-64D7-4B34-8B11-EAF3BA0D16F7}" srcOrd="0" destOrd="0" presId="urn:microsoft.com/office/officeart/2005/8/layout/vList2"/>
+    <dgm:cxn modelId="{ED17B9D6-E00C-44FD-953A-1DBA245E2530}" srcId="{12608442-2D12-4099-907B-838DCA644F87}" destId="{AB4E9A40-5FE0-440D-86A7-BE294EFDA9A0}" srcOrd="5" destOrd="0" parTransId="{95EF3A29-6AF8-4AAE-AD72-9AC45367C519}" sibTransId="{B13092C5-B869-4D40-8ABA-AB4E10C81BBA}"/>
+    <dgm:cxn modelId="{C7E52DBA-2E25-4924-AA53-EE73BE25B476}" type="presOf" srcId="{89A328AD-B04E-430A-A282-BAD7EE2A6135}" destId="{9D957FCD-19B8-4F52-8F23-D120908C942A}" srcOrd="0" destOrd="0" presId="urn:microsoft.com/office/officeart/2005/8/layout/vList2"/>
+    <dgm:cxn modelId="{6141650A-64E0-41A2-9A47-88A85AAE4B68}" type="presOf" srcId="{5E36E64A-8063-4325-8D7B-6F6F385B262D}" destId="{F1A4582A-D685-421B-82D4-F7ACC28DEDB3}" srcOrd="0" destOrd="0" presId="urn:microsoft.com/office/officeart/2005/8/layout/vList2"/>
+    <dgm:cxn modelId="{757B032C-B814-40B5-9CA2-A3D1E50A896B}" type="presOf" srcId="{F25648D3-4B2D-4AC8-B95F-6367E4304B6C}" destId="{13F417B4-B05C-4E01-97BE-8FE5B4DFFBCD}" srcOrd="0" destOrd="0" presId="urn:microsoft.com/office/officeart/2005/8/layout/vList2"/>
+    <dgm:cxn modelId="{1F19371A-2072-4DF2-971F-8FC8C126C2C2}" type="presOf" srcId="{0BD50BFE-8F67-489A-9CC1-CE402704C29B}" destId="{D0A8B1D7-2CF4-4572-8692-C4DFE295E73A}" srcOrd="0" destOrd="0" presId="urn:microsoft.com/office/officeart/2005/8/layout/vList2"/>
     <dgm:cxn modelId="{732F67EE-BA2A-44B5-A337-DF52615B808B}" srcId="{12608442-2D12-4099-907B-838DCA644F87}" destId="{89A328AD-B04E-430A-A282-BAD7EE2A6135}" srcOrd="6" destOrd="0" parTransId="{6275B8DD-CDF0-41C6-8957-E36B3CB5C1FA}" sibTransId="{0FBA502A-8C94-4408-82DC-3036B14DC91A}"/>
-    <dgm:cxn modelId="{757B032C-B814-40B5-9CA2-A3D1E50A896B}" type="presOf" srcId="{F25648D3-4B2D-4AC8-B95F-6367E4304B6C}" destId="{13F417B4-B05C-4E01-97BE-8FE5B4DFFBCD}" srcOrd="0" destOrd="0" presId="urn:microsoft.com/office/officeart/2005/8/layout/vList2"/>
-    <dgm:cxn modelId="{6EA9A9AD-6849-41CD-8FA5-F7AC034CE031}" type="presOf" srcId="{25643373-1D06-488A-8185-2FC694F957A3}" destId="{4C8F5D48-64D7-4B34-8B11-EAF3BA0D16F7}" srcOrd="0" destOrd="0" presId="urn:microsoft.com/office/officeart/2005/8/layout/vList2"/>
-    <dgm:cxn modelId="{03EE9BFC-B07B-4B43-8328-154CD2B53DC7}" type="presOf" srcId="{12608442-2D12-4099-907B-838DCA644F87}" destId="{3C134EC1-F90C-4A95-986B-64EC26F9628A}" srcOrd="0" destOrd="0" presId="urn:microsoft.com/office/officeart/2005/8/layout/vList2"/>
-    <dgm:cxn modelId="{C7E52DBA-2E25-4924-AA53-EE73BE25B476}" type="presOf" srcId="{89A328AD-B04E-430A-A282-BAD7EE2A6135}" destId="{9D957FCD-19B8-4F52-8F23-D120908C942A}" srcOrd="0" destOrd="0" presId="urn:microsoft.com/office/officeart/2005/8/layout/vList2"/>
-    <dgm:cxn modelId="{6CCB52B7-957A-4A39-9000-AD80FF3A3B79}" srcId="{12608442-2D12-4099-907B-838DCA644F87}" destId="{F25648D3-4B2D-4AC8-B95F-6367E4304B6C}" srcOrd="0" destOrd="0" parTransId="{09C5E831-C95B-425E-8D5A-31FF0999EAF2}" sibTransId="{3CEA008C-7AC4-404C-AFB1-5097C784B973}"/>
     <dgm:cxn modelId="{D5CF9329-8432-4A11-88B8-DBDED98191E6}" srcId="{12608442-2D12-4099-907B-838DCA644F87}" destId="{25643373-1D06-488A-8185-2FC694F957A3}" srcOrd="4" destOrd="0" parTransId="{5BA1773B-CDB8-45BC-90B6-A9B8E276F29E}" sibTransId="{518FAF13-A554-47BE-9447-8DC5CDDDE2FA}"/>
-    <dgm:cxn modelId="{AD86FDC5-4CA4-4A9A-8CC4-A10E7E0AEDA3}" srcId="{12608442-2D12-4099-907B-838DCA644F87}" destId="{873E4879-D568-4CD3-A246-934E8D4A7499}" srcOrd="7" destOrd="0" parTransId="{C3C7408E-EBF8-4887-9534-161425D7F3FA}" sibTransId="{3D33C9FA-F1A8-4199-9B31-AF66212BC73B}"/>
     <dgm:cxn modelId="{E351B7AA-7E55-4086-BC05-7B5BD5837BCB}" srcId="{12608442-2D12-4099-907B-838DCA644F87}" destId="{CB3EF51E-0786-4B77-9E0E-5CE39DA123DC}" srcOrd="1" destOrd="0" parTransId="{50E04C24-844D-4B6C-A589-E7D006BC2D08}" sibTransId="{4F90B89C-F776-49FE-91E5-3989DFD591E7}"/>
-    <dgm:cxn modelId="{ED17B9D6-E00C-44FD-953A-1DBA245E2530}" srcId="{12608442-2D12-4099-907B-838DCA644F87}" destId="{AB4E9A40-5FE0-440D-86A7-BE294EFDA9A0}" srcOrd="5" destOrd="0" parTransId="{95EF3A29-6AF8-4AAE-AD72-9AC45367C519}" sibTransId="{B13092C5-B869-4D40-8ABA-AB4E10C81BBA}"/>
+    <dgm:cxn modelId="{42AD458C-4E76-444E-AC2B-867B0E459E4C}" type="presOf" srcId="{CB3EF51E-0786-4B77-9E0E-5CE39DA123DC}" destId="{12FC72C9-6B4F-44FD-AAF7-0FD013F53B0D}" srcOrd="0" destOrd="0" presId="urn:microsoft.com/office/officeart/2005/8/layout/vList2"/>
     <dgm:cxn modelId="{D5340EE5-C211-44F5-9D90-11D0069E9034}" type="presOf" srcId="{AB4E9A40-5FE0-440D-86A7-BE294EFDA9A0}" destId="{A0016F7E-A614-4BF7-9E9C-74526837614C}" srcOrd="0" destOrd="0" presId="urn:microsoft.com/office/officeart/2005/8/layout/vList2"/>
-    <dgm:cxn modelId="{42AD458C-4E76-444E-AC2B-867B0E459E4C}" type="presOf" srcId="{CB3EF51E-0786-4B77-9E0E-5CE39DA123DC}" destId="{12FC72C9-6B4F-44FD-AAF7-0FD013F53B0D}" srcOrd="0" destOrd="0" presId="urn:microsoft.com/office/officeart/2005/8/layout/vList2"/>
+    <dgm:cxn modelId="{C4250C43-78B1-4540-B39C-EA52BA18A551}" type="presOf" srcId="{8AB1FE4C-0E61-4E74-A665-3956C297081A}" destId="{8126ED31-E1DA-4192-8C3B-F326AD00D33D}" srcOrd="0" destOrd="0" presId="urn:microsoft.com/office/officeart/2005/8/layout/vList2"/>
+    <dgm:cxn modelId="{4770BF72-CBC7-481C-AB81-68BC06A307D4}" srcId="{12608442-2D12-4099-907B-838DCA644F87}" destId="{5E36E64A-8063-4325-8D7B-6F6F385B262D}" srcOrd="8" destOrd="0" parTransId="{7C1632F3-9A35-4685-BC90-B5FDDCB5A577}" sibTransId="{40516D1E-E7F3-4EB4-94FD-64C1DA8BB2B6}"/>
     <dgm:cxn modelId="{5C85214E-DF11-440C-B417-FD63656104F8}" type="presParOf" srcId="{3C134EC1-F90C-4A95-986B-64EC26F9628A}" destId="{13F417B4-B05C-4E01-97BE-8FE5B4DFFBCD}" srcOrd="0" destOrd="0" presId="urn:microsoft.com/office/officeart/2005/8/layout/vList2"/>
     <dgm:cxn modelId="{93A22869-3593-41CB-9243-25F4D7928496}" type="presParOf" srcId="{3C134EC1-F90C-4A95-986B-64EC26F9628A}" destId="{23FFE85B-604C-4537-8A2C-6B365F6F5013}" srcOrd="1" destOrd="0" presId="urn:microsoft.com/office/officeart/2005/8/layout/vList2"/>
     <dgm:cxn modelId="{DD817C39-59B1-4DB6-9CB1-3AB644B4CD0A}" type="presParOf" srcId="{3C134EC1-F90C-4A95-986B-64EC26F9628A}" destId="{12FC72C9-6B4F-44FD-AAF7-0FD013F53B0D}" srcOrd="2" destOrd="0" presId="urn:microsoft.com/office/officeart/2005/8/layout/vList2"/>
@@ -5678,7 +5766,7 @@
   <dgm:whole/>
   <dgm:extLst>
     <a:ext uri="http://schemas.microsoft.com/office/drawing/2008/diagram">
-      <dsp:dataModelExt xmlns:dsp="http://schemas.microsoft.com/office/drawing/2008/diagram" xmlns="" relId="rId6" minVer="http://schemas.openxmlformats.org/drawingml/2006/diagram"/>
+      <dsp:dataModelExt xmlns:dsp="http://schemas.microsoft.com/office/drawing/2008/diagram" relId="rId6" minVer="http://schemas.openxmlformats.org/drawingml/2006/diagram"/>
     </a:ext>
   </dgm:extLst>
 </dgm:dataModel>
@@ -6025,21 +6113,21 @@
     </dgm:pt>
   </dgm:ptLst>
   <dgm:cxnLst>
-    <dgm:cxn modelId="{FA8B9F46-69F3-4776-BCE1-A8A221BAD222}" srcId="{ECD5FEE4-F8FE-4A89-B275-225DEAE1365B}" destId="{C0B76923-4142-437F-B9EA-B9E972E333D1}" srcOrd="0" destOrd="0" parTransId="{6BF58135-7CA7-449C-96C5-3466F006DC2A}" sibTransId="{373BADAB-0E15-4AD7-9F7A-EEAC8EAB14D8}"/>
-    <dgm:cxn modelId="{F8098299-332F-424D-B779-85EC7CEBCB69}" type="presOf" srcId="{ECD5FEE4-F8FE-4A89-B275-225DEAE1365B}" destId="{D4EF05F2-0854-4310-8437-63917B197385}" srcOrd="0" destOrd="0" presId="urn:microsoft.com/office/officeart/2005/8/layout/hierarchy2"/>
-    <dgm:cxn modelId="{B54FA0F0-FE5B-4484-B63E-FCC0C6C1EB9B}" type="presOf" srcId="{5934292A-0991-49E2-9586-635A2C229680}" destId="{79315EFD-F0D5-4F6D-B6E2-08344FD98E5B}" srcOrd="0" destOrd="0" presId="urn:microsoft.com/office/officeart/2005/8/layout/hierarchy2"/>
-    <dgm:cxn modelId="{CE8EC631-7A35-490F-9808-6E93AEDA40F9}" type="presOf" srcId="{5934292A-0991-49E2-9586-635A2C229680}" destId="{716EE90F-2927-4BAE-8E18-DB83BD69B1D1}" srcOrd="1" destOrd="0" presId="urn:microsoft.com/office/officeart/2005/8/layout/hierarchy2"/>
-    <dgm:cxn modelId="{5311675D-EBB5-4C44-A882-F1BB0582048B}" srcId="{ECD5FEE4-F8FE-4A89-B275-225DEAE1365B}" destId="{13589A82-6D90-4135-B8D7-3A6E86C8EE39}" srcOrd="2" destOrd="0" parTransId="{5934292A-0991-49E2-9586-635A2C229680}" sibTransId="{5380AFB7-720B-4614-BBA7-22864506B485}"/>
-    <dgm:cxn modelId="{CFAD38A1-E21C-4800-B0C9-00B861E854A6}" type="presOf" srcId="{6BF58135-7CA7-449C-96C5-3466F006DC2A}" destId="{70C33C40-509C-4A7A-A233-690085674AE9}" srcOrd="1" destOrd="0" presId="urn:microsoft.com/office/officeart/2005/8/layout/hierarchy2"/>
-    <dgm:cxn modelId="{DE3B0C7A-4782-4176-8C5F-13D10CCBBC3C}" type="presOf" srcId="{6BF58135-7CA7-449C-96C5-3466F006DC2A}" destId="{A96A41C0-5764-46B8-895F-8CB3D9FB35B5}" srcOrd="0" destOrd="0" presId="urn:microsoft.com/office/officeart/2005/8/layout/hierarchy2"/>
-    <dgm:cxn modelId="{5AE96FA4-A48C-4A58-8F9F-851E331E3FA7}" type="presOf" srcId="{326D6A3A-8084-456B-AEBA-51082EDD4A99}" destId="{E97E8025-E196-4855-9B9E-6B6772445907}" srcOrd="0" destOrd="0" presId="urn:microsoft.com/office/officeart/2005/8/layout/hierarchy2"/>
-    <dgm:cxn modelId="{9012DD3F-C7C5-4C92-98A0-B499616DCBB3}" srcId="{68ABACAE-B821-40F8-83C1-98FA11018ECE}" destId="{ECD5FEE4-F8FE-4A89-B275-225DEAE1365B}" srcOrd="0" destOrd="0" parTransId="{A75360FC-0419-468B-89E7-E02A7444AD3D}" sibTransId="{57BCCAF5-D2EC-4700-BB1C-9BC9A4FE07A9}"/>
+    <dgm:cxn modelId="{E1ECDE35-67D3-48A6-8F44-7424501C062D}" srcId="{ECD5FEE4-F8FE-4A89-B275-225DEAE1365B}" destId="{326D6A3A-8084-456B-AEBA-51082EDD4A99}" srcOrd="1" destOrd="0" parTransId="{4281BB24-A722-47B7-9ACB-448D3373C1A4}" sibTransId="{4B0A2760-EA1C-4EC6-8A68-CEAA769B918B}"/>
     <dgm:cxn modelId="{83AC8B7C-0097-4BF3-8515-DE23E4AFD269}" type="presOf" srcId="{68ABACAE-B821-40F8-83C1-98FA11018ECE}" destId="{3991A67E-CA15-41A2-B74F-AD1689BDAEF0}" srcOrd="0" destOrd="0" presId="urn:microsoft.com/office/officeart/2005/8/layout/hierarchy2"/>
     <dgm:cxn modelId="{9FB69068-1334-4594-A14F-3483854D5934}" type="presOf" srcId="{C0B76923-4142-437F-B9EA-B9E972E333D1}" destId="{D8C75AAF-0C30-49C2-8872-1A709B2ED191}" srcOrd="0" destOrd="0" presId="urn:microsoft.com/office/officeart/2005/8/layout/hierarchy2"/>
+    <dgm:cxn modelId="{9012DD3F-C7C5-4C92-98A0-B499616DCBB3}" srcId="{68ABACAE-B821-40F8-83C1-98FA11018ECE}" destId="{ECD5FEE4-F8FE-4A89-B275-225DEAE1365B}" srcOrd="0" destOrd="0" parTransId="{A75360FC-0419-468B-89E7-E02A7444AD3D}" sibTransId="{57BCCAF5-D2EC-4700-BB1C-9BC9A4FE07A9}"/>
+    <dgm:cxn modelId="{F8098299-332F-424D-B779-85EC7CEBCB69}" type="presOf" srcId="{ECD5FEE4-F8FE-4A89-B275-225DEAE1365B}" destId="{D4EF05F2-0854-4310-8437-63917B197385}" srcOrd="0" destOrd="0" presId="urn:microsoft.com/office/officeart/2005/8/layout/hierarchy2"/>
     <dgm:cxn modelId="{02E1F27F-297B-42CC-8245-B32AD3CF5192}" type="presOf" srcId="{13589A82-6D90-4135-B8D7-3A6E86C8EE39}" destId="{F1B24ECC-6A9E-429C-BD67-8F8FB6027DF6}" srcOrd="0" destOrd="0" presId="urn:microsoft.com/office/officeart/2005/8/layout/hierarchy2"/>
+    <dgm:cxn modelId="{DE3B0C7A-4782-4176-8C5F-13D10CCBBC3C}" type="presOf" srcId="{6BF58135-7CA7-449C-96C5-3466F006DC2A}" destId="{A96A41C0-5764-46B8-895F-8CB3D9FB35B5}" srcOrd="0" destOrd="0" presId="urn:microsoft.com/office/officeart/2005/8/layout/hierarchy2"/>
     <dgm:cxn modelId="{B28AA845-9BB3-483A-95BE-06890963522C}" type="presOf" srcId="{4281BB24-A722-47B7-9ACB-448D3373C1A4}" destId="{B4A513AB-C2E6-492E-8161-207361CC1A7D}" srcOrd="0" destOrd="0" presId="urn:microsoft.com/office/officeart/2005/8/layout/hierarchy2"/>
+    <dgm:cxn modelId="{5311675D-EBB5-4C44-A882-F1BB0582048B}" srcId="{ECD5FEE4-F8FE-4A89-B275-225DEAE1365B}" destId="{13589A82-6D90-4135-B8D7-3A6E86C8EE39}" srcOrd="2" destOrd="0" parTransId="{5934292A-0991-49E2-9586-635A2C229680}" sibTransId="{5380AFB7-720B-4614-BBA7-22864506B485}"/>
+    <dgm:cxn modelId="{5AE96FA4-A48C-4A58-8F9F-851E331E3FA7}" type="presOf" srcId="{326D6A3A-8084-456B-AEBA-51082EDD4A99}" destId="{E97E8025-E196-4855-9B9E-6B6772445907}" srcOrd="0" destOrd="0" presId="urn:microsoft.com/office/officeart/2005/8/layout/hierarchy2"/>
+    <dgm:cxn modelId="{FA8B9F46-69F3-4776-BCE1-A8A221BAD222}" srcId="{ECD5FEE4-F8FE-4A89-B275-225DEAE1365B}" destId="{C0B76923-4142-437F-B9EA-B9E972E333D1}" srcOrd="0" destOrd="0" parTransId="{6BF58135-7CA7-449C-96C5-3466F006DC2A}" sibTransId="{373BADAB-0E15-4AD7-9F7A-EEAC8EAB14D8}"/>
     <dgm:cxn modelId="{0A7619A1-CFBD-4D00-807B-65F4ADB34AB8}" type="presOf" srcId="{4281BB24-A722-47B7-9ACB-448D3373C1A4}" destId="{8356D5EE-9BE6-4598-A4AA-115ADB9AB7C2}" srcOrd="1" destOrd="0" presId="urn:microsoft.com/office/officeart/2005/8/layout/hierarchy2"/>
-    <dgm:cxn modelId="{E1ECDE35-67D3-48A6-8F44-7424501C062D}" srcId="{ECD5FEE4-F8FE-4A89-B275-225DEAE1365B}" destId="{326D6A3A-8084-456B-AEBA-51082EDD4A99}" srcOrd="1" destOrd="0" parTransId="{4281BB24-A722-47B7-9ACB-448D3373C1A4}" sibTransId="{4B0A2760-EA1C-4EC6-8A68-CEAA769B918B}"/>
+    <dgm:cxn modelId="{CFAD38A1-E21C-4800-B0C9-00B861E854A6}" type="presOf" srcId="{6BF58135-7CA7-449C-96C5-3466F006DC2A}" destId="{70C33C40-509C-4A7A-A233-690085674AE9}" srcOrd="1" destOrd="0" presId="urn:microsoft.com/office/officeart/2005/8/layout/hierarchy2"/>
+    <dgm:cxn modelId="{CE8EC631-7A35-490F-9808-6E93AEDA40F9}" type="presOf" srcId="{5934292A-0991-49E2-9586-635A2C229680}" destId="{716EE90F-2927-4BAE-8E18-DB83BD69B1D1}" srcOrd="1" destOrd="0" presId="urn:microsoft.com/office/officeart/2005/8/layout/hierarchy2"/>
+    <dgm:cxn modelId="{B54FA0F0-FE5B-4484-B63E-FCC0C6C1EB9B}" type="presOf" srcId="{5934292A-0991-49E2-9586-635A2C229680}" destId="{79315EFD-F0D5-4F6D-B6E2-08344FD98E5B}" srcOrd="0" destOrd="0" presId="urn:microsoft.com/office/officeart/2005/8/layout/hierarchy2"/>
     <dgm:cxn modelId="{0F6E7D7A-41FD-4E85-995E-83E5C5E8EF3C}" type="presParOf" srcId="{3991A67E-CA15-41A2-B74F-AD1689BDAEF0}" destId="{A838F566-182C-4A7D-A0CC-6288D95FEA4B}" srcOrd="0" destOrd="0" presId="urn:microsoft.com/office/officeart/2005/8/layout/hierarchy2"/>
     <dgm:cxn modelId="{D502390C-3A32-4782-BDC0-BB8184FB8068}" type="presParOf" srcId="{A838F566-182C-4A7D-A0CC-6288D95FEA4B}" destId="{D4EF05F2-0854-4310-8437-63917B197385}" srcOrd="0" destOrd="0" presId="urn:microsoft.com/office/officeart/2005/8/layout/hierarchy2"/>
     <dgm:cxn modelId="{95535B5E-44D9-423D-910E-8E5CE01442B1}" type="presParOf" srcId="{A838F566-182C-4A7D-A0CC-6288D95FEA4B}" destId="{6EB9E418-861E-4FD2-946D-44A24403C8E1}" srcOrd="1" destOrd="0" presId="urn:microsoft.com/office/officeart/2005/8/layout/hierarchy2"/>
@@ -6063,7 +6151,7 @@
   <dgm:whole/>
   <dgm:extLst>
     <a:ext uri="http://schemas.microsoft.com/office/drawing/2008/diagram">
-      <dsp:dataModelExt xmlns:dsp="http://schemas.microsoft.com/office/drawing/2008/diagram" xmlns="" relId="rId7" minVer="http://schemas.openxmlformats.org/drawingml/2006/diagram"/>
+      <dsp:dataModelExt xmlns:dsp="http://schemas.microsoft.com/office/drawing/2008/diagram" relId="rId7" minVer="http://schemas.openxmlformats.org/drawingml/2006/diagram"/>
     </a:ext>
   </dgm:extLst>
 </dgm:dataModel>
@@ -6380,24 +6468,24 @@
     </dgm:pt>
   </dgm:ptLst>
   <dgm:cxnLst>
+    <dgm:cxn modelId="{2D40CFAE-FFDC-4B61-BD58-F442BBE06BB8}" type="presOf" srcId="{E9152AD7-00F6-4772-8F42-9D809381A035}" destId="{DD036332-2853-417C-8ACB-3A96B5039347}" srcOrd="0" destOrd="3" presId="urn:microsoft.com/office/officeart/2005/8/layout/hProcess6"/>
+    <dgm:cxn modelId="{B1015C5E-D1BE-4BA4-8B81-93230A07009B}" srcId="{97CAE2D7-9C11-4809-9E7D-B3EC132B23D4}" destId="{E9152AD7-00F6-4772-8F42-9D809381A035}" srcOrd="3" destOrd="0" parTransId="{DD628961-B7E7-4C70-9493-EBF5DB5A1757}" sibTransId="{401EBFD1-0347-4B57-87C6-D60519E39D60}"/>
+    <dgm:cxn modelId="{7A3A7C08-0DFD-4B35-8EB7-FF89F2314BD2}" type="presOf" srcId="{47E22631-EDFC-4AA5-9B09-16A8BF5B17B5}" destId="{DD036332-2853-417C-8ACB-3A96B5039347}" srcOrd="0" destOrd="2" presId="urn:microsoft.com/office/officeart/2005/8/layout/hProcess6"/>
+    <dgm:cxn modelId="{32C26BBD-5EA9-49CB-AD3B-B8EDE163CD08}" srcId="{1A2CEC77-91D8-4D49-A55E-0586B9AB905D}" destId="{97CAE2D7-9C11-4809-9E7D-B3EC132B23D4}" srcOrd="0" destOrd="0" parTransId="{1C643CFF-7E0A-41C6-AB13-CE0FA4B779EF}" sibTransId="{64EE1B86-E5E1-403B-981C-CEF956BBB38A}"/>
+    <dgm:cxn modelId="{BE00B9B2-620D-40EC-923F-18A66680B91E}" type="presOf" srcId="{97CAE2D7-9C11-4809-9E7D-B3EC132B23D4}" destId="{D0EC7321-54F1-407E-9A60-11EADB909AA4}" srcOrd="0" destOrd="0" presId="urn:microsoft.com/office/officeart/2005/8/layout/hProcess6"/>
+    <dgm:cxn modelId="{2A043402-E411-45DF-81D1-1A2BDBA6E00B}" srcId="{97CAE2D7-9C11-4809-9E7D-B3EC132B23D4}" destId="{0B97CAF7-4159-4FBD-992D-F7E1CCA1118E}" srcOrd="4" destOrd="0" parTransId="{A8BB7460-26CB-4732-A61F-2CFD5D9C424B}" sibTransId="{98EC6805-E2A8-44AE-9F63-E5868432E8C8}"/>
+    <dgm:cxn modelId="{63BE91F4-A073-4D0B-8D38-B8BC1730AEF2}" type="presOf" srcId="{E9152AD7-00F6-4772-8F42-9D809381A035}" destId="{62572535-E523-42B3-B29F-7D548FC4031C}" srcOrd="1" destOrd="3" presId="urn:microsoft.com/office/officeart/2005/8/layout/hProcess6"/>
+    <dgm:cxn modelId="{DFAFD945-80D6-4FF4-B99B-F5097D313FFC}" srcId="{97CAE2D7-9C11-4809-9E7D-B3EC132B23D4}" destId="{47E22631-EDFC-4AA5-9B09-16A8BF5B17B5}" srcOrd="2" destOrd="0" parTransId="{2B30D08B-83F9-4F47-AAA1-2E2160DBDA1F}" sibTransId="{D1E4702E-FDD6-454C-A31B-B543E02694DA}"/>
+    <dgm:cxn modelId="{70E6139F-C0AA-4370-A7A9-E721A7F2E0EF}" type="presOf" srcId="{263E639B-DCF5-45FE-9156-397137A33DF2}" destId="{62572535-E523-42B3-B29F-7D548FC4031C}" srcOrd="1" destOrd="1" presId="urn:microsoft.com/office/officeart/2005/8/layout/hProcess6"/>
+    <dgm:cxn modelId="{F87A810C-13BD-4920-8C7E-05526B955E72}" srcId="{97CAE2D7-9C11-4809-9E7D-B3EC132B23D4}" destId="{263E639B-DCF5-45FE-9156-397137A33DF2}" srcOrd="1" destOrd="0" parTransId="{A3B4D681-07A5-492A-8078-8CE96718BB03}" sibTransId="{D0F65C60-6B70-48C9-A1BF-7A56D78A50C2}"/>
     <dgm:cxn modelId="{ACBD455F-166D-48A7-B87E-22B4FF75384F}" type="presOf" srcId="{AD657148-26AE-4E9F-8FC0-A942BFB490B6}" destId="{62572535-E523-42B3-B29F-7D548FC4031C}" srcOrd="1" destOrd="0" presId="urn:microsoft.com/office/officeart/2005/8/layout/hProcess6"/>
+    <dgm:cxn modelId="{EBC45706-4BAD-4B40-9FBC-6F7A66D5F236}" type="presOf" srcId="{263E639B-DCF5-45FE-9156-397137A33DF2}" destId="{DD036332-2853-417C-8ACB-3A96B5039347}" srcOrd="0" destOrd="1" presId="urn:microsoft.com/office/officeart/2005/8/layout/hProcess6"/>
+    <dgm:cxn modelId="{C4396DFC-B31A-409B-9CF9-9C3B280BCA92}" type="presOf" srcId="{AD657148-26AE-4E9F-8FC0-A942BFB490B6}" destId="{DD036332-2853-417C-8ACB-3A96B5039347}" srcOrd="0" destOrd="0" presId="urn:microsoft.com/office/officeart/2005/8/layout/hProcess6"/>
+    <dgm:cxn modelId="{135707BF-4865-4D69-BB84-6F56BC79BC32}" srcId="{97CAE2D7-9C11-4809-9E7D-B3EC132B23D4}" destId="{AD657148-26AE-4E9F-8FC0-A942BFB490B6}" srcOrd="0" destOrd="0" parTransId="{05086D4A-2E24-441C-A1E7-794125365EF6}" sibTransId="{39DBA63A-92D2-45E1-AF36-67B4F7315A99}"/>
     <dgm:cxn modelId="{1F579EA1-129B-43F8-BA8B-DFEB95BB8F24}" type="presOf" srcId="{47E22631-EDFC-4AA5-9B09-16A8BF5B17B5}" destId="{62572535-E523-42B3-B29F-7D548FC4031C}" srcOrd="1" destOrd="2" presId="urn:microsoft.com/office/officeart/2005/8/layout/hProcess6"/>
-    <dgm:cxn modelId="{63BE91F4-A073-4D0B-8D38-B8BC1730AEF2}" type="presOf" srcId="{E9152AD7-00F6-4772-8F42-9D809381A035}" destId="{62572535-E523-42B3-B29F-7D548FC4031C}" srcOrd="1" destOrd="3" presId="urn:microsoft.com/office/officeart/2005/8/layout/hProcess6"/>
-    <dgm:cxn modelId="{EBC45706-4BAD-4B40-9FBC-6F7A66D5F236}" type="presOf" srcId="{263E639B-DCF5-45FE-9156-397137A33DF2}" destId="{DD036332-2853-417C-8ACB-3A96B5039347}" srcOrd="0" destOrd="1" presId="urn:microsoft.com/office/officeart/2005/8/layout/hProcess6"/>
-    <dgm:cxn modelId="{F87A810C-13BD-4920-8C7E-05526B955E72}" srcId="{97CAE2D7-9C11-4809-9E7D-B3EC132B23D4}" destId="{263E639B-DCF5-45FE-9156-397137A33DF2}" srcOrd="1" destOrd="0" parTransId="{A3B4D681-07A5-492A-8078-8CE96718BB03}" sibTransId="{D0F65C60-6B70-48C9-A1BF-7A56D78A50C2}"/>
-    <dgm:cxn modelId="{B1015C5E-D1BE-4BA4-8B81-93230A07009B}" srcId="{97CAE2D7-9C11-4809-9E7D-B3EC132B23D4}" destId="{E9152AD7-00F6-4772-8F42-9D809381A035}" srcOrd="3" destOrd="0" parTransId="{DD628961-B7E7-4C70-9493-EBF5DB5A1757}" sibTransId="{401EBFD1-0347-4B57-87C6-D60519E39D60}"/>
     <dgm:cxn modelId="{A196D2ED-D32F-4AB4-AEE1-3F0157CF5754}" type="presOf" srcId="{0B97CAF7-4159-4FBD-992D-F7E1CCA1118E}" destId="{62572535-E523-42B3-B29F-7D548FC4031C}" srcOrd="1" destOrd="4" presId="urn:microsoft.com/office/officeart/2005/8/layout/hProcess6"/>
-    <dgm:cxn modelId="{7A3A7C08-0DFD-4B35-8EB7-FF89F2314BD2}" type="presOf" srcId="{47E22631-EDFC-4AA5-9B09-16A8BF5B17B5}" destId="{DD036332-2853-417C-8ACB-3A96B5039347}" srcOrd="0" destOrd="2" presId="urn:microsoft.com/office/officeart/2005/8/layout/hProcess6"/>
-    <dgm:cxn modelId="{2D40CFAE-FFDC-4B61-BD58-F442BBE06BB8}" type="presOf" srcId="{E9152AD7-00F6-4772-8F42-9D809381A035}" destId="{DD036332-2853-417C-8ACB-3A96B5039347}" srcOrd="0" destOrd="3" presId="urn:microsoft.com/office/officeart/2005/8/layout/hProcess6"/>
-    <dgm:cxn modelId="{DFAFD945-80D6-4FF4-B99B-F5097D313FFC}" srcId="{97CAE2D7-9C11-4809-9E7D-B3EC132B23D4}" destId="{47E22631-EDFC-4AA5-9B09-16A8BF5B17B5}" srcOrd="2" destOrd="0" parTransId="{2B30D08B-83F9-4F47-AAA1-2E2160DBDA1F}" sibTransId="{D1E4702E-FDD6-454C-A31B-B543E02694DA}"/>
-    <dgm:cxn modelId="{135707BF-4865-4D69-BB84-6F56BC79BC32}" srcId="{97CAE2D7-9C11-4809-9E7D-B3EC132B23D4}" destId="{AD657148-26AE-4E9F-8FC0-A942BFB490B6}" srcOrd="0" destOrd="0" parTransId="{05086D4A-2E24-441C-A1E7-794125365EF6}" sibTransId="{39DBA63A-92D2-45E1-AF36-67B4F7315A99}"/>
-    <dgm:cxn modelId="{C4396DFC-B31A-409B-9CF9-9C3B280BCA92}" type="presOf" srcId="{AD657148-26AE-4E9F-8FC0-A942BFB490B6}" destId="{DD036332-2853-417C-8ACB-3A96B5039347}" srcOrd="0" destOrd="0" presId="urn:microsoft.com/office/officeart/2005/8/layout/hProcess6"/>
-    <dgm:cxn modelId="{2A043402-E411-45DF-81D1-1A2BDBA6E00B}" srcId="{97CAE2D7-9C11-4809-9E7D-B3EC132B23D4}" destId="{0B97CAF7-4159-4FBD-992D-F7E1CCA1118E}" srcOrd="4" destOrd="0" parTransId="{A8BB7460-26CB-4732-A61F-2CFD5D9C424B}" sibTransId="{98EC6805-E2A8-44AE-9F63-E5868432E8C8}"/>
-    <dgm:cxn modelId="{32C26BBD-5EA9-49CB-AD3B-B8EDE163CD08}" srcId="{1A2CEC77-91D8-4D49-A55E-0586B9AB905D}" destId="{97CAE2D7-9C11-4809-9E7D-B3EC132B23D4}" srcOrd="0" destOrd="0" parTransId="{1C643CFF-7E0A-41C6-AB13-CE0FA4B779EF}" sibTransId="{64EE1B86-E5E1-403B-981C-CEF956BBB38A}"/>
     <dgm:cxn modelId="{A03CA572-3B69-46B8-A0C1-79BEB67FB017}" type="presOf" srcId="{1A2CEC77-91D8-4D49-A55E-0586B9AB905D}" destId="{6356F55C-E3B3-4BBB-A9E0-7BC6CAE37290}" srcOrd="0" destOrd="0" presId="urn:microsoft.com/office/officeart/2005/8/layout/hProcess6"/>
     <dgm:cxn modelId="{A27914F7-FC34-495B-AA5A-CB6CC63CEB66}" type="presOf" srcId="{0B97CAF7-4159-4FBD-992D-F7E1CCA1118E}" destId="{DD036332-2853-417C-8ACB-3A96B5039347}" srcOrd="0" destOrd="4" presId="urn:microsoft.com/office/officeart/2005/8/layout/hProcess6"/>
-    <dgm:cxn modelId="{70E6139F-C0AA-4370-A7A9-E721A7F2E0EF}" type="presOf" srcId="{263E639B-DCF5-45FE-9156-397137A33DF2}" destId="{62572535-E523-42B3-B29F-7D548FC4031C}" srcOrd="1" destOrd="1" presId="urn:microsoft.com/office/officeart/2005/8/layout/hProcess6"/>
-    <dgm:cxn modelId="{BE00B9B2-620D-40EC-923F-18A66680B91E}" type="presOf" srcId="{97CAE2D7-9C11-4809-9E7D-B3EC132B23D4}" destId="{D0EC7321-54F1-407E-9A60-11EADB909AA4}" srcOrd="0" destOrd="0" presId="urn:microsoft.com/office/officeart/2005/8/layout/hProcess6"/>
     <dgm:cxn modelId="{35B499AD-470A-4091-9009-44C2FB7DFD28}" type="presParOf" srcId="{6356F55C-E3B3-4BBB-A9E0-7BC6CAE37290}" destId="{39955E96-7654-44E1-ADE5-1A557D58AA89}" srcOrd="0" destOrd="0" presId="urn:microsoft.com/office/officeart/2005/8/layout/hProcess6"/>
     <dgm:cxn modelId="{BB093EF7-FE7B-4720-B01E-D4F03B345F9D}" type="presParOf" srcId="{39955E96-7654-44E1-ADE5-1A557D58AA89}" destId="{EC55195B-D107-4F7D-969A-F7CC7AE43076}" srcOrd="0" destOrd="0" presId="urn:microsoft.com/office/officeart/2005/8/layout/hProcess6"/>
     <dgm:cxn modelId="{05460D29-3995-42CA-9DED-1F6B2E9F6059}" type="presParOf" srcId="{39955E96-7654-44E1-ADE5-1A557D58AA89}" destId="{DD036332-2853-417C-8ACB-3A96B5039347}" srcOrd="1" destOrd="0" presId="urn:microsoft.com/office/officeart/2005/8/layout/hProcess6"/>
@@ -6408,7 +6496,7 @@
   <dgm:whole/>
   <dgm:extLst>
     <a:ext uri="http://schemas.microsoft.com/office/drawing/2008/diagram">
-      <dsp:dataModelExt xmlns:dsp="http://schemas.microsoft.com/office/drawing/2008/diagram" xmlns="" relId="rId7" minVer="http://schemas.openxmlformats.org/drawingml/2006/diagram"/>
+      <dsp:dataModelExt xmlns:dsp="http://schemas.microsoft.com/office/drawing/2008/diagram" relId="rId7" minVer="http://schemas.openxmlformats.org/drawingml/2006/diagram"/>
     </a:ext>
   </dgm:extLst>
 </dgm:dataModel>
@@ -7716,566 +7804,6 @@
       <dsp:cNvGrpSpPr/>
     </dsp:nvGrpSpPr>
     <dsp:grpSpPr/>
-    <dsp:sp modelId="{D4EF05F2-0854-4310-8437-63917B197385}">
-      <dsp:nvSpPr>
-        <dsp:cNvPr id="0" name=""/>
-        <dsp:cNvSpPr/>
-      </dsp:nvSpPr>
-      <dsp:spPr>
-        <a:xfrm>
-          <a:off x="595" y="1533053"/>
-          <a:ext cx="2218035" cy="1109017"/>
-        </a:xfrm>
-        <a:prstGeom prst="roundRect">
-          <a:avLst>
-            <a:gd name="adj" fmla="val 10000"/>
-          </a:avLst>
-        </a:prstGeom>
-        <a:solidFill>
-          <a:schemeClr val="accent1">
-            <a:hueOff val="0"/>
-            <a:satOff val="0"/>
-            <a:lumOff val="0"/>
-            <a:alphaOff val="0"/>
-          </a:schemeClr>
-        </a:solidFill>
-        <a:ln w="12700" cap="flat" cmpd="sng" algn="ctr">
-          <a:solidFill>
-            <a:schemeClr val="lt1">
-              <a:hueOff val="0"/>
-              <a:satOff val="0"/>
-              <a:lumOff val="0"/>
-              <a:alphaOff val="0"/>
-            </a:schemeClr>
-          </a:solidFill>
-          <a:prstDash val="solid"/>
-          <a:miter lim="800000"/>
-        </a:ln>
-        <a:effectLst/>
-      </dsp:spPr>
-      <dsp:style>
-        <a:lnRef idx="2">
-          <a:scrgbClr r="0" g="0" b="0"/>
-        </a:lnRef>
-        <a:fillRef idx="1">
-          <a:scrgbClr r="0" g="0" b="0"/>
-        </a:fillRef>
-        <a:effectRef idx="0">
-          <a:scrgbClr r="0" g="0" b="0"/>
-        </a:effectRef>
-        <a:fontRef idx="minor">
-          <a:schemeClr val="lt1"/>
-        </a:fontRef>
-      </dsp:style>
-      <dsp:txBody>
-        <a:bodyPr spcFirstLastPara="0" vert="horz" wrap="square" lIns="26035" tIns="26035" rIns="26035" bIns="26035" numCol="1" spcCol="1270" anchor="ctr" anchorCtr="0">
-          <a:noAutofit/>
-        </a:bodyPr>
-        <a:lstStyle/>
-        <a:p>
-          <a:pPr lvl="0" algn="ctr" defTabSz="1822450">
-            <a:lnSpc>
-              <a:spcPct val="90000"/>
-            </a:lnSpc>
-            <a:spcBef>
-              <a:spcPct val="0"/>
-            </a:spcBef>
-            <a:spcAft>
-              <a:spcPct val="35000"/>
-            </a:spcAft>
-          </a:pPr>
-          <a:r>
-            <a:rPr lang="zh-CN" altLang="en-US" sz="4100" kern="1200" dirty="0" smtClean="0"/>
-            <a:t>单元测试</a:t>
-          </a:r>
-          <a:endParaRPr lang="zh-CN" altLang="en-US" sz="4100" kern="1200" dirty="0"/>
-        </a:p>
-      </dsp:txBody>
-      <dsp:txXfrm>
-        <a:off x="33077" y="1565535"/>
-        <a:ext cx="2153071" cy="1044053"/>
-      </dsp:txXfrm>
-    </dsp:sp>
-    <dsp:sp modelId="{A96A41C0-5764-46B8-895F-8CB3D9FB35B5}">
-      <dsp:nvSpPr>
-        <dsp:cNvPr id="0" name=""/>
-        <dsp:cNvSpPr/>
-      </dsp:nvSpPr>
-      <dsp:spPr>
-        <a:xfrm rot="18289469">
-          <a:off x="1885430" y="1425971"/>
-          <a:ext cx="1553614" cy="47812"/>
-        </a:xfrm>
-        <a:custGeom>
-          <a:avLst/>
-          <a:gdLst/>
-          <a:ahLst/>
-          <a:cxnLst/>
-          <a:rect l="0" t="0" r="0" b="0"/>
-          <a:pathLst>
-            <a:path>
-              <a:moveTo>
-                <a:pt x="0" y="23906"/>
-              </a:moveTo>
-              <a:lnTo>
-                <a:pt x="1553614" y="23906"/>
-              </a:lnTo>
-            </a:path>
-          </a:pathLst>
-        </a:custGeom>
-        <a:noFill/>
-        <a:ln w="12700" cap="flat" cmpd="sng" algn="ctr">
-          <a:solidFill>
-            <a:schemeClr val="accent1">
-              <a:shade val="60000"/>
-              <a:hueOff val="0"/>
-              <a:satOff val="0"/>
-              <a:lumOff val="0"/>
-              <a:alphaOff val="0"/>
-            </a:schemeClr>
-          </a:solidFill>
-          <a:prstDash val="solid"/>
-          <a:miter lim="800000"/>
-        </a:ln>
-        <a:effectLst/>
-      </dsp:spPr>
-      <dsp:style>
-        <a:lnRef idx="2">
-          <a:scrgbClr r="0" g="0" b="0"/>
-        </a:lnRef>
-        <a:fillRef idx="0">
-          <a:scrgbClr r="0" g="0" b="0"/>
-        </a:fillRef>
-        <a:effectRef idx="0">
-          <a:scrgbClr r="0" g="0" b="0"/>
-        </a:effectRef>
-        <a:fontRef idx="minor"/>
-      </dsp:style>
-      <dsp:txBody>
-        <a:bodyPr spcFirstLastPara="0" vert="horz" wrap="square" lIns="12700" tIns="0" rIns="12700" bIns="0" numCol="1" spcCol="1270" anchor="ctr" anchorCtr="0">
-          <a:noAutofit/>
-        </a:bodyPr>
-        <a:lstStyle/>
-        <a:p>
-          <a:pPr lvl="0" algn="ctr" defTabSz="222250">
-            <a:lnSpc>
-              <a:spcPct val="90000"/>
-            </a:lnSpc>
-            <a:spcBef>
-              <a:spcPct val="0"/>
-            </a:spcBef>
-            <a:spcAft>
-              <a:spcPct val="35000"/>
-            </a:spcAft>
-          </a:pPr>
-          <a:endParaRPr lang="zh-CN" altLang="en-US" sz="500" kern="1200"/>
-        </a:p>
-      </dsp:txBody>
-      <dsp:txXfrm>
-        <a:off x="2623397" y="1411037"/>
-        <a:ext cx="77680" cy="77680"/>
-      </dsp:txXfrm>
-    </dsp:sp>
-    <dsp:sp modelId="{D8C75AAF-0C30-49C2-8872-1A709B2ED191}">
-      <dsp:nvSpPr>
-        <dsp:cNvPr id="0" name=""/>
-        <dsp:cNvSpPr/>
-      </dsp:nvSpPr>
-      <dsp:spPr>
-        <a:xfrm>
-          <a:off x="3105844" y="257683"/>
-          <a:ext cx="2218035" cy="1109017"/>
-        </a:xfrm>
-        <a:prstGeom prst="roundRect">
-          <a:avLst>
-            <a:gd name="adj" fmla="val 10000"/>
-          </a:avLst>
-        </a:prstGeom>
-        <a:solidFill>
-          <a:schemeClr val="accent1">
-            <a:hueOff val="0"/>
-            <a:satOff val="0"/>
-            <a:lumOff val="0"/>
-            <a:alphaOff val="0"/>
-          </a:schemeClr>
-        </a:solidFill>
-        <a:ln w="12700" cap="flat" cmpd="sng" algn="ctr">
-          <a:solidFill>
-            <a:schemeClr val="lt1">
-              <a:hueOff val="0"/>
-              <a:satOff val="0"/>
-              <a:lumOff val="0"/>
-              <a:alphaOff val="0"/>
-            </a:schemeClr>
-          </a:solidFill>
-          <a:prstDash val="solid"/>
-          <a:miter lim="800000"/>
-        </a:ln>
-        <a:effectLst/>
-      </dsp:spPr>
-      <dsp:style>
-        <a:lnRef idx="2">
-          <a:scrgbClr r="0" g="0" b="0"/>
-        </a:lnRef>
-        <a:fillRef idx="1">
-          <a:scrgbClr r="0" g="0" b="0"/>
-        </a:fillRef>
-        <a:effectRef idx="0">
-          <a:scrgbClr r="0" g="0" b="0"/>
-        </a:effectRef>
-        <a:fontRef idx="minor">
-          <a:schemeClr val="lt1"/>
-        </a:fontRef>
-      </dsp:style>
-      <dsp:txBody>
-        <a:bodyPr spcFirstLastPara="0" vert="horz" wrap="square" lIns="26035" tIns="26035" rIns="26035" bIns="26035" numCol="1" spcCol="1270" anchor="ctr" anchorCtr="0">
-          <a:noAutofit/>
-        </a:bodyPr>
-        <a:lstStyle/>
-        <a:p>
-          <a:pPr lvl="0" algn="ctr" defTabSz="1822450">
-            <a:lnSpc>
-              <a:spcPct val="90000"/>
-            </a:lnSpc>
-            <a:spcBef>
-              <a:spcPct val="0"/>
-            </a:spcBef>
-            <a:spcAft>
-              <a:spcPct val="35000"/>
-            </a:spcAft>
-          </a:pPr>
-          <a:r>
-            <a:rPr lang="zh-CN" altLang="en-US" sz="4100" kern="1200" dirty="0" smtClean="0"/>
-            <a:t>准备</a:t>
-          </a:r>
-          <a:endParaRPr lang="zh-CN" altLang="en-US" sz="4100" kern="1200" dirty="0"/>
-        </a:p>
-      </dsp:txBody>
-      <dsp:txXfrm>
-        <a:off x="3138326" y="290165"/>
-        <a:ext cx="2153071" cy="1044053"/>
-      </dsp:txXfrm>
-    </dsp:sp>
-    <dsp:sp modelId="{B4A513AB-C2E6-492E-8161-207361CC1A7D}">
-      <dsp:nvSpPr>
-        <dsp:cNvPr id="0" name=""/>
-        <dsp:cNvSpPr/>
-      </dsp:nvSpPr>
-      <dsp:spPr>
-        <a:xfrm>
-          <a:off x="2218630" y="2063656"/>
-          <a:ext cx="887214" cy="47812"/>
-        </a:xfrm>
-        <a:custGeom>
-          <a:avLst/>
-          <a:gdLst/>
-          <a:ahLst/>
-          <a:cxnLst/>
-          <a:rect l="0" t="0" r="0" b="0"/>
-          <a:pathLst>
-            <a:path>
-              <a:moveTo>
-                <a:pt x="0" y="23906"/>
-              </a:moveTo>
-              <a:lnTo>
-                <a:pt x="887214" y="23906"/>
-              </a:lnTo>
-            </a:path>
-          </a:pathLst>
-        </a:custGeom>
-        <a:noFill/>
-        <a:ln w="12700" cap="flat" cmpd="sng" algn="ctr">
-          <a:solidFill>
-            <a:schemeClr val="accent1">
-              <a:shade val="60000"/>
-              <a:hueOff val="0"/>
-              <a:satOff val="0"/>
-              <a:lumOff val="0"/>
-              <a:alphaOff val="0"/>
-            </a:schemeClr>
-          </a:solidFill>
-          <a:prstDash val="solid"/>
-          <a:miter lim="800000"/>
-        </a:ln>
-        <a:effectLst/>
-      </dsp:spPr>
-      <dsp:style>
-        <a:lnRef idx="2">
-          <a:scrgbClr r="0" g="0" b="0"/>
-        </a:lnRef>
-        <a:fillRef idx="0">
-          <a:scrgbClr r="0" g="0" b="0"/>
-        </a:fillRef>
-        <a:effectRef idx="0">
-          <a:scrgbClr r="0" g="0" b="0"/>
-        </a:effectRef>
-        <a:fontRef idx="minor"/>
-      </dsp:style>
-      <dsp:txBody>
-        <a:bodyPr spcFirstLastPara="0" vert="horz" wrap="square" lIns="12700" tIns="0" rIns="12700" bIns="0" numCol="1" spcCol="1270" anchor="ctr" anchorCtr="0">
-          <a:noAutofit/>
-        </a:bodyPr>
-        <a:lstStyle/>
-        <a:p>
-          <a:pPr lvl="0" algn="ctr" defTabSz="222250">
-            <a:lnSpc>
-              <a:spcPct val="90000"/>
-            </a:lnSpc>
-            <a:spcBef>
-              <a:spcPct val="0"/>
-            </a:spcBef>
-            <a:spcAft>
-              <a:spcPct val="35000"/>
-            </a:spcAft>
-          </a:pPr>
-          <a:endParaRPr lang="zh-CN" altLang="en-US" sz="500" kern="1200"/>
-        </a:p>
-      </dsp:txBody>
-      <dsp:txXfrm>
-        <a:off x="2640057" y="2065382"/>
-        <a:ext cx="44360" cy="44360"/>
-      </dsp:txXfrm>
-    </dsp:sp>
-    <dsp:sp modelId="{E97E8025-E196-4855-9B9E-6B6772445907}">
-      <dsp:nvSpPr>
-        <dsp:cNvPr id="0" name=""/>
-        <dsp:cNvSpPr/>
-      </dsp:nvSpPr>
-      <dsp:spPr>
-        <a:xfrm>
-          <a:off x="3105844" y="1533053"/>
-          <a:ext cx="2218035" cy="1109017"/>
-        </a:xfrm>
-        <a:prstGeom prst="roundRect">
-          <a:avLst>
-            <a:gd name="adj" fmla="val 10000"/>
-          </a:avLst>
-        </a:prstGeom>
-        <a:solidFill>
-          <a:schemeClr val="accent1">
-            <a:hueOff val="0"/>
-            <a:satOff val="0"/>
-            <a:lumOff val="0"/>
-            <a:alphaOff val="0"/>
-          </a:schemeClr>
-        </a:solidFill>
-        <a:ln w="12700" cap="flat" cmpd="sng" algn="ctr">
-          <a:solidFill>
-            <a:schemeClr val="lt1">
-              <a:hueOff val="0"/>
-              <a:satOff val="0"/>
-              <a:lumOff val="0"/>
-              <a:alphaOff val="0"/>
-            </a:schemeClr>
-          </a:solidFill>
-          <a:prstDash val="solid"/>
-          <a:miter lim="800000"/>
-        </a:ln>
-        <a:effectLst/>
-      </dsp:spPr>
-      <dsp:style>
-        <a:lnRef idx="2">
-          <a:scrgbClr r="0" g="0" b="0"/>
-        </a:lnRef>
-        <a:fillRef idx="1">
-          <a:scrgbClr r="0" g="0" b="0"/>
-        </a:fillRef>
-        <a:effectRef idx="0">
-          <a:scrgbClr r="0" g="0" b="0"/>
-        </a:effectRef>
-        <a:fontRef idx="minor">
-          <a:schemeClr val="lt1"/>
-        </a:fontRef>
-      </dsp:style>
-      <dsp:txBody>
-        <a:bodyPr spcFirstLastPara="0" vert="horz" wrap="square" lIns="26035" tIns="26035" rIns="26035" bIns="26035" numCol="1" spcCol="1270" anchor="ctr" anchorCtr="0">
-          <a:noAutofit/>
-        </a:bodyPr>
-        <a:lstStyle/>
-        <a:p>
-          <a:pPr lvl="0" algn="ctr" defTabSz="1822450">
-            <a:lnSpc>
-              <a:spcPct val="90000"/>
-            </a:lnSpc>
-            <a:spcBef>
-              <a:spcPct val="0"/>
-            </a:spcBef>
-            <a:spcAft>
-              <a:spcPct val="35000"/>
-            </a:spcAft>
-          </a:pPr>
-          <a:r>
-            <a:rPr lang="zh-CN" altLang="en-US" sz="4100" kern="1200" dirty="0" smtClean="0"/>
-            <a:t>操作</a:t>
-          </a:r>
-          <a:endParaRPr lang="zh-CN" altLang="en-US" sz="4100" kern="1200" dirty="0"/>
-        </a:p>
-      </dsp:txBody>
-      <dsp:txXfrm>
-        <a:off x="3138326" y="1565535"/>
-        <a:ext cx="2153071" cy="1044053"/>
-      </dsp:txXfrm>
-    </dsp:sp>
-    <dsp:sp modelId="{79315EFD-F0D5-4F6D-B6E2-08344FD98E5B}">
-      <dsp:nvSpPr>
-        <dsp:cNvPr id="0" name=""/>
-        <dsp:cNvSpPr/>
-      </dsp:nvSpPr>
-      <dsp:spPr>
-        <a:xfrm rot="3310531">
-          <a:off x="1885430" y="2701341"/>
-          <a:ext cx="1553614" cy="47812"/>
-        </a:xfrm>
-        <a:custGeom>
-          <a:avLst/>
-          <a:gdLst/>
-          <a:ahLst/>
-          <a:cxnLst/>
-          <a:rect l="0" t="0" r="0" b="0"/>
-          <a:pathLst>
-            <a:path>
-              <a:moveTo>
-                <a:pt x="0" y="23906"/>
-              </a:moveTo>
-              <a:lnTo>
-                <a:pt x="1553614" y="23906"/>
-              </a:lnTo>
-            </a:path>
-          </a:pathLst>
-        </a:custGeom>
-        <a:noFill/>
-        <a:ln w="12700" cap="flat" cmpd="sng" algn="ctr">
-          <a:solidFill>
-            <a:schemeClr val="accent1">
-              <a:shade val="60000"/>
-              <a:hueOff val="0"/>
-              <a:satOff val="0"/>
-              <a:lumOff val="0"/>
-              <a:alphaOff val="0"/>
-            </a:schemeClr>
-          </a:solidFill>
-          <a:prstDash val="solid"/>
-          <a:miter lim="800000"/>
-        </a:ln>
-        <a:effectLst/>
-      </dsp:spPr>
-      <dsp:style>
-        <a:lnRef idx="2">
-          <a:scrgbClr r="0" g="0" b="0"/>
-        </a:lnRef>
-        <a:fillRef idx="0">
-          <a:scrgbClr r="0" g="0" b="0"/>
-        </a:fillRef>
-        <a:effectRef idx="0">
-          <a:scrgbClr r="0" g="0" b="0"/>
-        </a:effectRef>
-        <a:fontRef idx="minor"/>
-      </dsp:style>
-      <dsp:txBody>
-        <a:bodyPr spcFirstLastPara="0" vert="horz" wrap="square" lIns="12700" tIns="0" rIns="12700" bIns="0" numCol="1" spcCol="1270" anchor="ctr" anchorCtr="0">
-          <a:noAutofit/>
-        </a:bodyPr>
-        <a:lstStyle/>
-        <a:p>
-          <a:pPr lvl="0" algn="ctr" defTabSz="222250">
-            <a:lnSpc>
-              <a:spcPct val="90000"/>
-            </a:lnSpc>
-            <a:spcBef>
-              <a:spcPct val="0"/>
-            </a:spcBef>
-            <a:spcAft>
-              <a:spcPct val="35000"/>
-            </a:spcAft>
-          </a:pPr>
-          <a:endParaRPr lang="zh-CN" altLang="en-US" sz="500" kern="1200"/>
-        </a:p>
-      </dsp:txBody>
-      <dsp:txXfrm>
-        <a:off x="2623397" y="2686407"/>
-        <a:ext cx="77680" cy="77680"/>
-      </dsp:txXfrm>
-    </dsp:sp>
-    <dsp:sp modelId="{F1B24ECC-6A9E-429C-BD67-8F8FB6027DF6}">
-      <dsp:nvSpPr>
-        <dsp:cNvPr id="0" name=""/>
-        <dsp:cNvSpPr/>
-      </dsp:nvSpPr>
-      <dsp:spPr>
-        <a:xfrm>
-          <a:off x="3105844" y="2808423"/>
-          <a:ext cx="2218035" cy="1109017"/>
-        </a:xfrm>
-        <a:prstGeom prst="roundRect">
-          <a:avLst>
-            <a:gd name="adj" fmla="val 10000"/>
-          </a:avLst>
-        </a:prstGeom>
-        <a:solidFill>
-          <a:schemeClr val="accent1">
-            <a:hueOff val="0"/>
-            <a:satOff val="0"/>
-            <a:lumOff val="0"/>
-            <a:alphaOff val="0"/>
-          </a:schemeClr>
-        </a:solidFill>
-        <a:ln w="12700" cap="flat" cmpd="sng" algn="ctr">
-          <a:solidFill>
-            <a:schemeClr val="lt1">
-              <a:hueOff val="0"/>
-              <a:satOff val="0"/>
-              <a:lumOff val="0"/>
-              <a:alphaOff val="0"/>
-            </a:schemeClr>
-          </a:solidFill>
-          <a:prstDash val="solid"/>
-          <a:miter lim="800000"/>
-        </a:ln>
-        <a:effectLst/>
-      </dsp:spPr>
-      <dsp:style>
-        <a:lnRef idx="2">
-          <a:scrgbClr r="0" g="0" b="0"/>
-        </a:lnRef>
-        <a:fillRef idx="1">
-          <a:scrgbClr r="0" g="0" b="0"/>
-        </a:fillRef>
-        <a:effectRef idx="0">
-          <a:scrgbClr r="0" g="0" b="0"/>
-        </a:effectRef>
-        <a:fontRef idx="minor">
-          <a:schemeClr val="lt1"/>
-        </a:fontRef>
-      </dsp:style>
-      <dsp:txBody>
-        <a:bodyPr spcFirstLastPara="0" vert="horz" wrap="square" lIns="26035" tIns="26035" rIns="26035" bIns="26035" numCol="1" spcCol="1270" anchor="ctr" anchorCtr="0">
-          <a:noAutofit/>
-        </a:bodyPr>
-        <a:lstStyle/>
-        <a:p>
-          <a:pPr lvl="0" algn="ctr" defTabSz="1822450">
-            <a:lnSpc>
-              <a:spcPct val="90000"/>
-            </a:lnSpc>
-            <a:spcBef>
-              <a:spcPct val="0"/>
-            </a:spcBef>
-            <a:spcAft>
-              <a:spcPct val="35000"/>
-            </a:spcAft>
-          </a:pPr>
-          <a:r>
-            <a:rPr lang="zh-CN" altLang="en-US" sz="4100" kern="1200" dirty="0" smtClean="0"/>
-            <a:t>断言</a:t>
-          </a:r>
-          <a:endParaRPr lang="zh-CN" altLang="en-US" sz="4100" kern="1200" dirty="0"/>
-        </a:p>
-      </dsp:txBody>
-      <dsp:txXfrm>
-        <a:off x="3138326" y="2840905"/>
-        <a:ext cx="2153071" cy="1044053"/>
-      </dsp:txXfrm>
-    </dsp:sp>
   </dsp:spTree>
 </dsp:drawing>
 </file>
@@ -8288,244 +7816,6 @@
       <dsp:cNvGrpSpPr/>
     </dsp:nvGrpSpPr>
     <dsp:grpSpPr/>
-    <dsp:sp modelId="{DD036332-2853-417C-8ACB-3A96B5039347}">
-      <dsp:nvSpPr>
-        <dsp:cNvPr id="0" name=""/>
-        <dsp:cNvSpPr/>
-      </dsp:nvSpPr>
-      <dsp:spPr>
-        <a:xfrm>
-          <a:off x="2277124" y="0"/>
-          <a:ext cx="6509039" cy="3384663"/>
-        </a:xfrm>
-        <a:prstGeom prst="rightArrow">
-          <a:avLst>
-            <a:gd name="adj1" fmla="val 70000"/>
-            <a:gd name="adj2" fmla="val 50000"/>
-          </a:avLst>
-        </a:prstGeom>
-        <a:solidFill>
-          <a:schemeClr val="accent1">
-            <a:alpha val="90000"/>
-            <a:tint val="40000"/>
-            <a:hueOff val="0"/>
-            <a:satOff val="0"/>
-            <a:lumOff val="0"/>
-            <a:alphaOff val="0"/>
-          </a:schemeClr>
-        </a:solidFill>
-        <a:ln w="12700" cap="flat" cmpd="sng" algn="ctr">
-          <a:solidFill>
-            <a:schemeClr val="accent1">
-              <a:alpha val="90000"/>
-              <a:tint val="40000"/>
-              <a:hueOff val="0"/>
-              <a:satOff val="0"/>
-              <a:lumOff val="0"/>
-              <a:alphaOff val="0"/>
-            </a:schemeClr>
-          </a:solidFill>
-          <a:prstDash val="solid"/>
-          <a:miter lim="800000"/>
-        </a:ln>
-        <a:effectLst/>
-      </dsp:spPr>
-      <dsp:style>
-        <a:lnRef idx="2">
-          <a:scrgbClr r="0" g="0" b="0"/>
-        </a:lnRef>
-        <a:fillRef idx="1">
-          <a:scrgbClr r="0" g="0" b="0"/>
-        </a:fillRef>
-        <a:effectRef idx="0">
-          <a:scrgbClr r="0" g="0" b="0"/>
-        </a:effectRef>
-        <a:fontRef idx="minor"/>
-      </dsp:style>
-      <dsp:txBody>
-        <a:bodyPr spcFirstLastPara="0" vert="horz" wrap="square" lIns="68580" tIns="17145" rIns="34290" bIns="17145" numCol="1" spcCol="1270" anchor="ctr" anchorCtr="0">
-          <a:noAutofit/>
-        </a:bodyPr>
-        <a:lstStyle/>
-        <a:p>
-          <a:pPr marL="228600" lvl="1" indent="-228600" algn="l" defTabSz="1200150" rtl="0">
-            <a:lnSpc>
-              <a:spcPct val="90000"/>
-            </a:lnSpc>
-            <a:spcBef>
-              <a:spcPct val="0"/>
-            </a:spcBef>
-            <a:spcAft>
-              <a:spcPct val="15000"/>
-            </a:spcAft>
-            <a:buChar char="••"/>
-          </a:pPr>
-          <a:r>
-            <a:rPr lang="zh-CN" sz="2700" kern="1200" dirty="0" smtClean="0"/>
-            <a:t>集成源码管理</a:t>
-          </a:r>
-          <a:endParaRPr lang="zh-CN" sz="2700" kern="1200" dirty="0"/>
-        </a:p>
-        <a:p>
-          <a:pPr marL="228600" lvl="1" indent="-228600" algn="l" defTabSz="1200150" rtl="0">
-            <a:lnSpc>
-              <a:spcPct val="90000"/>
-            </a:lnSpc>
-            <a:spcBef>
-              <a:spcPct val="0"/>
-            </a:spcBef>
-            <a:spcAft>
-              <a:spcPct val="15000"/>
-            </a:spcAft>
-            <a:buChar char="••"/>
-          </a:pPr>
-          <a:r>
-            <a:rPr lang="zh-CN" sz="2700" kern="1200" dirty="0" smtClean="0"/>
-            <a:t>编译</a:t>
-          </a:r>
-          <a:endParaRPr lang="zh-CN" sz="2700" kern="1200" dirty="0"/>
-        </a:p>
-        <a:p>
-          <a:pPr marL="228600" lvl="1" indent="-228600" algn="l" defTabSz="1200150" rtl="0">
-            <a:lnSpc>
-              <a:spcPct val="90000"/>
-            </a:lnSpc>
-            <a:spcBef>
-              <a:spcPct val="0"/>
-            </a:spcBef>
-            <a:spcAft>
-              <a:spcPct val="15000"/>
-            </a:spcAft>
-            <a:buChar char="••"/>
-          </a:pPr>
-          <a:r>
-            <a:rPr lang="zh-CN" sz="2700" kern="1200" dirty="0" smtClean="0"/>
-            <a:t>执行单元测试</a:t>
-          </a:r>
-          <a:endParaRPr lang="zh-CN" sz="2700" kern="1200" dirty="0"/>
-        </a:p>
-        <a:p>
-          <a:pPr marL="228600" lvl="1" indent="-228600" algn="l" defTabSz="1200150" rtl="0">
-            <a:lnSpc>
-              <a:spcPct val="90000"/>
-            </a:lnSpc>
-            <a:spcBef>
-              <a:spcPct val="0"/>
-            </a:spcBef>
-            <a:spcAft>
-              <a:spcPct val="15000"/>
-            </a:spcAft>
-            <a:buChar char="••"/>
-          </a:pPr>
-          <a:r>
-            <a:rPr lang="zh-CN" sz="2700" kern="1200" dirty="0" smtClean="0"/>
-            <a:t>生成覆盖率报表</a:t>
-          </a:r>
-          <a:endParaRPr lang="zh-CN" sz="2700" kern="1200" dirty="0"/>
-        </a:p>
-        <a:p>
-          <a:pPr marL="228600" lvl="1" indent="-228600" algn="l" defTabSz="1200150" rtl="0">
-            <a:lnSpc>
-              <a:spcPct val="90000"/>
-            </a:lnSpc>
-            <a:spcBef>
-              <a:spcPct val="0"/>
-            </a:spcBef>
-            <a:spcAft>
-              <a:spcPct val="15000"/>
-            </a:spcAft>
-            <a:buChar char="••"/>
-          </a:pPr>
-          <a:r>
-            <a:rPr lang="zh-CN" sz="2700" kern="1200" dirty="0" smtClean="0"/>
-            <a:t>展示覆盖率</a:t>
-          </a:r>
-          <a:endParaRPr lang="zh-CN" sz="2700" kern="1200" dirty="0"/>
-        </a:p>
-      </dsp:txBody>
-      <dsp:txXfrm>
-        <a:off x="3904384" y="507699"/>
-        <a:ext cx="3697147" cy="2369265"/>
-      </dsp:txXfrm>
-    </dsp:sp>
-    <dsp:sp modelId="{D0EC7321-54F1-407E-9A60-11EADB909AA4}">
-      <dsp:nvSpPr>
-        <dsp:cNvPr id="0" name=""/>
-        <dsp:cNvSpPr/>
-      </dsp:nvSpPr>
-      <dsp:spPr>
-        <a:xfrm>
-          <a:off x="1370289" y="676691"/>
-          <a:ext cx="1936027" cy="1936027"/>
-        </a:xfrm>
-        <a:prstGeom prst="ellipse">
-          <a:avLst/>
-        </a:prstGeom>
-        <a:solidFill>
-          <a:schemeClr val="accent1">
-            <a:hueOff val="0"/>
-            <a:satOff val="0"/>
-            <a:lumOff val="0"/>
-            <a:alphaOff val="0"/>
-          </a:schemeClr>
-        </a:solidFill>
-        <a:ln w="12700" cap="flat" cmpd="sng" algn="ctr">
-          <a:solidFill>
-            <a:schemeClr val="lt1">
-              <a:hueOff val="0"/>
-              <a:satOff val="0"/>
-              <a:lumOff val="0"/>
-              <a:alphaOff val="0"/>
-            </a:schemeClr>
-          </a:solidFill>
-          <a:prstDash val="solid"/>
-          <a:miter lim="800000"/>
-        </a:ln>
-        <a:effectLst/>
-      </dsp:spPr>
-      <dsp:style>
-        <a:lnRef idx="2">
-          <a:scrgbClr r="0" g="0" b="0"/>
-        </a:lnRef>
-        <a:fillRef idx="1">
-          <a:scrgbClr r="0" g="0" b="0"/>
-        </a:fillRef>
-        <a:effectRef idx="0">
-          <a:scrgbClr r="0" g="0" b="0"/>
-        </a:effectRef>
-        <a:fontRef idx="minor">
-          <a:schemeClr val="lt1"/>
-        </a:fontRef>
-      </dsp:style>
-      <dsp:txBody>
-        <a:bodyPr spcFirstLastPara="0" vert="horz" wrap="square" lIns="18415" tIns="18415" rIns="18415" bIns="18415" numCol="1" spcCol="1270" anchor="ctr" anchorCtr="0">
-          <a:noAutofit/>
-        </a:bodyPr>
-        <a:lstStyle/>
-        <a:p>
-          <a:pPr lvl="0" algn="ctr" defTabSz="1289050" rtl="0">
-            <a:lnSpc>
-              <a:spcPct val="90000"/>
-            </a:lnSpc>
-            <a:spcBef>
-              <a:spcPct val="0"/>
-            </a:spcBef>
-            <a:spcAft>
-              <a:spcPct val="35000"/>
-            </a:spcAft>
-          </a:pPr>
-          <a:r>
-            <a:rPr lang="zh-CN" sz="2900" kern="1200" dirty="0" smtClean="0"/>
-            <a:t>使用自动构建平台</a:t>
-          </a:r>
-          <a:endParaRPr lang="zh-CN" sz="2900" kern="1200" dirty="0"/>
-        </a:p>
-      </dsp:txBody>
-      <dsp:txXfrm>
-        <a:off x="1653814" y="960216"/>
-        <a:ext cx="1368977" cy="1368977"/>
-      </dsp:txXfrm>
-    </dsp:sp>
   </dsp:spTree>
 </dsp:drawing>
 </file>
@@ -13732,7 +13022,7 @@
             <a:fld id="{CB07F4DD-2616-4ADB-B085-03E0041EBE9A}" type="datetime1">
               <a:rPr lang="zh-CN" altLang="en-US" smtClean="0"/>
               <a:pPr/>
-              <a:t>2016/1/7</a:t>
+              <a:t>2016/1/8</a:t>
             </a:fld>
             <a:endParaRPr lang="zh-CN" altLang="en-US"/>
           </a:p>
@@ -13812,7 +13102,7 @@
     </p:spTree>
     <p:extLst>
       <p:ext uri="{BB962C8B-B14F-4D97-AF65-F5344CB8AC3E}">
-        <p14:creationId xmlns:p14="http://schemas.microsoft.com/office/powerpoint/2010/main" xmlns="" val="3139051690"/>
+        <p14:creationId xmlns:p14="http://schemas.microsoft.com/office/powerpoint/2010/main" val="3139051690"/>
       </p:ext>
     </p:extLst>
   </p:cSld>
@@ -13908,7 +13198,7 @@
             <a:fld id="{F1290695-11F3-4201-9521-690EE7DDEFC3}" type="datetime1">
               <a:rPr lang="zh-CN" altLang="en-US" smtClean="0"/>
               <a:pPr/>
-              <a:t>2016/1/7</a:t>
+              <a:t>2016/1/8</a:t>
             </a:fld>
             <a:endParaRPr lang="zh-CN" altLang="en-US"/>
           </a:p>
@@ -14081,7 +13371,7 @@
     </p:spTree>
     <p:extLst>
       <p:ext uri="{BB962C8B-B14F-4D97-AF65-F5344CB8AC3E}">
-        <p14:creationId xmlns:p14="http://schemas.microsoft.com/office/powerpoint/2010/main" xmlns="" val="3818961803"/>
+        <p14:creationId xmlns:p14="http://schemas.microsoft.com/office/powerpoint/2010/main" val="3818961803"/>
       </p:ext>
     </p:extLst>
   </p:cSld>
@@ -14233,7 +13523,7 @@
     </p:spTree>
     <p:extLst>
       <p:ext uri="{BB962C8B-B14F-4D97-AF65-F5344CB8AC3E}">
-        <p14:creationId xmlns:p14="http://schemas.microsoft.com/office/powerpoint/2010/main" xmlns="" val="4233778880"/>
+        <p14:creationId xmlns:p14="http://schemas.microsoft.com/office/powerpoint/2010/main" val="4233778880"/>
       </p:ext>
     </p:extLst>
   </p:cSld>
@@ -14294,7 +13584,7 @@
     </p:spTree>
     <p:extLst>
       <p:ext uri="{BB962C8B-B14F-4D97-AF65-F5344CB8AC3E}">
-        <p14:creationId xmlns:p14="http://schemas.microsoft.com/office/powerpoint/2010/main" xmlns="" val="4013860578"/>
+        <p14:creationId xmlns:p14="http://schemas.microsoft.com/office/powerpoint/2010/main" val="4013860578"/>
       </p:ext>
     </p:extLst>
   </p:cSld>
@@ -14355,7 +13645,7 @@
     </p:spTree>
     <p:extLst>
       <p:ext uri="{BB962C8B-B14F-4D97-AF65-F5344CB8AC3E}">
-        <p14:creationId xmlns:p14="http://schemas.microsoft.com/office/powerpoint/2010/main" xmlns="" val="2384192954"/>
+        <p14:creationId xmlns:p14="http://schemas.microsoft.com/office/powerpoint/2010/main" val="2384192954"/>
       </p:ext>
     </p:extLst>
   </p:cSld>
@@ -14416,7 +13706,7 @@
     </p:spTree>
     <p:extLst>
       <p:ext uri="{BB962C8B-B14F-4D97-AF65-F5344CB8AC3E}">
-        <p14:creationId xmlns:p14="http://schemas.microsoft.com/office/powerpoint/2010/main" xmlns="" val="2303718269"/>
+        <p14:creationId xmlns:p14="http://schemas.microsoft.com/office/powerpoint/2010/main" val="2303718269"/>
       </p:ext>
     </p:extLst>
   </p:cSld>
@@ -14477,7 +13767,7 @@
     </p:spTree>
     <p:extLst>
       <p:ext uri="{BB962C8B-B14F-4D97-AF65-F5344CB8AC3E}">
-        <p14:creationId xmlns:p14="http://schemas.microsoft.com/office/powerpoint/2010/main" xmlns="" val="2534329476"/>
+        <p14:creationId xmlns:p14="http://schemas.microsoft.com/office/powerpoint/2010/main" val="2534329476"/>
       </p:ext>
     </p:extLst>
   </p:cSld>
@@ -14538,7 +13828,7 @@
     </p:spTree>
     <p:extLst>
       <p:ext uri="{BB962C8B-B14F-4D97-AF65-F5344CB8AC3E}">
-        <p14:creationId xmlns:p14="http://schemas.microsoft.com/office/powerpoint/2010/main" xmlns="" val="3433403895"/>
+        <p14:creationId xmlns:p14="http://schemas.microsoft.com/office/powerpoint/2010/main" val="3433403895"/>
       </p:ext>
     </p:extLst>
   </p:cSld>
@@ -14599,7 +13889,7 @@
     </p:spTree>
     <p:extLst>
       <p:ext uri="{BB962C8B-B14F-4D97-AF65-F5344CB8AC3E}">
-        <p14:creationId xmlns:p14="http://schemas.microsoft.com/office/powerpoint/2010/main" xmlns="" val="2372924299"/>
+        <p14:creationId xmlns:p14="http://schemas.microsoft.com/office/powerpoint/2010/main" val="2372924299"/>
       </p:ext>
     </p:extLst>
   </p:cSld>
@@ -14660,7 +13950,7 @@
     </p:spTree>
     <p:extLst>
       <p:ext uri="{BB962C8B-B14F-4D97-AF65-F5344CB8AC3E}">
-        <p14:creationId xmlns:p14="http://schemas.microsoft.com/office/powerpoint/2010/main" xmlns="" val="1379253347"/>
+        <p14:creationId xmlns:p14="http://schemas.microsoft.com/office/powerpoint/2010/main" val="1379253347"/>
       </p:ext>
     </p:extLst>
   </p:cSld>
@@ -14721,7 +14011,7 @@
     </p:spTree>
     <p:extLst>
       <p:ext uri="{BB962C8B-B14F-4D97-AF65-F5344CB8AC3E}">
-        <p14:creationId xmlns:p14="http://schemas.microsoft.com/office/powerpoint/2010/main" xmlns="" val="3148297237"/>
+        <p14:creationId xmlns:p14="http://schemas.microsoft.com/office/powerpoint/2010/main" val="3148297237"/>
       </p:ext>
     </p:extLst>
   </p:cSld>
@@ -14782,7 +14072,7 @@
     </p:spTree>
     <p:extLst>
       <p:ext uri="{BB962C8B-B14F-4D97-AF65-F5344CB8AC3E}">
-        <p14:creationId xmlns:p14="http://schemas.microsoft.com/office/powerpoint/2010/main" xmlns="" val="496991311"/>
+        <p14:creationId xmlns:p14="http://schemas.microsoft.com/office/powerpoint/2010/main" val="496991311"/>
       </p:ext>
     </p:extLst>
   </p:cSld>
@@ -14843,7 +14133,7 @@
     </p:spTree>
     <p:extLst>
       <p:ext uri="{BB962C8B-B14F-4D97-AF65-F5344CB8AC3E}">
-        <p14:creationId xmlns:p14="http://schemas.microsoft.com/office/powerpoint/2010/main" xmlns="" val="3057971724"/>
+        <p14:creationId xmlns:p14="http://schemas.microsoft.com/office/powerpoint/2010/main" val="3057971724"/>
       </p:ext>
     </p:extLst>
   </p:cSld>
@@ -14904,7 +14194,7 @@
     </p:spTree>
     <p:extLst>
       <p:ext uri="{BB962C8B-B14F-4D97-AF65-F5344CB8AC3E}">
-        <p14:creationId xmlns:p14="http://schemas.microsoft.com/office/powerpoint/2010/main" xmlns="" val="3681023334"/>
+        <p14:creationId xmlns:p14="http://schemas.microsoft.com/office/powerpoint/2010/main" val="3681023334"/>
       </p:ext>
     </p:extLst>
   </p:cSld>
@@ -15046,7 +14336,7 @@
             <a:fld id="{25D33A48-F4CA-4D64-BD5D-F30DAC11E182}" type="datetime1">
               <a:rPr lang="zh-CN" altLang="en-US" smtClean="0"/>
               <a:pPr/>
-              <a:t>2016/1/7</a:t>
+              <a:t>2016/1/8</a:t>
             </a:fld>
             <a:endParaRPr lang="zh-CN" altLang="en-US"/>
           </a:p>
@@ -15098,7 +14388,7 @@
     </p:spTree>
     <p:extLst>
       <p:ext uri="{BB962C8B-B14F-4D97-AF65-F5344CB8AC3E}">
-        <p14:creationId xmlns:p14="http://schemas.microsoft.com/office/powerpoint/2010/main" xmlns="" val="3543592591"/>
+        <p14:creationId xmlns:p14="http://schemas.microsoft.com/office/powerpoint/2010/main" val="3543592591"/>
       </p:ext>
     </p:extLst>
   </p:cSld>
@@ -15218,7 +14508,7 @@
             <a:fld id="{7835C9A2-A860-435D-8D86-7057808A46BB}" type="datetime1">
               <a:rPr lang="zh-CN" altLang="en-US" smtClean="0"/>
               <a:pPr/>
-              <a:t>2016/1/7</a:t>
+              <a:t>2016/1/8</a:t>
             </a:fld>
             <a:endParaRPr lang="zh-CN" altLang="en-US"/>
           </a:p>
@@ -15274,7 +14564,7 @@
     </p:spTree>
     <p:extLst>
       <p:ext uri="{BB962C8B-B14F-4D97-AF65-F5344CB8AC3E}">
-        <p14:creationId xmlns:p14="http://schemas.microsoft.com/office/powerpoint/2010/main" xmlns="" val="2637827693"/>
+        <p14:creationId xmlns:p14="http://schemas.microsoft.com/office/powerpoint/2010/main" val="2637827693"/>
       </p:ext>
     </p:extLst>
   </p:cSld>
@@ -15404,7 +14694,7 @@
             <a:fld id="{8DCBC361-869B-451A-B3B0-8C4F1BA9360E}" type="datetime1">
               <a:rPr lang="zh-CN" altLang="en-US" smtClean="0"/>
               <a:pPr/>
-              <a:t>2016/1/7</a:t>
+              <a:t>2016/1/8</a:t>
             </a:fld>
             <a:endParaRPr lang="zh-CN" altLang="en-US"/>
           </a:p>
@@ -15460,7 +14750,7 @@
     </p:spTree>
     <p:extLst>
       <p:ext uri="{BB962C8B-B14F-4D97-AF65-F5344CB8AC3E}">
-        <p14:creationId xmlns:p14="http://schemas.microsoft.com/office/powerpoint/2010/main" xmlns="" val="1795914738"/>
+        <p14:creationId xmlns:p14="http://schemas.microsoft.com/office/powerpoint/2010/main" val="1795914738"/>
       </p:ext>
     </p:extLst>
   </p:cSld>
@@ -15595,7 +14885,7 @@
             <a:fld id="{BC20C777-790A-4729-B908-08454939E402}" type="datetime1">
               <a:rPr lang="zh-CN" altLang="en-US" smtClean="0"/>
               <a:pPr/>
-              <a:t>2016/1/7</a:t>
+              <a:t>2016/1/8</a:t>
             </a:fld>
             <a:endParaRPr lang="zh-CN" altLang="en-US" dirty="0"/>
           </a:p>
@@ -15660,7 +14950,7 @@
     </p:spTree>
     <p:extLst>
       <p:ext uri="{BB962C8B-B14F-4D97-AF65-F5344CB8AC3E}">
-        <p14:creationId xmlns:p14="http://schemas.microsoft.com/office/powerpoint/2010/main" xmlns="" val="2065731511"/>
+        <p14:creationId xmlns:p14="http://schemas.microsoft.com/office/powerpoint/2010/main" val="2065731511"/>
       </p:ext>
     </p:extLst>
   </p:cSld>
@@ -15856,7 +15146,7 @@
             <a:fld id="{0365DCE1-2D81-4988-9FFB-38C77368E5AB}" type="datetime1">
               <a:rPr lang="zh-CN" altLang="en-US" smtClean="0"/>
               <a:pPr/>
-              <a:t>2016/1/7</a:t>
+              <a:t>2016/1/8</a:t>
             </a:fld>
             <a:endParaRPr lang="zh-CN" altLang="en-US"/>
           </a:p>
@@ -15912,7 +15202,7 @@
     </p:spTree>
     <p:extLst>
       <p:ext uri="{BB962C8B-B14F-4D97-AF65-F5344CB8AC3E}">
-        <p14:creationId xmlns:p14="http://schemas.microsoft.com/office/powerpoint/2010/main" xmlns="" val="2237297140"/>
+        <p14:creationId xmlns:p14="http://schemas.microsoft.com/office/powerpoint/2010/main" val="2237297140"/>
       </p:ext>
     </p:extLst>
   </p:cSld>
@@ -16094,7 +15384,7 @@
             <a:fld id="{AE044FB5-8BC0-4607-92CA-3A99C780D839}" type="datetime1">
               <a:rPr lang="zh-CN" altLang="en-US" smtClean="0"/>
               <a:pPr/>
-              <a:t>2016/1/7</a:t>
+              <a:t>2016/1/8</a:t>
             </a:fld>
             <a:endParaRPr lang="zh-CN" altLang="en-US"/>
           </a:p>
@@ -16150,7 +15440,7 @@
     </p:spTree>
     <p:extLst>
       <p:ext uri="{BB962C8B-B14F-4D97-AF65-F5344CB8AC3E}">
-        <p14:creationId xmlns:p14="http://schemas.microsoft.com/office/powerpoint/2010/main" xmlns="" val="4045436177"/>
+        <p14:creationId xmlns:p14="http://schemas.microsoft.com/office/powerpoint/2010/main" val="4045436177"/>
       </p:ext>
     </p:extLst>
   </p:cSld>
@@ -16467,7 +15757,7 @@
             <a:fld id="{197C8F87-DC25-4850-AC0C-AD7398EEDB18}" type="datetime1">
               <a:rPr lang="zh-CN" altLang="en-US" smtClean="0"/>
               <a:pPr/>
-              <a:t>2016/1/7</a:t>
+              <a:t>2016/1/8</a:t>
             </a:fld>
             <a:endParaRPr lang="zh-CN" altLang="en-US"/>
           </a:p>
@@ -16523,7 +15813,7 @@
     </p:spTree>
     <p:extLst>
       <p:ext uri="{BB962C8B-B14F-4D97-AF65-F5344CB8AC3E}">
-        <p14:creationId xmlns:p14="http://schemas.microsoft.com/office/powerpoint/2010/main" xmlns="" val="3279032153"/>
+        <p14:creationId xmlns:p14="http://schemas.microsoft.com/office/powerpoint/2010/main" val="3279032153"/>
       </p:ext>
     </p:extLst>
   </p:cSld>
@@ -16591,7 +15881,7 @@
             <a:fld id="{5D4E2BA0-9952-45C2-A08C-1F25826F55B6}" type="datetime1">
               <a:rPr lang="zh-CN" altLang="en-US" smtClean="0"/>
               <a:pPr/>
-              <a:t>2016/1/7</a:t>
+              <a:t>2016/1/8</a:t>
             </a:fld>
             <a:endParaRPr lang="zh-CN" altLang="en-US"/>
           </a:p>
@@ -16647,7 +15937,7 @@
     </p:spTree>
     <p:extLst>
       <p:ext uri="{BB962C8B-B14F-4D97-AF65-F5344CB8AC3E}">
-        <p14:creationId xmlns:p14="http://schemas.microsoft.com/office/powerpoint/2010/main" xmlns="" val="3633593654"/>
+        <p14:creationId xmlns:p14="http://schemas.microsoft.com/office/powerpoint/2010/main" val="3633593654"/>
       </p:ext>
     </p:extLst>
   </p:cSld>
@@ -16692,7 +15982,7 @@
             <a:fld id="{8D3A08FE-8931-43C6-A3F8-57DF16A0B008}" type="datetime1">
               <a:rPr lang="zh-CN" altLang="en-US" smtClean="0"/>
               <a:pPr/>
-              <a:t>2016/1/7</a:t>
+              <a:t>2016/1/8</a:t>
             </a:fld>
             <a:endParaRPr lang="zh-CN" altLang="en-US"/>
           </a:p>
@@ -16748,7 +16038,7 @@
     </p:spTree>
     <p:extLst>
       <p:ext uri="{BB962C8B-B14F-4D97-AF65-F5344CB8AC3E}">
-        <p14:creationId xmlns:p14="http://schemas.microsoft.com/office/powerpoint/2010/main" xmlns="" val="3481910277"/>
+        <p14:creationId xmlns:p14="http://schemas.microsoft.com/office/powerpoint/2010/main" val="3481910277"/>
       </p:ext>
     </p:extLst>
   </p:cSld>
@@ -16975,7 +16265,7 @@
             <a:fld id="{F92AFE50-3DB7-445D-B4F8-E51EAB8F49B4}" type="datetime1">
               <a:rPr lang="zh-CN" altLang="en-US" smtClean="0"/>
               <a:pPr/>
-              <a:t>2016/1/7</a:t>
+              <a:t>2016/1/8</a:t>
             </a:fld>
             <a:endParaRPr lang="zh-CN" altLang="en-US"/>
           </a:p>
@@ -17031,7 +16321,7 @@
     </p:spTree>
     <p:extLst>
       <p:ext uri="{BB962C8B-B14F-4D97-AF65-F5344CB8AC3E}">
-        <p14:creationId xmlns:p14="http://schemas.microsoft.com/office/powerpoint/2010/main" xmlns="" val="2718699996"/>
+        <p14:creationId xmlns:p14="http://schemas.microsoft.com/office/powerpoint/2010/main" val="2718699996"/>
       </p:ext>
     </p:extLst>
   </p:cSld>
@@ -17234,7 +16524,7 @@
             <a:fld id="{C38F9322-B05B-4876-83A9-782F04B0A82E}" type="datetime1">
               <a:rPr lang="zh-CN" altLang="en-US" smtClean="0"/>
               <a:pPr/>
-              <a:t>2016/1/7</a:t>
+              <a:t>2016/1/8</a:t>
             </a:fld>
             <a:endParaRPr lang="zh-CN" altLang="en-US"/>
           </a:p>
@@ -17290,7 +16580,7 @@
     </p:spTree>
     <p:extLst>
       <p:ext uri="{BB962C8B-B14F-4D97-AF65-F5344CB8AC3E}">
-        <p14:creationId xmlns:p14="http://schemas.microsoft.com/office/powerpoint/2010/main" xmlns="" val="1377151352"/>
+        <p14:creationId xmlns:p14="http://schemas.microsoft.com/office/powerpoint/2010/main" val="1377151352"/>
       </p:ext>
     </p:extLst>
   </p:cSld>
@@ -17453,7 +16743,7 @@
             <a:fld id="{CCF59172-651A-49CE-9B4F-274F81EB3FA7}" type="datetime1">
               <a:rPr lang="zh-CN" altLang="en-US" smtClean="0"/>
               <a:pPr/>
-              <a:t>2016/1/7</a:t>
+              <a:t>2016/1/8</a:t>
             </a:fld>
             <a:endParaRPr lang="zh-CN" altLang="en-US"/>
           </a:p>
@@ -17545,7 +16835,7 @@
     </p:spTree>
     <p:extLst>
       <p:ext uri="{BB962C8B-B14F-4D97-AF65-F5344CB8AC3E}">
-        <p14:creationId xmlns:p14="http://schemas.microsoft.com/office/powerpoint/2010/main" xmlns="" val="2920253679"/>
+        <p14:creationId xmlns:p14="http://schemas.microsoft.com/office/powerpoint/2010/main" val="2920253679"/>
       </p:ext>
     </p:extLst>
   </p:cSld>
@@ -17899,7 +17189,7 @@
           <p:nvPr>
             <p:extLst>
               <p:ext uri="{D42A27DB-BD31-4B8C-83A1-F6EECF244321}">
-                <p14:modId xmlns:p14="http://schemas.microsoft.com/office/powerpoint/2010/main" xmlns="" val="3178934926"/>
+                <p14:modId xmlns:p14="http://schemas.microsoft.com/office/powerpoint/2010/main" val="3178934926"/>
               </p:ext>
             </p:extLst>
           </p:nvPr>
@@ -17917,7 +17207,7 @@
     </p:spTree>
     <p:extLst>
       <p:ext uri="{BB962C8B-B14F-4D97-AF65-F5344CB8AC3E}">
-        <p14:creationId xmlns:p14="http://schemas.microsoft.com/office/powerpoint/2010/main" xmlns="" val="4174816406"/>
+        <p14:creationId xmlns:p14="http://schemas.microsoft.com/office/powerpoint/2010/main" val="4174816406"/>
       </p:ext>
     </p:extLst>
   </p:cSld>
@@ -18128,7 +17418,7 @@
     </p:spTree>
     <p:extLst>
       <p:ext uri="{BB962C8B-B14F-4D97-AF65-F5344CB8AC3E}">
-        <p14:creationId xmlns:p14="http://schemas.microsoft.com/office/powerpoint/2010/main" xmlns="" val="3490512329"/>
+        <p14:creationId xmlns:p14="http://schemas.microsoft.com/office/powerpoint/2010/main" val="3490512329"/>
       </p:ext>
     </p:extLst>
   </p:cSld>
@@ -18420,7 +17710,7 @@
     </p:spTree>
     <p:extLst>
       <p:ext uri="{BB962C8B-B14F-4D97-AF65-F5344CB8AC3E}">
-        <p14:creationId xmlns:p14="http://schemas.microsoft.com/office/powerpoint/2010/main" xmlns="" val="1246062724"/>
+        <p14:creationId xmlns:p14="http://schemas.microsoft.com/office/powerpoint/2010/main" val="1246062724"/>
       </p:ext>
     </p:extLst>
   </p:cSld>
@@ -19304,7 +18594,7 @@
     </p:spTree>
     <p:extLst>
       <p:ext uri="{BB962C8B-B14F-4D97-AF65-F5344CB8AC3E}">
-        <p14:creationId xmlns:p14="http://schemas.microsoft.com/office/powerpoint/2010/main" xmlns="" val="10304932"/>
+        <p14:creationId xmlns:p14="http://schemas.microsoft.com/office/powerpoint/2010/main" val="10304932"/>
       </p:ext>
     </p:extLst>
   </p:cSld>
@@ -19457,7 +18747,7 @@
           <p:nvPr>
             <p:extLst>
               <p:ext uri="{D42A27DB-BD31-4B8C-83A1-F6EECF244321}">
-                <p14:modId xmlns:p14="http://schemas.microsoft.com/office/powerpoint/2010/main" xmlns="" val="973585415"/>
+                <p14:modId xmlns:p14="http://schemas.microsoft.com/office/powerpoint/2010/main" val="973585415"/>
               </p:ext>
             </p:extLst>
           </p:nvPr>
@@ -20199,7 +19489,7 @@
     </p:spTree>
     <p:extLst>
       <p:ext uri="{BB962C8B-B14F-4D97-AF65-F5344CB8AC3E}">
-        <p14:creationId xmlns:p14="http://schemas.microsoft.com/office/powerpoint/2010/main" xmlns="" val="4120100793"/>
+        <p14:creationId xmlns:p14="http://schemas.microsoft.com/office/powerpoint/2010/main" val="4120100793"/>
       </p:ext>
     </p:extLst>
   </p:cSld>
@@ -20286,7 +19576,7 @@
           <p:nvPr>
             <p:extLst>
               <p:ext uri="{D42A27DB-BD31-4B8C-83A1-F6EECF244321}">
-                <p14:modId xmlns:p14="http://schemas.microsoft.com/office/powerpoint/2010/main" xmlns="" val="1977680684"/>
+                <p14:modId xmlns:p14="http://schemas.microsoft.com/office/powerpoint/2010/main" val="1977680684"/>
               </p:ext>
             </p:extLst>
           </p:nvPr>
@@ -20346,7 +19636,7 @@
           <p:nvPr>
             <p:extLst>
               <p:ext uri="{D42A27DB-BD31-4B8C-83A1-F6EECF244321}">
-                <p14:modId xmlns:p14="http://schemas.microsoft.com/office/powerpoint/2010/main" xmlns="" val="3925052879"/>
+                <p14:modId xmlns:p14="http://schemas.microsoft.com/office/powerpoint/2010/main" val="3925052879"/>
               </p:ext>
             </p:extLst>
           </p:nvPr>
@@ -20412,7 +19702,7 @@
     </p:spTree>
     <p:extLst>
       <p:ext uri="{BB962C8B-B14F-4D97-AF65-F5344CB8AC3E}">
-        <p14:creationId xmlns:p14="http://schemas.microsoft.com/office/powerpoint/2010/main" xmlns="" val="843410372"/>
+        <p14:creationId xmlns:p14="http://schemas.microsoft.com/office/powerpoint/2010/main" val="843410372"/>
       </p:ext>
     </p:extLst>
   </p:cSld>
@@ -20556,7 +19846,7 @@
     </p:spTree>
     <p:extLst>
       <p:ext uri="{BB962C8B-B14F-4D97-AF65-F5344CB8AC3E}">
-        <p14:creationId xmlns:p14="http://schemas.microsoft.com/office/powerpoint/2010/main" xmlns="" val="3704677259"/>
+        <p14:creationId xmlns:p14="http://schemas.microsoft.com/office/powerpoint/2010/main" val="3704677259"/>
       </p:ext>
     </p:extLst>
   </p:cSld>
@@ -20707,7 +19997,7 @@
     </p:spTree>
     <p:extLst>
       <p:ext uri="{BB962C8B-B14F-4D97-AF65-F5344CB8AC3E}">
-        <p14:creationId xmlns:p14="http://schemas.microsoft.com/office/powerpoint/2010/main" xmlns="" val="232620772"/>
+        <p14:creationId xmlns:p14="http://schemas.microsoft.com/office/powerpoint/2010/main" val="232620772"/>
       </p:ext>
     </p:extLst>
   </p:cSld>
@@ -20896,7 +20186,7 @@
     </p:spTree>
     <p:extLst>
       <p:ext uri="{BB962C8B-B14F-4D97-AF65-F5344CB8AC3E}">
-        <p14:creationId xmlns:p14="http://schemas.microsoft.com/office/powerpoint/2010/main" xmlns="" val="1000910794"/>
+        <p14:creationId xmlns:p14="http://schemas.microsoft.com/office/powerpoint/2010/main" val="1000910794"/>
       </p:ext>
     </p:extLst>
   </p:cSld>
@@ -21030,7 +20320,7 @@
     </p:spTree>
     <p:extLst>
       <p:ext uri="{BB962C8B-B14F-4D97-AF65-F5344CB8AC3E}">
-        <p14:creationId xmlns:p14="http://schemas.microsoft.com/office/powerpoint/2010/main" xmlns="" val="1322045940"/>
+        <p14:creationId xmlns:p14="http://schemas.microsoft.com/office/powerpoint/2010/main" val="1322045940"/>
       </p:ext>
     </p:extLst>
   </p:cSld>
@@ -21223,7 +20513,7 @@
     </p:spTree>
     <p:extLst>
       <p:ext uri="{BB962C8B-B14F-4D97-AF65-F5344CB8AC3E}">
-        <p14:creationId xmlns:p14="http://schemas.microsoft.com/office/powerpoint/2010/main" xmlns="" val="2353156051"/>
+        <p14:creationId xmlns:p14="http://schemas.microsoft.com/office/powerpoint/2010/main" val="2353156051"/>
       </p:ext>
     </p:extLst>
   </p:cSld>
@@ -21298,7 +20588,7 @@
             <p:ph idx="1"/>
             <p:extLst>
               <p:ext uri="{D42A27DB-BD31-4B8C-83A1-F6EECF244321}">
-                <p14:modId xmlns:p14="http://schemas.microsoft.com/office/powerpoint/2010/main" xmlns="" val="2703503720"/>
+                <p14:modId xmlns:p14="http://schemas.microsoft.com/office/powerpoint/2010/main" val="2703503720"/>
               </p:ext>
             </p:extLst>
           </p:nvPr>
@@ -21363,7 +20653,7 @@
     </p:spTree>
     <p:extLst>
       <p:ext uri="{BB962C8B-B14F-4D97-AF65-F5344CB8AC3E}">
-        <p14:creationId xmlns:p14="http://schemas.microsoft.com/office/powerpoint/2010/main" xmlns="" val="2276224563"/>
+        <p14:creationId xmlns:p14="http://schemas.microsoft.com/office/powerpoint/2010/main" val="2276224563"/>
       </p:ext>
     </p:extLst>
   </p:cSld>
@@ -21445,7 +20735,7 @@
             <p:ph idx="1"/>
             <p:extLst>
               <p:ext uri="{D42A27DB-BD31-4B8C-83A1-F6EECF244321}">
-                <p14:modId xmlns:p14="http://schemas.microsoft.com/office/powerpoint/2010/main" xmlns="" val="4268596295"/>
+                <p14:modId xmlns:p14="http://schemas.microsoft.com/office/powerpoint/2010/main" val="4268596295"/>
               </p:ext>
             </p:extLst>
           </p:nvPr>
@@ -21510,7 +20800,7 @@
     </p:spTree>
     <p:extLst>
       <p:ext uri="{BB962C8B-B14F-4D97-AF65-F5344CB8AC3E}">
-        <p14:creationId xmlns:p14="http://schemas.microsoft.com/office/powerpoint/2010/main" xmlns="" val="1408319310"/>
+        <p14:creationId xmlns:p14="http://schemas.microsoft.com/office/powerpoint/2010/main" val="1408319310"/>
       </p:ext>
     </p:extLst>
   </p:cSld>
@@ -21608,7 +20898,7 @@
           <a:blip r:embed="rId2">
             <a:extLst>
               <a:ext uri="{28A0092B-C50C-407E-A947-70E740481C1C}">
-                <a14:useLocalDpi xmlns:a14="http://schemas.microsoft.com/office/drawing/2010/main" xmlns="" val="0"/>
+                <a14:useLocalDpi xmlns:a14="http://schemas.microsoft.com/office/drawing/2010/main" val="0"/>
               </a:ext>
             </a:extLst>
           </a:blip>
@@ -21629,7 +20919,7 @@
     </p:spTree>
     <p:extLst>
       <p:ext uri="{BB962C8B-B14F-4D97-AF65-F5344CB8AC3E}">
-        <p14:creationId xmlns:p14="http://schemas.microsoft.com/office/powerpoint/2010/main" xmlns="" val="4265376992"/>
+        <p14:creationId xmlns:p14="http://schemas.microsoft.com/office/powerpoint/2010/main" val="4265376992"/>
       </p:ext>
     </p:extLst>
   </p:cSld>
@@ -21727,7 +21017,7 @@
           <a:blip r:embed="rId2">
             <a:extLst>
               <a:ext uri="{28A0092B-C50C-407E-A947-70E740481C1C}">
-                <a14:useLocalDpi xmlns:a14="http://schemas.microsoft.com/office/drawing/2010/main" xmlns="" val="0"/>
+                <a14:useLocalDpi xmlns:a14="http://schemas.microsoft.com/office/drawing/2010/main" val="0"/>
               </a:ext>
             </a:extLst>
           </a:blip>
@@ -21748,7 +21038,7 @@
     </p:spTree>
     <p:extLst>
       <p:ext uri="{BB962C8B-B14F-4D97-AF65-F5344CB8AC3E}">
-        <p14:creationId xmlns:p14="http://schemas.microsoft.com/office/powerpoint/2010/main" xmlns="" val="2911620675"/>
+        <p14:creationId xmlns:p14="http://schemas.microsoft.com/office/powerpoint/2010/main" val="2911620675"/>
       </p:ext>
     </p:extLst>
   </p:cSld>
@@ -21845,7 +21135,7 @@
           <a:blip r:embed="rId2">
             <a:extLst>
               <a:ext uri="{28A0092B-C50C-407E-A947-70E740481C1C}">
-                <a14:useLocalDpi xmlns:a14="http://schemas.microsoft.com/office/drawing/2010/main" xmlns="" val="0"/>
+                <a14:useLocalDpi xmlns:a14="http://schemas.microsoft.com/office/drawing/2010/main" val="0"/>
               </a:ext>
             </a:extLst>
           </a:blip>
@@ -21866,7 +21156,7 @@
     </p:spTree>
     <p:extLst>
       <p:ext uri="{BB962C8B-B14F-4D97-AF65-F5344CB8AC3E}">
-        <p14:creationId xmlns:p14="http://schemas.microsoft.com/office/powerpoint/2010/main" xmlns="" val="1639528390"/>
+        <p14:creationId xmlns:p14="http://schemas.microsoft.com/office/powerpoint/2010/main" val="1639528390"/>
       </p:ext>
     </p:extLst>
   </p:cSld>
@@ -21963,7 +21253,7 @@
           <a:blip r:embed="rId2">
             <a:extLst>
               <a:ext uri="{28A0092B-C50C-407E-A947-70E740481C1C}">
-                <a14:useLocalDpi xmlns:a14="http://schemas.microsoft.com/office/drawing/2010/main" xmlns="" val="0"/>
+                <a14:useLocalDpi xmlns:a14="http://schemas.microsoft.com/office/drawing/2010/main" val="0"/>
               </a:ext>
             </a:extLst>
           </a:blip>
@@ -21984,7 +21274,7 @@
     </p:spTree>
     <p:extLst>
       <p:ext uri="{BB962C8B-B14F-4D97-AF65-F5344CB8AC3E}">
-        <p14:creationId xmlns:p14="http://schemas.microsoft.com/office/powerpoint/2010/main" xmlns="" val="1541191744"/>
+        <p14:creationId xmlns:p14="http://schemas.microsoft.com/office/powerpoint/2010/main" val="1541191744"/>
       </p:ext>
     </p:extLst>
   </p:cSld>
@@ -22056,7 +21346,7 @@
             <p:ph idx="1"/>
             <p:extLst>
               <p:ext uri="{D42A27DB-BD31-4B8C-83A1-F6EECF244321}">
-                <p14:modId xmlns:p14="http://schemas.microsoft.com/office/powerpoint/2010/main" xmlns="" val="4004654259"/>
+                <p14:modId xmlns:p14="http://schemas.microsoft.com/office/powerpoint/2010/main" val="4004654259"/>
               </p:ext>
             </p:extLst>
           </p:nvPr>
@@ -22390,7 +21680,7 @@
     </p:spTree>
     <p:extLst>
       <p:ext uri="{BB962C8B-B14F-4D97-AF65-F5344CB8AC3E}">
-        <p14:creationId xmlns:p14="http://schemas.microsoft.com/office/powerpoint/2010/main" xmlns="" val="3804095954"/>
+        <p14:creationId xmlns:p14="http://schemas.microsoft.com/office/powerpoint/2010/main" val="3804095954"/>
       </p:ext>
     </p:extLst>
   </p:cSld>
@@ -22587,7 +21877,7 @@
     </p:spTree>
     <p:extLst>
       <p:ext uri="{BB962C8B-B14F-4D97-AF65-F5344CB8AC3E}">
-        <p14:creationId xmlns:p14="http://schemas.microsoft.com/office/powerpoint/2010/main" xmlns="" val="3745167176"/>
+        <p14:creationId xmlns:p14="http://schemas.microsoft.com/office/powerpoint/2010/main" val="3745167176"/>
       </p:ext>
     </p:extLst>
   </p:cSld>
@@ -23544,7 +22834,7 @@
     </p:spTree>
     <p:extLst>
       <p:ext uri="{BB962C8B-B14F-4D97-AF65-F5344CB8AC3E}">
-        <p14:creationId xmlns:p14="http://schemas.microsoft.com/office/powerpoint/2010/main" xmlns="" val="3948841432"/>
+        <p14:creationId xmlns:p14="http://schemas.microsoft.com/office/powerpoint/2010/main" val="3948841432"/>
       </p:ext>
     </p:extLst>
   </p:cSld>
@@ -23806,7 +23096,7 @@
             <p:ph idx="1"/>
             <p:extLst>
               <p:ext uri="{D42A27DB-BD31-4B8C-83A1-F6EECF244321}">
-                <p14:modId xmlns:p14="http://schemas.microsoft.com/office/powerpoint/2010/main" xmlns="" val="2935677693"/>
+                <p14:modId xmlns:p14="http://schemas.microsoft.com/office/powerpoint/2010/main" val="2935677693"/>
               </p:ext>
             </p:extLst>
           </p:nvPr>
@@ -24449,7 +23739,7 @@
     </p:spTree>
     <p:extLst>
       <p:ext uri="{BB962C8B-B14F-4D97-AF65-F5344CB8AC3E}">
-        <p14:creationId xmlns:p14="http://schemas.microsoft.com/office/powerpoint/2010/main" xmlns="" val="1025917695"/>
+        <p14:creationId xmlns:p14="http://schemas.microsoft.com/office/powerpoint/2010/main" val="1025917695"/>
       </p:ext>
     </p:extLst>
   </p:cSld>
@@ -24828,7 +24118,7 @@
     </p:spTree>
     <p:extLst>
       <p:ext uri="{BB962C8B-B14F-4D97-AF65-F5344CB8AC3E}">
-        <p14:creationId xmlns:p14="http://schemas.microsoft.com/office/powerpoint/2010/main" xmlns="" val="250897556"/>
+        <p14:creationId xmlns:p14="http://schemas.microsoft.com/office/powerpoint/2010/main" val="250897556"/>
       </p:ext>
     </p:extLst>
   </p:cSld>
@@ -24979,7 +24269,7 @@
           <p:nvPr>
             <p:extLst>
               <p:ext uri="{D42A27DB-BD31-4B8C-83A1-F6EECF244321}">
-                <p14:modId xmlns:p14="http://schemas.microsoft.com/office/powerpoint/2010/main" xmlns="" val="1160269705"/>
+                <p14:modId xmlns:p14="http://schemas.microsoft.com/office/powerpoint/2010/main" val="1160269705"/>
               </p:ext>
             </p:extLst>
           </p:nvPr>
@@ -25337,7 +24627,7 @@
     </p:spTree>
     <p:extLst>
       <p:ext uri="{BB962C8B-B14F-4D97-AF65-F5344CB8AC3E}">
-        <p14:creationId xmlns:p14="http://schemas.microsoft.com/office/powerpoint/2010/main" xmlns="" val="1064877064"/>
+        <p14:creationId xmlns:p14="http://schemas.microsoft.com/office/powerpoint/2010/main" val="1064877064"/>
       </p:ext>
     </p:extLst>
   </p:cSld>
@@ -25429,11 +24719,17 @@
           <p:cNvGraphicFramePr>
             <a:graphicFrameLocks noGrp="1"/>
           </p:cNvGraphicFramePr>
-          <p:nvPr/>
+          <p:nvPr>
+            <p:extLst>
+              <p:ext uri="{D42A27DB-BD31-4B8C-83A1-F6EECF244321}">
+                <p14:modId xmlns:p14="http://schemas.microsoft.com/office/powerpoint/2010/main" val="2532065326"/>
+              </p:ext>
+            </p:extLst>
+          </p:nvPr>
         </p:nvGraphicFramePr>
         <p:xfrm>
           <a:off x="406400" y="575733"/>
-          <a:ext cx="11040533" cy="5357012"/>
+          <a:ext cx="11040533" cy="5714296"/>
         </p:xfrm>
         <a:graphic>
           <a:graphicData uri="http://schemas.openxmlformats.org/drawingml/2006/table">
@@ -25659,7 +24955,7 @@
                         </a:spcAft>
                       </a:pPr>
                       <a:r>
-                        <a:rPr lang="en-US" sz="1800" kern="0" dirty="0">
+                        <a:rPr lang="en-US" sz="1800" b="0" kern="0" dirty="0">
                           <a:latin typeface="宋体"/>
                           <a:ea typeface="宋体"/>
                           <a:cs typeface="宋体"/>
@@ -25667,7 +24963,7 @@
                         <a:t>[</a:t>
                       </a:r>
                       <a:r>
-                        <a:rPr lang="en-US" sz="1800" kern="0" dirty="0" err="1">
+                        <a:rPr lang="en-US" sz="1800" b="0" kern="0" dirty="0" err="1">
                           <a:latin typeface="宋体"/>
                           <a:ea typeface="宋体"/>
                           <a:cs typeface="宋体"/>
@@ -25675,14 +24971,14 @@
                         <a:t>TestMethod</a:t>
                       </a:r>
                       <a:r>
-                        <a:rPr lang="en-US" sz="1800" kern="0" dirty="0">
+                        <a:rPr lang="en-US" sz="1800" b="0" kern="0" dirty="0">
                           <a:latin typeface="宋体"/>
                           <a:ea typeface="宋体"/>
                           <a:cs typeface="宋体"/>
                         </a:rPr>
                         <a:t>]</a:t>
                       </a:r>
-                      <a:endParaRPr lang="zh-CN" sz="1800" kern="100" dirty="0">
+                      <a:endParaRPr lang="zh-CN" sz="1800" b="0" kern="100" dirty="0">
                         <a:latin typeface="Calibri"/>
                         <a:ea typeface="宋体"/>
                         <a:cs typeface="Times New Roman"/>
@@ -25742,14 +25038,14 @@
                         </a:spcAft>
                       </a:pPr>
                       <a:r>
-                        <a:rPr lang="en-US" sz="1800" kern="0">
+                        <a:rPr lang="en-US" sz="1800" b="0" kern="0">
                           <a:latin typeface="宋体"/>
                           <a:ea typeface="宋体"/>
                           <a:cs typeface="宋体"/>
                         </a:rPr>
                         <a:t>[Fact]</a:t>
                       </a:r>
-                      <a:endParaRPr lang="zh-CN" sz="1800" kern="100">
+                      <a:endParaRPr lang="zh-CN" sz="1800" b="0" kern="100">
                         <a:latin typeface="Calibri"/>
                         <a:ea typeface="宋体"/>
                         <a:cs typeface="Times New Roman"/>
@@ -25878,7 +25174,7 @@
                         </a:spcAft>
                       </a:pPr>
                       <a:r>
-                        <a:rPr lang="en-US" sz="1800" kern="0" dirty="0">
+                        <a:rPr lang="en-US" sz="1800" b="0" kern="0" dirty="0">
                           <a:latin typeface="宋体"/>
                           <a:ea typeface="宋体"/>
                           <a:cs typeface="宋体"/>
@@ -25886,7 +25182,7 @@
                         <a:t>[</a:t>
                       </a:r>
                       <a:r>
-                        <a:rPr lang="en-US" sz="1800" kern="0" dirty="0" err="1">
+                        <a:rPr lang="en-US" sz="1800" b="0" kern="0" dirty="0" err="1">
                           <a:latin typeface="宋体"/>
                           <a:ea typeface="宋体"/>
                           <a:cs typeface="宋体"/>
@@ -25894,14 +25190,14 @@
                         <a:t>TestClass</a:t>
                       </a:r>
                       <a:r>
-                        <a:rPr lang="en-US" sz="1800" kern="0" dirty="0">
+                        <a:rPr lang="en-US" sz="1800" b="0" kern="0" dirty="0">
                           <a:latin typeface="宋体"/>
                           <a:ea typeface="宋体"/>
                           <a:cs typeface="宋体"/>
                         </a:rPr>
                         <a:t>]</a:t>
                       </a:r>
-                      <a:endParaRPr lang="zh-CN" sz="1800" kern="100" dirty="0">
+                      <a:endParaRPr lang="zh-CN" sz="1800" b="0" kern="100" dirty="0">
                         <a:latin typeface="Calibri"/>
                         <a:ea typeface="宋体"/>
                         <a:cs typeface="Times New Roman"/>
@@ -25961,14 +25257,14 @@
                         </a:spcAft>
                       </a:pPr>
                       <a:r>
-                        <a:rPr lang="en-US" sz="1800" i="1" kern="0">
+                        <a:rPr lang="en-US" sz="1800" b="0" i="1" kern="0">
                           <a:latin typeface="宋体"/>
                           <a:ea typeface="宋体"/>
                           <a:cs typeface="宋体"/>
                         </a:rPr>
                         <a:t>n/a</a:t>
                       </a:r>
-                      <a:endParaRPr lang="zh-CN" sz="1800" kern="100">
+                      <a:endParaRPr lang="zh-CN" sz="1800" b="0" kern="100">
                         <a:latin typeface="Calibri"/>
                         <a:ea typeface="宋体"/>
                         <a:cs typeface="Times New Roman"/>
@@ -26083,7 +25379,7 @@
                         </a:spcAft>
                       </a:pPr>
                       <a:r>
-                        <a:rPr lang="en-US" sz="1800" kern="0" dirty="0">
+                        <a:rPr lang="en-US" sz="1800" b="0" kern="0" dirty="0">
                           <a:latin typeface="宋体"/>
                           <a:ea typeface="宋体"/>
                           <a:cs typeface="宋体"/>
@@ -26091,7 +25387,7 @@
                         <a:t>[</a:t>
                       </a:r>
                       <a:r>
-                        <a:rPr lang="en-US" sz="1800" kern="0" dirty="0" err="1">
+                        <a:rPr lang="en-US" sz="1800" b="0" kern="0" dirty="0" err="1">
                           <a:latin typeface="宋体"/>
                           <a:ea typeface="宋体"/>
                           <a:cs typeface="宋体"/>
@@ -26099,14 +25395,14 @@
                         <a:t>ExpectedException</a:t>
                       </a:r>
                       <a:r>
-                        <a:rPr lang="en-US" sz="1800" kern="0" dirty="0">
+                        <a:rPr lang="en-US" sz="1800" b="0" kern="0" dirty="0">
                           <a:latin typeface="宋体"/>
                           <a:ea typeface="宋体"/>
                           <a:cs typeface="宋体"/>
                         </a:rPr>
                         <a:t>]</a:t>
                       </a:r>
-                      <a:endParaRPr lang="zh-CN" sz="1800" kern="100" dirty="0">
+                      <a:endParaRPr lang="zh-CN" sz="1800" b="0" kern="100" dirty="0">
                         <a:latin typeface="Calibri"/>
                         <a:ea typeface="宋体"/>
                         <a:cs typeface="Times New Roman"/>
@@ -26166,34 +25462,14 @@
                         </a:spcAft>
                       </a:pPr>
                       <a:r>
-                        <a:rPr lang="en-US" sz="1800" kern="0">
+                        <a:rPr lang="en-US" sz="1800" b="0" kern="0" dirty="0" err="1" smtClean="0">
                           <a:latin typeface="宋体"/>
                           <a:ea typeface="宋体"/>
                           <a:cs typeface="宋体"/>
                         </a:rPr>
                         <a:t>Assert.Throws</a:t>
                       </a:r>
-                      <a:endParaRPr lang="zh-CN" sz="1800" kern="100">
-                        <a:latin typeface="Calibri"/>
-                        <a:ea typeface="宋体"/>
-                        <a:cs typeface="Times New Roman"/>
-                      </a:endParaRPr>
-                    </a:p>
-                    <a:p>
-                      <a:pPr algn="l">
-                        <a:spcAft>
-                          <a:spcPts val="0"/>
-                        </a:spcAft>
-                      </a:pPr>
-                      <a:r>
-                        <a:rPr lang="en-US" sz="1800" kern="0">
-                          <a:latin typeface="宋体"/>
-                          <a:ea typeface="宋体"/>
-                          <a:cs typeface="宋体"/>
-                        </a:rPr>
-                        <a:t>Record.Exception</a:t>
-                      </a:r>
-                      <a:endParaRPr lang="zh-CN" sz="1800" kern="100">
+                      <a:endParaRPr lang="zh-CN" sz="1800" b="0" kern="100" dirty="0">
                         <a:latin typeface="Calibri"/>
                         <a:ea typeface="宋体"/>
                         <a:cs typeface="Times New Roman"/>
@@ -26354,7 +25630,7 @@
                         </a:spcAft>
                       </a:pPr>
                       <a:r>
-                        <a:rPr lang="en-US" sz="1800" kern="0" dirty="0">
+                        <a:rPr lang="en-US" sz="1800" b="0" kern="0" dirty="0">
                           <a:latin typeface="宋体"/>
                           <a:ea typeface="宋体"/>
                           <a:cs typeface="宋体"/>
@@ -26362,7 +25638,7 @@
                         <a:t>[</a:t>
                       </a:r>
                       <a:r>
-                        <a:rPr lang="en-US" sz="1800" kern="0" dirty="0" err="1">
+                        <a:rPr lang="en-US" sz="1800" b="0" kern="0" dirty="0" err="1">
                           <a:latin typeface="宋体"/>
                           <a:ea typeface="宋体"/>
                           <a:cs typeface="宋体"/>
@@ -26370,14 +25646,14 @@
                         <a:t>TestInitialize</a:t>
                       </a:r>
                       <a:r>
-                        <a:rPr lang="en-US" sz="1800" kern="0" dirty="0">
+                        <a:rPr lang="en-US" sz="1800" b="0" kern="0" dirty="0">
                           <a:latin typeface="宋体"/>
                           <a:ea typeface="宋体"/>
                           <a:cs typeface="宋体"/>
                         </a:rPr>
                         <a:t>]</a:t>
                       </a:r>
-                      <a:endParaRPr lang="zh-CN" sz="1800" kern="100" dirty="0">
+                      <a:endParaRPr lang="zh-CN" sz="1800" b="0" kern="100" dirty="0">
                         <a:latin typeface="Calibri"/>
                         <a:ea typeface="宋体"/>
                         <a:cs typeface="Times New Roman"/>
@@ -26437,14 +25713,14 @@
                         </a:spcAft>
                       </a:pPr>
                       <a:r>
-                        <a:rPr lang="en-US" sz="1800" kern="0" dirty="0">
+                        <a:rPr lang="en-US" sz="1800" b="0" kern="0" dirty="0">
                           <a:latin typeface="宋体"/>
                           <a:ea typeface="宋体"/>
                           <a:cs typeface="宋体"/>
                         </a:rPr>
                         <a:t>Constructor</a:t>
                       </a:r>
-                      <a:endParaRPr lang="zh-CN" sz="1800" kern="100" dirty="0">
+                      <a:endParaRPr lang="zh-CN" sz="1800" b="0" kern="100" dirty="0">
                         <a:latin typeface="Calibri"/>
                         <a:ea typeface="宋体"/>
                         <a:cs typeface="Times New Roman"/>
@@ -26573,7 +25849,7 @@
                         </a:spcAft>
                       </a:pPr>
                       <a:r>
-                        <a:rPr lang="en-US" sz="1800" kern="0" dirty="0">
+                        <a:rPr lang="en-US" sz="1800" b="0" kern="0" dirty="0">
                           <a:latin typeface="宋体"/>
                           <a:ea typeface="宋体"/>
                           <a:cs typeface="宋体"/>
@@ -26581,7 +25857,7 @@
                         <a:t>[</a:t>
                       </a:r>
                       <a:r>
-                        <a:rPr lang="en-US" sz="1800" kern="0" dirty="0" err="1">
+                        <a:rPr lang="en-US" sz="1800" b="0" kern="0" dirty="0" err="1">
                           <a:latin typeface="宋体"/>
                           <a:ea typeface="宋体"/>
                           <a:cs typeface="宋体"/>
@@ -26589,14 +25865,14 @@
                         <a:t>TestCleanup</a:t>
                       </a:r>
                       <a:r>
-                        <a:rPr lang="en-US" sz="1800" kern="0" dirty="0">
+                        <a:rPr lang="en-US" sz="1800" b="0" kern="0" dirty="0">
                           <a:latin typeface="宋体"/>
                           <a:ea typeface="宋体"/>
                           <a:cs typeface="宋体"/>
                         </a:rPr>
                         <a:t>]</a:t>
                       </a:r>
-                      <a:endParaRPr lang="zh-CN" sz="1800" kern="100" dirty="0">
+                      <a:endParaRPr lang="zh-CN" sz="1800" b="0" kern="100" dirty="0">
                         <a:latin typeface="Calibri"/>
                         <a:ea typeface="宋体"/>
                         <a:cs typeface="Times New Roman"/>
@@ -26656,14 +25932,14 @@
                         </a:spcAft>
                       </a:pPr>
                       <a:r>
-                        <a:rPr lang="en-US" sz="1800" kern="0">
+                        <a:rPr lang="en-US" sz="1800" b="0" kern="0">
                           <a:latin typeface="宋体"/>
                           <a:ea typeface="宋体"/>
                           <a:cs typeface="宋体"/>
                         </a:rPr>
                         <a:t>IDisposable.Dispose</a:t>
                       </a:r>
-                      <a:endParaRPr lang="zh-CN" sz="1800" kern="100">
+                      <a:endParaRPr lang="zh-CN" sz="1800" b="0" kern="100">
                         <a:latin typeface="Calibri"/>
                         <a:ea typeface="宋体"/>
                         <a:cs typeface="Times New Roman"/>
@@ -26824,7 +26100,7 @@
                         </a:spcAft>
                       </a:pPr>
                       <a:r>
-                        <a:rPr lang="en-US" sz="1800" kern="0" dirty="0">
+                        <a:rPr lang="en-US" sz="1800" b="0" kern="0" dirty="0">
                           <a:latin typeface="宋体"/>
                           <a:ea typeface="宋体"/>
                           <a:cs typeface="宋体"/>
@@ -26832,7 +26108,7 @@
                         <a:t>[</a:t>
                       </a:r>
                       <a:r>
-                        <a:rPr lang="en-US" sz="1800" kern="0" dirty="0" err="1">
+                        <a:rPr lang="en-US" sz="1800" b="0" kern="0" dirty="0" err="1">
                           <a:latin typeface="宋体"/>
                           <a:ea typeface="宋体"/>
                           <a:cs typeface="宋体"/>
@@ -26840,14 +26116,14 @@
                         <a:t>ClassInitialize</a:t>
                       </a:r>
                       <a:r>
-                        <a:rPr lang="en-US" sz="1800" kern="0" dirty="0">
+                        <a:rPr lang="en-US" sz="1800" b="0" kern="0" dirty="0">
                           <a:latin typeface="宋体"/>
                           <a:ea typeface="宋体"/>
                           <a:cs typeface="宋体"/>
                         </a:rPr>
                         <a:t>]</a:t>
                       </a:r>
-                      <a:endParaRPr lang="zh-CN" sz="1800" kern="100" dirty="0">
+                      <a:endParaRPr lang="zh-CN" sz="1800" b="0" kern="100" dirty="0">
                         <a:latin typeface="Calibri"/>
                         <a:ea typeface="宋体"/>
                         <a:cs typeface="Times New Roman"/>
@@ -26907,7 +26183,7 @@
                         </a:spcAft>
                       </a:pPr>
                       <a:r>
-                        <a:rPr lang="en-US" sz="1800" kern="0" dirty="0" err="1">
+                        <a:rPr lang="en-US" sz="1800" b="0" kern="0" dirty="0" err="1">
                           <a:latin typeface="宋体"/>
                           <a:ea typeface="宋体"/>
                           <a:cs typeface="宋体"/>
@@ -26915,14 +26191,14 @@
                         <a:t>IUseFixture</a:t>
                       </a:r>
                       <a:r>
-                        <a:rPr lang="en-US" sz="1800" kern="0" dirty="0">
+                        <a:rPr lang="en-US" sz="1800" b="0" kern="0" dirty="0">
                           <a:latin typeface="宋体"/>
                           <a:ea typeface="宋体"/>
                           <a:cs typeface="宋体"/>
                         </a:rPr>
                         <a:t>&lt;T&gt;</a:t>
                       </a:r>
-                      <a:endParaRPr lang="zh-CN" sz="1800" kern="100" dirty="0">
+                      <a:endParaRPr lang="zh-CN" sz="1800" b="0" kern="100" dirty="0">
                         <a:latin typeface="Calibri"/>
                         <a:ea typeface="宋体"/>
                         <a:cs typeface="Times New Roman"/>
@@ -27055,6 +26331,235 @@
                   </a:tcPr>
                 </a:tc>
               </a:tr>
+              <a:tr h="357284">
+                <a:tc>
+                  <a:txBody>
+                    <a:bodyPr/>
+                    <a:lstStyle/>
+                    <a:p>
+                      <a:pPr marL="0" algn="l" defTabSz="914400" rtl="0" eaLnBrk="1" latinLnBrk="0" hangingPunct="1">
+                        <a:spcAft>
+                          <a:spcPts val="0"/>
+                        </a:spcAft>
+                      </a:pPr>
+                      <a:r>
+                        <a:rPr lang="en-US" altLang="zh-CN" sz="1800" b="0" kern="0" dirty="0" smtClean="0">
+                          <a:solidFill>
+                            <a:schemeClr val="tx1"/>
+                          </a:solidFill>
+                          <a:latin typeface="宋体"/>
+                          <a:ea typeface="宋体"/>
+                          <a:cs typeface="宋体"/>
+                        </a:rPr>
+                        <a:t>[</a:t>
+                      </a:r>
+                      <a:r>
+                        <a:rPr lang="en-US" altLang="zh-CN" sz="1800" b="0" kern="0" dirty="0" err="1" smtClean="0">
+                          <a:solidFill>
+                            <a:schemeClr val="tx1"/>
+                          </a:solidFill>
+                          <a:latin typeface="宋体"/>
+                          <a:ea typeface="宋体"/>
+                          <a:cs typeface="宋体"/>
+                        </a:rPr>
+                        <a:t>TestCategory</a:t>
+                      </a:r>
+                      <a:r>
+                        <a:rPr lang="en-US" altLang="zh-CN" sz="1800" b="0" kern="0" dirty="0" smtClean="0">
+                          <a:solidFill>
+                            <a:schemeClr val="tx1"/>
+                          </a:solidFill>
+                          <a:latin typeface="宋体"/>
+                          <a:ea typeface="宋体"/>
+                          <a:cs typeface="宋体"/>
+                        </a:rPr>
+                        <a:t>]</a:t>
+                      </a:r>
+                      <a:endParaRPr lang="zh-CN" sz="1800" b="0" kern="0" dirty="0">
+                        <a:solidFill>
+                          <a:schemeClr val="tx1"/>
+                        </a:solidFill>
+                        <a:latin typeface="宋体"/>
+                        <a:ea typeface="宋体"/>
+                        <a:cs typeface="宋体"/>
+                      </a:endParaRPr>
+                    </a:p>
+                  </a:txBody>
+                  <a:tcPr marL="9525" marR="9525" marT="9525" marB="9525" anchor="ctr">
+                    <a:lnL w="12700" cap="flat" cmpd="sng" algn="ctr">
+                      <a:solidFill>
+                        <a:srgbClr val="000000"/>
+                      </a:solidFill>
+                      <a:prstDash val="solid"/>
+                      <a:round/>
+                      <a:headEnd type="none" w="med" len="med"/>
+                      <a:tailEnd type="none" w="med" len="med"/>
+                    </a:lnL>
+                    <a:lnR w="12700" cap="flat" cmpd="sng" algn="ctr">
+                      <a:solidFill>
+                        <a:srgbClr val="000000"/>
+                      </a:solidFill>
+                      <a:prstDash val="solid"/>
+                      <a:round/>
+                      <a:headEnd type="none" w="med" len="med"/>
+                      <a:tailEnd type="none" w="med" len="med"/>
+                    </a:lnR>
+                    <a:lnT w="12700" cap="flat" cmpd="sng" algn="ctr">
+                      <a:solidFill>
+                        <a:srgbClr val="000000"/>
+                      </a:solidFill>
+                      <a:prstDash val="solid"/>
+                      <a:round/>
+                      <a:headEnd type="none" w="med" len="med"/>
+                      <a:tailEnd type="none" w="med" len="med"/>
+                    </a:lnT>
+                    <a:lnB w="12700" cap="flat" cmpd="sng" algn="ctr">
+                      <a:solidFill>
+                        <a:srgbClr val="000000"/>
+                      </a:solidFill>
+                      <a:prstDash val="solid"/>
+                      <a:round/>
+                      <a:headEnd type="none" w="med" len="med"/>
+                      <a:tailEnd type="none" w="med" len="med"/>
+                    </a:lnB>
+                    <a:solidFill>
+                      <a:srgbClr val="FFFFFF"/>
+                    </a:solidFill>
+                  </a:tcPr>
+                </a:tc>
+                <a:tc>
+                  <a:txBody>
+                    <a:bodyPr/>
+                    <a:lstStyle/>
+                    <a:p>
+                      <a:pPr marL="0" algn="l" defTabSz="914400" rtl="0" eaLnBrk="1" latinLnBrk="0" hangingPunct="1">
+                        <a:spcAft>
+                          <a:spcPts val="0"/>
+                        </a:spcAft>
+                      </a:pPr>
+                      <a:r>
+                        <a:rPr lang="en-US" altLang="zh-CN" sz="1800" b="0" kern="0" dirty="0" smtClean="0">
+                          <a:solidFill>
+                            <a:schemeClr val="tx1"/>
+                          </a:solidFill>
+                          <a:latin typeface="宋体"/>
+                          <a:ea typeface="宋体"/>
+                          <a:cs typeface="宋体"/>
+                        </a:rPr>
+                        <a:t>Trait</a:t>
+                      </a:r>
+                      <a:endParaRPr lang="zh-CN" sz="1800" b="0" kern="0" dirty="0">
+                        <a:solidFill>
+                          <a:schemeClr val="tx1"/>
+                        </a:solidFill>
+                        <a:latin typeface="宋体"/>
+                        <a:ea typeface="宋体"/>
+                        <a:cs typeface="宋体"/>
+                      </a:endParaRPr>
+                    </a:p>
+                  </a:txBody>
+                  <a:tcPr marL="9525" marR="9525" marT="9525" marB="9525" anchor="ctr">
+                    <a:lnL w="12700" cap="flat" cmpd="sng" algn="ctr">
+                      <a:solidFill>
+                        <a:srgbClr val="000000"/>
+                      </a:solidFill>
+                      <a:prstDash val="solid"/>
+                      <a:round/>
+                      <a:headEnd type="none" w="med" len="med"/>
+                      <a:tailEnd type="none" w="med" len="med"/>
+                    </a:lnL>
+                    <a:lnR w="12700" cap="flat" cmpd="sng" algn="ctr">
+                      <a:solidFill>
+                        <a:srgbClr val="000000"/>
+                      </a:solidFill>
+                      <a:prstDash val="solid"/>
+                      <a:round/>
+                      <a:headEnd type="none" w="med" len="med"/>
+                      <a:tailEnd type="none" w="med" len="med"/>
+                    </a:lnR>
+                    <a:lnT w="12700" cap="flat" cmpd="sng" algn="ctr">
+                      <a:solidFill>
+                        <a:srgbClr val="000000"/>
+                      </a:solidFill>
+                      <a:prstDash val="solid"/>
+                      <a:round/>
+                      <a:headEnd type="none" w="med" len="med"/>
+                      <a:tailEnd type="none" w="med" len="med"/>
+                    </a:lnT>
+                    <a:lnB w="12700" cap="flat" cmpd="sng" algn="ctr">
+                      <a:solidFill>
+                        <a:srgbClr val="000000"/>
+                      </a:solidFill>
+                      <a:prstDash val="solid"/>
+                      <a:round/>
+                      <a:headEnd type="none" w="med" len="med"/>
+                      <a:tailEnd type="none" w="med" len="med"/>
+                    </a:lnB>
+                    <a:solidFill>
+                      <a:srgbClr val="FFFFFF"/>
+                    </a:solidFill>
+                  </a:tcPr>
+                </a:tc>
+                <a:tc>
+                  <a:txBody>
+                    <a:bodyPr/>
+                    <a:lstStyle/>
+                    <a:p>
+                      <a:pPr algn="l">
+                        <a:spcAft>
+                          <a:spcPts val="0"/>
+                        </a:spcAft>
+                      </a:pPr>
+                      <a:endParaRPr lang="zh-CN" sz="1800" kern="100" dirty="0">
+                        <a:latin typeface="Calibri"/>
+                        <a:ea typeface="宋体"/>
+                        <a:cs typeface="Times New Roman"/>
+                      </a:endParaRPr>
+                    </a:p>
+                  </a:txBody>
+                  <a:tcPr marL="9525" marR="9525" marT="9525" marB="9525" anchor="ctr">
+                    <a:lnL w="12700" cap="flat" cmpd="sng" algn="ctr">
+                      <a:solidFill>
+                        <a:srgbClr val="000000"/>
+                      </a:solidFill>
+                      <a:prstDash val="solid"/>
+                      <a:round/>
+                      <a:headEnd type="none" w="med" len="med"/>
+                      <a:tailEnd type="none" w="med" len="med"/>
+                    </a:lnL>
+                    <a:lnR w="12700" cap="flat" cmpd="sng" algn="ctr">
+                      <a:solidFill>
+                        <a:srgbClr val="000000"/>
+                      </a:solidFill>
+                      <a:prstDash val="solid"/>
+                      <a:round/>
+                      <a:headEnd type="none" w="med" len="med"/>
+                      <a:tailEnd type="none" w="med" len="med"/>
+                    </a:lnR>
+                    <a:lnT w="12700" cap="flat" cmpd="sng" algn="ctr">
+                      <a:solidFill>
+                        <a:srgbClr val="000000"/>
+                      </a:solidFill>
+                      <a:prstDash val="solid"/>
+                      <a:round/>
+                      <a:headEnd type="none" w="med" len="med"/>
+                      <a:tailEnd type="none" w="med" len="med"/>
+                    </a:lnT>
+                    <a:lnB w="12700" cap="flat" cmpd="sng" algn="ctr">
+                      <a:solidFill>
+                        <a:srgbClr val="000000"/>
+                      </a:solidFill>
+                      <a:prstDash val="solid"/>
+                      <a:round/>
+                      <a:headEnd type="none" w="med" len="med"/>
+                      <a:tailEnd type="none" w="med" len="med"/>
+                    </a:lnB>
+                    <a:solidFill>
+                      <a:srgbClr val="FFFFFF"/>
+                    </a:solidFill>
+                  </a:tcPr>
+                </a:tc>
+              </a:tr>
               <a:tr h="419772">
                 <a:tc>
                   <a:txBody>
@@ -27067,14 +26572,14 @@
                         </a:spcAft>
                       </a:pPr>
                       <a:r>
-                        <a:rPr lang="en-US" sz="1800" kern="0" dirty="0">
+                        <a:rPr lang="en-US" sz="1800" b="0" kern="0" dirty="0">
                           <a:latin typeface="宋体"/>
                           <a:ea typeface="宋体"/>
                           <a:cs typeface="宋体"/>
                         </a:rPr>
                         <a:t>[Ignore]</a:t>
                       </a:r>
-                      <a:endParaRPr lang="zh-CN" sz="1800" kern="100" dirty="0">
+                      <a:endParaRPr lang="zh-CN" sz="1800" b="0" kern="100" dirty="0">
                         <a:latin typeface="Calibri"/>
                         <a:ea typeface="宋体"/>
                         <a:cs typeface="Times New Roman"/>
@@ -27134,14 +26639,14 @@
                         </a:spcAft>
                       </a:pPr>
                       <a:r>
-                        <a:rPr lang="en-US" sz="1800" kern="0">
+                        <a:rPr lang="en-US" sz="1800" b="0" kern="0">
                           <a:latin typeface="宋体"/>
                           <a:ea typeface="宋体"/>
                           <a:cs typeface="宋体"/>
                         </a:rPr>
                         <a:t>[Fact(Skip="reason")]</a:t>
                       </a:r>
-                      <a:endParaRPr lang="zh-CN" sz="1800" kern="100">
+                      <a:endParaRPr lang="zh-CN" sz="1800" b="0" kern="100">
                         <a:latin typeface="Calibri"/>
                         <a:ea typeface="宋体"/>
                         <a:cs typeface="Times New Roman"/>
@@ -27256,14 +26761,14 @@
                         </a:spcAft>
                       </a:pPr>
                       <a:r>
-                        <a:rPr lang="en-US" sz="1800" kern="0">
+                        <a:rPr lang="en-US" sz="1800" b="0" kern="0">
                           <a:latin typeface="宋体"/>
                           <a:ea typeface="宋体"/>
                           <a:cs typeface="宋体"/>
                         </a:rPr>
                         <a:t>[Timeout]</a:t>
                       </a:r>
-                      <a:endParaRPr lang="zh-CN" sz="1800" kern="100">
+                      <a:endParaRPr lang="zh-CN" sz="1800" b="0" kern="100">
                         <a:latin typeface="Calibri"/>
                         <a:ea typeface="宋体"/>
                         <a:cs typeface="Times New Roman"/>
@@ -27323,14 +26828,14 @@
                         </a:spcAft>
                       </a:pPr>
                       <a:r>
-                        <a:rPr lang="en-US" sz="1800" kern="0">
+                        <a:rPr lang="en-US" sz="1800" b="0" kern="0" dirty="0">
                           <a:latin typeface="宋体"/>
                           <a:ea typeface="宋体"/>
                           <a:cs typeface="宋体"/>
                         </a:rPr>
                         <a:t>[Fact(Timeout=n)]</a:t>
                       </a:r>
-                      <a:endParaRPr lang="zh-CN" sz="1800" kern="100">
+                      <a:endParaRPr lang="zh-CN" sz="1800" b="0" kern="100" dirty="0">
                         <a:latin typeface="Calibri"/>
                         <a:ea typeface="宋体"/>
                         <a:cs typeface="Times New Roman"/>
@@ -30846,7 +30351,7 @@
     </p:spTree>
     <p:extLst>
       <p:ext uri="{BB962C8B-B14F-4D97-AF65-F5344CB8AC3E}">
-        <p14:creationId xmlns:p14="http://schemas.microsoft.com/office/powerpoint/2010/main" xmlns="" val="3525597983"/>
+        <p14:creationId xmlns:p14="http://schemas.microsoft.com/office/powerpoint/2010/main" val="3525597983"/>
       </p:ext>
     </p:extLst>
   </p:cSld>
@@ -30965,7 +30470,7 @@
             <p:ph idx="1"/>
             <p:extLst>
               <p:ext uri="{D42A27DB-BD31-4B8C-83A1-F6EECF244321}">
-                <p14:modId xmlns:p14="http://schemas.microsoft.com/office/powerpoint/2010/main" xmlns="" val="4065712132"/>
+                <p14:modId xmlns:p14="http://schemas.microsoft.com/office/powerpoint/2010/main" val="4065712132"/>
               </p:ext>
             </p:extLst>
           </p:nvPr>
@@ -30983,7 +30488,7 @@
     </p:spTree>
     <p:extLst>
       <p:ext uri="{BB962C8B-B14F-4D97-AF65-F5344CB8AC3E}">
-        <p14:creationId xmlns:p14="http://schemas.microsoft.com/office/powerpoint/2010/main" xmlns="" val="1258132720"/>
+        <p14:creationId xmlns:p14="http://schemas.microsoft.com/office/powerpoint/2010/main" val="1258132720"/>
       </p:ext>
     </p:extLst>
   </p:cSld>
@@ -31335,7 +30840,7 @@
     </p:spTree>
     <p:extLst>
       <p:ext uri="{BB962C8B-B14F-4D97-AF65-F5344CB8AC3E}">
-        <p14:creationId xmlns:p14="http://schemas.microsoft.com/office/powerpoint/2010/main" xmlns="" val="941624380"/>
+        <p14:creationId xmlns:p14="http://schemas.microsoft.com/office/powerpoint/2010/main" val="941624380"/>
       </p:ext>
     </p:extLst>
   </p:cSld>
@@ -31607,7 +31112,7 @@
   <a:extraClrSchemeLst/>
   <a:extLst>
     <a:ext uri="{05A4C25C-085E-4340-85A3-A5531E510DB2}">
-      <thm15:themeFamily xmlns:thm15="http://schemas.microsoft.com/office/thememl/2012/main" xmlns="" name="Office Theme" id="{62F939B6-93AF-4DB8-9C6B-D6C7DFDC589F}" vid="{4A3C46E8-61CC-4603-A589-7422A47A8E4A}"/>
+      <thm15:themeFamily xmlns:thm15="http://schemas.microsoft.com/office/thememl/2012/main" name="Office Theme" id="{62F939B6-93AF-4DB8-9C6B-D6C7DFDC589F}" vid="{4A3C46E8-61CC-4603-A589-7422A47A8E4A}"/>
     </a:ext>
   </a:extLst>
 </a:theme>
@@ -31868,7 +31373,7 @@
   <a:extraClrSchemeLst/>
   <a:extLst>
     <a:ext uri="{05A4C25C-085E-4340-85A3-A5531E510DB2}">
-      <thm15:themeFamily xmlns:thm15="http://schemas.microsoft.com/office/thememl/2012/main" xmlns="" name="Office Theme" id="{62F939B6-93AF-4DB8-9C6B-D6C7DFDC589F}" vid="{4A3C46E8-61CC-4603-A589-7422A47A8E4A}"/>
+      <thm15:themeFamily xmlns:thm15="http://schemas.microsoft.com/office/thememl/2012/main" name="Office Theme" id="{62F939B6-93AF-4DB8-9C6B-D6C7DFDC589F}" vid="{4A3C46E8-61CC-4603-A589-7422A47A8E4A}"/>
     </a:ext>
   </a:extLst>
 </a:theme>
@@ -32129,7 +31634,7 @@
   <a:extraClrSchemeLst/>
   <a:extLst>
     <a:ext uri="{05A4C25C-085E-4340-85A3-A5531E510DB2}">
-      <thm15:themeFamily xmlns:thm15="http://schemas.microsoft.com/office/thememl/2012/main" xmlns="" name="Office Theme" id="{62F939B6-93AF-4DB8-9C6B-D6C7DFDC589F}" vid="{4A3C46E8-61CC-4603-A589-7422A47A8E4A}"/>
+      <thm15:themeFamily xmlns:thm15="http://schemas.microsoft.com/office/thememl/2012/main" name="Office Theme" id="{62F939B6-93AF-4DB8-9C6B-D6C7DFDC589F}" vid="{4A3C46E8-61CC-4603-A589-7422A47A8E4A}"/>
     </a:ext>
   </a:extLst>
 </a:theme>

--- a/MyUnitTest/Document/单元测试.pptx
+++ b/MyUnitTest/Document/单元测试.pptx
@@ -381,7 +381,9 @@
               </c:spPr>
             </c:leaderLines>
             <c:extLst>
-              <c:ext xmlns:c15="http://schemas.microsoft.com/office/drawing/2012/chart" uri="{CE6537A1-D6FC-4f65-9D91-7224C49458BB}"/>
+              <c:ext xmlns:c15="http://schemas.microsoft.com/office/drawing/2012/chart" uri="{CE6537A1-D6FC-4f65-9D91-7224C49458BB}">
+                <c15:layout/>
+              </c:ext>
             </c:extLst>
           </c:dLbls>
           <c:cat>
@@ -715,7 +717,9 @@
             <c:showBubbleSize val="0"/>
             <c:showLeaderLines val="0"/>
             <c:extLst>
-              <c:ext xmlns:c15="http://schemas.microsoft.com/office/drawing/2012/chart" uri="{CE6537A1-D6FC-4f65-9D91-7224C49458BB}"/>
+              <c:ext xmlns:c15="http://schemas.microsoft.com/office/drawing/2012/chart" uri="{CE6537A1-D6FC-4f65-9D91-7224C49458BB}">
+                <c15:layout/>
+              </c:ext>
             </c:extLst>
           </c:dLbls>
           <c:cat>
@@ -7804,6 +7808,566 @@
       <dsp:cNvGrpSpPr/>
     </dsp:nvGrpSpPr>
     <dsp:grpSpPr/>
+    <dsp:sp modelId="{D4EF05F2-0854-4310-8437-63917B197385}">
+      <dsp:nvSpPr>
+        <dsp:cNvPr id="0" name=""/>
+        <dsp:cNvSpPr/>
+      </dsp:nvSpPr>
+      <dsp:spPr>
+        <a:xfrm>
+          <a:off x="595" y="1533053"/>
+          <a:ext cx="2218035" cy="1109017"/>
+        </a:xfrm>
+        <a:prstGeom prst="roundRect">
+          <a:avLst>
+            <a:gd name="adj" fmla="val 10000"/>
+          </a:avLst>
+        </a:prstGeom>
+        <a:solidFill>
+          <a:schemeClr val="accent1">
+            <a:hueOff val="0"/>
+            <a:satOff val="0"/>
+            <a:lumOff val="0"/>
+            <a:alphaOff val="0"/>
+          </a:schemeClr>
+        </a:solidFill>
+        <a:ln w="12700" cap="flat" cmpd="sng" algn="ctr">
+          <a:solidFill>
+            <a:schemeClr val="lt1">
+              <a:hueOff val="0"/>
+              <a:satOff val="0"/>
+              <a:lumOff val="0"/>
+              <a:alphaOff val="0"/>
+            </a:schemeClr>
+          </a:solidFill>
+          <a:prstDash val="solid"/>
+          <a:miter lim="800000"/>
+        </a:ln>
+        <a:effectLst/>
+      </dsp:spPr>
+      <dsp:style>
+        <a:lnRef idx="2">
+          <a:scrgbClr r="0" g="0" b="0"/>
+        </a:lnRef>
+        <a:fillRef idx="1">
+          <a:scrgbClr r="0" g="0" b="0"/>
+        </a:fillRef>
+        <a:effectRef idx="0">
+          <a:scrgbClr r="0" g="0" b="0"/>
+        </a:effectRef>
+        <a:fontRef idx="minor">
+          <a:schemeClr val="lt1"/>
+        </a:fontRef>
+      </dsp:style>
+      <dsp:txBody>
+        <a:bodyPr spcFirstLastPara="0" vert="horz" wrap="square" lIns="26035" tIns="26035" rIns="26035" bIns="26035" numCol="1" spcCol="1270" anchor="ctr" anchorCtr="0">
+          <a:noAutofit/>
+        </a:bodyPr>
+        <a:lstStyle/>
+        <a:p>
+          <a:pPr lvl="0" algn="ctr" defTabSz="1822450">
+            <a:lnSpc>
+              <a:spcPct val="90000"/>
+            </a:lnSpc>
+            <a:spcBef>
+              <a:spcPct val="0"/>
+            </a:spcBef>
+            <a:spcAft>
+              <a:spcPct val="35000"/>
+            </a:spcAft>
+          </a:pPr>
+          <a:r>
+            <a:rPr lang="zh-CN" altLang="en-US" sz="4100" kern="1200" dirty="0" smtClean="0"/>
+            <a:t>单元测试</a:t>
+          </a:r>
+          <a:endParaRPr lang="zh-CN" altLang="en-US" sz="4100" kern="1200" dirty="0"/>
+        </a:p>
+      </dsp:txBody>
+      <dsp:txXfrm>
+        <a:off x="33077" y="1565535"/>
+        <a:ext cx="2153071" cy="1044053"/>
+      </dsp:txXfrm>
+    </dsp:sp>
+    <dsp:sp modelId="{A96A41C0-5764-46B8-895F-8CB3D9FB35B5}">
+      <dsp:nvSpPr>
+        <dsp:cNvPr id="0" name=""/>
+        <dsp:cNvSpPr/>
+      </dsp:nvSpPr>
+      <dsp:spPr>
+        <a:xfrm rot="18289469">
+          <a:off x="1885430" y="1425971"/>
+          <a:ext cx="1553614" cy="47812"/>
+        </a:xfrm>
+        <a:custGeom>
+          <a:avLst/>
+          <a:gdLst/>
+          <a:ahLst/>
+          <a:cxnLst/>
+          <a:rect l="0" t="0" r="0" b="0"/>
+          <a:pathLst>
+            <a:path>
+              <a:moveTo>
+                <a:pt x="0" y="23906"/>
+              </a:moveTo>
+              <a:lnTo>
+                <a:pt x="1553614" y="23906"/>
+              </a:lnTo>
+            </a:path>
+          </a:pathLst>
+        </a:custGeom>
+        <a:noFill/>
+        <a:ln w="12700" cap="flat" cmpd="sng" algn="ctr">
+          <a:solidFill>
+            <a:schemeClr val="accent1">
+              <a:shade val="60000"/>
+              <a:hueOff val="0"/>
+              <a:satOff val="0"/>
+              <a:lumOff val="0"/>
+              <a:alphaOff val="0"/>
+            </a:schemeClr>
+          </a:solidFill>
+          <a:prstDash val="solid"/>
+          <a:miter lim="800000"/>
+        </a:ln>
+        <a:effectLst/>
+      </dsp:spPr>
+      <dsp:style>
+        <a:lnRef idx="2">
+          <a:scrgbClr r="0" g="0" b="0"/>
+        </a:lnRef>
+        <a:fillRef idx="0">
+          <a:scrgbClr r="0" g="0" b="0"/>
+        </a:fillRef>
+        <a:effectRef idx="0">
+          <a:scrgbClr r="0" g="0" b="0"/>
+        </a:effectRef>
+        <a:fontRef idx="minor"/>
+      </dsp:style>
+      <dsp:txBody>
+        <a:bodyPr spcFirstLastPara="0" vert="horz" wrap="square" lIns="12700" tIns="0" rIns="12700" bIns="0" numCol="1" spcCol="1270" anchor="ctr" anchorCtr="0">
+          <a:noAutofit/>
+        </a:bodyPr>
+        <a:lstStyle/>
+        <a:p>
+          <a:pPr lvl="0" algn="ctr" defTabSz="222250">
+            <a:lnSpc>
+              <a:spcPct val="90000"/>
+            </a:lnSpc>
+            <a:spcBef>
+              <a:spcPct val="0"/>
+            </a:spcBef>
+            <a:spcAft>
+              <a:spcPct val="35000"/>
+            </a:spcAft>
+          </a:pPr>
+          <a:endParaRPr lang="zh-CN" altLang="en-US" sz="500" kern="1200"/>
+        </a:p>
+      </dsp:txBody>
+      <dsp:txXfrm>
+        <a:off x="2623397" y="1411037"/>
+        <a:ext cx="77680" cy="77680"/>
+      </dsp:txXfrm>
+    </dsp:sp>
+    <dsp:sp modelId="{D8C75AAF-0C30-49C2-8872-1A709B2ED191}">
+      <dsp:nvSpPr>
+        <dsp:cNvPr id="0" name=""/>
+        <dsp:cNvSpPr/>
+      </dsp:nvSpPr>
+      <dsp:spPr>
+        <a:xfrm>
+          <a:off x="3105844" y="257683"/>
+          <a:ext cx="2218035" cy="1109017"/>
+        </a:xfrm>
+        <a:prstGeom prst="roundRect">
+          <a:avLst>
+            <a:gd name="adj" fmla="val 10000"/>
+          </a:avLst>
+        </a:prstGeom>
+        <a:solidFill>
+          <a:schemeClr val="accent1">
+            <a:hueOff val="0"/>
+            <a:satOff val="0"/>
+            <a:lumOff val="0"/>
+            <a:alphaOff val="0"/>
+          </a:schemeClr>
+        </a:solidFill>
+        <a:ln w="12700" cap="flat" cmpd="sng" algn="ctr">
+          <a:solidFill>
+            <a:schemeClr val="lt1">
+              <a:hueOff val="0"/>
+              <a:satOff val="0"/>
+              <a:lumOff val="0"/>
+              <a:alphaOff val="0"/>
+            </a:schemeClr>
+          </a:solidFill>
+          <a:prstDash val="solid"/>
+          <a:miter lim="800000"/>
+        </a:ln>
+        <a:effectLst/>
+      </dsp:spPr>
+      <dsp:style>
+        <a:lnRef idx="2">
+          <a:scrgbClr r="0" g="0" b="0"/>
+        </a:lnRef>
+        <a:fillRef idx="1">
+          <a:scrgbClr r="0" g="0" b="0"/>
+        </a:fillRef>
+        <a:effectRef idx="0">
+          <a:scrgbClr r="0" g="0" b="0"/>
+        </a:effectRef>
+        <a:fontRef idx="minor">
+          <a:schemeClr val="lt1"/>
+        </a:fontRef>
+      </dsp:style>
+      <dsp:txBody>
+        <a:bodyPr spcFirstLastPara="0" vert="horz" wrap="square" lIns="26035" tIns="26035" rIns="26035" bIns="26035" numCol="1" spcCol="1270" anchor="ctr" anchorCtr="0">
+          <a:noAutofit/>
+        </a:bodyPr>
+        <a:lstStyle/>
+        <a:p>
+          <a:pPr lvl="0" algn="ctr" defTabSz="1822450">
+            <a:lnSpc>
+              <a:spcPct val="90000"/>
+            </a:lnSpc>
+            <a:spcBef>
+              <a:spcPct val="0"/>
+            </a:spcBef>
+            <a:spcAft>
+              <a:spcPct val="35000"/>
+            </a:spcAft>
+          </a:pPr>
+          <a:r>
+            <a:rPr lang="zh-CN" altLang="en-US" sz="4100" kern="1200" dirty="0" smtClean="0"/>
+            <a:t>准备</a:t>
+          </a:r>
+          <a:endParaRPr lang="zh-CN" altLang="en-US" sz="4100" kern="1200" dirty="0"/>
+        </a:p>
+      </dsp:txBody>
+      <dsp:txXfrm>
+        <a:off x="3138326" y="290165"/>
+        <a:ext cx="2153071" cy="1044053"/>
+      </dsp:txXfrm>
+    </dsp:sp>
+    <dsp:sp modelId="{B4A513AB-C2E6-492E-8161-207361CC1A7D}">
+      <dsp:nvSpPr>
+        <dsp:cNvPr id="0" name=""/>
+        <dsp:cNvSpPr/>
+      </dsp:nvSpPr>
+      <dsp:spPr>
+        <a:xfrm>
+          <a:off x="2218630" y="2063656"/>
+          <a:ext cx="887214" cy="47812"/>
+        </a:xfrm>
+        <a:custGeom>
+          <a:avLst/>
+          <a:gdLst/>
+          <a:ahLst/>
+          <a:cxnLst/>
+          <a:rect l="0" t="0" r="0" b="0"/>
+          <a:pathLst>
+            <a:path>
+              <a:moveTo>
+                <a:pt x="0" y="23906"/>
+              </a:moveTo>
+              <a:lnTo>
+                <a:pt x="887214" y="23906"/>
+              </a:lnTo>
+            </a:path>
+          </a:pathLst>
+        </a:custGeom>
+        <a:noFill/>
+        <a:ln w="12700" cap="flat" cmpd="sng" algn="ctr">
+          <a:solidFill>
+            <a:schemeClr val="accent1">
+              <a:shade val="60000"/>
+              <a:hueOff val="0"/>
+              <a:satOff val="0"/>
+              <a:lumOff val="0"/>
+              <a:alphaOff val="0"/>
+            </a:schemeClr>
+          </a:solidFill>
+          <a:prstDash val="solid"/>
+          <a:miter lim="800000"/>
+        </a:ln>
+        <a:effectLst/>
+      </dsp:spPr>
+      <dsp:style>
+        <a:lnRef idx="2">
+          <a:scrgbClr r="0" g="0" b="0"/>
+        </a:lnRef>
+        <a:fillRef idx="0">
+          <a:scrgbClr r="0" g="0" b="0"/>
+        </a:fillRef>
+        <a:effectRef idx="0">
+          <a:scrgbClr r="0" g="0" b="0"/>
+        </a:effectRef>
+        <a:fontRef idx="minor"/>
+      </dsp:style>
+      <dsp:txBody>
+        <a:bodyPr spcFirstLastPara="0" vert="horz" wrap="square" lIns="12700" tIns="0" rIns="12700" bIns="0" numCol="1" spcCol="1270" anchor="ctr" anchorCtr="0">
+          <a:noAutofit/>
+        </a:bodyPr>
+        <a:lstStyle/>
+        <a:p>
+          <a:pPr lvl="0" algn="ctr" defTabSz="222250">
+            <a:lnSpc>
+              <a:spcPct val="90000"/>
+            </a:lnSpc>
+            <a:spcBef>
+              <a:spcPct val="0"/>
+            </a:spcBef>
+            <a:spcAft>
+              <a:spcPct val="35000"/>
+            </a:spcAft>
+          </a:pPr>
+          <a:endParaRPr lang="zh-CN" altLang="en-US" sz="500" kern="1200"/>
+        </a:p>
+      </dsp:txBody>
+      <dsp:txXfrm>
+        <a:off x="2640057" y="2065382"/>
+        <a:ext cx="44360" cy="44360"/>
+      </dsp:txXfrm>
+    </dsp:sp>
+    <dsp:sp modelId="{E97E8025-E196-4855-9B9E-6B6772445907}">
+      <dsp:nvSpPr>
+        <dsp:cNvPr id="0" name=""/>
+        <dsp:cNvSpPr/>
+      </dsp:nvSpPr>
+      <dsp:spPr>
+        <a:xfrm>
+          <a:off x="3105844" y="1533053"/>
+          <a:ext cx="2218035" cy="1109017"/>
+        </a:xfrm>
+        <a:prstGeom prst="roundRect">
+          <a:avLst>
+            <a:gd name="adj" fmla="val 10000"/>
+          </a:avLst>
+        </a:prstGeom>
+        <a:solidFill>
+          <a:schemeClr val="accent1">
+            <a:hueOff val="0"/>
+            <a:satOff val="0"/>
+            <a:lumOff val="0"/>
+            <a:alphaOff val="0"/>
+          </a:schemeClr>
+        </a:solidFill>
+        <a:ln w="12700" cap="flat" cmpd="sng" algn="ctr">
+          <a:solidFill>
+            <a:schemeClr val="lt1">
+              <a:hueOff val="0"/>
+              <a:satOff val="0"/>
+              <a:lumOff val="0"/>
+              <a:alphaOff val="0"/>
+            </a:schemeClr>
+          </a:solidFill>
+          <a:prstDash val="solid"/>
+          <a:miter lim="800000"/>
+        </a:ln>
+        <a:effectLst/>
+      </dsp:spPr>
+      <dsp:style>
+        <a:lnRef idx="2">
+          <a:scrgbClr r="0" g="0" b="0"/>
+        </a:lnRef>
+        <a:fillRef idx="1">
+          <a:scrgbClr r="0" g="0" b="0"/>
+        </a:fillRef>
+        <a:effectRef idx="0">
+          <a:scrgbClr r="0" g="0" b="0"/>
+        </a:effectRef>
+        <a:fontRef idx="minor">
+          <a:schemeClr val="lt1"/>
+        </a:fontRef>
+      </dsp:style>
+      <dsp:txBody>
+        <a:bodyPr spcFirstLastPara="0" vert="horz" wrap="square" lIns="26035" tIns="26035" rIns="26035" bIns="26035" numCol="1" spcCol="1270" anchor="ctr" anchorCtr="0">
+          <a:noAutofit/>
+        </a:bodyPr>
+        <a:lstStyle/>
+        <a:p>
+          <a:pPr lvl="0" algn="ctr" defTabSz="1822450">
+            <a:lnSpc>
+              <a:spcPct val="90000"/>
+            </a:lnSpc>
+            <a:spcBef>
+              <a:spcPct val="0"/>
+            </a:spcBef>
+            <a:spcAft>
+              <a:spcPct val="35000"/>
+            </a:spcAft>
+          </a:pPr>
+          <a:r>
+            <a:rPr lang="zh-CN" altLang="en-US" sz="4100" kern="1200" dirty="0" smtClean="0"/>
+            <a:t>操作</a:t>
+          </a:r>
+          <a:endParaRPr lang="zh-CN" altLang="en-US" sz="4100" kern="1200" dirty="0"/>
+        </a:p>
+      </dsp:txBody>
+      <dsp:txXfrm>
+        <a:off x="3138326" y="1565535"/>
+        <a:ext cx="2153071" cy="1044053"/>
+      </dsp:txXfrm>
+    </dsp:sp>
+    <dsp:sp modelId="{79315EFD-F0D5-4F6D-B6E2-08344FD98E5B}">
+      <dsp:nvSpPr>
+        <dsp:cNvPr id="0" name=""/>
+        <dsp:cNvSpPr/>
+      </dsp:nvSpPr>
+      <dsp:spPr>
+        <a:xfrm rot="3310531">
+          <a:off x="1885430" y="2701341"/>
+          <a:ext cx="1553614" cy="47812"/>
+        </a:xfrm>
+        <a:custGeom>
+          <a:avLst/>
+          <a:gdLst/>
+          <a:ahLst/>
+          <a:cxnLst/>
+          <a:rect l="0" t="0" r="0" b="0"/>
+          <a:pathLst>
+            <a:path>
+              <a:moveTo>
+                <a:pt x="0" y="23906"/>
+              </a:moveTo>
+              <a:lnTo>
+                <a:pt x="1553614" y="23906"/>
+              </a:lnTo>
+            </a:path>
+          </a:pathLst>
+        </a:custGeom>
+        <a:noFill/>
+        <a:ln w="12700" cap="flat" cmpd="sng" algn="ctr">
+          <a:solidFill>
+            <a:schemeClr val="accent1">
+              <a:shade val="60000"/>
+              <a:hueOff val="0"/>
+              <a:satOff val="0"/>
+              <a:lumOff val="0"/>
+              <a:alphaOff val="0"/>
+            </a:schemeClr>
+          </a:solidFill>
+          <a:prstDash val="solid"/>
+          <a:miter lim="800000"/>
+        </a:ln>
+        <a:effectLst/>
+      </dsp:spPr>
+      <dsp:style>
+        <a:lnRef idx="2">
+          <a:scrgbClr r="0" g="0" b="0"/>
+        </a:lnRef>
+        <a:fillRef idx="0">
+          <a:scrgbClr r="0" g="0" b="0"/>
+        </a:fillRef>
+        <a:effectRef idx="0">
+          <a:scrgbClr r="0" g="0" b="0"/>
+        </a:effectRef>
+        <a:fontRef idx="minor"/>
+      </dsp:style>
+      <dsp:txBody>
+        <a:bodyPr spcFirstLastPara="0" vert="horz" wrap="square" lIns="12700" tIns="0" rIns="12700" bIns="0" numCol="1" spcCol="1270" anchor="ctr" anchorCtr="0">
+          <a:noAutofit/>
+        </a:bodyPr>
+        <a:lstStyle/>
+        <a:p>
+          <a:pPr lvl="0" algn="ctr" defTabSz="222250">
+            <a:lnSpc>
+              <a:spcPct val="90000"/>
+            </a:lnSpc>
+            <a:spcBef>
+              <a:spcPct val="0"/>
+            </a:spcBef>
+            <a:spcAft>
+              <a:spcPct val="35000"/>
+            </a:spcAft>
+          </a:pPr>
+          <a:endParaRPr lang="zh-CN" altLang="en-US" sz="500" kern="1200"/>
+        </a:p>
+      </dsp:txBody>
+      <dsp:txXfrm>
+        <a:off x="2623397" y="2686407"/>
+        <a:ext cx="77680" cy="77680"/>
+      </dsp:txXfrm>
+    </dsp:sp>
+    <dsp:sp modelId="{F1B24ECC-6A9E-429C-BD67-8F8FB6027DF6}">
+      <dsp:nvSpPr>
+        <dsp:cNvPr id="0" name=""/>
+        <dsp:cNvSpPr/>
+      </dsp:nvSpPr>
+      <dsp:spPr>
+        <a:xfrm>
+          <a:off x="3105844" y="2808423"/>
+          <a:ext cx="2218035" cy="1109017"/>
+        </a:xfrm>
+        <a:prstGeom prst="roundRect">
+          <a:avLst>
+            <a:gd name="adj" fmla="val 10000"/>
+          </a:avLst>
+        </a:prstGeom>
+        <a:solidFill>
+          <a:schemeClr val="accent1">
+            <a:hueOff val="0"/>
+            <a:satOff val="0"/>
+            <a:lumOff val="0"/>
+            <a:alphaOff val="0"/>
+          </a:schemeClr>
+        </a:solidFill>
+        <a:ln w="12700" cap="flat" cmpd="sng" algn="ctr">
+          <a:solidFill>
+            <a:schemeClr val="lt1">
+              <a:hueOff val="0"/>
+              <a:satOff val="0"/>
+              <a:lumOff val="0"/>
+              <a:alphaOff val="0"/>
+            </a:schemeClr>
+          </a:solidFill>
+          <a:prstDash val="solid"/>
+          <a:miter lim="800000"/>
+        </a:ln>
+        <a:effectLst/>
+      </dsp:spPr>
+      <dsp:style>
+        <a:lnRef idx="2">
+          <a:scrgbClr r="0" g="0" b="0"/>
+        </a:lnRef>
+        <a:fillRef idx="1">
+          <a:scrgbClr r="0" g="0" b="0"/>
+        </a:fillRef>
+        <a:effectRef idx="0">
+          <a:scrgbClr r="0" g="0" b="0"/>
+        </a:effectRef>
+        <a:fontRef idx="minor">
+          <a:schemeClr val="lt1"/>
+        </a:fontRef>
+      </dsp:style>
+      <dsp:txBody>
+        <a:bodyPr spcFirstLastPara="0" vert="horz" wrap="square" lIns="26035" tIns="26035" rIns="26035" bIns="26035" numCol="1" spcCol="1270" anchor="ctr" anchorCtr="0">
+          <a:noAutofit/>
+        </a:bodyPr>
+        <a:lstStyle/>
+        <a:p>
+          <a:pPr lvl="0" algn="ctr" defTabSz="1822450">
+            <a:lnSpc>
+              <a:spcPct val="90000"/>
+            </a:lnSpc>
+            <a:spcBef>
+              <a:spcPct val="0"/>
+            </a:spcBef>
+            <a:spcAft>
+              <a:spcPct val="35000"/>
+            </a:spcAft>
+          </a:pPr>
+          <a:r>
+            <a:rPr lang="zh-CN" altLang="en-US" sz="4100" kern="1200" dirty="0" smtClean="0"/>
+            <a:t>断言</a:t>
+          </a:r>
+          <a:endParaRPr lang="zh-CN" altLang="en-US" sz="4100" kern="1200" dirty="0"/>
+        </a:p>
+      </dsp:txBody>
+      <dsp:txXfrm>
+        <a:off x="3138326" y="2840905"/>
+        <a:ext cx="2153071" cy="1044053"/>
+      </dsp:txXfrm>
+    </dsp:sp>
   </dsp:spTree>
 </dsp:drawing>
 </file>
@@ -7816,6 +8380,244 @@
       <dsp:cNvGrpSpPr/>
     </dsp:nvGrpSpPr>
     <dsp:grpSpPr/>
+    <dsp:sp modelId="{DD036332-2853-417C-8ACB-3A96B5039347}">
+      <dsp:nvSpPr>
+        <dsp:cNvPr id="0" name=""/>
+        <dsp:cNvSpPr/>
+      </dsp:nvSpPr>
+      <dsp:spPr>
+        <a:xfrm>
+          <a:off x="2277124" y="0"/>
+          <a:ext cx="6509039" cy="3384663"/>
+        </a:xfrm>
+        <a:prstGeom prst="rightArrow">
+          <a:avLst>
+            <a:gd name="adj1" fmla="val 70000"/>
+            <a:gd name="adj2" fmla="val 50000"/>
+          </a:avLst>
+        </a:prstGeom>
+        <a:solidFill>
+          <a:schemeClr val="accent1">
+            <a:alpha val="90000"/>
+            <a:tint val="40000"/>
+            <a:hueOff val="0"/>
+            <a:satOff val="0"/>
+            <a:lumOff val="0"/>
+            <a:alphaOff val="0"/>
+          </a:schemeClr>
+        </a:solidFill>
+        <a:ln w="12700" cap="flat" cmpd="sng" algn="ctr">
+          <a:solidFill>
+            <a:schemeClr val="accent1">
+              <a:alpha val="90000"/>
+              <a:tint val="40000"/>
+              <a:hueOff val="0"/>
+              <a:satOff val="0"/>
+              <a:lumOff val="0"/>
+              <a:alphaOff val="0"/>
+            </a:schemeClr>
+          </a:solidFill>
+          <a:prstDash val="solid"/>
+          <a:miter lim="800000"/>
+        </a:ln>
+        <a:effectLst/>
+      </dsp:spPr>
+      <dsp:style>
+        <a:lnRef idx="2">
+          <a:scrgbClr r="0" g="0" b="0"/>
+        </a:lnRef>
+        <a:fillRef idx="1">
+          <a:scrgbClr r="0" g="0" b="0"/>
+        </a:fillRef>
+        <a:effectRef idx="0">
+          <a:scrgbClr r="0" g="0" b="0"/>
+        </a:effectRef>
+        <a:fontRef idx="minor"/>
+      </dsp:style>
+      <dsp:txBody>
+        <a:bodyPr spcFirstLastPara="0" vert="horz" wrap="square" lIns="68580" tIns="17145" rIns="34290" bIns="17145" numCol="1" spcCol="1270" anchor="ctr" anchorCtr="0">
+          <a:noAutofit/>
+        </a:bodyPr>
+        <a:lstStyle/>
+        <a:p>
+          <a:pPr marL="228600" lvl="1" indent="-228600" algn="l" defTabSz="1200150" rtl="0">
+            <a:lnSpc>
+              <a:spcPct val="90000"/>
+            </a:lnSpc>
+            <a:spcBef>
+              <a:spcPct val="0"/>
+            </a:spcBef>
+            <a:spcAft>
+              <a:spcPct val="15000"/>
+            </a:spcAft>
+            <a:buChar char="••"/>
+          </a:pPr>
+          <a:r>
+            <a:rPr lang="zh-CN" sz="2700" kern="1200" dirty="0" smtClean="0"/>
+            <a:t>集成源码管理</a:t>
+          </a:r>
+          <a:endParaRPr lang="zh-CN" sz="2700" kern="1200" dirty="0"/>
+        </a:p>
+        <a:p>
+          <a:pPr marL="228600" lvl="1" indent="-228600" algn="l" defTabSz="1200150" rtl="0">
+            <a:lnSpc>
+              <a:spcPct val="90000"/>
+            </a:lnSpc>
+            <a:spcBef>
+              <a:spcPct val="0"/>
+            </a:spcBef>
+            <a:spcAft>
+              <a:spcPct val="15000"/>
+            </a:spcAft>
+            <a:buChar char="••"/>
+          </a:pPr>
+          <a:r>
+            <a:rPr lang="zh-CN" sz="2700" kern="1200" dirty="0" smtClean="0"/>
+            <a:t>编译</a:t>
+          </a:r>
+          <a:endParaRPr lang="zh-CN" sz="2700" kern="1200" dirty="0"/>
+        </a:p>
+        <a:p>
+          <a:pPr marL="228600" lvl="1" indent="-228600" algn="l" defTabSz="1200150" rtl="0">
+            <a:lnSpc>
+              <a:spcPct val="90000"/>
+            </a:lnSpc>
+            <a:spcBef>
+              <a:spcPct val="0"/>
+            </a:spcBef>
+            <a:spcAft>
+              <a:spcPct val="15000"/>
+            </a:spcAft>
+            <a:buChar char="••"/>
+          </a:pPr>
+          <a:r>
+            <a:rPr lang="zh-CN" sz="2700" kern="1200" dirty="0" smtClean="0"/>
+            <a:t>执行单元测试</a:t>
+          </a:r>
+          <a:endParaRPr lang="zh-CN" sz="2700" kern="1200" dirty="0"/>
+        </a:p>
+        <a:p>
+          <a:pPr marL="228600" lvl="1" indent="-228600" algn="l" defTabSz="1200150" rtl="0">
+            <a:lnSpc>
+              <a:spcPct val="90000"/>
+            </a:lnSpc>
+            <a:spcBef>
+              <a:spcPct val="0"/>
+            </a:spcBef>
+            <a:spcAft>
+              <a:spcPct val="15000"/>
+            </a:spcAft>
+            <a:buChar char="••"/>
+          </a:pPr>
+          <a:r>
+            <a:rPr lang="zh-CN" sz="2700" kern="1200" dirty="0" smtClean="0"/>
+            <a:t>生成覆盖率报表</a:t>
+          </a:r>
+          <a:endParaRPr lang="zh-CN" sz="2700" kern="1200" dirty="0"/>
+        </a:p>
+        <a:p>
+          <a:pPr marL="228600" lvl="1" indent="-228600" algn="l" defTabSz="1200150" rtl="0">
+            <a:lnSpc>
+              <a:spcPct val="90000"/>
+            </a:lnSpc>
+            <a:spcBef>
+              <a:spcPct val="0"/>
+            </a:spcBef>
+            <a:spcAft>
+              <a:spcPct val="15000"/>
+            </a:spcAft>
+            <a:buChar char="••"/>
+          </a:pPr>
+          <a:r>
+            <a:rPr lang="zh-CN" sz="2700" kern="1200" dirty="0" smtClean="0"/>
+            <a:t>展示覆盖率</a:t>
+          </a:r>
+          <a:endParaRPr lang="zh-CN" sz="2700" kern="1200" dirty="0"/>
+        </a:p>
+      </dsp:txBody>
+      <dsp:txXfrm>
+        <a:off x="3904384" y="507699"/>
+        <a:ext cx="3697147" cy="2369265"/>
+      </dsp:txXfrm>
+    </dsp:sp>
+    <dsp:sp modelId="{D0EC7321-54F1-407E-9A60-11EADB909AA4}">
+      <dsp:nvSpPr>
+        <dsp:cNvPr id="0" name=""/>
+        <dsp:cNvSpPr/>
+      </dsp:nvSpPr>
+      <dsp:spPr>
+        <a:xfrm>
+          <a:off x="1370289" y="676691"/>
+          <a:ext cx="1936027" cy="1936027"/>
+        </a:xfrm>
+        <a:prstGeom prst="ellipse">
+          <a:avLst/>
+        </a:prstGeom>
+        <a:solidFill>
+          <a:schemeClr val="accent1">
+            <a:hueOff val="0"/>
+            <a:satOff val="0"/>
+            <a:lumOff val="0"/>
+            <a:alphaOff val="0"/>
+          </a:schemeClr>
+        </a:solidFill>
+        <a:ln w="12700" cap="flat" cmpd="sng" algn="ctr">
+          <a:solidFill>
+            <a:schemeClr val="lt1">
+              <a:hueOff val="0"/>
+              <a:satOff val="0"/>
+              <a:lumOff val="0"/>
+              <a:alphaOff val="0"/>
+            </a:schemeClr>
+          </a:solidFill>
+          <a:prstDash val="solid"/>
+          <a:miter lim="800000"/>
+        </a:ln>
+        <a:effectLst/>
+      </dsp:spPr>
+      <dsp:style>
+        <a:lnRef idx="2">
+          <a:scrgbClr r="0" g="0" b="0"/>
+        </a:lnRef>
+        <a:fillRef idx="1">
+          <a:scrgbClr r="0" g="0" b="0"/>
+        </a:fillRef>
+        <a:effectRef idx="0">
+          <a:scrgbClr r="0" g="0" b="0"/>
+        </a:effectRef>
+        <a:fontRef idx="minor">
+          <a:schemeClr val="lt1"/>
+        </a:fontRef>
+      </dsp:style>
+      <dsp:txBody>
+        <a:bodyPr spcFirstLastPara="0" vert="horz" wrap="square" lIns="18415" tIns="18415" rIns="18415" bIns="18415" numCol="1" spcCol="1270" anchor="ctr" anchorCtr="0">
+          <a:noAutofit/>
+        </a:bodyPr>
+        <a:lstStyle/>
+        <a:p>
+          <a:pPr lvl="0" algn="ctr" defTabSz="1289050" rtl="0">
+            <a:lnSpc>
+              <a:spcPct val="90000"/>
+            </a:lnSpc>
+            <a:spcBef>
+              <a:spcPct val="0"/>
+            </a:spcBef>
+            <a:spcAft>
+              <a:spcPct val="35000"/>
+            </a:spcAft>
+          </a:pPr>
+          <a:r>
+            <a:rPr lang="zh-CN" sz="2900" kern="1200" dirty="0" smtClean="0"/>
+            <a:t>使用自动构建平台</a:t>
+          </a:r>
+          <a:endParaRPr lang="zh-CN" sz="2900" kern="1200" dirty="0"/>
+        </a:p>
+      </dsp:txBody>
+      <dsp:txXfrm>
+        <a:off x="1653814" y="960216"/>
+        <a:ext cx="1368977" cy="1368977"/>
+      </dsp:txXfrm>
+    </dsp:sp>
   </dsp:spTree>
 </dsp:drawing>
 </file>
@@ -24084,10 +24886,10 @@
           <a:p>
             <a:pPr algn="ctr"/>
             <a:r>
-              <a:rPr lang="zh-CN" altLang="en-US" sz="9600" dirty="0" smtClean="0"/>
-              <a:t>谢谢大家！</a:t>
+              <a:rPr lang="zh-CN" altLang="en-US" sz="6000" dirty="0" smtClean="0"/>
+              <a:t>谢谢！</a:t>
             </a:r>
-            <a:endParaRPr lang="zh-CN" altLang="en-US" sz="9600" dirty="0"/>
+            <a:endParaRPr lang="zh-CN" altLang="en-US" sz="6000" dirty="0"/>
           </a:p>
         </p:txBody>
       </p:sp>

--- a/MyUnitTest/Document/单元测试.pptx
+++ b/MyUnitTest/Document/单元测试.pptx
@@ -13824,7 +13824,7 @@
             <a:fld id="{CB07F4DD-2616-4ADB-B085-03E0041EBE9A}" type="datetime1">
               <a:rPr lang="zh-CN" altLang="en-US" smtClean="0"/>
               <a:pPr/>
-              <a:t>2016/1/8</a:t>
+              <a:t>2016/1/11</a:t>
             </a:fld>
             <a:endParaRPr lang="zh-CN" altLang="en-US"/>
           </a:p>
@@ -14000,7 +14000,7 @@
             <a:fld id="{F1290695-11F3-4201-9521-690EE7DDEFC3}" type="datetime1">
               <a:rPr lang="zh-CN" altLang="en-US" smtClean="0"/>
               <a:pPr/>
-              <a:t>2016/1/8</a:t>
+              <a:t>2016/1/11</a:t>
             </a:fld>
             <a:endParaRPr lang="zh-CN" altLang="en-US"/>
           </a:p>
@@ -15138,7 +15138,7 @@
             <a:fld id="{25D33A48-F4CA-4D64-BD5D-F30DAC11E182}" type="datetime1">
               <a:rPr lang="zh-CN" altLang="en-US" smtClean="0"/>
               <a:pPr/>
-              <a:t>2016/1/8</a:t>
+              <a:t>2016/1/11</a:t>
             </a:fld>
             <a:endParaRPr lang="zh-CN" altLang="en-US"/>
           </a:p>
@@ -15310,7 +15310,7 @@
             <a:fld id="{7835C9A2-A860-435D-8D86-7057808A46BB}" type="datetime1">
               <a:rPr lang="zh-CN" altLang="en-US" smtClean="0"/>
               <a:pPr/>
-              <a:t>2016/1/8</a:t>
+              <a:t>2016/1/11</a:t>
             </a:fld>
             <a:endParaRPr lang="zh-CN" altLang="en-US"/>
           </a:p>
@@ -15496,7 +15496,7 @@
             <a:fld id="{8DCBC361-869B-451A-B3B0-8C4F1BA9360E}" type="datetime1">
               <a:rPr lang="zh-CN" altLang="en-US" smtClean="0"/>
               <a:pPr/>
-              <a:t>2016/1/8</a:t>
+              <a:t>2016/1/11</a:t>
             </a:fld>
             <a:endParaRPr lang="zh-CN" altLang="en-US"/>
           </a:p>
@@ -15687,7 +15687,7 @@
             <a:fld id="{BC20C777-790A-4729-B908-08454939E402}" type="datetime1">
               <a:rPr lang="zh-CN" altLang="en-US" smtClean="0"/>
               <a:pPr/>
-              <a:t>2016/1/8</a:t>
+              <a:t>2016/1/11</a:t>
             </a:fld>
             <a:endParaRPr lang="zh-CN" altLang="en-US" dirty="0"/>
           </a:p>
@@ -15948,7 +15948,7 @@
             <a:fld id="{0365DCE1-2D81-4988-9FFB-38C77368E5AB}" type="datetime1">
               <a:rPr lang="zh-CN" altLang="en-US" smtClean="0"/>
               <a:pPr/>
-              <a:t>2016/1/8</a:t>
+              <a:t>2016/1/11</a:t>
             </a:fld>
             <a:endParaRPr lang="zh-CN" altLang="en-US"/>
           </a:p>
@@ -16186,7 +16186,7 @@
             <a:fld id="{AE044FB5-8BC0-4607-92CA-3A99C780D839}" type="datetime1">
               <a:rPr lang="zh-CN" altLang="en-US" smtClean="0"/>
               <a:pPr/>
-              <a:t>2016/1/8</a:t>
+              <a:t>2016/1/11</a:t>
             </a:fld>
             <a:endParaRPr lang="zh-CN" altLang="en-US"/>
           </a:p>
@@ -16559,7 +16559,7 @@
             <a:fld id="{197C8F87-DC25-4850-AC0C-AD7398EEDB18}" type="datetime1">
               <a:rPr lang="zh-CN" altLang="en-US" smtClean="0"/>
               <a:pPr/>
-              <a:t>2016/1/8</a:t>
+              <a:t>2016/1/11</a:t>
             </a:fld>
             <a:endParaRPr lang="zh-CN" altLang="en-US"/>
           </a:p>
@@ -16683,7 +16683,7 @@
             <a:fld id="{5D4E2BA0-9952-45C2-A08C-1F25826F55B6}" type="datetime1">
               <a:rPr lang="zh-CN" altLang="en-US" smtClean="0"/>
               <a:pPr/>
-              <a:t>2016/1/8</a:t>
+              <a:t>2016/1/11</a:t>
             </a:fld>
             <a:endParaRPr lang="zh-CN" altLang="en-US"/>
           </a:p>
@@ -16784,7 +16784,7 @@
             <a:fld id="{8D3A08FE-8931-43C6-A3F8-57DF16A0B008}" type="datetime1">
               <a:rPr lang="zh-CN" altLang="en-US" smtClean="0"/>
               <a:pPr/>
-              <a:t>2016/1/8</a:t>
+              <a:t>2016/1/11</a:t>
             </a:fld>
             <a:endParaRPr lang="zh-CN" altLang="en-US"/>
           </a:p>
@@ -17067,7 +17067,7 @@
             <a:fld id="{F92AFE50-3DB7-445D-B4F8-E51EAB8F49B4}" type="datetime1">
               <a:rPr lang="zh-CN" altLang="en-US" smtClean="0"/>
               <a:pPr/>
-              <a:t>2016/1/8</a:t>
+              <a:t>2016/1/11</a:t>
             </a:fld>
             <a:endParaRPr lang="zh-CN" altLang="en-US"/>
           </a:p>
@@ -17326,7 +17326,7 @@
             <a:fld id="{C38F9322-B05B-4876-83A9-782F04B0A82E}" type="datetime1">
               <a:rPr lang="zh-CN" altLang="en-US" smtClean="0"/>
               <a:pPr/>
-              <a:t>2016/1/8</a:t>
+              <a:t>2016/1/11</a:t>
             </a:fld>
             <a:endParaRPr lang="zh-CN" altLang="en-US"/>
           </a:p>
@@ -17545,7 +17545,7 @@
             <a:fld id="{CCF59172-651A-49CE-9B4F-274F81EB3FA7}" type="datetime1">
               <a:rPr lang="zh-CN" altLang="en-US" smtClean="0"/>
               <a:pPr/>
-              <a:t>2016/1/8</a:t>
+              <a:t>2016/1/11</a:t>
             </a:fld>
             <a:endParaRPr lang="zh-CN" altLang="en-US"/>
           </a:p>
@@ -18644,7 +18644,7 @@
         </p:nvSpPr>
         <p:spPr>
           <a:xfrm>
-            <a:off x="838200" y="478745"/>
+            <a:off x="1848326" y="483597"/>
             <a:ext cx="2914650" cy="545213"/>
           </a:xfrm>
         </p:spPr>
@@ -18655,8 +18655,12 @@
           <a:lstStyle/>
           <a:p>
             <a:r>
+              <a:rPr lang="zh-CN" altLang="en-US" dirty="0"/>
+              <a:t>手动</a:t>
+            </a:r>
+            <a:r>
               <a:rPr lang="zh-CN" altLang="en-US" dirty="0" smtClean="0"/>
-              <a:t>隔离框架</a:t>
+              <a:t>隔离</a:t>
             </a:r>
             <a:endParaRPr lang="zh-CN" altLang="en-US" dirty="0"/>
           </a:p>
@@ -21055,25 +21059,6 @@
       </p:sp>
       <p:sp>
         <p:nvSpPr>
-          <p:cNvPr id="11" name="内容占位符 10"/>
-          <p:cNvSpPr>
-            <a:spLocks noGrp="1"/>
-          </p:cNvSpPr>
-          <p:nvPr>
-            <p:ph idx="1"/>
-          </p:nvPr>
-        </p:nvSpPr>
-        <p:spPr/>
-        <p:txBody>
-          <a:bodyPr/>
-          <a:lstStyle/>
-          <a:p>
-            <a:endParaRPr lang="zh-CN" altLang="en-US"/>
-          </a:p>
-        </p:txBody>
-      </p:sp>
-      <p:sp>
-        <p:nvSpPr>
           <p:cNvPr id="6" name="页脚占位符 5"/>
           <p:cNvSpPr>
             <a:spLocks noGrp="1"/>
@@ -21281,8 +21266,12 @@
           <a:lstStyle/>
           <a:p>
             <a:r>
-              <a:rPr lang="zh-CN" altLang="en-US" smtClean="0"/>
-              <a:t>单元测试覆盖率</a:t>
+              <a:rPr lang="zh-CN" altLang="en-US" dirty="0" smtClean="0"/>
+              <a:t>单元测试</a:t>
+            </a:r>
+            <a:r>
+              <a:rPr lang="zh-CN" altLang="en-US" dirty="0" smtClean="0"/>
+              <a:t>覆盖率</a:t>
             </a:r>
             <a:endParaRPr lang="zh-CN" altLang="en-US" dirty="0"/>
           </a:p>
@@ -21513,15 +21502,19 @@
           <a:p>
             <a:r>
               <a:rPr lang="zh-CN" altLang="en-US" sz="2800" dirty="0" smtClean="0"/>
-              <a:t>自动构建</a:t>
+              <a:t>覆盖率</a:t>
             </a:r>
             <a:r>
               <a:rPr lang="zh-CN" altLang="en-US" sz="2800" dirty="0"/>
-              <a:t>与</a:t>
+              <a:t>的</a:t>
             </a:r>
             <a:r>
               <a:rPr lang="zh-CN" altLang="en-US" sz="2800" dirty="0" smtClean="0"/>
-              <a:t>覆盖率</a:t>
+              <a:t>自动</a:t>
+            </a:r>
+            <a:r>
+              <a:rPr lang="zh-CN" altLang="en-US" sz="2800" dirty="0" smtClean="0"/>
+              <a:t>构建</a:t>
             </a:r>
             <a:endParaRPr lang="zh-CN" altLang="en-US" sz="2800" dirty="0"/>
           </a:p>
@@ -23559,12 +23552,13 @@
             </a:r>
             <a:r>
               <a:rPr lang="en-US" dirty="0" err="1" smtClean="0"/>
-              <a:t>Anayliz</a:t>
+              <a:t>Anaylize</a:t>
             </a:r>
             <a:r>
               <a:rPr lang="zh-CN" altLang="en-US" dirty="0" smtClean="0"/>
               <a:t>工具</a:t>
             </a:r>
+            <a:endParaRPr lang="zh-CN" altLang="en-US" dirty="0" smtClean="0"/>
           </a:p>
           <a:p>
             <a:pPr lvl="2"/>
@@ -23577,7 +23571,7 @@
               <a:t>——</a:t>
             </a:r>
             <a:r>
-              <a:rPr lang="zh-CN" altLang="en-US" smtClean="0"/>
+              <a:rPr lang="zh-CN" altLang="en-US" dirty="0" smtClean="0"/>
               <a:t>组件里依赖的个数</a:t>
             </a:r>
           </a:p>

--- a/MyUnitTest/Document/单元测试.pptx
+++ b/MyUnitTest/Document/单元测试.pptx
@@ -5,44 +5,48 @@
     <p:sldMasterId id="2147483648" r:id="rId1"/>
   </p:sldMasterIdLst>
   <p:notesMasterIdLst>
-    <p:notesMasterId r:id="rId34"/>
+    <p:notesMasterId r:id="rId38"/>
   </p:notesMasterIdLst>
   <p:handoutMasterIdLst>
-    <p:handoutMasterId r:id="rId35"/>
+    <p:handoutMasterId r:id="rId39"/>
   </p:handoutMasterIdLst>
   <p:sldIdLst>
     <p:sldId id="256" r:id="rId2"/>
-    <p:sldId id="274" r:id="rId3"/>
-    <p:sldId id="277" r:id="rId4"/>
-    <p:sldId id="259" r:id="rId5"/>
-    <p:sldId id="289" r:id="rId6"/>
-    <p:sldId id="290" r:id="rId7"/>
-    <p:sldId id="272" r:id="rId8"/>
-    <p:sldId id="284" r:id="rId9"/>
-    <p:sldId id="279" r:id="rId10"/>
-    <p:sldId id="262" r:id="rId11"/>
-    <p:sldId id="269" r:id="rId12"/>
-    <p:sldId id="263" r:id="rId13"/>
-    <p:sldId id="260" r:id="rId14"/>
-    <p:sldId id="278" r:id="rId15"/>
-    <p:sldId id="270" r:id="rId16"/>
-    <p:sldId id="271" r:id="rId17"/>
-    <p:sldId id="275" r:id="rId18"/>
-    <p:sldId id="261" r:id="rId19"/>
-    <p:sldId id="268" r:id="rId20"/>
-    <p:sldId id="267" r:id="rId21"/>
-    <p:sldId id="288" r:id="rId22"/>
-    <p:sldId id="285" r:id="rId23"/>
-    <p:sldId id="286" r:id="rId24"/>
-    <p:sldId id="287" r:id="rId25"/>
-    <p:sldId id="264" r:id="rId26"/>
-    <p:sldId id="273" r:id="rId27"/>
-    <p:sldId id="283" r:id="rId28"/>
-    <p:sldId id="276" r:id="rId29"/>
-    <p:sldId id="280" r:id="rId30"/>
-    <p:sldId id="281" r:id="rId31"/>
-    <p:sldId id="282" r:id="rId32"/>
-    <p:sldId id="266" r:id="rId33"/>
+    <p:sldId id="295" r:id="rId3"/>
+    <p:sldId id="274" r:id="rId4"/>
+    <p:sldId id="277" r:id="rId5"/>
+    <p:sldId id="259" r:id="rId6"/>
+    <p:sldId id="289" r:id="rId7"/>
+    <p:sldId id="290" r:id="rId8"/>
+    <p:sldId id="272" r:id="rId9"/>
+    <p:sldId id="284" r:id="rId10"/>
+    <p:sldId id="279" r:id="rId11"/>
+    <p:sldId id="262" r:id="rId12"/>
+    <p:sldId id="269" r:id="rId13"/>
+    <p:sldId id="293" r:id="rId14"/>
+    <p:sldId id="291" r:id="rId15"/>
+    <p:sldId id="263" r:id="rId16"/>
+    <p:sldId id="260" r:id="rId17"/>
+    <p:sldId id="278" r:id="rId18"/>
+    <p:sldId id="270" r:id="rId19"/>
+    <p:sldId id="271" r:id="rId20"/>
+    <p:sldId id="275" r:id="rId21"/>
+    <p:sldId id="261" r:id="rId22"/>
+    <p:sldId id="268" r:id="rId23"/>
+    <p:sldId id="267" r:id="rId24"/>
+    <p:sldId id="288" r:id="rId25"/>
+    <p:sldId id="285" r:id="rId26"/>
+    <p:sldId id="286" r:id="rId27"/>
+    <p:sldId id="287" r:id="rId28"/>
+    <p:sldId id="264" r:id="rId29"/>
+    <p:sldId id="273" r:id="rId30"/>
+    <p:sldId id="294" r:id="rId31"/>
+    <p:sldId id="283" r:id="rId32"/>
+    <p:sldId id="276" r:id="rId33"/>
+    <p:sldId id="280" r:id="rId34"/>
+    <p:sldId id="281" r:id="rId35"/>
+    <p:sldId id="282" r:id="rId36"/>
+    <p:sldId id="266" r:id="rId37"/>
   </p:sldIdLst>
   <p:sldSz cx="12192000" cy="6858000"/>
   <p:notesSz cx="6858000" cy="9144000"/>
@@ -18006,6 +18010,59 @@
           </a:graphicData>
         </a:graphic>
       </p:graphicFrame>
+      <p:sp>
+        <p:nvSpPr>
+          <p:cNvPr id="6" name="标题 1"/>
+          <p:cNvSpPr txBox="1">
+            <a:spLocks/>
+          </p:cNvSpPr>
+          <p:nvPr/>
+        </p:nvSpPr>
+        <p:spPr>
+          <a:xfrm>
+            <a:off x="753291" y="5111299"/>
+            <a:ext cx="1676400" cy="732152"/>
+          </a:xfrm>
+          <a:prstGeom prst="rect">
+            <a:avLst/>
+          </a:prstGeom>
+        </p:spPr>
+        <p:txBody>
+          <a:bodyPr vert="horz" lIns="91440" tIns="45720" rIns="91440" bIns="45720" rtlCol="0" anchor="b">
+            <a:normAutofit fontScale="77500" lnSpcReduction="20000"/>
+          </a:bodyPr>
+          <a:lstStyle>
+            <a:lvl1pPr algn="ctr" defTabSz="914400" rtl="0" eaLnBrk="1" latinLnBrk="0" hangingPunct="1">
+              <a:lnSpc>
+                <a:spcPct val="90000"/>
+              </a:lnSpc>
+              <a:spcBef>
+                <a:spcPct val="0"/>
+              </a:spcBef>
+              <a:buNone/>
+              <a:defRPr sz="6000" kern="1200">
+                <a:solidFill>
+                  <a:schemeClr val="tx1"/>
+                </a:solidFill>
+                <a:latin typeface="+mj-lt"/>
+                <a:ea typeface="+mj-ea"/>
+                <a:cs typeface="+mj-cs"/>
+              </a:defRPr>
+            </a:lvl1pPr>
+          </a:lstStyle>
+          <a:p>
+            <a:pPr marL="571500" indent="-571500" algn="l">
+              <a:buFont typeface="Wingdings" panose="05000000000000000000" pitchFamily="2" charset="2"/>
+              <a:buChar char="l"/>
+            </a:pPr>
+            <a:r>
+              <a:rPr lang="en-US" altLang="zh-CN" sz="3600" dirty="0" smtClean="0"/>
+              <a:t>Demo</a:t>
+            </a:r>
+            <a:endParaRPr lang="zh-CN" altLang="en-US" sz="3600" dirty="0"/>
+          </a:p>
+        </p:txBody>
+      </p:sp>
     </p:spTree>
     <p:extLst>
       <p:ext uri="{BB962C8B-B14F-4D97-AF65-F5344CB8AC3E}">
@@ -18027,6 +18084,358 @@
 </file>
 
 <file path=ppt/slides/slide10.xml><?xml version="1.0" encoding="utf-8"?>
+<p:sld xmlns:a="http://schemas.openxmlformats.org/drawingml/2006/main" xmlns:r="http://schemas.openxmlformats.org/officeDocument/2006/relationships" xmlns:p="http://schemas.openxmlformats.org/presentationml/2006/main">
+  <p:cSld>
+    <p:spTree>
+      <p:nvGrpSpPr>
+        <p:cNvPr id="1" name=""/>
+        <p:cNvGrpSpPr/>
+        <p:nvPr/>
+      </p:nvGrpSpPr>
+      <p:grpSpPr>
+        <a:xfrm>
+          <a:off x="0" y="0"/>
+          <a:ext cx="0" cy="0"/>
+          <a:chOff x="0" y="0"/>
+          <a:chExt cx="0" cy="0"/>
+        </a:xfrm>
+      </p:grpSpPr>
+      <p:sp>
+        <p:nvSpPr>
+          <p:cNvPr id="2" name="标题 1"/>
+          <p:cNvSpPr>
+            <a:spLocks noGrp="1"/>
+          </p:cNvSpPr>
+          <p:nvPr>
+            <p:ph type="title"/>
+          </p:nvPr>
+        </p:nvSpPr>
+        <p:spPr>
+          <a:xfrm>
+            <a:off x="838200" y="478744"/>
+            <a:ext cx="10515600" cy="692831"/>
+          </a:xfrm>
+        </p:spPr>
+        <p:txBody>
+          <a:bodyPr>
+            <a:normAutofit fontScale="90000"/>
+          </a:bodyPr>
+          <a:lstStyle/>
+          <a:p>
+            <a:r>
+              <a:rPr lang="zh-CN" altLang="en-US" dirty="0" smtClean="0"/>
+              <a:t>示例</a:t>
+            </a:r>
+            <a:r>
+              <a:rPr lang="en-US" altLang="zh-CN" dirty="0" smtClean="0"/>
+              <a:t>Demo</a:t>
+            </a:r>
+            <a:endParaRPr lang="zh-CN" altLang="en-US" dirty="0"/>
+          </a:p>
+        </p:txBody>
+      </p:sp>
+      <p:sp>
+        <p:nvSpPr>
+          <p:cNvPr id="4" name="页脚占位符 3"/>
+          <p:cNvSpPr>
+            <a:spLocks noGrp="1"/>
+          </p:cNvSpPr>
+          <p:nvPr>
+            <p:ph type="ftr" sz="quarter" idx="11"/>
+          </p:nvPr>
+        </p:nvSpPr>
+        <p:spPr/>
+        <p:txBody>
+          <a:bodyPr/>
+          <a:lstStyle/>
+          <a:p>
+            <a:r>
+              <a:rPr lang="zh-CN" altLang="en-US" smtClean="0"/>
+              <a:t>单元测试概论</a:t>
+            </a:r>
+            <a:endParaRPr lang="zh-CN" altLang="en-US" dirty="0"/>
+          </a:p>
+        </p:txBody>
+      </p:sp>
+      <p:sp>
+        <p:nvSpPr>
+          <p:cNvPr id="5" name="灯片编号占位符 4"/>
+          <p:cNvSpPr>
+            <a:spLocks noGrp="1"/>
+          </p:cNvSpPr>
+          <p:nvPr>
+            <p:ph type="sldNum" sz="quarter" idx="12"/>
+          </p:nvPr>
+        </p:nvSpPr>
+        <p:spPr/>
+        <p:txBody>
+          <a:bodyPr/>
+          <a:lstStyle/>
+          <a:p>
+            <a:fld id="{F4A2626E-A0A3-4722-B047-8920ED1A51E7}" type="slidenum">
+              <a:rPr lang="zh-CN" altLang="en-US" smtClean="0"/>
+              <a:pPr/>
+              <a:t>10</a:t>
+            </a:fld>
+            <a:endParaRPr lang="zh-CN" altLang="en-US" dirty="0"/>
+          </a:p>
+        </p:txBody>
+      </p:sp>
+      <p:sp>
+        <p:nvSpPr>
+          <p:cNvPr id="6" name="内容占位符 2"/>
+          <p:cNvSpPr txBox="1">
+            <a:spLocks/>
+          </p:cNvSpPr>
+          <p:nvPr/>
+        </p:nvSpPr>
+        <p:spPr>
+          <a:xfrm>
+            <a:off x="838200" y="1323258"/>
+            <a:ext cx="4708161" cy="2000968"/>
+          </a:xfrm>
+          <a:prstGeom prst="rect">
+            <a:avLst/>
+          </a:prstGeom>
+        </p:spPr>
+        <p:txBody>
+          <a:bodyPr vert="horz" lIns="91440" tIns="45720" rIns="91440" bIns="45720" rtlCol="0">
+            <a:normAutofit lnSpcReduction="10000"/>
+          </a:bodyPr>
+          <a:lstStyle>
+            <a:lvl1pPr marL="228600" indent="-228600" algn="l" defTabSz="914400" rtl="0" eaLnBrk="1" latinLnBrk="0" hangingPunct="1">
+              <a:lnSpc>
+                <a:spcPct val="90000"/>
+              </a:lnSpc>
+              <a:spcBef>
+                <a:spcPts val="1000"/>
+              </a:spcBef>
+              <a:buFont typeface="Arial" panose="020B0604020202020204" pitchFamily="34" charset="0"/>
+              <a:buChar char="•"/>
+              <a:defRPr sz="2800" kern="1200">
+                <a:solidFill>
+                  <a:schemeClr val="tx1"/>
+                </a:solidFill>
+                <a:latin typeface="+mn-lt"/>
+                <a:ea typeface="+mn-ea"/>
+                <a:cs typeface="+mn-cs"/>
+              </a:defRPr>
+            </a:lvl1pPr>
+            <a:lvl2pPr marL="685800" indent="-228600" algn="l" defTabSz="914400" rtl="0" eaLnBrk="1" latinLnBrk="0" hangingPunct="1">
+              <a:lnSpc>
+                <a:spcPct val="90000"/>
+              </a:lnSpc>
+              <a:spcBef>
+                <a:spcPts val="500"/>
+              </a:spcBef>
+              <a:buFont typeface="Arial" panose="020B0604020202020204" pitchFamily="34" charset="0"/>
+              <a:buChar char="•"/>
+              <a:defRPr sz="2400" kern="1200">
+                <a:solidFill>
+                  <a:schemeClr val="tx1"/>
+                </a:solidFill>
+                <a:latin typeface="+mn-lt"/>
+                <a:ea typeface="+mn-ea"/>
+                <a:cs typeface="+mn-cs"/>
+              </a:defRPr>
+            </a:lvl2pPr>
+            <a:lvl3pPr marL="1143000" indent="-228600" algn="l" defTabSz="914400" rtl="0" eaLnBrk="1" latinLnBrk="0" hangingPunct="1">
+              <a:lnSpc>
+                <a:spcPct val="90000"/>
+              </a:lnSpc>
+              <a:spcBef>
+                <a:spcPts val="500"/>
+              </a:spcBef>
+              <a:buFont typeface="Arial" panose="020B0604020202020204" pitchFamily="34" charset="0"/>
+              <a:buChar char="•"/>
+              <a:defRPr sz="2000" kern="1200">
+                <a:solidFill>
+                  <a:schemeClr val="tx1"/>
+                </a:solidFill>
+                <a:latin typeface="+mn-lt"/>
+                <a:ea typeface="+mn-ea"/>
+                <a:cs typeface="+mn-cs"/>
+              </a:defRPr>
+            </a:lvl3pPr>
+            <a:lvl4pPr marL="1600200" indent="-228600" algn="l" defTabSz="914400" rtl="0" eaLnBrk="1" latinLnBrk="0" hangingPunct="1">
+              <a:lnSpc>
+                <a:spcPct val="90000"/>
+              </a:lnSpc>
+              <a:spcBef>
+                <a:spcPts val="500"/>
+              </a:spcBef>
+              <a:buFont typeface="Arial" panose="020B0604020202020204" pitchFamily="34" charset="0"/>
+              <a:buChar char="•"/>
+              <a:defRPr sz="1800" kern="1200">
+                <a:solidFill>
+                  <a:schemeClr val="tx1"/>
+                </a:solidFill>
+                <a:latin typeface="+mn-lt"/>
+                <a:ea typeface="+mn-ea"/>
+                <a:cs typeface="+mn-cs"/>
+              </a:defRPr>
+            </a:lvl4pPr>
+            <a:lvl5pPr marL="2057400" indent="-228600" algn="l" defTabSz="914400" rtl="0" eaLnBrk="1" latinLnBrk="0" hangingPunct="1">
+              <a:lnSpc>
+                <a:spcPct val="90000"/>
+              </a:lnSpc>
+              <a:spcBef>
+                <a:spcPts val="500"/>
+              </a:spcBef>
+              <a:buFont typeface="Arial" panose="020B0604020202020204" pitchFamily="34" charset="0"/>
+              <a:buChar char="•"/>
+              <a:defRPr sz="1800" kern="1200">
+                <a:solidFill>
+                  <a:schemeClr val="tx1"/>
+                </a:solidFill>
+                <a:latin typeface="+mn-lt"/>
+                <a:ea typeface="+mn-ea"/>
+                <a:cs typeface="+mn-cs"/>
+              </a:defRPr>
+            </a:lvl5pPr>
+            <a:lvl6pPr marL="2514600" indent="-228600" algn="l" defTabSz="914400" rtl="0" eaLnBrk="1" latinLnBrk="0" hangingPunct="1">
+              <a:lnSpc>
+                <a:spcPct val="90000"/>
+              </a:lnSpc>
+              <a:spcBef>
+                <a:spcPts val="500"/>
+              </a:spcBef>
+              <a:buFont typeface="Arial" panose="020B0604020202020204" pitchFamily="34" charset="0"/>
+              <a:buChar char="•"/>
+              <a:defRPr sz="1800" kern="1200">
+                <a:solidFill>
+                  <a:schemeClr val="tx1"/>
+                </a:solidFill>
+                <a:latin typeface="+mn-lt"/>
+                <a:ea typeface="+mn-ea"/>
+                <a:cs typeface="+mn-cs"/>
+              </a:defRPr>
+            </a:lvl6pPr>
+            <a:lvl7pPr marL="2971800" indent="-228600" algn="l" defTabSz="914400" rtl="0" eaLnBrk="1" latinLnBrk="0" hangingPunct="1">
+              <a:lnSpc>
+                <a:spcPct val="90000"/>
+              </a:lnSpc>
+              <a:spcBef>
+                <a:spcPts val="500"/>
+              </a:spcBef>
+              <a:buFont typeface="Arial" panose="020B0604020202020204" pitchFamily="34" charset="0"/>
+              <a:buChar char="•"/>
+              <a:defRPr sz="1800" kern="1200">
+                <a:solidFill>
+                  <a:schemeClr val="tx1"/>
+                </a:solidFill>
+                <a:latin typeface="+mn-lt"/>
+                <a:ea typeface="+mn-ea"/>
+                <a:cs typeface="+mn-cs"/>
+              </a:defRPr>
+            </a:lvl7pPr>
+            <a:lvl8pPr marL="3429000" indent="-228600" algn="l" defTabSz="914400" rtl="0" eaLnBrk="1" latinLnBrk="0" hangingPunct="1">
+              <a:lnSpc>
+                <a:spcPct val="90000"/>
+              </a:lnSpc>
+              <a:spcBef>
+                <a:spcPts val="500"/>
+              </a:spcBef>
+              <a:buFont typeface="Arial" panose="020B0604020202020204" pitchFamily="34" charset="0"/>
+              <a:buChar char="•"/>
+              <a:defRPr sz="1800" kern="1200">
+                <a:solidFill>
+                  <a:schemeClr val="tx1"/>
+                </a:solidFill>
+                <a:latin typeface="+mn-lt"/>
+                <a:ea typeface="+mn-ea"/>
+                <a:cs typeface="+mn-cs"/>
+              </a:defRPr>
+            </a:lvl8pPr>
+            <a:lvl9pPr marL="3886200" indent="-228600" algn="l" defTabSz="914400" rtl="0" eaLnBrk="1" latinLnBrk="0" hangingPunct="1">
+              <a:lnSpc>
+                <a:spcPct val="90000"/>
+              </a:lnSpc>
+              <a:spcBef>
+                <a:spcPts val="500"/>
+              </a:spcBef>
+              <a:buFont typeface="Arial" panose="020B0604020202020204" pitchFamily="34" charset="0"/>
+              <a:buChar char="•"/>
+              <a:defRPr sz="1800" kern="1200">
+                <a:solidFill>
+                  <a:schemeClr val="tx1"/>
+                </a:solidFill>
+                <a:latin typeface="+mn-lt"/>
+                <a:ea typeface="+mn-ea"/>
+                <a:cs typeface="+mn-cs"/>
+              </a:defRPr>
+            </a:lvl9pPr>
+          </a:lstStyle>
+          <a:p>
+            <a:r>
+              <a:rPr lang="en-US" altLang="zh-CN" dirty="0" smtClean="0"/>
+              <a:t>Setup</a:t>
+            </a:r>
+            <a:r>
+              <a:rPr lang="zh-CN" altLang="en-US" dirty="0" smtClean="0"/>
+              <a:t>和</a:t>
+            </a:r>
+            <a:r>
+              <a:rPr lang="en-US" altLang="zh-CN" dirty="0" smtClean="0"/>
+              <a:t>teardown(</a:t>
+            </a:r>
+            <a:r>
+              <a:rPr lang="zh-CN" altLang="en-US" dirty="0" smtClean="0"/>
+              <a:t>不推荐）</a:t>
+            </a:r>
+            <a:endParaRPr lang="en-US" altLang="zh-CN" dirty="0" smtClean="0"/>
+          </a:p>
+          <a:p>
+            <a:r>
+              <a:rPr lang="zh-CN" altLang="en-US" dirty="0"/>
+              <a:t>异常处理</a:t>
+            </a:r>
+            <a:endParaRPr lang="en-US" altLang="zh-CN" dirty="0"/>
+          </a:p>
+          <a:p>
+            <a:r>
+              <a:rPr lang="zh-CN" altLang="en-US" dirty="0" smtClean="0"/>
+              <a:t>忽略</a:t>
+            </a:r>
+            <a:r>
+              <a:rPr lang="zh-CN" altLang="en-US" dirty="0"/>
+              <a:t>测试</a:t>
+            </a:r>
+            <a:endParaRPr lang="en-US" altLang="zh-CN" dirty="0"/>
+          </a:p>
+          <a:p>
+            <a:r>
+              <a:rPr lang="zh-CN" altLang="en-US" dirty="0" smtClean="0"/>
+              <a:t>参数化测试</a:t>
+            </a:r>
+            <a:endParaRPr lang="en-US" altLang="zh-CN" dirty="0" smtClean="0"/>
+          </a:p>
+          <a:p>
+            <a:endParaRPr lang="zh-CN" altLang="en-US" dirty="0"/>
+          </a:p>
+        </p:txBody>
+      </p:sp>
+    </p:spTree>
+    <p:extLst>
+      <p:ext uri="{BB962C8B-B14F-4D97-AF65-F5344CB8AC3E}">
+        <p14:creationId xmlns:p14="http://schemas.microsoft.com/office/powerpoint/2010/main" val="941624380"/>
+      </p:ext>
+    </p:extLst>
+  </p:cSld>
+  <p:clrMapOvr>
+    <a:masterClrMapping/>
+  </p:clrMapOvr>
+  <p:timing>
+    <p:tnLst>
+      <p:par>
+        <p:cTn id="1" dur="indefinite" restart="never" nodeType="tmRoot"/>
+      </p:par>
+    </p:tnLst>
+  </p:timing>
+</p:sld>
+</file>
+
+<file path=ppt/slides/slide11.xml><?xml version="1.0" encoding="utf-8"?>
 <p:sld xmlns:a="http://schemas.openxmlformats.org/drawingml/2006/main" xmlns:r="http://schemas.openxmlformats.org/officeDocument/2006/relationships" xmlns:p="http://schemas.openxmlformats.org/presentationml/2006/main">
   <p:cSld>
     <p:spTree>
@@ -18211,7 +18620,7 @@
             <a:fld id="{F4A2626E-A0A3-4722-B047-8920ED1A51E7}" type="slidenum">
               <a:rPr lang="zh-CN" altLang="en-US" smtClean="0"/>
               <a:pPr/>
-              <a:t>10</a:t>
+              <a:t>11</a:t>
             </a:fld>
             <a:endParaRPr lang="zh-CN" altLang="en-US" dirty="0"/>
           </a:p>
@@ -18237,7 +18646,7 @@
 </p:sld>
 </file>
 
-<file path=ppt/slides/slide11.xml><?xml version="1.0" encoding="utf-8"?>
+<file path=ppt/slides/slide12.xml><?xml version="1.0" encoding="utf-8"?>
 <p:sld xmlns:a="http://schemas.openxmlformats.org/drawingml/2006/main" xmlns:r="http://schemas.openxmlformats.org/officeDocument/2006/relationships" xmlns:p="http://schemas.openxmlformats.org/presentationml/2006/main">
   <p:cSld>
     <p:spTree>
@@ -18474,7 +18883,7 @@
             <a:fld id="{F4A2626E-A0A3-4722-B047-8920ED1A51E7}" type="slidenum">
               <a:rPr lang="zh-CN" altLang="en-US" smtClean="0"/>
               <a:pPr/>
-              <a:t>11</a:t>
+              <a:t>12</a:t>
             </a:fld>
             <a:endParaRPr lang="zh-CN" altLang="en-US" dirty="0"/>
           </a:p>
@@ -18529,7 +18938,339 @@
 </p:sld>
 </file>
 
-<file path=ppt/slides/slide12.xml><?xml version="1.0" encoding="utf-8"?>
+<file path=ppt/slides/slide13.xml><?xml version="1.0" encoding="utf-8"?>
+<p:sld xmlns:a="http://schemas.openxmlformats.org/drawingml/2006/main" xmlns:r="http://schemas.openxmlformats.org/officeDocument/2006/relationships" xmlns:p="http://schemas.openxmlformats.org/presentationml/2006/main">
+  <p:cSld>
+    <p:spTree>
+      <p:nvGrpSpPr>
+        <p:cNvPr id="1" name=""/>
+        <p:cNvGrpSpPr/>
+        <p:nvPr/>
+      </p:nvGrpSpPr>
+      <p:grpSpPr>
+        <a:xfrm>
+          <a:off x="0" y="0"/>
+          <a:ext cx="0" cy="0"/>
+          <a:chOff x="0" y="0"/>
+          <a:chExt cx="0" cy="0"/>
+        </a:xfrm>
+      </p:grpSpPr>
+      <p:sp>
+        <p:nvSpPr>
+          <p:cNvPr id="2" name="标题 1"/>
+          <p:cNvSpPr>
+            <a:spLocks noGrp="1"/>
+          </p:cNvSpPr>
+          <p:nvPr>
+            <p:ph type="title"/>
+          </p:nvPr>
+        </p:nvSpPr>
+        <p:spPr>
+          <a:xfrm>
+            <a:off x="507275" y="1497239"/>
+            <a:ext cx="10515600" cy="1325563"/>
+          </a:xfrm>
+        </p:spPr>
+        <p:txBody>
+          <a:bodyPr/>
+          <a:lstStyle/>
+          <a:p>
+            <a:pPr algn="ctr"/>
+            <a:r>
+              <a:rPr lang="zh-CN" altLang="en-US" dirty="0" smtClean="0"/>
+              <a:t>隔离框架</a:t>
+            </a:r>
+            <a:endParaRPr lang="zh-CN" altLang="en-US" dirty="0"/>
+          </a:p>
+        </p:txBody>
+      </p:sp>
+      <p:sp>
+        <p:nvSpPr>
+          <p:cNvPr id="4" name="灯片编号占位符 3"/>
+          <p:cNvSpPr>
+            <a:spLocks noGrp="1"/>
+          </p:cNvSpPr>
+          <p:nvPr>
+            <p:ph type="sldNum" sz="quarter" idx="12"/>
+          </p:nvPr>
+        </p:nvSpPr>
+        <p:spPr/>
+        <p:txBody>
+          <a:bodyPr/>
+          <a:lstStyle/>
+          <a:p>
+            <a:fld id="{F4A2626E-A0A3-4722-B047-8920ED1A51E7}" type="slidenum">
+              <a:rPr lang="zh-CN" altLang="en-US" smtClean="0"/>
+              <a:pPr/>
+              <a:t>13</a:t>
+            </a:fld>
+            <a:endParaRPr lang="zh-CN" altLang="en-US"/>
+          </a:p>
+        </p:txBody>
+      </p:sp>
+    </p:spTree>
+    <p:extLst>
+      <p:ext uri="{BB962C8B-B14F-4D97-AF65-F5344CB8AC3E}">
+        <p14:creationId xmlns:p14="http://schemas.microsoft.com/office/powerpoint/2010/main" val="402662768"/>
+      </p:ext>
+    </p:extLst>
+  </p:cSld>
+  <p:clrMapOvr>
+    <a:masterClrMapping/>
+  </p:clrMapOvr>
+</p:sld>
+</file>
+
+<file path=ppt/slides/slide14.xml><?xml version="1.0" encoding="utf-8"?>
+<p:sld xmlns:a="http://schemas.openxmlformats.org/drawingml/2006/main" xmlns:r="http://schemas.openxmlformats.org/officeDocument/2006/relationships" xmlns:p="http://schemas.openxmlformats.org/presentationml/2006/main">
+  <p:cSld>
+    <p:spTree>
+      <p:nvGrpSpPr>
+        <p:cNvPr id="1" name=""/>
+        <p:cNvGrpSpPr/>
+        <p:nvPr/>
+      </p:nvGrpSpPr>
+      <p:grpSpPr>
+        <a:xfrm>
+          <a:off x="0" y="0"/>
+          <a:ext cx="0" cy="0"/>
+          <a:chOff x="0" y="0"/>
+          <a:chExt cx="0" cy="0"/>
+        </a:xfrm>
+      </p:grpSpPr>
+      <p:sp>
+        <p:nvSpPr>
+          <p:cNvPr id="2" name="标题 1"/>
+          <p:cNvSpPr>
+            <a:spLocks noGrp="1"/>
+          </p:cNvSpPr>
+          <p:nvPr>
+            <p:ph type="title"/>
+          </p:nvPr>
+        </p:nvSpPr>
+        <p:spPr/>
+        <p:txBody>
+          <a:bodyPr/>
+          <a:lstStyle/>
+          <a:p>
+            <a:r>
+              <a:rPr lang="zh-CN" altLang="en-US" dirty="0" smtClean="0"/>
+              <a:t>隔离的对象类型</a:t>
+            </a:r>
+            <a:endParaRPr lang="zh-CN" altLang="en-US" dirty="0"/>
+          </a:p>
+        </p:txBody>
+      </p:sp>
+      <p:sp>
+        <p:nvSpPr>
+          <p:cNvPr id="3" name="内容占位符 2"/>
+          <p:cNvSpPr>
+            <a:spLocks noGrp="1"/>
+          </p:cNvSpPr>
+          <p:nvPr>
+            <p:ph sz="half" idx="1"/>
+          </p:nvPr>
+        </p:nvSpPr>
+        <p:spPr/>
+        <p:txBody>
+          <a:bodyPr/>
+          <a:lstStyle/>
+          <a:p>
+            <a:r>
+              <a:rPr lang="zh-CN" altLang="en-US" dirty="0" smtClean="0"/>
+              <a:t>桩对象</a:t>
+            </a:r>
+            <a:endParaRPr lang="zh-CN" altLang="en-US" dirty="0"/>
+          </a:p>
+        </p:txBody>
+      </p:sp>
+      <p:sp>
+        <p:nvSpPr>
+          <p:cNvPr id="4" name="内容占位符 3"/>
+          <p:cNvSpPr>
+            <a:spLocks noGrp="1"/>
+          </p:cNvSpPr>
+          <p:nvPr>
+            <p:ph sz="half" idx="2"/>
+          </p:nvPr>
+        </p:nvSpPr>
+        <p:spPr/>
+        <p:txBody>
+          <a:bodyPr/>
+          <a:lstStyle/>
+          <a:p>
+            <a:r>
+              <a:rPr lang="zh-CN" altLang="en-US" dirty="0" smtClean="0"/>
+              <a:t>模拟对象</a:t>
+            </a:r>
+            <a:endParaRPr lang="zh-CN" altLang="en-US" dirty="0"/>
+          </a:p>
+        </p:txBody>
+      </p:sp>
+      <p:sp>
+        <p:nvSpPr>
+          <p:cNvPr id="6" name="灯片编号占位符 5"/>
+          <p:cNvSpPr>
+            <a:spLocks noGrp="1"/>
+          </p:cNvSpPr>
+          <p:nvPr>
+            <p:ph type="sldNum" sz="quarter" idx="12"/>
+          </p:nvPr>
+        </p:nvSpPr>
+        <p:spPr/>
+        <p:txBody>
+          <a:bodyPr/>
+          <a:lstStyle/>
+          <a:p>
+            <a:fld id="{F4A2626E-A0A3-4722-B047-8920ED1A51E7}" type="slidenum">
+              <a:rPr lang="zh-CN" altLang="en-US" smtClean="0"/>
+              <a:pPr/>
+              <a:t>14</a:t>
+            </a:fld>
+            <a:endParaRPr lang="zh-CN" altLang="en-US"/>
+          </a:p>
+        </p:txBody>
+      </p:sp>
+      <p:sp>
+        <p:nvSpPr>
+          <p:cNvPr id="7" name="页脚占位符 5"/>
+          <p:cNvSpPr txBox="1">
+            <a:spLocks/>
+          </p:cNvSpPr>
+          <p:nvPr/>
+        </p:nvSpPr>
+        <p:spPr>
+          <a:xfrm>
+            <a:off x="838200" y="92869"/>
+            <a:ext cx="4114800" cy="365125"/>
+          </a:xfrm>
+          <a:prstGeom prst="rect">
+            <a:avLst/>
+          </a:prstGeom>
+        </p:spPr>
+        <p:txBody>
+          <a:bodyPr vert="horz" lIns="91440" tIns="45720" rIns="91440" bIns="45720" rtlCol="0" anchor="ctr"/>
+          <a:lstStyle>
+            <a:defPPr>
+              <a:defRPr lang="zh-CN"/>
+            </a:defPPr>
+            <a:lvl1pPr marL="0" algn="ctr" defTabSz="914400" rtl="0" eaLnBrk="1" latinLnBrk="0" hangingPunct="1">
+              <a:defRPr sz="1200" kern="1200">
+                <a:solidFill>
+                  <a:schemeClr val="tx1">
+                    <a:tint val="75000"/>
+                  </a:schemeClr>
+                </a:solidFill>
+                <a:latin typeface="+mn-lt"/>
+                <a:ea typeface="+mn-ea"/>
+                <a:cs typeface="+mn-cs"/>
+              </a:defRPr>
+            </a:lvl1pPr>
+            <a:lvl2pPr marL="457200" algn="l" defTabSz="914400" rtl="0" eaLnBrk="1" latinLnBrk="0" hangingPunct="1">
+              <a:defRPr sz="1800" kern="1200">
+                <a:solidFill>
+                  <a:schemeClr val="tx1"/>
+                </a:solidFill>
+                <a:latin typeface="+mn-lt"/>
+                <a:ea typeface="+mn-ea"/>
+                <a:cs typeface="+mn-cs"/>
+              </a:defRPr>
+            </a:lvl2pPr>
+            <a:lvl3pPr marL="914400" algn="l" defTabSz="914400" rtl="0" eaLnBrk="1" latinLnBrk="0" hangingPunct="1">
+              <a:defRPr sz="1800" kern="1200">
+                <a:solidFill>
+                  <a:schemeClr val="tx1"/>
+                </a:solidFill>
+                <a:latin typeface="+mn-lt"/>
+                <a:ea typeface="+mn-ea"/>
+                <a:cs typeface="+mn-cs"/>
+              </a:defRPr>
+            </a:lvl3pPr>
+            <a:lvl4pPr marL="1371600" algn="l" defTabSz="914400" rtl="0" eaLnBrk="1" latinLnBrk="0" hangingPunct="1">
+              <a:defRPr sz="1800" kern="1200">
+                <a:solidFill>
+                  <a:schemeClr val="tx1"/>
+                </a:solidFill>
+                <a:latin typeface="+mn-lt"/>
+                <a:ea typeface="+mn-ea"/>
+                <a:cs typeface="+mn-cs"/>
+              </a:defRPr>
+            </a:lvl4pPr>
+            <a:lvl5pPr marL="1828800" algn="l" defTabSz="914400" rtl="0" eaLnBrk="1" latinLnBrk="0" hangingPunct="1">
+              <a:defRPr sz="1800" kern="1200">
+                <a:solidFill>
+                  <a:schemeClr val="tx1"/>
+                </a:solidFill>
+                <a:latin typeface="+mn-lt"/>
+                <a:ea typeface="+mn-ea"/>
+                <a:cs typeface="+mn-cs"/>
+              </a:defRPr>
+            </a:lvl5pPr>
+            <a:lvl6pPr marL="2286000" algn="l" defTabSz="914400" rtl="0" eaLnBrk="1" latinLnBrk="0" hangingPunct="1">
+              <a:defRPr sz="1800" kern="1200">
+                <a:solidFill>
+                  <a:schemeClr val="tx1"/>
+                </a:solidFill>
+                <a:latin typeface="+mn-lt"/>
+                <a:ea typeface="+mn-ea"/>
+                <a:cs typeface="+mn-cs"/>
+              </a:defRPr>
+            </a:lvl6pPr>
+            <a:lvl7pPr marL="2743200" algn="l" defTabSz="914400" rtl="0" eaLnBrk="1" latinLnBrk="0" hangingPunct="1">
+              <a:defRPr sz="1800" kern="1200">
+                <a:solidFill>
+                  <a:schemeClr val="tx1"/>
+                </a:solidFill>
+                <a:latin typeface="+mn-lt"/>
+                <a:ea typeface="+mn-ea"/>
+                <a:cs typeface="+mn-cs"/>
+              </a:defRPr>
+            </a:lvl7pPr>
+            <a:lvl8pPr marL="3200400" algn="l" defTabSz="914400" rtl="0" eaLnBrk="1" latinLnBrk="0" hangingPunct="1">
+              <a:defRPr sz="1800" kern="1200">
+                <a:solidFill>
+                  <a:schemeClr val="tx1"/>
+                </a:solidFill>
+                <a:latin typeface="+mn-lt"/>
+                <a:ea typeface="+mn-ea"/>
+                <a:cs typeface="+mn-cs"/>
+              </a:defRPr>
+            </a:lvl8pPr>
+            <a:lvl9pPr marL="3657600" algn="l" defTabSz="914400" rtl="0" eaLnBrk="1" latinLnBrk="0" hangingPunct="1">
+              <a:defRPr sz="1800" kern="1200">
+                <a:solidFill>
+                  <a:schemeClr val="tx1"/>
+                </a:solidFill>
+                <a:latin typeface="+mn-lt"/>
+                <a:ea typeface="+mn-ea"/>
+                <a:cs typeface="+mn-cs"/>
+              </a:defRPr>
+            </a:lvl9pPr>
+          </a:lstStyle>
+          <a:p>
+            <a:pPr algn="l"/>
+            <a:r>
+              <a:rPr lang="zh-CN" altLang="en-US" dirty="0" smtClean="0"/>
+              <a:t>隔离框架</a:t>
+            </a:r>
+            <a:endParaRPr lang="zh-CN" altLang="en-US" dirty="0"/>
+          </a:p>
+        </p:txBody>
+      </p:sp>
+    </p:spTree>
+    <p:extLst>
+      <p:ext uri="{BB962C8B-B14F-4D97-AF65-F5344CB8AC3E}">
+        <p14:creationId xmlns:p14="http://schemas.microsoft.com/office/powerpoint/2010/main" val="3189830497"/>
+      </p:ext>
+    </p:extLst>
+  </p:cSld>
+  <p:clrMapOvr>
+    <a:masterClrMapping/>
+  </p:clrMapOvr>
+</p:sld>
+</file>
+
+<file path=ppt/slides/slide15.xml><?xml version="1.0" encoding="utf-8"?>
 <p:sld xmlns:a="http://schemas.openxmlformats.org/drawingml/2006/main" xmlns:r="http://schemas.openxmlformats.org/officeDocument/2006/relationships" xmlns:p="http://schemas.openxmlformats.org/presentationml/2006/main">
   <p:cSld>
     <p:spTree>
@@ -18707,7 +19448,7 @@
             <a:fld id="{F4A2626E-A0A3-4722-B047-8920ED1A51E7}" type="slidenum">
               <a:rPr lang="zh-CN" altLang="en-US" smtClean="0"/>
               <a:pPr/>
-              <a:t>12</a:t>
+              <a:t>15</a:t>
             </a:fld>
             <a:endParaRPr lang="zh-CN" altLang="en-US" dirty="0"/>
           </a:p>
@@ -19417,7 +20158,7 @@
 </p:sld>
 </file>
 
-<file path=ppt/slides/slide13.xml><?xml version="1.0" encoding="utf-8"?>
+<file path=ppt/slides/slide16.xml><?xml version="1.0" encoding="utf-8"?>
 <p:sld xmlns:a="http://schemas.openxmlformats.org/drawingml/2006/main" xmlns:r="http://schemas.openxmlformats.org/officeDocument/2006/relationships" xmlns:p="http://schemas.openxmlformats.org/presentationml/2006/main">
   <p:cSld>
     <p:spTree>
@@ -19538,7 +20279,7 @@
             <a:fld id="{F4A2626E-A0A3-4722-B047-8920ED1A51E7}" type="slidenum">
               <a:rPr lang="zh-CN" altLang="en-US" smtClean="0"/>
               <a:pPr/>
-              <a:t>13</a:t>
+              <a:t>16</a:t>
             </a:fld>
             <a:endParaRPr lang="zh-CN" altLang="en-US" dirty="0"/>
           </a:p>
@@ -20312,7 +21053,7 @@
 </p:sld>
 </file>
 
-<file path=ppt/slides/slide14.xml><?xml version="1.0" encoding="utf-8"?>
+<file path=ppt/slides/slide17.xml><?xml version="1.0" encoding="utf-8"?>
 <p:sld xmlns:a="http://schemas.openxmlformats.org/drawingml/2006/main" xmlns:r="http://schemas.openxmlformats.org/officeDocument/2006/relationships" xmlns:p="http://schemas.openxmlformats.org/presentationml/2006/main">
   <p:cSld>
     <p:spTree>
@@ -20369,7 +21110,7 @@
             <a:fld id="{F4A2626E-A0A3-4722-B047-8920ED1A51E7}" type="slidenum">
               <a:rPr lang="zh-CN" altLang="en-US" smtClean="0"/>
               <a:pPr/>
-              <a:t>14</a:t>
+              <a:t>17</a:t>
             </a:fld>
             <a:endParaRPr lang="zh-CN" altLang="en-US" dirty="0"/>
           </a:p>
@@ -20525,7 +21266,7 @@
 </p:sld>
 </file>
 
-<file path=ppt/slides/slide15.xml><?xml version="1.0" encoding="utf-8"?>
+<file path=ppt/slides/slide18.xml><?xml version="1.0" encoding="utf-8"?>
 <p:sld xmlns:a="http://schemas.openxmlformats.org/drawingml/2006/main" xmlns:r="http://schemas.openxmlformats.org/officeDocument/2006/relationships" xmlns:p="http://schemas.openxmlformats.org/presentationml/2006/main">
   <p:cSld>
     <p:spTree>
@@ -20643,7 +21384,7 @@
             <a:fld id="{F4A2626E-A0A3-4722-B047-8920ED1A51E7}" type="slidenum">
               <a:rPr lang="zh-CN" altLang="en-US" smtClean="0"/>
               <a:pPr/>
-              <a:t>15</a:t>
+              <a:t>18</a:t>
             </a:fld>
             <a:endParaRPr lang="zh-CN" altLang="en-US" dirty="0"/>
           </a:p>
@@ -20669,7 +21410,7 @@
 </p:sld>
 </file>
 
-<file path=ppt/slides/slide16.xml><?xml version="1.0" encoding="utf-8"?>
+<file path=ppt/slides/slide19.xml><?xml version="1.0" encoding="utf-8"?>
 <p:sld xmlns:a="http://schemas.openxmlformats.org/drawingml/2006/main" xmlns:r="http://schemas.openxmlformats.org/officeDocument/2006/relationships" xmlns:p="http://schemas.openxmlformats.org/presentationml/2006/main">
   <p:cSld>
     <p:spTree>
@@ -20794,7 +21535,7 @@
             <a:fld id="{F4A2626E-A0A3-4722-B047-8920ED1A51E7}" type="slidenum">
               <a:rPr lang="zh-CN" altLang="en-US" smtClean="0"/>
               <a:pPr/>
-              <a:t>16</a:t>
+              <a:t>19</a:t>
             </a:fld>
             <a:endParaRPr lang="zh-CN" altLang="en-US" dirty="0"/>
           </a:p>
@@ -20820,7 +21561,92 @@
 </p:sld>
 </file>
 
-<file path=ppt/slides/slide17.xml><?xml version="1.0" encoding="utf-8"?>
+<file path=ppt/slides/slide2.xml><?xml version="1.0" encoding="utf-8"?>
+<p:sld xmlns:a="http://schemas.openxmlformats.org/drawingml/2006/main" xmlns:r="http://schemas.openxmlformats.org/officeDocument/2006/relationships" xmlns:p="http://schemas.openxmlformats.org/presentationml/2006/main">
+  <p:cSld>
+    <p:spTree>
+      <p:nvGrpSpPr>
+        <p:cNvPr id="1" name=""/>
+        <p:cNvGrpSpPr/>
+        <p:nvPr/>
+      </p:nvGrpSpPr>
+      <p:grpSpPr>
+        <a:xfrm>
+          <a:off x="0" y="0"/>
+          <a:ext cx="0" cy="0"/>
+          <a:chOff x="0" y="0"/>
+          <a:chExt cx="0" cy="0"/>
+        </a:xfrm>
+      </p:grpSpPr>
+      <p:sp>
+        <p:nvSpPr>
+          <p:cNvPr id="2" name="标题 1"/>
+          <p:cNvSpPr>
+            <a:spLocks noGrp="1"/>
+          </p:cNvSpPr>
+          <p:nvPr>
+            <p:ph type="title"/>
+          </p:nvPr>
+        </p:nvSpPr>
+        <p:spPr>
+          <a:xfrm>
+            <a:off x="759822" y="1384028"/>
+            <a:ext cx="10515600" cy="1325563"/>
+          </a:xfrm>
+        </p:spPr>
+        <p:txBody>
+          <a:bodyPr>
+            <a:normAutofit/>
+          </a:bodyPr>
+          <a:lstStyle/>
+          <a:p>
+            <a:pPr algn="ctr"/>
+            <a:r>
+              <a:rPr lang="zh-CN" altLang="en-US" sz="6000" dirty="0" smtClean="0"/>
+              <a:t>单元测试概论</a:t>
+            </a:r>
+            <a:endParaRPr lang="zh-CN" altLang="en-US" sz="6000" dirty="0"/>
+          </a:p>
+        </p:txBody>
+      </p:sp>
+      <p:sp>
+        <p:nvSpPr>
+          <p:cNvPr id="4" name="灯片编号占位符 3"/>
+          <p:cNvSpPr>
+            <a:spLocks noGrp="1"/>
+          </p:cNvSpPr>
+          <p:nvPr>
+            <p:ph type="sldNum" sz="quarter" idx="12"/>
+          </p:nvPr>
+        </p:nvSpPr>
+        <p:spPr/>
+        <p:txBody>
+          <a:bodyPr/>
+          <a:lstStyle/>
+          <a:p>
+            <a:fld id="{F4A2626E-A0A3-4722-B047-8920ED1A51E7}" type="slidenum">
+              <a:rPr lang="zh-CN" altLang="en-US" smtClean="0"/>
+              <a:pPr/>
+              <a:t>2</a:t>
+            </a:fld>
+            <a:endParaRPr lang="zh-CN" altLang="en-US"/>
+          </a:p>
+        </p:txBody>
+      </p:sp>
+    </p:spTree>
+    <p:extLst>
+      <p:ext uri="{BB962C8B-B14F-4D97-AF65-F5344CB8AC3E}">
+        <p14:creationId xmlns:p14="http://schemas.microsoft.com/office/powerpoint/2010/main" val="3738519081"/>
+      </p:ext>
+    </p:extLst>
+  </p:cSld>
+  <p:clrMapOvr>
+    <a:masterClrMapping/>
+  </p:clrMapOvr>
+</p:sld>
+</file>
+
+<file path=ppt/slides/slide20.xml><?xml version="1.0" encoding="utf-8"?>
 <p:sld xmlns:a="http://schemas.openxmlformats.org/drawingml/2006/main" xmlns:r="http://schemas.openxmlformats.org/officeDocument/2006/relationships" xmlns:p="http://schemas.openxmlformats.org/presentationml/2006/main">
   <p:cSld>
     <p:spTree>
@@ -20983,7 +21809,7 @@
             <a:fld id="{F4A2626E-A0A3-4722-B047-8920ED1A51E7}" type="slidenum">
               <a:rPr lang="zh-CN" altLang="en-US" smtClean="0"/>
               <a:pPr/>
-              <a:t>17</a:t>
+              <a:t>20</a:t>
             </a:fld>
             <a:endParaRPr lang="zh-CN" altLang="en-US" dirty="0"/>
           </a:p>
@@ -21009,7 +21835,7 @@
 </p:sld>
 </file>
 
-<file path=ppt/slides/slide18.xml><?xml version="1.0" encoding="utf-8"?>
+<file path=ppt/slides/slide21.xml><?xml version="1.0" encoding="utf-8"?>
 <p:sld xmlns:a="http://schemas.openxmlformats.org/drawingml/2006/main" xmlns:r="http://schemas.openxmlformats.org/officeDocument/2006/relationships" xmlns:p="http://schemas.openxmlformats.org/presentationml/2006/main">
   <p:cSld>
     <p:spTree>
@@ -21036,47 +21862,32 @@
             <p:ph type="title"/>
           </p:nvPr>
         </p:nvSpPr>
-        <p:spPr/>
+        <p:spPr>
+          <a:xfrm>
+            <a:off x="977537" y="2194333"/>
+            <a:ext cx="10515600" cy="1325563"/>
+          </a:xfrm>
+        </p:spPr>
         <p:txBody>
-          <a:bodyPr/>
+          <a:bodyPr>
+            <a:normAutofit/>
+          </a:bodyPr>
           <a:lstStyle/>
           <a:p>
+            <a:pPr algn="ctr"/>
             <a:r>
-              <a:rPr lang="zh-CN" altLang="en-US" dirty="0" smtClean="0"/>
+              <a:rPr lang="zh-CN" altLang="en-US" sz="6000" dirty="0" smtClean="0"/>
               <a:t>衡量单元测试的标准</a:t>
             </a:r>
             <a:r>
-              <a:rPr lang="en-US" altLang="zh-CN" dirty="0" smtClean="0"/>
+              <a:rPr lang="en-US" altLang="zh-CN" sz="6000" dirty="0" smtClean="0"/>
               <a:t>----</a:t>
             </a:r>
             <a:r>
-              <a:rPr lang="zh-CN" altLang="en-US" dirty="0" smtClean="0"/>
+              <a:rPr lang="zh-CN" altLang="en-US" sz="6000" dirty="0" smtClean="0"/>
               <a:t>覆盖率</a:t>
             </a:r>
-            <a:endParaRPr lang="zh-CN" altLang="en-US" dirty="0"/>
-          </a:p>
-        </p:txBody>
-      </p:sp>
-      <p:sp>
-        <p:nvSpPr>
-          <p:cNvPr id="6" name="页脚占位符 5"/>
-          <p:cNvSpPr>
-            <a:spLocks noGrp="1"/>
-          </p:cNvSpPr>
-          <p:nvPr>
-            <p:ph type="ftr" sz="quarter" idx="11"/>
-          </p:nvPr>
-        </p:nvSpPr>
-        <p:spPr/>
-        <p:txBody>
-          <a:bodyPr/>
-          <a:lstStyle/>
-          <a:p>
-            <a:r>
-              <a:rPr lang="zh-CN" altLang="en-US" smtClean="0"/>
-              <a:t>单元测试覆盖率</a:t>
-            </a:r>
-            <a:endParaRPr lang="zh-CN" altLang="en-US" dirty="0"/>
+            <a:endParaRPr lang="zh-CN" altLang="en-US" sz="6000" dirty="0"/>
           </a:p>
         </p:txBody>
       </p:sp>
@@ -21098,7 +21909,7 @@
             <a:fld id="{F4A2626E-A0A3-4722-B047-8920ED1A51E7}" type="slidenum">
               <a:rPr lang="zh-CN" altLang="en-US" smtClean="0"/>
               <a:pPr/>
-              <a:t>18</a:t>
+              <a:t>21</a:t>
             </a:fld>
             <a:endParaRPr lang="zh-CN" altLang="en-US" dirty="0"/>
           </a:p>
@@ -21124,7 +21935,7 @@
 </p:sld>
 </file>
 
-<file path=ppt/slides/slide19.xml><?xml version="1.0" encoding="utf-8"?>
+<file path=ppt/slides/slide22.xml><?xml version="1.0" encoding="utf-8"?>
 <p:sld xmlns:a="http://schemas.openxmlformats.org/drawingml/2006/main" xmlns:r="http://schemas.openxmlformats.org/officeDocument/2006/relationships" xmlns:p="http://schemas.openxmlformats.org/presentationml/2006/main">
   <p:cSld>
     <p:spTree>
@@ -21267,11 +22078,7 @@
           <a:p>
             <a:r>
               <a:rPr lang="zh-CN" altLang="en-US" dirty="0" smtClean="0"/>
-              <a:t>单元测试</a:t>
-            </a:r>
-            <a:r>
-              <a:rPr lang="zh-CN" altLang="en-US" dirty="0" smtClean="0"/>
-              <a:t>覆盖率</a:t>
+              <a:t>单元测试覆盖率</a:t>
             </a:r>
             <a:endParaRPr lang="zh-CN" altLang="en-US" dirty="0"/>
           </a:p>
@@ -21295,7 +22102,7 @@
             <a:fld id="{F4A2626E-A0A3-4722-B047-8920ED1A51E7}" type="slidenum">
               <a:rPr lang="zh-CN" altLang="en-US" smtClean="0"/>
               <a:pPr/>
-              <a:t>19</a:t>
+              <a:t>22</a:t>
             </a:fld>
             <a:endParaRPr lang="zh-CN" altLang="en-US" dirty="0"/>
           </a:p>
@@ -21321,147 +22128,7 @@
 </p:sld>
 </file>
 
-<file path=ppt/slides/slide2.xml><?xml version="1.0" encoding="utf-8"?>
-<p:sld xmlns:a="http://schemas.openxmlformats.org/drawingml/2006/main" xmlns:r="http://schemas.openxmlformats.org/officeDocument/2006/relationships" xmlns:p="http://schemas.openxmlformats.org/presentationml/2006/main">
-  <p:cSld>
-    <p:spTree>
-      <p:nvGrpSpPr>
-        <p:cNvPr id="1" name=""/>
-        <p:cNvGrpSpPr/>
-        <p:nvPr/>
-      </p:nvGrpSpPr>
-      <p:grpSpPr>
-        <a:xfrm>
-          <a:off x="0" y="0"/>
-          <a:ext cx="0" cy="0"/>
-          <a:chOff x="0" y="0"/>
-          <a:chExt cx="0" cy="0"/>
-        </a:xfrm>
-      </p:grpSpPr>
-      <p:sp>
-        <p:nvSpPr>
-          <p:cNvPr id="2" name="标题 1"/>
-          <p:cNvSpPr>
-            <a:spLocks noGrp="1"/>
-          </p:cNvSpPr>
-          <p:nvPr>
-            <p:ph type="title"/>
-          </p:nvPr>
-        </p:nvSpPr>
-        <p:spPr>
-          <a:xfrm>
-            <a:off x="838200" y="478744"/>
-            <a:ext cx="10515600" cy="696913"/>
-          </a:xfrm>
-        </p:spPr>
-        <p:txBody>
-          <a:bodyPr/>
-          <a:lstStyle/>
-          <a:p>
-            <a:r>
-              <a:rPr lang="zh-CN" altLang="en-US" dirty="0" smtClean="0"/>
-              <a:t>优秀单元测试的</a:t>
-            </a:r>
-            <a:r>
-              <a:rPr lang="zh-CN" altLang="en-US" dirty="0"/>
-              <a:t>特性</a:t>
-            </a:r>
-          </a:p>
-        </p:txBody>
-      </p:sp>
-      <p:graphicFrame>
-        <p:nvGraphicFramePr>
-          <p:cNvPr id="14" name="内容占位符 13"/>
-          <p:cNvGraphicFramePr>
-            <a:graphicFrameLocks noGrp="1"/>
-          </p:cNvGraphicFramePr>
-          <p:nvPr>
-            <p:ph idx="1"/>
-            <p:extLst>
-              <p:ext uri="{D42A27DB-BD31-4B8C-83A1-F6EECF244321}">
-                <p14:modId xmlns:p14="http://schemas.microsoft.com/office/powerpoint/2010/main" val="2703503720"/>
-              </p:ext>
-            </p:extLst>
-          </p:nvPr>
-        </p:nvGraphicFramePr>
-        <p:xfrm>
-          <a:off x="838200" y="1318078"/>
-          <a:ext cx="10515600" cy="4751796"/>
-        </p:xfrm>
-        <a:graphic>
-          <a:graphicData uri="http://schemas.openxmlformats.org/drawingml/2006/diagram">
-            <dgm:relIds xmlns:dgm="http://schemas.openxmlformats.org/drawingml/2006/diagram" xmlns:r="http://schemas.openxmlformats.org/officeDocument/2006/relationships" r:dm="rId2" r:lo="rId3" r:qs="rId4" r:cs="rId5"/>
-          </a:graphicData>
-        </a:graphic>
-      </p:graphicFrame>
-      <p:sp>
-        <p:nvSpPr>
-          <p:cNvPr id="6" name="页脚占位符 5"/>
-          <p:cNvSpPr>
-            <a:spLocks noGrp="1"/>
-          </p:cNvSpPr>
-          <p:nvPr>
-            <p:ph type="ftr" sz="quarter" idx="11"/>
-          </p:nvPr>
-        </p:nvSpPr>
-        <p:spPr/>
-        <p:txBody>
-          <a:bodyPr/>
-          <a:lstStyle/>
-          <a:p>
-            <a:r>
-              <a:rPr lang="zh-CN" altLang="en-US" dirty="0" smtClean="0"/>
-              <a:t>单元测试概论</a:t>
-            </a:r>
-            <a:endParaRPr lang="zh-CN" altLang="en-US" dirty="0"/>
-          </a:p>
-        </p:txBody>
-      </p:sp>
-      <p:sp>
-        <p:nvSpPr>
-          <p:cNvPr id="7" name="灯片编号占位符 6"/>
-          <p:cNvSpPr>
-            <a:spLocks noGrp="1"/>
-          </p:cNvSpPr>
-          <p:nvPr>
-            <p:ph type="sldNum" sz="quarter" idx="12"/>
-          </p:nvPr>
-        </p:nvSpPr>
-        <p:spPr/>
-        <p:txBody>
-          <a:bodyPr/>
-          <a:lstStyle/>
-          <a:p>
-            <a:fld id="{F4A2626E-A0A3-4722-B047-8920ED1A51E7}" type="slidenum">
-              <a:rPr lang="zh-CN" altLang="en-US" smtClean="0"/>
-              <a:pPr/>
-              <a:t>2</a:t>
-            </a:fld>
-            <a:endParaRPr lang="zh-CN" altLang="en-US" dirty="0"/>
-          </a:p>
-        </p:txBody>
-      </p:sp>
-    </p:spTree>
-    <p:extLst>
-      <p:ext uri="{BB962C8B-B14F-4D97-AF65-F5344CB8AC3E}">
-        <p14:creationId xmlns:p14="http://schemas.microsoft.com/office/powerpoint/2010/main" val="2276224563"/>
-      </p:ext>
-    </p:extLst>
-  </p:cSld>
-  <p:clrMapOvr>
-    <a:masterClrMapping/>
-  </p:clrMapOvr>
-  <p:timing>
-    <p:tnLst>
-      <p:par>
-        <p:cTn id="1" dur="indefinite" restart="never" nodeType="tmRoot"/>
-      </p:par>
-    </p:tnLst>
-  </p:timing>
-</p:sld>
-</file>
-
-<file path=ppt/slides/slide20.xml><?xml version="1.0" encoding="utf-8"?>
+<file path=ppt/slides/slide23.xml><?xml version="1.0" encoding="utf-8"?>
 <p:sld xmlns:a="http://schemas.openxmlformats.org/drawingml/2006/main" xmlns:r="http://schemas.openxmlformats.org/officeDocument/2006/relationships" xmlns:p="http://schemas.openxmlformats.org/presentationml/2006/main">
   <p:cSld>
     <p:spTree>
@@ -21510,11 +22177,7 @@
             </a:r>
             <a:r>
               <a:rPr lang="zh-CN" altLang="en-US" sz="2800" dirty="0" smtClean="0"/>
-              <a:t>自动</a:t>
-            </a:r>
-            <a:r>
-              <a:rPr lang="zh-CN" altLang="en-US" sz="2800" dirty="0" smtClean="0"/>
-              <a:t>构建</a:t>
+              <a:t>自动构建</a:t>
             </a:r>
             <a:endParaRPr lang="zh-CN" altLang="en-US" sz="2800" dirty="0"/>
           </a:p>
@@ -21586,7 +22249,7 @@
             <a:fld id="{F4A2626E-A0A3-4722-B047-8920ED1A51E7}" type="slidenum">
               <a:rPr lang="zh-CN" altLang="en-US" smtClean="0"/>
               <a:pPr/>
-              <a:t>20</a:t>
+              <a:t>23</a:t>
             </a:fld>
             <a:endParaRPr lang="zh-CN" altLang="en-US" dirty="0"/>
           </a:p>
@@ -21612,7 +22275,7 @@
 </p:sld>
 </file>
 
-<file path=ppt/slides/slide21.xml><?xml version="1.0" encoding="utf-8"?>
+<file path=ppt/slides/slide24.xml><?xml version="1.0" encoding="utf-8"?>
 <p:sld xmlns:a="http://schemas.openxmlformats.org/drawingml/2006/main" xmlns:r="http://schemas.openxmlformats.org/officeDocument/2006/relationships" xmlns:p="http://schemas.openxmlformats.org/presentationml/2006/main">
   <p:cSld>
     <p:spTree>
@@ -21675,7 +22338,7 @@
             <a:fld id="{F4A2626E-A0A3-4722-B047-8920ED1A51E7}" type="slidenum">
               <a:rPr lang="zh-CN" altLang="en-US" smtClean="0"/>
               <a:pPr/>
-              <a:t>21</a:t>
+              <a:t>24</a:t>
             </a:fld>
             <a:endParaRPr lang="zh-CN" altLang="en-US"/>
           </a:p>
@@ -21731,7 +22394,7 @@
 </p:sld>
 </file>
 
-<file path=ppt/slides/slide22.xml><?xml version="1.0" encoding="utf-8"?>
+<file path=ppt/slides/slide25.xml><?xml version="1.0" encoding="utf-8"?>
 <p:sld xmlns:a="http://schemas.openxmlformats.org/drawingml/2006/main" xmlns:r="http://schemas.openxmlformats.org/officeDocument/2006/relationships" xmlns:p="http://schemas.openxmlformats.org/presentationml/2006/main">
   <p:cSld>
     <p:spTree>
@@ -21794,7 +22457,7 @@
             <a:fld id="{F4A2626E-A0A3-4722-B047-8920ED1A51E7}" type="slidenum">
               <a:rPr lang="zh-CN" altLang="en-US" smtClean="0"/>
               <a:pPr/>
-              <a:t>22</a:t>
+              <a:t>25</a:t>
             </a:fld>
             <a:endParaRPr lang="zh-CN" altLang="en-US"/>
           </a:p>
@@ -21850,7 +22513,7 @@
 </p:sld>
 </file>
 
-<file path=ppt/slides/slide23.xml><?xml version="1.0" encoding="utf-8"?>
+<file path=ppt/slides/slide26.xml><?xml version="1.0" encoding="utf-8"?>
 <p:sld xmlns:a="http://schemas.openxmlformats.org/drawingml/2006/main" xmlns:r="http://schemas.openxmlformats.org/officeDocument/2006/relationships" xmlns:p="http://schemas.openxmlformats.org/presentationml/2006/main">
   <p:cSld>
     <p:spTree>
@@ -21912,7 +22575,7 @@
             <a:fld id="{F4A2626E-A0A3-4722-B047-8920ED1A51E7}" type="slidenum">
               <a:rPr lang="zh-CN" altLang="en-US" smtClean="0"/>
               <a:pPr/>
-              <a:t>23</a:t>
+              <a:t>26</a:t>
             </a:fld>
             <a:endParaRPr lang="zh-CN" altLang="en-US"/>
           </a:p>
@@ -21968,7 +22631,7 @@
 </p:sld>
 </file>
 
-<file path=ppt/slides/slide24.xml><?xml version="1.0" encoding="utf-8"?>
+<file path=ppt/slides/slide27.xml><?xml version="1.0" encoding="utf-8"?>
 <p:sld xmlns:a="http://schemas.openxmlformats.org/drawingml/2006/main" xmlns:r="http://schemas.openxmlformats.org/officeDocument/2006/relationships" xmlns:p="http://schemas.openxmlformats.org/presentationml/2006/main">
   <p:cSld>
     <p:spTree>
@@ -22030,7 +22693,7 @@
             <a:fld id="{F4A2626E-A0A3-4722-B047-8920ED1A51E7}" type="slidenum">
               <a:rPr lang="zh-CN" altLang="en-US" smtClean="0"/>
               <a:pPr/>
-              <a:t>24</a:t>
+              <a:t>27</a:t>
             </a:fld>
             <a:endParaRPr lang="zh-CN" altLang="en-US"/>
           </a:p>
@@ -22086,7 +22749,7 @@
 </p:sld>
 </file>
 
-<file path=ppt/slides/slide25.xml><?xml version="1.0" encoding="utf-8"?>
+<file path=ppt/slides/slide28.xml><?xml version="1.0" encoding="utf-8"?>
 <p:sld xmlns:a="http://schemas.openxmlformats.org/drawingml/2006/main" xmlns:r="http://schemas.openxmlformats.org/officeDocument/2006/relationships" xmlns:p="http://schemas.openxmlformats.org/presentationml/2006/main">
   <p:cSld>
     <p:spTree>
@@ -22466,7 +23129,7 @@
             <a:fld id="{F4A2626E-A0A3-4722-B047-8920ED1A51E7}" type="slidenum">
               <a:rPr lang="zh-CN" altLang="en-US" smtClean="0"/>
               <a:pPr/>
-              <a:t>25</a:t>
+              <a:t>28</a:t>
             </a:fld>
             <a:endParaRPr lang="zh-CN" altLang="en-US" dirty="0"/>
           </a:p>
@@ -22492,7 +23155,7 @@
 </p:sld>
 </file>
 
-<file path=ppt/slides/slide26.xml><?xml version="1.0" encoding="utf-8"?>
+<file path=ppt/slides/slide29.xml><?xml version="1.0" encoding="utf-8"?>
 <p:sld xmlns:a="http://schemas.openxmlformats.org/drawingml/2006/main" xmlns:r="http://schemas.openxmlformats.org/officeDocument/2006/relationships" xmlns:p="http://schemas.openxmlformats.org/presentationml/2006/main">
   <p:cSld>
     <p:spTree>
@@ -22663,7 +23326,7 @@
             <a:fld id="{F4A2626E-A0A3-4722-B047-8920ED1A51E7}" type="slidenum">
               <a:rPr lang="zh-CN" altLang="en-US" smtClean="0"/>
               <a:pPr/>
-              <a:t>26</a:t>
+              <a:t>29</a:t>
             </a:fld>
             <a:endParaRPr lang="zh-CN" altLang="en-US" dirty="0"/>
           </a:p>
@@ -22689,7 +23352,253 @@
 </p:sld>
 </file>
 
-<file path=ppt/slides/slide27.xml><?xml version="1.0" encoding="utf-8"?>
+<file path=ppt/slides/slide3.xml><?xml version="1.0" encoding="utf-8"?>
+<p:sld xmlns:a="http://schemas.openxmlformats.org/drawingml/2006/main" xmlns:r="http://schemas.openxmlformats.org/officeDocument/2006/relationships" xmlns:p="http://schemas.openxmlformats.org/presentationml/2006/main">
+  <p:cSld>
+    <p:spTree>
+      <p:nvGrpSpPr>
+        <p:cNvPr id="1" name=""/>
+        <p:cNvGrpSpPr/>
+        <p:nvPr/>
+      </p:nvGrpSpPr>
+      <p:grpSpPr>
+        <a:xfrm>
+          <a:off x="0" y="0"/>
+          <a:ext cx="0" cy="0"/>
+          <a:chOff x="0" y="0"/>
+          <a:chExt cx="0" cy="0"/>
+        </a:xfrm>
+      </p:grpSpPr>
+      <p:sp>
+        <p:nvSpPr>
+          <p:cNvPr id="2" name="标题 1"/>
+          <p:cNvSpPr>
+            <a:spLocks noGrp="1"/>
+          </p:cNvSpPr>
+          <p:nvPr>
+            <p:ph type="title"/>
+          </p:nvPr>
+        </p:nvSpPr>
+        <p:spPr>
+          <a:xfrm>
+            <a:off x="838200" y="478744"/>
+            <a:ext cx="10515600" cy="696913"/>
+          </a:xfrm>
+        </p:spPr>
+        <p:txBody>
+          <a:bodyPr/>
+          <a:lstStyle/>
+          <a:p>
+            <a:r>
+              <a:rPr lang="zh-CN" altLang="en-US" dirty="0" smtClean="0"/>
+              <a:t>优秀单元测试的</a:t>
+            </a:r>
+            <a:r>
+              <a:rPr lang="zh-CN" altLang="en-US" dirty="0"/>
+              <a:t>特性</a:t>
+            </a:r>
+          </a:p>
+        </p:txBody>
+      </p:sp>
+      <p:graphicFrame>
+        <p:nvGraphicFramePr>
+          <p:cNvPr id="14" name="内容占位符 13"/>
+          <p:cNvGraphicFramePr>
+            <a:graphicFrameLocks noGrp="1"/>
+          </p:cNvGraphicFramePr>
+          <p:nvPr>
+            <p:ph idx="1"/>
+            <p:extLst>
+              <p:ext uri="{D42A27DB-BD31-4B8C-83A1-F6EECF244321}">
+                <p14:modId xmlns:p14="http://schemas.microsoft.com/office/powerpoint/2010/main" val="2703503720"/>
+              </p:ext>
+            </p:extLst>
+          </p:nvPr>
+        </p:nvGraphicFramePr>
+        <p:xfrm>
+          <a:off x="838200" y="1318078"/>
+          <a:ext cx="10515600" cy="4751796"/>
+        </p:xfrm>
+        <a:graphic>
+          <a:graphicData uri="http://schemas.openxmlformats.org/drawingml/2006/diagram">
+            <dgm:relIds xmlns:dgm="http://schemas.openxmlformats.org/drawingml/2006/diagram" xmlns:r="http://schemas.openxmlformats.org/officeDocument/2006/relationships" r:dm="rId2" r:lo="rId3" r:qs="rId4" r:cs="rId5"/>
+          </a:graphicData>
+        </a:graphic>
+      </p:graphicFrame>
+      <p:sp>
+        <p:nvSpPr>
+          <p:cNvPr id="6" name="页脚占位符 5"/>
+          <p:cNvSpPr>
+            <a:spLocks noGrp="1"/>
+          </p:cNvSpPr>
+          <p:nvPr>
+            <p:ph type="ftr" sz="quarter" idx="11"/>
+          </p:nvPr>
+        </p:nvSpPr>
+        <p:spPr/>
+        <p:txBody>
+          <a:bodyPr/>
+          <a:lstStyle/>
+          <a:p>
+            <a:r>
+              <a:rPr lang="zh-CN" altLang="en-US" dirty="0" smtClean="0"/>
+              <a:t>单元测试概论</a:t>
+            </a:r>
+            <a:endParaRPr lang="zh-CN" altLang="en-US" dirty="0"/>
+          </a:p>
+        </p:txBody>
+      </p:sp>
+      <p:sp>
+        <p:nvSpPr>
+          <p:cNvPr id="7" name="灯片编号占位符 6"/>
+          <p:cNvSpPr>
+            <a:spLocks noGrp="1"/>
+          </p:cNvSpPr>
+          <p:nvPr>
+            <p:ph type="sldNum" sz="quarter" idx="12"/>
+          </p:nvPr>
+        </p:nvSpPr>
+        <p:spPr/>
+        <p:txBody>
+          <a:bodyPr/>
+          <a:lstStyle/>
+          <a:p>
+            <a:fld id="{F4A2626E-A0A3-4722-B047-8920ED1A51E7}" type="slidenum">
+              <a:rPr lang="zh-CN" altLang="en-US" smtClean="0"/>
+              <a:pPr/>
+              <a:t>3</a:t>
+            </a:fld>
+            <a:endParaRPr lang="zh-CN" altLang="en-US" dirty="0"/>
+          </a:p>
+        </p:txBody>
+      </p:sp>
+    </p:spTree>
+    <p:extLst>
+      <p:ext uri="{BB962C8B-B14F-4D97-AF65-F5344CB8AC3E}">
+        <p14:creationId xmlns:p14="http://schemas.microsoft.com/office/powerpoint/2010/main" val="2276224563"/>
+      </p:ext>
+    </p:extLst>
+  </p:cSld>
+  <p:clrMapOvr>
+    <a:masterClrMapping/>
+  </p:clrMapOvr>
+  <p:timing>
+    <p:tnLst>
+      <p:par>
+        <p:cTn id="1" dur="indefinite" restart="never" nodeType="tmRoot"/>
+      </p:par>
+    </p:tnLst>
+  </p:timing>
+</p:sld>
+</file>
+
+<file path=ppt/slides/slide30.xml><?xml version="1.0" encoding="utf-8"?>
+<p:sld xmlns:a="http://schemas.openxmlformats.org/drawingml/2006/main" xmlns:r="http://schemas.openxmlformats.org/officeDocument/2006/relationships" xmlns:p="http://schemas.openxmlformats.org/presentationml/2006/main">
+  <p:cSld>
+    <p:spTree>
+      <p:nvGrpSpPr>
+        <p:cNvPr id="1" name=""/>
+        <p:cNvGrpSpPr/>
+        <p:nvPr/>
+      </p:nvGrpSpPr>
+      <p:grpSpPr>
+        <a:xfrm>
+          <a:off x="0" y="0"/>
+          <a:ext cx="0" cy="0"/>
+          <a:chOff x="0" y="0"/>
+          <a:chExt cx="0" cy="0"/>
+        </a:xfrm>
+      </p:grpSpPr>
+      <p:sp>
+        <p:nvSpPr>
+          <p:cNvPr id="2" name="标题 1"/>
+          <p:cNvSpPr>
+            <a:spLocks noGrp="1"/>
+          </p:cNvSpPr>
+          <p:nvPr>
+            <p:ph type="title"/>
+          </p:nvPr>
+        </p:nvSpPr>
+        <p:spPr>
+          <a:xfrm>
+            <a:off x="716281" y="1619160"/>
+            <a:ext cx="10515600" cy="1325563"/>
+          </a:xfrm>
+        </p:spPr>
+        <p:txBody>
+          <a:bodyPr/>
+          <a:lstStyle/>
+          <a:p>
+            <a:pPr algn="ctr"/>
+            <a:r>
+              <a:rPr lang="zh-CN" altLang="en-US" sz="6000" dirty="0" smtClean="0"/>
+              <a:t>实 施</a:t>
+            </a:r>
+            <a:endParaRPr lang="zh-CN" altLang="en-US" sz="6000" dirty="0"/>
+          </a:p>
+        </p:txBody>
+      </p:sp>
+      <p:sp>
+        <p:nvSpPr>
+          <p:cNvPr id="3" name="页脚占位符 2"/>
+          <p:cNvSpPr>
+            <a:spLocks noGrp="1"/>
+          </p:cNvSpPr>
+          <p:nvPr>
+            <p:ph type="ftr" sz="quarter" idx="11"/>
+          </p:nvPr>
+        </p:nvSpPr>
+        <p:spPr/>
+        <p:txBody>
+          <a:bodyPr/>
+          <a:lstStyle/>
+          <a:p>
+            <a:r>
+              <a:rPr lang="zh-CN" altLang="en-US" smtClean="0"/>
+              <a:t>单元测试概论</a:t>
+            </a:r>
+            <a:endParaRPr lang="zh-CN" altLang="en-US"/>
+          </a:p>
+        </p:txBody>
+      </p:sp>
+      <p:sp>
+        <p:nvSpPr>
+          <p:cNvPr id="4" name="灯片编号占位符 3"/>
+          <p:cNvSpPr>
+            <a:spLocks noGrp="1"/>
+          </p:cNvSpPr>
+          <p:nvPr>
+            <p:ph type="sldNum" sz="quarter" idx="12"/>
+          </p:nvPr>
+        </p:nvSpPr>
+        <p:spPr/>
+        <p:txBody>
+          <a:bodyPr/>
+          <a:lstStyle/>
+          <a:p>
+            <a:fld id="{F4A2626E-A0A3-4722-B047-8920ED1A51E7}" type="slidenum">
+              <a:rPr lang="zh-CN" altLang="en-US" smtClean="0"/>
+              <a:pPr/>
+              <a:t>30</a:t>
+            </a:fld>
+            <a:endParaRPr lang="zh-CN" altLang="en-US"/>
+          </a:p>
+        </p:txBody>
+      </p:sp>
+    </p:spTree>
+    <p:extLst>
+      <p:ext uri="{BB962C8B-B14F-4D97-AF65-F5344CB8AC3E}">
+        <p14:creationId xmlns:p14="http://schemas.microsoft.com/office/powerpoint/2010/main" val="3554741049"/>
+      </p:ext>
+    </p:extLst>
+  </p:cSld>
+  <p:clrMapOvr>
+    <a:masterClrMapping/>
+  </p:clrMapOvr>
+</p:sld>
+</file>
+
+<file path=ppt/slides/slide31.xml><?xml version="1.0" encoding="utf-8"?>
 <p:sld xmlns:a="http://schemas.openxmlformats.org/drawingml/2006/main" xmlns:r="http://schemas.openxmlformats.org/officeDocument/2006/relationships" xmlns:p="http://schemas.openxmlformats.org/presentationml/2006/main">
   <p:cSld>
     <p:spTree>
@@ -23404,7 +24313,7 @@
             <a:fld id="{F4A2626E-A0A3-4722-B047-8920ED1A51E7}" type="slidenum">
               <a:rPr lang="zh-CN" altLang="en-US" smtClean="0"/>
               <a:pPr/>
-              <a:t>27</a:t>
+              <a:t>31</a:t>
             </a:fld>
             <a:endParaRPr lang="zh-CN" altLang="en-US" dirty="0"/>
           </a:p>
@@ -23425,7 +24334,7 @@
 </p:sld>
 </file>
 
-<file path=ppt/slides/slide28.xml><?xml version="1.0" encoding="utf-8"?>
+<file path=ppt/slides/slide32.xml><?xml version="1.0" encoding="utf-8"?>
 <p:sld xmlns:a="http://schemas.openxmlformats.org/drawingml/2006/main" xmlns:r="http://schemas.openxmlformats.org/officeDocument/2006/relationships" xmlns:p="http://schemas.openxmlformats.org/presentationml/2006/main">
   <p:cSld>
     <p:spTree>
@@ -23558,7 +24467,6 @@
               <a:rPr lang="zh-CN" altLang="en-US" dirty="0" smtClean="0"/>
               <a:t>工具</a:t>
             </a:r>
-            <a:endParaRPr lang="zh-CN" altLang="en-US" dirty="0" smtClean="0"/>
           </a:p>
           <a:p>
             <a:pPr lvl="2"/>
@@ -23621,7 +24529,7 @@
             <a:fld id="{F4A2626E-A0A3-4722-B047-8920ED1A51E7}" type="slidenum">
               <a:rPr lang="zh-CN" altLang="en-US" smtClean="0"/>
               <a:pPr/>
-              <a:t>28</a:t>
+              <a:t>32</a:t>
             </a:fld>
             <a:endParaRPr lang="zh-CN" altLang="en-US" dirty="0"/>
           </a:p>
@@ -23647,7 +24555,7 @@
 </p:sld>
 </file>
 
-<file path=ppt/slides/slide29.xml><?xml version="1.0" encoding="utf-8"?>
+<file path=ppt/slides/slide33.xml><?xml version="1.0" encoding="utf-8"?>
 <p:sld xmlns:a="http://schemas.openxmlformats.org/drawingml/2006/main" xmlns:r="http://schemas.openxmlformats.org/officeDocument/2006/relationships" xmlns:p="http://schemas.openxmlformats.org/presentationml/2006/main">
   <p:cSld>
     <p:spTree>
@@ -23814,7 +24722,7 @@
             <a:fld id="{F4A2626E-A0A3-4722-B047-8920ED1A51E7}" type="slidenum">
               <a:rPr lang="zh-CN" altLang="en-US" smtClean="0"/>
               <a:pPr/>
-              <a:t>29</a:t>
+              <a:t>33</a:t>
             </a:fld>
             <a:endParaRPr lang="zh-CN" altLang="en-US" dirty="0"/>
           </a:p>
@@ -23835,7 +24743,386 @@
 </p:sld>
 </file>
 
-<file path=ppt/slides/slide3.xml><?xml version="1.0" encoding="utf-8"?>
+<file path=ppt/slides/slide34.xml><?xml version="1.0" encoding="utf-8"?>
+<p:sld xmlns:a="http://schemas.openxmlformats.org/drawingml/2006/main" xmlns:r="http://schemas.openxmlformats.org/officeDocument/2006/relationships" xmlns:p="http://schemas.openxmlformats.org/presentationml/2006/main">
+  <p:cSld>
+    <p:spTree>
+      <p:nvGrpSpPr>
+        <p:cNvPr id="1" name=""/>
+        <p:cNvGrpSpPr/>
+        <p:nvPr/>
+      </p:nvGrpSpPr>
+      <p:grpSpPr>
+        <a:xfrm>
+          <a:off x="0" y="0"/>
+          <a:ext cx="0" cy="0"/>
+          <a:chOff x="0" y="0"/>
+          <a:chExt cx="0" cy="0"/>
+        </a:xfrm>
+      </p:grpSpPr>
+      <p:sp>
+        <p:nvSpPr>
+          <p:cNvPr id="2" name="标题 1"/>
+          <p:cNvSpPr>
+            <a:spLocks noGrp="1"/>
+          </p:cNvSpPr>
+          <p:nvPr>
+            <p:ph type="title"/>
+          </p:nvPr>
+        </p:nvSpPr>
+        <p:spPr/>
+        <p:txBody>
+          <a:bodyPr/>
+          <a:lstStyle/>
+          <a:p>
+            <a:r>
+              <a:rPr lang="zh-CN" altLang="en-US" dirty="0" smtClean="0"/>
+              <a:t>推荐资源</a:t>
+            </a:r>
+            <a:endParaRPr lang="zh-CN" altLang="en-US" dirty="0"/>
+          </a:p>
+        </p:txBody>
+      </p:sp>
+      <p:pic>
+        <p:nvPicPr>
+          <p:cNvPr id="6" name="内容占位符 5" descr="54100b1cN6e37a5fc.jpg"/>
+          <p:cNvPicPr>
+            <a:picLocks noGrp="1" noChangeAspect="1"/>
+          </p:cNvPicPr>
+          <p:nvPr>
+            <p:ph idx="1"/>
+          </p:nvPr>
+        </p:nvPicPr>
+        <p:blipFill>
+          <a:blip r:embed="rId2"/>
+          <a:stretch>
+            <a:fillRect/>
+          </a:stretch>
+        </p:blipFill>
+        <p:spPr>
+          <a:xfrm>
+            <a:off x="5968744" y="1464379"/>
+            <a:ext cx="4906811" cy="4721931"/>
+          </a:xfrm>
+        </p:spPr>
+      </p:pic>
+      <p:sp>
+        <p:nvSpPr>
+          <p:cNvPr id="4" name="页脚占位符 3"/>
+          <p:cNvSpPr>
+            <a:spLocks noGrp="1"/>
+          </p:cNvSpPr>
+          <p:nvPr>
+            <p:ph type="ftr" sz="quarter" idx="11"/>
+          </p:nvPr>
+        </p:nvSpPr>
+        <p:spPr/>
+        <p:txBody>
+          <a:bodyPr/>
+          <a:lstStyle/>
+          <a:p>
+            <a:r>
+              <a:rPr lang="zh-CN" altLang="en-US" smtClean="0"/>
+              <a:t>单元测试概论</a:t>
+            </a:r>
+            <a:endParaRPr lang="zh-CN" altLang="en-US" dirty="0"/>
+          </a:p>
+        </p:txBody>
+      </p:sp>
+      <p:sp>
+        <p:nvSpPr>
+          <p:cNvPr id="5" name="灯片编号占位符 4"/>
+          <p:cNvSpPr>
+            <a:spLocks noGrp="1"/>
+          </p:cNvSpPr>
+          <p:nvPr>
+            <p:ph type="sldNum" sz="quarter" idx="12"/>
+          </p:nvPr>
+        </p:nvSpPr>
+        <p:spPr/>
+        <p:txBody>
+          <a:bodyPr/>
+          <a:lstStyle/>
+          <a:p>
+            <a:fld id="{F4A2626E-A0A3-4722-B047-8920ED1A51E7}" type="slidenum">
+              <a:rPr lang="zh-CN" altLang="en-US" smtClean="0"/>
+              <a:pPr/>
+              <a:t>34</a:t>
+            </a:fld>
+            <a:endParaRPr lang="zh-CN" altLang="en-US" dirty="0"/>
+          </a:p>
+        </p:txBody>
+      </p:sp>
+      <p:pic>
+        <p:nvPicPr>
+          <p:cNvPr id="8" name="图片 7" descr="7302269161584357.gif.jpg"/>
+          <p:cNvPicPr>
+            <a:picLocks noChangeAspect="1"/>
+          </p:cNvPicPr>
+          <p:nvPr/>
+        </p:nvPicPr>
+        <p:blipFill>
+          <a:blip r:embed="rId3"/>
+          <a:stretch>
+            <a:fillRect/>
+          </a:stretch>
+        </p:blipFill>
+        <p:spPr>
+          <a:xfrm>
+            <a:off x="1524000" y="1575169"/>
+            <a:ext cx="3826934" cy="4658876"/>
+          </a:xfrm>
+          <a:prstGeom prst="rect">
+            <a:avLst/>
+          </a:prstGeom>
+        </p:spPr>
+      </p:pic>
+    </p:spTree>
+  </p:cSld>
+  <p:clrMapOvr>
+    <a:masterClrMapping/>
+  </p:clrMapOvr>
+  <p:timing>
+    <p:tnLst>
+      <p:par>
+        <p:cTn id="1" dur="indefinite" restart="never" nodeType="tmRoot"/>
+      </p:par>
+    </p:tnLst>
+  </p:timing>
+</p:sld>
+</file>
+
+<file path=ppt/slides/slide35.xml><?xml version="1.0" encoding="utf-8"?>
+<p:sld xmlns:a="http://schemas.openxmlformats.org/drawingml/2006/main" xmlns:r="http://schemas.openxmlformats.org/officeDocument/2006/relationships" xmlns:p="http://schemas.openxmlformats.org/presentationml/2006/main">
+  <p:cSld>
+    <p:spTree>
+      <p:nvGrpSpPr>
+        <p:cNvPr id="1" name=""/>
+        <p:cNvGrpSpPr/>
+        <p:nvPr/>
+      </p:nvGrpSpPr>
+      <p:grpSpPr>
+        <a:xfrm>
+          <a:off x="0" y="0"/>
+          <a:ext cx="0" cy="0"/>
+          <a:chOff x="0" y="0"/>
+          <a:chExt cx="0" cy="0"/>
+        </a:xfrm>
+      </p:grpSpPr>
+      <p:sp>
+        <p:nvSpPr>
+          <p:cNvPr id="4" name="页脚占位符 3"/>
+          <p:cNvSpPr>
+            <a:spLocks noGrp="1"/>
+          </p:cNvSpPr>
+          <p:nvPr>
+            <p:ph type="ftr" sz="quarter" idx="11"/>
+          </p:nvPr>
+        </p:nvSpPr>
+        <p:spPr/>
+        <p:txBody>
+          <a:bodyPr/>
+          <a:lstStyle/>
+          <a:p>
+            <a:r>
+              <a:rPr lang="zh-CN" altLang="en-US" smtClean="0"/>
+              <a:t>单元测试概论</a:t>
+            </a:r>
+            <a:endParaRPr lang="zh-CN" altLang="en-US" dirty="0"/>
+          </a:p>
+        </p:txBody>
+      </p:sp>
+      <p:sp>
+        <p:nvSpPr>
+          <p:cNvPr id="5" name="灯片编号占位符 4"/>
+          <p:cNvSpPr>
+            <a:spLocks noGrp="1"/>
+          </p:cNvSpPr>
+          <p:nvPr>
+            <p:ph type="sldNum" sz="quarter" idx="12"/>
+          </p:nvPr>
+        </p:nvSpPr>
+        <p:spPr/>
+        <p:txBody>
+          <a:bodyPr/>
+          <a:lstStyle/>
+          <a:p>
+            <a:fld id="{F4A2626E-A0A3-4722-B047-8920ED1A51E7}" type="slidenum">
+              <a:rPr lang="zh-CN" altLang="en-US" smtClean="0"/>
+              <a:pPr/>
+              <a:t>35</a:t>
+            </a:fld>
+            <a:endParaRPr lang="zh-CN" altLang="en-US" dirty="0"/>
+          </a:p>
+        </p:txBody>
+      </p:sp>
+      <p:sp>
+        <p:nvSpPr>
+          <p:cNvPr id="6" name="矩形 5"/>
+          <p:cNvSpPr/>
+          <p:nvPr/>
+        </p:nvSpPr>
+        <p:spPr>
+          <a:xfrm>
+            <a:off x="1320800" y="1704622"/>
+            <a:ext cx="8963378" cy="3785652"/>
+          </a:xfrm>
+          <a:prstGeom prst="rect">
+            <a:avLst/>
+          </a:prstGeom>
+        </p:spPr>
+        <p:txBody>
+          <a:bodyPr wrap="square">
+            <a:spAutoFit/>
+          </a:bodyPr>
+          <a:lstStyle/>
+          <a:p>
+            <a:r>
+              <a:rPr lang="zh-CN" altLang="en-US" sz="4800" dirty="0" smtClean="0"/>
+              <a:t>以正确的方式进行单元测试，是决定项目成败的关键，是决定代码维护性强弱的分水岭，是决定你加班到深夜两点还是准点下班回家晚餐的重要因素。 </a:t>
+            </a:r>
+            <a:endParaRPr lang="zh-CN" altLang="en-US" sz="4800" dirty="0"/>
+          </a:p>
+        </p:txBody>
+      </p:sp>
+      <p:sp>
+        <p:nvSpPr>
+          <p:cNvPr id="7" name="TextBox 6"/>
+          <p:cNvSpPr txBox="1"/>
+          <p:nvPr/>
+        </p:nvSpPr>
+        <p:spPr>
+          <a:xfrm>
+            <a:off x="1478845" y="598311"/>
+            <a:ext cx="8342488" cy="923330"/>
+          </a:xfrm>
+          <a:prstGeom prst="rect">
+            <a:avLst/>
+          </a:prstGeom>
+          <a:noFill/>
+        </p:spPr>
+        <p:txBody>
+          <a:bodyPr wrap="square" rtlCol="0">
+            <a:spAutoFit/>
+          </a:bodyPr>
+          <a:lstStyle/>
+          <a:p>
+            <a:pPr algn="ctr"/>
+            <a:r>
+              <a:rPr lang="zh-CN" altLang="en-US" sz="5400" dirty="0" smtClean="0"/>
+              <a:t>结     语</a:t>
+            </a:r>
+          </a:p>
+        </p:txBody>
+      </p:sp>
+    </p:spTree>
+  </p:cSld>
+  <p:clrMapOvr>
+    <a:masterClrMapping/>
+  </p:clrMapOvr>
+  <p:timing>
+    <p:tnLst>
+      <p:par>
+        <p:cTn id="1" dur="indefinite" restart="never" nodeType="tmRoot"/>
+      </p:par>
+    </p:tnLst>
+  </p:timing>
+</p:sld>
+</file>
+
+<file path=ppt/slides/slide36.xml><?xml version="1.0" encoding="utf-8"?>
+<p:sld xmlns:a="http://schemas.openxmlformats.org/drawingml/2006/main" xmlns:r="http://schemas.openxmlformats.org/officeDocument/2006/relationships" xmlns:p="http://schemas.openxmlformats.org/presentationml/2006/main">
+  <p:cSld>
+    <p:spTree>
+      <p:nvGrpSpPr>
+        <p:cNvPr id="1" name=""/>
+        <p:cNvGrpSpPr/>
+        <p:nvPr/>
+      </p:nvGrpSpPr>
+      <p:grpSpPr>
+        <a:xfrm>
+          <a:off x="0" y="0"/>
+          <a:ext cx="0" cy="0"/>
+          <a:chOff x="0" y="0"/>
+          <a:chExt cx="0" cy="0"/>
+        </a:xfrm>
+      </p:grpSpPr>
+      <p:sp>
+        <p:nvSpPr>
+          <p:cNvPr id="2" name="标题 1"/>
+          <p:cNvSpPr>
+            <a:spLocks noGrp="1"/>
+          </p:cNvSpPr>
+          <p:nvPr>
+            <p:ph type="title"/>
+          </p:nvPr>
+        </p:nvSpPr>
+        <p:spPr>
+          <a:xfrm>
+            <a:off x="838200" y="365125"/>
+            <a:ext cx="10224911" cy="5062281"/>
+          </a:xfrm>
+        </p:spPr>
+        <p:txBody>
+          <a:bodyPr>
+            <a:normAutofit/>
+          </a:bodyPr>
+          <a:lstStyle/>
+          <a:p>
+            <a:pPr algn="ctr"/>
+            <a:r>
+              <a:rPr lang="zh-CN" altLang="en-US" sz="6000" dirty="0" smtClean="0"/>
+              <a:t>谢谢！</a:t>
+            </a:r>
+            <a:endParaRPr lang="zh-CN" altLang="en-US" sz="6000" dirty="0"/>
+          </a:p>
+        </p:txBody>
+      </p:sp>
+      <p:sp>
+        <p:nvSpPr>
+          <p:cNvPr id="6" name="灯片编号占位符 5"/>
+          <p:cNvSpPr>
+            <a:spLocks noGrp="1"/>
+          </p:cNvSpPr>
+          <p:nvPr>
+            <p:ph type="sldNum" sz="quarter" idx="12"/>
+          </p:nvPr>
+        </p:nvSpPr>
+        <p:spPr/>
+        <p:txBody>
+          <a:bodyPr/>
+          <a:lstStyle/>
+          <a:p>
+            <a:fld id="{F4A2626E-A0A3-4722-B047-8920ED1A51E7}" type="slidenum">
+              <a:rPr lang="zh-CN" altLang="en-US" smtClean="0"/>
+              <a:pPr/>
+              <a:t>36</a:t>
+            </a:fld>
+            <a:endParaRPr lang="zh-CN" altLang="en-US"/>
+          </a:p>
+        </p:txBody>
+      </p:sp>
+    </p:spTree>
+    <p:extLst>
+      <p:ext uri="{BB962C8B-B14F-4D97-AF65-F5344CB8AC3E}">
+        <p14:creationId xmlns:p14="http://schemas.microsoft.com/office/powerpoint/2010/main" val="250897556"/>
+      </p:ext>
+    </p:extLst>
+  </p:cSld>
+  <p:clrMapOvr>
+    <a:masterClrMapping/>
+  </p:clrMapOvr>
+  <p:timing>
+    <p:tnLst>
+      <p:par>
+        <p:cTn id="1" dur="indefinite" restart="never" nodeType="tmRoot"/>
+      </p:par>
+    </p:tnLst>
+  </p:timing>
+</p:sld>
+</file>
+
+<file path=ppt/slides/slide4.xml><?xml version="1.0" encoding="utf-8"?>
 <p:sld xmlns:a="http://schemas.openxmlformats.org/drawingml/2006/main" xmlns:r="http://schemas.openxmlformats.org/officeDocument/2006/relationships" xmlns:p="http://schemas.openxmlformats.org/presentationml/2006/main">
   <p:cSld>
     <p:spTree>
@@ -24526,7 +25813,7 @@
             <a:fld id="{F4A2626E-A0A3-4722-B047-8920ED1A51E7}" type="slidenum">
               <a:rPr lang="zh-CN" altLang="en-US" smtClean="0"/>
               <a:pPr/>
-              <a:t>3</a:t>
+              <a:t>4</a:t>
             </a:fld>
             <a:endParaRPr lang="zh-CN" altLang="en-US" dirty="0"/>
           </a:p>
@@ -24552,386 +25839,7 @@
 </p:sld>
 </file>
 
-<file path=ppt/slides/slide30.xml><?xml version="1.0" encoding="utf-8"?>
-<p:sld xmlns:a="http://schemas.openxmlformats.org/drawingml/2006/main" xmlns:r="http://schemas.openxmlformats.org/officeDocument/2006/relationships" xmlns:p="http://schemas.openxmlformats.org/presentationml/2006/main">
-  <p:cSld>
-    <p:spTree>
-      <p:nvGrpSpPr>
-        <p:cNvPr id="1" name=""/>
-        <p:cNvGrpSpPr/>
-        <p:nvPr/>
-      </p:nvGrpSpPr>
-      <p:grpSpPr>
-        <a:xfrm>
-          <a:off x="0" y="0"/>
-          <a:ext cx="0" cy="0"/>
-          <a:chOff x="0" y="0"/>
-          <a:chExt cx="0" cy="0"/>
-        </a:xfrm>
-      </p:grpSpPr>
-      <p:sp>
-        <p:nvSpPr>
-          <p:cNvPr id="2" name="标题 1"/>
-          <p:cNvSpPr>
-            <a:spLocks noGrp="1"/>
-          </p:cNvSpPr>
-          <p:nvPr>
-            <p:ph type="title"/>
-          </p:nvPr>
-        </p:nvSpPr>
-        <p:spPr/>
-        <p:txBody>
-          <a:bodyPr/>
-          <a:lstStyle/>
-          <a:p>
-            <a:r>
-              <a:rPr lang="zh-CN" altLang="en-US" dirty="0" smtClean="0"/>
-              <a:t>推荐资源</a:t>
-            </a:r>
-            <a:endParaRPr lang="zh-CN" altLang="en-US" dirty="0"/>
-          </a:p>
-        </p:txBody>
-      </p:sp>
-      <p:pic>
-        <p:nvPicPr>
-          <p:cNvPr id="6" name="内容占位符 5" descr="54100b1cN6e37a5fc.jpg"/>
-          <p:cNvPicPr>
-            <a:picLocks noGrp="1" noChangeAspect="1"/>
-          </p:cNvPicPr>
-          <p:nvPr>
-            <p:ph idx="1"/>
-          </p:nvPr>
-        </p:nvPicPr>
-        <p:blipFill>
-          <a:blip r:embed="rId2"/>
-          <a:stretch>
-            <a:fillRect/>
-          </a:stretch>
-        </p:blipFill>
-        <p:spPr>
-          <a:xfrm>
-            <a:off x="5968744" y="1464379"/>
-            <a:ext cx="4906811" cy="4721931"/>
-          </a:xfrm>
-        </p:spPr>
-      </p:pic>
-      <p:sp>
-        <p:nvSpPr>
-          <p:cNvPr id="4" name="页脚占位符 3"/>
-          <p:cNvSpPr>
-            <a:spLocks noGrp="1"/>
-          </p:cNvSpPr>
-          <p:nvPr>
-            <p:ph type="ftr" sz="quarter" idx="11"/>
-          </p:nvPr>
-        </p:nvSpPr>
-        <p:spPr/>
-        <p:txBody>
-          <a:bodyPr/>
-          <a:lstStyle/>
-          <a:p>
-            <a:r>
-              <a:rPr lang="zh-CN" altLang="en-US" smtClean="0"/>
-              <a:t>单元测试概论</a:t>
-            </a:r>
-            <a:endParaRPr lang="zh-CN" altLang="en-US" dirty="0"/>
-          </a:p>
-        </p:txBody>
-      </p:sp>
-      <p:sp>
-        <p:nvSpPr>
-          <p:cNvPr id="5" name="灯片编号占位符 4"/>
-          <p:cNvSpPr>
-            <a:spLocks noGrp="1"/>
-          </p:cNvSpPr>
-          <p:nvPr>
-            <p:ph type="sldNum" sz="quarter" idx="12"/>
-          </p:nvPr>
-        </p:nvSpPr>
-        <p:spPr/>
-        <p:txBody>
-          <a:bodyPr/>
-          <a:lstStyle/>
-          <a:p>
-            <a:fld id="{F4A2626E-A0A3-4722-B047-8920ED1A51E7}" type="slidenum">
-              <a:rPr lang="zh-CN" altLang="en-US" smtClean="0"/>
-              <a:pPr/>
-              <a:t>30</a:t>
-            </a:fld>
-            <a:endParaRPr lang="zh-CN" altLang="en-US" dirty="0"/>
-          </a:p>
-        </p:txBody>
-      </p:sp>
-      <p:pic>
-        <p:nvPicPr>
-          <p:cNvPr id="8" name="图片 7" descr="7302269161584357.gif.jpg"/>
-          <p:cNvPicPr>
-            <a:picLocks noChangeAspect="1"/>
-          </p:cNvPicPr>
-          <p:nvPr/>
-        </p:nvPicPr>
-        <p:blipFill>
-          <a:blip r:embed="rId3"/>
-          <a:stretch>
-            <a:fillRect/>
-          </a:stretch>
-        </p:blipFill>
-        <p:spPr>
-          <a:xfrm>
-            <a:off x="1524000" y="1575169"/>
-            <a:ext cx="3826934" cy="4658876"/>
-          </a:xfrm>
-          <a:prstGeom prst="rect">
-            <a:avLst/>
-          </a:prstGeom>
-        </p:spPr>
-      </p:pic>
-    </p:spTree>
-  </p:cSld>
-  <p:clrMapOvr>
-    <a:masterClrMapping/>
-  </p:clrMapOvr>
-  <p:timing>
-    <p:tnLst>
-      <p:par>
-        <p:cTn id="1" dur="indefinite" restart="never" nodeType="tmRoot"/>
-      </p:par>
-    </p:tnLst>
-  </p:timing>
-</p:sld>
-</file>
-
-<file path=ppt/slides/slide31.xml><?xml version="1.0" encoding="utf-8"?>
-<p:sld xmlns:a="http://schemas.openxmlformats.org/drawingml/2006/main" xmlns:r="http://schemas.openxmlformats.org/officeDocument/2006/relationships" xmlns:p="http://schemas.openxmlformats.org/presentationml/2006/main">
-  <p:cSld>
-    <p:spTree>
-      <p:nvGrpSpPr>
-        <p:cNvPr id="1" name=""/>
-        <p:cNvGrpSpPr/>
-        <p:nvPr/>
-      </p:nvGrpSpPr>
-      <p:grpSpPr>
-        <a:xfrm>
-          <a:off x="0" y="0"/>
-          <a:ext cx="0" cy="0"/>
-          <a:chOff x="0" y="0"/>
-          <a:chExt cx="0" cy="0"/>
-        </a:xfrm>
-      </p:grpSpPr>
-      <p:sp>
-        <p:nvSpPr>
-          <p:cNvPr id="4" name="页脚占位符 3"/>
-          <p:cNvSpPr>
-            <a:spLocks noGrp="1"/>
-          </p:cNvSpPr>
-          <p:nvPr>
-            <p:ph type="ftr" sz="quarter" idx="11"/>
-          </p:nvPr>
-        </p:nvSpPr>
-        <p:spPr/>
-        <p:txBody>
-          <a:bodyPr/>
-          <a:lstStyle/>
-          <a:p>
-            <a:r>
-              <a:rPr lang="zh-CN" altLang="en-US" smtClean="0"/>
-              <a:t>单元测试概论</a:t>
-            </a:r>
-            <a:endParaRPr lang="zh-CN" altLang="en-US" dirty="0"/>
-          </a:p>
-        </p:txBody>
-      </p:sp>
-      <p:sp>
-        <p:nvSpPr>
-          <p:cNvPr id="5" name="灯片编号占位符 4"/>
-          <p:cNvSpPr>
-            <a:spLocks noGrp="1"/>
-          </p:cNvSpPr>
-          <p:nvPr>
-            <p:ph type="sldNum" sz="quarter" idx="12"/>
-          </p:nvPr>
-        </p:nvSpPr>
-        <p:spPr/>
-        <p:txBody>
-          <a:bodyPr/>
-          <a:lstStyle/>
-          <a:p>
-            <a:fld id="{F4A2626E-A0A3-4722-B047-8920ED1A51E7}" type="slidenum">
-              <a:rPr lang="zh-CN" altLang="en-US" smtClean="0"/>
-              <a:pPr/>
-              <a:t>31</a:t>
-            </a:fld>
-            <a:endParaRPr lang="zh-CN" altLang="en-US" dirty="0"/>
-          </a:p>
-        </p:txBody>
-      </p:sp>
-      <p:sp>
-        <p:nvSpPr>
-          <p:cNvPr id="6" name="矩形 5"/>
-          <p:cNvSpPr/>
-          <p:nvPr/>
-        </p:nvSpPr>
-        <p:spPr>
-          <a:xfrm>
-            <a:off x="1320800" y="1704622"/>
-            <a:ext cx="8963378" cy="3785652"/>
-          </a:xfrm>
-          <a:prstGeom prst="rect">
-            <a:avLst/>
-          </a:prstGeom>
-        </p:spPr>
-        <p:txBody>
-          <a:bodyPr wrap="square">
-            <a:spAutoFit/>
-          </a:bodyPr>
-          <a:lstStyle/>
-          <a:p>
-            <a:r>
-              <a:rPr lang="zh-CN" altLang="en-US" sz="4800" dirty="0" smtClean="0"/>
-              <a:t>以正确的方式进行单元测试，是决定项目成败的关键，是决定代码维护性强弱的分水岭，是决定你加班到深夜两点还是准点下班回家晚餐的重要因素。 </a:t>
-            </a:r>
-            <a:endParaRPr lang="zh-CN" altLang="en-US" sz="4800" dirty="0"/>
-          </a:p>
-        </p:txBody>
-      </p:sp>
-      <p:sp>
-        <p:nvSpPr>
-          <p:cNvPr id="7" name="TextBox 6"/>
-          <p:cNvSpPr txBox="1"/>
-          <p:nvPr/>
-        </p:nvSpPr>
-        <p:spPr>
-          <a:xfrm>
-            <a:off x="1478845" y="598311"/>
-            <a:ext cx="8342488" cy="923330"/>
-          </a:xfrm>
-          <a:prstGeom prst="rect">
-            <a:avLst/>
-          </a:prstGeom>
-          <a:noFill/>
-        </p:spPr>
-        <p:txBody>
-          <a:bodyPr wrap="square" rtlCol="0">
-            <a:spAutoFit/>
-          </a:bodyPr>
-          <a:lstStyle/>
-          <a:p>
-            <a:pPr algn="ctr"/>
-            <a:r>
-              <a:rPr lang="zh-CN" altLang="en-US" sz="5400" dirty="0" smtClean="0"/>
-              <a:t>结     语</a:t>
-            </a:r>
-          </a:p>
-        </p:txBody>
-      </p:sp>
-    </p:spTree>
-  </p:cSld>
-  <p:clrMapOvr>
-    <a:masterClrMapping/>
-  </p:clrMapOvr>
-  <p:timing>
-    <p:tnLst>
-      <p:par>
-        <p:cTn id="1" dur="indefinite" restart="never" nodeType="tmRoot"/>
-      </p:par>
-    </p:tnLst>
-  </p:timing>
-</p:sld>
-</file>
-
-<file path=ppt/slides/slide32.xml><?xml version="1.0" encoding="utf-8"?>
-<p:sld xmlns:a="http://schemas.openxmlformats.org/drawingml/2006/main" xmlns:r="http://schemas.openxmlformats.org/officeDocument/2006/relationships" xmlns:p="http://schemas.openxmlformats.org/presentationml/2006/main">
-  <p:cSld>
-    <p:spTree>
-      <p:nvGrpSpPr>
-        <p:cNvPr id="1" name=""/>
-        <p:cNvGrpSpPr/>
-        <p:nvPr/>
-      </p:nvGrpSpPr>
-      <p:grpSpPr>
-        <a:xfrm>
-          <a:off x="0" y="0"/>
-          <a:ext cx="0" cy="0"/>
-          <a:chOff x="0" y="0"/>
-          <a:chExt cx="0" cy="0"/>
-        </a:xfrm>
-      </p:grpSpPr>
-      <p:sp>
-        <p:nvSpPr>
-          <p:cNvPr id="2" name="标题 1"/>
-          <p:cNvSpPr>
-            <a:spLocks noGrp="1"/>
-          </p:cNvSpPr>
-          <p:nvPr>
-            <p:ph type="title"/>
-          </p:nvPr>
-        </p:nvSpPr>
-        <p:spPr>
-          <a:xfrm>
-            <a:off x="838200" y="365125"/>
-            <a:ext cx="10224911" cy="5062281"/>
-          </a:xfrm>
-        </p:spPr>
-        <p:txBody>
-          <a:bodyPr>
-            <a:normAutofit/>
-          </a:bodyPr>
-          <a:lstStyle/>
-          <a:p>
-            <a:pPr algn="ctr"/>
-            <a:r>
-              <a:rPr lang="zh-CN" altLang="en-US" sz="6000" dirty="0" smtClean="0"/>
-              <a:t>谢谢！</a:t>
-            </a:r>
-            <a:endParaRPr lang="zh-CN" altLang="en-US" sz="6000" dirty="0"/>
-          </a:p>
-        </p:txBody>
-      </p:sp>
-      <p:sp>
-        <p:nvSpPr>
-          <p:cNvPr id="6" name="灯片编号占位符 5"/>
-          <p:cNvSpPr>
-            <a:spLocks noGrp="1"/>
-          </p:cNvSpPr>
-          <p:nvPr>
-            <p:ph type="sldNum" sz="quarter" idx="12"/>
-          </p:nvPr>
-        </p:nvSpPr>
-        <p:spPr/>
-        <p:txBody>
-          <a:bodyPr/>
-          <a:lstStyle/>
-          <a:p>
-            <a:fld id="{F4A2626E-A0A3-4722-B047-8920ED1A51E7}" type="slidenum">
-              <a:rPr lang="zh-CN" altLang="en-US" smtClean="0"/>
-              <a:pPr/>
-              <a:t>32</a:t>
-            </a:fld>
-            <a:endParaRPr lang="zh-CN" altLang="en-US"/>
-          </a:p>
-        </p:txBody>
-      </p:sp>
-    </p:spTree>
-    <p:extLst>
-      <p:ext uri="{BB962C8B-B14F-4D97-AF65-F5344CB8AC3E}">
-        <p14:creationId xmlns:p14="http://schemas.microsoft.com/office/powerpoint/2010/main" val="250897556"/>
-      </p:ext>
-    </p:extLst>
-  </p:cSld>
-  <p:clrMapOvr>
-    <a:masterClrMapping/>
-  </p:clrMapOvr>
-  <p:timing>
-    <p:tnLst>
-      <p:par>
-        <p:cTn id="1" dur="indefinite" restart="never" nodeType="tmRoot"/>
-      </p:par>
-    </p:tnLst>
-  </p:timing>
-</p:sld>
-</file>
-
-<file path=ppt/slides/slide4.xml><?xml version="1.0" encoding="utf-8"?>
+<file path=ppt/slides/slide5.xml><?xml version="1.0" encoding="utf-8"?>
 <p:sld xmlns:a="http://schemas.openxmlformats.org/drawingml/2006/main" xmlns:r="http://schemas.openxmlformats.org/officeDocument/2006/relationships" xmlns:p="http://schemas.openxmlformats.org/presentationml/2006/main">
   <p:cSld>
     <p:spTree>
@@ -25050,7 +25958,7 @@
             <a:fld id="{F4A2626E-A0A3-4722-B047-8920ED1A51E7}" type="slidenum">
               <a:rPr lang="zh-CN" altLang="en-US" smtClean="0"/>
               <a:pPr/>
-              <a:t>4</a:t>
+              <a:t>5</a:t>
             </a:fld>
             <a:endParaRPr lang="zh-CN" altLang="en-US" dirty="0"/>
           </a:p>
@@ -25440,7 +26348,7 @@
 </p:sld>
 </file>
 
-<file path=ppt/slides/slide5.xml><?xml version="1.0" encoding="utf-8"?>
+<file path=ppt/slides/slide6.xml><?xml version="1.0" encoding="utf-8"?>
 <p:sld xmlns:a="http://schemas.openxmlformats.org/drawingml/2006/main" xmlns:r="http://schemas.openxmlformats.org/officeDocument/2006/relationships" xmlns:p="http://schemas.openxmlformats.org/presentationml/2006/main">
   <p:cSld>
     <p:spTree>
@@ -25503,7 +26411,7 @@
             <a:fld id="{F4A2626E-A0A3-4722-B047-8920ED1A51E7}" type="slidenum">
               <a:rPr lang="zh-CN" altLang="en-US" smtClean="0"/>
               <a:pPr/>
-              <a:t>5</a:t>
+              <a:t>6</a:t>
             </a:fld>
             <a:endParaRPr lang="zh-CN" altLang="en-US" dirty="0"/>
           </a:p>
@@ -27791,7 +28699,7 @@
 </p:sld>
 </file>
 
-<file path=ppt/slides/slide6.xml><?xml version="1.0" encoding="utf-8"?>
+<file path=ppt/slides/slide7.xml><?xml version="1.0" encoding="utf-8"?>
 <p:sld xmlns:a="http://schemas.openxmlformats.org/drawingml/2006/main" xmlns:r="http://schemas.openxmlformats.org/officeDocument/2006/relationships" xmlns:p="http://schemas.openxmlformats.org/presentationml/2006/main">
   <p:cSld>
     <p:spTree>
@@ -27849,7 +28757,7 @@
             <a:fld id="{F4A2626E-A0A3-4722-B047-8920ED1A51E7}" type="slidenum">
               <a:rPr lang="zh-CN" altLang="en-US" smtClean="0"/>
               <a:pPr/>
-              <a:t>6</a:t>
+              <a:t>7</a:t>
             </a:fld>
             <a:endParaRPr lang="zh-CN" altLang="en-US" dirty="0"/>
           </a:p>
@@ -30924,7 +31832,7 @@
 </p:sld>
 </file>
 
-<file path=ppt/slides/slide7.xml><?xml version="1.0" encoding="utf-8"?>
+<file path=ppt/slides/slide8.xml><?xml version="1.0" encoding="utf-8"?>
 <p:sld xmlns:a="http://schemas.openxmlformats.org/drawingml/2006/main" xmlns:r="http://schemas.openxmlformats.org/officeDocument/2006/relationships" xmlns:p="http://schemas.openxmlformats.org/presentationml/2006/main">
   <p:cSld>
     <p:spTree>
@@ -31138,7 +32046,7 @@
             <a:fld id="{F4A2626E-A0A3-4722-B047-8920ED1A51E7}" type="slidenum">
               <a:rPr lang="zh-CN" altLang="en-US" smtClean="0"/>
               <a:pPr/>
-              <a:t>7</a:t>
+              <a:t>8</a:t>
             </a:fld>
             <a:endParaRPr lang="zh-CN" altLang="en-US" dirty="0"/>
           </a:p>
@@ -31164,7 +32072,7 @@
 </p:sld>
 </file>
 
-<file path=ppt/slides/slide8.xml><?xml version="1.0" encoding="utf-8"?>
+<file path=ppt/slides/slide9.xml><?xml version="1.0" encoding="utf-8"?>
 <p:sld xmlns:a="http://schemas.openxmlformats.org/drawingml/2006/main" xmlns:r="http://schemas.openxmlformats.org/officeDocument/2006/relationships" xmlns:p="http://schemas.openxmlformats.org/presentationml/2006/main">
   <p:cSld>
     <p:spTree>
@@ -31250,7 +32158,7 @@
             <a:fld id="{F4A2626E-A0A3-4722-B047-8920ED1A51E7}" type="slidenum">
               <a:rPr lang="zh-CN" altLang="en-US" smtClean="0"/>
               <a:pPr/>
-              <a:t>8</a:t>
+              <a:t>9</a:t>
             </a:fld>
             <a:endParaRPr lang="zh-CN" altLang="en-US" dirty="0"/>
           </a:p>
@@ -31285,358 +32193,6 @@
     <p:extLst>
       <p:ext uri="{BB962C8B-B14F-4D97-AF65-F5344CB8AC3E}">
         <p14:creationId xmlns:p14="http://schemas.microsoft.com/office/powerpoint/2010/main" val="1258132720"/>
-      </p:ext>
-    </p:extLst>
-  </p:cSld>
-  <p:clrMapOvr>
-    <a:masterClrMapping/>
-  </p:clrMapOvr>
-  <p:timing>
-    <p:tnLst>
-      <p:par>
-        <p:cTn id="1" dur="indefinite" restart="never" nodeType="tmRoot"/>
-      </p:par>
-    </p:tnLst>
-  </p:timing>
-</p:sld>
-</file>
-
-<file path=ppt/slides/slide9.xml><?xml version="1.0" encoding="utf-8"?>
-<p:sld xmlns:a="http://schemas.openxmlformats.org/drawingml/2006/main" xmlns:r="http://schemas.openxmlformats.org/officeDocument/2006/relationships" xmlns:p="http://schemas.openxmlformats.org/presentationml/2006/main">
-  <p:cSld>
-    <p:spTree>
-      <p:nvGrpSpPr>
-        <p:cNvPr id="1" name=""/>
-        <p:cNvGrpSpPr/>
-        <p:nvPr/>
-      </p:nvGrpSpPr>
-      <p:grpSpPr>
-        <a:xfrm>
-          <a:off x="0" y="0"/>
-          <a:ext cx="0" cy="0"/>
-          <a:chOff x="0" y="0"/>
-          <a:chExt cx="0" cy="0"/>
-        </a:xfrm>
-      </p:grpSpPr>
-      <p:sp>
-        <p:nvSpPr>
-          <p:cNvPr id="2" name="标题 1"/>
-          <p:cNvSpPr>
-            <a:spLocks noGrp="1"/>
-          </p:cNvSpPr>
-          <p:nvPr>
-            <p:ph type="title"/>
-          </p:nvPr>
-        </p:nvSpPr>
-        <p:spPr>
-          <a:xfrm>
-            <a:off x="838200" y="478744"/>
-            <a:ext cx="10515600" cy="692831"/>
-          </a:xfrm>
-        </p:spPr>
-        <p:txBody>
-          <a:bodyPr>
-            <a:normAutofit fontScale="90000"/>
-          </a:bodyPr>
-          <a:lstStyle/>
-          <a:p>
-            <a:r>
-              <a:rPr lang="zh-CN" altLang="en-US" dirty="0" smtClean="0"/>
-              <a:t>示例</a:t>
-            </a:r>
-            <a:r>
-              <a:rPr lang="en-US" altLang="zh-CN" dirty="0" smtClean="0"/>
-              <a:t>Demo</a:t>
-            </a:r>
-            <a:endParaRPr lang="zh-CN" altLang="en-US" dirty="0"/>
-          </a:p>
-        </p:txBody>
-      </p:sp>
-      <p:sp>
-        <p:nvSpPr>
-          <p:cNvPr id="4" name="页脚占位符 3"/>
-          <p:cNvSpPr>
-            <a:spLocks noGrp="1"/>
-          </p:cNvSpPr>
-          <p:nvPr>
-            <p:ph type="ftr" sz="quarter" idx="11"/>
-          </p:nvPr>
-        </p:nvSpPr>
-        <p:spPr/>
-        <p:txBody>
-          <a:bodyPr/>
-          <a:lstStyle/>
-          <a:p>
-            <a:r>
-              <a:rPr lang="zh-CN" altLang="en-US" smtClean="0"/>
-              <a:t>单元测试概论</a:t>
-            </a:r>
-            <a:endParaRPr lang="zh-CN" altLang="en-US" dirty="0"/>
-          </a:p>
-        </p:txBody>
-      </p:sp>
-      <p:sp>
-        <p:nvSpPr>
-          <p:cNvPr id="5" name="灯片编号占位符 4"/>
-          <p:cNvSpPr>
-            <a:spLocks noGrp="1"/>
-          </p:cNvSpPr>
-          <p:nvPr>
-            <p:ph type="sldNum" sz="quarter" idx="12"/>
-          </p:nvPr>
-        </p:nvSpPr>
-        <p:spPr/>
-        <p:txBody>
-          <a:bodyPr/>
-          <a:lstStyle/>
-          <a:p>
-            <a:fld id="{F4A2626E-A0A3-4722-B047-8920ED1A51E7}" type="slidenum">
-              <a:rPr lang="zh-CN" altLang="en-US" smtClean="0"/>
-              <a:pPr/>
-              <a:t>9</a:t>
-            </a:fld>
-            <a:endParaRPr lang="zh-CN" altLang="en-US" dirty="0"/>
-          </a:p>
-        </p:txBody>
-      </p:sp>
-      <p:sp>
-        <p:nvSpPr>
-          <p:cNvPr id="6" name="内容占位符 2"/>
-          <p:cNvSpPr txBox="1">
-            <a:spLocks/>
-          </p:cNvSpPr>
-          <p:nvPr/>
-        </p:nvSpPr>
-        <p:spPr>
-          <a:xfrm>
-            <a:off x="838200" y="1323258"/>
-            <a:ext cx="4708161" cy="2000968"/>
-          </a:xfrm>
-          <a:prstGeom prst="rect">
-            <a:avLst/>
-          </a:prstGeom>
-        </p:spPr>
-        <p:txBody>
-          <a:bodyPr vert="horz" lIns="91440" tIns="45720" rIns="91440" bIns="45720" rtlCol="0">
-            <a:normAutofit lnSpcReduction="10000"/>
-          </a:bodyPr>
-          <a:lstStyle>
-            <a:lvl1pPr marL="228600" indent="-228600" algn="l" defTabSz="914400" rtl="0" eaLnBrk="1" latinLnBrk="0" hangingPunct="1">
-              <a:lnSpc>
-                <a:spcPct val="90000"/>
-              </a:lnSpc>
-              <a:spcBef>
-                <a:spcPts val="1000"/>
-              </a:spcBef>
-              <a:buFont typeface="Arial" panose="020B0604020202020204" pitchFamily="34" charset="0"/>
-              <a:buChar char="•"/>
-              <a:defRPr sz="2800" kern="1200">
-                <a:solidFill>
-                  <a:schemeClr val="tx1"/>
-                </a:solidFill>
-                <a:latin typeface="+mn-lt"/>
-                <a:ea typeface="+mn-ea"/>
-                <a:cs typeface="+mn-cs"/>
-              </a:defRPr>
-            </a:lvl1pPr>
-            <a:lvl2pPr marL="685800" indent="-228600" algn="l" defTabSz="914400" rtl="0" eaLnBrk="1" latinLnBrk="0" hangingPunct="1">
-              <a:lnSpc>
-                <a:spcPct val="90000"/>
-              </a:lnSpc>
-              <a:spcBef>
-                <a:spcPts val="500"/>
-              </a:spcBef>
-              <a:buFont typeface="Arial" panose="020B0604020202020204" pitchFamily="34" charset="0"/>
-              <a:buChar char="•"/>
-              <a:defRPr sz="2400" kern="1200">
-                <a:solidFill>
-                  <a:schemeClr val="tx1"/>
-                </a:solidFill>
-                <a:latin typeface="+mn-lt"/>
-                <a:ea typeface="+mn-ea"/>
-                <a:cs typeface="+mn-cs"/>
-              </a:defRPr>
-            </a:lvl2pPr>
-            <a:lvl3pPr marL="1143000" indent="-228600" algn="l" defTabSz="914400" rtl="0" eaLnBrk="1" latinLnBrk="0" hangingPunct="1">
-              <a:lnSpc>
-                <a:spcPct val="90000"/>
-              </a:lnSpc>
-              <a:spcBef>
-                <a:spcPts val="500"/>
-              </a:spcBef>
-              <a:buFont typeface="Arial" panose="020B0604020202020204" pitchFamily="34" charset="0"/>
-              <a:buChar char="•"/>
-              <a:defRPr sz="2000" kern="1200">
-                <a:solidFill>
-                  <a:schemeClr val="tx1"/>
-                </a:solidFill>
-                <a:latin typeface="+mn-lt"/>
-                <a:ea typeface="+mn-ea"/>
-                <a:cs typeface="+mn-cs"/>
-              </a:defRPr>
-            </a:lvl3pPr>
-            <a:lvl4pPr marL="1600200" indent="-228600" algn="l" defTabSz="914400" rtl="0" eaLnBrk="1" latinLnBrk="0" hangingPunct="1">
-              <a:lnSpc>
-                <a:spcPct val="90000"/>
-              </a:lnSpc>
-              <a:spcBef>
-                <a:spcPts val="500"/>
-              </a:spcBef>
-              <a:buFont typeface="Arial" panose="020B0604020202020204" pitchFamily="34" charset="0"/>
-              <a:buChar char="•"/>
-              <a:defRPr sz="1800" kern="1200">
-                <a:solidFill>
-                  <a:schemeClr val="tx1"/>
-                </a:solidFill>
-                <a:latin typeface="+mn-lt"/>
-                <a:ea typeface="+mn-ea"/>
-                <a:cs typeface="+mn-cs"/>
-              </a:defRPr>
-            </a:lvl4pPr>
-            <a:lvl5pPr marL="2057400" indent="-228600" algn="l" defTabSz="914400" rtl="0" eaLnBrk="1" latinLnBrk="0" hangingPunct="1">
-              <a:lnSpc>
-                <a:spcPct val="90000"/>
-              </a:lnSpc>
-              <a:spcBef>
-                <a:spcPts val="500"/>
-              </a:spcBef>
-              <a:buFont typeface="Arial" panose="020B0604020202020204" pitchFamily="34" charset="0"/>
-              <a:buChar char="•"/>
-              <a:defRPr sz="1800" kern="1200">
-                <a:solidFill>
-                  <a:schemeClr val="tx1"/>
-                </a:solidFill>
-                <a:latin typeface="+mn-lt"/>
-                <a:ea typeface="+mn-ea"/>
-                <a:cs typeface="+mn-cs"/>
-              </a:defRPr>
-            </a:lvl5pPr>
-            <a:lvl6pPr marL="2514600" indent="-228600" algn="l" defTabSz="914400" rtl="0" eaLnBrk="1" latinLnBrk="0" hangingPunct="1">
-              <a:lnSpc>
-                <a:spcPct val="90000"/>
-              </a:lnSpc>
-              <a:spcBef>
-                <a:spcPts val="500"/>
-              </a:spcBef>
-              <a:buFont typeface="Arial" panose="020B0604020202020204" pitchFamily="34" charset="0"/>
-              <a:buChar char="•"/>
-              <a:defRPr sz="1800" kern="1200">
-                <a:solidFill>
-                  <a:schemeClr val="tx1"/>
-                </a:solidFill>
-                <a:latin typeface="+mn-lt"/>
-                <a:ea typeface="+mn-ea"/>
-                <a:cs typeface="+mn-cs"/>
-              </a:defRPr>
-            </a:lvl6pPr>
-            <a:lvl7pPr marL="2971800" indent="-228600" algn="l" defTabSz="914400" rtl="0" eaLnBrk="1" latinLnBrk="0" hangingPunct="1">
-              <a:lnSpc>
-                <a:spcPct val="90000"/>
-              </a:lnSpc>
-              <a:spcBef>
-                <a:spcPts val="500"/>
-              </a:spcBef>
-              <a:buFont typeface="Arial" panose="020B0604020202020204" pitchFamily="34" charset="0"/>
-              <a:buChar char="•"/>
-              <a:defRPr sz="1800" kern="1200">
-                <a:solidFill>
-                  <a:schemeClr val="tx1"/>
-                </a:solidFill>
-                <a:latin typeface="+mn-lt"/>
-                <a:ea typeface="+mn-ea"/>
-                <a:cs typeface="+mn-cs"/>
-              </a:defRPr>
-            </a:lvl7pPr>
-            <a:lvl8pPr marL="3429000" indent="-228600" algn="l" defTabSz="914400" rtl="0" eaLnBrk="1" latinLnBrk="0" hangingPunct="1">
-              <a:lnSpc>
-                <a:spcPct val="90000"/>
-              </a:lnSpc>
-              <a:spcBef>
-                <a:spcPts val="500"/>
-              </a:spcBef>
-              <a:buFont typeface="Arial" panose="020B0604020202020204" pitchFamily="34" charset="0"/>
-              <a:buChar char="•"/>
-              <a:defRPr sz="1800" kern="1200">
-                <a:solidFill>
-                  <a:schemeClr val="tx1"/>
-                </a:solidFill>
-                <a:latin typeface="+mn-lt"/>
-                <a:ea typeface="+mn-ea"/>
-                <a:cs typeface="+mn-cs"/>
-              </a:defRPr>
-            </a:lvl8pPr>
-            <a:lvl9pPr marL="3886200" indent="-228600" algn="l" defTabSz="914400" rtl="0" eaLnBrk="1" latinLnBrk="0" hangingPunct="1">
-              <a:lnSpc>
-                <a:spcPct val="90000"/>
-              </a:lnSpc>
-              <a:spcBef>
-                <a:spcPts val="500"/>
-              </a:spcBef>
-              <a:buFont typeface="Arial" panose="020B0604020202020204" pitchFamily="34" charset="0"/>
-              <a:buChar char="•"/>
-              <a:defRPr sz="1800" kern="1200">
-                <a:solidFill>
-                  <a:schemeClr val="tx1"/>
-                </a:solidFill>
-                <a:latin typeface="+mn-lt"/>
-                <a:ea typeface="+mn-ea"/>
-                <a:cs typeface="+mn-cs"/>
-              </a:defRPr>
-            </a:lvl9pPr>
-          </a:lstStyle>
-          <a:p>
-            <a:r>
-              <a:rPr lang="en-US" altLang="zh-CN" dirty="0" smtClean="0"/>
-              <a:t>Setup</a:t>
-            </a:r>
-            <a:r>
-              <a:rPr lang="zh-CN" altLang="en-US" dirty="0" smtClean="0"/>
-              <a:t>和</a:t>
-            </a:r>
-            <a:r>
-              <a:rPr lang="en-US" altLang="zh-CN" dirty="0" smtClean="0"/>
-              <a:t>teardown(</a:t>
-            </a:r>
-            <a:r>
-              <a:rPr lang="zh-CN" altLang="en-US" dirty="0" smtClean="0"/>
-              <a:t>不推荐）</a:t>
-            </a:r>
-            <a:endParaRPr lang="en-US" altLang="zh-CN" dirty="0" smtClean="0"/>
-          </a:p>
-          <a:p>
-            <a:r>
-              <a:rPr lang="zh-CN" altLang="en-US" dirty="0"/>
-              <a:t>异常处理</a:t>
-            </a:r>
-            <a:endParaRPr lang="en-US" altLang="zh-CN" dirty="0"/>
-          </a:p>
-          <a:p>
-            <a:r>
-              <a:rPr lang="zh-CN" altLang="en-US" dirty="0" smtClean="0"/>
-              <a:t>忽略</a:t>
-            </a:r>
-            <a:r>
-              <a:rPr lang="zh-CN" altLang="en-US" dirty="0"/>
-              <a:t>测试</a:t>
-            </a:r>
-            <a:endParaRPr lang="en-US" altLang="zh-CN" dirty="0"/>
-          </a:p>
-          <a:p>
-            <a:r>
-              <a:rPr lang="zh-CN" altLang="en-US" dirty="0" smtClean="0"/>
-              <a:t>参数化测试</a:t>
-            </a:r>
-            <a:endParaRPr lang="en-US" altLang="zh-CN" dirty="0" smtClean="0"/>
-          </a:p>
-          <a:p>
-            <a:endParaRPr lang="zh-CN" altLang="en-US" dirty="0"/>
-          </a:p>
-        </p:txBody>
-      </p:sp>
-    </p:spTree>
-    <p:extLst>
-      <p:ext uri="{BB962C8B-B14F-4D97-AF65-F5344CB8AC3E}">
-        <p14:creationId xmlns:p14="http://schemas.microsoft.com/office/powerpoint/2010/main" val="941624380"/>
       </p:ext>
     </p:extLst>
   </p:cSld>

--- a/MyUnitTest/Document/单元测试.pptx
+++ b/MyUnitTest/Document/单元测试.pptx
@@ -5,48 +5,46 @@
     <p:sldMasterId id="2147483648" r:id="rId1"/>
   </p:sldMasterIdLst>
   <p:notesMasterIdLst>
-    <p:notesMasterId r:id="rId38"/>
+    <p:notesMasterId r:id="rId36"/>
   </p:notesMasterIdLst>
   <p:handoutMasterIdLst>
-    <p:handoutMasterId r:id="rId39"/>
+    <p:handoutMasterId r:id="rId37"/>
   </p:handoutMasterIdLst>
   <p:sldIdLst>
     <p:sldId id="256" r:id="rId2"/>
     <p:sldId id="295" r:id="rId3"/>
     <p:sldId id="274" r:id="rId4"/>
-    <p:sldId id="277" r:id="rId5"/>
-    <p:sldId id="259" r:id="rId6"/>
-    <p:sldId id="289" r:id="rId7"/>
-    <p:sldId id="290" r:id="rId8"/>
-    <p:sldId id="272" r:id="rId9"/>
-    <p:sldId id="284" r:id="rId10"/>
-    <p:sldId id="279" r:id="rId11"/>
-    <p:sldId id="262" r:id="rId12"/>
+    <p:sldId id="262" r:id="rId5"/>
+    <p:sldId id="277" r:id="rId6"/>
+    <p:sldId id="259" r:id="rId7"/>
+    <p:sldId id="289" r:id="rId8"/>
+    <p:sldId id="290" r:id="rId9"/>
+    <p:sldId id="272" r:id="rId10"/>
+    <p:sldId id="284" r:id="rId11"/>
+    <p:sldId id="279" r:id="rId12"/>
     <p:sldId id="269" r:id="rId13"/>
     <p:sldId id="293" r:id="rId14"/>
-    <p:sldId id="291" r:id="rId15"/>
-    <p:sldId id="263" r:id="rId16"/>
-    <p:sldId id="260" r:id="rId17"/>
-    <p:sldId id="278" r:id="rId18"/>
-    <p:sldId id="270" r:id="rId19"/>
-    <p:sldId id="271" r:id="rId20"/>
-    <p:sldId id="275" r:id="rId21"/>
-    <p:sldId id="261" r:id="rId22"/>
-    <p:sldId id="268" r:id="rId23"/>
-    <p:sldId id="267" r:id="rId24"/>
-    <p:sldId id="288" r:id="rId25"/>
-    <p:sldId id="285" r:id="rId26"/>
-    <p:sldId id="286" r:id="rId27"/>
-    <p:sldId id="287" r:id="rId28"/>
-    <p:sldId id="264" r:id="rId29"/>
-    <p:sldId id="273" r:id="rId30"/>
-    <p:sldId id="294" r:id="rId31"/>
-    <p:sldId id="283" r:id="rId32"/>
-    <p:sldId id="276" r:id="rId33"/>
-    <p:sldId id="280" r:id="rId34"/>
-    <p:sldId id="281" r:id="rId35"/>
-    <p:sldId id="282" r:id="rId36"/>
-    <p:sldId id="266" r:id="rId37"/>
+    <p:sldId id="297" r:id="rId15"/>
+    <p:sldId id="291" r:id="rId16"/>
+    <p:sldId id="296" r:id="rId17"/>
+    <p:sldId id="260" r:id="rId18"/>
+    <p:sldId id="278" r:id="rId19"/>
+    <p:sldId id="261" r:id="rId20"/>
+    <p:sldId id="268" r:id="rId21"/>
+    <p:sldId id="267" r:id="rId22"/>
+    <p:sldId id="288" r:id="rId23"/>
+    <p:sldId id="285" r:id="rId24"/>
+    <p:sldId id="286" r:id="rId25"/>
+    <p:sldId id="287" r:id="rId26"/>
+    <p:sldId id="264" r:id="rId27"/>
+    <p:sldId id="273" r:id="rId28"/>
+    <p:sldId id="294" r:id="rId29"/>
+    <p:sldId id="283" r:id="rId30"/>
+    <p:sldId id="276" r:id="rId31"/>
+    <p:sldId id="280" r:id="rId32"/>
+    <p:sldId id="281" r:id="rId33"/>
+    <p:sldId id="282" r:id="rId34"/>
+    <p:sldId id="266" r:id="rId35"/>
   </p:sldIdLst>
   <p:sldSz cx="12192000" cy="6858000"/>
   <p:notesSz cx="6858000" cy="9144000"/>
@@ -147,7 +145,7 @@
   </p:defaultTextStyle>
   <p:extLst>
     <p:ext uri="{EFAFB233-063F-42B5-8137-9DF3F51BA10A}">
-      <p15:sldGuideLst xmlns:p15="http://schemas.microsoft.com/office/powerpoint/2012/main">
+      <p15:sldGuideLst xmlns:p15="http://schemas.microsoft.com/office/powerpoint/2012/main" xmlns="">
         <p15:guide id="1" orient="horz" pos="2160">
           <p15:clr>
             <a:srgbClr val="A4A3A4"/>
@@ -169,7 +167,7 @@
   <p:cmAuthor id="1" name="hj" initials="h" lastIdx="2" clrIdx="0">
     <p:extLst>
       <p:ext uri="{19B8F6BF-5375-455C-9EA6-DF929625EA0E}">
-        <p15:presenceInfo xmlns:p15="http://schemas.microsoft.com/office/powerpoint/2012/main" userId="hj" providerId="None"/>
+        <p15:presenceInfo xmlns:p15="http://schemas.microsoft.com/office/powerpoint/2012/main" xmlns="" userId="hj" providerId="None"/>
       </p:ext>
     </p:extLst>
   </p:cmAuthor>
@@ -178,17 +176,7 @@
 
 <file path=ppt/charts/chart1.xml><?xml version="1.0" encoding="utf-8"?>
 <c:chartSpace xmlns:c="http://schemas.openxmlformats.org/drawingml/2006/chart" xmlns:a="http://schemas.openxmlformats.org/drawingml/2006/main" xmlns:r="http://schemas.openxmlformats.org/officeDocument/2006/relationships">
-  <c:date1904 val="0"/>
   <c:lang val="zh-CN"/>
-  <c:roundedCorners val="0"/>
-  <mc:AlternateContent xmlns:mc="http://schemas.openxmlformats.org/markup-compatibility/2006">
-    <mc:Choice xmlns:c14="http://schemas.microsoft.com/office/drawing/2007/8/2/chart" Requires="c14">
-      <c14:style val="102"/>
-    </mc:Choice>
-    <mc:Fallback>
-      <c:style val="2"/>
-    </mc:Fallback>
-  </mc:AlternateContent>
   <c:chart>
     <c:autoTitleDeleted val="1"/>
     <c:plotArea>
@@ -199,8 +187,8 @@
           <c:yMode val="edge"/>
           <c:x val="9.5972736792530683E-2"/>
           <c:y val="0.13571182532151987"/>
-          <c:w val="0.82897503195319011"/>
-          <c:h val="0.82426374998628205"/>
+          <c:w val="0.82897503195319033"/>
+          <c:h val="0.82426374998628182"/>
         </c:manualLayout>
       </c:layout>
       <c:pieChart>
@@ -210,7 +198,6 @@
           <c:order val="0"/>
           <c:dPt>
             <c:idx val="0"/>
-            <c:bubble3D val="0"/>
             <c:spPr>
               <a:solidFill>
                 <a:schemeClr val="accent2"/>
@@ -223,7 +210,6 @@
           </c:dPt>
           <c:dPt>
             <c:idx val="1"/>
-            <c:bubble3D val="0"/>
             <c:spPr>
               <a:solidFill>
                 <a:schemeClr val="accent4"/>
@@ -236,7 +222,6 @@
           </c:dPt>
           <c:dPt>
             <c:idx val="2"/>
-            <c:bubble3D val="0"/>
             <c:spPr>
               <a:solidFill>
                 <a:schemeClr val="accent6"/>
@@ -249,7 +234,6 @@
           </c:dPt>
           <c:dPt>
             <c:idx val="3"/>
-            <c:bubble3D val="0"/>
             <c:spPr>
               <a:solidFill>
                 <a:schemeClr val="accent2">
@@ -264,7 +248,6 @@
           </c:dPt>
           <c:dPt>
             <c:idx val="4"/>
-            <c:bubble3D val="0"/>
             <c:spPr>
               <a:solidFill>
                 <a:schemeClr val="accent4">
@@ -279,7 +262,6 @@
           </c:dPt>
           <c:dPt>
             <c:idx val="5"/>
-            <c:bubble3D val="0"/>
             <c:spPr>
               <a:solidFill>
                 <a:schemeClr val="accent6">
@@ -294,7 +276,6 @@
           </c:dPt>
           <c:dPt>
             <c:idx val="6"/>
-            <c:bubble3D val="0"/>
             <c:spPr>
               <a:solidFill>
                 <a:schemeClr val="accent2">
@@ -310,7 +291,6 @@
           </c:dPt>
           <c:dPt>
             <c:idx val="7"/>
-            <c:bubble3D val="0"/>
             <c:spPr>
               <a:solidFill>
                 <a:schemeClr val="accent4">
@@ -326,7 +306,6 @@
           </c:dPt>
           <c:dPt>
             <c:idx val="8"/>
-            <c:bubble3D val="0"/>
             <c:spPr>
               <a:solidFill>
                 <a:schemeClr val="accent6">
@@ -365,12 +344,8 @@
                 <a:endParaRPr lang="zh-CN"/>
               </a:p>
             </c:txPr>
-            <c:showLegendKey val="0"/>
-            <c:showVal val="0"/>
             <c:showCatName val="1"/>
-            <c:showSerName val="0"/>
             <c:showPercent val="1"/>
-            <c:showBubbleSize val="0"/>
             <c:showLeaderLines val="1"/>
             <c:leaderLines>
               <c:spPr>
@@ -464,13 +439,8 @@
           <c:extLst/>
         </c:ser>
         <c:dLbls>
-          <c:showLegendKey val="0"/>
-          <c:showVal val="0"/>
           <c:showCatName val="1"/>
-          <c:showSerName val="0"/>
           <c:showPercent val="1"/>
-          <c:showBubbleSize val="0"/>
-          <c:showLeaderLines val="1"/>
         </c:dLbls>
         <c:firstSliceAng val="0"/>
       </c:pieChart>
@@ -482,9 +452,7 @@
         <a:effectLst/>
       </c:spPr>
     </c:plotArea>
-    <c:plotVisOnly val="0"/>
     <c:dispBlanksAs val="zero"/>
-    <c:showDLblsOverMax val="0"/>
   </c:chart>
   <c:spPr>
     <a:noFill/>
@@ -505,25 +473,13 @@
       <a:endParaRPr lang="zh-CN"/>
     </a:p>
   </c:txPr>
-  <c:externalData r:id="rId3">
-    <c:autoUpdate val="0"/>
-  </c:externalData>
+  <c:externalData r:id="rId1"/>
 </c:chartSpace>
 </file>
 
 <file path=ppt/charts/chart2.xml><?xml version="1.0" encoding="utf-8"?>
 <c:chartSpace xmlns:c="http://schemas.openxmlformats.org/drawingml/2006/chart" xmlns:a="http://schemas.openxmlformats.org/drawingml/2006/main" xmlns:r="http://schemas.openxmlformats.org/officeDocument/2006/relationships">
-  <c:date1904 val="0"/>
   <c:lang val="zh-CN"/>
-  <c:roundedCorners val="0"/>
-  <mc:AlternateContent xmlns:mc="http://schemas.openxmlformats.org/markup-compatibility/2006">
-    <mc:Choice xmlns:c14="http://schemas.microsoft.com/office/drawing/2007/8/2/chart" Requires="c14">
-      <c14:style val="102"/>
-    </mc:Choice>
-    <mc:Fallback>
-      <c:style val="2"/>
-    </mc:Fallback>
-  </mc:AlternateContent>
   <c:chart>
     <c:title>
       <c:tx>
@@ -553,11 +509,10 @@
         <c:manualLayout>
           <c:xMode val="edge"/>
           <c:yMode val="edge"/>
-          <c:x val="0.63271114425941832"/>
-          <c:y val="0.91902286350856754"/>
+          <c:x val="0.63271114425941843"/>
+          <c:y val="0.91902286350856766"/>
         </c:manualLayout>
       </c:layout>
-      <c:overlay val="0"/>
       <c:spPr>
         <a:noFill/>
         <a:ln>
@@ -565,25 +520,7 @@
         </a:ln>
         <a:effectLst/>
       </c:spPr>
-      <c:txPr>
-        <a:bodyPr rot="0" spcFirstLastPara="1" vertOverflow="ellipsis" vert="horz" wrap="square" anchor="ctr" anchorCtr="1"/>
-        <a:lstStyle/>
-        <a:p>
-          <a:pPr>
-            <a:defRPr sz="2160" b="1" i="0" u="none" strike="noStrike" kern="1200" baseline="0">
-              <a:solidFill>
-                <a:schemeClr val="tx1"/>
-              </a:solidFill>
-              <a:latin typeface="+mn-lt"/>
-              <a:ea typeface="+mn-ea"/>
-              <a:cs typeface="+mn-cs"/>
-            </a:defRPr>
-          </a:pPr>
-          <a:endParaRPr lang="zh-CN"/>
-        </a:p>
-      </c:txPr>
     </c:title>
-    <c:autoTitleDeleted val="0"/>
     <c:plotArea>
       <c:layout/>
       <c:pieChart>
@@ -604,7 +541,6 @@
           </c:tx>
           <c:dPt>
             <c:idx val="0"/>
-            <c:bubble3D val="0"/>
             <c:spPr>
               <a:solidFill>
                 <a:schemeClr val="accent2"/>
@@ -617,7 +553,6 @@
           </c:dPt>
           <c:dPt>
             <c:idx val="1"/>
-            <c:bubble3D val="0"/>
             <c:spPr>
               <a:solidFill>
                 <a:schemeClr val="accent4"/>
@@ -630,7 +565,6 @@
           </c:dPt>
           <c:dPt>
             <c:idx val="2"/>
-            <c:bubble3D val="0"/>
             <c:spPr>
               <a:solidFill>
                 <a:schemeClr val="accent6"/>
@@ -643,7 +577,6 @@
           </c:dPt>
           <c:dPt>
             <c:idx val="3"/>
-            <c:bubble3D val="0"/>
             <c:spPr>
               <a:solidFill>
                 <a:schemeClr val="accent2">
@@ -658,7 +591,6 @@
           </c:dPt>
           <c:dPt>
             <c:idx val="4"/>
-            <c:bubble3D val="0"/>
             <c:spPr>
               <a:solidFill>
                 <a:schemeClr val="accent4">
@@ -673,7 +605,6 @@
           </c:dPt>
           <c:dPt>
             <c:idx val="5"/>
-            <c:bubble3D val="0"/>
             <c:spPr>
               <a:solidFill>
                 <a:schemeClr val="accent6">
@@ -713,13 +644,8 @@
                 <a:endParaRPr lang="zh-CN"/>
               </a:p>
             </c:txPr>
-            <c:showLegendKey val="0"/>
-            <c:showVal val="0"/>
             <c:showCatName val="1"/>
-            <c:showSerName val="0"/>
             <c:showPercent val="1"/>
-            <c:showBubbleSize val="0"/>
-            <c:showLeaderLines val="0"/>
             <c:extLst>
               <c:ext xmlns:c15="http://schemas.microsoft.com/office/drawing/2012/chart" uri="{CE6537A1-D6FC-4f65-9D91-7224C49458BB}">
                 <c15:layout/>
@@ -781,13 +707,8 @@
           </c:val>
         </c:ser>
         <c:dLbls>
-          <c:showLegendKey val="0"/>
-          <c:showVal val="0"/>
           <c:showCatName val="1"/>
-          <c:showSerName val="0"/>
           <c:showPercent val="1"/>
-          <c:showBubbleSize val="0"/>
-          <c:showLeaderLines val="0"/>
         </c:dLbls>
         <c:firstSliceAng val="0"/>
       </c:pieChart>
@@ -801,7 +722,6 @@
     </c:plotArea>
     <c:plotVisOnly val="1"/>
     <c:dispBlanksAs val="zero"/>
-    <c:showDLblsOverMax val="0"/>
   </c:chart>
   <c:spPr>
     <a:noFill/>
@@ -822,9 +742,7 @@
       <a:endParaRPr lang="zh-CN"/>
     </a:p>
   </c:txPr>
-  <c:externalData r:id="rId3">
-    <c:autoUpdate val="0"/>
-  </c:externalData>
+  <c:externalData r:id="rId1"/>
 </c:chartSpace>
 </file>
 
@@ -1789,7 +1707,7 @@
     <p:text>用法？</p:text>
     <p:extLst>
       <p:ext uri="{C676402C-5697-4E1C-873F-D02D1690AC5C}">
-        <p15:threadingInfo xmlns:p15="http://schemas.microsoft.com/office/powerpoint/2012/main" timeZoneBias="-480"/>
+        <p15:threadingInfo xmlns:p15="http://schemas.microsoft.com/office/powerpoint/2012/main" xmlns="" timeZoneBias="-480"/>
       </p:ext>
     </p:extLst>
   </p:cm>
@@ -1803,7 +1721,7 @@
     <p:text/>
     <p:extLst>
       <p:ext uri="{C676402C-5697-4E1C-873F-D02D1690AC5C}">
-        <p15:threadingInfo xmlns:p15="http://schemas.microsoft.com/office/powerpoint/2012/main" timeZoneBias="-480"/>
+        <p15:threadingInfo xmlns:p15="http://schemas.microsoft.com/office/powerpoint/2012/main" xmlns="" timeZoneBias="-480"/>
       </p:ext>
     </p:extLst>
   </p:cm>
@@ -5156,15 +5074,15 @@
     </dgm:pt>
   </dgm:ptLst>
   <dgm:cxnLst>
+    <dgm:cxn modelId="{B2280418-878E-4B8F-B912-E1C67AD909FE}" type="presOf" srcId="{01283AE1-6792-4ACE-A856-CBCE96AA03BE}" destId="{574D576A-56EA-42BC-85D2-CFC064124D29}" srcOrd="0" destOrd="0" presId="urn:microsoft.com/office/officeart/2005/8/layout/hList6"/>
     <dgm:cxn modelId="{8A790073-B15C-4DC8-8E37-C00AEE9AD816}" srcId="{01283AE1-6792-4ACE-A856-CBCE96AA03BE}" destId="{5BC199E0-DF68-43D3-B765-0CEDF392B228}" srcOrd="1" destOrd="0" parTransId="{2B2F120E-4A70-4BE1-B3C5-14ACDFB31E8C}" sibTransId="{AC182543-F170-40A4-A3D8-BF35EADCAFD8}"/>
+    <dgm:cxn modelId="{FB850789-F7BC-4C03-8BE5-EE2448A01BE3}" type="presOf" srcId="{CC68CA08-DAA0-4065-8DE3-DCDF925CC3BB}" destId="{59AAEB71-E03F-4FA0-8AC1-58E19F092DB6}" srcOrd="0" destOrd="0" presId="urn:microsoft.com/office/officeart/2005/8/layout/hList6"/>
+    <dgm:cxn modelId="{EE368F7C-B69C-4023-A49D-8D0625A545D9}" type="presOf" srcId="{A0784A84-C867-448B-937E-735D4A1F5DB0}" destId="{1BAC7C92-48DB-4CD2-913F-229A9DF2EB7E}" srcOrd="0" destOrd="0" presId="urn:microsoft.com/office/officeart/2005/8/layout/hList6"/>
+    <dgm:cxn modelId="{4C820ABD-A7B3-4756-9412-0B682ABB5F2F}" srcId="{01283AE1-6792-4ACE-A856-CBCE96AA03BE}" destId="{42D4448C-C5FB-4206-B107-515D59762D47}" srcOrd="2" destOrd="0" parTransId="{029CB2F0-7D51-4B44-885A-2D696EF1295E}" sibTransId="{5CFA4DAE-F93F-47F6-9265-7A5370477511}"/>
+    <dgm:cxn modelId="{D9361309-8D28-4166-A4C7-303E32744E19}" srcId="{01283AE1-6792-4ACE-A856-CBCE96AA03BE}" destId="{CC68CA08-DAA0-4065-8DE3-DCDF925CC3BB}" srcOrd="3" destOrd="0" parTransId="{6402084D-FCA5-4B72-92B5-0887D818600A}" sibTransId="{5F70E8A7-4C65-41A8-A3E2-9B4015366357}"/>
     <dgm:cxn modelId="{1A5B2260-E17F-4BBE-AAD9-4BED48379872}" type="presOf" srcId="{5BC199E0-DF68-43D3-B765-0CEDF392B228}" destId="{C19C4CC4-4408-4336-8021-DCDA70786B84}" srcOrd="0" destOrd="0" presId="urn:microsoft.com/office/officeart/2005/8/layout/hList6"/>
-    <dgm:cxn modelId="{FB850789-F7BC-4C03-8BE5-EE2448A01BE3}" type="presOf" srcId="{CC68CA08-DAA0-4065-8DE3-DCDF925CC3BB}" destId="{59AAEB71-E03F-4FA0-8AC1-58E19F092DB6}" srcOrd="0" destOrd="0" presId="urn:microsoft.com/office/officeart/2005/8/layout/hList6"/>
     <dgm:cxn modelId="{868EBAB3-EBA0-4FA7-A14B-AA8BEAEA35E9}" srcId="{01283AE1-6792-4ACE-A856-CBCE96AA03BE}" destId="{A0784A84-C867-448B-937E-735D4A1F5DB0}" srcOrd="0" destOrd="0" parTransId="{4A4F826A-9C2F-4E04-907F-447412BE796E}" sibTransId="{54D90DF1-B6D7-47A2-B7AC-EC9CB6A2F71F}"/>
     <dgm:cxn modelId="{4D53DEA3-6561-4B6E-B40F-D6E4F882835D}" type="presOf" srcId="{42D4448C-C5FB-4206-B107-515D59762D47}" destId="{FC426D81-F097-478B-AAD3-A103F255A0E4}" srcOrd="0" destOrd="0" presId="urn:microsoft.com/office/officeart/2005/8/layout/hList6"/>
-    <dgm:cxn modelId="{4C820ABD-A7B3-4756-9412-0B682ABB5F2F}" srcId="{01283AE1-6792-4ACE-A856-CBCE96AA03BE}" destId="{42D4448C-C5FB-4206-B107-515D59762D47}" srcOrd="2" destOrd="0" parTransId="{029CB2F0-7D51-4B44-885A-2D696EF1295E}" sibTransId="{5CFA4DAE-F93F-47F6-9265-7A5370477511}"/>
-    <dgm:cxn modelId="{D9361309-8D28-4166-A4C7-303E32744E19}" srcId="{01283AE1-6792-4ACE-A856-CBCE96AA03BE}" destId="{CC68CA08-DAA0-4065-8DE3-DCDF925CC3BB}" srcOrd="3" destOrd="0" parTransId="{6402084D-FCA5-4B72-92B5-0887D818600A}" sibTransId="{5F70E8A7-4C65-41A8-A3E2-9B4015366357}"/>
-    <dgm:cxn modelId="{B2280418-878E-4B8F-B912-E1C67AD909FE}" type="presOf" srcId="{01283AE1-6792-4ACE-A856-CBCE96AA03BE}" destId="{574D576A-56EA-42BC-85D2-CFC064124D29}" srcOrd="0" destOrd="0" presId="urn:microsoft.com/office/officeart/2005/8/layout/hList6"/>
-    <dgm:cxn modelId="{EE368F7C-B69C-4023-A49D-8D0625A545D9}" type="presOf" srcId="{A0784A84-C867-448B-937E-735D4A1F5DB0}" destId="{1BAC7C92-48DB-4CD2-913F-229A9DF2EB7E}" srcOrd="0" destOrd="0" presId="urn:microsoft.com/office/officeart/2005/8/layout/hList6"/>
     <dgm:cxn modelId="{9F51E6D8-5C37-4C38-A391-2BA482A23EDF}" type="presParOf" srcId="{574D576A-56EA-42BC-85D2-CFC064124D29}" destId="{1BAC7C92-48DB-4CD2-913F-229A9DF2EB7E}" srcOrd="0" destOrd="0" presId="urn:microsoft.com/office/officeart/2005/8/layout/hList6"/>
     <dgm:cxn modelId="{1510022D-14F9-474A-B084-CAE811BA2FE4}" type="presParOf" srcId="{574D576A-56EA-42BC-85D2-CFC064124D29}" destId="{E4DC0848-9670-4EC9-AFAA-36028125F488}" srcOrd="1" destOrd="0" presId="urn:microsoft.com/office/officeart/2005/8/layout/hList6"/>
     <dgm:cxn modelId="{B5F706B9-25B1-4362-BFA6-EAF25945B49B}" type="presParOf" srcId="{574D576A-56EA-42BC-85D2-CFC064124D29}" destId="{C19C4CC4-4408-4336-8021-DCDA70786B84}" srcOrd="2" destOrd="0" presId="urn:microsoft.com/office/officeart/2005/8/layout/hList6"/>
@@ -5177,7 +5095,7 @@
   <dgm:whole/>
   <dgm:extLst>
     <a:ext uri="http://schemas.microsoft.com/office/drawing/2008/diagram">
-      <dsp:dataModelExt xmlns:dsp="http://schemas.microsoft.com/office/drawing/2008/diagram" relId="rId7" minVer="http://schemas.openxmlformats.org/drawingml/2006/diagram"/>
+      <dsp:dataModelExt xmlns:dsp="http://schemas.microsoft.com/office/drawing/2008/diagram" xmlns="" relId="rId7" minVer="http://schemas.openxmlformats.org/drawingml/2006/diagram"/>
     </a:ext>
   </dgm:extLst>
 </dgm:dataModel>
@@ -5206,10 +5124,10 @@
         <a:p>
           <a:pPr rtl="0"/>
           <a:r>
-            <a:rPr lang="zh-CN" smtClean="0"/>
+            <a:rPr lang="zh-CN" dirty="0" smtClean="0"/>
             <a:t>自动化的，可重复执行</a:t>
           </a:r>
-          <a:endParaRPr lang="zh-CN"/>
+          <a:endParaRPr lang="zh-CN" dirty="0"/>
         </a:p>
       </dgm:t>
     </dgm:pt>
@@ -5733,25 +5651,25 @@
     </dgm:pt>
   </dgm:ptLst>
   <dgm:cxnLst>
+    <dgm:cxn modelId="{1F19371A-2072-4DF2-971F-8FC8C126C2C2}" type="presOf" srcId="{0BD50BFE-8F67-489A-9CC1-CE402704C29B}" destId="{D0A8B1D7-2CF4-4572-8692-C4DFE295E73A}" srcOrd="0" destOrd="0" presId="urn:microsoft.com/office/officeart/2005/8/layout/vList2"/>
     <dgm:cxn modelId="{9F7B1B92-FFDA-489C-9E08-5FB1896983F9}" srcId="{12608442-2D12-4099-907B-838DCA644F87}" destId="{0BD50BFE-8F67-489A-9CC1-CE402704C29B}" srcOrd="2" destOrd="0" parTransId="{9FD4DD88-BD0D-4873-9AAE-8C3649EDFB4E}" sibTransId="{CFBC7339-64CB-4A6F-B9F0-F556B4AE75C6}"/>
-    <dgm:cxn modelId="{AD86FDC5-4CA4-4A9A-8CC4-A10E7E0AEDA3}" srcId="{12608442-2D12-4099-907B-838DCA644F87}" destId="{873E4879-D568-4CD3-A246-934E8D4A7499}" srcOrd="7" destOrd="0" parTransId="{C3C7408E-EBF8-4887-9534-161425D7F3FA}" sibTransId="{3D33C9FA-F1A8-4199-9B31-AF66212BC73B}"/>
-    <dgm:cxn modelId="{03EE9BFC-B07B-4B43-8328-154CD2B53DC7}" type="presOf" srcId="{12608442-2D12-4099-907B-838DCA644F87}" destId="{3C134EC1-F90C-4A95-986B-64EC26F9628A}" srcOrd="0" destOrd="0" presId="urn:microsoft.com/office/officeart/2005/8/layout/vList2"/>
-    <dgm:cxn modelId="{6CCB52B7-957A-4A39-9000-AD80FF3A3B79}" srcId="{12608442-2D12-4099-907B-838DCA644F87}" destId="{F25648D3-4B2D-4AC8-B95F-6367E4304B6C}" srcOrd="0" destOrd="0" parTransId="{09C5E831-C95B-425E-8D5A-31FF0999EAF2}" sibTransId="{3CEA008C-7AC4-404C-AFB1-5097C784B973}"/>
+    <dgm:cxn modelId="{4770BF72-CBC7-481C-AB81-68BC06A307D4}" srcId="{12608442-2D12-4099-907B-838DCA644F87}" destId="{5E36E64A-8063-4325-8D7B-6F6F385B262D}" srcOrd="8" destOrd="0" parTransId="{7C1632F3-9A35-4685-BC90-B5FDDCB5A577}" sibTransId="{40516D1E-E7F3-4EB4-94FD-64C1DA8BB2B6}"/>
+    <dgm:cxn modelId="{6141650A-64E0-41A2-9A47-88A85AAE4B68}" type="presOf" srcId="{5E36E64A-8063-4325-8D7B-6F6F385B262D}" destId="{F1A4582A-D685-421B-82D4-F7ACC28DEDB3}" srcOrd="0" destOrd="0" presId="urn:microsoft.com/office/officeart/2005/8/layout/vList2"/>
+    <dgm:cxn modelId="{C4250C43-78B1-4540-B39C-EA52BA18A551}" type="presOf" srcId="{8AB1FE4C-0E61-4E74-A665-3956C297081A}" destId="{8126ED31-E1DA-4192-8C3B-F326AD00D33D}" srcOrd="0" destOrd="0" presId="urn:microsoft.com/office/officeart/2005/8/layout/vList2"/>
     <dgm:cxn modelId="{8C12CBB0-3321-4AD9-B2CC-42EF927DBB4D}" type="presOf" srcId="{873E4879-D568-4CD3-A246-934E8D4A7499}" destId="{C0337F5B-F4C6-4455-9E4E-E42014C71AB6}" srcOrd="0" destOrd="0" presId="urn:microsoft.com/office/officeart/2005/8/layout/vList2"/>
     <dgm:cxn modelId="{4C8921E2-4179-406F-A88C-142710B70EAF}" srcId="{12608442-2D12-4099-907B-838DCA644F87}" destId="{8AB1FE4C-0E61-4E74-A665-3956C297081A}" srcOrd="3" destOrd="0" parTransId="{61EDDD92-11AA-4BCC-849F-1C5062B4DD36}" sibTransId="{97DB0E8C-4C16-467E-B9B7-156B61DF4C50}"/>
+    <dgm:cxn modelId="{732F67EE-BA2A-44B5-A337-DF52615B808B}" srcId="{12608442-2D12-4099-907B-838DCA644F87}" destId="{89A328AD-B04E-430A-A282-BAD7EE2A6135}" srcOrd="6" destOrd="0" parTransId="{6275B8DD-CDF0-41C6-8957-E36B3CB5C1FA}" sibTransId="{0FBA502A-8C94-4408-82DC-3036B14DC91A}"/>
+    <dgm:cxn modelId="{757B032C-B814-40B5-9CA2-A3D1E50A896B}" type="presOf" srcId="{F25648D3-4B2D-4AC8-B95F-6367E4304B6C}" destId="{13F417B4-B05C-4E01-97BE-8FE5B4DFFBCD}" srcOrd="0" destOrd="0" presId="urn:microsoft.com/office/officeart/2005/8/layout/vList2"/>
     <dgm:cxn modelId="{6EA9A9AD-6849-41CD-8FA5-F7AC034CE031}" type="presOf" srcId="{25643373-1D06-488A-8185-2FC694F957A3}" destId="{4C8F5D48-64D7-4B34-8B11-EAF3BA0D16F7}" srcOrd="0" destOrd="0" presId="urn:microsoft.com/office/officeart/2005/8/layout/vList2"/>
+    <dgm:cxn modelId="{03EE9BFC-B07B-4B43-8328-154CD2B53DC7}" type="presOf" srcId="{12608442-2D12-4099-907B-838DCA644F87}" destId="{3C134EC1-F90C-4A95-986B-64EC26F9628A}" srcOrd="0" destOrd="0" presId="urn:microsoft.com/office/officeart/2005/8/layout/vList2"/>
+    <dgm:cxn modelId="{C7E52DBA-2E25-4924-AA53-EE73BE25B476}" type="presOf" srcId="{89A328AD-B04E-430A-A282-BAD7EE2A6135}" destId="{9D957FCD-19B8-4F52-8F23-D120908C942A}" srcOrd="0" destOrd="0" presId="urn:microsoft.com/office/officeart/2005/8/layout/vList2"/>
+    <dgm:cxn modelId="{6CCB52B7-957A-4A39-9000-AD80FF3A3B79}" srcId="{12608442-2D12-4099-907B-838DCA644F87}" destId="{F25648D3-4B2D-4AC8-B95F-6367E4304B6C}" srcOrd="0" destOrd="0" parTransId="{09C5E831-C95B-425E-8D5A-31FF0999EAF2}" sibTransId="{3CEA008C-7AC4-404C-AFB1-5097C784B973}"/>
+    <dgm:cxn modelId="{D5CF9329-8432-4A11-88B8-DBDED98191E6}" srcId="{12608442-2D12-4099-907B-838DCA644F87}" destId="{25643373-1D06-488A-8185-2FC694F957A3}" srcOrd="4" destOrd="0" parTransId="{5BA1773B-CDB8-45BC-90B6-A9B8E276F29E}" sibTransId="{518FAF13-A554-47BE-9447-8DC5CDDDE2FA}"/>
+    <dgm:cxn modelId="{AD86FDC5-4CA4-4A9A-8CC4-A10E7E0AEDA3}" srcId="{12608442-2D12-4099-907B-838DCA644F87}" destId="{873E4879-D568-4CD3-A246-934E8D4A7499}" srcOrd="7" destOrd="0" parTransId="{C3C7408E-EBF8-4887-9534-161425D7F3FA}" sibTransId="{3D33C9FA-F1A8-4199-9B31-AF66212BC73B}"/>
+    <dgm:cxn modelId="{E351B7AA-7E55-4086-BC05-7B5BD5837BCB}" srcId="{12608442-2D12-4099-907B-838DCA644F87}" destId="{CB3EF51E-0786-4B77-9E0E-5CE39DA123DC}" srcOrd="1" destOrd="0" parTransId="{50E04C24-844D-4B6C-A589-E7D006BC2D08}" sibTransId="{4F90B89C-F776-49FE-91E5-3989DFD591E7}"/>
     <dgm:cxn modelId="{ED17B9D6-E00C-44FD-953A-1DBA245E2530}" srcId="{12608442-2D12-4099-907B-838DCA644F87}" destId="{AB4E9A40-5FE0-440D-86A7-BE294EFDA9A0}" srcOrd="5" destOrd="0" parTransId="{95EF3A29-6AF8-4AAE-AD72-9AC45367C519}" sibTransId="{B13092C5-B869-4D40-8ABA-AB4E10C81BBA}"/>
-    <dgm:cxn modelId="{C7E52DBA-2E25-4924-AA53-EE73BE25B476}" type="presOf" srcId="{89A328AD-B04E-430A-A282-BAD7EE2A6135}" destId="{9D957FCD-19B8-4F52-8F23-D120908C942A}" srcOrd="0" destOrd="0" presId="urn:microsoft.com/office/officeart/2005/8/layout/vList2"/>
-    <dgm:cxn modelId="{6141650A-64E0-41A2-9A47-88A85AAE4B68}" type="presOf" srcId="{5E36E64A-8063-4325-8D7B-6F6F385B262D}" destId="{F1A4582A-D685-421B-82D4-F7ACC28DEDB3}" srcOrd="0" destOrd="0" presId="urn:microsoft.com/office/officeart/2005/8/layout/vList2"/>
-    <dgm:cxn modelId="{757B032C-B814-40B5-9CA2-A3D1E50A896B}" type="presOf" srcId="{F25648D3-4B2D-4AC8-B95F-6367E4304B6C}" destId="{13F417B4-B05C-4E01-97BE-8FE5B4DFFBCD}" srcOrd="0" destOrd="0" presId="urn:microsoft.com/office/officeart/2005/8/layout/vList2"/>
-    <dgm:cxn modelId="{1F19371A-2072-4DF2-971F-8FC8C126C2C2}" type="presOf" srcId="{0BD50BFE-8F67-489A-9CC1-CE402704C29B}" destId="{D0A8B1D7-2CF4-4572-8692-C4DFE295E73A}" srcOrd="0" destOrd="0" presId="urn:microsoft.com/office/officeart/2005/8/layout/vList2"/>
-    <dgm:cxn modelId="{732F67EE-BA2A-44B5-A337-DF52615B808B}" srcId="{12608442-2D12-4099-907B-838DCA644F87}" destId="{89A328AD-B04E-430A-A282-BAD7EE2A6135}" srcOrd="6" destOrd="0" parTransId="{6275B8DD-CDF0-41C6-8957-E36B3CB5C1FA}" sibTransId="{0FBA502A-8C94-4408-82DC-3036B14DC91A}"/>
-    <dgm:cxn modelId="{D5CF9329-8432-4A11-88B8-DBDED98191E6}" srcId="{12608442-2D12-4099-907B-838DCA644F87}" destId="{25643373-1D06-488A-8185-2FC694F957A3}" srcOrd="4" destOrd="0" parTransId="{5BA1773B-CDB8-45BC-90B6-A9B8E276F29E}" sibTransId="{518FAF13-A554-47BE-9447-8DC5CDDDE2FA}"/>
-    <dgm:cxn modelId="{E351B7AA-7E55-4086-BC05-7B5BD5837BCB}" srcId="{12608442-2D12-4099-907B-838DCA644F87}" destId="{CB3EF51E-0786-4B77-9E0E-5CE39DA123DC}" srcOrd="1" destOrd="0" parTransId="{50E04C24-844D-4B6C-A589-E7D006BC2D08}" sibTransId="{4F90B89C-F776-49FE-91E5-3989DFD591E7}"/>
+    <dgm:cxn modelId="{D5340EE5-C211-44F5-9D90-11D0069E9034}" type="presOf" srcId="{AB4E9A40-5FE0-440D-86A7-BE294EFDA9A0}" destId="{A0016F7E-A614-4BF7-9E9C-74526837614C}" srcOrd="0" destOrd="0" presId="urn:microsoft.com/office/officeart/2005/8/layout/vList2"/>
     <dgm:cxn modelId="{42AD458C-4E76-444E-AC2B-867B0E459E4C}" type="presOf" srcId="{CB3EF51E-0786-4B77-9E0E-5CE39DA123DC}" destId="{12FC72C9-6B4F-44FD-AAF7-0FD013F53B0D}" srcOrd="0" destOrd="0" presId="urn:microsoft.com/office/officeart/2005/8/layout/vList2"/>
-    <dgm:cxn modelId="{D5340EE5-C211-44F5-9D90-11D0069E9034}" type="presOf" srcId="{AB4E9A40-5FE0-440D-86A7-BE294EFDA9A0}" destId="{A0016F7E-A614-4BF7-9E9C-74526837614C}" srcOrd="0" destOrd="0" presId="urn:microsoft.com/office/officeart/2005/8/layout/vList2"/>
-    <dgm:cxn modelId="{C4250C43-78B1-4540-B39C-EA52BA18A551}" type="presOf" srcId="{8AB1FE4C-0E61-4E74-A665-3956C297081A}" destId="{8126ED31-E1DA-4192-8C3B-F326AD00D33D}" srcOrd="0" destOrd="0" presId="urn:microsoft.com/office/officeart/2005/8/layout/vList2"/>
-    <dgm:cxn modelId="{4770BF72-CBC7-481C-AB81-68BC06A307D4}" srcId="{12608442-2D12-4099-907B-838DCA644F87}" destId="{5E36E64A-8063-4325-8D7B-6F6F385B262D}" srcOrd="8" destOrd="0" parTransId="{7C1632F3-9A35-4685-BC90-B5FDDCB5A577}" sibTransId="{40516D1E-E7F3-4EB4-94FD-64C1DA8BB2B6}"/>
     <dgm:cxn modelId="{5C85214E-DF11-440C-B417-FD63656104F8}" type="presParOf" srcId="{3C134EC1-F90C-4A95-986B-64EC26F9628A}" destId="{13F417B4-B05C-4E01-97BE-8FE5B4DFFBCD}" srcOrd="0" destOrd="0" presId="urn:microsoft.com/office/officeart/2005/8/layout/vList2"/>
     <dgm:cxn modelId="{93A22869-3593-41CB-9243-25F4D7928496}" type="presParOf" srcId="{3C134EC1-F90C-4A95-986B-64EC26F9628A}" destId="{23FFE85B-604C-4537-8A2C-6B365F6F5013}" srcOrd="1" destOrd="0" presId="urn:microsoft.com/office/officeart/2005/8/layout/vList2"/>
     <dgm:cxn modelId="{DD817C39-59B1-4DB6-9CB1-3AB644B4CD0A}" type="presParOf" srcId="{3C134EC1-F90C-4A95-986B-64EC26F9628A}" destId="{12FC72C9-6B4F-44FD-AAF7-0FD013F53B0D}" srcOrd="2" destOrd="0" presId="urn:microsoft.com/office/officeart/2005/8/layout/vList2"/>
@@ -5774,7 +5692,7 @@
   <dgm:whole/>
   <dgm:extLst>
     <a:ext uri="http://schemas.microsoft.com/office/drawing/2008/diagram">
-      <dsp:dataModelExt xmlns:dsp="http://schemas.microsoft.com/office/drawing/2008/diagram" relId="rId6" minVer="http://schemas.openxmlformats.org/drawingml/2006/diagram"/>
+      <dsp:dataModelExt xmlns:dsp="http://schemas.microsoft.com/office/drawing/2008/diagram" xmlns="" relId="rId6" minVer="http://schemas.openxmlformats.org/drawingml/2006/diagram"/>
     </a:ext>
   </dgm:extLst>
 </dgm:dataModel>
@@ -6121,21 +6039,21 @@
     </dgm:pt>
   </dgm:ptLst>
   <dgm:cxnLst>
-    <dgm:cxn modelId="{E1ECDE35-67D3-48A6-8F44-7424501C062D}" srcId="{ECD5FEE4-F8FE-4A89-B275-225DEAE1365B}" destId="{326D6A3A-8084-456B-AEBA-51082EDD4A99}" srcOrd="1" destOrd="0" parTransId="{4281BB24-A722-47B7-9ACB-448D3373C1A4}" sibTransId="{4B0A2760-EA1C-4EC6-8A68-CEAA769B918B}"/>
+    <dgm:cxn modelId="{FA8B9F46-69F3-4776-BCE1-A8A221BAD222}" srcId="{ECD5FEE4-F8FE-4A89-B275-225DEAE1365B}" destId="{C0B76923-4142-437F-B9EA-B9E972E333D1}" srcOrd="0" destOrd="0" parTransId="{6BF58135-7CA7-449C-96C5-3466F006DC2A}" sibTransId="{373BADAB-0E15-4AD7-9F7A-EEAC8EAB14D8}"/>
+    <dgm:cxn modelId="{F8098299-332F-424D-B779-85EC7CEBCB69}" type="presOf" srcId="{ECD5FEE4-F8FE-4A89-B275-225DEAE1365B}" destId="{D4EF05F2-0854-4310-8437-63917B197385}" srcOrd="0" destOrd="0" presId="urn:microsoft.com/office/officeart/2005/8/layout/hierarchy2"/>
+    <dgm:cxn modelId="{B54FA0F0-FE5B-4484-B63E-FCC0C6C1EB9B}" type="presOf" srcId="{5934292A-0991-49E2-9586-635A2C229680}" destId="{79315EFD-F0D5-4F6D-B6E2-08344FD98E5B}" srcOrd="0" destOrd="0" presId="urn:microsoft.com/office/officeart/2005/8/layout/hierarchy2"/>
+    <dgm:cxn modelId="{CE8EC631-7A35-490F-9808-6E93AEDA40F9}" type="presOf" srcId="{5934292A-0991-49E2-9586-635A2C229680}" destId="{716EE90F-2927-4BAE-8E18-DB83BD69B1D1}" srcOrd="1" destOrd="0" presId="urn:microsoft.com/office/officeart/2005/8/layout/hierarchy2"/>
+    <dgm:cxn modelId="{5311675D-EBB5-4C44-A882-F1BB0582048B}" srcId="{ECD5FEE4-F8FE-4A89-B275-225DEAE1365B}" destId="{13589A82-6D90-4135-B8D7-3A6E86C8EE39}" srcOrd="2" destOrd="0" parTransId="{5934292A-0991-49E2-9586-635A2C229680}" sibTransId="{5380AFB7-720B-4614-BBA7-22864506B485}"/>
+    <dgm:cxn modelId="{CFAD38A1-E21C-4800-B0C9-00B861E854A6}" type="presOf" srcId="{6BF58135-7CA7-449C-96C5-3466F006DC2A}" destId="{70C33C40-509C-4A7A-A233-690085674AE9}" srcOrd="1" destOrd="0" presId="urn:microsoft.com/office/officeart/2005/8/layout/hierarchy2"/>
+    <dgm:cxn modelId="{DE3B0C7A-4782-4176-8C5F-13D10CCBBC3C}" type="presOf" srcId="{6BF58135-7CA7-449C-96C5-3466F006DC2A}" destId="{A96A41C0-5764-46B8-895F-8CB3D9FB35B5}" srcOrd="0" destOrd="0" presId="urn:microsoft.com/office/officeart/2005/8/layout/hierarchy2"/>
+    <dgm:cxn modelId="{5AE96FA4-A48C-4A58-8F9F-851E331E3FA7}" type="presOf" srcId="{326D6A3A-8084-456B-AEBA-51082EDD4A99}" destId="{E97E8025-E196-4855-9B9E-6B6772445907}" srcOrd="0" destOrd="0" presId="urn:microsoft.com/office/officeart/2005/8/layout/hierarchy2"/>
+    <dgm:cxn modelId="{9012DD3F-C7C5-4C92-98A0-B499616DCBB3}" srcId="{68ABACAE-B821-40F8-83C1-98FA11018ECE}" destId="{ECD5FEE4-F8FE-4A89-B275-225DEAE1365B}" srcOrd="0" destOrd="0" parTransId="{A75360FC-0419-468B-89E7-E02A7444AD3D}" sibTransId="{57BCCAF5-D2EC-4700-BB1C-9BC9A4FE07A9}"/>
     <dgm:cxn modelId="{83AC8B7C-0097-4BF3-8515-DE23E4AFD269}" type="presOf" srcId="{68ABACAE-B821-40F8-83C1-98FA11018ECE}" destId="{3991A67E-CA15-41A2-B74F-AD1689BDAEF0}" srcOrd="0" destOrd="0" presId="urn:microsoft.com/office/officeart/2005/8/layout/hierarchy2"/>
     <dgm:cxn modelId="{9FB69068-1334-4594-A14F-3483854D5934}" type="presOf" srcId="{C0B76923-4142-437F-B9EA-B9E972E333D1}" destId="{D8C75AAF-0C30-49C2-8872-1A709B2ED191}" srcOrd="0" destOrd="0" presId="urn:microsoft.com/office/officeart/2005/8/layout/hierarchy2"/>
-    <dgm:cxn modelId="{9012DD3F-C7C5-4C92-98A0-B499616DCBB3}" srcId="{68ABACAE-B821-40F8-83C1-98FA11018ECE}" destId="{ECD5FEE4-F8FE-4A89-B275-225DEAE1365B}" srcOrd="0" destOrd="0" parTransId="{A75360FC-0419-468B-89E7-E02A7444AD3D}" sibTransId="{57BCCAF5-D2EC-4700-BB1C-9BC9A4FE07A9}"/>
-    <dgm:cxn modelId="{F8098299-332F-424D-B779-85EC7CEBCB69}" type="presOf" srcId="{ECD5FEE4-F8FE-4A89-B275-225DEAE1365B}" destId="{D4EF05F2-0854-4310-8437-63917B197385}" srcOrd="0" destOrd="0" presId="urn:microsoft.com/office/officeart/2005/8/layout/hierarchy2"/>
     <dgm:cxn modelId="{02E1F27F-297B-42CC-8245-B32AD3CF5192}" type="presOf" srcId="{13589A82-6D90-4135-B8D7-3A6E86C8EE39}" destId="{F1B24ECC-6A9E-429C-BD67-8F8FB6027DF6}" srcOrd="0" destOrd="0" presId="urn:microsoft.com/office/officeart/2005/8/layout/hierarchy2"/>
-    <dgm:cxn modelId="{DE3B0C7A-4782-4176-8C5F-13D10CCBBC3C}" type="presOf" srcId="{6BF58135-7CA7-449C-96C5-3466F006DC2A}" destId="{A96A41C0-5764-46B8-895F-8CB3D9FB35B5}" srcOrd="0" destOrd="0" presId="urn:microsoft.com/office/officeart/2005/8/layout/hierarchy2"/>
     <dgm:cxn modelId="{B28AA845-9BB3-483A-95BE-06890963522C}" type="presOf" srcId="{4281BB24-A722-47B7-9ACB-448D3373C1A4}" destId="{B4A513AB-C2E6-492E-8161-207361CC1A7D}" srcOrd="0" destOrd="0" presId="urn:microsoft.com/office/officeart/2005/8/layout/hierarchy2"/>
-    <dgm:cxn modelId="{5311675D-EBB5-4C44-A882-F1BB0582048B}" srcId="{ECD5FEE4-F8FE-4A89-B275-225DEAE1365B}" destId="{13589A82-6D90-4135-B8D7-3A6E86C8EE39}" srcOrd="2" destOrd="0" parTransId="{5934292A-0991-49E2-9586-635A2C229680}" sibTransId="{5380AFB7-720B-4614-BBA7-22864506B485}"/>
-    <dgm:cxn modelId="{5AE96FA4-A48C-4A58-8F9F-851E331E3FA7}" type="presOf" srcId="{326D6A3A-8084-456B-AEBA-51082EDD4A99}" destId="{E97E8025-E196-4855-9B9E-6B6772445907}" srcOrd="0" destOrd="0" presId="urn:microsoft.com/office/officeart/2005/8/layout/hierarchy2"/>
-    <dgm:cxn modelId="{FA8B9F46-69F3-4776-BCE1-A8A221BAD222}" srcId="{ECD5FEE4-F8FE-4A89-B275-225DEAE1365B}" destId="{C0B76923-4142-437F-B9EA-B9E972E333D1}" srcOrd="0" destOrd="0" parTransId="{6BF58135-7CA7-449C-96C5-3466F006DC2A}" sibTransId="{373BADAB-0E15-4AD7-9F7A-EEAC8EAB14D8}"/>
     <dgm:cxn modelId="{0A7619A1-CFBD-4D00-807B-65F4ADB34AB8}" type="presOf" srcId="{4281BB24-A722-47B7-9ACB-448D3373C1A4}" destId="{8356D5EE-9BE6-4598-A4AA-115ADB9AB7C2}" srcOrd="1" destOrd="0" presId="urn:microsoft.com/office/officeart/2005/8/layout/hierarchy2"/>
-    <dgm:cxn modelId="{CFAD38A1-E21C-4800-B0C9-00B861E854A6}" type="presOf" srcId="{6BF58135-7CA7-449C-96C5-3466F006DC2A}" destId="{70C33C40-509C-4A7A-A233-690085674AE9}" srcOrd="1" destOrd="0" presId="urn:microsoft.com/office/officeart/2005/8/layout/hierarchy2"/>
-    <dgm:cxn modelId="{CE8EC631-7A35-490F-9808-6E93AEDA40F9}" type="presOf" srcId="{5934292A-0991-49E2-9586-635A2C229680}" destId="{716EE90F-2927-4BAE-8E18-DB83BD69B1D1}" srcOrd="1" destOrd="0" presId="urn:microsoft.com/office/officeart/2005/8/layout/hierarchy2"/>
-    <dgm:cxn modelId="{B54FA0F0-FE5B-4484-B63E-FCC0C6C1EB9B}" type="presOf" srcId="{5934292A-0991-49E2-9586-635A2C229680}" destId="{79315EFD-F0D5-4F6D-B6E2-08344FD98E5B}" srcOrd="0" destOrd="0" presId="urn:microsoft.com/office/officeart/2005/8/layout/hierarchy2"/>
+    <dgm:cxn modelId="{E1ECDE35-67D3-48A6-8F44-7424501C062D}" srcId="{ECD5FEE4-F8FE-4A89-B275-225DEAE1365B}" destId="{326D6A3A-8084-456B-AEBA-51082EDD4A99}" srcOrd="1" destOrd="0" parTransId="{4281BB24-A722-47B7-9ACB-448D3373C1A4}" sibTransId="{4B0A2760-EA1C-4EC6-8A68-CEAA769B918B}"/>
     <dgm:cxn modelId="{0F6E7D7A-41FD-4E85-995E-83E5C5E8EF3C}" type="presParOf" srcId="{3991A67E-CA15-41A2-B74F-AD1689BDAEF0}" destId="{A838F566-182C-4A7D-A0CC-6288D95FEA4B}" srcOrd="0" destOrd="0" presId="urn:microsoft.com/office/officeart/2005/8/layout/hierarchy2"/>
     <dgm:cxn modelId="{D502390C-3A32-4782-BDC0-BB8184FB8068}" type="presParOf" srcId="{A838F566-182C-4A7D-A0CC-6288D95FEA4B}" destId="{D4EF05F2-0854-4310-8437-63917B197385}" srcOrd="0" destOrd="0" presId="urn:microsoft.com/office/officeart/2005/8/layout/hierarchy2"/>
     <dgm:cxn modelId="{95535B5E-44D9-423D-910E-8E5CE01442B1}" type="presParOf" srcId="{A838F566-182C-4A7D-A0CC-6288D95FEA4B}" destId="{6EB9E418-861E-4FD2-946D-44A24403C8E1}" srcOrd="1" destOrd="0" presId="urn:microsoft.com/office/officeart/2005/8/layout/hierarchy2"/>
@@ -6159,7 +6077,7 @@
   <dgm:whole/>
   <dgm:extLst>
     <a:ext uri="http://schemas.microsoft.com/office/drawing/2008/diagram">
-      <dsp:dataModelExt xmlns:dsp="http://schemas.microsoft.com/office/drawing/2008/diagram" relId="rId7" minVer="http://schemas.openxmlformats.org/drawingml/2006/diagram"/>
+      <dsp:dataModelExt xmlns:dsp="http://schemas.microsoft.com/office/drawing/2008/diagram" xmlns="" relId="rId7" minVer="http://schemas.openxmlformats.org/drawingml/2006/diagram"/>
     </a:ext>
   </dgm:extLst>
 </dgm:dataModel>
@@ -6476,24 +6394,24 @@
     </dgm:pt>
   </dgm:ptLst>
   <dgm:cxnLst>
+    <dgm:cxn modelId="{ACBD455F-166D-48A7-B87E-22B4FF75384F}" type="presOf" srcId="{AD657148-26AE-4E9F-8FC0-A942BFB490B6}" destId="{62572535-E523-42B3-B29F-7D548FC4031C}" srcOrd="1" destOrd="0" presId="urn:microsoft.com/office/officeart/2005/8/layout/hProcess6"/>
+    <dgm:cxn modelId="{1F579EA1-129B-43F8-BA8B-DFEB95BB8F24}" type="presOf" srcId="{47E22631-EDFC-4AA5-9B09-16A8BF5B17B5}" destId="{62572535-E523-42B3-B29F-7D548FC4031C}" srcOrd="1" destOrd="2" presId="urn:microsoft.com/office/officeart/2005/8/layout/hProcess6"/>
+    <dgm:cxn modelId="{63BE91F4-A073-4D0B-8D38-B8BC1730AEF2}" type="presOf" srcId="{E9152AD7-00F6-4772-8F42-9D809381A035}" destId="{62572535-E523-42B3-B29F-7D548FC4031C}" srcOrd="1" destOrd="3" presId="urn:microsoft.com/office/officeart/2005/8/layout/hProcess6"/>
+    <dgm:cxn modelId="{EBC45706-4BAD-4B40-9FBC-6F7A66D5F236}" type="presOf" srcId="{263E639B-DCF5-45FE-9156-397137A33DF2}" destId="{DD036332-2853-417C-8ACB-3A96B5039347}" srcOrd="0" destOrd="1" presId="urn:microsoft.com/office/officeart/2005/8/layout/hProcess6"/>
+    <dgm:cxn modelId="{F87A810C-13BD-4920-8C7E-05526B955E72}" srcId="{97CAE2D7-9C11-4809-9E7D-B3EC132B23D4}" destId="{263E639B-DCF5-45FE-9156-397137A33DF2}" srcOrd="1" destOrd="0" parTransId="{A3B4D681-07A5-492A-8078-8CE96718BB03}" sibTransId="{D0F65C60-6B70-48C9-A1BF-7A56D78A50C2}"/>
+    <dgm:cxn modelId="{B1015C5E-D1BE-4BA4-8B81-93230A07009B}" srcId="{97CAE2D7-9C11-4809-9E7D-B3EC132B23D4}" destId="{E9152AD7-00F6-4772-8F42-9D809381A035}" srcOrd="3" destOrd="0" parTransId="{DD628961-B7E7-4C70-9493-EBF5DB5A1757}" sibTransId="{401EBFD1-0347-4B57-87C6-D60519E39D60}"/>
+    <dgm:cxn modelId="{A196D2ED-D32F-4AB4-AEE1-3F0157CF5754}" type="presOf" srcId="{0B97CAF7-4159-4FBD-992D-F7E1CCA1118E}" destId="{62572535-E523-42B3-B29F-7D548FC4031C}" srcOrd="1" destOrd="4" presId="urn:microsoft.com/office/officeart/2005/8/layout/hProcess6"/>
+    <dgm:cxn modelId="{7A3A7C08-0DFD-4B35-8EB7-FF89F2314BD2}" type="presOf" srcId="{47E22631-EDFC-4AA5-9B09-16A8BF5B17B5}" destId="{DD036332-2853-417C-8ACB-3A96B5039347}" srcOrd="0" destOrd="2" presId="urn:microsoft.com/office/officeart/2005/8/layout/hProcess6"/>
     <dgm:cxn modelId="{2D40CFAE-FFDC-4B61-BD58-F442BBE06BB8}" type="presOf" srcId="{E9152AD7-00F6-4772-8F42-9D809381A035}" destId="{DD036332-2853-417C-8ACB-3A96B5039347}" srcOrd="0" destOrd="3" presId="urn:microsoft.com/office/officeart/2005/8/layout/hProcess6"/>
-    <dgm:cxn modelId="{B1015C5E-D1BE-4BA4-8B81-93230A07009B}" srcId="{97CAE2D7-9C11-4809-9E7D-B3EC132B23D4}" destId="{E9152AD7-00F6-4772-8F42-9D809381A035}" srcOrd="3" destOrd="0" parTransId="{DD628961-B7E7-4C70-9493-EBF5DB5A1757}" sibTransId="{401EBFD1-0347-4B57-87C6-D60519E39D60}"/>
-    <dgm:cxn modelId="{7A3A7C08-0DFD-4B35-8EB7-FF89F2314BD2}" type="presOf" srcId="{47E22631-EDFC-4AA5-9B09-16A8BF5B17B5}" destId="{DD036332-2853-417C-8ACB-3A96B5039347}" srcOrd="0" destOrd="2" presId="urn:microsoft.com/office/officeart/2005/8/layout/hProcess6"/>
+    <dgm:cxn modelId="{DFAFD945-80D6-4FF4-B99B-F5097D313FFC}" srcId="{97CAE2D7-9C11-4809-9E7D-B3EC132B23D4}" destId="{47E22631-EDFC-4AA5-9B09-16A8BF5B17B5}" srcOrd="2" destOrd="0" parTransId="{2B30D08B-83F9-4F47-AAA1-2E2160DBDA1F}" sibTransId="{D1E4702E-FDD6-454C-A31B-B543E02694DA}"/>
+    <dgm:cxn modelId="{135707BF-4865-4D69-BB84-6F56BC79BC32}" srcId="{97CAE2D7-9C11-4809-9E7D-B3EC132B23D4}" destId="{AD657148-26AE-4E9F-8FC0-A942BFB490B6}" srcOrd="0" destOrd="0" parTransId="{05086D4A-2E24-441C-A1E7-794125365EF6}" sibTransId="{39DBA63A-92D2-45E1-AF36-67B4F7315A99}"/>
+    <dgm:cxn modelId="{C4396DFC-B31A-409B-9CF9-9C3B280BCA92}" type="presOf" srcId="{AD657148-26AE-4E9F-8FC0-A942BFB490B6}" destId="{DD036332-2853-417C-8ACB-3A96B5039347}" srcOrd="0" destOrd="0" presId="urn:microsoft.com/office/officeart/2005/8/layout/hProcess6"/>
+    <dgm:cxn modelId="{2A043402-E411-45DF-81D1-1A2BDBA6E00B}" srcId="{97CAE2D7-9C11-4809-9E7D-B3EC132B23D4}" destId="{0B97CAF7-4159-4FBD-992D-F7E1CCA1118E}" srcOrd="4" destOrd="0" parTransId="{A8BB7460-26CB-4732-A61F-2CFD5D9C424B}" sibTransId="{98EC6805-E2A8-44AE-9F63-E5868432E8C8}"/>
     <dgm:cxn modelId="{32C26BBD-5EA9-49CB-AD3B-B8EDE163CD08}" srcId="{1A2CEC77-91D8-4D49-A55E-0586B9AB905D}" destId="{97CAE2D7-9C11-4809-9E7D-B3EC132B23D4}" srcOrd="0" destOrd="0" parTransId="{1C643CFF-7E0A-41C6-AB13-CE0FA4B779EF}" sibTransId="{64EE1B86-E5E1-403B-981C-CEF956BBB38A}"/>
+    <dgm:cxn modelId="{A03CA572-3B69-46B8-A0C1-79BEB67FB017}" type="presOf" srcId="{1A2CEC77-91D8-4D49-A55E-0586B9AB905D}" destId="{6356F55C-E3B3-4BBB-A9E0-7BC6CAE37290}" srcOrd="0" destOrd="0" presId="urn:microsoft.com/office/officeart/2005/8/layout/hProcess6"/>
+    <dgm:cxn modelId="{70E6139F-C0AA-4370-A7A9-E721A7F2E0EF}" type="presOf" srcId="{263E639B-DCF5-45FE-9156-397137A33DF2}" destId="{62572535-E523-42B3-B29F-7D548FC4031C}" srcOrd="1" destOrd="1" presId="urn:microsoft.com/office/officeart/2005/8/layout/hProcess6"/>
+    <dgm:cxn modelId="{A27914F7-FC34-495B-AA5A-CB6CC63CEB66}" type="presOf" srcId="{0B97CAF7-4159-4FBD-992D-F7E1CCA1118E}" destId="{DD036332-2853-417C-8ACB-3A96B5039347}" srcOrd="0" destOrd="4" presId="urn:microsoft.com/office/officeart/2005/8/layout/hProcess6"/>
     <dgm:cxn modelId="{BE00B9B2-620D-40EC-923F-18A66680B91E}" type="presOf" srcId="{97CAE2D7-9C11-4809-9E7D-B3EC132B23D4}" destId="{D0EC7321-54F1-407E-9A60-11EADB909AA4}" srcOrd="0" destOrd="0" presId="urn:microsoft.com/office/officeart/2005/8/layout/hProcess6"/>
-    <dgm:cxn modelId="{2A043402-E411-45DF-81D1-1A2BDBA6E00B}" srcId="{97CAE2D7-9C11-4809-9E7D-B3EC132B23D4}" destId="{0B97CAF7-4159-4FBD-992D-F7E1CCA1118E}" srcOrd="4" destOrd="0" parTransId="{A8BB7460-26CB-4732-A61F-2CFD5D9C424B}" sibTransId="{98EC6805-E2A8-44AE-9F63-E5868432E8C8}"/>
-    <dgm:cxn modelId="{63BE91F4-A073-4D0B-8D38-B8BC1730AEF2}" type="presOf" srcId="{E9152AD7-00F6-4772-8F42-9D809381A035}" destId="{62572535-E523-42B3-B29F-7D548FC4031C}" srcOrd="1" destOrd="3" presId="urn:microsoft.com/office/officeart/2005/8/layout/hProcess6"/>
-    <dgm:cxn modelId="{DFAFD945-80D6-4FF4-B99B-F5097D313FFC}" srcId="{97CAE2D7-9C11-4809-9E7D-B3EC132B23D4}" destId="{47E22631-EDFC-4AA5-9B09-16A8BF5B17B5}" srcOrd="2" destOrd="0" parTransId="{2B30D08B-83F9-4F47-AAA1-2E2160DBDA1F}" sibTransId="{D1E4702E-FDD6-454C-A31B-B543E02694DA}"/>
-    <dgm:cxn modelId="{70E6139F-C0AA-4370-A7A9-E721A7F2E0EF}" type="presOf" srcId="{263E639B-DCF5-45FE-9156-397137A33DF2}" destId="{62572535-E523-42B3-B29F-7D548FC4031C}" srcOrd="1" destOrd="1" presId="urn:microsoft.com/office/officeart/2005/8/layout/hProcess6"/>
-    <dgm:cxn modelId="{F87A810C-13BD-4920-8C7E-05526B955E72}" srcId="{97CAE2D7-9C11-4809-9E7D-B3EC132B23D4}" destId="{263E639B-DCF5-45FE-9156-397137A33DF2}" srcOrd="1" destOrd="0" parTransId="{A3B4D681-07A5-492A-8078-8CE96718BB03}" sibTransId="{D0F65C60-6B70-48C9-A1BF-7A56D78A50C2}"/>
-    <dgm:cxn modelId="{ACBD455F-166D-48A7-B87E-22B4FF75384F}" type="presOf" srcId="{AD657148-26AE-4E9F-8FC0-A942BFB490B6}" destId="{62572535-E523-42B3-B29F-7D548FC4031C}" srcOrd="1" destOrd="0" presId="urn:microsoft.com/office/officeart/2005/8/layout/hProcess6"/>
-    <dgm:cxn modelId="{EBC45706-4BAD-4B40-9FBC-6F7A66D5F236}" type="presOf" srcId="{263E639B-DCF5-45FE-9156-397137A33DF2}" destId="{DD036332-2853-417C-8ACB-3A96B5039347}" srcOrd="0" destOrd="1" presId="urn:microsoft.com/office/officeart/2005/8/layout/hProcess6"/>
-    <dgm:cxn modelId="{C4396DFC-B31A-409B-9CF9-9C3B280BCA92}" type="presOf" srcId="{AD657148-26AE-4E9F-8FC0-A942BFB490B6}" destId="{DD036332-2853-417C-8ACB-3A96B5039347}" srcOrd="0" destOrd="0" presId="urn:microsoft.com/office/officeart/2005/8/layout/hProcess6"/>
-    <dgm:cxn modelId="{135707BF-4865-4D69-BB84-6F56BC79BC32}" srcId="{97CAE2D7-9C11-4809-9E7D-B3EC132B23D4}" destId="{AD657148-26AE-4E9F-8FC0-A942BFB490B6}" srcOrd="0" destOrd="0" parTransId="{05086D4A-2E24-441C-A1E7-794125365EF6}" sibTransId="{39DBA63A-92D2-45E1-AF36-67B4F7315A99}"/>
-    <dgm:cxn modelId="{1F579EA1-129B-43F8-BA8B-DFEB95BB8F24}" type="presOf" srcId="{47E22631-EDFC-4AA5-9B09-16A8BF5B17B5}" destId="{62572535-E523-42B3-B29F-7D548FC4031C}" srcOrd="1" destOrd="2" presId="urn:microsoft.com/office/officeart/2005/8/layout/hProcess6"/>
-    <dgm:cxn modelId="{A196D2ED-D32F-4AB4-AEE1-3F0157CF5754}" type="presOf" srcId="{0B97CAF7-4159-4FBD-992D-F7E1CCA1118E}" destId="{62572535-E523-42B3-B29F-7D548FC4031C}" srcOrd="1" destOrd="4" presId="urn:microsoft.com/office/officeart/2005/8/layout/hProcess6"/>
-    <dgm:cxn modelId="{A03CA572-3B69-46B8-A0C1-79BEB67FB017}" type="presOf" srcId="{1A2CEC77-91D8-4D49-A55E-0586B9AB905D}" destId="{6356F55C-E3B3-4BBB-A9E0-7BC6CAE37290}" srcOrd="0" destOrd="0" presId="urn:microsoft.com/office/officeart/2005/8/layout/hProcess6"/>
-    <dgm:cxn modelId="{A27914F7-FC34-495B-AA5A-CB6CC63CEB66}" type="presOf" srcId="{0B97CAF7-4159-4FBD-992D-F7E1CCA1118E}" destId="{DD036332-2853-417C-8ACB-3A96B5039347}" srcOrd="0" destOrd="4" presId="urn:microsoft.com/office/officeart/2005/8/layout/hProcess6"/>
     <dgm:cxn modelId="{35B499AD-470A-4091-9009-44C2FB7DFD28}" type="presParOf" srcId="{6356F55C-E3B3-4BBB-A9E0-7BC6CAE37290}" destId="{39955E96-7654-44E1-ADE5-1A557D58AA89}" srcOrd="0" destOrd="0" presId="urn:microsoft.com/office/officeart/2005/8/layout/hProcess6"/>
     <dgm:cxn modelId="{BB093EF7-FE7B-4720-B01E-D4F03B345F9D}" type="presParOf" srcId="{39955E96-7654-44E1-ADE5-1A557D58AA89}" destId="{EC55195B-D107-4F7D-969A-F7CC7AE43076}" srcOrd="0" destOrd="0" presId="urn:microsoft.com/office/officeart/2005/8/layout/hProcess6"/>
     <dgm:cxn modelId="{05460D29-3995-42CA-9DED-1F6B2E9F6059}" type="presParOf" srcId="{39955E96-7654-44E1-ADE5-1A557D58AA89}" destId="{DD036332-2853-417C-8ACB-3A96B5039347}" srcOrd="1" destOrd="0" presId="urn:microsoft.com/office/officeart/2005/8/layout/hProcess6"/>
@@ -6504,7 +6422,7 @@
   <dgm:whole/>
   <dgm:extLst>
     <a:ext uri="http://schemas.microsoft.com/office/drawing/2008/diagram">
-      <dsp:dataModelExt xmlns:dsp="http://schemas.microsoft.com/office/drawing/2008/diagram" relId="rId7" minVer="http://schemas.openxmlformats.org/drawingml/2006/diagram"/>
+      <dsp:dataModelExt xmlns:dsp="http://schemas.microsoft.com/office/drawing/2008/diagram" xmlns="" relId="rId7" minVer="http://schemas.openxmlformats.org/drawingml/2006/diagram"/>
     </a:ext>
   </dgm:extLst>
 </dgm:dataModel>
@@ -13908,7 +13826,7 @@
     </p:spTree>
     <p:extLst>
       <p:ext uri="{BB962C8B-B14F-4D97-AF65-F5344CB8AC3E}">
-        <p14:creationId xmlns:p14="http://schemas.microsoft.com/office/powerpoint/2010/main" val="3139051690"/>
+        <p14:creationId xmlns:p14="http://schemas.microsoft.com/office/powerpoint/2010/main" xmlns="" val="3139051690"/>
       </p:ext>
     </p:extLst>
   </p:cSld>
@@ -14177,7 +14095,7 @@
     </p:spTree>
     <p:extLst>
       <p:ext uri="{BB962C8B-B14F-4D97-AF65-F5344CB8AC3E}">
-        <p14:creationId xmlns:p14="http://schemas.microsoft.com/office/powerpoint/2010/main" val="3818961803"/>
+        <p14:creationId xmlns:p14="http://schemas.microsoft.com/office/powerpoint/2010/main" xmlns="" val="3818961803"/>
       </p:ext>
     </p:extLst>
   </p:cSld>
@@ -14329,190 +14247,7 @@
     </p:spTree>
     <p:extLst>
       <p:ext uri="{BB962C8B-B14F-4D97-AF65-F5344CB8AC3E}">
-        <p14:creationId xmlns:p14="http://schemas.microsoft.com/office/powerpoint/2010/main" val="4233778880"/>
-      </p:ext>
-    </p:extLst>
-  </p:cSld>
-  <p:clrMapOvr>
-    <a:masterClrMapping/>
-  </p:clrMapOvr>
-</p:notes>
-</file>
-
-<file path=ppt/notesSlides/notesSlide10.xml><?xml version="1.0" encoding="utf-8"?>
-<p:notes xmlns:a="http://schemas.openxmlformats.org/drawingml/2006/main" xmlns:r="http://schemas.openxmlformats.org/officeDocument/2006/relationships" xmlns:p="http://schemas.openxmlformats.org/presentationml/2006/main">
-  <p:cSld>
-    <p:spTree>
-      <p:nvGrpSpPr>
-        <p:cNvPr id="1" name=""/>
-        <p:cNvGrpSpPr/>
-        <p:nvPr/>
-      </p:nvGrpSpPr>
-      <p:grpSpPr>
-        <a:xfrm>
-          <a:off x="0" y="0"/>
-          <a:ext cx="0" cy="0"/>
-          <a:chOff x="0" y="0"/>
-          <a:chExt cx="0" cy="0"/>
-        </a:xfrm>
-      </p:grpSpPr>
-      <p:sp>
-        <p:nvSpPr>
-          <p:cNvPr id="2" name="幻灯片图像占位符 1"/>
-          <p:cNvSpPr>
-            <a:spLocks noGrp="1" noRot="1" noChangeAspect="1"/>
-          </p:cNvSpPr>
-          <p:nvPr>
-            <p:ph type="sldImg"/>
-          </p:nvPr>
-        </p:nvSpPr>
-        <p:spPr/>
-      </p:sp>
-      <p:sp>
-        <p:nvSpPr>
-          <p:cNvPr id="3" name="备注占位符 2"/>
-          <p:cNvSpPr>
-            <a:spLocks noGrp="1"/>
-          </p:cNvSpPr>
-          <p:nvPr>
-            <p:ph type="body" idx="1"/>
-          </p:nvPr>
-        </p:nvSpPr>
-        <p:spPr/>
-        <p:txBody>
-          <a:bodyPr/>
-          <a:lstStyle/>
-          <a:p>
-            <a:endParaRPr lang="zh-CN" altLang="en-US"/>
-          </a:p>
-        </p:txBody>
-      </p:sp>
-    </p:spTree>
-    <p:extLst>
-      <p:ext uri="{BB962C8B-B14F-4D97-AF65-F5344CB8AC3E}">
-        <p14:creationId xmlns:p14="http://schemas.microsoft.com/office/powerpoint/2010/main" val="4013860578"/>
-      </p:ext>
-    </p:extLst>
-  </p:cSld>
-  <p:clrMapOvr>
-    <a:masterClrMapping/>
-  </p:clrMapOvr>
-</p:notes>
-</file>
-
-<file path=ppt/notesSlides/notesSlide11.xml><?xml version="1.0" encoding="utf-8"?>
-<p:notes xmlns:a="http://schemas.openxmlformats.org/drawingml/2006/main" xmlns:r="http://schemas.openxmlformats.org/officeDocument/2006/relationships" xmlns:p="http://schemas.openxmlformats.org/presentationml/2006/main">
-  <p:cSld>
-    <p:spTree>
-      <p:nvGrpSpPr>
-        <p:cNvPr id="1" name=""/>
-        <p:cNvGrpSpPr/>
-        <p:nvPr/>
-      </p:nvGrpSpPr>
-      <p:grpSpPr>
-        <a:xfrm>
-          <a:off x="0" y="0"/>
-          <a:ext cx="0" cy="0"/>
-          <a:chOff x="0" y="0"/>
-          <a:chExt cx="0" cy="0"/>
-        </a:xfrm>
-      </p:grpSpPr>
-      <p:sp>
-        <p:nvSpPr>
-          <p:cNvPr id="2" name="幻灯片图像占位符 1"/>
-          <p:cNvSpPr>
-            <a:spLocks noGrp="1" noRot="1" noChangeAspect="1"/>
-          </p:cNvSpPr>
-          <p:nvPr>
-            <p:ph type="sldImg"/>
-          </p:nvPr>
-        </p:nvSpPr>
-        <p:spPr/>
-      </p:sp>
-      <p:sp>
-        <p:nvSpPr>
-          <p:cNvPr id="3" name="备注占位符 2"/>
-          <p:cNvSpPr>
-            <a:spLocks noGrp="1"/>
-          </p:cNvSpPr>
-          <p:nvPr>
-            <p:ph type="body" idx="1"/>
-          </p:nvPr>
-        </p:nvSpPr>
-        <p:spPr/>
-        <p:txBody>
-          <a:bodyPr/>
-          <a:lstStyle/>
-          <a:p>
-            <a:endParaRPr lang="zh-CN" altLang="en-US"/>
-          </a:p>
-        </p:txBody>
-      </p:sp>
-    </p:spTree>
-    <p:extLst>
-      <p:ext uri="{BB962C8B-B14F-4D97-AF65-F5344CB8AC3E}">
-        <p14:creationId xmlns:p14="http://schemas.microsoft.com/office/powerpoint/2010/main" val="2384192954"/>
-      </p:ext>
-    </p:extLst>
-  </p:cSld>
-  <p:clrMapOvr>
-    <a:masterClrMapping/>
-  </p:clrMapOvr>
-</p:notes>
-</file>
-
-<file path=ppt/notesSlides/notesSlide12.xml><?xml version="1.0" encoding="utf-8"?>
-<p:notes xmlns:a="http://schemas.openxmlformats.org/drawingml/2006/main" xmlns:r="http://schemas.openxmlformats.org/officeDocument/2006/relationships" xmlns:p="http://schemas.openxmlformats.org/presentationml/2006/main">
-  <p:cSld>
-    <p:spTree>
-      <p:nvGrpSpPr>
-        <p:cNvPr id="1" name=""/>
-        <p:cNvGrpSpPr/>
-        <p:nvPr/>
-      </p:nvGrpSpPr>
-      <p:grpSpPr>
-        <a:xfrm>
-          <a:off x="0" y="0"/>
-          <a:ext cx="0" cy="0"/>
-          <a:chOff x="0" y="0"/>
-          <a:chExt cx="0" cy="0"/>
-        </a:xfrm>
-      </p:grpSpPr>
-      <p:sp>
-        <p:nvSpPr>
-          <p:cNvPr id="2" name="幻灯片图像占位符 1"/>
-          <p:cNvSpPr>
-            <a:spLocks noGrp="1" noRot="1" noChangeAspect="1"/>
-          </p:cNvSpPr>
-          <p:nvPr>
-            <p:ph type="sldImg"/>
-          </p:nvPr>
-        </p:nvSpPr>
-        <p:spPr/>
-      </p:sp>
-      <p:sp>
-        <p:nvSpPr>
-          <p:cNvPr id="3" name="备注占位符 2"/>
-          <p:cNvSpPr>
-            <a:spLocks noGrp="1"/>
-          </p:cNvSpPr>
-          <p:nvPr>
-            <p:ph type="body" idx="1"/>
-          </p:nvPr>
-        </p:nvSpPr>
-        <p:spPr/>
-        <p:txBody>
-          <a:bodyPr/>
-          <a:lstStyle/>
-          <a:p>
-            <a:endParaRPr lang="zh-CN" altLang="en-US"/>
-          </a:p>
-        </p:txBody>
-      </p:sp>
-    </p:spTree>
-    <p:extLst>
-      <p:ext uri="{BB962C8B-B14F-4D97-AF65-F5344CB8AC3E}">
-        <p14:creationId xmlns:p14="http://schemas.microsoft.com/office/powerpoint/2010/main" val="2303718269"/>
+        <p14:creationId xmlns:p14="http://schemas.microsoft.com/office/powerpoint/2010/main" xmlns="" val="4233778880"/>
       </p:ext>
     </p:extLst>
   </p:cSld>
@@ -14573,7 +14308,7 @@
     </p:spTree>
     <p:extLst>
       <p:ext uri="{BB962C8B-B14F-4D97-AF65-F5344CB8AC3E}">
-        <p14:creationId xmlns:p14="http://schemas.microsoft.com/office/powerpoint/2010/main" val="2534329476"/>
+        <p14:creationId xmlns:p14="http://schemas.microsoft.com/office/powerpoint/2010/main" xmlns="" val="2534329476"/>
       </p:ext>
     </p:extLst>
   </p:cSld>
@@ -14634,7 +14369,7 @@
     </p:spTree>
     <p:extLst>
       <p:ext uri="{BB962C8B-B14F-4D97-AF65-F5344CB8AC3E}">
-        <p14:creationId xmlns:p14="http://schemas.microsoft.com/office/powerpoint/2010/main" val="3433403895"/>
+        <p14:creationId xmlns:p14="http://schemas.microsoft.com/office/powerpoint/2010/main" xmlns="" val="2372924299"/>
       </p:ext>
     </p:extLst>
   </p:cSld>
@@ -14695,7 +14430,7 @@
     </p:spTree>
     <p:extLst>
       <p:ext uri="{BB962C8B-B14F-4D97-AF65-F5344CB8AC3E}">
-        <p14:creationId xmlns:p14="http://schemas.microsoft.com/office/powerpoint/2010/main" val="2372924299"/>
+        <p14:creationId xmlns:p14="http://schemas.microsoft.com/office/powerpoint/2010/main" xmlns="" val="496991311"/>
       </p:ext>
     </p:extLst>
   </p:cSld>
@@ -14756,7 +14491,7 @@
     </p:spTree>
     <p:extLst>
       <p:ext uri="{BB962C8B-B14F-4D97-AF65-F5344CB8AC3E}">
-        <p14:creationId xmlns:p14="http://schemas.microsoft.com/office/powerpoint/2010/main" val="1379253347"/>
+        <p14:creationId xmlns:p14="http://schemas.microsoft.com/office/powerpoint/2010/main" xmlns="" val="3057971724"/>
       </p:ext>
     </p:extLst>
   </p:cSld>
@@ -14817,7 +14552,7 @@
     </p:spTree>
     <p:extLst>
       <p:ext uri="{BB962C8B-B14F-4D97-AF65-F5344CB8AC3E}">
-        <p14:creationId xmlns:p14="http://schemas.microsoft.com/office/powerpoint/2010/main" val="3148297237"/>
+        <p14:creationId xmlns:p14="http://schemas.microsoft.com/office/powerpoint/2010/main" xmlns="" val="3681023334"/>
       </p:ext>
     </p:extLst>
   </p:cSld>
@@ -14878,7 +14613,7 @@
     </p:spTree>
     <p:extLst>
       <p:ext uri="{BB962C8B-B14F-4D97-AF65-F5344CB8AC3E}">
-        <p14:creationId xmlns:p14="http://schemas.microsoft.com/office/powerpoint/2010/main" val="496991311"/>
+        <p14:creationId xmlns:p14="http://schemas.microsoft.com/office/powerpoint/2010/main" xmlns="" val="4013860578"/>
       </p:ext>
     </p:extLst>
   </p:cSld>
@@ -14939,7 +14674,7 @@
     </p:spTree>
     <p:extLst>
       <p:ext uri="{BB962C8B-B14F-4D97-AF65-F5344CB8AC3E}">
-        <p14:creationId xmlns:p14="http://schemas.microsoft.com/office/powerpoint/2010/main" val="3057971724"/>
+        <p14:creationId xmlns:p14="http://schemas.microsoft.com/office/powerpoint/2010/main" xmlns="" val="2384192954"/>
       </p:ext>
     </p:extLst>
   </p:cSld>
@@ -15000,7 +14735,7 @@
     </p:spTree>
     <p:extLst>
       <p:ext uri="{BB962C8B-B14F-4D97-AF65-F5344CB8AC3E}">
-        <p14:creationId xmlns:p14="http://schemas.microsoft.com/office/powerpoint/2010/main" val="3681023334"/>
+        <p14:creationId xmlns:p14="http://schemas.microsoft.com/office/powerpoint/2010/main" xmlns="" val="2303718269"/>
       </p:ext>
     </p:extLst>
   </p:cSld>
@@ -15194,7 +14929,7 @@
     </p:spTree>
     <p:extLst>
       <p:ext uri="{BB962C8B-B14F-4D97-AF65-F5344CB8AC3E}">
-        <p14:creationId xmlns:p14="http://schemas.microsoft.com/office/powerpoint/2010/main" val="3543592591"/>
+        <p14:creationId xmlns:p14="http://schemas.microsoft.com/office/powerpoint/2010/main" xmlns="" val="3543592591"/>
       </p:ext>
     </p:extLst>
   </p:cSld>
@@ -15370,7 +15105,7 @@
     </p:spTree>
     <p:extLst>
       <p:ext uri="{BB962C8B-B14F-4D97-AF65-F5344CB8AC3E}">
-        <p14:creationId xmlns:p14="http://schemas.microsoft.com/office/powerpoint/2010/main" val="2637827693"/>
+        <p14:creationId xmlns:p14="http://schemas.microsoft.com/office/powerpoint/2010/main" xmlns="" val="2637827693"/>
       </p:ext>
     </p:extLst>
   </p:cSld>
@@ -15556,7 +15291,7 @@
     </p:spTree>
     <p:extLst>
       <p:ext uri="{BB962C8B-B14F-4D97-AF65-F5344CB8AC3E}">
-        <p14:creationId xmlns:p14="http://schemas.microsoft.com/office/powerpoint/2010/main" val="1795914738"/>
+        <p14:creationId xmlns:p14="http://schemas.microsoft.com/office/powerpoint/2010/main" xmlns="" val="1795914738"/>
       </p:ext>
     </p:extLst>
   </p:cSld>
@@ -15756,7 +15491,7 @@
     </p:spTree>
     <p:extLst>
       <p:ext uri="{BB962C8B-B14F-4D97-AF65-F5344CB8AC3E}">
-        <p14:creationId xmlns:p14="http://schemas.microsoft.com/office/powerpoint/2010/main" val="2065731511"/>
+        <p14:creationId xmlns:p14="http://schemas.microsoft.com/office/powerpoint/2010/main" xmlns="" val="2065731511"/>
       </p:ext>
     </p:extLst>
   </p:cSld>
@@ -16008,7 +15743,7 @@
     </p:spTree>
     <p:extLst>
       <p:ext uri="{BB962C8B-B14F-4D97-AF65-F5344CB8AC3E}">
-        <p14:creationId xmlns:p14="http://schemas.microsoft.com/office/powerpoint/2010/main" val="2237297140"/>
+        <p14:creationId xmlns:p14="http://schemas.microsoft.com/office/powerpoint/2010/main" xmlns="" val="2237297140"/>
       </p:ext>
     </p:extLst>
   </p:cSld>
@@ -16246,7 +15981,7 @@
     </p:spTree>
     <p:extLst>
       <p:ext uri="{BB962C8B-B14F-4D97-AF65-F5344CB8AC3E}">
-        <p14:creationId xmlns:p14="http://schemas.microsoft.com/office/powerpoint/2010/main" val="4045436177"/>
+        <p14:creationId xmlns:p14="http://schemas.microsoft.com/office/powerpoint/2010/main" xmlns="" val="4045436177"/>
       </p:ext>
     </p:extLst>
   </p:cSld>
@@ -16619,7 +16354,7 @@
     </p:spTree>
     <p:extLst>
       <p:ext uri="{BB962C8B-B14F-4D97-AF65-F5344CB8AC3E}">
-        <p14:creationId xmlns:p14="http://schemas.microsoft.com/office/powerpoint/2010/main" val="3279032153"/>
+        <p14:creationId xmlns:p14="http://schemas.microsoft.com/office/powerpoint/2010/main" xmlns="" val="3279032153"/>
       </p:ext>
     </p:extLst>
   </p:cSld>
@@ -16743,7 +16478,7 @@
     </p:spTree>
     <p:extLst>
       <p:ext uri="{BB962C8B-B14F-4D97-AF65-F5344CB8AC3E}">
-        <p14:creationId xmlns:p14="http://schemas.microsoft.com/office/powerpoint/2010/main" val="3633593654"/>
+        <p14:creationId xmlns:p14="http://schemas.microsoft.com/office/powerpoint/2010/main" xmlns="" val="3633593654"/>
       </p:ext>
     </p:extLst>
   </p:cSld>
@@ -16844,7 +16579,7 @@
     </p:spTree>
     <p:extLst>
       <p:ext uri="{BB962C8B-B14F-4D97-AF65-F5344CB8AC3E}">
-        <p14:creationId xmlns:p14="http://schemas.microsoft.com/office/powerpoint/2010/main" val="3481910277"/>
+        <p14:creationId xmlns:p14="http://schemas.microsoft.com/office/powerpoint/2010/main" xmlns="" val="3481910277"/>
       </p:ext>
     </p:extLst>
   </p:cSld>
@@ -17127,7 +16862,7 @@
     </p:spTree>
     <p:extLst>
       <p:ext uri="{BB962C8B-B14F-4D97-AF65-F5344CB8AC3E}">
-        <p14:creationId xmlns:p14="http://schemas.microsoft.com/office/powerpoint/2010/main" val="2718699996"/>
+        <p14:creationId xmlns:p14="http://schemas.microsoft.com/office/powerpoint/2010/main" xmlns="" val="2718699996"/>
       </p:ext>
     </p:extLst>
   </p:cSld>
@@ -17386,7 +17121,7 @@
     </p:spTree>
     <p:extLst>
       <p:ext uri="{BB962C8B-B14F-4D97-AF65-F5344CB8AC3E}">
-        <p14:creationId xmlns:p14="http://schemas.microsoft.com/office/powerpoint/2010/main" val="1377151352"/>
+        <p14:creationId xmlns:p14="http://schemas.microsoft.com/office/powerpoint/2010/main" xmlns="" val="1377151352"/>
       </p:ext>
     </p:extLst>
   </p:cSld>
@@ -17641,7 +17376,7 @@
     </p:spTree>
     <p:extLst>
       <p:ext uri="{BB962C8B-B14F-4D97-AF65-F5344CB8AC3E}">
-        <p14:creationId xmlns:p14="http://schemas.microsoft.com/office/powerpoint/2010/main" val="2920253679"/>
+        <p14:creationId xmlns:p14="http://schemas.microsoft.com/office/powerpoint/2010/main" xmlns="" val="2920253679"/>
       </p:ext>
     </p:extLst>
   </p:cSld>
@@ -17995,7 +17730,7 @@
           <p:nvPr>
             <p:extLst>
               <p:ext uri="{D42A27DB-BD31-4B8C-83A1-F6EECF244321}">
-                <p14:modId xmlns:p14="http://schemas.microsoft.com/office/powerpoint/2010/main" val="3178934926"/>
+                <p14:modId xmlns:p14="http://schemas.microsoft.com/office/powerpoint/2010/main" xmlns="" val="3178934926"/>
               </p:ext>
             </p:extLst>
           </p:nvPr>
@@ -18066,7 +17801,7 @@
     </p:spTree>
     <p:extLst>
       <p:ext uri="{BB962C8B-B14F-4D97-AF65-F5344CB8AC3E}">
-        <p14:creationId xmlns:p14="http://schemas.microsoft.com/office/powerpoint/2010/main" val="4174816406"/>
+        <p14:creationId xmlns:p14="http://schemas.microsoft.com/office/powerpoint/2010/main" xmlns="" val="4174816406"/>
       </p:ext>
     </p:extLst>
   </p:cSld>
@@ -18084,6 +17819,143 @@
 </file>
 
 <file path=ppt/slides/slide10.xml><?xml version="1.0" encoding="utf-8"?>
+<p:sld xmlns:a="http://schemas.openxmlformats.org/drawingml/2006/main" xmlns:r="http://schemas.openxmlformats.org/officeDocument/2006/relationships" xmlns:p="http://schemas.openxmlformats.org/presentationml/2006/main">
+  <p:cSld>
+    <p:spTree>
+      <p:nvGrpSpPr>
+        <p:cNvPr id="1" name=""/>
+        <p:cNvGrpSpPr/>
+        <p:nvPr/>
+      </p:nvGrpSpPr>
+      <p:grpSpPr>
+        <a:xfrm>
+          <a:off x="0" y="0"/>
+          <a:ext cx="0" cy="0"/>
+          <a:chOff x="0" y="0"/>
+          <a:chExt cx="0" cy="0"/>
+        </a:xfrm>
+      </p:grpSpPr>
+      <p:sp>
+        <p:nvSpPr>
+          <p:cNvPr id="2" name="标题 1"/>
+          <p:cNvSpPr>
+            <a:spLocks noGrp="1"/>
+          </p:cNvSpPr>
+          <p:nvPr>
+            <p:ph type="title"/>
+          </p:nvPr>
+        </p:nvSpPr>
+        <p:spPr>
+          <a:xfrm>
+            <a:off x="838200" y="478744"/>
+            <a:ext cx="10515600" cy="855381"/>
+          </a:xfrm>
+        </p:spPr>
+        <p:txBody>
+          <a:bodyPr/>
+          <a:lstStyle/>
+          <a:p>
+            <a:r>
+              <a:rPr lang="zh-CN" altLang="en-US" dirty="0" smtClean="0"/>
+              <a:t>单元测试的基本组成</a:t>
+            </a:r>
+            <a:endParaRPr lang="zh-CN" altLang="en-US" dirty="0"/>
+          </a:p>
+        </p:txBody>
+      </p:sp>
+      <p:sp>
+        <p:nvSpPr>
+          <p:cNvPr id="4" name="页脚占位符 3"/>
+          <p:cNvSpPr>
+            <a:spLocks noGrp="1"/>
+          </p:cNvSpPr>
+          <p:nvPr>
+            <p:ph type="ftr" sz="quarter" idx="11"/>
+          </p:nvPr>
+        </p:nvSpPr>
+        <p:spPr/>
+        <p:txBody>
+          <a:bodyPr/>
+          <a:lstStyle/>
+          <a:p>
+            <a:r>
+              <a:rPr lang="zh-CN" altLang="en-US" smtClean="0"/>
+              <a:t>单元测试概论</a:t>
+            </a:r>
+            <a:endParaRPr lang="zh-CN" altLang="en-US" dirty="0"/>
+          </a:p>
+        </p:txBody>
+      </p:sp>
+      <p:sp>
+        <p:nvSpPr>
+          <p:cNvPr id="5" name="灯片编号占位符 4"/>
+          <p:cNvSpPr>
+            <a:spLocks noGrp="1"/>
+          </p:cNvSpPr>
+          <p:nvPr>
+            <p:ph type="sldNum" sz="quarter" idx="12"/>
+          </p:nvPr>
+        </p:nvSpPr>
+        <p:spPr/>
+        <p:txBody>
+          <a:bodyPr/>
+          <a:lstStyle/>
+          <a:p>
+            <a:fld id="{F4A2626E-A0A3-4722-B047-8920ED1A51E7}" type="slidenum">
+              <a:rPr lang="zh-CN" altLang="en-US" smtClean="0"/>
+              <a:pPr/>
+              <a:t>10</a:t>
+            </a:fld>
+            <a:endParaRPr lang="zh-CN" altLang="en-US" dirty="0"/>
+          </a:p>
+        </p:txBody>
+      </p:sp>
+      <p:graphicFrame>
+        <p:nvGraphicFramePr>
+          <p:cNvPr id="8" name="内容占位符 7"/>
+          <p:cNvGraphicFramePr>
+            <a:graphicFrameLocks noGrp="1"/>
+          </p:cNvGraphicFramePr>
+          <p:nvPr>
+            <p:ph idx="1"/>
+            <p:extLst>
+              <p:ext uri="{D42A27DB-BD31-4B8C-83A1-F6EECF244321}">
+                <p14:modId xmlns:p14="http://schemas.microsoft.com/office/powerpoint/2010/main" xmlns="" val="4065712132"/>
+              </p:ext>
+            </p:extLst>
+          </p:nvPr>
+        </p:nvGraphicFramePr>
+        <p:xfrm>
+          <a:off x="2705100" y="1663700"/>
+          <a:ext cx="5324475" cy="4175125"/>
+        </p:xfrm>
+        <a:graphic>
+          <a:graphicData uri="http://schemas.openxmlformats.org/drawingml/2006/diagram">
+            <dgm:relIds xmlns:dgm="http://schemas.openxmlformats.org/drawingml/2006/diagram" xmlns:r="http://schemas.openxmlformats.org/officeDocument/2006/relationships" r:dm="rId3" r:lo="rId4" r:qs="rId5" r:cs="rId6"/>
+          </a:graphicData>
+        </a:graphic>
+      </p:graphicFrame>
+    </p:spTree>
+    <p:extLst>
+      <p:ext uri="{BB962C8B-B14F-4D97-AF65-F5344CB8AC3E}">
+        <p14:creationId xmlns:p14="http://schemas.microsoft.com/office/powerpoint/2010/main" xmlns="" val="1258132720"/>
+      </p:ext>
+    </p:extLst>
+  </p:cSld>
+  <p:clrMapOvr>
+    <a:masterClrMapping/>
+  </p:clrMapOvr>
+  <p:timing>
+    <p:tnLst>
+      <p:par>
+        <p:cTn id="1" dur="indefinite" restart="never" nodeType="tmRoot"/>
+      </p:par>
+    </p:tnLst>
+  </p:timing>
+</p:sld>
+</file>
+
+<file path=ppt/slides/slide11.xml><?xml version="1.0" encoding="utf-8"?>
 <p:sld xmlns:a="http://schemas.openxmlformats.org/drawingml/2006/main" xmlns:r="http://schemas.openxmlformats.org/officeDocument/2006/relationships" xmlns:p="http://schemas.openxmlformats.org/presentationml/2006/main">
   <p:cSld>
     <p:spTree>
@@ -18175,7 +18047,7 @@
             <a:fld id="{F4A2626E-A0A3-4722-B047-8920ED1A51E7}" type="slidenum">
               <a:rPr lang="zh-CN" altLang="en-US" smtClean="0"/>
               <a:pPr/>
-              <a:t>10</a:t>
+              <a:t>11</a:t>
             </a:fld>
             <a:endParaRPr lang="zh-CN" altLang="en-US" dirty="0"/>
           </a:p>
@@ -18418,218 +18290,7 @@
     </p:spTree>
     <p:extLst>
       <p:ext uri="{BB962C8B-B14F-4D97-AF65-F5344CB8AC3E}">
-        <p14:creationId xmlns:p14="http://schemas.microsoft.com/office/powerpoint/2010/main" val="941624380"/>
-      </p:ext>
-    </p:extLst>
-  </p:cSld>
-  <p:clrMapOvr>
-    <a:masterClrMapping/>
-  </p:clrMapOvr>
-  <p:timing>
-    <p:tnLst>
-      <p:par>
-        <p:cTn id="1" dur="indefinite" restart="never" nodeType="tmRoot"/>
-      </p:par>
-    </p:tnLst>
-  </p:timing>
-</p:sld>
-</file>
-
-<file path=ppt/slides/slide11.xml><?xml version="1.0" encoding="utf-8"?>
-<p:sld xmlns:a="http://schemas.openxmlformats.org/drawingml/2006/main" xmlns:r="http://schemas.openxmlformats.org/officeDocument/2006/relationships" xmlns:p="http://schemas.openxmlformats.org/presentationml/2006/main">
-  <p:cSld>
-    <p:spTree>
-      <p:nvGrpSpPr>
-        <p:cNvPr id="1" name=""/>
-        <p:cNvGrpSpPr/>
-        <p:nvPr/>
-      </p:nvGrpSpPr>
-      <p:grpSpPr>
-        <a:xfrm>
-          <a:off x="0" y="0"/>
-          <a:ext cx="0" cy="0"/>
-          <a:chOff x="0" y="0"/>
-          <a:chExt cx="0" cy="0"/>
-        </a:xfrm>
-      </p:grpSpPr>
-      <p:sp>
-        <p:nvSpPr>
-          <p:cNvPr id="2" name="标题 1"/>
-          <p:cNvSpPr>
-            <a:spLocks noGrp="1"/>
-          </p:cNvSpPr>
-          <p:nvPr>
-            <p:ph type="title"/>
-          </p:nvPr>
-        </p:nvSpPr>
-        <p:spPr/>
-        <p:txBody>
-          <a:bodyPr/>
-          <a:lstStyle/>
-          <a:p>
-            <a:r>
-              <a:rPr lang="zh-CN" altLang="en-US" dirty="0" smtClean="0"/>
-              <a:t>单元测试的范围</a:t>
-            </a:r>
-            <a:endParaRPr lang="zh-CN" altLang="en-US" dirty="0"/>
-          </a:p>
-        </p:txBody>
-      </p:sp>
-      <p:sp>
-        <p:nvSpPr>
-          <p:cNvPr id="3" name="内容占位符 2"/>
-          <p:cNvSpPr>
-            <a:spLocks noGrp="1"/>
-          </p:cNvSpPr>
-          <p:nvPr>
-            <p:ph idx="1"/>
-          </p:nvPr>
-        </p:nvSpPr>
-        <p:spPr/>
-        <p:txBody>
-          <a:bodyPr/>
-          <a:lstStyle/>
-          <a:p>
-            <a:r>
-              <a:rPr lang="zh-CN" altLang="en-US" dirty="0" smtClean="0"/>
-              <a:t>测试什么</a:t>
-            </a:r>
-            <a:endParaRPr lang="en-US" altLang="zh-CN" dirty="0" smtClean="0"/>
-          </a:p>
-          <a:p>
-            <a:pPr lvl="1">
-              <a:buFont typeface="Wingdings" panose="05000000000000000000" pitchFamily="2" charset="2"/>
-              <a:buChar char="ü"/>
-            </a:pPr>
-            <a:r>
-              <a:rPr lang="zh-CN" altLang="en-US" dirty="0" smtClean="0"/>
-              <a:t>界面逻辑</a:t>
-            </a:r>
-            <a:endParaRPr lang="en-US" altLang="zh-CN" dirty="0" smtClean="0"/>
-          </a:p>
-          <a:p>
-            <a:pPr lvl="1">
-              <a:buFont typeface="Wingdings" panose="05000000000000000000" pitchFamily="2" charset="2"/>
-              <a:buChar char="ü"/>
-            </a:pPr>
-            <a:r>
-              <a:rPr lang="zh-CN" altLang="en-US" dirty="0" smtClean="0"/>
-              <a:t>业务逻辑</a:t>
-            </a:r>
-            <a:endParaRPr lang="en-US" altLang="zh-CN" dirty="0" smtClean="0"/>
-          </a:p>
-          <a:p>
-            <a:r>
-              <a:rPr lang="zh-CN" altLang="en-US" dirty="0" smtClean="0"/>
-              <a:t>不测试什么</a:t>
-            </a:r>
-            <a:endParaRPr lang="en-US" altLang="zh-CN" dirty="0" smtClean="0"/>
-          </a:p>
-          <a:p>
-            <a:pPr lvl="1">
-              <a:buFont typeface="Wingdings" panose="05000000000000000000" pitchFamily="2" charset="2"/>
-              <a:buChar char="ü"/>
-            </a:pPr>
-            <a:r>
-              <a:rPr lang="zh-CN" altLang="en-US" dirty="0" smtClean="0"/>
-              <a:t>外部服务</a:t>
-            </a:r>
-            <a:endParaRPr lang="en-US" altLang="zh-CN" dirty="0" smtClean="0"/>
-          </a:p>
-          <a:p>
-            <a:pPr lvl="1">
-              <a:buFont typeface="Wingdings" panose="05000000000000000000" pitchFamily="2" charset="2"/>
-              <a:buChar char="ü"/>
-            </a:pPr>
-            <a:r>
-              <a:rPr lang="zh-CN" altLang="en-US" dirty="0" smtClean="0"/>
-              <a:t>数据库</a:t>
-            </a:r>
-            <a:endParaRPr lang="en-US" altLang="zh-CN" dirty="0" smtClean="0"/>
-          </a:p>
-          <a:p>
-            <a:pPr lvl="1">
-              <a:buFont typeface="Wingdings" panose="05000000000000000000" pitchFamily="2" charset="2"/>
-              <a:buChar char="ü"/>
-            </a:pPr>
-            <a:r>
-              <a:rPr lang="en-US" altLang="zh-CN" dirty="0" smtClean="0"/>
-              <a:t>I/O</a:t>
-            </a:r>
-            <a:r>
-              <a:rPr lang="zh-CN" altLang="en-US" dirty="0" smtClean="0"/>
-              <a:t>存储</a:t>
-            </a:r>
-            <a:endParaRPr lang="en-US" altLang="zh-CN" dirty="0" smtClean="0"/>
-          </a:p>
-          <a:p>
-            <a:pPr lvl="1">
-              <a:buFont typeface="Wingdings" panose="05000000000000000000" pitchFamily="2" charset="2"/>
-              <a:buChar char="ü"/>
-            </a:pPr>
-            <a:r>
-              <a:rPr lang="en-US" altLang="zh-CN" dirty="0" smtClean="0"/>
-              <a:t>UI</a:t>
-            </a:r>
-            <a:r>
-              <a:rPr lang="zh-CN" altLang="en-US" dirty="0" smtClean="0"/>
-              <a:t>界面</a:t>
-            </a:r>
-            <a:endParaRPr lang="zh-CN" altLang="en-US" dirty="0"/>
-          </a:p>
-        </p:txBody>
-      </p:sp>
-      <p:sp>
-        <p:nvSpPr>
-          <p:cNvPr id="6" name="页脚占位符 5"/>
-          <p:cNvSpPr>
-            <a:spLocks noGrp="1"/>
-          </p:cNvSpPr>
-          <p:nvPr>
-            <p:ph type="ftr" sz="quarter" idx="11"/>
-          </p:nvPr>
-        </p:nvSpPr>
-        <p:spPr/>
-        <p:txBody>
-          <a:bodyPr/>
-          <a:lstStyle/>
-          <a:p>
-            <a:r>
-              <a:rPr lang="zh-CN" altLang="en-US" smtClean="0"/>
-              <a:t>单元测试概论</a:t>
-            </a:r>
-            <a:endParaRPr lang="zh-CN" altLang="en-US" dirty="0"/>
-          </a:p>
-        </p:txBody>
-      </p:sp>
-      <p:sp>
-        <p:nvSpPr>
-          <p:cNvPr id="7" name="灯片编号占位符 6"/>
-          <p:cNvSpPr>
-            <a:spLocks noGrp="1"/>
-          </p:cNvSpPr>
-          <p:nvPr>
-            <p:ph type="sldNum" sz="quarter" idx="12"/>
-          </p:nvPr>
-        </p:nvSpPr>
-        <p:spPr/>
-        <p:txBody>
-          <a:bodyPr/>
-          <a:lstStyle/>
-          <a:p>
-            <a:fld id="{F4A2626E-A0A3-4722-B047-8920ED1A51E7}" type="slidenum">
-              <a:rPr lang="zh-CN" altLang="en-US" smtClean="0"/>
-              <a:pPr/>
-              <a:t>11</a:t>
-            </a:fld>
-            <a:endParaRPr lang="zh-CN" altLang="en-US" dirty="0"/>
-          </a:p>
-        </p:txBody>
-      </p:sp>
-    </p:spTree>
-    <p:extLst>
-      <p:ext uri="{BB962C8B-B14F-4D97-AF65-F5344CB8AC3E}">
-        <p14:creationId xmlns:p14="http://schemas.microsoft.com/office/powerpoint/2010/main" val="3490512329"/>
+        <p14:creationId xmlns:p14="http://schemas.microsoft.com/office/powerpoint/2010/main" xmlns="" val="941624380"/>
       </p:ext>
     </p:extLst>
   </p:cSld>
@@ -18921,7 +18582,7 @@
     </p:spTree>
     <p:extLst>
       <p:ext uri="{BB962C8B-B14F-4D97-AF65-F5344CB8AC3E}">
-        <p14:creationId xmlns:p14="http://schemas.microsoft.com/office/powerpoint/2010/main" val="1246062724"/>
+        <p14:creationId xmlns:p14="http://schemas.microsoft.com/office/powerpoint/2010/main" xmlns="" val="1246062724"/>
       </p:ext>
     </p:extLst>
   </p:cSld>
@@ -19011,7 +18672,7 @@
     </p:spTree>
     <p:extLst>
       <p:ext uri="{BB962C8B-B14F-4D97-AF65-F5344CB8AC3E}">
-        <p14:creationId xmlns:p14="http://schemas.microsoft.com/office/powerpoint/2010/main" val="402662768"/>
+        <p14:creationId xmlns:p14="http://schemas.microsoft.com/office/powerpoint/2010/main" xmlns="" val="402662768"/>
       </p:ext>
     </p:extLst>
   </p:cSld>
@@ -19055,7 +18716,485 @@
           <a:p>
             <a:r>
               <a:rPr lang="zh-CN" altLang="en-US" dirty="0" smtClean="0"/>
-              <a:t>隔离的对象类型</a:t>
+              <a:t>隔离依赖的前提</a:t>
+            </a:r>
+            <a:r>
+              <a:rPr lang="en-US" altLang="zh-CN" dirty="0" smtClean="0"/>
+              <a:t>——</a:t>
+            </a:r>
+            <a:r>
+              <a:rPr lang="zh-CN" altLang="en-US" dirty="0" smtClean="0"/>
+              <a:t>接缝</a:t>
+            </a:r>
+            <a:endParaRPr lang="zh-CN" altLang="en-US" dirty="0"/>
+          </a:p>
+        </p:txBody>
+      </p:sp>
+      <p:sp>
+        <p:nvSpPr>
+          <p:cNvPr id="3" name="页脚占位符 2"/>
+          <p:cNvSpPr>
+            <a:spLocks noGrp="1"/>
+          </p:cNvSpPr>
+          <p:nvPr>
+            <p:ph type="ftr" sz="quarter" idx="11"/>
+          </p:nvPr>
+        </p:nvSpPr>
+        <p:spPr/>
+        <p:txBody>
+          <a:bodyPr/>
+          <a:lstStyle/>
+          <a:p>
+            <a:r>
+              <a:rPr lang="zh-CN" altLang="en-US" smtClean="0"/>
+              <a:t>单元测试概论</a:t>
+            </a:r>
+            <a:endParaRPr lang="zh-CN" altLang="en-US"/>
+          </a:p>
+        </p:txBody>
+      </p:sp>
+      <p:sp>
+        <p:nvSpPr>
+          <p:cNvPr id="4" name="灯片编号占位符 3"/>
+          <p:cNvSpPr>
+            <a:spLocks noGrp="1"/>
+          </p:cNvSpPr>
+          <p:nvPr>
+            <p:ph type="sldNum" sz="quarter" idx="12"/>
+          </p:nvPr>
+        </p:nvSpPr>
+        <p:spPr/>
+        <p:txBody>
+          <a:bodyPr/>
+          <a:lstStyle/>
+          <a:p>
+            <a:fld id="{F4A2626E-A0A3-4722-B047-8920ED1A51E7}" type="slidenum">
+              <a:rPr lang="zh-CN" altLang="en-US" smtClean="0"/>
+              <a:pPr/>
+              <a:t>14</a:t>
+            </a:fld>
+            <a:endParaRPr lang="zh-CN" altLang="en-US"/>
+          </a:p>
+        </p:txBody>
+      </p:sp>
+      <p:sp>
+        <p:nvSpPr>
+          <p:cNvPr id="6" name="内容占位符 2"/>
+          <p:cNvSpPr txBox="1">
+            <a:spLocks/>
+          </p:cNvSpPr>
+          <p:nvPr/>
+        </p:nvSpPr>
+        <p:spPr>
+          <a:xfrm>
+            <a:off x="838199" y="1825625"/>
+            <a:ext cx="10507133" cy="4351338"/>
+          </a:xfrm>
+          <a:prstGeom prst="rect">
+            <a:avLst/>
+          </a:prstGeom>
+        </p:spPr>
+        <p:txBody>
+          <a:bodyPr/>
+          <a:lstStyle/>
+          <a:p>
+            <a:pPr marL="228600" marR="0" lvl="0" indent="-228600" algn="l" defTabSz="914400" rtl="0" eaLnBrk="1" fontAlgn="auto" latinLnBrk="0" hangingPunct="1">
+              <a:lnSpc>
+                <a:spcPct val="90000"/>
+              </a:lnSpc>
+              <a:spcBef>
+                <a:spcPts val="1000"/>
+              </a:spcBef>
+              <a:spcAft>
+                <a:spcPts val="0"/>
+              </a:spcAft>
+              <a:buClrTx/>
+              <a:buSzTx/>
+              <a:tabLst/>
+              <a:defRPr/>
+            </a:pPr>
+            <a:r>
+              <a:rPr kumimoji="0" lang="zh-CN" altLang="en-US" sz="2800" b="0" i="0" u="none" strike="noStrike" kern="1200" cap="none" spc="0" normalizeH="0" baseline="0" noProof="0" dirty="0" smtClean="0">
+                <a:ln>
+                  <a:noFill/>
+                </a:ln>
+                <a:solidFill>
+                  <a:schemeClr val="tx1"/>
+                </a:solidFill>
+                <a:effectLst/>
+                <a:uLnTx/>
+                <a:uFillTx/>
+                <a:latin typeface="+mn-lt"/>
+                <a:ea typeface="+mn-ea"/>
+                <a:cs typeface="+mn-cs"/>
+              </a:rPr>
+              <a:t>接缝是代码中可以插入外部功能的地方。</a:t>
+            </a:r>
+            <a:endParaRPr kumimoji="0" lang="en-US" altLang="zh-CN" sz="2800" b="0" i="0" u="none" strike="noStrike" kern="1200" cap="none" spc="0" normalizeH="0" baseline="0" noProof="0" dirty="0" smtClean="0">
+              <a:ln>
+                <a:noFill/>
+              </a:ln>
+              <a:solidFill>
+                <a:schemeClr val="tx1"/>
+              </a:solidFill>
+              <a:effectLst/>
+              <a:uLnTx/>
+              <a:uFillTx/>
+              <a:latin typeface="+mn-lt"/>
+              <a:ea typeface="+mn-ea"/>
+              <a:cs typeface="+mn-cs"/>
+            </a:endParaRPr>
+          </a:p>
+          <a:p>
+            <a:pPr marL="228600" marR="0" lvl="0" indent="-228600" algn="l" defTabSz="914400" rtl="0" eaLnBrk="1" fontAlgn="auto" latinLnBrk="0" hangingPunct="1">
+              <a:lnSpc>
+                <a:spcPct val="90000"/>
+              </a:lnSpc>
+              <a:spcBef>
+                <a:spcPts val="1000"/>
+              </a:spcBef>
+              <a:spcAft>
+                <a:spcPts val="0"/>
+              </a:spcAft>
+              <a:buClrTx/>
+              <a:buSzTx/>
+              <a:tabLst/>
+              <a:defRPr/>
+            </a:pPr>
+            <a:endParaRPr kumimoji="0" lang="en-US" altLang="zh-CN" sz="2800" b="0" i="0" u="none" strike="noStrike" kern="1200" cap="none" spc="0" normalizeH="0" baseline="0" noProof="0" dirty="0" smtClean="0">
+              <a:ln>
+                <a:noFill/>
+              </a:ln>
+              <a:solidFill>
+                <a:schemeClr val="tx1"/>
+              </a:solidFill>
+              <a:effectLst/>
+              <a:uLnTx/>
+              <a:uFillTx/>
+              <a:latin typeface="+mn-lt"/>
+              <a:ea typeface="+mn-ea"/>
+              <a:cs typeface="+mn-cs"/>
+            </a:endParaRPr>
+          </a:p>
+          <a:p>
+            <a:pPr marL="228600" marR="0" lvl="0" indent="-228600" algn="l" defTabSz="914400" rtl="0" eaLnBrk="1" fontAlgn="auto" latinLnBrk="0" hangingPunct="1">
+              <a:lnSpc>
+                <a:spcPct val="90000"/>
+              </a:lnSpc>
+              <a:spcBef>
+                <a:spcPts val="1000"/>
+              </a:spcBef>
+              <a:spcAft>
+                <a:spcPts val="0"/>
+              </a:spcAft>
+              <a:buClrTx/>
+              <a:buSzTx/>
+              <a:tabLst/>
+              <a:defRPr/>
+            </a:pPr>
+            <a:r>
+              <a:rPr lang="zh-CN" altLang="en-US" sz="3200" dirty="0" smtClean="0"/>
+              <a:t>添加接缝的方式</a:t>
+            </a:r>
+            <a:endParaRPr kumimoji="0" lang="en-US" altLang="zh-CN" sz="3200" b="0" i="0" u="none" strike="noStrike" kern="1200" cap="none" spc="0" normalizeH="0" baseline="0" noProof="0" dirty="0" smtClean="0">
+              <a:ln>
+                <a:noFill/>
+              </a:ln>
+              <a:solidFill>
+                <a:schemeClr val="tx1"/>
+              </a:solidFill>
+              <a:effectLst/>
+              <a:uLnTx/>
+              <a:uFillTx/>
+              <a:latin typeface="+mn-lt"/>
+              <a:ea typeface="+mn-ea"/>
+              <a:cs typeface="+mn-cs"/>
+            </a:endParaRPr>
+          </a:p>
+          <a:p>
+            <a:pPr marL="228600" marR="0" lvl="0" indent="-228600" algn="l" defTabSz="914400" rtl="0" eaLnBrk="1" fontAlgn="auto" latinLnBrk="0" hangingPunct="1">
+              <a:lnSpc>
+                <a:spcPct val="90000"/>
+              </a:lnSpc>
+              <a:spcBef>
+                <a:spcPts val="1000"/>
+              </a:spcBef>
+              <a:spcAft>
+                <a:spcPts val="0"/>
+              </a:spcAft>
+              <a:buClrTx/>
+              <a:buSzTx/>
+              <a:buFont typeface="Arial" pitchFamily="34" charset="0"/>
+              <a:buChar char="•"/>
+              <a:tabLst/>
+              <a:defRPr/>
+            </a:pPr>
+            <a:r>
+              <a:rPr kumimoji="0" lang="zh-CN" altLang="en-US" sz="2800" b="0" i="0" u="none" strike="noStrike" kern="1200" cap="none" spc="0" normalizeH="0" baseline="0" noProof="0" dirty="0" smtClean="0">
+                <a:ln>
+                  <a:noFill/>
+                </a:ln>
+                <a:solidFill>
+                  <a:schemeClr val="tx1"/>
+                </a:solidFill>
+                <a:effectLst/>
+                <a:uLnTx/>
+                <a:uFillTx/>
+                <a:latin typeface="+mn-lt"/>
+                <a:ea typeface="+mn-ea"/>
+                <a:cs typeface="+mn-cs"/>
+              </a:rPr>
+              <a:t>添加一个构造函数参数（推荐）</a:t>
+            </a:r>
+            <a:endParaRPr kumimoji="0" lang="en-US" altLang="zh-CN" sz="2800" b="0" i="0" u="none" strike="noStrike" kern="1200" cap="none" spc="0" normalizeH="0" baseline="0" noProof="0" dirty="0" smtClean="0">
+              <a:ln>
+                <a:noFill/>
+              </a:ln>
+              <a:solidFill>
+                <a:schemeClr val="tx1"/>
+              </a:solidFill>
+              <a:effectLst/>
+              <a:uLnTx/>
+              <a:uFillTx/>
+              <a:latin typeface="+mn-lt"/>
+              <a:ea typeface="+mn-ea"/>
+              <a:cs typeface="+mn-cs"/>
+            </a:endParaRPr>
+          </a:p>
+          <a:p>
+            <a:pPr marL="228600" marR="0" lvl="0" indent="-228600" algn="l" defTabSz="914400" rtl="0" eaLnBrk="1" fontAlgn="auto" latinLnBrk="0" hangingPunct="1">
+              <a:lnSpc>
+                <a:spcPct val="90000"/>
+              </a:lnSpc>
+              <a:spcBef>
+                <a:spcPts val="1000"/>
+              </a:spcBef>
+              <a:spcAft>
+                <a:spcPts val="0"/>
+              </a:spcAft>
+              <a:buClrTx/>
+              <a:buSzTx/>
+              <a:buFont typeface="Arial" pitchFamily="34" charset="0"/>
+              <a:buChar char="•"/>
+              <a:tabLst/>
+              <a:defRPr/>
+            </a:pPr>
+            <a:r>
+              <a:rPr lang="zh-CN" altLang="en-US" sz="2800" dirty="0" smtClean="0"/>
+              <a:t>添加一个可设置的公共属性</a:t>
+            </a:r>
+            <a:endParaRPr lang="en-US" altLang="zh-CN" sz="2800" dirty="0" smtClean="0"/>
+          </a:p>
+          <a:p>
+            <a:pPr marL="228600" marR="0" lvl="0" indent="-228600" algn="l" defTabSz="914400" rtl="0" eaLnBrk="1" fontAlgn="auto" latinLnBrk="0" hangingPunct="1">
+              <a:lnSpc>
+                <a:spcPct val="90000"/>
+              </a:lnSpc>
+              <a:spcBef>
+                <a:spcPts val="1000"/>
+              </a:spcBef>
+              <a:spcAft>
+                <a:spcPts val="0"/>
+              </a:spcAft>
+              <a:buClrTx/>
+              <a:buSzTx/>
+              <a:buFont typeface="Arial" pitchFamily="34" charset="0"/>
+              <a:buChar char="•"/>
+              <a:tabLst/>
+              <a:defRPr/>
+            </a:pPr>
+            <a:r>
+              <a:rPr kumimoji="0" lang="zh-CN" altLang="en-US" sz="2800" b="0" i="0" u="none" strike="noStrike" kern="1200" cap="none" spc="0" normalizeH="0" baseline="0" noProof="0" dirty="0" smtClean="0">
+                <a:ln>
+                  <a:noFill/>
+                </a:ln>
+                <a:solidFill>
+                  <a:schemeClr val="tx1"/>
+                </a:solidFill>
+                <a:effectLst/>
+                <a:uLnTx/>
+                <a:uFillTx/>
+                <a:latin typeface="+mn-lt"/>
+                <a:ea typeface="+mn-ea"/>
+                <a:cs typeface="+mn-cs"/>
+              </a:rPr>
+              <a:t>把一个方法改成虚拟方法</a:t>
+            </a:r>
+            <a:endParaRPr kumimoji="0" lang="en-US" altLang="zh-CN" sz="2800" b="0" i="0" u="none" strike="noStrike" kern="1200" cap="none" spc="0" normalizeH="0" baseline="0" noProof="0" dirty="0" smtClean="0">
+              <a:ln>
+                <a:noFill/>
+              </a:ln>
+              <a:solidFill>
+                <a:schemeClr val="tx1"/>
+              </a:solidFill>
+              <a:effectLst/>
+              <a:uLnTx/>
+              <a:uFillTx/>
+              <a:latin typeface="+mn-lt"/>
+              <a:ea typeface="+mn-ea"/>
+              <a:cs typeface="+mn-cs"/>
+            </a:endParaRPr>
+          </a:p>
+          <a:p>
+            <a:pPr marL="228600" marR="0" lvl="0" indent="-228600" algn="l" defTabSz="914400" rtl="0" eaLnBrk="1" fontAlgn="auto" latinLnBrk="0" hangingPunct="1">
+              <a:lnSpc>
+                <a:spcPct val="90000"/>
+              </a:lnSpc>
+              <a:spcBef>
+                <a:spcPts val="1000"/>
+              </a:spcBef>
+              <a:spcAft>
+                <a:spcPts val="0"/>
+              </a:spcAft>
+              <a:buClrTx/>
+              <a:buSzTx/>
+              <a:buFont typeface="Arial" pitchFamily="34" charset="0"/>
+              <a:buChar char="•"/>
+              <a:tabLst/>
+              <a:defRPr/>
+            </a:pPr>
+            <a:r>
+              <a:rPr lang="zh-CN" altLang="en-US" sz="2800" dirty="0" smtClean="0"/>
+              <a:t>添加一个外部可访问的委托</a:t>
+            </a:r>
+            <a:endParaRPr kumimoji="0" lang="en-US" altLang="zh-CN" sz="2800" b="0" i="0" u="none" strike="noStrike" kern="1200" cap="none" spc="0" normalizeH="0" baseline="0" noProof="0" dirty="0" smtClean="0">
+              <a:ln>
+                <a:noFill/>
+              </a:ln>
+              <a:solidFill>
+                <a:schemeClr val="tx1"/>
+              </a:solidFill>
+              <a:effectLst/>
+              <a:uLnTx/>
+              <a:uFillTx/>
+              <a:latin typeface="+mn-lt"/>
+              <a:ea typeface="+mn-ea"/>
+              <a:cs typeface="+mn-cs"/>
+            </a:endParaRPr>
+          </a:p>
+          <a:p>
+            <a:pPr marL="228600" marR="0" lvl="0" indent="-228600" algn="l" defTabSz="914400" rtl="0" eaLnBrk="1" fontAlgn="auto" latinLnBrk="0" hangingPunct="1">
+              <a:lnSpc>
+                <a:spcPct val="90000"/>
+              </a:lnSpc>
+              <a:spcBef>
+                <a:spcPts val="1000"/>
+              </a:spcBef>
+              <a:spcAft>
+                <a:spcPts val="0"/>
+              </a:spcAft>
+              <a:buClrTx/>
+              <a:buSzTx/>
+              <a:buFont typeface="Arial" pitchFamily="34" charset="0"/>
+              <a:buChar char="•"/>
+              <a:tabLst/>
+              <a:defRPr/>
+            </a:pPr>
+            <a:endParaRPr kumimoji="0" lang="en-US" altLang="zh-CN" sz="2800" b="0" i="0" u="none" strike="noStrike" kern="1200" cap="none" spc="0" normalizeH="0" baseline="0" noProof="0" dirty="0" smtClean="0">
+              <a:ln>
+                <a:noFill/>
+              </a:ln>
+              <a:solidFill>
+                <a:schemeClr val="tx1"/>
+              </a:solidFill>
+              <a:effectLst/>
+              <a:uLnTx/>
+              <a:uFillTx/>
+              <a:latin typeface="+mn-lt"/>
+              <a:ea typeface="+mn-ea"/>
+              <a:cs typeface="+mn-cs"/>
+            </a:endParaRPr>
+          </a:p>
+          <a:p>
+            <a:pPr marL="228600" marR="0" lvl="0" indent="-228600" algn="l" defTabSz="914400" rtl="0" eaLnBrk="1" fontAlgn="auto" latinLnBrk="0" hangingPunct="1">
+              <a:lnSpc>
+                <a:spcPct val="90000"/>
+              </a:lnSpc>
+              <a:spcBef>
+                <a:spcPts val="1000"/>
+              </a:spcBef>
+              <a:spcAft>
+                <a:spcPts val="0"/>
+              </a:spcAft>
+              <a:buClrTx/>
+              <a:buSzTx/>
+              <a:buFont typeface="Arial" pitchFamily="34" charset="0"/>
+              <a:buNone/>
+              <a:tabLst/>
+              <a:defRPr/>
+            </a:pPr>
+            <a:endParaRPr kumimoji="0" lang="zh-CN" altLang="en-US" sz="2800" b="0" i="0" u="none" strike="noStrike" kern="1200" cap="none" spc="0" normalizeH="0" baseline="0" noProof="0" dirty="0">
+              <a:ln>
+                <a:noFill/>
+              </a:ln>
+              <a:solidFill>
+                <a:schemeClr val="tx1"/>
+              </a:solidFill>
+              <a:effectLst/>
+              <a:uLnTx/>
+              <a:uFillTx/>
+              <a:latin typeface="+mn-lt"/>
+              <a:ea typeface="+mn-ea"/>
+              <a:cs typeface="+mn-cs"/>
+            </a:endParaRPr>
+          </a:p>
+        </p:txBody>
+      </p:sp>
+    </p:spTree>
+  </p:cSld>
+  <p:clrMapOvr>
+    <a:masterClrMapping/>
+  </p:clrMapOvr>
+</p:sld>
+</file>
+
+<file path=ppt/slides/slide15.xml><?xml version="1.0" encoding="utf-8"?>
+<p:sld xmlns:a="http://schemas.openxmlformats.org/drawingml/2006/main" xmlns:r="http://schemas.openxmlformats.org/officeDocument/2006/relationships" xmlns:p="http://schemas.openxmlformats.org/presentationml/2006/main">
+  <p:cSld>
+    <p:spTree>
+      <p:nvGrpSpPr>
+        <p:cNvPr id="1" name=""/>
+        <p:cNvGrpSpPr/>
+        <p:nvPr/>
+      </p:nvGrpSpPr>
+      <p:grpSpPr>
+        <a:xfrm>
+          <a:off x="0" y="0"/>
+          <a:ext cx="0" cy="0"/>
+          <a:chOff x="0" y="0"/>
+          <a:chExt cx="0" cy="0"/>
+        </a:xfrm>
+      </p:grpSpPr>
+      <p:sp>
+        <p:nvSpPr>
+          <p:cNvPr id="2" name="标题 1"/>
+          <p:cNvSpPr>
+            <a:spLocks noGrp="1"/>
+          </p:cNvSpPr>
+          <p:nvPr>
+            <p:ph type="title"/>
+          </p:nvPr>
+        </p:nvSpPr>
+        <p:spPr/>
+        <p:txBody>
+          <a:bodyPr/>
+          <a:lstStyle/>
+          <a:p>
+            <a:r>
+              <a:rPr lang="zh-CN" altLang="en-US" dirty="0" smtClean="0"/>
+              <a:t>依赖注入</a:t>
+            </a:r>
+            <a:r>
+              <a:rPr lang="en-US" altLang="zh-CN" dirty="0" smtClean="0"/>
+              <a:t>——</a:t>
+            </a:r>
+            <a:r>
+              <a:rPr lang="zh-CN" altLang="en-US" dirty="0" smtClean="0"/>
+              <a:t>在被测试单元中</a:t>
+            </a:r>
+            <a:r>
+              <a:rPr lang="zh-CN" altLang="en-US" dirty="0" smtClean="0"/>
+              <a:t>注入伪对象</a:t>
             </a:r>
             <a:endParaRPr lang="zh-CN" altLang="en-US" dirty="0"/>
           </a:p>
@@ -19071,38 +19210,92 @@
             <p:ph sz="half" idx="1"/>
           </p:nvPr>
         </p:nvSpPr>
-        <p:spPr/>
+        <p:spPr>
+          <a:xfrm>
+            <a:off x="838199" y="1825625"/>
+            <a:ext cx="10507133" cy="4351338"/>
+          </a:xfrm>
+        </p:spPr>
         <p:txBody>
           <a:bodyPr/>
           <a:lstStyle/>
+          <a:p>
+            <a:pPr>
+              <a:buNone/>
+            </a:pPr>
+            <a:r>
+              <a:rPr lang="zh-CN" altLang="en-US" dirty="0" smtClean="0"/>
+              <a:t>伪对象包括桩对象和模拟对象两种。</a:t>
+            </a:r>
+            <a:endParaRPr lang="en-US" altLang="zh-CN" dirty="0" smtClean="0"/>
+          </a:p>
           <a:p>
             <a:r>
               <a:rPr lang="zh-CN" altLang="en-US" dirty="0" smtClean="0"/>
               <a:t>桩对象</a:t>
             </a:r>
-            <a:endParaRPr lang="zh-CN" altLang="en-US" dirty="0"/>
+            <a:r>
+              <a:rPr lang="en-US" altLang="zh-CN" dirty="0" smtClean="0"/>
+              <a:t>——</a:t>
+            </a:r>
+            <a:r>
+              <a:rPr lang="zh-CN" altLang="en-US" dirty="0" smtClean="0"/>
+              <a:t>模拟返回值 </a:t>
+            </a:r>
+            <a:r>
+              <a:rPr lang="en-US" altLang="zh-CN" dirty="0" smtClean="0"/>
+              <a:t>(&gt;95%)</a:t>
+            </a:r>
           </a:p>
-        </p:txBody>
-      </p:sp>
-      <p:sp>
-        <p:nvSpPr>
-          <p:cNvPr id="4" name="内容占位符 3"/>
-          <p:cNvSpPr>
-            <a:spLocks noGrp="1"/>
-          </p:cNvSpPr>
-          <p:nvPr>
-            <p:ph sz="half" idx="2"/>
-          </p:nvPr>
-        </p:nvSpPr>
-        <p:spPr/>
-        <p:txBody>
-          <a:bodyPr/>
-          <a:lstStyle/>
+          <a:p>
+            <a:pPr lvl="1"/>
+            <a:r>
+              <a:rPr lang="en-US" altLang="zh-CN" dirty="0" smtClean="0"/>
+              <a:t>Demo</a:t>
+            </a:r>
+            <a:endParaRPr lang="en-US" altLang="zh-CN" dirty="0" smtClean="0"/>
+          </a:p>
           <a:p>
             <a:r>
               <a:rPr lang="zh-CN" altLang="en-US" dirty="0" smtClean="0"/>
               <a:t>模拟对象</a:t>
             </a:r>
+            <a:r>
+              <a:rPr lang="en-US" altLang="zh-CN" dirty="0" smtClean="0"/>
+              <a:t>——</a:t>
+            </a:r>
+            <a:r>
+              <a:rPr lang="zh-CN" altLang="en-US" dirty="0" smtClean="0"/>
+              <a:t>模拟交互 </a:t>
+            </a:r>
+            <a:r>
+              <a:rPr lang="en-US" altLang="zh-CN" dirty="0" smtClean="0"/>
+              <a:t>(&lt;5%,</a:t>
+            </a:r>
+            <a:r>
+              <a:rPr lang="zh-CN" altLang="en-US" dirty="0" smtClean="0"/>
+              <a:t>不常用</a:t>
+            </a:r>
+            <a:r>
+              <a:rPr lang="en-US" altLang="zh-CN" dirty="0" smtClean="0"/>
+              <a:t>)</a:t>
+            </a:r>
+          </a:p>
+          <a:p>
+            <a:pPr lvl="1"/>
+            <a:r>
+              <a:rPr lang="en-US" altLang="zh-CN" dirty="0" smtClean="0"/>
+              <a:t>Demo</a:t>
+            </a:r>
+            <a:endParaRPr lang="en-US" altLang="zh-CN" dirty="0" smtClean="0"/>
+          </a:p>
+          <a:p>
+            <a:endParaRPr lang="en-US" altLang="zh-CN" dirty="0" smtClean="0"/>
+          </a:p>
+          <a:p>
+            <a:pPr>
+              <a:buNone/>
+            </a:pPr>
             <a:endParaRPr lang="zh-CN" altLang="en-US" dirty="0"/>
           </a:p>
         </p:txBody>
@@ -19125,7 +19318,7 @@
             <a:fld id="{F4A2626E-A0A3-4722-B047-8920ED1A51E7}" type="slidenum">
               <a:rPr lang="zh-CN" altLang="en-US" smtClean="0"/>
               <a:pPr/>
-              <a:t>14</a:t>
+              <a:t>15</a:t>
             </a:fld>
             <a:endParaRPr lang="zh-CN" altLang="en-US"/>
           </a:p>
@@ -19260,7 +19453,7 @@
     </p:spTree>
     <p:extLst>
       <p:ext uri="{BB962C8B-B14F-4D97-AF65-F5344CB8AC3E}">
-        <p14:creationId xmlns:p14="http://schemas.microsoft.com/office/powerpoint/2010/main" val="3189830497"/>
+        <p14:creationId xmlns:p14="http://schemas.microsoft.com/office/powerpoint/2010/main" xmlns="" val="3189830497"/>
       </p:ext>
     </p:extLst>
   </p:cSld>
@@ -19270,7 +19463,7 @@
 </p:sld>
 </file>
 
-<file path=ppt/slides/slide15.xml><?xml version="1.0" encoding="utf-8"?>
+<file path=ppt/slides/slide16.xml><?xml version="1.0" encoding="utf-8"?>
 <p:sld xmlns:a="http://schemas.openxmlformats.org/drawingml/2006/main" xmlns:r="http://schemas.openxmlformats.org/officeDocument/2006/relationships" xmlns:p="http://schemas.openxmlformats.org/presentationml/2006/main">
   <p:cSld>
     <p:spTree>
@@ -19289,92 +19482,6 @@
       </p:grpSpPr>
       <p:sp>
         <p:nvSpPr>
-          <p:cNvPr id="30" name="矩形 29"/>
-          <p:cNvSpPr/>
-          <p:nvPr/>
-        </p:nvSpPr>
-        <p:spPr>
-          <a:xfrm>
-            <a:off x="6406093" y="219075"/>
-            <a:ext cx="5662082" cy="6238875"/>
-          </a:xfrm>
-          <a:prstGeom prst="rect">
-            <a:avLst/>
-          </a:prstGeom>
-          <a:solidFill>
-            <a:schemeClr val="bg1"/>
-          </a:solidFill>
-        </p:spPr>
-        <p:style>
-          <a:lnRef idx="2">
-            <a:schemeClr val="accent1">
-              <a:shade val="50000"/>
-            </a:schemeClr>
-          </a:lnRef>
-          <a:fillRef idx="1">
-            <a:schemeClr val="accent1"/>
-          </a:fillRef>
-          <a:effectRef idx="0">
-            <a:schemeClr val="accent1"/>
-          </a:effectRef>
-          <a:fontRef idx="minor">
-            <a:schemeClr val="lt1"/>
-          </a:fontRef>
-        </p:style>
-        <p:txBody>
-          <a:bodyPr rtlCol="0" anchor="ctr"/>
-          <a:lstStyle/>
-          <a:p>
-            <a:pPr algn="ctr"/>
-            <a:endParaRPr lang="zh-CN" altLang="en-US"/>
-          </a:p>
-        </p:txBody>
-      </p:sp>
-      <p:sp>
-        <p:nvSpPr>
-          <p:cNvPr id="29" name="矩形 28"/>
-          <p:cNvSpPr/>
-          <p:nvPr/>
-        </p:nvSpPr>
-        <p:spPr>
-          <a:xfrm>
-            <a:off x="952500" y="1209675"/>
-            <a:ext cx="4591050" cy="5248275"/>
-          </a:xfrm>
-          <a:prstGeom prst="rect">
-            <a:avLst/>
-          </a:prstGeom>
-          <a:solidFill>
-            <a:schemeClr val="bg1"/>
-          </a:solidFill>
-        </p:spPr>
-        <p:style>
-          <a:lnRef idx="2">
-            <a:schemeClr val="accent1">
-              <a:shade val="50000"/>
-            </a:schemeClr>
-          </a:lnRef>
-          <a:fillRef idx="1">
-            <a:schemeClr val="accent1"/>
-          </a:fillRef>
-          <a:effectRef idx="0">
-            <a:schemeClr val="accent1"/>
-          </a:effectRef>
-          <a:fontRef idx="minor">
-            <a:schemeClr val="lt1"/>
-          </a:fontRef>
-        </p:style>
-        <p:txBody>
-          <a:bodyPr rtlCol="0" anchor="ctr"/>
-          <a:lstStyle/>
-          <a:p>
-            <a:pPr algn="ctr"/>
-            <a:endParaRPr lang="zh-CN" altLang="en-US"/>
-          </a:p>
-        </p:txBody>
-      </p:sp>
-      <p:sp>
-        <p:nvSpPr>
           <p:cNvPr id="2" name="标题 1"/>
           <p:cNvSpPr>
             <a:spLocks noGrp="1"/>
@@ -19383,25 +19490,14 @@
             <p:ph type="title"/>
           </p:nvPr>
         </p:nvSpPr>
-        <p:spPr>
-          <a:xfrm>
-            <a:off x="1848326" y="483597"/>
-            <a:ext cx="2914650" cy="545213"/>
-          </a:xfrm>
-        </p:spPr>
+        <p:spPr/>
         <p:txBody>
-          <a:bodyPr>
-            <a:normAutofit fontScale="90000"/>
-          </a:bodyPr>
+          <a:bodyPr/>
           <a:lstStyle/>
           <a:p>
             <a:r>
-              <a:rPr lang="zh-CN" altLang="en-US" dirty="0"/>
-              <a:t>手动</a:t>
-            </a:r>
-            <a:r>
               <a:rPr lang="zh-CN" altLang="en-US" dirty="0" smtClean="0"/>
-              <a:t>隔离</a:t>
+              <a:t>什么是隔离框架</a:t>
             </a:r>
             <a:endParaRPr lang="zh-CN" altLang="en-US" dirty="0"/>
           </a:p>
@@ -19409,7 +19505,112 @@
       </p:sp>
       <p:sp>
         <p:nvSpPr>
-          <p:cNvPr id="6" name="页脚占位符 5"/>
+          <p:cNvPr id="3" name="内容占位符 2"/>
+          <p:cNvSpPr>
+            <a:spLocks noGrp="1"/>
+          </p:cNvSpPr>
+          <p:nvPr>
+            <p:ph sz="half" idx="1"/>
+          </p:nvPr>
+        </p:nvSpPr>
+        <p:spPr>
+          <a:xfrm>
+            <a:off x="838199" y="1825625"/>
+            <a:ext cx="10371667" cy="4351338"/>
+          </a:xfrm>
+        </p:spPr>
+        <p:txBody>
+          <a:bodyPr/>
+          <a:lstStyle/>
+          <a:p>
+            <a:pPr>
+              <a:buNone/>
+            </a:pPr>
+            <a:r>
+              <a:rPr lang="zh-CN" altLang="en-US" dirty="0" smtClean="0"/>
+              <a:t>隔离框架是一套可编程的</a:t>
+            </a:r>
+            <a:r>
+              <a:rPr lang="en-US" altLang="zh-CN" dirty="0" smtClean="0"/>
+              <a:t>API</a:t>
+            </a:r>
+            <a:r>
+              <a:rPr lang="zh-CN" altLang="en-US" dirty="0" smtClean="0"/>
+              <a:t>，使用这套</a:t>
+            </a:r>
+            <a:r>
+              <a:rPr lang="en-US" altLang="zh-CN" dirty="0" smtClean="0"/>
+              <a:t>API</a:t>
+            </a:r>
+            <a:r>
+              <a:rPr lang="zh-CN" altLang="en-US" dirty="0" smtClean="0"/>
+              <a:t>创建伪对象比手工编写容易得多，快得多，而且简洁得多。</a:t>
+            </a:r>
+            <a:endParaRPr lang="en-US" altLang="zh-CN" dirty="0" smtClean="0"/>
+          </a:p>
+          <a:p>
+            <a:pPr>
+              <a:buNone/>
+            </a:pPr>
+            <a:endParaRPr lang="en-US" altLang="zh-CN" dirty="0" smtClean="0"/>
+          </a:p>
+          <a:p>
+            <a:pPr>
+              <a:buNone/>
+            </a:pPr>
+            <a:r>
+              <a:rPr lang="zh-CN" altLang="en-US" sz="3200" dirty="0" smtClean="0"/>
+              <a:t>优势</a:t>
+            </a:r>
+            <a:r>
+              <a:rPr lang="zh-CN" altLang="en-US" dirty="0" smtClean="0"/>
+              <a:t>：</a:t>
+            </a:r>
+            <a:endParaRPr lang="en-US" altLang="zh-CN" dirty="0" smtClean="0"/>
+          </a:p>
+          <a:p>
+            <a:r>
+              <a:rPr lang="zh-CN" altLang="en-US" dirty="0" smtClean="0"/>
+              <a:t>更容易验证参数</a:t>
+            </a:r>
+            <a:endParaRPr lang="en-US" altLang="zh-CN" dirty="0" smtClean="0"/>
+          </a:p>
+          <a:p>
+            <a:r>
+              <a:rPr lang="zh-CN" altLang="en-US" dirty="0" smtClean="0"/>
+              <a:t>更容易验证方法的多次调用</a:t>
+            </a:r>
+            <a:endParaRPr lang="en-US" altLang="zh-CN" dirty="0" smtClean="0"/>
+          </a:p>
+          <a:p>
+            <a:r>
+              <a:rPr lang="zh-CN" altLang="en-US" dirty="0" smtClean="0"/>
+              <a:t>更容易创建伪对象</a:t>
+            </a:r>
+          </a:p>
+          <a:p>
+            <a:pPr>
+              <a:buNone/>
+            </a:pPr>
+            <a:endParaRPr lang="en-US" altLang="zh-CN" dirty="0" smtClean="0"/>
+          </a:p>
+          <a:p>
+            <a:pPr>
+              <a:buNone/>
+            </a:pPr>
+            <a:endParaRPr lang="en-US" altLang="zh-CN" dirty="0" smtClean="0"/>
+          </a:p>
+          <a:p>
+            <a:pPr>
+              <a:buNone/>
+            </a:pPr>
+            <a:endParaRPr lang="zh-CN" altLang="en-US" dirty="0"/>
+          </a:p>
+        </p:txBody>
+      </p:sp>
+      <p:sp>
+        <p:nvSpPr>
+          <p:cNvPr id="5" name="页脚占位符 4"/>
           <p:cNvSpPr>
             <a:spLocks noGrp="1"/>
           </p:cNvSpPr>
@@ -19423,16 +19624,16 @@
           <a:lstStyle/>
           <a:p>
             <a:r>
-              <a:rPr lang="zh-CN" altLang="en-US" dirty="0" smtClean="0"/>
-              <a:t>隔离框架</a:t>
+              <a:rPr lang="zh-CN" altLang="en-US" smtClean="0"/>
+              <a:t>单元测试概论</a:t>
             </a:r>
-            <a:endParaRPr lang="zh-CN" altLang="en-US" dirty="0"/>
+            <a:endParaRPr lang="zh-CN" altLang="en-US"/>
           </a:p>
         </p:txBody>
       </p:sp>
       <p:sp>
         <p:nvSpPr>
-          <p:cNvPr id="7" name="灯片编号占位符 6"/>
+          <p:cNvPr id="6" name="灯片编号占位符 5"/>
           <p:cNvSpPr>
             <a:spLocks noGrp="1"/>
           </p:cNvSpPr>
@@ -19448,717 +19649,21 @@
             <a:fld id="{F4A2626E-A0A3-4722-B047-8920ED1A51E7}" type="slidenum">
               <a:rPr lang="zh-CN" altLang="en-US" smtClean="0"/>
               <a:pPr/>
-              <a:t>15</a:t>
+              <a:t>16</a:t>
             </a:fld>
-            <a:endParaRPr lang="zh-CN" altLang="en-US" dirty="0"/>
-          </a:p>
-        </p:txBody>
-      </p:sp>
-      <p:sp>
-        <p:nvSpPr>
-          <p:cNvPr id="3" name="流程图: 过程 2"/>
-          <p:cNvSpPr/>
-          <p:nvPr/>
-        </p:nvSpPr>
-        <p:spPr>
-          <a:xfrm>
-            <a:off x="4151622" y="1571924"/>
-            <a:ext cx="1114425" cy="612648"/>
-          </a:xfrm>
-          <a:prstGeom prst="flowChartProcess">
-            <a:avLst/>
-          </a:prstGeom>
-        </p:spPr>
-        <p:style>
-          <a:lnRef idx="1">
-            <a:schemeClr val="accent2"/>
-          </a:lnRef>
-          <a:fillRef idx="2">
-            <a:schemeClr val="accent2"/>
-          </a:fillRef>
-          <a:effectRef idx="1">
-            <a:schemeClr val="accent2"/>
-          </a:effectRef>
-          <a:fontRef idx="minor">
-            <a:schemeClr val="dk1"/>
-          </a:fontRef>
-        </p:style>
-        <p:txBody>
-          <a:bodyPr rtlCol="0" anchor="ctr"/>
-          <a:lstStyle/>
-          <a:p>
-            <a:pPr algn="ctr"/>
-            <a:r>
-              <a:rPr lang="zh-CN" altLang="en-US" dirty="0" smtClean="0"/>
-              <a:t>被测试类</a:t>
-            </a:r>
-            <a:endParaRPr lang="zh-CN" altLang="en-US" dirty="0"/>
-          </a:p>
-        </p:txBody>
-      </p:sp>
-      <p:sp>
-        <p:nvSpPr>
-          <p:cNvPr id="4" name="流程图: 过程 3"/>
-          <p:cNvSpPr/>
-          <p:nvPr/>
-        </p:nvSpPr>
-        <p:spPr>
-          <a:xfrm>
-            <a:off x="1404557" y="1571706"/>
-            <a:ext cx="1114425" cy="612648"/>
-          </a:xfrm>
-          <a:prstGeom prst="flowChartProcess">
-            <a:avLst/>
-          </a:prstGeom>
-        </p:spPr>
-        <p:style>
-          <a:lnRef idx="1">
-            <a:schemeClr val="accent1"/>
-          </a:lnRef>
-          <a:fillRef idx="2">
-            <a:schemeClr val="accent1"/>
-          </a:fillRef>
-          <a:effectRef idx="1">
-            <a:schemeClr val="accent1"/>
-          </a:effectRef>
-          <a:fontRef idx="minor">
-            <a:schemeClr val="dk1"/>
-          </a:fontRef>
-        </p:style>
-        <p:txBody>
-          <a:bodyPr rtlCol="0" anchor="ctr"/>
-          <a:lstStyle/>
-          <a:p>
-            <a:pPr algn="ctr"/>
-            <a:r>
-              <a:rPr lang="zh-CN" altLang="en-US" dirty="0" smtClean="0">
-                <a:ln w="0"/>
-                <a:solidFill>
-                  <a:schemeClr val="tx1"/>
-                </a:solidFill>
-                <a:effectLst>
-                  <a:outerShdw blurRad="38100" dist="19050" dir="2700000" algn="tl" rotWithShape="0">
-                    <a:schemeClr val="dk1">
-                      <a:alpha val="40000"/>
-                    </a:schemeClr>
-                  </a:outerShdw>
-                </a:effectLst>
-              </a:rPr>
-              <a:t>测试</a:t>
-            </a:r>
-            <a:endParaRPr lang="zh-CN" altLang="en-US" dirty="0">
-              <a:ln w="0"/>
-              <a:solidFill>
-                <a:schemeClr val="tx1"/>
-              </a:solidFill>
-              <a:effectLst>
-                <a:outerShdw blurRad="38100" dist="19050" dir="2700000" algn="tl" rotWithShape="0">
-                  <a:schemeClr val="dk1">
-                    <a:alpha val="40000"/>
-                  </a:schemeClr>
-                </a:outerShdw>
-              </a:effectLst>
-            </a:endParaRPr>
-          </a:p>
-        </p:txBody>
-      </p:sp>
-      <p:sp>
-        <p:nvSpPr>
-          <p:cNvPr id="5" name="椭圆 4"/>
-          <p:cNvSpPr/>
-          <p:nvPr/>
-        </p:nvSpPr>
-        <p:spPr>
-          <a:xfrm>
-            <a:off x="4151622" y="3104605"/>
-            <a:ext cx="914400" cy="674494"/>
-          </a:xfrm>
-          <a:prstGeom prst="ellipse">
-            <a:avLst/>
-          </a:prstGeom>
-        </p:spPr>
-        <p:style>
-          <a:lnRef idx="1">
-            <a:schemeClr val="accent6"/>
-          </a:lnRef>
-          <a:fillRef idx="2">
-            <a:schemeClr val="accent6"/>
-          </a:fillRef>
-          <a:effectRef idx="1">
-            <a:schemeClr val="accent6"/>
-          </a:effectRef>
-          <a:fontRef idx="minor">
-            <a:schemeClr val="dk1"/>
-          </a:fontRef>
-        </p:style>
-        <p:txBody>
-          <a:bodyPr rtlCol="0" anchor="ctr"/>
-          <a:lstStyle/>
-          <a:p>
-            <a:pPr algn="ctr"/>
-            <a:r>
-              <a:rPr lang="zh-CN" altLang="en-US" dirty="0" smtClean="0"/>
-              <a:t>依赖对象</a:t>
-            </a:r>
-            <a:endParaRPr lang="zh-CN" altLang="en-US" dirty="0"/>
-          </a:p>
-        </p:txBody>
-      </p:sp>
-      <p:sp>
-        <p:nvSpPr>
-          <p:cNvPr id="9" name="左右箭头 8"/>
-          <p:cNvSpPr/>
-          <p:nvPr/>
-        </p:nvSpPr>
-        <p:spPr>
-          <a:xfrm>
-            <a:off x="2518982" y="1691171"/>
-            <a:ext cx="1573339" cy="366533"/>
-          </a:xfrm>
-          <a:prstGeom prst="leftRightArrow">
-            <a:avLst/>
-          </a:prstGeom>
-          <a:ln>
-            <a:solidFill>
-              <a:srgbClr val="FF0000"/>
-            </a:solidFill>
-          </a:ln>
-        </p:spPr>
-        <p:style>
-          <a:lnRef idx="2">
-            <a:schemeClr val="accent2"/>
-          </a:lnRef>
-          <a:fillRef idx="1">
-            <a:schemeClr val="lt1"/>
-          </a:fillRef>
-          <a:effectRef idx="0">
-            <a:schemeClr val="accent2"/>
-          </a:effectRef>
-          <a:fontRef idx="minor">
-            <a:schemeClr val="dk1"/>
-          </a:fontRef>
-        </p:style>
-        <p:txBody>
-          <a:bodyPr rtlCol="0" anchor="ctr"/>
-          <a:lstStyle/>
-          <a:p>
-            <a:pPr algn="ctr"/>
-            <a:r>
-              <a:rPr lang="zh-CN" altLang="en-US" dirty="0" smtClean="0"/>
-              <a:t>断言</a:t>
-            </a:r>
-            <a:endParaRPr lang="zh-CN" altLang="en-US" dirty="0"/>
-          </a:p>
-        </p:txBody>
-      </p:sp>
-      <p:sp>
-        <p:nvSpPr>
-          <p:cNvPr id="11" name="左右箭头 10"/>
-          <p:cNvSpPr/>
-          <p:nvPr/>
-        </p:nvSpPr>
-        <p:spPr>
-          <a:xfrm rot="5400000">
-            <a:off x="4163789" y="2389227"/>
-            <a:ext cx="890065" cy="484632"/>
-          </a:xfrm>
-          <a:prstGeom prst="leftRightArrow">
-            <a:avLst/>
-          </a:prstGeom>
-          <a:ln>
-            <a:solidFill>
-              <a:schemeClr val="tx1"/>
-            </a:solidFill>
-          </a:ln>
-        </p:spPr>
-        <p:style>
-          <a:lnRef idx="2">
-            <a:schemeClr val="accent2"/>
-          </a:lnRef>
-          <a:fillRef idx="1">
-            <a:schemeClr val="lt1"/>
-          </a:fillRef>
-          <a:effectRef idx="0">
-            <a:schemeClr val="accent2"/>
-          </a:effectRef>
-          <a:fontRef idx="minor">
-            <a:schemeClr val="dk1"/>
-          </a:fontRef>
-        </p:style>
-        <p:txBody>
-          <a:bodyPr rtlCol="0" anchor="ctr"/>
-          <a:lstStyle/>
-          <a:p>
-            <a:pPr algn="ctr"/>
-            <a:r>
-              <a:rPr lang="zh-CN" altLang="en-US" dirty="0" smtClean="0"/>
-              <a:t>通信</a:t>
-            </a:r>
-            <a:endParaRPr lang="zh-CN" altLang="en-US" dirty="0"/>
-          </a:p>
-        </p:txBody>
-      </p:sp>
-      <p:sp>
-        <p:nvSpPr>
-          <p:cNvPr id="20" name="椭圆 19"/>
-          <p:cNvSpPr/>
-          <p:nvPr/>
-        </p:nvSpPr>
-        <p:spPr>
-          <a:xfrm>
-            <a:off x="9547589" y="2093002"/>
-            <a:ext cx="914400" cy="595526"/>
-          </a:xfrm>
-          <a:prstGeom prst="ellipse">
-            <a:avLst/>
-          </a:prstGeom>
-        </p:spPr>
-        <p:style>
-          <a:lnRef idx="1">
-            <a:schemeClr val="accent4"/>
-          </a:lnRef>
-          <a:fillRef idx="2">
-            <a:schemeClr val="accent4"/>
-          </a:fillRef>
-          <a:effectRef idx="1">
-            <a:schemeClr val="accent4"/>
-          </a:effectRef>
-          <a:fontRef idx="minor">
-            <a:schemeClr val="dk1"/>
-          </a:fontRef>
-        </p:style>
-        <p:txBody>
-          <a:bodyPr rtlCol="0" anchor="ctr"/>
-          <a:lstStyle/>
-          <a:p>
-            <a:pPr algn="ctr"/>
-            <a:r>
-              <a:rPr lang="zh-CN" altLang="en-US" dirty="0"/>
-              <a:t>伪对象</a:t>
-            </a:r>
-          </a:p>
-        </p:txBody>
-      </p:sp>
-      <p:sp>
-        <p:nvSpPr>
-          <p:cNvPr id="23" name="流程图: 过程 22"/>
-          <p:cNvSpPr/>
-          <p:nvPr/>
-        </p:nvSpPr>
-        <p:spPr>
-          <a:xfrm>
-            <a:off x="9488288" y="414902"/>
-            <a:ext cx="1114425" cy="612648"/>
-          </a:xfrm>
-          <a:prstGeom prst="flowChartProcess">
-            <a:avLst/>
-          </a:prstGeom>
-        </p:spPr>
-        <p:style>
-          <a:lnRef idx="1">
-            <a:schemeClr val="accent2"/>
-          </a:lnRef>
-          <a:fillRef idx="2">
-            <a:schemeClr val="accent2"/>
-          </a:fillRef>
-          <a:effectRef idx="1">
-            <a:schemeClr val="accent2"/>
-          </a:effectRef>
-          <a:fontRef idx="minor">
-            <a:schemeClr val="dk1"/>
-          </a:fontRef>
-        </p:style>
-        <p:txBody>
-          <a:bodyPr rtlCol="0" anchor="ctr"/>
-          <a:lstStyle/>
-          <a:p>
-            <a:pPr algn="ctr"/>
-            <a:r>
-              <a:rPr lang="zh-CN" altLang="en-US" dirty="0" smtClean="0"/>
-              <a:t>被测试类</a:t>
-            </a:r>
-            <a:endParaRPr lang="zh-CN" altLang="en-US" dirty="0"/>
-          </a:p>
-        </p:txBody>
-      </p:sp>
-      <p:sp>
-        <p:nvSpPr>
-          <p:cNvPr id="24" name="流程图: 过程 23"/>
-          <p:cNvSpPr/>
-          <p:nvPr/>
-        </p:nvSpPr>
-        <p:spPr>
-          <a:xfrm>
-            <a:off x="6800524" y="411310"/>
-            <a:ext cx="1114425" cy="612648"/>
-          </a:xfrm>
-          <a:prstGeom prst="flowChartProcess">
-            <a:avLst/>
-          </a:prstGeom>
-        </p:spPr>
-        <p:style>
-          <a:lnRef idx="1">
-            <a:schemeClr val="accent1"/>
-          </a:lnRef>
-          <a:fillRef idx="2">
-            <a:schemeClr val="accent1"/>
-          </a:fillRef>
-          <a:effectRef idx="1">
-            <a:schemeClr val="accent1"/>
-          </a:effectRef>
-          <a:fontRef idx="minor">
-            <a:schemeClr val="dk1"/>
-          </a:fontRef>
-        </p:style>
-        <p:txBody>
-          <a:bodyPr rtlCol="0" anchor="ctr"/>
-          <a:lstStyle/>
-          <a:p>
-            <a:pPr algn="ctr"/>
-            <a:r>
-              <a:rPr lang="zh-CN" altLang="en-US" dirty="0" smtClean="0">
-                <a:ln w="0"/>
-                <a:solidFill>
-                  <a:schemeClr val="tx1"/>
-                </a:solidFill>
-                <a:effectLst>
-                  <a:outerShdw blurRad="38100" dist="19050" dir="2700000" algn="tl" rotWithShape="0">
-                    <a:schemeClr val="dk1">
-                      <a:alpha val="40000"/>
-                    </a:schemeClr>
-                  </a:outerShdw>
-                </a:effectLst>
-              </a:rPr>
-              <a:t>测试</a:t>
-            </a:r>
-            <a:endParaRPr lang="zh-CN" altLang="en-US" dirty="0">
-              <a:ln w="0"/>
-              <a:solidFill>
-                <a:schemeClr val="tx1"/>
-              </a:solidFill>
-              <a:effectLst>
-                <a:outerShdw blurRad="38100" dist="19050" dir="2700000" algn="tl" rotWithShape="0">
-                  <a:schemeClr val="dk1">
-                    <a:alpha val="40000"/>
-                  </a:schemeClr>
-                </a:outerShdw>
-              </a:effectLst>
-            </a:endParaRPr>
-          </a:p>
-        </p:txBody>
-      </p:sp>
-      <p:sp>
-        <p:nvSpPr>
-          <p:cNvPr id="26" name="左右箭头 25"/>
-          <p:cNvSpPr/>
-          <p:nvPr/>
-        </p:nvSpPr>
-        <p:spPr>
-          <a:xfrm>
-            <a:off x="7914949" y="530775"/>
-            <a:ext cx="1573339" cy="366533"/>
-          </a:xfrm>
-          <a:prstGeom prst="leftRightArrow">
-            <a:avLst/>
-          </a:prstGeom>
-          <a:ln>
-            <a:solidFill>
-              <a:srgbClr val="FF0000"/>
-            </a:solidFill>
-          </a:ln>
-        </p:spPr>
-        <p:style>
-          <a:lnRef idx="2">
-            <a:schemeClr val="accent2"/>
-          </a:lnRef>
-          <a:fillRef idx="1">
-            <a:schemeClr val="lt1"/>
-          </a:fillRef>
-          <a:effectRef idx="0">
-            <a:schemeClr val="accent2"/>
-          </a:effectRef>
-          <a:fontRef idx="minor">
-            <a:schemeClr val="dk1"/>
-          </a:fontRef>
-        </p:style>
-        <p:txBody>
-          <a:bodyPr rtlCol="0" anchor="ctr"/>
-          <a:lstStyle/>
-          <a:p>
-            <a:pPr algn="ctr"/>
-            <a:r>
-              <a:rPr lang="zh-CN" altLang="en-US" dirty="0" smtClean="0"/>
-              <a:t>断言</a:t>
-            </a:r>
-            <a:endParaRPr lang="zh-CN" altLang="en-US" dirty="0"/>
-          </a:p>
-        </p:txBody>
-      </p:sp>
-      <p:sp>
-        <p:nvSpPr>
-          <p:cNvPr id="27" name="左右箭头 26"/>
-          <p:cNvSpPr/>
-          <p:nvPr/>
-        </p:nvSpPr>
-        <p:spPr>
-          <a:xfrm rot="5400000">
-            <a:off x="9479188" y="1309399"/>
-            <a:ext cx="1051202" cy="484632"/>
-          </a:xfrm>
-          <a:prstGeom prst="leftRightArrow">
-            <a:avLst/>
-          </a:prstGeom>
-          <a:ln>
-            <a:solidFill>
-              <a:schemeClr val="tx1"/>
-            </a:solidFill>
-          </a:ln>
-        </p:spPr>
-        <p:style>
-          <a:lnRef idx="2">
-            <a:schemeClr val="accent2"/>
-          </a:lnRef>
-          <a:fillRef idx="1">
-            <a:schemeClr val="lt1"/>
-          </a:fillRef>
-          <a:effectRef idx="0">
-            <a:schemeClr val="accent2"/>
-          </a:effectRef>
-          <a:fontRef idx="minor">
-            <a:schemeClr val="dk1"/>
-          </a:fontRef>
-        </p:style>
-        <p:txBody>
-          <a:bodyPr rtlCol="0" anchor="ctr"/>
-          <a:lstStyle/>
-          <a:p>
-            <a:pPr algn="ctr"/>
-            <a:r>
-              <a:rPr lang="zh-CN" altLang="en-US" dirty="0" smtClean="0"/>
-              <a:t>通信</a:t>
-            </a:r>
-            <a:endParaRPr lang="zh-CN" altLang="en-US" dirty="0"/>
-          </a:p>
-        </p:txBody>
-      </p:sp>
-      <p:cxnSp>
-        <p:nvCxnSpPr>
-          <p:cNvPr id="32" name="直接连接符 31"/>
-          <p:cNvCxnSpPr>
-            <a:stCxn id="29" idx="1"/>
-            <a:endCxn id="29" idx="3"/>
-          </p:cNvCxnSpPr>
-          <p:nvPr/>
-        </p:nvCxnSpPr>
-        <p:spPr>
-          <a:xfrm>
-            <a:off x="952500" y="3833813"/>
-            <a:ext cx="4591050" cy="0"/>
-          </a:xfrm>
-          <a:prstGeom prst="line">
-            <a:avLst/>
-          </a:prstGeom>
-        </p:spPr>
-        <p:style>
-          <a:lnRef idx="1">
-            <a:schemeClr val="accent1"/>
-          </a:lnRef>
-          <a:fillRef idx="0">
-            <a:schemeClr val="accent1"/>
-          </a:fillRef>
-          <a:effectRef idx="0">
-            <a:schemeClr val="accent1"/>
-          </a:effectRef>
-          <a:fontRef idx="minor">
-            <a:schemeClr val="tx1"/>
-          </a:fontRef>
-        </p:style>
-      </p:cxnSp>
-      <p:cxnSp>
-        <p:nvCxnSpPr>
-          <p:cNvPr id="36" name="直接连接符 35"/>
-          <p:cNvCxnSpPr/>
-          <p:nvPr/>
-        </p:nvCxnSpPr>
-        <p:spPr>
-          <a:xfrm>
-            <a:off x="6406093" y="3104605"/>
-            <a:ext cx="5662082" cy="0"/>
-          </a:xfrm>
-          <a:prstGeom prst="line">
-            <a:avLst/>
-          </a:prstGeom>
-        </p:spPr>
-        <p:style>
-          <a:lnRef idx="1">
-            <a:schemeClr val="accent1"/>
-          </a:lnRef>
-          <a:fillRef idx="0">
-            <a:schemeClr val="accent1"/>
-          </a:fillRef>
-          <a:effectRef idx="0">
-            <a:schemeClr val="accent1"/>
-          </a:effectRef>
-          <a:fontRef idx="minor">
-            <a:schemeClr val="tx1"/>
-          </a:fontRef>
-        </p:style>
-      </p:cxnSp>
-      <p:sp>
-        <p:nvSpPr>
-          <p:cNvPr id="38" name="右箭头 37"/>
-          <p:cNvSpPr/>
-          <p:nvPr/>
-        </p:nvSpPr>
-        <p:spPr>
-          <a:xfrm rot="19503649">
-            <a:off x="5511286" y="1894852"/>
-            <a:ext cx="978408" cy="206839"/>
-          </a:xfrm>
-          <a:prstGeom prst="rightArrow">
-            <a:avLst/>
-          </a:prstGeom>
-          <a:solidFill>
-            <a:schemeClr val="bg1"/>
-          </a:solidFill>
-        </p:spPr>
-        <p:style>
-          <a:lnRef idx="2">
-            <a:schemeClr val="accent1">
-              <a:shade val="50000"/>
-            </a:schemeClr>
-          </a:lnRef>
-          <a:fillRef idx="1">
-            <a:schemeClr val="accent1"/>
-          </a:fillRef>
-          <a:effectRef idx="0">
-            <a:schemeClr val="accent1"/>
-          </a:effectRef>
-          <a:fontRef idx="minor">
-            <a:schemeClr val="lt1"/>
-          </a:fontRef>
-        </p:style>
-        <p:txBody>
-          <a:bodyPr rtlCol="0" anchor="ctr"/>
-          <a:lstStyle/>
-          <a:p>
-            <a:pPr algn="ctr"/>
             <a:endParaRPr lang="zh-CN" altLang="en-US"/>
           </a:p>
         </p:txBody>
       </p:sp>
-      <p:sp>
-        <p:nvSpPr>
-          <p:cNvPr id="39" name="右箭头 38"/>
-          <p:cNvSpPr/>
-          <p:nvPr/>
-        </p:nvSpPr>
-        <p:spPr>
-          <a:xfrm rot="19503649">
-            <a:off x="5515194" y="4718113"/>
-            <a:ext cx="978408" cy="187123"/>
-          </a:xfrm>
-          <a:prstGeom prst="rightArrow">
-            <a:avLst/>
-          </a:prstGeom>
-          <a:solidFill>
-            <a:schemeClr val="bg1"/>
-          </a:solidFill>
-        </p:spPr>
-        <p:style>
-          <a:lnRef idx="2">
-            <a:schemeClr val="accent1">
-              <a:shade val="50000"/>
-            </a:schemeClr>
-          </a:lnRef>
-          <a:fillRef idx="1">
-            <a:schemeClr val="accent1"/>
-          </a:fillRef>
-          <a:effectRef idx="0">
-            <a:schemeClr val="accent1"/>
-          </a:effectRef>
-          <a:fontRef idx="minor">
-            <a:schemeClr val="lt1"/>
-          </a:fontRef>
-        </p:style>
-        <p:txBody>
-          <a:bodyPr rtlCol="0" anchor="ctr"/>
-          <a:lstStyle/>
-          <a:p>
-            <a:pPr algn="ctr"/>
-            <a:endParaRPr lang="zh-CN" altLang="en-US"/>
-          </a:p>
-        </p:txBody>
-      </p:sp>
-      <p:pic>
-        <p:nvPicPr>
-          <p:cNvPr id="41" name="图片 40"/>
-          <p:cNvPicPr>
-            <a:picLocks noChangeAspect="1"/>
-          </p:cNvPicPr>
-          <p:nvPr/>
-        </p:nvPicPr>
-        <p:blipFill>
-          <a:blip r:embed="rId3"/>
-          <a:stretch>
-            <a:fillRect/>
-          </a:stretch>
-        </p:blipFill>
-        <p:spPr>
-          <a:xfrm>
-            <a:off x="6698383" y="3231255"/>
-            <a:ext cx="5077501" cy="3060700"/>
-          </a:xfrm>
-          <a:prstGeom prst="rect">
-            <a:avLst/>
-          </a:prstGeom>
-        </p:spPr>
-      </p:pic>
-      <p:pic>
-        <p:nvPicPr>
-          <p:cNvPr id="42" name="图片 41"/>
-          <p:cNvPicPr>
-            <a:picLocks noChangeAspect="1"/>
-          </p:cNvPicPr>
-          <p:nvPr/>
-        </p:nvPicPr>
-        <p:blipFill>
-          <a:blip r:embed="rId4"/>
-          <a:stretch>
-            <a:fillRect/>
-          </a:stretch>
-        </p:blipFill>
-        <p:spPr>
-          <a:xfrm>
-            <a:off x="1639774" y="4044296"/>
-            <a:ext cx="3617719" cy="1816100"/>
-          </a:xfrm>
-          <a:prstGeom prst="rect">
-            <a:avLst/>
-          </a:prstGeom>
-        </p:spPr>
-      </p:pic>
     </p:spTree>
-    <p:extLst>
-      <p:ext uri="{BB962C8B-B14F-4D97-AF65-F5344CB8AC3E}">
-        <p14:creationId xmlns:p14="http://schemas.microsoft.com/office/powerpoint/2010/main" val="10304932"/>
-      </p:ext>
-    </p:extLst>
   </p:cSld>
   <p:clrMapOvr>
     <a:masterClrMapping/>
   </p:clrMapOvr>
-  <p:timing>
-    <p:tnLst>
-      <p:par>
-        <p:cTn id="1" dur="indefinite" restart="never" nodeType="tmRoot"/>
-      </p:par>
-    </p:tnLst>
-  </p:timing>
 </p:sld>
 </file>
 
-<file path=ppt/slides/slide16.xml><?xml version="1.0" encoding="utf-8"?>
+<file path=ppt/slides/slide17.xml><?xml version="1.0" encoding="utf-8"?>
 <p:sld xmlns:a="http://schemas.openxmlformats.org/drawingml/2006/main" xmlns:r="http://schemas.openxmlformats.org/officeDocument/2006/relationships" xmlns:p="http://schemas.openxmlformats.org/presentationml/2006/main">
   <p:cSld>
     <p:spTree>
@@ -20279,7 +19784,7 @@
             <a:fld id="{F4A2626E-A0A3-4722-B047-8920ED1A51E7}" type="slidenum">
               <a:rPr lang="zh-CN" altLang="en-US" smtClean="0"/>
               <a:pPr/>
-              <a:t>16</a:t>
+              <a:t>17</a:t>
             </a:fld>
             <a:endParaRPr lang="zh-CN" altLang="en-US" dirty="0"/>
           </a:p>
@@ -20294,7 +19799,7 @@
           <p:nvPr>
             <p:extLst>
               <p:ext uri="{D42A27DB-BD31-4B8C-83A1-F6EECF244321}">
-                <p14:modId xmlns:p14="http://schemas.microsoft.com/office/powerpoint/2010/main" val="973585415"/>
+                <p14:modId xmlns:p14="http://schemas.microsoft.com/office/powerpoint/2010/main" xmlns="" val="973585415"/>
               </p:ext>
             </p:extLst>
           </p:nvPr>
@@ -21033,10 +20538,43 @@
           </a:graphicData>
         </a:graphic>
       </p:graphicFrame>
+      <p:sp>
+        <p:nvSpPr>
+          <p:cNvPr id="7" name="矩形 6"/>
+          <p:cNvSpPr/>
+          <p:nvPr/>
+        </p:nvSpPr>
+        <p:spPr>
+          <a:xfrm>
+            <a:off x="956186" y="5761756"/>
+            <a:ext cx="1184940" cy="523220"/>
+          </a:xfrm>
+          <a:prstGeom prst="rect">
+            <a:avLst/>
+          </a:prstGeom>
+        </p:spPr>
+        <p:txBody>
+          <a:bodyPr wrap="none">
+            <a:spAutoFit/>
+          </a:bodyPr>
+          <a:lstStyle/>
+          <a:p>
+            <a:pPr>
+              <a:buFont typeface="Arial" pitchFamily="34" charset="0"/>
+              <a:buChar char="•"/>
+            </a:pPr>
+            <a:r>
+              <a:rPr lang="en-US" altLang="zh-CN" sz="2800" dirty="0" smtClean="0"/>
+              <a:t>Demo</a:t>
+            </a:r>
+            <a:endParaRPr lang="zh-CN" altLang="en-US" sz="2800" dirty="0"/>
+          </a:p>
+        </p:txBody>
+      </p:sp>
     </p:spTree>
     <p:extLst>
       <p:ext uri="{BB962C8B-B14F-4D97-AF65-F5344CB8AC3E}">
-        <p14:creationId xmlns:p14="http://schemas.microsoft.com/office/powerpoint/2010/main" val="4120100793"/>
+        <p14:creationId xmlns:p14="http://schemas.microsoft.com/office/powerpoint/2010/main" xmlns="" val="4120100793"/>
       </p:ext>
     </p:extLst>
   </p:cSld>
@@ -21053,7 +20591,7 @@
 </p:sld>
 </file>
 
-<file path=ppt/slides/slide17.xml><?xml version="1.0" encoding="utf-8"?>
+<file path=ppt/slides/slide18.xml><?xml version="1.0" encoding="utf-8"?>
 <p:sld xmlns:a="http://schemas.openxmlformats.org/drawingml/2006/main" xmlns:r="http://schemas.openxmlformats.org/officeDocument/2006/relationships" xmlns:p="http://schemas.openxmlformats.org/presentationml/2006/main">
   <p:cSld>
     <p:spTree>
@@ -21110,7 +20648,7 @@
             <a:fld id="{F4A2626E-A0A3-4722-B047-8920ED1A51E7}" type="slidenum">
               <a:rPr lang="zh-CN" altLang="en-US" smtClean="0"/>
               <a:pPr/>
-              <a:t>17</a:t>
+              <a:t>18</a:t>
             </a:fld>
             <a:endParaRPr lang="zh-CN" altLang="en-US" dirty="0"/>
           </a:p>
@@ -21123,7 +20661,7 @@
           <p:nvPr>
             <p:extLst>
               <p:ext uri="{D42A27DB-BD31-4B8C-83A1-F6EECF244321}">
-                <p14:modId xmlns:p14="http://schemas.microsoft.com/office/powerpoint/2010/main" val="1977680684"/>
+                <p14:modId xmlns:p14="http://schemas.microsoft.com/office/powerpoint/2010/main" xmlns="" val="1977680684"/>
               </p:ext>
             </p:extLst>
           </p:nvPr>
@@ -21183,7 +20721,7 @@
           <p:nvPr>
             <p:extLst>
               <p:ext uri="{D42A27DB-BD31-4B8C-83A1-F6EECF244321}">
-                <p14:modId xmlns:p14="http://schemas.microsoft.com/office/powerpoint/2010/main" val="3925052879"/>
+                <p14:modId xmlns:p14="http://schemas.microsoft.com/office/powerpoint/2010/main" xmlns="" val="3925052879"/>
               </p:ext>
             </p:extLst>
           </p:nvPr>
@@ -21249,151 +20787,7 @@
     </p:spTree>
     <p:extLst>
       <p:ext uri="{BB962C8B-B14F-4D97-AF65-F5344CB8AC3E}">
-        <p14:creationId xmlns:p14="http://schemas.microsoft.com/office/powerpoint/2010/main" val="843410372"/>
-      </p:ext>
-    </p:extLst>
-  </p:cSld>
-  <p:clrMapOvr>
-    <a:masterClrMapping/>
-  </p:clrMapOvr>
-  <p:timing>
-    <p:tnLst>
-      <p:par>
-        <p:cTn id="1" dur="indefinite" restart="never" nodeType="tmRoot"/>
-      </p:par>
-    </p:tnLst>
-  </p:timing>
-</p:sld>
-</file>
-
-<file path=ppt/slides/slide18.xml><?xml version="1.0" encoding="utf-8"?>
-<p:sld xmlns:a="http://schemas.openxmlformats.org/drawingml/2006/main" xmlns:r="http://schemas.openxmlformats.org/officeDocument/2006/relationships" xmlns:p="http://schemas.openxmlformats.org/presentationml/2006/main">
-  <p:cSld>
-    <p:spTree>
-      <p:nvGrpSpPr>
-        <p:cNvPr id="1" name=""/>
-        <p:cNvGrpSpPr/>
-        <p:nvPr/>
-      </p:nvGrpSpPr>
-      <p:grpSpPr>
-        <a:xfrm>
-          <a:off x="0" y="0"/>
-          <a:ext cx="0" cy="0"/>
-          <a:chOff x="0" y="0"/>
-          <a:chExt cx="0" cy="0"/>
-        </a:xfrm>
-      </p:grpSpPr>
-      <p:sp>
-        <p:nvSpPr>
-          <p:cNvPr id="2" name="标题 1"/>
-          <p:cNvSpPr>
-            <a:spLocks noGrp="1"/>
-          </p:cNvSpPr>
-          <p:nvPr>
-            <p:ph type="title"/>
-          </p:nvPr>
-        </p:nvSpPr>
-        <p:spPr/>
-        <p:txBody>
-          <a:bodyPr/>
-          <a:lstStyle/>
-          <a:p>
-            <a:r>
-              <a:rPr lang="zh-CN" altLang="en-US" dirty="0" smtClean="0"/>
-              <a:t>隔离框架的优势</a:t>
-            </a:r>
-            <a:endParaRPr lang="zh-CN" altLang="en-US" dirty="0"/>
-          </a:p>
-        </p:txBody>
-      </p:sp>
-      <p:sp>
-        <p:nvSpPr>
-          <p:cNvPr id="3" name="内容占位符 2"/>
-          <p:cNvSpPr>
-            <a:spLocks noGrp="1"/>
-          </p:cNvSpPr>
-          <p:nvPr>
-            <p:ph idx="1"/>
-          </p:nvPr>
-        </p:nvSpPr>
-        <p:spPr/>
-        <p:txBody>
-          <a:bodyPr/>
-          <a:lstStyle/>
-          <a:p>
-            <a:r>
-              <a:rPr lang="zh-CN" altLang="en-US" dirty="0" smtClean="0"/>
-              <a:t>更容易验证参数</a:t>
-            </a:r>
-            <a:endParaRPr lang="en-US" altLang="zh-CN" dirty="0" smtClean="0"/>
-          </a:p>
-          <a:p>
-            <a:r>
-              <a:rPr lang="zh-CN" altLang="en-US" dirty="0" smtClean="0"/>
-              <a:t>更容易验证方法的多次调用</a:t>
-            </a:r>
-            <a:endParaRPr lang="en-US" altLang="zh-CN" dirty="0" smtClean="0"/>
-          </a:p>
-          <a:p>
-            <a:r>
-              <a:rPr lang="zh-CN" altLang="en-US" dirty="0" smtClean="0"/>
-              <a:t>更容易创建伪对象</a:t>
-            </a:r>
-            <a:endParaRPr lang="zh-CN" altLang="en-US" dirty="0"/>
-          </a:p>
-        </p:txBody>
-      </p:sp>
-      <p:sp>
-        <p:nvSpPr>
-          <p:cNvPr id="6" name="页脚占位符 5"/>
-          <p:cNvSpPr>
-            <a:spLocks noGrp="1"/>
-          </p:cNvSpPr>
-          <p:nvPr>
-            <p:ph type="ftr" sz="quarter" idx="11"/>
-          </p:nvPr>
-        </p:nvSpPr>
-        <p:spPr/>
-        <p:txBody>
-          <a:bodyPr/>
-          <a:lstStyle/>
-          <a:p>
-            <a:r>
-              <a:rPr lang="zh-CN" altLang="en-US" dirty="0" smtClean="0"/>
-              <a:t>隔离框架</a:t>
-            </a:r>
-            <a:endParaRPr lang="zh-CN" altLang="en-US" dirty="0"/>
-          </a:p>
-        </p:txBody>
-      </p:sp>
-      <p:sp>
-        <p:nvSpPr>
-          <p:cNvPr id="7" name="灯片编号占位符 6"/>
-          <p:cNvSpPr>
-            <a:spLocks noGrp="1"/>
-          </p:cNvSpPr>
-          <p:nvPr>
-            <p:ph type="sldNum" sz="quarter" idx="12"/>
-          </p:nvPr>
-        </p:nvSpPr>
-        <p:spPr/>
-        <p:txBody>
-          <a:bodyPr/>
-          <a:lstStyle/>
-          <a:p>
-            <a:fld id="{F4A2626E-A0A3-4722-B047-8920ED1A51E7}" type="slidenum">
-              <a:rPr lang="zh-CN" altLang="en-US" smtClean="0"/>
-              <a:pPr/>
-              <a:t>18</a:t>
-            </a:fld>
-            <a:endParaRPr lang="zh-CN" altLang="en-US" dirty="0"/>
-          </a:p>
-        </p:txBody>
-      </p:sp>
-    </p:spTree>
-    <p:extLst>
-      <p:ext uri="{BB962C8B-B14F-4D97-AF65-F5344CB8AC3E}">
-        <p14:creationId xmlns:p14="http://schemas.microsoft.com/office/powerpoint/2010/main" val="3704677259"/>
+        <p14:creationId xmlns:p14="http://schemas.microsoft.com/office/powerpoint/2010/main" xmlns="" val="843410372"/>
       </p:ext>
     </p:extLst>
   </p:cSld>
@@ -21437,83 +20831,32 @@
             <p:ph type="title"/>
           </p:nvPr>
         </p:nvSpPr>
-        <p:spPr/>
+        <p:spPr>
+          <a:xfrm>
+            <a:off x="977537" y="2194333"/>
+            <a:ext cx="10515600" cy="1325563"/>
+          </a:xfrm>
+        </p:spPr>
         <p:txBody>
-          <a:bodyPr/>
+          <a:bodyPr>
+            <a:normAutofit/>
+          </a:bodyPr>
           <a:lstStyle/>
           <a:p>
+            <a:pPr algn="ctr"/>
             <a:r>
-              <a:rPr lang="zh-CN" altLang="en-US" dirty="0" smtClean="0"/>
-              <a:t>使用隔离框架的注意事项</a:t>
+              <a:rPr lang="zh-CN" altLang="en-US" sz="6000" dirty="0" smtClean="0"/>
+              <a:t>衡量单元测试的标准</a:t>
             </a:r>
-            <a:endParaRPr lang="zh-CN" altLang="en-US" dirty="0"/>
-          </a:p>
-        </p:txBody>
-      </p:sp>
-      <p:sp>
-        <p:nvSpPr>
-          <p:cNvPr id="3" name="内容占位符 2"/>
-          <p:cNvSpPr>
-            <a:spLocks noGrp="1"/>
-          </p:cNvSpPr>
-          <p:nvPr>
-            <p:ph idx="1"/>
-          </p:nvPr>
-        </p:nvSpPr>
-        <p:spPr/>
-        <p:txBody>
-          <a:bodyPr/>
-          <a:lstStyle/>
-          <a:p>
             <a:r>
-              <a:rPr lang="zh-CN" altLang="en-US" dirty="0" smtClean="0"/>
-              <a:t>测试代码缺乏可读性</a:t>
+              <a:rPr lang="en-US" altLang="zh-CN" sz="6000" dirty="0" smtClean="0"/>
+              <a:t>----</a:t>
             </a:r>
-            <a:endParaRPr lang="en-US" altLang="zh-CN" dirty="0" smtClean="0"/>
-          </a:p>
-          <a:p>
             <a:r>
-              <a:rPr lang="zh-CN" altLang="en-US" dirty="0" smtClean="0"/>
-              <a:t>对错误的事情做验证</a:t>
+              <a:rPr lang="zh-CN" altLang="en-US" sz="6000" dirty="0" smtClean="0"/>
+              <a:t>覆盖率</a:t>
             </a:r>
-            <a:endParaRPr lang="en-US" altLang="zh-CN" dirty="0" smtClean="0"/>
-          </a:p>
-          <a:p>
-            <a:r>
-              <a:rPr lang="zh-CN" altLang="en-US" dirty="0" smtClean="0"/>
-              <a:t>一个测试包含多个模拟对象</a:t>
-            </a:r>
-            <a:endParaRPr lang="en-US" altLang="zh-CN" dirty="0" smtClean="0"/>
-          </a:p>
-          <a:p>
-            <a:r>
-              <a:rPr lang="zh-CN" altLang="en-US" dirty="0" smtClean="0"/>
-              <a:t>测试的细节太多</a:t>
-            </a:r>
-            <a:endParaRPr lang="zh-CN" altLang="en-US" dirty="0"/>
-          </a:p>
-        </p:txBody>
-      </p:sp>
-      <p:sp>
-        <p:nvSpPr>
-          <p:cNvPr id="6" name="页脚占位符 5"/>
-          <p:cNvSpPr>
-            <a:spLocks noGrp="1"/>
-          </p:cNvSpPr>
-          <p:nvPr>
-            <p:ph type="ftr" sz="quarter" idx="11"/>
-          </p:nvPr>
-        </p:nvSpPr>
-        <p:spPr/>
-        <p:txBody>
-          <a:bodyPr/>
-          <a:lstStyle/>
-          <a:p>
-            <a:r>
-              <a:rPr lang="zh-CN" altLang="en-US" dirty="0" smtClean="0"/>
-              <a:t>隔离框架</a:t>
-            </a:r>
-            <a:endParaRPr lang="zh-CN" altLang="en-US" dirty="0"/>
+            <a:endParaRPr lang="zh-CN" altLang="en-US" sz="6000" dirty="0"/>
           </a:p>
         </p:txBody>
       </p:sp>
@@ -21544,7 +20887,7 @@
     </p:spTree>
     <p:extLst>
       <p:ext uri="{BB962C8B-B14F-4D97-AF65-F5344CB8AC3E}">
-        <p14:creationId xmlns:p14="http://schemas.microsoft.com/office/powerpoint/2010/main" val="232620772"/>
+        <p14:creationId xmlns:p14="http://schemas.microsoft.com/office/powerpoint/2010/main" xmlns="" val="1322045940"/>
       </p:ext>
     </p:extLst>
   </p:cSld>
@@ -21636,7 +20979,7 @@
     </p:spTree>
     <p:extLst>
       <p:ext uri="{BB962C8B-B14F-4D97-AF65-F5344CB8AC3E}">
-        <p14:creationId xmlns:p14="http://schemas.microsoft.com/office/powerpoint/2010/main" val="3738519081"/>
+        <p14:creationId xmlns:p14="http://schemas.microsoft.com/office/powerpoint/2010/main" xmlns="" val="3738519081"/>
       </p:ext>
     </p:extLst>
   </p:cSld>
@@ -21647,295 +20990,6 @@
 </file>
 
 <file path=ppt/slides/slide20.xml><?xml version="1.0" encoding="utf-8"?>
-<p:sld xmlns:a="http://schemas.openxmlformats.org/drawingml/2006/main" xmlns:r="http://schemas.openxmlformats.org/officeDocument/2006/relationships" xmlns:p="http://schemas.openxmlformats.org/presentationml/2006/main">
-  <p:cSld>
-    <p:spTree>
-      <p:nvGrpSpPr>
-        <p:cNvPr id="1" name=""/>
-        <p:cNvGrpSpPr/>
-        <p:nvPr/>
-      </p:nvGrpSpPr>
-      <p:grpSpPr>
-        <a:xfrm>
-          <a:off x="0" y="0"/>
-          <a:ext cx="0" cy="0"/>
-          <a:chOff x="0" y="0"/>
-          <a:chExt cx="0" cy="0"/>
-        </a:xfrm>
-      </p:grpSpPr>
-      <p:sp>
-        <p:nvSpPr>
-          <p:cNvPr id="2" name="标题 1"/>
-          <p:cNvSpPr>
-            <a:spLocks noGrp="1"/>
-          </p:cNvSpPr>
-          <p:nvPr>
-            <p:ph type="title"/>
-          </p:nvPr>
-        </p:nvSpPr>
-        <p:spPr/>
-        <p:txBody>
-          <a:bodyPr/>
-          <a:lstStyle/>
-          <a:p>
-            <a:r>
-              <a:rPr lang="zh-CN" altLang="en-US" dirty="0" smtClean="0"/>
-              <a:t>隔离框架的未来</a:t>
-            </a:r>
-            <a:endParaRPr lang="zh-CN" altLang="en-US" dirty="0"/>
-          </a:p>
-        </p:txBody>
-      </p:sp>
-      <p:sp>
-        <p:nvSpPr>
-          <p:cNvPr id="3" name="内容占位符 2"/>
-          <p:cNvSpPr>
-            <a:spLocks noGrp="1"/>
-          </p:cNvSpPr>
-          <p:nvPr>
-            <p:ph idx="1"/>
-          </p:nvPr>
-        </p:nvSpPr>
-        <p:spPr/>
-        <p:txBody>
-          <a:bodyPr/>
-          <a:lstStyle/>
-          <a:p>
-            <a:r>
-              <a:rPr lang="zh-CN" altLang="en-US" dirty="0" smtClean="0"/>
-              <a:t>健壮</a:t>
-            </a:r>
-            <a:r>
-              <a:rPr lang="en-US" altLang="zh-CN" dirty="0" smtClean="0"/>
-              <a:t>(robust)</a:t>
-            </a:r>
-          </a:p>
-          <a:p>
-            <a:pPr lvl="1"/>
-            <a:r>
-              <a:rPr lang="zh-CN" altLang="en-US" dirty="0" smtClean="0"/>
-              <a:t>返回结果与调用次数无关</a:t>
-            </a:r>
-            <a:endParaRPr lang="en-US" altLang="zh-CN" dirty="0" smtClean="0"/>
-          </a:p>
-          <a:p>
-            <a:r>
-              <a:rPr lang="zh-CN" altLang="en-US" dirty="0" smtClean="0"/>
-              <a:t>清晰</a:t>
-            </a:r>
-            <a:r>
-              <a:rPr lang="en-US" altLang="zh-CN" dirty="0" smtClean="0"/>
-              <a:t>(Less confusing</a:t>
-            </a:r>
-            <a:r>
-              <a:rPr lang="en-US" altLang="zh-CN" dirty="0"/>
-              <a:t>)</a:t>
-            </a:r>
-            <a:endParaRPr lang="en-US" altLang="zh-CN" dirty="0" smtClean="0"/>
-          </a:p>
-          <a:p>
-            <a:pPr lvl="1"/>
-            <a:r>
-              <a:rPr lang="zh-CN" altLang="en-US" dirty="0" smtClean="0"/>
-              <a:t>无须区分</a:t>
-            </a:r>
-            <a:r>
-              <a:rPr lang="en-US" altLang="zh-CN" dirty="0" smtClean="0"/>
-              <a:t>Stub</a:t>
-            </a:r>
-            <a:r>
-              <a:rPr lang="zh-CN" altLang="en-US" dirty="0" smtClean="0"/>
-              <a:t>与</a:t>
-            </a:r>
-            <a:r>
-              <a:rPr lang="en-US" altLang="zh-CN" dirty="0" smtClean="0"/>
-              <a:t>Mock</a:t>
-            </a:r>
-          </a:p>
-          <a:p>
-            <a:r>
-              <a:rPr lang="zh-CN" altLang="en-US" dirty="0" smtClean="0"/>
-              <a:t>单一职责（</a:t>
-            </a:r>
-            <a:r>
-              <a:rPr lang="en-US" altLang="zh-CN" dirty="0" smtClean="0"/>
-              <a:t>Testing just one thing</a:t>
-            </a:r>
-            <a:r>
-              <a:rPr lang="zh-CN" altLang="en-US" dirty="0" smtClean="0"/>
-              <a:t>）</a:t>
-            </a:r>
-            <a:endParaRPr lang="zh-CN" altLang="en-US" dirty="0"/>
-          </a:p>
-        </p:txBody>
-      </p:sp>
-      <p:sp>
-        <p:nvSpPr>
-          <p:cNvPr id="4" name="页脚占位符 3"/>
-          <p:cNvSpPr>
-            <a:spLocks noGrp="1"/>
-          </p:cNvSpPr>
-          <p:nvPr>
-            <p:ph type="ftr" sz="quarter" idx="11"/>
-          </p:nvPr>
-        </p:nvSpPr>
-        <p:spPr/>
-        <p:txBody>
-          <a:bodyPr/>
-          <a:lstStyle/>
-          <a:p>
-            <a:r>
-              <a:rPr lang="zh-CN" altLang="en-US" dirty="0"/>
-              <a:t>隔离框架</a:t>
-            </a:r>
-          </a:p>
-        </p:txBody>
-      </p:sp>
-      <p:sp>
-        <p:nvSpPr>
-          <p:cNvPr id="5" name="灯片编号占位符 4"/>
-          <p:cNvSpPr>
-            <a:spLocks noGrp="1"/>
-          </p:cNvSpPr>
-          <p:nvPr>
-            <p:ph type="sldNum" sz="quarter" idx="12"/>
-          </p:nvPr>
-        </p:nvSpPr>
-        <p:spPr/>
-        <p:txBody>
-          <a:bodyPr/>
-          <a:lstStyle/>
-          <a:p>
-            <a:fld id="{F4A2626E-A0A3-4722-B047-8920ED1A51E7}" type="slidenum">
-              <a:rPr lang="zh-CN" altLang="en-US" smtClean="0"/>
-              <a:pPr/>
-              <a:t>20</a:t>
-            </a:fld>
-            <a:endParaRPr lang="zh-CN" altLang="en-US" dirty="0"/>
-          </a:p>
-        </p:txBody>
-      </p:sp>
-    </p:spTree>
-    <p:extLst>
-      <p:ext uri="{BB962C8B-B14F-4D97-AF65-F5344CB8AC3E}">
-        <p14:creationId xmlns:p14="http://schemas.microsoft.com/office/powerpoint/2010/main" val="1000910794"/>
-      </p:ext>
-    </p:extLst>
-  </p:cSld>
-  <p:clrMapOvr>
-    <a:masterClrMapping/>
-  </p:clrMapOvr>
-  <p:timing>
-    <p:tnLst>
-      <p:par>
-        <p:cTn id="1" dur="indefinite" restart="never" nodeType="tmRoot"/>
-      </p:par>
-    </p:tnLst>
-  </p:timing>
-</p:sld>
-</file>
-
-<file path=ppt/slides/slide21.xml><?xml version="1.0" encoding="utf-8"?>
-<p:sld xmlns:a="http://schemas.openxmlformats.org/drawingml/2006/main" xmlns:r="http://schemas.openxmlformats.org/officeDocument/2006/relationships" xmlns:p="http://schemas.openxmlformats.org/presentationml/2006/main">
-  <p:cSld>
-    <p:spTree>
-      <p:nvGrpSpPr>
-        <p:cNvPr id="1" name=""/>
-        <p:cNvGrpSpPr/>
-        <p:nvPr/>
-      </p:nvGrpSpPr>
-      <p:grpSpPr>
-        <a:xfrm>
-          <a:off x="0" y="0"/>
-          <a:ext cx="0" cy="0"/>
-          <a:chOff x="0" y="0"/>
-          <a:chExt cx="0" cy="0"/>
-        </a:xfrm>
-      </p:grpSpPr>
-      <p:sp>
-        <p:nvSpPr>
-          <p:cNvPr id="2" name="标题 1"/>
-          <p:cNvSpPr>
-            <a:spLocks noGrp="1"/>
-          </p:cNvSpPr>
-          <p:nvPr>
-            <p:ph type="title"/>
-          </p:nvPr>
-        </p:nvSpPr>
-        <p:spPr>
-          <a:xfrm>
-            <a:off x="977537" y="2194333"/>
-            <a:ext cx="10515600" cy="1325563"/>
-          </a:xfrm>
-        </p:spPr>
-        <p:txBody>
-          <a:bodyPr>
-            <a:normAutofit/>
-          </a:bodyPr>
-          <a:lstStyle/>
-          <a:p>
-            <a:pPr algn="ctr"/>
-            <a:r>
-              <a:rPr lang="zh-CN" altLang="en-US" sz="6000" dirty="0" smtClean="0"/>
-              <a:t>衡量单元测试的标准</a:t>
-            </a:r>
-            <a:r>
-              <a:rPr lang="en-US" altLang="zh-CN" sz="6000" dirty="0" smtClean="0"/>
-              <a:t>----</a:t>
-            </a:r>
-            <a:r>
-              <a:rPr lang="zh-CN" altLang="en-US" sz="6000" dirty="0" smtClean="0"/>
-              <a:t>覆盖率</a:t>
-            </a:r>
-            <a:endParaRPr lang="zh-CN" altLang="en-US" sz="6000" dirty="0"/>
-          </a:p>
-        </p:txBody>
-      </p:sp>
-      <p:sp>
-        <p:nvSpPr>
-          <p:cNvPr id="7" name="灯片编号占位符 6"/>
-          <p:cNvSpPr>
-            <a:spLocks noGrp="1"/>
-          </p:cNvSpPr>
-          <p:nvPr>
-            <p:ph type="sldNum" sz="quarter" idx="12"/>
-          </p:nvPr>
-        </p:nvSpPr>
-        <p:spPr/>
-        <p:txBody>
-          <a:bodyPr/>
-          <a:lstStyle/>
-          <a:p>
-            <a:fld id="{F4A2626E-A0A3-4722-B047-8920ED1A51E7}" type="slidenum">
-              <a:rPr lang="zh-CN" altLang="en-US" smtClean="0"/>
-              <a:pPr/>
-              <a:t>21</a:t>
-            </a:fld>
-            <a:endParaRPr lang="zh-CN" altLang="en-US" dirty="0"/>
-          </a:p>
-        </p:txBody>
-      </p:sp>
-    </p:spTree>
-    <p:extLst>
-      <p:ext uri="{BB962C8B-B14F-4D97-AF65-F5344CB8AC3E}">
-        <p14:creationId xmlns:p14="http://schemas.microsoft.com/office/powerpoint/2010/main" val="1322045940"/>
-      </p:ext>
-    </p:extLst>
-  </p:cSld>
-  <p:clrMapOvr>
-    <a:masterClrMapping/>
-  </p:clrMapOvr>
-  <p:timing>
-    <p:tnLst>
-      <p:par>
-        <p:cTn id="1" dur="indefinite" restart="never" nodeType="tmRoot"/>
-      </p:par>
-    </p:tnLst>
-  </p:timing>
-</p:sld>
-</file>
-
-<file path=ppt/slides/slide22.xml><?xml version="1.0" encoding="utf-8"?>
 <p:sld xmlns:a="http://schemas.openxmlformats.org/drawingml/2006/main" xmlns:r="http://schemas.openxmlformats.org/officeDocument/2006/relationships" xmlns:p="http://schemas.openxmlformats.org/presentationml/2006/main">
   <p:cSld>
     <p:spTree>
@@ -22053,9 +21107,13 @@
             </a:lvl1pPr>
           </a:lstStyle>
           <a:p>
+            <a:pPr>
+              <a:buFont typeface="Arial" pitchFamily="34" charset="0"/>
+              <a:buChar char="•"/>
+            </a:pPr>
             <a:r>
-              <a:rPr lang="zh-CN" altLang="en-US" dirty="0" smtClean="0"/>
-              <a:t>演示</a:t>
+              <a:rPr lang="en-US" altLang="zh-CN" dirty="0" smtClean="0"/>
+              <a:t>Demo</a:t>
             </a:r>
             <a:endParaRPr lang="zh-CN" altLang="en-US" dirty="0"/>
           </a:p>
@@ -22102,7 +21160,7 @@
             <a:fld id="{F4A2626E-A0A3-4722-B047-8920ED1A51E7}" type="slidenum">
               <a:rPr lang="zh-CN" altLang="en-US" smtClean="0"/>
               <a:pPr/>
-              <a:t>22</a:t>
+              <a:t>20</a:t>
             </a:fld>
             <a:endParaRPr lang="zh-CN" altLang="en-US" dirty="0"/>
           </a:p>
@@ -22111,7 +21169,7 @@
     </p:spTree>
     <p:extLst>
       <p:ext uri="{BB962C8B-B14F-4D97-AF65-F5344CB8AC3E}">
-        <p14:creationId xmlns:p14="http://schemas.microsoft.com/office/powerpoint/2010/main" val="2353156051"/>
+        <p14:creationId xmlns:p14="http://schemas.microsoft.com/office/powerpoint/2010/main" xmlns="" val="2353156051"/>
       </p:ext>
     </p:extLst>
   </p:cSld>
@@ -22128,7 +21186,7 @@
 </p:sld>
 </file>
 
-<file path=ppt/slides/slide23.xml><?xml version="1.0" encoding="utf-8"?>
+<file path=ppt/slides/slide21.xml><?xml version="1.0" encoding="utf-8"?>
 <p:sld xmlns:a="http://schemas.openxmlformats.org/drawingml/2006/main" xmlns:r="http://schemas.openxmlformats.org/officeDocument/2006/relationships" xmlns:p="http://schemas.openxmlformats.org/presentationml/2006/main">
   <p:cSld>
     <p:spTree>
@@ -22193,7 +21251,7 @@
             <p:ph idx="1"/>
             <p:extLst>
               <p:ext uri="{D42A27DB-BD31-4B8C-83A1-F6EECF244321}">
-                <p14:modId xmlns:p14="http://schemas.microsoft.com/office/powerpoint/2010/main" val="4268596295"/>
+                <p14:modId xmlns:p14="http://schemas.microsoft.com/office/powerpoint/2010/main" xmlns="" val="4268596295"/>
               </p:ext>
             </p:extLst>
           </p:nvPr>
@@ -22249,7 +21307,7 @@
             <a:fld id="{F4A2626E-A0A3-4722-B047-8920ED1A51E7}" type="slidenum">
               <a:rPr lang="zh-CN" altLang="en-US" smtClean="0"/>
               <a:pPr/>
-              <a:t>23</a:t>
+              <a:t>21</a:t>
             </a:fld>
             <a:endParaRPr lang="zh-CN" altLang="en-US" dirty="0"/>
           </a:p>
@@ -22258,7 +21316,7 @@
     </p:spTree>
     <p:extLst>
       <p:ext uri="{BB962C8B-B14F-4D97-AF65-F5344CB8AC3E}">
-        <p14:creationId xmlns:p14="http://schemas.microsoft.com/office/powerpoint/2010/main" val="1408319310"/>
+        <p14:creationId xmlns:p14="http://schemas.microsoft.com/office/powerpoint/2010/main" xmlns="" val="1408319310"/>
       </p:ext>
     </p:extLst>
   </p:cSld>
@@ -22275,7 +21333,7 @@
 </p:sld>
 </file>
 
-<file path=ppt/slides/slide24.xml><?xml version="1.0" encoding="utf-8"?>
+<file path=ppt/slides/slide22.xml><?xml version="1.0" encoding="utf-8"?>
 <p:sld xmlns:a="http://schemas.openxmlformats.org/drawingml/2006/main" xmlns:r="http://schemas.openxmlformats.org/officeDocument/2006/relationships" xmlns:p="http://schemas.openxmlformats.org/presentationml/2006/main">
   <p:cSld>
     <p:spTree>
@@ -22338,7 +21396,7 @@
             <a:fld id="{F4A2626E-A0A3-4722-B047-8920ED1A51E7}" type="slidenum">
               <a:rPr lang="zh-CN" altLang="en-US" smtClean="0"/>
               <a:pPr/>
-              <a:t>24</a:t>
+              <a:t>22</a:t>
             </a:fld>
             <a:endParaRPr lang="zh-CN" altLang="en-US"/>
           </a:p>
@@ -22356,7 +21414,7 @@
           <a:blip r:embed="rId2">
             <a:extLst>
               <a:ext uri="{28A0092B-C50C-407E-A947-70E740481C1C}">
-                <a14:useLocalDpi xmlns:a14="http://schemas.microsoft.com/office/drawing/2010/main" val="0"/>
+                <a14:useLocalDpi xmlns:a14="http://schemas.microsoft.com/office/drawing/2010/main" xmlns="" val="0"/>
               </a:ext>
             </a:extLst>
           </a:blip>
@@ -22377,7 +21435,7 @@
     </p:spTree>
     <p:extLst>
       <p:ext uri="{BB962C8B-B14F-4D97-AF65-F5344CB8AC3E}">
-        <p14:creationId xmlns:p14="http://schemas.microsoft.com/office/powerpoint/2010/main" val="4265376992"/>
+        <p14:creationId xmlns:p14="http://schemas.microsoft.com/office/powerpoint/2010/main" xmlns="" val="4265376992"/>
       </p:ext>
     </p:extLst>
   </p:cSld>
@@ -22394,7 +21452,7 @@
 </p:sld>
 </file>
 
-<file path=ppt/slides/slide25.xml><?xml version="1.0" encoding="utf-8"?>
+<file path=ppt/slides/slide23.xml><?xml version="1.0" encoding="utf-8"?>
 <p:sld xmlns:a="http://schemas.openxmlformats.org/drawingml/2006/main" xmlns:r="http://schemas.openxmlformats.org/officeDocument/2006/relationships" xmlns:p="http://schemas.openxmlformats.org/presentationml/2006/main">
   <p:cSld>
     <p:spTree>
@@ -22457,7 +21515,7 @@
             <a:fld id="{F4A2626E-A0A3-4722-B047-8920ED1A51E7}" type="slidenum">
               <a:rPr lang="zh-CN" altLang="en-US" smtClean="0"/>
               <a:pPr/>
-              <a:t>25</a:t>
+              <a:t>23</a:t>
             </a:fld>
             <a:endParaRPr lang="zh-CN" altLang="en-US"/>
           </a:p>
@@ -22475,7 +21533,7 @@
           <a:blip r:embed="rId2">
             <a:extLst>
               <a:ext uri="{28A0092B-C50C-407E-A947-70E740481C1C}">
-                <a14:useLocalDpi xmlns:a14="http://schemas.microsoft.com/office/drawing/2010/main" val="0"/>
+                <a14:useLocalDpi xmlns:a14="http://schemas.microsoft.com/office/drawing/2010/main" xmlns="" val="0"/>
               </a:ext>
             </a:extLst>
           </a:blip>
@@ -22496,7 +21554,7 @@
     </p:spTree>
     <p:extLst>
       <p:ext uri="{BB962C8B-B14F-4D97-AF65-F5344CB8AC3E}">
-        <p14:creationId xmlns:p14="http://schemas.microsoft.com/office/powerpoint/2010/main" val="2911620675"/>
+        <p14:creationId xmlns:p14="http://schemas.microsoft.com/office/powerpoint/2010/main" xmlns="" val="2911620675"/>
       </p:ext>
     </p:extLst>
   </p:cSld>
@@ -22513,7 +21571,7 @@
 </p:sld>
 </file>
 
-<file path=ppt/slides/slide26.xml><?xml version="1.0" encoding="utf-8"?>
+<file path=ppt/slides/slide24.xml><?xml version="1.0" encoding="utf-8"?>
 <p:sld xmlns:a="http://schemas.openxmlformats.org/drawingml/2006/main" xmlns:r="http://schemas.openxmlformats.org/officeDocument/2006/relationships" xmlns:p="http://schemas.openxmlformats.org/presentationml/2006/main">
   <p:cSld>
     <p:spTree>
@@ -22575,7 +21633,7 @@
             <a:fld id="{F4A2626E-A0A3-4722-B047-8920ED1A51E7}" type="slidenum">
               <a:rPr lang="zh-CN" altLang="en-US" smtClean="0"/>
               <a:pPr/>
-              <a:t>26</a:t>
+              <a:t>24</a:t>
             </a:fld>
             <a:endParaRPr lang="zh-CN" altLang="en-US"/>
           </a:p>
@@ -22593,7 +21651,7 @@
           <a:blip r:embed="rId2">
             <a:extLst>
               <a:ext uri="{28A0092B-C50C-407E-A947-70E740481C1C}">
-                <a14:useLocalDpi xmlns:a14="http://schemas.microsoft.com/office/drawing/2010/main" val="0"/>
+                <a14:useLocalDpi xmlns:a14="http://schemas.microsoft.com/office/drawing/2010/main" xmlns="" val="0"/>
               </a:ext>
             </a:extLst>
           </a:blip>
@@ -22614,7 +21672,7 @@
     </p:spTree>
     <p:extLst>
       <p:ext uri="{BB962C8B-B14F-4D97-AF65-F5344CB8AC3E}">
-        <p14:creationId xmlns:p14="http://schemas.microsoft.com/office/powerpoint/2010/main" val="1639528390"/>
+        <p14:creationId xmlns:p14="http://schemas.microsoft.com/office/powerpoint/2010/main" xmlns="" val="1639528390"/>
       </p:ext>
     </p:extLst>
   </p:cSld>
@@ -22631,7 +21689,7 @@
 </p:sld>
 </file>
 
-<file path=ppt/slides/slide27.xml><?xml version="1.0" encoding="utf-8"?>
+<file path=ppt/slides/slide25.xml><?xml version="1.0" encoding="utf-8"?>
 <p:sld xmlns:a="http://schemas.openxmlformats.org/drawingml/2006/main" xmlns:r="http://schemas.openxmlformats.org/officeDocument/2006/relationships" xmlns:p="http://schemas.openxmlformats.org/presentationml/2006/main">
   <p:cSld>
     <p:spTree>
@@ -22693,7 +21751,7 @@
             <a:fld id="{F4A2626E-A0A3-4722-B047-8920ED1A51E7}" type="slidenum">
               <a:rPr lang="zh-CN" altLang="en-US" smtClean="0"/>
               <a:pPr/>
-              <a:t>27</a:t>
+              <a:t>25</a:t>
             </a:fld>
             <a:endParaRPr lang="zh-CN" altLang="en-US"/>
           </a:p>
@@ -22711,7 +21769,7 @@
           <a:blip r:embed="rId2">
             <a:extLst>
               <a:ext uri="{28A0092B-C50C-407E-A947-70E740481C1C}">
-                <a14:useLocalDpi xmlns:a14="http://schemas.microsoft.com/office/drawing/2010/main" val="0"/>
+                <a14:useLocalDpi xmlns:a14="http://schemas.microsoft.com/office/drawing/2010/main" xmlns="" val="0"/>
               </a:ext>
             </a:extLst>
           </a:blip>
@@ -22732,7 +21790,7 @@
     </p:spTree>
     <p:extLst>
       <p:ext uri="{BB962C8B-B14F-4D97-AF65-F5344CB8AC3E}">
-        <p14:creationId xmlns:p14="http://schemas.microsoft.com/office/powerpoint/2010/main" val="1541191744"/>
+        <p14:creationId xmlns:p14="http://schemas.microsoft.com/office/powerpoint/2010/main" xmlns="" val="1541191744"/>
       </p:ext>
     </p:extLst>
   </p:cSld>
@@ -22749,7 +21807,7 @@
 </p:sld>
 </file>
 
-<file path=ppt/slides/slide28.xml><?xml version="1.0" encoding="utf-8"?>
+<file path=ppt/slides/slide26.xml><?xml version="1.0" encoding="utf-8"?>
 <p:sld xmlns:a="http://schemas.openxmlformats.org/drawingml/2006/main" xmlns:r="http://schemas.openxmlformats.org/officeDocument/2006/relationships" xmlns:p="http://schemas.openxmlformats.org/presentationml/2006/main">
   <p:cSld>
     <p:spTree>
@@ -22804,7 +21862,7 @@
             <p:ph idx="1"/>
             <p:extLst>
               <p:ext uri="{D42A27DB-BD31-4B8C-83A1-F6EECF244321}">
-                <p14:modId xmlns:p14="http://schemas.microsoft.com/office/powerpoint/2010/main" val="4004654259"/>
+                <p14:modId xmlns:p14="http://schemas.microsoft.com/office/powerpoint/2010/main" xmlns="" val="4004654259"/>
               </p:ext>
             </p:extLst>
           </p:nvPr>
@@ -23129,7 +22187,7 @@
             <a:fld id="{F4A2626E-A0A3-4722-B047-8920ED1A51E7}" type="slidenum">
               <a:rPr lang="zh-CN" altLang="en-US" smtClean="0"/>
               <a:pPr/>
-              <a:t>28</a:t>
+              <a:t>26</a:t>
             </a:fld>
             <a:endParaRPr lang="zh-CN" altLang="en-US" dirty="0"/>
           </a:p>
@@ -23138,7 +22196,7 @@
     </p:spTree>
     <p:extLst>
       <p:ext uri="{BB962C8B-B14F-4D97-AF65-F5344CB8AC3E}">
-        <p14:creationId xmlns:p14="http://schemas.microsoft.com/office/powerpoint/2010/main" val="3804095954"/>
+        <p14:creationId xmlns:p14="http://schemas.microsoft.com/office/powerpoint/2010/main" xmlns="" val="3804095954"/>
       </p:ext>
     </p:extLst>
   </p:cSld>
@@ -23155,7 +22213,7 @@
 </p:sld>
 </file>
 
-<file path=ppt/slides/slide29.xml><?xml version="1.0" encoding="utf-8"?>
+<file path=ppt/slides/slide27.xml><?xml version="1.0" encoding="utf-8"?>
 <p:sld xmlns:a="http://schemas.openxmlformats.org/drawingml/2006/main" xmlns:r="http://schemas.openxmlformats.org/officeDocument/2006/relationships" xmlns:p="http://schemas.openxmlformats.org/presentationml/2006/main">
   <p:cSld>
     <p:spTree>
@@ -23326,7 +22384,7 @@
             <a:fld id="{F4A2626E-A0A3-4722-B047-8920ED1A51E7}" type="slidenum">
               <a:rPr lang="zh-CN" altLang="en-US" smtClean="0"/>
               <a:pPr/>
-              <a:t>29</a:t>
+              <a:t>27</a:t>
             </a:fld>
             <a:endParaRPr lang="zh-CN" altLang="en-US" dirty="0"/>
           </a:p>
@@ -23335,7 +22393,7 @@
     </p:spTree>
     <p:extLst>
       <p:ext uri="{BB962C8B-B14F-4D97-AF65-F5344CB8AC3E}">
-        <p14:creationId xmlns:p14="http://schemas.microsoft.com/office/powerpoint/2010/main" val="3745167176"/>
+        <p14:creationId xmlns:p14="http://schemas.microsoft.com/office/powerpoint/2010/main" xmlns="" val="3745167176"/>
       </p:ext>
     </p:extLst>
   </p:cSld>
@@ -23352,147 +22410,7 @@
 </p:sld>
 </file>
 
-<file path=ppt/slides/slide3.xml><?xml version="1.0" encoding="utf-8"?>
-<p:sld xmlns:a="http://schemas.openxmlformats.org/drawingml/2006/main" xmlns:r="http://schemas.openxmlformats.org/officeDocument/2006/relationships" xmlns:p="http://schemas.openxmlformats.org/presentationml/2006/main">
-  <p:cSld>
-    <p:spTree>
-      <p:nvGrpSpPr>
-        <p:cNvPr id="1" name=""/>
-        <p:cNvGrpSpPr/>
-        <p:nvPr/>
-      </p:nvGrpSpPr>
-      <p:grpSpPr>
-        <a:xfrm>
-          <a:off x="0" y="0"/>
-          <a:ext cx="0" cy="0"/>
-          <a:chOff x="0" y="0"/>
-          <a:chExt cx="0" cy="0"/>
-        </a:xfrm>
-      </p:grpSpPr>
-      <p:sp>
-        <p:nvSpPr>
-          <p:cNvPr id="2" name="标题 1"/>
-          <p:cNvSpPr>
-            <a:spLocks noGrp="1"/>
-          </p:cNvSpPr>
-          <p:nvPr>
-            <p:ph type="title"/>
-          </p:nvPr>
-        </p:nvSpPr>
-        <p:spPr>
-          <a:xfrm>
-            <a:off x="838200" y="478744"/>
-            <a:ext cx="10515600" cy="696913"/>
-          </a:xfrm>
-        </p:spPr>
-        <p:txBody>
-          <a:bodyPr/>
-          <a:lstStyle/>
-          <a:p>
-            <a:r>
-              <a:rPr lang="zh-CN" altLang="en-US" dirty="0" smtClean="0"/>
-              <a:t>优秀单元测试的</a:t>
-            </a:r>
-            <a:r>
-              <a:rPr lang="zh-CN" altLang="en-US" dirty="0"/>
-              <a:t>特性</a:t>
-            </a:r>
-          </a:p>
-        </p:txBody>
-      </p:sp>
-      <p:graphicFrame>
-        <p:nvGraphicFramePr>
-          <p:cNvPr id="14" name="内容占位符 13"/>
-          <p:cNvGraphicFramePr>
-            <a:graphicFrameLocks noGrp="1"/>
-          </p:cNvGraphicFramePr>
-          <p:nvPr>
-            <p:ph idx="1"/>
-            <p:extLst>
-              <p:ext uri="{D42A27DB-BD31-4B8C-83A1-F6EECF244321}">
-                <p14:modId xmlns:p14="http://schemas.microsoft.com/office/powerpoint/2010/main" val="2703503720"/>
-              </p:ext>
-            </p:extLst>
-          </p:nvPr>
-        </p:nvGraphicFramePr>
-        <p:xfrm>
-          <a:off x="838200" y="1318078"/>
-          <a:ext cx="10515600" cy="4751796"/>
-        </p:xfrm>
-        <a:graphic>
-          <a:graphicData uri="http://schemas.openxmlformats.org/drawingml/2006/diagram">
-            <dgm:relIds xmlns:dgm="http://schemas.openxmlformats.org/drawingml/2006/diagram" xmlns:r="http://schemas.openxmlformats.org/officeDocument/2006/relationships" r:dm="rId2" r:lo="rId3" r:qs="rId4" r:cs="rId5"/>
-          </a:graphicData>
-        </a:graphic>
-      </p:graphicFrame>
-      <p:sp>
-        <p:nvSpPr>
-          <p:cNvPr id="6" name="页脚占位符 5"/>
-          <p:cNvSpPr>
-            <a:spLocks noGrp="1"/>
-          </p:cNvSpPr>
-          <p:nvPr>
-            <p:ph type="ftr" sz="quarter" idx="11"/>
-          </p:nvPr>
-        </p:nvSpPr>
-        <p:spPr/>
-        <p:txBody>
-          <a:bodyPr/>
-          <a:lstStyle/>
-          <a:p>
-            <a:r>
-              <a:rPr lang="zh-CN" altLang="en-US" dirty="0" smtClean="0"/>
-              <a:t>单元测试概论</a:t>
-            </a:r>
-            <a:endParaRPr lang="zh-CN" altLang="en-US" dirty="0"/>
-          </a:p>
-        </p:txBody>
-      </p:sp>
-      <p:sp>
-        <p:nvSpPr>
-          <p:cNvPr id="7" name="灯片编号占位符 6"/>
-          <p:cNvSpPr>
-            <a:spLocks noGrp="1"/>
-          </p:cNvSpPr>
-          <p:nvPr>
-            <p:ph type="sldNum" sz="quarter" idx="12"/>
-          </p:nvPr>
-        </p:nvSpPr>
-        <p:spPr/>
-        <p:txBody>
-          <a:bodyPr/>
-          <a:lstStyle/>
-          <a:p>
-            <a:fld id="{F4A2626E-A0A3-4722-B047-8920ED1A51E7}" type="slidenum">
-              <a:rPr lang="zh-CN" altLang="en-US" smtClean="0"/>
-              <a:pPr/>
-              <a:t>3</a:t>
-            </a:fld>
-            <a:endParaRPr lang="zh-CN" altLang="en-US" dirty="0"/>
-          </a:p>
-        </p:txBody>
-      </p:sp>
-    </p:spTree>
-    <p:extLst>
-      <p:ext uri="{BB962C8B-B14F-4D97-AF65-F5344CB8AC3E}">
-        <p14:creationId xmlns:p14="http://schemas.microsoft.com/office/powerpoint/2010/main" val="2276224563"/>
-      </p:ext>
-    </p:extLst>
-  </p:cSld>
-  <p:clrMapOvr>
-    <a:masterClrMapping/>
-  </p:clrMapOvr>
-  <p:timing>
-    <p:tnLst>
-      <p:par>
-        <p:cTn id="1" dur="indefinite" restart="never" nodeType="tmRoot"/>
-      </p:par>
-    </p:tnLst>
-  </p:timing>
-</p:sld>
-</file>
-
-<file path=ppt/slides/slide30.xml><?xml version="1.0" encoding="utf-8"?>
+<file path=ppt/slides/slide28.xml><?xml version="1.0" encoding="utf-8"?>
 <p:sld xmlns:a="http://schemas.openxmlformats.org/drawingml/2006/main" xmlns:r="http://schemas.openxmlformats.org/officeDocument/2006/relationships" xmlns:p="http://schemas.openxmlformats.org/presentationml/2006/main">
   <p:cSld>
     <p:spTree>
@@ -23579,7 +22497,7 @@
             <a:fld id="{F4A2626E-A0A3-4722-B047-8920ED1A51E7}" type="slidenum">
               <a:rPr lang="zh-CN" altLang="en-US" smtClean="0"/>
               <a:pPr/>
-              <a:t>30</a:t>
+              <a:t>28</a:t>
             </a:fld>
             <a:endParaRPr lang="zh-CN" altLang="en-US"/>
           </a:p>
@@ -23588,7 +22506,7 @@
     </p:spTree>
     <p:extLst>
       <p:ext uri="{BB962C8B-B14F-4D97-AF65-F5344CB8AC3E}">
-        <p14:creationId xmlns:p14="http://schemas.microsoft.com/office/powerpoint/2010/main" val="3554741049"/>
+        <p14:creationId xmlns:p14="http://schemas.microsoft.com/office/powerpoint/2010/main" xmlns="" val="3554741049"/>
       </p:ext>
     </p:extLst>
   </p:cSld>
@@ -23598,7 +22516,7 @@
 </p:sld>
 </file>
 
-<file path=ppt/slides/slide31.xml><?xml version="1.0" encoding="utf-8"?>
+<file path=ppt/slides/slide29.xml><?xml version="1.0" encoding="utf-8"?>
 <p:sld xmlns:a="http://schemas.openxmlformats.org/drawingml/2006/main" xmlns:r="http://schemas.openxmlformats.org/officeDocument/2006/relationships" xmlns:p="http://schemas.openxmlformats.org/presentationml/2006/main">
   <p:cSld>
     <p:spTree>
@@ -24313,7 +23231,7 @@
             <a:fld id="{F4A2626E-A0A3-4722-B047-8920ED1A51E7}" type="slidenum">
               <a:rPr lang="zh-CN" altLang="en-US" smtClean="0"/>
               <a:pPr/>
-              <a:t>31</a:t>
+              <a:t>29</a:t>
             </a:fld>
             <a:endParaRPr lang="zh-CN" altLang="en-US" dirty="0"/>
           </a:p>
@@ -24334,7 +23252,152 @@
 </p:sld>
 </file>
 
-<file path=ppt/slides/slide32.xml><?xml version="1.0" encoding="utf-8"?>
+<file path=ppt/slides/slide3.xml><?xml version="1.0" encoding="utf-8"?>
+<p:sld xmlns:a="http://schemas.openxmlformats.org/drawingml/2006/main" xmlns:r="http://schemas.openxmlformats.org/officeDocument/2006/relationships" xmlns:p="http://schemas.openxmlformats.org/presentationml/2006/main">
+  <p:cSld>
+    <p:spTree>
+      <p:nvGrpSpPr>
+        <p:cNvPr id="1" name=""/>
+        <p:cNvGrpSpPr/>
+        <p:nvPr/>
+      </p:nvGrpSpPr>
+      <p:grpSpPr>
+        <a:xfrm>
+          <a:off x="0" y="0"/>
+          <a:ext cx="0" cy="0"/>
+          <a:chOff x="0" y="0"/>
+          <a:chExt cx="0" cy="0"/>
+        </a:xfrm>
+      </p:grpSpPr>
+      <p:sp>
+        <p:nvSpPr>
+          <p:cNvPr id="2" name="标题 1"/>
+          <p:cNvSpPr>
+            <a:spLocks noGrp="1"/>
+          </p:cNvSpPr>
+          <p:nvPr>
+            <p:ph type="title"/>
+          </p:nvPr>
+        </p:nvSpPr>
+        <p:spPr>
+          <a:xfrm>
+            <a:off x="838200" y="478744"/>
+            <a:ext cx="10515600" cy="696913"/>
+          </a:xfrm>
+        </p:spPr>
+        <p:txBody>
+          <a:bodyPr/>
+          <a:lstStyle/>
+          <a:p>
+            <a:r>
+              <a:rPr lang="zh-CN" altLang="en-US" dirty="0" smtClean="0"/>
+              <a:t>什么是单元测试（优秀</a:t>
+            </a:r>
+            <a:r>
+              <a:rPr lang="zh-CN" altLang="en-US" dirty="0" smtClean="0"/>
+              <a:t>单元测试的</a:t>
+            </a:r>
+            <a:r>
+              <a:rPr lang="zh-CN" altLang="en-US" dirty="0" smtClean="0"/>
+              <a:t>特性）</a:t>
+            </a:r>
+            <a:endParaRPr lang="zh-CN" altLang="en-US" dirty="0"/>
+          </a:p>
+        </p:txBody>
+      </p:sp>
+      <p:graphicFrame>
+        <p:nvGraphicFramePr>
+          <p:cNvPr id="14" name="内容占位符 13"/>
+          <p:cNvGraphicFramePr>
+            <a:graphicFrameLocks noGrp="1"/>
+          </p:cNvGraphicFramePr>
+          <p:nvPr>
+            <p:ph idx="1"/>
+            <p:extLst>
+              <p:ext uri="{D42A27DB-BD31-4B8C-83A1-F6EECF244321}">
+                <p14:modId xmlns:p14="http://schemas.microsoft.com/office/powerpoint/2010/main" xmlns="" val="2703503720"/>
+              </p:ext>
+            </p:extLst>
+          </p:nvPr>
+        </p:nvGraphicFramePr>
+        <p:xfrm>
+          <a:off x="838200" y="1318078"/>
+          <a:ext cx="10515600" cy="4751796"/>
+        </p:xfrm>
+        <a:graphic>
+          <a:graphicData uri="http://schemas.openxmlformats.org/drawingml/2006/diagram">
+            <dgm:relIds xmlns:dgm="http://schemas.openxmlformats.org/drawingml/2006/diagram" xmlns:r="http://schemas.openxmlformats.org/officeDocument/2006/relationships" r:dm="rId2" r:lo="rId3" r:qs="rId4" r:cs="rId5"/>
+          </a:graphicData>
+        </a:graphic>
+      </p:graphicFrame>
+      <p:sp>
+        <p:nvSpPr>
+          <p:cNvPr id="6" name="页脚占位符 5"/>
+          <p:cNvSpPr>
+            <a:spLocks noGrp="1"/>
+          </p:cNvSpPr>
+          <p:nvPr>
+            <p:ph type="ftr" sz="quarter" idx="11"/>
+          </p:nvPr>
+        </p:nvSpPr>
+        <p:spPr/>
+        <p:txBody>
+          <a:bodyPr/>
+          <a:lstStyle/>
+          <a:p>
+            <a:r>
+              <a:rPr lang="zh-CN" altLang="en-US" dirty="0" smtClean="0"/>
+              <a:t>单元测试概论</a:t>
+            </a:r>
+            <a:endParaRPr lang="zh-CN" altLang="en-US" dirty="0"/>
+          </a:p>
+        </p:txBody>
+      </p:sp>
+      <p:sp>
+        <p:nvSpPr>
+          <p:cNvPr id="7" name="灯片编号占位符 6"/>
+          <p:cNvSpPr>
+            <a:spLocks noGrp="1"/>
+          </p:cNvSpPr>
+          <p:nvPr>
+            <p:ph type="sldNum" sz="quarter" idx="12"/>
+          </p:nvPr>
+        </p:nvSpPr>
+        <p:spPr/>
+        <p:txBody>
+          <a:bodyPr/>
+          <a:lstStyle/>
+          <a:p>
+            <a:fld id="{F4A2626E-A0A3-4722-B047-8920ED1A51E7}" type="slidenum">
+              <a:rPr lang="zh-CN" altLang="en-US" smtClean="0"/>
+              <a:pPr/>
+              <a:t>3</a:t>
+            </a:fld>
+            <a:endParaRPr lang="zh-CN" altLang="en-US" dirty="0"/>
+          </a:p>
+        </p:txBody>
+      </p:sp>
+    </p:spTree>
+    <p:extLst>
+      <p:ext uri="{BB962C8B-B14F-4D97-AF65-F5344CB8AC3E}">
+        <p14:creationId xmlns:p14="http://schemas.microsoft.com/office/powerpoint/2010/main" xmlns="" val="2276224563"/>
+      </p:ext>
+    </p:extLst>
+  </p:cSld>
+  <p:clrMapOvr>
+    <a:masterClrMapping/>
+  </p:clrMapOvr>
+  <p:timing>
+    <p:tnLst>
+      <p:par>
+        <p:cTn id="1" dur="indefinite" restart="never" nodeType="tmRoot"/>
+      </p:par>
+    </p:tnLst>
+  </p:timing>
+</p:sld>
+</file>
+
+<file path=ppt/slides/slide30.xml><?xml version="1.0" encoding="utf-8"?>
 <p:sld xmlns:a="http://schemas.openxmlformats.org/drawingml/2006/main" xmlns:r="http://schemas.openxmlformats.org/officeDocument/2006/relationships" xmlns:p="http://schemas.openxmlformats.org/presentationml/2006/main">
   <p:cSld>
     <p:spTree>
@@ -24529,7 +23592,7 @@
             <a:fld id="{F4A2626E-A0A3-4722-B047-8920ED1A51E7}" type="slidenum">
               <a:rPr lang="zh-CN" altLang="en-US" smtClean="0"/>
               <a:pPr/>
-              <a:t>32</a:t>
+              <a:t>30</a:t>
             </a:fld>
             <a:endParaRPr lang="zh-CN" altLang="en-US" dirty="0"/>
           </a:p>
@@ -24538,7 +23601,7 @@
     </p:spTree>
     <p:extLst>
       <p:ext uri="{BB962C8B-B14F-4D97-AF65-F5344CB8AC3E}">
-        <p14:creationId xmlns:p14="http://schemas.microsoft.com/office/powerpoint/2010/main" val="3948841432"/>
+        <p14:creationId xmlns:p14="http://schemas.microsoft.com/office/powerpoint/2010/main" xmlns="" val="3948841432"/>
       </p:ext>
     </p:extLst>
   </p:cSld>
@@ -24555,7 +23618,7 @@
 </p:sld>
 </file>
 
-<file path=ppt/slides/slide33.xml><?xml version="1.0" encoding="utf-8"?>
+<file path=ppt/slides/slide31.xml><?xml version="1.0" encoding="utf-8"?>
 <p:sld xmlns:a="http://schemas.openxmlformats.org/drawingml/2006/main" xmlns:r="http://schemas.openxmlformats.org/officeDocument/2006/relationships" xmlns:p="http://schemas.openxmlformats.org/presentationml/2006/main">
   <p:cSld>
     <p:spTree>
@@ -24722,7 +23785,7 @@
             <a:fld id="{F4A2626E-A0A3-4722-B047-8920ED1A51E7}" type="slidenum">
               <a:rPr lang="zh-CN" altLang="en-US" smtClean="0"/>
               <a:pPr/>
-              <a:t>33</a:t>
+              <a:t>31</a:t>
             </a:fld>
             <a:endParaRPr lang="zh-CN" altLang="en-US" dirty="0"/>
           </a:p>
@@ -24743,7 +23806,7 @@
 </p:sld>
 </file>
 
-<file path=ppt/slides/slide34.xml><?xml version="1.0" encoding="utf-8"?>
+<file path=ppt/slides/slide32.xml><?xml version="1.0" encoding="utf-8"?>
 <p:sld xmlns:a="http://schemas.openxmlformats.org/drawingml/2006/main" xmlns:r="http://schemas.openxmlformats.org/officeDocument/2006/relationships" xmlns:p="http://schemas.openxmlformats.org/presentationml/2006/main">
   <p:cSld>
     <p:spTree>
@@ -24847,7 +23910,7 @@
             <a:fld id="{F4A2626E-A0A3-4722-B047-8920ED1A51E7}" type="slidenum">
               <a:rPr lang="zh-CN" altLang="en-US" smtClean="0"/>
               <a:pPr/>
-              <a:t>34</a:t>
+              <a:t>32</a:t>
             </a:fld>
             <a:endParaRPr lang="zh-CN" altLang="en-US" dirty="0"/>
           </a:p>
@@ -24892,7 +23955,7 @@
 </p:sld>
 </file>
 
-<file path=ppt/slides/slide35.xml><?xml version="1.0" encoding="utf-8"?>
+<file path=ppt/slides/slide33.xml><?xml version="1.0" encoding="utf-8"?>
 <p:sld xmlns:a="http://schemas.openxmlformats.org/drawingml/2006/main" xmlns:r="http://schemas.openxmlformats.org/officeDocument/2006/relationships" xmlns:p="http://schemas.openxmlformats.org/presentationml/2006/main">
   <p:cSld>
     <p:spTree>
@@ -24950,7 +24013,7 @@
             <a:fld id="{F4A2626E-A0A3-4722-B047-8920ED1A51E7}" type="slidenum">
               <a:rPr lang="zh-CN" altLang="en-US" smtClean="0"/>
               <a:pPr/>
-              <a:t>35</a:t>
+              <a:t>33</a:t>
             </a:fld>
             <a:endParaRPr lang="zh-CN" altLang="en-US" dirty="0"/>
           </a:p>
@@ -25030,7 +24093,7 @@
 </p:sld>
 </file>
 
-<file path=ppt/slides/slide36.xml><?xml version="1.0" encoding="utf-8"?>
+<file path=ppt/slides/slide34.xml><?xml version="1.0" encoding="utf-8"?>
 <p:sld xmlns:a="http://schemas.openxmlformats.org/drawingml/2006/main" xmlns:r="http://schemas.openxmlformats.org/officeDocument/2006/relationships" xmlns:p="http://schemas.openxmlformats.org/presentationml/2006/main">
   <p:cSld>
     <p:spTree>
@@ -25096,7 +24159,7 @@
             <a:fld id="{F4A2626E-A0A3-4722-B047-8920ED1A51E7}" type="slidenum">
               <a:rPr lang="zh-CN" altLang="en-US" smtClean="0"/>
               <a:pPr/>
-              <a:t>36</a:t>
+              <a:t>34</a:t>
             </a:fld>
             <a:endParaRPr lang="zh-CN" altLang="en-US"/>
           </a:p>
@@ -25105,7 +24168,7 @@
     </p:spTree>
     <p:extLst>
       <p:ext uri="{BB962C8B-B14F-4D97-AF65-F5344CB8AC3E}">
-        <p14:creationId xmlns:p14="http://schemas.microsoft.com/office/powerpoint/2010/main" val="250897556"/>
+        <p14:creationId xmlns:p14="http://schemas.microsoft.com/office/powerpoint/2010/main" xmlns="" val="250897556"/>
       </p:ext>
     </p:extLst>
   </p:cSld>
@@ -25123,6 +24186,228 @@
 </file>
 
 <file path=ppt/slides/slide4.xml><?xml version="1.0" encoding="utf-8"?>
+<p:sld xmlns:a="http://schemas.openxmlformats.org/drawingml/2006/main" xmlns:r="http://schemas.openxmlformats.org/officeDocument/2006/relationships" xmlns:p="http://schemas.openxmlformats.org/presentationml/2006/main">
+  <p:cSld>
+    <p:spTree>
+      <p:nvGrpSpPr>
+        <p:cNvPr id="1" name=""/>
+        <p:cNvGrpSpPr/>
+        <p:nvPr/>
+      </p:nvGrpSpPr>
+      <p:grpSpPr>
+        <a:xfrm>
+          <a:off x="0" y="0"/>
+          <a:ext cx="0" cy="0"/>
+          <a:chOff x="0" y="0"/>
+          <a:chExt cx="0" cy="0"/>
+        </a:xfrm>
+      </p:grpSpPr>
+      <p:sp>
+        <p:nvSpPr>
+          <p:cNvPr id="2" name="标题 1"/>
+          <p:cNvSpPr>
+            <a:spLocks noGrp="1"/>
+          </p:cNvSpPr>
+          <p:nvPr>
+            <p:ph type="title"/>
+          </p:nvPr>
+        </p:nvSpPr>
+        <p:spPr/>
+        <p:txBody>
+          <a:bodyPr/>
+          <a:lstStyle/>
+          <a:p>
+            <a:r>
+              <a:rPr lang="zh-CN" altLang="en-US" dirty="0" smtClean="0"/>
+              <a:t>单元测试的范围</a:t>
+            </a:r>
+            <a:endParaRPr lang="zh-CN" altLang="en-US" dirty="0"/>
+          </a:p>
+        </p:txBody>
+      </p:sp>
+      <p:sp>
+        <p:nvSpPr>
+          <p:cNvPr id="3" name="内容占位符 2"/>
+          <p:cNvSpPr>
+            <a:spLocks noGrp="1"/>
+          </p:cNvSpPr>
+          <p:nvPr>
+            <p:ph idx="1"/>
+          </p:nvPr>
+        </p:nvSpPr>
+        <p:spPr/>
+        <p:txBody>
+          <a:bodyPr/>
+          <a:lstStyle/>
+          <a:p>
+            <a:r>
+              <a:rPr lang="zh-CN" altLang="en-US" dirty="0" smtClean="0"/>
+              <a:t>测试什么</a:t>
+            </a:r>
+            <a:endParaRPr lang="en-US" altLang="zh-CN" dirty="0" smtClean="0"/>
+          </a:p>
+          <a:p>
+            <a:pPr lvl="1">
+              <a:buFont typeface="Wingdings" panose="05000000000000000000" pitchFamily="2" charset="2"/>
+              <a:buChar char="ü"/>
+            </a:pPr>
+            <a:r>
+              <a:rPr lang="zh-CN" altLang="en-US" dirty="0" smtClean="0"/>
+              <a:t>业务逻辑</a:t>
+            </a:r>
+            <a:endParaRPr lang="en-US" altLang="zh-CN" dirty="0" smtClean="0"/>
+          </a:p>
+          <a:p>
+            <a:pPr lvl="1">
+              <a:buFont typeface="Wingdings" panose="05000000000000000000" pitchFamily="2" charset="2"/>
+              <a:buChar char="ü"/>
+            </a:pPr>
+            <a:r>
+              <a:rPr lang="zh-CN" altLang="en-US" dirty="0" smtClean="0"/>
+              <a:t>界面</a:t>
+            </a:r>
+            <a:r>
+              <a:rPr lang="zh-CN" altLang="en-US" dirty="0" smtClean="0"/>
+              <a:t>逻辑</a:t>
+            </a:r>
+            <a:endParaRPr lang="en-US" altLang="zh-CN" dirty="0" smtClean="0"/>
+          </a:p>
+          <a:p>
+            <a:r>
+              <a:rPr lang="zh-CN" altLang="en-US" dirty="0" smtClean="0"/>
+              <a:t>不</a:t>
+            </a:r>
+            <a:r>
+              <a:rPr lang="zh-CN" altLang="en-US" dirty="0" smtClean="0"/>
+              <a:t>测试什么</a:t>
+            </a:r>
+            <a:endParaRPr lang="en-US" altLang="zh-CN" dirty="0" smtClean="0"/>
+          </a:p>
+          <a:p>
+            <a:pPr lvl="1">
+              <a:buFont typeface="Wingdings" pitchFamily="2" charset="2"/>
+              <a:buChar char="u"/>
+            </a:pPr>
+            <a:r>
+              <a:rPr lang="en-US" altLang="zh-CN" dirty="0" smtClean="0"/>
+              <a:t>UI</a:t>
+            </a:r>
+            <a:r>
+              <a:rPr lang="zh-CN" altLang="en-US" dirty="0" smtClean="0"/>
+              <a:t>界面</a:t>
+            </a:r>
+          </a:p>
+          <a:p>
+            <a:pPr lvl="1">
+              <a:buFont typeface="Wingdings" pitchFamily="2" charset="2"/>
+              <a:buChar char="u"/>
+            </a:pPr>
+            <a:r>
+              <a:rPr lang="zh-CN" altLang="en-US" dirty="0" smtClean="0"/>
+              <a:t>外部</a:t>
+            </a:r>
+            <a:r>
+              <a:rPr lang="zh-CN" altLang="en-US" dirty="0" smtClean="0"/>
+              <a:t>服务</a:t>
+            </a:r>
+            <a:endParaRPr lang="en-US" altLang="zh-CN" dirty="0" smtClean="0"/>
+          </a:p>
+          <a:p>
+            <a:pPr lvl="1">
+              <a:buFont typeface="Wingdings" pitchFamily="2" charset="2"/>
+              <a:buChar char="u"/>
+            </a:pPr>
+            <a:r>
+              <a:rPr lang="zh-CN" altLang="en-US" dirty="0" smtClean="0"/>
+              <a:t>数据库</a:t>
+            </a:r>
+            <a:endParaRPr lang="en-US" altLang="zh-CN" dirty="0" smtClean="0"/>
+          </a:p>
+          <a:p>
+            <a:pPr lvl="1">
+              <a:buFont typeface="Wingdings" pitchFamily="2" charset="2"/>
+              <a:buChar char="u"/>
+            </a:pPr>
+            <a:r>
+              <a:rPr lang="en-US" altLang="zh-CN" dirty="0" smtClean="0"/>
+              <a:t>I/O</a:t>
+            </a:r>
+            <a:r>
+              <a:rPr lang="zh-CN" altLang="en-US" dirty="0" smtClean="0"/>
+              <a:t>存储</a:t>
+            </a:r>
+            <a:endParaRPr lang="en-US" altLang="zh-CN" dirty="0" smtClean="0"/>
+          </a:p>
+        </p:txBody>
+      </p:sp>
+      <p:sp>
+        <p:nvSpPr>
+          <p:cNvPr id="6" name="页脚占位符 5"/>
+          <p:cNvSpPr>
+            <a:spLocks noGrp="1"/>
+          </p:cNvSpPr>
+          <p:nvPr>
+            <p:ph type="ftr" sz="quarter" idx="11"/>
+          </p:nvPr>
+        </p:nvSpPr>
+        <p:spPr/>
+        <p:txBody>
+          <a:bodyPr/>
+          <a:lstStyle/>
+          <a:p>
+            <a:r>
+              <a:rPr lang="zh-CN" altLang="en-US" smtClean="0"/>
+              <a:t>单元测试概论</a:t>
+            </a:r>
+            <a:endParaRPr lang="zh-CN" altLang="en-US" dirty="0"/>
+          </a:p>
+        </p:txBody>
+      </p:sp>
+      <p:sp>
+        <p:nvSpPr>
+          <p:cNvPr id="7" name="灯片编号占位符 6"/>
+          <p:cNvSpPr>
+            <a:spLocks noGrp="1"/>
+          </p:cNvSpPr>
+          <p:nvPr>
+            <p:ph type="sldNum" sz="quarter" idx="12"/>
+          </p:nvPr>
+        </p:nvSpPr>
+        <p:spPr/>
+        <p:txBody>
+          <a:bodyPr/>
+          <a:lstStyle/>
+          <a:p>
+            <a:fld id="{F4A2626E-A0A3-4722-B047-8920ED1A51E7}" type="slidenum">
+              <a:rPr lang="zh-CN" altLang="en-US" smtClean="0"/>
+              <a:pPr/>
+              <a:t>4</a:t>
+            </a:fld>
+            <a:endParaRPr lang="zh-CN" altLang="en-US" dirty="0"/>
+          </a:p>
+        </p:txBody>
+      </p:sp>
+    </p:spTree>
+    <p:extLst>
+      <p:ext uri="{BB962C8B-B14F-4D97-AF65-F5344CB8AC3E}">
+        <p14:creationId xmlns:p14="http://schemas.microsoft.com/office/powerpoint/2010/main" xmlns="" val="3490512329"/>
+      </p:ext>
+    </p:extLst>
+  </p:cSld>
+  <p:clrMapOvr>
+    <a:masterClrMapping/>
+  </p:clrMapOvr>
+  <p:timing>
+    <p:tnLst>
+      <p:par>
+        <p:cTn id="1" dur="indefinite" restart="never" nodeType="tmRoot"/>
+      </p:par>
+    </p:tnLst>
+  </p:timing>
+</p:sld>
+</file>
+
+<file path=ppt/slides/slide5.xml><?xml version="1.0" encoding="utf-8"?>
 <p:sld xmlns:a="http://schemas.openxmlformats.org/drawingml/2006/main" xmlns:r="http://schemas.openxmlformats.org/officeDocument/2006/relationships" xmlns:p="http://schemas.openxmlformats.org/presentationml/2006/main">
   <p:cSld>
     <p:spTree>
@@ -25179,7 +24464,7 @@
             <p:ph idx="1"/>
             <p:extLst>
               <p:ext uri="{D42A27DB-BD31-4B8C-83A1-F6EECF244321}">
-                <p14:modId xmlns:p14="http://schemas.microsoft.com/office/powerpoint/2010/main" val="2935677693"/>
+                <p14:modId xmlns:p14="http://schemas.microsoft.com/office/powerpoint/2010/main" xmlns="" val="2935677693"/>
               </p:ext>
             </p:extLst>
           </p:nvPr>
@@ -25813,7 +25098,7 @@
             <a:fld id="{F4A2626E-A0A3-4722-B047-8920ED1A51E7}" type="slidenum">
               <a:rPr lang="zh-CN" altLang="en-US" smtClean="0"/>
               <a:pPr/>
-              <a:t>4</a:t>
+              <a:t>5</a:t>
             </a:fld>
             <a:endParaRPr lang="zh-CN" altLang="en-US" dirty="0"/>
           </a:p>
@@ -25822,7 +25107,7 @@
     </p:spTree>
     <p:extLst>
       <p:ext uri="{BB962C8B-B14F-4D97-AF65-F5344CB8AC3E}">
-        <p14:creationId xmlns:p14="http://schemas.microsoft.com/office/powerpoint/2010/main" val="1025917695"/>
+        <p14:creationId xmlns:p14="http://schemas.microsoft.com/office/powerpoint/2010/main" xmlns="" val="1025917695"/>
       </p:ext>
     </p:extLst>
   </p:cSld>
@@ -25839,7 +25124,7 @@
 </p:sld>
 </file>
 
-<file path=ppt/slides/slide5.xml><?xml version="1.0" encoding="utf-8"?>
+<file path=ppt/slides/slide6.xml><?xml version="1.0" encoding="utf-8"?>
 <p:sld xmlns:a="http://schemas.openxmlformats.org/drawingml/2006/main" xmlns:r="http://schemas.openxmlformats.org/officeDocument/2006/relationships" xmlns:p="http://schemas.openxmlformats.org/presentationml/2006/main">
   <p:cSld>
     <p:spTree>
@@ -25958,7 +25243,7 @@
             <a:fld id="{F4A2626E-A0A3-4722-B047-8920ED1A51E7}" type="slidenum">
               <a:rPr lang="zh-CN" altLang="en-US" smtClean="0"/>
               <a:pPr/>
-              <a:t>5</a:t>
+              <a:t>6</a:t>
             </a:fld>
             <a:endParaRPr lang="zh-CN" altLang="en-US" dirty="0"/>
           </a:p>
@@ -25973,7 +25258,7 @@
           <p:nvPr>
             <p:extLst>
               <p:ext uri="{D42A27DB-BD31-4B8C-83A1-F6EECF244321}">
-                <p14:modId xmlns:p14="http://schemas.microsoft.com/office/powerpoint/2010/main" val="1160269705"/>
+                <p14:modId xmlns:p14="http://schemas.microsoft.com/office/powerpoint/2010/main" xmlns="" val="1160269705"/>
               </p:ext>
             </p:extLst>
           </p:nvPr>
@@ -26331,7 +25616,7 @@
     </p:spTree>
     <p:extLst>
       <p:ext uri="{BB962C8B-B14F-4D97-AF65-F5344CB8AC3E}">
-        <p14:creationId xmlns:p14="http://schemas.microsoft.com/office/powerpoint/2010/main" val="1064877064"/>
+        <p14:creationId xmlns:p14="http://schemas.microsoft.com/office/powerpoint/2010/main" xmlns="" val="1064877064"/>
       </p:ext>
     </p:extLst>
   </p:cSld>
@@ -26348,7 +25633,7 @@
 </p:sld>
 </file>
 
-<file path=ppt/slides/slide6.xml><?xml version="1.0" encoding="utf-8"?>
+<file path=ppt/slides/slide7.xml><?xml version="1.0" encoding="utf-8"?>
 <p:sld xmlns:a="http://schemas.openxmlformats.org/drawingml/2006/main" xmlns:r="http://schemas.openxmlformats.org/officeDocument/2006/relationships" xmlns:p="http://schemas.openxmlformats.org/presentationml/2006/main">
   <p:cSld>
     <p:spTree>
@@ -26411,7 +25696,7 @@
             <a:fld id="{F4A2626E-A0A3-4722-B047-8920ED1A51E7}" type="slidenum">
               <a:rPr lang="zh-CN" altLang="en-US" smtClean="0"/>
               <a:pPr/>
-              <a:t>6</a:t>
+              <a:t>7</a:t>
             </a:fld>
             <a:endParaRPr lang="zh-CN" altLang="en-US" dirty="0"/>
           </a:p>
@@ -26426,7 +25711,7 @@
           <p:nvPr>
             <p:extLst>
               <p:ext uri="{D42A27DB-BD31-4B8C-83A1-F6EECF244321}">
-                <p14:modId xmlns:p14="http://schemas.microsoft.com/office/powerpoint/2010/main" val="2532065326"/>
+                <p14:modId xmlns:p14="http://schemas.microsoft.com/office/powerpoint/2010/main" xmlns="" val="2532065326"/>
               </p:ext>
             </p:extLst>
           </p:nvPr>
@@ -28699,7 +27984,7 @@
 </p:sld>
 </file>
 
-<file path=ppt/slides/slide7.xml><?xml version="1.0" encoding="utf-8"?>
+<file path=ppt/slides/slide8.xml><?xml version="1.0" encoding="utf-8"?>
 <p:sld xmlns:a="http://schemas.openxmlformats.org/drawingml/2006/main" xmlns:r="http://schemas.openxmlformats.org/officeDocument/2006/relationships" xmlns:p="http://schemas.openxmlformats.org/presentationml/2006/main">
   <p:cSld>
     <p:spTree>
@@ -28757,7 +28042,7 @@
             <a:fld id="{F4A2626E-A0A3-4722-B047-8920ED1A51E7}" type="slidenum">
               <a:rPr lang="zh-CN" altLang="en-US" smtClean="0"/>
               <a:pPr/>
-              <a:t>7</a:t>
+              <a:t>8</a:t>
             </a:fld>
             <a:endParaRPr lang="zh-CN" altLang="en-US" dirty="0"/>
           </a:p>
@@ -31832,7 +31117,7 @@
 </p:sld>
 </file>
 
-<file path=ppt/slides/slide8.xml><?xml version="1.0" encoding="utf-8"?>
+<file path=ppt/slides/slide9.xml><?xml version="1.0" encoding="utf-8"?>
 <p:sld xmlns:a="http://schemas.openxmlformats.org/drawingml/2006/main" xmlns:r="http://schemas.openxmlformats.org/officeDocument/2006/relationships" xmlns:p="http://schemas.openxmlformats.org/presentationml/2006/main">
   <p:cSld>
     <p:spTree>
@@ -32046,7 +31331,7 @@
             <a:fld id="{F4A2626E-A0A3-4722-B047-8920ED1A51E7}" type="slidenum">
               <a:rPr lang="zh-CN" altLang="en-US" smtClean="0"/>
               <a:pPr/>
-              <a:t>8</a:t>
+              <a:t>9</a:t>
             </a:fld>
             <a:endParaRPr lang="zh-CN" altLang="en-US" dirty="0"/>
           </a:p>
@@ -32055,144 +31340,7 @@
     </p:spTree>
     <p:extLst>
       <p:ext uri="{BB962C8B-B14F-4D97-AF65-F5344CB8AC3E}">
-        <p14:creationId xmlns:p14="http://schemas.microsoft.com/office/powerpoint/2010/main" val="3525597983"/>
-      </p:ext>
-    </p:extLst>
-  </p:cSld>
-  <p:clrMapOvr>
-    <a:masterClrMapping/>
-  </p:clrMapOvr>
-  <p:timing>
-    <p:tnLst>
-      <p:par>
-        <p:cTn id="1" dur="indefinite" restart="never" nodeType="tmRoot"/>
-      </p:par>
-    </p:tnLst>
-  </p:timing>
-</p:sld>
-</file>
-
-<file path=ppt/slides/slide9.xml><?xml version="1.0" encoding="utf-8"?>
-<p:sld xmlns:a="http://schemas.openxmlformats.org/drawingml/2006/main" xmlns:r="http://schemas.openxmlformats.org/officeDocument/2006/relationships" xmlns:p="http://schemas.openxmlformats.org/presentationml/2006/main">
-  <p:cSld>
-    <p:spTree>
-      <p:nvGrpSpPr>
-        <p:cNvPr id="1" name=""/>
-        <p:cNvGrpSpPr/>
-        <p:nvPr/>
-      </p:nvGrpSpPr>
-      <p:grpSpPr>
-        <a:xfrm>
-          <a:off x="0" y="0"/>
-          <a:ext cx="0" cy="0"/>
-          <a:chOff x="0" y="0"/>
-          <a:chExt cx="0" cy="0"/>
-        </a:xfrm>
-      </p:grpSpPr>
-      <p:sp>
-        <p:nvSpPr>
-          <p:cNvPr id="2" name="标题 1"/>
-          <p:cNvSpPr>
-            <a:spLocks noGrp="1"/>
-          </p:cNvSpPr>
-          <p:nvPr>
-            <p:ph type="title"/>
-          </p:nvPr>
-        </p:nvSpPr>
-        <p:spPr>
-          <a:xfrm>
-            <a:off x="838200" y="478744"/>
-            <a:ext cx="10515600" cy="855381"/>
-          </a:xfrm>
-        </p:spPr>
-        <p:txBody>
-          <a:bodyPr/>
-          <a:lstStyle/>
-          <a:p>
-            <a:r>
-              <a:rPr lang="zh-CN" altLang="en-US" dirty="0" smtClean="0"/>
-              <a:t>单元测试的基本组成</a:t>
-            </a:r>
-            <a:endParaRPr lang="zh-CN" altLang="en-US" dirty="0"/>
-          </a:p>
-        </p:txBody>
-      </p:sp>
-      <p:sp>
-        <p:nvSpPr>
-          <p:cNvPr id="4" name="页脚占位符 3"/>
-          <p:cNvSpPr>
-            <a:spLocks noGrp="1"/>
-          </p:cNvSpPr>
-          <p:nvPr>
-            <p:ph type="ftr" sz="quarter" idx="11"/>
-          </p:nvPr>
-        </p:nvSpPr>
-        <p:spPr/>
-        <p:txBody>
-          <a:bodyPr/>
-          <a:lstStyle/>
-          <a:p>
-            <a:r>
-              <a:rPr lang="zh-CN" altLang="en-US" smtClean="0"/>
-              <a:t>单元测试概论</a:t>
-            </a:r>
-            <a:endParaRPr lang="zh-CN" altLang="en-US" dirty="0"/>
-          </a:p>
-        </p:txBody>
-      </p:sp>
-      <p:sp>
-        <p:nvSpPr>
-          <p:cNvPr id="5" name="灯片编号占位符 4"/>
-          <p:cNvSpPr>
-            <a:spLocks noGrp="1"/>
-          </p:cNvSpPr>
-          <p:nvPr>
-            <p:ph type="sldNum" sz="quarter" idx="12"/>
-          </p:nvPr>
-        </p:nvSpPr>
-        <p:spPr/>
-        <p:txBody>
-          <a:bodyPr/>
-          <a:lstStyle/>
-          <a:p>
-            <a:fld id="{F4A2626E-A0A3-4722-B047-8920ED1A51E7}" type="slidenum">
-              <a:rPr lang="zh-CN" altLang="en-US" smtClean="0"/>
-              <a:pPr/>
-              <a:t>9</a:t>
-            </a:fld>
-            <a:endParaRPr lang="zh-CN" altLang="en-US" dirty="0"/>
-          </a:p>
-        </p:txBody>
-      </p:sp>
-      <p:graphicFrame>
-        <p:nvGraphicFramePr>
-          <p:cNvPr id="8" name="内容占位符 7"/>
-          <p:cNvGraphicFramePr>
-            <a:graphicFrameLocks noGrp="1"/>
-          </p:cNvGraphicFramePr>
-          <p:nvPr>
-            <p:ph idx="1"/>
-            <p:extLst>
-              <p:ext uri="{D42A27DB-BD31-4B8C-83A1-F6EECF244321}">
-                <p14:modId xmlns:p14="http://schemas.microsoft.com/office/powerpoint/2010/main" val="4065712132"/>
-              </p:ext>
-            </p:extLst>
-          </p:nvPr>
-        </p:nvGraphicFramePr>
-        <p:xfrm>
-          <a:off x="2705100" y="1663700"/>
-          <a:ext cx="5324475" cy="4175125"/>
-        </p:xfrm>
-        <a:graphic>
-          <a:graphicData uri="http://schemas.openxmlformats.org/drawingml/2006/diagram">
-            <dgm:relIds xmlns:dgm="http://schemas.openxmlformats.org/drawingml/2006/diagram" xmlns:r="http://schemas.openxmlformats.org/officeDocument/2006/relationships" r:dm="rId3" r:lo="rId4" r:qs="rId5" r:cs="rId6"/>
-          </a:graphicData>
-        </a:graphic>
-      </p:graphicFrame>
-    </p:spTree>
-    <p:extLst>
-      <p:ext uri="{BB962C8B-B14F-4D97-AF65-F5344CB8AC3E}">
-        <p14:creationId xmlns:p14="http://schemas.microsoft.com/office/powerpoint/2010/main" val="1258132720"/>
+        <p14:creationId xmlns:p14="http://schemas.microsoft.com/office/powerpoint/2010/main" xmlns="" val="3525597983"/>
       </p:ext>
     </p:extLst>
   </p:cSld>
@@ -32464,7 +31612,7 @@
   <a:extraClrSchemeLst/>
   <a:extLst>
     <a:ext uri="{05A4C25C-085E-4340-85A3-A5531E510DB2}">
-      <thm15:themeFamily xmlns:thm15="http://schemas.microsoft.com/office/thememl/2012/main" name="Office Theme" id="{62F939B6-93AF-4DB8-9C6B-D6C7DFDC589F}" vid="{4A3C46E8-61CC-4603-A589-7422A47A8E4A}"/>
+      <thm15:themeFamily xmlns:thm15="http://schemas.microsoft.com/office/thememl/2012/main" xmlns="" name="Office Theme" id="{62F939B6-93AF-4DB8-9C6B-D6C7DFDC589F}" vid="{4A3C46E8-61CC-4603-A589-7422A47A8E4A}"/>
     </a:ext>
   </a:extLst>
 </a:theme>
@@ -32725,7 +31873,7 @@
   <a:extraClrSchemeLst/>
   <a:extLst>
     <a:ext uri="{05A4C25C-085E-4340-85A3-A5531E510DB2}">
-      <thm15:themeFamily xmlns:thm15="http://schemas.microsoft.com/office/thememl/2012/main" name="Office Theme" id="{62F939B6-93AF-4DB8-9C6B-D6C7DFDC589F}" vid="{4A3C46E8-61CC-4603-A589-7422A47A8E4A}"/>
+      <thm15:themeFamily xmlns:thm15="http://schemas.microsoft.com/office/thememl/2012/main" xmlns="" name="Office Theme" id="{62F939B6-93AF-4DB8-9C6B-D6C7DFDC589F}" vid="{4A3C46E8-61CC-4603-A589-7422A47A8E4A}"/>
     </a:ext>
   </a:extLst>
 </a:theme>
@@ -32986,7 +32134,7 @@
   <a:extraClrSchemeLst/>
   <a:extLst>
     <a:ext uri="{05A4C25C-085E-4340-85A3-A5531E510DB2}">
-      <thm15:themeFamily xmlns:thm15="http://schemas.microsoft.com/office/thememl/2012/main" name="Office Theme" id="{62F939B6-93AF-4DB8-9C6B-D6C7DFDC589F}" vid="{4A3C46E8-61CC-4603-A589-7422A47A8E4A}"/>
+      <thm15:themeFamily xmlns:thm15="http://schemas.microsoft.com/office/thememl/2012/main" xmlns="" name="Office Theme" id="{62F939B6-93AF-4DB8-9C6B-D6C7DFDC589F}" vid="{4A3C46E8-61CC-4603-A589-7422A47A8E4A}"/>
     </a:ext>
   </a:extLst>
 </a:theme>

--- a/MyUnitTest/Document/单元测试.pptx
+++ b/MyUnitTest/Document/单元测试.pptx
@@ -145,7 +145,7 @@
   </p:defaultTextStyle>
   <p:extLst>
     <p:ext uri="{EFAFB233-063F-42B5-8137-9DF3F51BA10A}">
-      <p15:sldGuideLst xmlns:p15="http://schemas.microsoft.com/office/powerpoint/2012/main" xmlns="">
+      <p15:sldGuideLst xmlns:p15="http://schemas.microsoft.com/office/powerpoint/2012/main">
         <p15:guide id="1" orient="horz" pos="2160">
           <p15:clr>
             <a:srgbClr val="A4A3A4"/>
@@ -167,7 +167,7 @@
   <p:cmAuthor id="1" name="hj" initials="h" lastIdx="2" clrIdx="0">
     <p:extLst>
       <p:ext uri="{19B8F6BF-5375-455C-9EA6-DF929625EA0E}">
-        <p15:presenceInfo xmlns:p15="http://schemas.microsoft.com/office/powerpoint/2012/main" xmlns="" userId="hj" providerId="None"/>
+        <p15:presenceInfo xmlns:p15="http://schemas.microsoft.com/office/powerpoint/2012/main" userId="hj" providerId="None"/>
       </p:ext>
     </p:extLst>
   </p:cmAuthor>
@@ -176,7 +176,17 @@
 
 <file path=ppt/charts/chart1.xml><?xml version="1.0" encoding="utf-8"?>
 <c:chartSpace xmlns:c="http://schemas.openxmlformats.org/drawingml/2006/chart" xmlns:a="http://schemas.openxmlformats.org/drawingml/2006/main" xmlns:r="http://schemas.openxmlformats.org/officeDocument/2006/relationships">
+  <c:date1904 val="0"/>
   <c:lang val="zh-CN"/>
+  <c:roundedCorners val="0"/>
+  <mc:AlternateContent xmlns:mc="http://schemas.openxmlformats.org/markup-compatibility/2006">
+    <mc:Choice xmlns:c14="http://schemas.microsoft.com/office/drawing/2007/8/2/chart" Requires="c14">
+      <c14:style val="102"/>
+    </mc:Choice>
+    <mc:Fallback>
+      <c:style val="2"/>
+    </mc:Fallback>
+  </mc:AlternateContent>
   <c:chart>
     <c:autoTitleDeleted val="1"/>
     <c:plotArea>
@@ -198,6 +208,7 @@
           <c:order val="0"/>
           <c:dPt>
             <c:idx val="0"/>
+            <c:bubble3D val="0"/>
             <c:spPr>
               <a:solidFill>
                 <a:schemeClr val="accent2"/>
@@ -210,6 +221,7 @@
           </c:dPt>
           <c:dPt>
             <c:idx val="1"/>
+            <c:bubble3D val="0"/>
             <c:spPr>
               <a:solidFill>
                 <a:schemeClr val="accent4"/>
@@ -222,6 +234,7 @@
           </c:dPt>
           <c:dPt>
             <c:idx val="2"/>
+            <c:bubble3D val="0"/>
             <c:spPr>
               <a:solidFill>
                 <a:schemeClr val="accent6"/>
@@ -234,6 +247,7 @@
           </c:dPt>
           <c:dPt>
             <c:idx val="3"/>
+            <c:bubble3D val="0"/>
             <c:spPr>
               <a:solidFill>
                 <a:schemeClr val="accent2">
@@ -248,6 +262,7 @@
           </c:dPt>
           <c:dPt>
             <c:idx val="4"/>
+            <c:bubble3D val="0"/>
             <c:spPr>
               <a:solidFill>
                 <a:schemeClr val="accent4">
@@ -262,6 +277,7 @@
           </c:dPt>
           <c:dPt>
             <c:idx val="5"/>
+            <c:bubble3D val="0"/>
             <c:spPr>
               <a:solidFill>
                 <a:schemeClr val="accent6">
@@ -276,6 +292,7 @@
           </c:dPt>
           <c:dPt>
             <c:idx val="6"/>
+            <c:bubble3D val="0"/>
             <c:spPr>
               <a:solidFill>
                 <a:schemeClr val="accent2">
@@ -291,6 +308,7 @@
           </c:dPt>
           <c:dPt>
             <c:idx val="7"/>
+            <c:bubble3D val="0"/>
             <c:spPr>
               <a:solidFill>
                 <a:schemeClr val="accent4">
@@ -306,6 +324,7 @@
           </c:dPt>
           <c:dPt>
             <c:idx val="8"/>
+            <c:bubble3D val="0"/>
             <c:spPr>
               <a:solidFill>
                 <a:schemeClr val="accent6">
@@ -344,8 +363,12 @@
                 <a:endParaRPr lang="zh-CN"/>
               </a:p>
             </c:txPr>
+            <c:showLegendKey val="0"/>
+            <c:showVal val="0"/>
             <c:showCatName val="1"/>
+            <c:showSerName val="0"/>
             <c:showPercent val="1"/>
+            <c:showBubbleSize val="0"/>
             <c:showLeaderLines val="1"/>
             <c:leaderLines>
               <c:spPr>
@@ -439,8 +462,13 @@
           <c:extLst/>
         </c:ser>
         <c:dLbls>
+          <c:showLegendKey val="0"/>
+          <c:showVal val="0"/>
           <c:showCatName val="1"/>
+          <c:showSerName val="0"/>
           <c:showPercent val="1"/>
+          <c:showBubbleSize val="0"/>
+          <c:showLeaderLines val="1"/>
         </c:dLbls>
         <c:firstSliceAng val="0"/>
       </c:pieChart>
@@ -452,7 +480,9 @@
         <a:effectLst/>
       </c:spPr>
     </c:plotArea>
+    <c:plotVisOnly val="0"/>
     <c:dispBlanksAs val="zero"/>
+    <c:showDLblsOverMax val="0"/>
   </c:chart>
   <c:spPr>
     <a:noFill/>
@@ -473,13 +503,25 @@
       <a:endParaRPr lang="zh-CN"/>
     </a:p>
   </c:txPr>
-  <c:externalData r:id="rId1"/>
+  <c:externalData r:id="rId3">
+    <c:autoUpdate val="0"/>
+  </c:externalData>
 </c:chartSpace>
 </file>
 
 <file path=ppt/charts/chart2.xml><?xml version="1.0" encoding="utf-8"?>
 <c:chartSpace xmlns:c="http://schemas.openxmlformats.org/drawingml/2006/chart" xmlns:a="http://schemas.openxmlformats.org/drawingml/2006/main" xmlns:r="http://schemas.openxmlformats.org/officeDocument/2006/relationships">
+  <c:date1904 val="0"/>
   <c:lang val="zh-CN"/>
+  <c:roundedCorners val="0"/>
+  <mc:AlternateContent xmlns:mc="http://schemas.openxmlformats.org/markup-compatibility/2006">
+    <mc:Choice xmlns:c14="http://schemas.microsoft.com/office/drawing/2007/8/2/chart" Requires="c14">
+      <c14:style val="102"/>
+    </mc:Choice>
+    <mc:Fallback>
+      <c:style val="2"/>
+    </mc:Fallback>
+  </mc:AlternateContent>
   <c:chart>
     <c:title>
       <c:tx>
@@ -513,6 +555,7 @@
           <c:y val="0.91902286350856766"/>
         </c:manualLayout>
       </c:layout>
+      <c:overlay val="0"/>
       <c:spPr>
         <a:noFill/>
         <a:ln>
@@ -520,7 +563,25 @@
         </a:ln>
         <a:effectLst/>
       </c:spPr>
+      <c:txPr>
+        <a:bodyPr rot="0" spcFirstLastPara="1" vertOverflow="ellipsis" vert="horz" wrap="square" anchor="ctr" anchorCtr="1"/>
+        <a:lstStyle/>
+        <a:p>
+          <a:pPr>
+            <a:defRPr sz="2160" b="1" i="0" u="none" strike="noStrike" kern="1200" baseline="0">
+              <a:solidFill>
+                <a:schemeClr val="tx1"/>
+              </a:solidFill>
+              <a:latin typeface="+mn-lt"/>
+              <a:ea typeface="+mn-ea"/>
+              <a:cs typeface="+mn-cs"/>
+            </a:defRPr>
+          </a:pPr>
+          <a:endParaRPr lang="zh-CN"/>
+        </a:p>
+      </c:txPr>
     </c:title>
+    <c:autoTitleDeleted val="0"/>
     <c:plotArea>
       <c:layout/>
       <c:pieChart>
@@ -541,6 +602,7 @@
           </c:tx>
           <c:dPt>
             <c:idx val="0"/>
+            <c:bubble3D val="0"/>
             <c:spPr>
               <a:solidFill>
                 <a:schemeClr val="accent2"/>
@@ -553,6 +615,7 @@
           </c:dPt>
           <c:dPt>
             <c:idx val="1"/>
+            <c:bubble3D val="0"/>
             <c:spPr>
               <a:solidFill>
                 <a:schemeClr val="accent4"/>
@@ -565,6 +628,7 @@
           </c:dPt>
           <c:dPt>
             <c:idx val="2"/>
+            <c:bubble3D val="0"/>
             <c:spPr>
               <a:solidFill>
                 <a:schemeClr val="accent6"/>
@@ -577,6 +641,7 @@
           </c:dPt>
           <c:dPt>
             <c:idx val="3"/>
+            <c:bubble3D val="0"/>
             <c:spPr>
               <a:solidFill>
                 <a:schemeClr val="accent2">
@@ -591,6 +656,7 @@
           </c:dPt>
           <c:dPt>
             <c:idx val="4"/>
+            <c:bubble3D val="0"/>
             <c:spPr>
               <a:solidFill>
                 <a:schemeClr val="accent4">
@@ -605,6 +671,7 @@
           </c:dPt>
           <c:dPt>
             <c:idx val="5"/>
+            <c:bubble3D val="0"/>
             <c:spPr>
               <a:solidFill>
                 <a:schemeClr val="accent6">
@@ -644,8 +711,13 @@
                 <a:endParaRPr lang="zh-CN"/>
               </a:p>
             </c:txPr>
+            <c:showLegendKey val="0"/>
+            <c:showVal val="0"/>
             <c:showCatName val="1"/>
+            <c:showSerName val="0"/>
             <c:showPercent val="1"/>
+            <c:showBubbleSize val="0"/>
+            <c:showLeaderLines val="0"/>
             <c:extLst>
               <c:ext xmlns:c15="http://schemas.microsoft.com/office/drawing/2012/chart" uri="{CE6537A1-D6FC-4f65-9D91-7224C49458BB}">
                 <c15:layout/>
@@ -707,8 +779,13 @@
           </c:val>
         </c:ser>
         <c:dLbls>
+          <c:showLegendKey val="0"/>
+          <c:showVal val="0"/>
           <c:showCatName val="1"/>
+          <c:showSerName val="0"/>
           <c:showPercent val="1"/>
+          <c:showBubbleSize val="0"/>
+          <c:showLeaderLines val="0"/>
         </c:dLbls>
         <c:firstSliceAng val="0"/>
       </c:pieChart>
@@ -722,6 +799,7 @@
     </c:plotArea>
     <c:plotVisOnly val="1"/>
     <c:dispBlanksAs val="zero"/>
+    <c:showDLblsOverMax val="0"/>
   </c:chart>
   <c:spPr>
     <a:noFill/>
@@ -742,7 +820,9 @@
       <a:endParaRPr lang="zh-CN"/>
     </a:p>
   </c:txPr>
-  <c:externalData r:id="rId1"/>
+  <c:externalData r:id="rId3">
+    <c:autoUpdate val="0"/>
+  </c:externalData>
 </c:chartSpace>
 </file>
 
@@ -1707,7 +1787,7 @@
     <p:text>用法？</p:text>
     <p:extLst>
       <p:ext uri="{C676402C-5697-4E1C-873F-D02D1690AC5C}">
-        <p15:threadingInfo xmlns:p15="http://schemas.microsoft.com/office/powerpoint/2012/main" xmlns="" timeZoneBias="-480"/>
+        <p15:threadingInfo xmlns:p15="http://schemas.microsoft.com/office/powerpoint/2012/main" timeZoneBias="-480"/>
       </p:ext>
     </p:extLst>
   </p:cm>
@@ -1721,7 +1801,7 @@
     <p:text/>
     <p:extLst>
       <p:ext uri="{C676402C-5697-4E1C-873F-D02D1690AC5C}">
-        <p15:threadingInfo xmlns:p15="http://schemas.microsoft.com/office/powerpoint/2012/main" xmlns="" timeZoneBias="-480"/>
+        <p15:threadingInfo xmlns:p15="http://schemas.microsoft.com/office/powerpoint/2012/main" timeZoneBias="-480"/>
       </p:ext>
     </p:extLst>
   </p:cm>
@@ -5074,15 +5154,15 @@
     </dgm:pt>
   </dgm:ptLst>
   <dgm:cxnLst>
-    <dgm:cxn modelId="{B2280418-878E-4B8F-B912-E1C67AD909FE}" type="presOf" srcId="{01283AE1-6792-4ACE-A856-CBCE96AA03BE}" destId="{574D576A-56EA-42BC-85D2-CFC064124D29}" srcOrd="0" destOrd="0" presId="urn:microsoft.com/office/officeart/2005/8/layout/hList6"/>
     <dgm:cxn modelId="{8A790073-B15C-4DC8-8E37-C00AEE9AD816}" srcId="{01283AE1-6792-4ACE-A856-CBCE96AA03BE}" destId="{5BC199E0-DF68-43D3-B765-0CEDF392B228}" srcOrd="1" destOrd="0" parTransId="{2B2F120E-4A70-4BE1-B3C5-14ACDFB31E8C}" sibTransId="{AC182543-F170-40A4-A3D8-BF35EADCAFD8}"/>
+    <dgm:cxn modelId="{1A5B2260-E17F-4BBE-AAD9-4BED48379872}" type="presOf" srcId="{5BC199E0-DF68-43D3-B765-0CEDF392B228}" destId="{C19C4CC4-4408-4336-8021-DCDA70786B84}" srcOrd="0" destOrd="0" presId="urn:microsoft.com/office/officeart/2005/8/layout/hList6"/>
     <dgm:cxn modelId="{FB850789-F7BC-4C03-8BE5-EE2448A01BE3}" type="presOf" srcId="{CC68CA08-DAA0-4065-8DE3-DCDF925CC3BB}" destId="{59AAEB71-E03F-4FA0-8AC1-58E19F092DB6}" srcOrd="0" destOrd="0" presId="urn:microsoft.com/office/officeart/2005/8/layout/hList6"/>
-    <dgm:cxn modelId="{EE368F7C-B69C-4023-A49D-8D0625A545D9}" type="presOf" srcId="{A0784A84-C867-448B-937E-735D4A1F5DB0}" destId="{1BAC7C92-48DB-4CD2-913F-229A9DF2EB7E}" srcOrd="0" destOrd="0" presId="urn:microsoft.com/office/officeart/2005/8/layout/hList6"/>
+    <dgm:cxn modelId="{868EBAB3-EBA0-4FA7-A14B-AA8BEAEA35E9}" srcId="{01283AE1-6792-4ACE-A856-CBCE96AA03BE}" destId="{A0784A84-C867-448B-937E-735D4A1F5DB0}" srcOrd="0" destOrd="0" parTransId="{4A4F826A-9C2F-4E04-907F-447412BE796E}" sibTransId="{54D90DF1-B6D7-47A2-B7AC-EC9CB6A2F71F}"/>
+    <dgm:cxn modelId="{4D53DEA3-6561-4B6E-B40F-D6E4F882835D}" type="presOf" srcId="{42D4448C-C5FB-4206-B107-515D59762D47}" destId="{FC426D81-F097-478B-AAD3-A103F255A0E4}" srcOrd="0" destOrd="0" presId="urn:microsoft.com/office/officeart/2005/8/layout/hList6"/>
     <dgm:cxn modelId="{4C820ABD-A7B3-4756-9412-0B682ABB5F2F}" srcId="{01283AE1-6792-4ACE-A856-CBCE96AA03BE}" destId="{42D4448C-C5FB-4206-B107-515D59762D47}" srcOrd="2" destOrd="0" parTransId="{029CB2F0-7D51-4B44-885A-2D696EF1295E}" sibTransId="{5CFA4DAE-F93F-47F6-9265-7A5370477511}"/>
     <dgm:cxn modelId="{D9361309-8D28-4166-A4C7-303E32744E19}" srcId="{01283AE1-6792-4ACE-A856-CBCE96AA03BE}" destId="{CC68CA08-DAA0-4065-8DE3-DCDF925CC3BB}" srcOrd="3" destOrd="0" parTransId="{6402084D-FCA5-4B72-92B5-0887D818600A}" sibTransId="{5F70E8A7-4C65-41A8-A3E2-9B4015366357}"/>
-    <dgm:cxn modelId="{1A5B2260-E17F-4BBE-AAD9-4BED48379872}" type="presOf" srcId="{5BC199E0-DF68-43D3-B765-0CEDF392B228}" destId="{C19C4CC4-4408-4336-8021-DCDA70786B84}" srcOrd="0" destOrd="0" presId="urn:microsoft.com/office/officeart/2005/8/layout/hList6"/>
-    <dgm:cxn modelId="{868EBAB3-EBA0-4FA7-A14B-AA8BEAEA35E9}" srcId="{01283AE1-6792-4ACE-A856-CBCE96AA03BE}" destId="{A0784A84-C867-448B-937E-735D4A1F5DB0}" srcOrd="0" destOrd="0" parTransId="{4A4F826A-9C2F-4E04-907F-447412BE796E}" sibTransId="{54D90DF1-B6D7-47A2-B7AC-EC9CB6A2F71F}"/>
-    <dgm:cxn modelId="{4D53DEA3-6561-4B6E-B40F-D6E4F882835D}" type="presOf" srcId="{42D4448C-C5FB-4206-B107-515D59762D47}" destId="{FC426D81-F097-478B-AAD3-A103F255A0E4}" srcOrd="0" destOrd="0" presId="urn:microsoft.com/office/officeart/2005/8/layout/hList6"/>
+    <dgm:cxn modelId="{B2280418-878E-4B8F-B912-E1C67AD909FE}" type="presOf" srcId="{01283AE1-6792-4ACE-A856-CBCE96AA03BE}" destId="{574D576A-56EA-42BC-85D2-CFC064124D29}" srcOrd="0" destOrd="0" presId="urn:microsoft.com/office/officeart/2005/8/layout/hList6"/>
+    <dgm:cxn modelId="{EE368F7C-B69C-4023-A49D-8D0625A545D9}" type="presOf" srcId="{A0784A84-C867-448B-937E-735D4A1F5DB0}" destId="{1BAC7C92-48DB-4CD2-913F-229A9DF2EB7E}" srcOrd="0" destOrd="0" presId="urn:microsoft.com/office/officeart/2005/8/layout/hList6"/>
     <dgm:cxn modelId="{9F51E6D8-5C37-4C38-A391-2BA482A23EDF}" type="presParOf" srcId="{574D576A-56EA-42BC-85D2-CFC064124D29}" destId="{1BAC7C92-48DB-4CD2-913F-229A9DF2EB7E}" srcOrd="0" destOrd="0" presId="urn:microsoft.com/office/officeart/2005/8/layout/hList6"/>
     <dgm:cxn modelId="{1510022D-14F9-474A-B084-CAE811BA2FE4}" type="presParOf" srcId="{574D576A-56EA-42BC-85D2-CFC064124D29}" destId="{E4DC0848-9670-4EC9-AFAA-36028125F488}" srcOrd="1" destOrd="0" presId="urn:microsoft.com/office/officeart/2005/8/layout/hList6"/>
     <dgm:cxn modelId="{B5F706B9-25B1-4362-BFA6-EAF25945B49B}" type="presParOf" srcId="{574D576A-56EA-42BC-85D2-CFC064124D29}" destId="{C19C4CC4-4408-4336-8021-DCDA70786B84}" srcOrd="2" destOrd="0" presId="urn:microsoft.com/office/officeart/2005/8/layout/hList6"/>
@@ -5095,7 +5175,7 @@
   <dgm:whole/>
   <dgm:extLst>
     <a:ext uri="http://schemas.microsoft.com/office/drawing/2008/diagram">
-      <dsp:dataModelExt xmlns:dsp="http://schemas.microsoft.com/office/drawing/2008/diagram" xmlns="" relId="rId7" minVer="http://schemas.openxmlformats.org/drawingml/2006/diagram"/>
+      <dsp:dataModelExt xmlns:dsp="http://schemas.microsoft.com/office/drawing/2008/diagram" relId="rId7" minVer="http://schemas.openxmlformats.org/drawingml/2006/diagram"/>
     </a:ext>
   </dgm:extLst>
 </dgm:dataModel>
@@ -5651,25 +5731,25 @@
     </dgm:pt>
   </dgm:ptLst>
   <dgm:cxnLst>
-    <dgm:cxn modelId="{1F19371A-2072-4DF2-971F-8FC8C126C2C2}" type="presOf" srcId="{0BD50BFE-8F67-489A-9CC1-CE402704C29B}" destId="{D0A8B1D7-2CF4-4572-8692-C4DFE295E73A}" srcOrd="0" destOrd="0" presId="urn:microsoft.com/office/officeart/2005/8/layout/vList2"/>
     <dgm:cxn modelId="{9F7B1B92-FFDA-489C-9E08-5FB1896983F9}" srcId="{12608442-2D12-4099-907B-838DCA644F87}" destId="{0BD50BFE-8F67-489A-9CC1-CE402704C29B}" srcOrd="2" destOrd="0" parTransId="{9FD4DD88-BD0D-4873-9AAE-8C3649EDFB4E}" sibTransId="{CFBC7339-64CB-4A6F-B9F0-F556B4AE75C6}"/>
-    <dgm:cxn modelId="{4770BF72-CBC7-481C-AB81-68BC06A307D4}" srcId="{12608442-2D12-4099-907B-838DCA644F87}" destId="{5E36E64A-8063-4325-8D7B-6F6F385B262D}" srcOrd="8" destOrd="0" parTransId="{7C1632F3-9A35-4685-BC90-B5FDDCB5A577}" sibTransId="{40516D1E-E7F3-4EB4-94FD-64C1DA8BB2B6}"/>
-    <dgm:cxn modelId="{6141650A-64E0-41A2-9A47-88A85AAE4B68}" type="presOf" srcId="{5E36E64A-8063-4325-8D7B-6F6F385B262D}" destId="{F1A4582A-D685-421B-82D4-F7ACC28DEDB3}" srcOrd="0" destOrd="0" presId="urn:microsoft.com/office/officeart/2005/8/layout/vList2"/>
-    <dgm:cxn modelId="{C4250C43-78B1-4540-B39C-EA52BA18A551}" type="presOf" srcId="{8AB1FE4C-0E61-4E74-A665-3956C297081A}" destId="{8126ED31-E1DA-4192-8C3B-F326AD00D33D}" srcOrd="0" destOrd="0" presId="urn:microsoft.com/office/officeart/2005/8/layout/vList2"/>
+    <dgm:cxn modelId="{AD86FDC5-4CA4-4A9A-8CC4-A10E7E0AEDA3}" srcId="{12608442-2D12-4099-907B-838DCA644F87}" destId="{873E4879-D568-4CD3-A246-934E8D4A7499}" srcOrd="7" destOrd="0" parTransId="{C3C7408E-EBF8-4887-9534-161425D7F3FA}" sibTransId="{3D33C9FA-F1A8-4199-9B31-AF66212BC73B}"/>
+    <dgm:cxn modelId="{03EE9BFC-B07B-4B43-8328-154CD2B53DC7}" type="presOf" srcId="{12608442-2D12-4099-907B-838DCA644F87}" destId="{3C134EC1-F90C-4A95-986B-64EC26F9628A}" srcOrd="0" destOrd="0" presId="urn:microsoft.com/office/officeart/2005/8/layout/vList2"/>
+    <dgm:cxn modelId="{6CCB52B7-957A-4A39-9000-AD80FF3A3B79}" srcId="{12608442-2D12-4099-907B-838DCA644F87}" destId="{F25648D3-4B2D-4AC8-B95F-6367E4304B6C}" srcOrd="0" destOrd="0" parTransId="{09C5E831-C95B-425E-8D5A-31FF0999EAF2}" sibTransId="{3CEA008C-7AC4-404C-AFB1-5097C784B973}"/>
     <dgm:cxn modelId="{8C12CBB0-3321-4AD9-B2CC-42EF927DBB4D}" type="presOf" srcId="{873E4879-D568-4CD3-A246-934E8D4A7499}" destId="{C0337F5B-F4C6-4455-9E4E-E42014C71AB6}" srcOrd="0" destOrd="0" presId="urn:microsoft.com/office/officeart/2005/8/layout/vList2"/>
     <dgm:cxn modelId="{4C8921E2-4179-406F-A88C-142710B70EAF}" srcId="{12608442-2D12-4099-907B-838DCA644F87}" destId="{8AB1FE4C-0E61-4E74-A665-3956C297081A}" srcOrd="3" destOrd="0" parTransId="{61EDDD92-11AA-4BCC-849F-1C5062B4DD36}" sibTransId="{97DB0E8C-4C16-467E-B9B7-156B61DF4C50}"/>
+    <dgm:cxn modelId="{6EA9A9AD-6849-41CD-8FA5-F7AC034CE031}" type="presOf" srcId="{25643373-1D06-488A-8185-2FC694F957A3}" destId="{4C8F5D48-64D7-4B34-8B11-EAF3BA0D16F7}" srcOrd="0" destOrd="0" presId="urn:microsoft.com/office/officeart/2005/8/layout/vList2"/>
+    <dgm:cxn modelId="{ED17B9D6-E00C-44FD-953A-1DBA245E2530}" srcId="{12608442-2D12-4099-907B-838DCA644F87}" destId="{AB4E9A40-5FE0-440D-86A7-BE294EFDA9A0}" srcOrd="5" destOrd="0" parTransId="{95EF3A29-6AF8-4AAE-AD72-9AC45367C519}" sibTransId="{B13092C5-B869-4D40-8ABA-AB4E10C81BBA}"/>
+    <dgm:cxn modelId="{C7E52DBA-2E25-4924-AA53-EE73BE25B476}" type="presOf" srcId="{89A328AD-B04E-430A-A282-BAD7EE2A6135}" destId="{9D957FCD-19B8-4F52-8F23-D120908C942A}" srcOrd="0" destOrd="0" presId="urn:microsoft.com/office/officeart/2005/8/layout/vList2"/>
+    <dgm:cxn modelId="{6141650A-64E0-41A2-9A47-88A85AAE4B68}" type="presOf" srcId="{5E36E64A-8063-4325-8D7B-6F6F385B262D}" destId="{F1A4582A-D685-421B-82D4-F7ACC28DEDB3}" srcOrd="0" destOrd="0" presId="urn:microsoft.com/office/officeart/2005/8/layout/vList2"/>
+    <dgm:cxn modelId="{757B032C-B814-40B5-9CA2-A3D1E50A896B}" type="presOf" srcId="{F25648D3-4B2D-4AC8-B95F-6367E4304B6C}" destId="{13F417B4-B05C-4E01-97BE-8FE5B4DFFBCD}" srcOrd="0" destOrd="0" presId="urn:microsoft.com/office/officeart/2005/8/layout/vList2"/>
+    <dgm:cxn modelId="{1F19371A-2072-4DF2-971F-8FC8C126C2C2}" type="presOf" srcId="{0BD50BFE-8F67-489A-9CC1-CE402704C29B}" destId="{D0A8B1D7-2CF4-4572-8692-C4DFE295E73A}" srcOrd="0" destOrd="0" presId="urn:microsoft.com/office/officeart/2005/8/layout/vList2"/>
     <dgm:cxn modelId="{732F67EE-BA2A-44B5-A337-DF52615B808B}" srcId="{12608442-2D12-4099-907B-838DCA644F87}" destId="{89A328AD-B04E-430A-A282-BAD7EE2A6135}" srcOrd="6" destOrd="0" parTransId="{6275B8DD-CDF0-41C6-8957-E36B3CB5C1FA}" sibTransId="{0FBA502A-8C94-4408-82DC-3036B14DC91A}"/>
-    <dgm:cxn modelId="{757B032C-B814-40B5-9CA2-A3D1E50A896B}" type="presOf" srcId="{F25648D3-4B2D-4AC8-B95F-6367E4304B6C}" destId="{13F417B4-B05C-4E01-97BE-8FE5B4DFFBCD}" srcOrd="0" destOrd="0" presId="urn:microsoft.com/office/officeart/2005/8/layout/vList2"/>
-    <dgm:cxn modelId="{6EA9A9AD-6849-41CD-8FA5-F7AC034CE031}" type="presOf" srcId="{25643373-1D06-488A-8185-2FC694F957A3}" destId="{4C8F5D48-64D7-4B34-8B11-EAF3BA0D16F7}" srcOrd="0" destOrd="0" presId="urn:microsoft.com/office/officeart/2005/8/layout/vList2"/>
-    <dgm:cxn modelId="{03EE9BFC-B07B-4B43-8328-154CD2B53DC7}" type="presOf" srcId="{12608442-2D12-4099-907B-838DCA644F87}" destId="{3C134EC1-F90C-4A95-986B-64EC26F9628A}" srcOrd="0" destOrd="0" presId="urn:microsoft.com/office/officeart/2005/8/layout/vList2"/>
-    <dgm:cxn modelId="{C7E52DBA-2E25-4924-AA53-EE73BE25B476}" type="presOf" srcId="{89A328AD-B04E-430A-A282-BAD7EE2A6135}" destId="{9D957FCD-19B8-4F52-8F23-D120908C942A}" srcOrd="0" destOrd="0" presId="urn:microsoft.com/office/officeart/2005/8/layout/vList2"/>
-    <dgm:cxn modelId="{6CCB52B7-957A-4A39-9000-AD80FF3A3B79}" srcId="{12608442-2D12-4099-907B-838DCA644F87}" destId="{F25648D3-4B2D-4AC8-B95F-6367E4304B6C}" srcOrd="0" destOrd="0" parTransId="{09C5E831-C95B-425E-8D5A-31FF0999EAF2}" sibTransId="{3CEA008C-7AC4-404C-AFB1-5097C784B973}"/>
     <dgm:cxn modelId="{D5CF9329-8432-4A11-88B8-DBDED98191E6}" srcId="{12608442-2D12-4099-907B-838DCA644F87}" destId="{25643373-1D06-488A-8185-2FC694F957A3}" srcOrd="4" destOrd="0" parTransId="{5BA1773B-CDB8-45BC-90B6-A9B8E276F29E}" sibTransId="{518FAF13-A554-47BE-9447-8DC5CDDDE2FA}"/>
-    <dgm:cxn modelId="{AD86FDC5-4CA4-4A9A-8CC4-A10E7E0AEDA3}" srcId="{12608442-2D12-4099-907B-838DCA644F87}" destId="{873E4879-D568-4CD3-A246-934E8D4A7499}" srcOrd="7" destOrd="0" parTransId="{C3C7408E-EBF8-4887-9534-161425D7F3FA}" sibTransId="{3D33C9FA-F1A8-4199-9B31-AF66212BC73B}"/>
     <dgm:cxn modelId="{E351B7AA-7E55-4086-BC05-7B5BD5837BCB}" srcId="{12608442-2D12-4099-907B-838DCA644F87}" destId="{CB3EF51E-0786-4B77-9E0E-5CE39DA123DC}" srcOrd="1" destOrd="0" parTransId="{50E04C24-844D-4B6C-A589-E7D006BC2D08}" sibTransId="{4F90B89C-F776-49FE-91E5-3989DFD591E7}"/>
-    <dgm:cxn modelId="{ED17B9D6-E00C-44FD-953A-1DBA245E2530}" srcId="{12608442-2D12-4099-907B-838DCA644F87}" destId="{AB4E9A40-5FE0-440D-86A7-BE294EFDA9A0}" srcOrd="5" destOrd="0" parTransId="{95EF3A29-6AF8-4AAE-AD72-9AC45367C519}" sibTransId="{B13092C5-B869-4D40-8ABA-AB4E10C81BBA}"/>
+    <dgm:cxn modelId="{42AD458C-4E76-444E-AC2B-867B0E459E4C}" type="presOf" srcId="{CB3EF51E-0786-4B77-9E0E-5CE39DA123DC}" destId="{12FC72C9-6B4F-44FD-AAF7-0FD013F53B0D}" srcOrd="0" destOrd="0" presId="urn:microsoft.com/office/officeart/2005/8/layout/vList2"/>
     <dgm:cxn modelId="{D5340EE5-C211-44F5-9D90-11D0069E9034}" type="presOf" srcId="{AB4E9A40-5FE0-440D-86A7-BE294EFDA9A0}" destId="{A0016F7E-A614-4BF7-9E9C-74526837614C}" srcOrd="0" destOrd="0" presId="urn:microsoft.com/office/officeart/2005/8/layout/vList2"/>
-    <dgm:cxn modelId="{42AD458C-4E76-444E-AC2B-867B0E459E4C}" type="presOf" srcId="{CB3EF51E-0786-4B77-9E0E-5CE39DA123DC}" destId="{12FC72C9-6B4F-44FD-AAF7-0FD013F53B0D}" srcOrd="0" destOrd="0" presId="urn:microsoft.com/office/officeart/2005/8/layout/vList2"/>
+    <dgm:cxn modelId="{C4250C43-78B1-4540-B39C-EA52BA18A551}" type="presOf" srcId="{8AB1FE4C-0E61-4E74-A665-3956C297081A}" destId="{8126ED31-E1DA-4192-8C3B-F326AD00D33D}" srcOrd="0" destOrd="0" presId="urn:microsoft.com/office/officeart/2005/8/layout/vList2"/>
+    <dgm:cxn modelId="{4770BF72-CBC7-481C-AB81-68BC06A307D4}" srcId="{12608442-2D12-4099-907B-838DCA644F87}" destId="{5E36E64A-8063-4325-8D7B-6F6F385B262D}" srcOrd="8" destOrd="0" parTransId="{7C1632F3-9A35-4685-BC90-B5FDDCB5A577}" sibTransId="{40516D1E-E7F3-4EB4-94FD-64C1DA8BB2B6}"/>
     <dgm:cxn modelId="{5C85214E-DF11-440C-B417-FD63656104F8}" type="presParOf" srcId="{3C134EC1-F90C-4A95-986B-64EC26F9628A}" destId="{13F417B4-B05C-4E01-97BE-8FE5B4DFFBCD}" srcOrd="0" destOrd="0" presId="urn:microsoft.com/office/officeart/2005/8/layout/vList2"/>
     <dgm:cxn modelId="{93A22869-3593-41CB-9243-25F4D7928496}" type="presParOf" srcId="{3C134EC1-F90C-4A95-986B-64EC26F9628A}" destId="{23FFE85B-604C-4537-8A2C-6B365F6F5013}" srcOrd="1" destOrd="0" presId="urn:microsoft.com/office/officeart/2005/8/layout/vList2"/>
     <dgm:cxn modelId="{DD817C39-59B1-4DB6-9CB1-3AB644B4CD0A}" type="presParOf" srcId="{3C134EC1-F90C-4A95-986B-64EC26F9628A}" destId="{12FC72C9-6B4F-44FD-AAF7-0FD013F53B0D}" srcOrd="2" destOrd="0" presId="urn:microsoft.com/office/officeart/2005/8/layout/vList2"/>
@@ -5692,7 +5772,7 @@
   <dgm:whole/>
   <dgm:extLst>
     <a:ext uri="http://schemas.microsoft.com/office/drawing/2008/diagram">
-      <dsp:dataModelExt xmlns:dsp="http://schemas.microsoft.com/office/drawing/2008/diagram" xmlns="" relId="rId6" minVer="http://schemas.openxmlformats.org/drawingml/2006/diagram"/>
+      <dsp:dataModelExt xmlns:dsp="http://schemas.microsoft.com/office/drawing/2008/diagram" relId="rId6" minVer="http://schemas.openxmlformats.org/drawingml/2006/diagram"/>
     </a:ext>
   </dgm:extLst>
 </dgm:dataModel>
@@ -6039,21 +6119,21 @@
     </dgm:pt>
   </dgm:ptLst>
   <dgm:cxnLst>
-    <dgm:cxn modelId="{FA8B9F46-69F3-4776-BCE1-A8A221BAD222}" srcId="{ECD5FEE4-F8FE-4A89-B275-225DEAE1365B}" destId="{C0B76923-4142-437F-B9EA-B9E972E333D1}" srcOrd="0" destOrd="0" parTransId="{6BF58135-7CA7-449C-96C5-3466F006DC2A}" sibTransId="{373BADAB-0E15-4AD7-9F7A-EEAC8EAB14D8}"/>
-    <dgm:cxn modelId="{F8098299-332F-424D-B779-85EC7CEBCB69}" type="presOf" srcId="{ECD5FEE4-F8FE-4A89-B275-225DEAE1365B}" destId="{D4EF05F2-0854-4310-8437-63917B197385}" srcOrd="0" destOrd="0" presId="urn:microsoft.com/office/officeart/2005/8/layout/hierarchy2"/>
-    <dgm:cxn modelId="{B54FA0F0-FE5B-4484-B63E-FCC0C6C1EB9B}" type="presOf" srcId="{5934292A-0991-49E2-9586-635A2C229680}" destId="{79315EFD-F0D5-4F6D-B6E2-08344FD98E5B}" srcOrd="0" destOrd="0" presId="urn:microsoft.com/office/officeart/2005/8/layout/hierarchy2"/>
-    <dgm:cxn modelId="{CE8EC631-7A35-490F-9808-6E93AEDA40F9}" type="presOf" srcId="{5934292A-0991-49E2-9586-635A2C229680}" destId="{716EE90F-2927-4BAE-8E18-DB83BD69B1D1}" srcOrd="1" destOrd="0" presId="urn:microsoft.com/office/officeart/2005/8/layout/hierarchy2"/>
-    <dgm:cxn modelId="{5311675D-EBB5-4C44-A882-F1BB0582048B}" srcId="{ECD5FEE4-F8FE-4A89-B275-225DEAE1365B}" destId="{13589A82-6D90-4135-B8D7-3A6E86C8EE39}" srcOrd="2" destOrd="0" parTransId="{5934292A-0991-49E2-9586-635A2C229680}" sibTransId="{5380AFB7-720B-4614-BBA7-22864506B485}"/>
-    <dgm:cxn modelId="{CFAD38A1-E21C-4800-B0C9-00B861E854A6}" type="presOf" srcId="{6BF58135-7CA7-449C-96C5-3466F006DC2A}" destId="{70C33C40-509C-4A7A-A233-690085674AE9}" srcOrd="1" destOrd="0" presId="urn:microsoft.com/office/officeart/2005/8/layout/hierarchy2"/>
-    <dgm:cxn modelId="{DE3B0C7A-4782-4176-8C5F-13D10CCBBC3C}" type="presOf" srcId="{6BF58135-7CA7-449C-96C5-3466F006DC2A}" destId="{A96A41C0-5764-46B8-895F-8CB3D9FB35B5}" srcOrd="0" destOrd="0" presId="urn:microsoft.com/office/officeart/2005/8/layout/hierarchy2"/>
-    <dgm:cxn modelId="{5AE96FA4-A48C-4A58-8F9F-851E331E3FA7}" type="presOf" srcId="{326D6A3A-8084-456B-AEBA-51082EDD4A99}" destId="{E97E8025-E196-4855-9B9E-6B6772445907}" srcOrd="0" destOrd="0" presId="urn:microsoft.com/office/officeart/2005/8/layout/hierarchy2"/>
-    <dgm:cxn modelId="{9012DD3F-C7C5-4C92-98A0-B499616DCBB3}" srcId="{68ABACAE-B821-40F8-83C1-98FA11018ECE}" destId="{ECD5FEE4-F8FE-4A89-B275-225DEAE1365B}" srcOrd="0" destOrd="0" parTransId="{A75360FC-0419-468B-89E7-E02A7444AD3D}" sibTransId="{57BCCAF5-D2EC-4700-BB1C-9BC9A4FE07A9}"/>
+    <dgm:cxn modelId="{E1ECDE35-67D3-48A6-8F44-7424501C062D}" srcId="{ECD5FEE4-F8FE-4A89-B275-225DEAE1365B}" destId="{326D6A3A-8084-456B-AEBA-51082EDD4A99}" srcOrd="1" destOrd="0" parTransId="{4281BB24-A722-47B7-9ACB-448D3373C1A4}" sibTransId="{4B0A2760-EA1C-4EC6-8A68-CEAA769B918B}"/>
     <dgm:cxn modelId="{83AC8B7C-0097-4BF3-8515-DE23E4AFD269}" type="presOf" srcId="{68ABACAE-B821-40F8-83C1-98FA11018ECE}" destId="{3991A67E-CA15-41A2-B74F-AD1689BDAEF0}" srcOrd="0" destOrd="0" presId="urn:microsoft.com/office/officeart/2005/8/layout/hierarchy2"/>
     <dgm:cxn modelId="{9FB69068-1334-4594-A14F-3483854D5934}" type="presOf" srcId="{C0B76923-4142-437F-B9EA-B9E972E333D1}" destId="{D8C75AAF-0C30-49C2-8872-1A709B2ED191}" srcOrd="0" destOrd="0" presId="urn:microsoft.com/office/officeart/2005/8/layout/hierarchy2"/>
+    <dgm:cxn modelId="{9012DD3F-C7C5-4C92-98A0-B499616DCBB3}" srcId="{68ABACAE-B821-40F8-83C1-98FA11018ECE}" destId="{ECD5FEE4-F8FE-4A89-B275-225DEAE1365B}" srcOrd="0" destOrd="0" parTransId="{A75360FC-0419-468B-89E7-E02A7444AD3D}" sibTransId="{57BCCAF5-D2EC-4700-BB1C-9BC9A4FE07A9}"/>
+    <dgm:cxn modelId="{F8098299-332F-424D-B779-85EC7CEBCB69}" type="presOf" srcId="{ECD5FEE4-F8FE-4A89-B275-225DEAE1365B}" destId="{D4EF05F2-0854-4310-8437-63917B197385}" srcOrd="0" destOrd="0" presId="urn:microsoft.com/office/officeart/2005/8/layout/hierarchy2"/>
     <dgm:cxn modelId="{02E1F27F-297B-42CC-8245-B32AD3CF5192}" type="presOf" srcId="{13589A82-6D90-4135-B8D7-3A6E86C8EE39}" destId="{F1B24ECC-6A9E-429C-BD67-8F8FB6027DF6}" srcOrd="0" destOrd="0" presId="urn:microsoft.com/office/officeart/2005/8/layout/hierarchy2"/>
+    <dgm:cxn modelId="{DE3B0C7A-4782-4176-8C5F-13D10CCBBC3C}" type="presOf" srcId="{6BF58135-7CA7-449C-96C5-3466F006DC2A}" destId="{A96A41C0-5764-46B8-895F-8CB3D9FB35B5}" srcOrd="0" destOrd="0" presId="urn:microsoft.com/office/officeart/2005/8/layout/hierarchy2"/>
     <dgm:cxn modelId="{B28AA845-9BB3-483A-95BE-06890963522C}" type="presOf" srcId="{4281BB24-A722-47B7-9ACB-448D3373C1A4}" destId="{B4A513AB-C2E6-492E-8161-207361CC1A7D}" srcOrd="0" destOrd="0" presId="urn:microsoft.com/office/officeart/2005/8/layout/hierarchy2"/>
+    <dgm:cxn modelId="{5311675D-EBB5-4C44-A882-F1BB0582048B}" srcId="{ECD5FEE4-F8FE-4A89-B275-225DEAE1365B}" destId="{13589A82-6D90-4135-B8D7-3A6E86C8EE39}" srcOrd="2" destOrd="0" parTransId="{5934292A-0991-49E2-9586-635A2C229680}" sibTransId="{5380AFB7-720B-4614-BBA7-22864506B485}"/>
+    <dgm:cxn modelId="{5AE96FA4-A48C-4A58-8F9F-851E331E3FA7}" type="presOf" srcId="{326D6A3A-8084-456B-AEBA-51082EDD4A99}" destId="{E97E8025-E196-4855-9B9E-6B6772445907}" srcOrd="0" destOrd="0" presId="urn:microsoft.com/office/officeart/2005/8/layout/hierarchy2"/>
+    <dgm:cxn modelId="{FA8B9F46-69F3-4776-BCE1-A8A221BAD222}" srcId="{ECD5FEE4-F8FE-4A89-B275-225DEAE1365B}" destId="{C0B76923-4142-437F-B9EA-B9E972E333D1}" srcOrd="0" destOrd="0" parTransId="{6BF58135-7CA7-449C-96C5-3466F006DC2A}" sibTransId="{373BADAB-0E15-4AD7-9F7A-EEAC8EAB14D8}"/>
     <dgm:cxn modelId="{0A7619A1-CFBD-4D00-807B-65F4ADB34AB8}" type="presOf" srcId="{4281BB24-A722-47B7-9ACB-448D3373C1A4}" destId="{8356D5EE-9BE6-4598-A4AA-115ADB9AB7C2}" srcOrd="1" destOrd="0" presId="urn:microsoft.com/office/officeart/2005/8/layout/hierarchy2"/>
-    <dgm:cxn modelId="{E1ECDE35-67D3-48A6-8F44-7424501C062D}" srcId="{ECD5FEE4-F8FE-4A89-B275-225DEAE1365B}" destId="{326D6A3A-8084-456B-AEBA-51082EDD4A99}" srcOrd="1" destOrd="0" parTransId="{4281BB24-A722-47B7-9ACB-448D3373C1A4}" sibTransId="{4B0A2760-EA1C-4EC6-8A68-CEAA769B918B}"/>
+    <dgm:cxn modelId="{CFAD38A1-E21C-4800-B0C9-00B861E854A6}" type="presOf" srcId="{6BF58135-7CA7-449C-96C5-3466F006DC2A}" destId="{70C33C40-509C-4A7A-A233-690085674AE9}" srcOrd="1" destOrd="0" presId="urn:microsoft.com/office/officeart/2005/8/layout/hierarchy2"/>
+    <dgm:cxn modelId="{CE8EC631-7A35-490F-9808-6E93AEDA40F9}" type="presOf" srcId="{5934292A-0991-49E2-9586-635A2C229680}" destId="{716EE90F-2927-4BAE-8E18-DB83BD69B1D1}" srcOrd="1" destOrd="0" presId="urn:microsoft.com/office/officeart/2005/8/layout/hierarchy2"/>
+    <dgm:cxn modelId="{B54FA0F0-FE5B-4484-B63E-FCC0C6C1EB9B}" type="presOf" srcId="{5934292A-0991-49E2-9586-635A2C229680}" destId="{79315EFD-F0D5-4F6D-B6E2-08344FD98E5B}" srcOrd="0" destOrd="0" presId="urn:microsoft.com/office/officeart/2005/8/layout/hierarchy2"/>
     <dgm:cxn modelId="{0F6E7D7A-41FD-4E85-995E-83E5C5E8EF3C}" type="presParOf" srcId="{3991A67E-CA15-41A2-B74F-AD1689BDAEF0}" destId="{A838F566-182C-4A7D-A0CC-6288D95FEA4B}" srcOrd="0" destOrd="0" presId="urn:microsoft.com/office/officeart/2005/8/layout/hierarchy2"/>
     <dgm:cxn modelId="{D502390C-3A32-4782-BDC0-BB8184FB8068}" type="presParOf" srcId="{A838F566-182C-4A7D-A0CC-6288D95FEA4B}" destId="{D4EF05F2-0854-4310-8437-63917B197385}" srcOrd="0" destOrd="0" presId="urn:microsoft.com/office/officeart/2005/8/layout/hierarchy2"/>
     <dgm:cxn modelId="{95535B5E-44D9-423D-910E-8E5CE01442B1}" type="presParOf" srcId="{A838F566-182C-4A7D-A0CC-6288D95FEA4B}" destId="{6EB9E418-861E-4FD2-946D-44A24403C8E1}" srcOrd="1" destOrd="0" presId="urn:microsoft.com/office/officeart/2005/8/layout/hierarchy2"/>
@@ -6077,7 +6157,7 @@
   <dgm:whole/>
   <dgm:extLst>
     <a:ext uri="http://schemas.microsoft.com/office/drawing/2008/diagram">
-      <dsp:dataModelExt xmlns:dsp="http://schemas.microsoft.com/office/drawing/2008/diagram" xmlns="" relId="rId7" minVer="http://schemas.openxmlformats.org/drawingml/2006/diagram"/>
+      <dsp:dataModelExt xmlns:dsp="http://schemas.microsoft.com/office/drawing/2008/diagram" relId="rId7" minVer="http://schemas.openxmlformats.org/drawingml/2006/diagram"/>
     </a:ext>
   </dgm:extLst>
 </dgm:dataModel>
@@ -6394,24 +6474,24 @@
     </dgm:pt>
   </dgm:ptLst>
   <dgm:cxnLst>
+    <dgm:cxn modelId="{2D40CFAE-FFDC-4B61-BD58-F442BBE06BB8}" type="presOf" srcId="{E9152AD7-00F6-4772-8F42-9D809381A035}" destId="{DD036332-2853-417C-8ACB-3A96B5039347}" srcOrd="0" destOrd="3" presId="urn:microsoft.com/office/officeart/2005/8/layout/hProcess6"/>
+    <dgm:cxn modelId="{B1015C5E-D1BE-4BA4-8B81-93230A07009B}" srcId="{97CAE2D7-9C11-4809-9E7D-B3EC132B23D4}" destId="{E9152AD7-00F6-4772-8F42-9D809381A035}" srcOrd="3" destOrd="0" parTransId="{DD628961-B7E7-4C70-9493-EBF5DB5A1757}" sibTransId="{401EBFD1-0347-4B57-87C6-D60519E39D60}"/>
+    <dgm:cxn modelId="{7A3A7C08-0DFD-4B35-8EB7-FF89F2314BD2}" type="presOf" srcId="{47E22631-EDFC-4AA5-9B09-16A8BF5B17B5}" destId="{DD036332-2853-417C-8ACB-3A96B5039347}" srcOrd="0" destOrd="2" presId="urn:microsoft.com/office/officeart/2005/8/layout/hProcess6"/>
+    <dgm:cxn modelId="{32C26BBD-5EA9-49CB-AD3B-B8EDE163CD08}" srcId="{1A2CEC77-91D8-4D49-A55E-0586B9AB905D}" destId="{97CAE2D7-9C11-4809-9E7D-B3EC132B23D4}" srcOrd="0" destOrd="0" parTransId="{1C643CFF-7E0A-41C6-AB13-CE0FA4B779EF}" sibTransId="{64EE1B86-E5E1-403B-981C-CEF956BBB38A}"/>
+    <dgm:cxn modelId="{BE00B9B2-620D-40EC-923F-18A66680B91E}" type="presOf" srcId="{97CAE2D7-9C11-4809-9E7D-B3EC132B23D4}" destId="{D0EC7321-54F1-407E-9A60-11EADB909AA4}" srcOrd="0" destOrd="0" presId="urn:microsoft.com/office/officeart/2005/8/layout/hProcess6"/>
+    <dgm:cxn modelId="{2A043402-E411-45DF-81D1-1A2BDBA6E00B}" srcId="{97CAE2D7-9C11-4809-9E7D-B3EC132B23D4}" destId="{0B97CAF7-4159-4FBD-992D-F7E1CCA1118E}" srcOrd="4" destOrd="0" parTransId="{A8BB7460-26CB-4732-A61F-2CFD5D9C424B}" sibTransId="{98EC6805-E2A8-44AE-9F63-E5868432E8C8}"/>
+    <dgm:cxn modelId="{63BE91F4-A073-4D0B-8D38-B8BC1730AEF2}" type="presOf" srcId="{E9152AD7-00F6-4772-8F42-9D809381A035}" destId="{62572535-E523-42B3-B29F-7D548FC4031C}" srcOrd="1" destOrd="3" presId="urn:microsoft.com/office/officeart/2005/8/layout/hProcess6"/>
+    <dgm:cxn modelId="{DFAFD945-80D6-4FF4-B99B-F5097D313FFC}" srcId="{97CAE2D7-9C11-4809-9E7D-B3EC132B23D4}" destId="{47E22631-EDFC-4AA5-9B09-16A8BF5B17B5}" srcOrd="2" destOrd="0" parTransId="{2B30D08B-83F9-4F47-AAA1-2E2160DBDA1F}" sibTransId="{D1E4702E-FDD6-454C-A31B-B543E02694DA}"/>
+    <dgm:cxn modelId="{70E6139F-C0AA-4370-A7A9-E721A7F2E0EF}" type="presOf" srcId="{263E639B-DCF5-45FE-9156-397137A33DF2}" destId="{62572535-E523-42B3-B29F-7D548FC4031C}" srcOrd="1" destOrd="1" presId="urn:microsoft.com/office/officeart/2005/8/layout/hProcess6"/>
+    <dgm:cxn modelId="{F87A810C-13BD-4920-8C7E-05526B955E72}" srcId="{97CAE2D7-9C11-4809-9E7D-B3EC132B23D4}" destId="{263E639B-DCF5-45FE-9156-397137A33DF2}" srcOrd="1" destOrd="0" parTransId="{A3B4D681-07A5-492A-8078-8CE96718BB03}" sibTransId="{D0F65C60-6B70-48C9-A1BF-7A56D78A50C2}"/>
     <dgm:cxn modelId="{ACBD455F-166D-48A7-B87E-22B4FF75384F}" type="presOf" srcId="{AD657148-26AE-4E9F-8FC0-A942BFB490B6}" destId="{62572535-E523-42B3-B29F-7D548FC4031C}" srcOrd="1" destOrd="0" presId="urn:microsoft.com/office/officeart/2005/8/layout/hProcess6"/>
+    <dgm:cxn modelId="{EBC45706-4BAD-4B40-9FBC-6F7A66D5F236}" type="presOf" srcId="{263E639B-DCF5-45FE-9156-397137A33DF2}" destId="{DD036332-2853-417C-8ACB-3A96B5039347}" srcOrd="0" destOrd="1" presId="urn:microsoft.com/office/officeart/2005/8/layout/hProcess6"/>
+    <dgm:cxn modelId="{C4396DFC-B31A-409B-9CF9-9C3B280BCA92}" type="presOf" srcId="{AD657148-26AE-4E9F-8FC0-A942BFB490B6}" destId="{DD036332-2853-417C-8ACB-3A96B5039347}" srcOrd="0" destOrd="0" presId="urn:microsoft.com/office/officeart/2005/8/layout/hProcess6"/>
+    <dgm:cxn modelId="{135707BF-4865-4D69-BB84-6F56BC79BC32}" srcId="{97CAE2D7-9C11-4809-9E7D-B3EC132B23D4}" destId="{AD657148-26AE-4E9F-8FC0-A942BFB490B6}" srcOrd="0" destOrd="0" parTransId="{05086D4A-2E24-441C-A1E7-794125365EF6}" sibTransId="{39DBA63A-92D2-45E1-AF36-67B4F7315A99}"/>
     <dgm:cxn modelId="{1F579EA1-129B-43F8-BA8B-DFEB95BB8F24}" type="presOf" srcId="{47E22631-EDFC-4AA5-9B09-16A8BF5B17B5}" destId="{62572535-E523-42B3-B29F-7D548FC4031C}" srcOrd="1" destOrd="2" presId="urn:microsoft.com/office/officeart/2005/8/layout/hProcess6"/>
-    <dgm:cxn modelId="{63BE91F4-A073-4D0B-8D38-B8BC1730AEF2}" type="presOf" srcId="{E9152AD7-00F6-4772-8F42-9D809381A035}" destId="{62572535-E523-42B3-B29F-7D548FC4031C}" srcOrd="1" destOrd="3" presId="urn:microsoft.com/office/officeart/2005/8/layout/hProcess6"/>
-    <dgm:cxn modelId="{EBC45706-4BAD-4B40-9FBC-6F7A66D5F236}" type="presOf" srcId="{263E639B-DCF5-45FE-9156-397137A33DF2}" destId="{DD036332-2853-417C-8ACB-3A96B5039347}" srcOrd="0" destOrd="1" presId="urn:microsoft.com/office/officeart/2005/8/layout/hProcess6"/>
-    <dgm:cxn modelId="{F87A810C-13BD-4920-8C7E-05526B955E72}" srcId="{97CAE2D7-9C11-4809-9E7D-B3EC132B23D4}" destId="{263E639B-DCF5-45FE-9156-397137A33DF2}" srcOrd="1" destOrd="0" parTransId="{A3B4D681-07A5-492A-8078-8CE96718BB03}" sibTransId="{D0F65C60-6B70-48C9-A1BF-7A56D78A50C2}"/>
-    <dgm:cxn modelId="{B1015C5E-D1BE-4BA4-8B81-93230A07009B}" srcId="{97CAE2D7-9C11-4809-9E7D-B3EC132B23D4}" destId="{E9152AD7-00F6-4772-8F42-9D809381A035}" srcOrd="3" destOrd="0" parTransId="{DD628961-B7E7-4C70-9493-EBF5DB5A1757}" sibTransId="{401EBFD1-0347-4B57-87C6-D60519E39D60}"/>
     <dgm:cxn modelId="{A196D2ED-D32F-4AB4-AEE1-3F0157CF5754}" type="presOf" srcId="{0B97CAF7-4159-4FBD-992D-F7E1CCA1118E}" destId="{62572535-E523-42B3-B29F-7D548FC4031C}" srcOrd="1" destOrd="4" presId="urn:microsoft.com/office/officeart/2005/8/layout/hProcess6"/>
-    <dgm:cxn modelId="{7A3A7C08-0DFD-4B35-8EB7-FF89F2314BD2}" type="presOf" srcId="{47E22631-EDFC-4AA5-9B09-16A8BF5B17B5}" destId="{DD036332-2853-417C-8ACB-3A96B5039347}" srcOrd="0" destOrd="2" presId="urn:microsoft.com/office/officeart/2005/8/layout/hProcess6"/>
-    <dgm:cxn modelId="{2D40CFAE-FFDC-4B61-BD58-F442BBE06BB8}" type="presOf" srcId="{E9152AD7-00F6-4772-8F42-9D809381A035}" destId="{DD036332-2853-417C-8ACB-3A96B5039347}" srcOrd="0" destOrd="3" presId="urn:microsoft.com/office/officeart/2005/8/layout/hProcess6"/>
-    <dgm:cxn modelId="{DFAFD945-80D6-4FF4-B99B-F5097D313FFC}" srcId="{97CAE2D7-9C11-4809-9E7D-B3EC132B23D4}" destId="{47E22631-EDFC-4AA5-9B09-16A8BF5B17B5}" srcOrd="2" destOrd="0" parTransId="{2B30D08B-83F9-4F47-AAA1-2E2160DBDA1F}" sibTransId="{D1E4702E-FDD6-454C-A31B-B543E02694DA}"/>
-    <dgm:cxn modelId="{135707BF-4865-4D69-BB84-6F56BC79BC32}" srcId="{97CAE2D7-9C11-4809-9E7D-B3EC132B23D4}" destId="{AD657148-26AE-4E9F-8FC0-A942BFB490B6}" srcOrd="0" destOrd="0" parTransId="{05086D4A-2E24-441C-A1E7-794125365EF6}" sibTransId="{39DBA63A-92D2-45E1-AF36-67B4F7315A99}"/>
-    <dgm:cxn modelId="{C4396DFC-B31A-409B-9CF9-9C3B280BCA92}" type="presOf" srcId="{AD657148-26AE-4E9F-8FC0-A942BFB490B6}" destId="{DD036332-2853-417C-8ACB-3A96B5039347}" srcOrd="0" destOrd="0" presId="urn:microsoft.com/office/officeart/2005/8/layout/hProcess6"/>
-    <dgm:cxn modelId="{2A043402-E411-45DF-81D1-1A2BDBA6E00B}" srcId="{97CAE2D7-9C11-4809-9E7D-B3EC132B23D4}" destId="{0B97CAF7-4159-4FBD-992D-F7E1CCA1118E}" srcOrd="4" destOrd="0" parTransId="{A8BB7460-26CB-4732-A61F-2CFD5D9C424B}" sibTransId="{98EC6805-E2A8-44AE-9F63-E5868432E8C8}"/>
-    <dgm:cxn modelId="{32C26BBD-5EA9-49CB-AD3B-B8EDE163CD08}" srcId="{1A2CEC77-91D8-4D49-A55E-0586B9AB905D}" destId="{97CAE2D7-9C11-4809-9E7D-B3EC132B23D4}" srcOrd="0" destOrd="0" parTransId="{1C643CFF-7E0A-41C6-AB13-CE0FA4B779EF}" sibTransId="{64EE1B86-E5E1-403B-981C-CEF956BBB38A}"/>
     <dgm:cxn modelId="{A03CA572-3B69-46B8-A0C1-79BEB67FB017}" type="presOf" srcId="{1A2CEC77-91D8-4D49-A55E-0586B9AB905D}" destId="{6356F55C-E3B3-4BBB-A9E0-7BC6CAE37290}" srcOrd="0" destOrd="0" presId="urn:microsoft.com/office/officeart/2005/8/layout/hProcess6"/>
-    <dgm:cxn modelId="{70E6139F-C0AA-4370-A7A9-E721A7F2E0EF}" type="presOf" srcId="{263E639B-DCF5-45FE-9156-397137A33DF2}" destId="{62572535-E523-42B3-B29F-7D548FC4031C}" srcOrd="1" destOrd="1" presId="urn:microsoft.com/office/officeart/2005/8/layout/hProcess6"/>
     <dgm:cxn modelId="{A27914F7-FC34-495B-AA5A-CB6CC63CEB66}" type="presOf" srcId="{0B97CAF7-4159-4FBD-992D-F7E1CCA1118E}" destId="{DD036332-2853-417C-8ACB-3A96B5039347}" srcOrd="0" destOrd="4" presId="urn:microsoft.com/office/officeart/2005/8/layout/hProcess6"/>
-    <dgm:cxn modelId="{BE00B9B2-620D-40EC-923F-18A66680B91E}" type="presOf" srcId="{97CAE2D7-9C11-4809-9E7D-B3EC132B23D4}" destId="{D0EC7321-54F1-407E-9A60-11EADB909AA4}" srcOrd="0" destOrd="0" presId="urn:microsoft.com/office/officeart/2005/8/layout/hProcess6"/>
     <dgm:cxn modelId="{35B499AD-470A-4091-9009-44C2FB7DFD28}" type="presParOf" srcId="{6356F55C-E3B3-4BBB-A9E0-7BC6CAE37290}" destId="{39955E96-7654-44E1-ADE5-1A557D58AA89}" srcOrd="0" destOrd="0" presId="urn:microsoft.com/office/officeart/2005/8/layout/hProcess6"/>
     <dgm:cxn modelId="{BB093EF7-FE7B-4720-B01E-D4F03B345F9D}" type="presParOf" srcId="{39955E96-7654-44E1-ADE5-1A557D58AA89}" destId="{EC55195B-D107-4F7D-969A-F7CC7AE43076}" srcOrd="0" destOrd="0" presId="urn:microsoft.com/office/officeart/2005/8/layout/hProcess6"/>
     <dgm:cxn modelId="{05460D29-3995-42CA-9DED-1F6B2E9F6059}" type="presParOf" srcId="{39955E96-7654-44E1-ADE5-1A557D58AA89}" destId="{DD036332-2853-417C-8ACB-3A96B5039347}" srcOrd="1" destOrd="0" presId="urn:microsoft.com/office/officeart/2005/8/layout/hProcess6"/>
@@ -6422,7 +6502,7 @@
   <dgm:whole/>
   <dgm:extLst>
     <a:ext uri="http://schemas.microsoft.com/office/drawing/2008/diagram">
-      <dsp:dataModelExt xmlns:dsp="http://schemas.microsoft.com/office/drawing/2008/diagram" xmlns="" relId="rId7" minVer="http://schemas.openxmlformats.org/drawingml/2006/diagram"/>
+      <dsp:dataModelExt xmlns:dsp="http://schemas.microsoft.com/office/drawing/2008/diagram" relId="rId7" minVer="http://schemas.openxmlformats.org/drawingml/2006/diagram"/>
     </a:ext>
   </dgm:extLst>
 </dgm:dataModel>
@@ -6859,10 +6939,10 @@
             </a:spcAft>
           </a:pPr>
           <a:r>
-            <a:rPr lang="zh-CN" sz="1900" kern="1200" smtClean="0"/>
+            <a:rPr lang="zh-CN" sz="1900" kern="1200" dirty="0" smtClean="0"/>
             <a:t>自动化的，可重复执行</a:t>
           </a:r>
-          <a:endParaRPr lang="zh-CN" sz="1900" kern="1200"/>
+          <a:endParaRPr lang="zh-CN" sz="1900" kern="1200" dirty="0"/>
         </a:p>
       </dsp:txBody>
       <dsp:txXfrm>
@@ -8302,244 +8382,6 @@
       <dsp:cNvGrpSpPr/>
     </dsp:nvGrpSpPr>
     <dsp:grpSpPr/>
-    <dsp:sp modelId="{DD036332-2853-417C-8ACB-3A96B5039347}">
-      <dsp:nvSpPr>
-        <dsp:cNvPr id="0" name=""/>
-        <dsp:cNvSpPr/>
-      </dsp:nvSpPr>
-      <dsp:spPr>
-        <a:xfrm>
-          <a:off x="2277124" y="0"/>
-          <a:ext cx="6509039" cy="3384663"/>
-        </a:xfrm>
-        <a:prstGeom prst="rightArrow">
-          <a:avLst>
-            <a:gd name="adj1" fmla="val 70000"/>
-            <a:gd name="adj2" fmla="val 50000"/>
-          </a:avLst>
-        </a:prstGeom>
-        <a:solidFill>
-          <a:schemeClr val="accent1">
-            <a:alpha val="90000"/>
-            <a:tint val="40000"/>
-            <a:hueOff val="0"/>
-            <a:satOff val="0"/>
-            <a:lumOff val="0"/>
-            <a:alphaOff val="0"/>
-          </a:schemeClr>
-        </a:solidFill>
-        <a:ln w="12700" cap="flat" cmpd="sng" algn="ctr">
-          <a:solidFill>
-            <a:schemeClr val="accent1">
-              <a:alpha val="90000"/>
-              <a:tint val="40000"/>
-              <a:hueOff val="0"/>
-              <a:satOff val="0"/>
-              <a:lumOff val="0"/>
-              <a:alphaOff val="0"/>
-            </a:schemeClr>
-          </a:solidFill>
-          <a:prstDash val="solid"/>
-          <a:miter lim="800000"/>
-        </a:ln>
-        <a:effectLst/>
-      </dsp:spPr>
-      <dsp:style>
-        <a:lnRef idx="2">
-          <a:scrgbClr r="0" g="0" b="0"/>
-        </a:lnRef>
-        <a:fillRef idx="1">
-          <a:scrgbClr r="0" g="0" b="0"/>
-        </a:fillRef>
-        <a:effectRef idx="0">
-          <a:scrgbClr r="0" g="0" b="0"/>
-        </a:effectRef>
-        <a:fontRef idx="minor"/>
-      </dsp:style>
-      <dsp:txBody>
-        <a:bodyPr spcFirstLastPara="0" vert="horz" wrap="square" lIns="68580" tIns="17145" rIns="34290" bIns="17145" numCol="1" spcCol="1270" anchor="ctr" anchorCtr="0">
-          <a:noAutofit/>
-        </a:bodyPr>
-        <a:lstStyle/>
-        <a:p>
-          <a:pPr marL="228600" lvl="1" indent="-228600" algn="l" defTabSz="1200150" rtl="0">
-            <a:lnSpc>
-              <a:spcPct val="90000"/>
-            </a:lnSpc>
-            <a:spcBef>
-              <a:spcPct val="0"/>
-            </a:spcBef>
-            <a:spcAft>
-              <a:spcPct val="15000"/>
-            </a:spcAft>
-            <a:buChar char="••"/>
-          </a:pPr>
-          <a:r>
-            <a:rPr lang="zh-CN" sz="2700" kern="1200" dirty="0" smtClean="0"/>
-            <a:t>集成源码管理</a:t>
-          </a:r>
-          <a:endParaRPr lang="zh-CN" sz="2700" kern="1200" dirty="0"/>
-        </a:p>
-        <a:p>
-          <a:pPr marL="228600" lvl="1" indent="-228600" algn="l" defTabSz="1200150" rtl="0">
-            <a:lnSpc>
-              <a:spcPct val="90000"/>
-            </a:lnSpc>
-            <a:spcBef>
-              <a:spcPct val="0"/>
-            </a:spcBef>
-            <a:spcAft>
-              <a:spcPct val="15000"/>
-            </a:spcAft>
-            <a:buChar char="••"/>
-          </a:pPr>
-          <a:r>
-            <a:rPr lang="zh-CN" sz="2700" kern="1200" dirty="0" smtClean="0"/>
-            <a:t>编译</a:t>
-          </a:r>
-          <a:endParaRPr lang="zh-CN" sz="2700" kern="1200" dirty="0"/>
-        </a:p>
-        <a:p>
-          <a:pPr marL="228600" lvl="1" indent="-228600" algn="l" defTabSz="1200150" rtl="0">
-            <a:lnSpc>
-              <a:spcPct val="90000"/>
-            </a:lnSpc>
-            <a:spcBef>
-              <a:spcPct val="0"/>
-            </a:spcBef>
-            <a:spcAft>
-              <a:spcPct val="15000"/>
-            </a:spcAft>
-            <a:buChar char="••"/>
-          </a:pPr>
-          <a:r>
-            <a:rPr lang="zh-CN" sz="2700" kern="1200" dirty="0" smtClean="0"/>
-            <a:t>执行单元测试</a:t>
-          </a:r>
-          <a:endParaRPr lang="zh-CN" sz="2700" kern="1200" dirty="0"/>
-        </a:p>
-        <a:p>
-          <a:pPr marL="228600" lvl="1" indent="-228600" algn="l" defTabSz="1200150" rtl="0">
-            <a:lnSpc>
-              <a:spcPct val="90000"/>
-            </a:lnSpc>
-            <a:spcBef>
-              <a:spcPct val="0"/>
-            </a:spcBef>
-            <a:spcAft>
-              <a:spcPct val="15000"/>
-            </a:spcAft>
-            <a:buChar char="••"/>
-          </a:pPr>
-          <a:r>
-            <a:rPr lang="zh-CN" sz="2700" kern="1200" dirty="0" smtClean="0"/>
-            <a:t>生成覆盖率报表</a:t>
-          </a:r>
-          <a:endParaRPr lang="zh-CN" sz="2700" kern="1200" dirty="0"/>
-        </a:p>
-        <a:p>
-          <a:pPr marL="228600" lvl="1" indent="-228600" algn="l" defTabSz="1200150" rtl="0">
-            <a:lnSpc>
-              <a:spcPct val="90000"/>
-            </a:lnSpc>
-            <a:spcBef>
-              <a:spcPct val="0"/>
-            </a:spcBef>
-            <a:spcAft>
-              <a:spcPct val="15000"/>
-            </a:spcAft>
-            <a:buChar char="••"/>
-          </a:pPr>
-          <a:r>
-            <a:rPr lang="zh-CN" sz="2700" kern="1200" dirty="0" smtClean="0"/>
-            <a:t>展示覆盖率</a:t>
-          </a:r>
-          <a:endParaRPr lang="zh-CN" sz="2700" kern="1200" dirty="0"/>
-        </a:p>
-      </dsp:txBody>
-      <dsp:txXfrm>
-        <a:off x="3904384" y="507699"/>
-        <a:ext cx="3697147" cy="2369265"/>
-      </dsp:txXfrm>
-    </dsp:sp>
-    <dsp:sp modelId="{D0EC7321-54F1-407E-9A60-11EADB909AA4}">
-      <dsp:nvSpPr>
-        <dsp:cNvPr id="0" name=""/>
-        <dsp:cNvSpPr/>
-      </dsp:nvSpPr>
-      <dsp:spPr>
-        <a:xfrm>
-          <a:off x="1370289" y="676691"/>
-          <a:ext cx="1936027" cy="1936027"/>
-        </a:xfrm>
-        <a:prstGeom prst="ellipse">
-          <a:avLst/>
-        </a:prstGeom>
-        <a:solidFill>
-          <a:schemeClr val="accent1">
-            <a:hueOff val="0"/>
-            <a:satOff val="0"/>
-            <a:lumOff val="0"/>
-            <a:alphaOff val="0"/>
-          </a:schemeClr>
-        </a:solidFill>
-        <a:ln w="12700" cap="flat" cmpd="sng" algn="ctr">
-          <a:solidFill>
-            <a:schemeClr val="lt1">
-              <a:hueOff val="0"/>
-              <a:satOff val="0"/>
-              <a:lumOff val="0"/>
-              <a:alphaOff val="0"/>
-            </a:schemeClr>
-          </a:solidFill>
-          <a:prstDash val="solid"/>
-          <a:miter lim="800000"/>
-        </a:ln>
-        <a:effectLst/>
-      </dsp:spPr>
-      <dsp:style>
-        <a:lnRef idx="2">
-          <a:scrgbClr r="0" g="0" b="0"/>
-        </a:lnRef>
-        <a:fillRef idx="1">
-          <a:scrgbClr r="0" g="0" b="0"/>
-        </a:fillRef>
-        <a:effectRef idx="0">
-          <a:scrgbClr r="0" g="0" b="0"/>
-        </a:effectRef>
-        <a:fontRef idx="minor">
-          <a:schemeClr val="lt1"/>
-        </a:fontRef>
-      </dsp:style>
-      <dsp:txBody>
-        <a:bodyPr spcFirstLastPara="0" vert="horz" wrap="square" lIns="18415" tIns="18415" rIns="18415" bIns="18415" numCol="1" spcCol="1270" anchor="ctr" anchorCtr="0">
-          <a:noAutofit/>
-        </a:bodyPr>
-        <a:lstStyle/>
-        <a:p>
-          <a:pPr lvl="0" algn="ctr" defTabSz="1289050" rtl="0">
-            <a:lnSpc>
-              <a:spcPct val="90000"/>
-            </a:lnSpc>
-            <a:spcBef>
-              <a:spcPct val="0"/>
-            </a:spcBef>
-            <a:spcAft>
-              <a:spcPct val="35000"/>
-            </a:spcAft>
-          </a:pPr>
-          <a:r>
-            <a:rPr lang="zh-CN" sz="2900" kern="1200" dirty="0" smtClean="0"/>
-            <a:t>使用自动构建平台</a:t>
-          </a:r>
-          <a:endParaRPr lang="zh-CN" sz="2900" kern="1200" dirty="0"/>
-        </a:p>
-      </dsp:txBody>
-      <dsp:txXfrm>
-        <a:off x="1653814" y="960216"/>
-        <a:ext cx="1368977" cy="1368977"/>
-      </dsp:txXfrm>
-    </dsp:sp>
   </dsp:spTree>
 </dsp:drawing>
 </file>
@@ -13746,7 +13588,7 @@
             <a:fld id="{CB07F4DD-2616-4ADB-B085-03E0041EBE9A}" type="datetime1">
               <a:rPr lang="zh-CN" altLang="en-US" smtClean="0"/>
               <a:pPr/>
-              <a:t>2016/1/11</a:t>
+              <a:t>2016/1/12</a:t>
             </a:fld>
             <a:endParaRPr lang="zh-CN" altLang="en-US"/>
           </a:p>
@@ -13826,7 +13668,7 @@
     </p:spTree>
     <p:extLst>
       <p:ext uri="{BB962C8B-B14F-4D97-AF65-F5344CB8AC3E}">
-        <p14:creationId xmlns:p14="http://schemas.microsoft.com/office/powerpoint/2010/main" xmlns="" val="3139051690"/>
+        <p14:creationId xmlns:p14="http://schemas.microsoft.com/office/powerpoint/2010/main" val="3139051690"/>
       </p:ext>
     </p:extLst>
   </p:cSld>
@@ -13922,7 +13764,7 @@
             <a:fld id="{F1290695-11F3-4201-9521-690EE7DDEFC3}" type="datetime1">
               <a:rPr lang="zh-CN" altLang="en-US" smtClean="0"/>
               <a:pPr/>
-              <a:t>2016/1/11</a:t>
+              <a:t>2016/1/12</a:t>
             </a:fld>
             <a:endParaRPr lang="zh-CN" altLang="en-US"/>
           </a:p>
@@ -14095,7 +13937,7 @@
     </p:spTree>
     <p:extLst>
       <p:ext uri="{BB962C8B-B14F-4D97-AF65-F5344CB8AC3E}">
-        <p14:creationId xmlns:p14="http://schemas.microsoft.com/office/powerpoint/2010/main" xmlns="" val="3818961803"/>
+        <p14:creationId xmlns:p14="http://schemas.microsoft.com/office/powerpoint/2010/main" val="3818961803"/>
       </p:ext>
     </p:extLst>
   </p:cSld>
@@ -14247,7 +14089,7 @@
     </p:spTree>
     <p:extLst>
       <p:ext uri="{BB962C8B-B14F-4D97-AF65-F5344CB8AC3E}">
-        <p14:creationId xmlns:p14="http://schemas.microsoft.com/office/powerpoint/2010/main" xmlns="" val="4233778880"/>
+        <p14:creationId xmlns:p14="http://schemas.microsoft.com/office/powerpoint/2010/main" val="4233778880"/>
       </p:ext>
     </p:extLst>
   </p:cSld>
@@ -14308,7 +14150,7 @@
     </p:spTree>
     <p:extLst>
       <p:ext uri="{BB962C8B-B14F-4D97-AF65-F5344CB8AC3E}">
-        <p14:creationId xmlns:p14="http://schemas.microsoft.com/office/powerpoint/2010/main" xmlns="" val="2534329476"/>
+        <p14:creationId xmlns:p14="http://schemas.microsoft.com/office/powerpoint/2010/main" val="2534329476"/>
       </p:ext>
     </p:extLst>
   </p:cSld>
@@ -14369,7 +14211,7 @@
     </p:spTree>
     <p:extLst>
       <p:ext uri="{BB962C8B-B14F-4D97-AF65-F5344CB8AC3E}">
-        <p14:creationId xmlns:p14="http://schemas.microsoft.com/office/powerpoint/2010/main" xmlns="" val="2372924299"/>
+        <p14:creationId xmlns:p14="http://schemas.microsoft.com/office/powerpoint/2010/main" val="2372924299"/>
       </p:ext>
     </p:extLst>
   </p:cSld>
@@ -14430,7 +14272,7 @@
     </p:spTree>
     <p:extLst>
       <p:ext uri="{BB962C8B-B14F-4D97-AF65-F5344CB8AC3E}">
-        <p14:creationId xmlns:p14="http://schemas.microsoft.com/office/powerpoint/2010/main" xmlns="" val="496991311"/>
+        <p14:creationId xmlns:p14="http://schemas.microsoft.com/office/powerpoint/2010/main" val="496991311"/>
       </p:ext>
     </p:extLst>
   </p:cSld>
@@ -14491,7 +14333,7 @@
     </p:spTree>
     <p:extLst>
       <p:ext uri="{BB962C8B-B14F-4D97-AF65-F5344CB8AC3E}">
-        <p14:creationId xmlns:p14="http://schemas.microsoft.com/office/powerpoint/2010/main" xmlns="" val="3057971724"/>
+        <p14:creationId xmlns:p14="http://schemas.microsoft.com/office/powerpoint/2010/main" val="3057971724"/>
       </p:ext>
     </p:extLst>
   </p:cSld>
@@ -14552,7 +14394,7 @@
     </p:spTree>
     <p:extLst>
       <p:ext uri="{BB962C8B-B14F-4D97-AF65-F5344CB8AC3E}">
-        <p14:creationId xmlns:p14="http://schemas.microsoft.com/office/powerpoint/2010/main" xmlns="" val="3681023334"/>
+        <p14:creationId xmlns:p14="http://schemas.microsoft.com/office/powerpoint/2010/main" val="3681023334"/>
       </p:ext>
     </p:extLst>
   </p:cSld>
@@ -14613,7 +14455,7 @@
     </p:spTree>
     <p:extLst>
       <p:ext uri="{BB962C8B-B14F-4D97-AF65-F5344CB8AC3E}">
-        <p14:creationId xmlns:p14="http://schemas.microsoft.com/office/powerpoint/2010/main" xmlns="" val="4013860578"/>
+        <p14:creationId xmlns:p14="http://schemas.microsoft.com/office/powerpoint/2010/main" val="4013860578"/>
       </p:ext>
     </p:extLst>
   </p:cSld>
@@ -14674,7 +14516,7 @@
     </p:spTree>
     <p:extLst>
       <p:ext uri="{BB962C8B-B14F-4D97-AF65-F5344CB8AC3E}">
-        <p14:creationId xmlns:p14="http://schemas.microsoft.com/office/powerpoint/2010/main" xmlns="" val="2384192954"/>
+        <p14:creationId xmlns:p14="http://schemas.microsoft.com/office/powerpoint/2010/main" val="2384192954"/>
       </p:ext>
     </p:extLst>
   </p:cSld>
@@ -14735,7 +14577,7 @@
     </p:spTree>
     <p:extLst>
       <p:ext uri="{BB962C8B-B14F-4D97-AF65-F5344CB8AC3E}">
-        <p14:creationId xmlns:p14="http://schemas.microsoft.com/office/powerpoint/2010/main" xmlns="" val="2303718269"/>
+        <p14:creationId xmlns:p14="http://schemas.microsoft.com/office/powerpoint/2010/main" val="2303718269"/>
       </p:ext>
     </p:extLst>
   </p:cSld>
@@ -14877,7 +14719,7 @@
             <a:fld id="{25D33A48-F4CA-4D64-BD5D-F30DAC11E182}" type="datetime1">
               <a:rPr lang="zh-CN" altLang="en-US" smtClean="0"/>
               <a:pPr/>
-              <a:t>2016/1/11</a:t>
+              <a:t>2016/1/12</a:t>
             </a:fld>
             <a:endParaRPr lang="zh-CN" altLang="en-US"/>
           </a:p>
@@ -14929,7 +14771,7 @@
     </p:spTree>
     <p:extLst>
       <p:ext uri="{BB962C8B-B14F-4D97-AF65-F5344CB8AC3E}">
-        <p14:creationId xmlns:p14="http://schemas.microsoft.com/office/powerpoint/2010/main" xmlns="" val="3543592591"/>
+        <p14:creationId xmlns:p14="http://schemas.microsoft.com/office/powerpoint/2010/main" val="3543592591"/>
       </p:ext>
     </p:extLst>
   </p:cSld>
@@ -15049,7 +14891,7 @@
             <a:fld id="{7835C9A2-A860-435D-8D86-7057808A46BB}" type="datetime1">
               <a:rPr lang="zh-CN" altLang="en-US" smtClean="0"/>
               <a:pPr/>
-              <a:t>2016/1/11</a:t>
+              <a:t>2016/1/12</a:t>
             </a:fld>
             <a:endParaRPr lang="zh-CN" altLang="en-US"/>
           </a:p>
@@ -15105,7 +14947,7 @@
     </p:spTree>
     <p:extLst>
       <p:ext uri="{BB962C8B-B14F-4D97-AF65-F5344CB8AC3E}">
-        <p14:creationId xmlns:p14="http://schemas.microsoft.com/office/powerpoint/2010/main" xmlns="" val="2637827693"/>
+        <p14:creationId xmlns:p14="http://schemas.microsoft.com/office/powerpoint/2010/main" val="2637827693"/>
       </p:ext>
     </p:extLst>
   </p:cSld>
@@ -15235,7 +15077,7 @@
             <a:fld id="{8DCBC361-869B-451A-B3B0-8C4F1BA9360E}" type="datetime1">
               <a:rPr lang="zh-CN" altLang="en-US" smtClean="0"/>
               <a:pPr/>
-              <a:t>2016/1/11</a:t>
+              <a:t>2016/1/12</a:t>
             </a:fld>
             <a:endParaRPr lang="zh-CN" altLang="en-US"/>
           </a:p>
@@ -15291,7 +15133,7 @@
     </p:spTree>
     <p:extLst>
       <p:ext uri="{BB962C8B-B14F-4D97-AF65-F5344CB8AC3E}">
-        <p14:creationId xmlns:p14="http://schemas.microsoft.com/office/powerpoint/2010/main" xmlns="" val="1795914738"/>
+        <p14:creationId xmlns:p14="http://schemas.microsoft.com/office/powerpoint/2010/main" val="1795914738"/>
       </p:ext>
     </p:extLst>
   </p:cSld>
@@ -15426,7 +15268,7 @@
             <a:fld id="{BC20C777-790A-4729-B908-08454939E402}" type="datetime1">
               <a:rPr lang="zh-CN" altLang="en-US" smtClean="0"/>
               <a:pPr/>
-              <a:t>2016/1/11</a:t>
+              <a:t>2016/1/12</a:t>
             </a:fld>
             <a:endParaRPr lang="zh-CN" altLang="en-US" dirty="0"/>
           </a:p>
@@ -15491,7 +15333,7 @@
     </p:spTree>
     <p:extLst>
       <p:ext uri="{BB962C8B-B14F-4D97-AF65-F5344CB8AC3E}">
-        <p14:creationId xmlns:p14="http://schemas.microsoft.com/office/powerpoint/2010/main" xmlns="" val="2065731511"/>
+        <p14:creationId xmlns:p14="http://schemas.microsoft.com/office/powerpoint/2010/main" val="2065731511"/>
       </p:ext>
     </p:extLst>
   </p:cSld>
@@ -15687,7 +15529,7 @@
             <a:fld id="{0365DCE1-2D81-4988-9FFB-38C77368E5AB}" type="datetime1">
               <a:rPr lang="zh-CN" altLang="en-US" smtClean="0"/>
               <a:pPr/>
-              <a:t>2016/1/11</a:t>
+              <a:t>2016/1/12</a:t>
             </a:fld>
             <a:endParaRPr lang="zh-CN" altLang="en-US"/>
           </a:p>
@@ -15743,7 +15585,7 @@
     </p:spTree>
     <p:extLst>
       <p:ext uri="{BB962C8B-B14F-4D97-AF65-F5344CB8AC3E}">
-        <p14:creationId xmlns:p14="http://schemas.microsoft.com/office/powerpoint/2010/main" xmlns="" val="2237297140"/>
+        <p14:creationId xmlns:p14="http://schemas.microsoft.com/office/powerpoint/2010/main" val="2237297140"/>
       </p:ext>
     </p:extLst>
   </p:cSld>
@@ -15925,7 +15767,7 @@
             <a:fld id="{AE044FB5-8BC0-4607-92CA-3A99C780D839}" type="datetime1">
               <a:rPr lang="zh-CN" altLang="en-US" smtClean="0"/>
               <a:pPr/>
-              <a:t>2016/1/11</a:t>
+              <a:t>2016/1/12</a:t>
             </a:fld>
             <a:endParaRPr lang="zh-CN" altLang="en-US"/>
           </a:p>
@@ -15981,7 +15823,7 @@
     </p:spTree>
     <p:extLst>
       <p:ext uri="{BB962C8B-B14F-4D97-AF65-F5344CB8AC3E}">
-        <p14:creationId xmlns:p14="http://schemas.microsoft.com/office/powerpoint/2010/main" xmlns="" val="4045436177"/>
+        <p14:creationId xmlns:p14="http://schemas.microsoft.com/office/powerpoint/2010/main" val="4045436177"/>
       </p:ext>
     </p:extLst>
   </p:cSld>
@@ -16298,7 +16140,7 @@
             <a:fld id="{197C8F87-DC25-4850-AC0C-AD7398EEDB18}" type="datetime1">
               <a:rPr lang="zh-CN" altLang="en-US" smtClean="0"/>
               <a:pPr/>
-              <a:t>2016/1/11</a:t>
+              <a:t>2016/1/12</a:t>
             </a:fld>
             <a:endParaRPr lang="zh-CN" altLang="en-US"/>
           </a:p>
@@ -16354,7 +16196,7 @@
     </p:spTree>
     <p:extLst>
       <p:ext uri="{BB962C8B-B14F-4D97-AF65-F5344CB8AC3E}">
-        <p14:creationId xmlns:p14="http://schemas.microsoft.com/office/powerpoint/2010/main" xmlns="" val="3279032153"/>
+        <p14:creationId xmlns:p14="http://schemas.microsoft.com/office/powerpoint/2010/main" val="3279032153"/>
       </p:ext>
     </p:extLst>
   </p:cSld>
@@ -16422,7 +16264,7 @@
             <a:fld id="{5D4E2BA0-9952-45C2-A08C-1F25826F55B6}" type="datetime1">
               <a:rPr lang="zh-CN" altLang="en-US" smtClean="0"/>
               <a:pPr/>
-              <a:t>2016/1/11</a:t>
+              <a:t>2016/1/12</a:t>
             </a:fld>
             <a:endParaRPr lang="zh-CN" altLang="en-US"/>
           </a:p>
@@ -16478,7 +16320,7 @@
     </p:spTree>
     <p:extLst>
       <p:ext uri="{BB962C8B-B14F-4D97-AF65-F5344CB8AC3E}">
-        <p14:creationId xmlns:p14="http://schemas.microsoft.com/office/powerpoint/2010/main" xmlns="" val="3633593654"/>
+        <p14:creationId xmlns:p14="http://schemas.microsoft.com/office/powerpoint/2010/main" val="3633593654"/>
       </p:ext>
     </p:extLst>
   </p:cSld>
@@ -16523,7 +16365,7 @@
             <a:fld id="{8D3A08FE-8931-43C6-A3F8-57DF16A0B008}" type="datetime1">
               <a:rPr lang="zh-CN" altLang="en-US" smtClean="0"/>
               <a:pPr/>
-              <a:t>2016/1/11</a:t>
+              <a:t>2016/1/12</a:t>
             </a:fld>
             <a:endParaRPr lang="zh-CN" altLang="en-US"/>
           </a:p>
@@ -16579,7 +16421,7 @@
     </p:spTree>
     <p:extLst>
       <p:ext uri="{BB962C8B-B14F-4D97-AF65-F5344CB8AC3E}">
-        <p14:creationId xmlns:p14="http://schemas.microsoft.com/office/powerpoint/2010/main" xmlns="" val="3481910277"/>
+        <p14:creationId xmlns:p14="http://schemas.microsoft.com/office/powerpoint/2010/main" val="3481910277"/>
       </p:ext>
     </p:extLst>
   </p:cSld>
@@ -16806,7 +16648,7 @@
             <a:fld id="{F92AFE50-3DB7-445D-B4F8-E51EAB8F49B4}" type="datetime1">
               <a:rPr lang="zh-CN" altLang="en-US" smtClean="0"/>
               <a:pPr/>
-              <a:t>2016/1/11</a:t>
+              <a:t>2016/1/12</a:t>
             </a:fld>
             <a:endParaRPr lang="zh-CN" altLang="en-US"/>
           </a:p>
@@ -16862,7 +16704,7 @@
     </p:spTree>
     <p:extLst>
       <p:ext uri="{BB962C8B-B14F-4D97-AF65-F5344CB8AC3E}">
-        <p14:creationId xmlns:p14="http://schemas.microsoft.com/office/powerpoint/2010/main" xmlns="" val="2718699996"/>
+        <p14:creationId xmlns:p14="http://schemas.microsoft.com/office/powerpoint/2010/main" val="2718699996"/>
       </p:ext>
     </p:extLst>
   </p:cSld>
@@ -17065,7 +16907,7 @@
             <a:fld id="{C38F9322-B05B-4876-83A9-782F04B0A82E}" type="datetime1">
               <a:rPr lang="zh-CN" altLang="en-US" smtClean="0"/>
               <a:pPr/>
-              <a:t>2016/1/11</a:t>
+              <a:t>2016/1/12</a:t>
             </a:fld>
             <a:endParaRPr lang="zh-CN" altLang="en-US"/>
           </a:p>
@@ -17121,7 +16963,7 @@
     </p:spTree>
     <p:extLst>
       <p:ext uri="{BB962C8B-B14F-4D97-AF65-F5344CB8AC3E}">
-        <p14:creationId xmlns:p14="http://schemas.microsoft.com/office/powerpoint/2010/main" xmlns="" val="1377151352"/>
+        <p14:creationId xmlns:p14="http://schemas.microsoft.com/office/powerpoint/2010/main" val="1377151352"/>
       </p:ext>
     </p:extLst>
   </p:cSld>
@@ -17284,7 +17126,7 @@
             <a:fld id="{CCF59172-651A-49CE-9B4F-274F81EB3FA7}" type="datetime1">
               <a:rPr lang="zh-CN" altLang="en-US" smtClean="0"/>
               <a:pPr/>
-              <a:t>2016/1/11</a:t>
+              <a:t>2016/1/12</a:t>
             </a:fld>
             <a:endParaRPr lang="zh-CN" altLang="en-US"/>
           </a:p>
@@ -17376,7 +17218,7 @@
     </p:spTree>
     <p:extLst>
       <p:ext uri="{BB962C8B-B14F-4D97-AF65-F5344CB8AC3E}">
-        <p14:creationId xmlns:p14="http://schemas.microsoft.com/office/powerpoint/2010/main" xmlns="" val="2920253679"/>
+        <p14:creationId xmlns:p14="http://schemas.microsoft.com/office/powerpoint/2010/main" val="2920253679"/>
       </p:ext>
     </p:extLst>
   </p:cSld>
@@ -17730,7 +17572,7 @@
           <p:nvPr>
             <p:extLst>
               <p:ext uri="{D42A27DB-BD31-4B8C-83A1-F6EECF244321}">
-                <p14:modId xmlns:p14="http://schemas.microsoft.com/office/powerpoint/2010/main" xmlns="" val="3178934926"/>
+                <p14:modId xmlns:p14="http://schemas.microsoft.com/office/powerpoint/2010/main" val="3178934926"/>
               </p:ext>
             </p:extLst>
           </p:nvPr>
@@ -17745,63 +17587,10 @@
           </a:graphicData>
         </a:graphic>
       </p:graphicFrame>
-      <p:sp>
-        <p:nvSpPr>
-          <p:cNvPr id="6" name="标题 1"/>
-          <p:cNvSpPr txBox="1">
-            <a:spLocks/>
-          </p:cNvSpPr>
-          <p:nvPr/>
-        </p:nvSpPr>
-        <p:spPr>
-          <a:xfrm>
-            <a:off x="753291" y="5111299"/>
-            <a:ext cx="1676400" cy="732152"/>
-          </a:xfrm>
-          <a:prstGeom prst="rect">
-            <a:avLst/>
-          </a:prstGeom>
-        </p:spPr>
-        <p:txBody>
-          <a:bodyPr vert="horz" lIns="91440" tIns="45720" rIns="91440" bIns="45720" rtlCol="0" anchor="b">
-            <a:normAutofit fontScale="77500" lnSpcReduction="20000"/>
-          </a:bodyPr>
-          <a:lstStyle>
-            <a:lvl1pPr algn="ctr" defTabSz="914400" rtl="0" eaLnBrk="1" latinLnBrk="0" hangingPunct="1">
-              <a:lnSpc>
-                <a:spcPct val="90000"/>
-              </a:lnSpc>
-              <a:spcBef>
-                <a:spcPct val="0"/>
-              </a:spcBef>
-              <a:buNone/>
-              <a:defRPr sz="6000" kern="1200">
-                <a:solidFill>
-                  <a:schemeClr val="tx1"/>
-                </a:solidFill>
-                <a:latin typeface="+mj-lt"/>
-                <a:ea typeface="+mj-ea"/>
-                <a:cs typeface="+mj-cs"/>
-              </a:defRPr>
-            </a:lvl1pPr>
-          </a:lstStyle>
-          <a:p>
-            <a:pPr marL="571500" indent="-571500" algn="l">
-              <a:buFont typeface="Wingdings" panose="05000000000000000000" pitchFamily="2" charset="2"/>
-              <a:buChar char="l"/>
-            </a:pPr>
-            <a:r>
-              <a:rPr lang="en-US" altLang="zh-CN" sz="3600" dirty="0" smtClean="0"/>
-              <a:t>Demo</a:t>
-            </a:r>
-            <a:endParaRPr lang="zh-CN" altLang="en-US" sz="3600" dirty="0"/>
-          </a:p>
-        </p:txBody>
-      </p:sp>
     </p:spTree>
     <p:extLst>
       <p:ext uri="{BB962C8B-B14F-4D97-AF65-F5344CB8AC3E}">
-        <p14:creationId xmlns:p14="http://schemas.microsoft.com/office/powerpoint/2010/main" xmlns="" val="4174816406"/>
+        <p14:creationId xmlns:p14="http://schemas.microsoft.com/office/powerpoint/2010/main" val="4174816406"/>
       </p:ext>
     </p:extLst>
   </p:cSld>
@@ -17920,7 +17709,7 @@
             <p:ph idx="1"/>
             <p:extLst>
               <p:ext uri="{D42A27DB-BD31-4B8C-83A1-F6EECF244321}">
-                <p14:modId xmlns:p14="http://schemas.microsoft.com/office/powerpoint/2010/main" xmlns="" val="4065712132"/>
+                <p14:modId xmlns:p14="http://schemas.microsoft.com/office/powerpoint/2010/main" val="4065712132"/>
               </p:ext>
             </p:extLst>
           </p:nvPr>
@@ -17938,7 +17727,7 @@
     </p:spTree>
     <p:extLst>
       <p:ext uri="{BB962C8B-B14F-4D97-AF65-F5344CB8AC3E}">
-        <p14:creationId xmlns:p14="http://schemas.microsoft.com/office/powerpoint/2010/main" xmlns="" val="1258132720"/>
+        <p14:creationId xmlns:p14="http://schemas.microsoft.com/office/powerpoint/2010/main" val="1258132720"/>
       </p:ext>
     </p:extLst>
   </p:cSld>
@@ -18290,7 +18079,7 @@
     </p:spTree>
     <p:extLst>
       <p:ext uri="{BB962C8B-B14F-4D97-AF65-F5344CB8AC3E}">
-        <p14:creationId xmlns:p14="http://schemas.microsoft.com/office/powerpoint/2010/main" xmlns="" val="941624380"/>
+        <p14:creationId xmlns:p14="http://schemas.microsoft.com/office/powerpoint/2010/main" val="941624380"/>
       </p:ext>
     </p:extLst>
   </p:cSld>
@@ -18582,7 +18371,7 @@
     </p:spTree>
     <p:extLst>
       <p:ext uri="{BB962C8B-B14F-4D97-AF65-F5344CB8AC3E}">
-        <p14:creationId xmlns:p14="http://schemas.microsoft.com/office/powerpoint/2010/main" xmlns="" val="1246062724"/>
+        <p14:creationId xmlns:p14="http://schemas.microsoft.com/office/powerpoint/2010/main" val="1246062724"/>
       </p:ext>
     </p:extLst>
   </p:cSld>
@@ -18672,7 +18461,7 @@
     </p:spTree>
     <p:extLst>
       <p:ext uri="{BB962C8B-B14F-4D97-AF65-F5344CB8AC3E}">
-        <p14:creationId xmlns:p14="http://schemas.microsoft.com/office/powerpoint/2010/main" xmlns="" val="402662768"/>
+        <p14:creationId xmlns:p14="http://schemas.microsoft.com/office/powerpoint/2010/main" val="402662768"/>
       </p:ext>
     </p:extLst>
   </p:cSld>
@@ -19190,11 +18979,7 @@
             </a:r>
             <a:r>
               <a:rPr lang="zh-CN" altLang="en-US" dirty="0" smtClean="0"/>
-              <a:t>在被测试单元中</a:t>
-            </a:r>
-            <a:r>
-              <a:rPr lang="zh-CN" altLang="en-US" dirty="0" smtClean="0"/>
-              <a:t>注入伪对象</a:t>
+              <a:t>在被测试单元中注入伪对象</a:t>
             </a:r>
             <a:endParaRPr lang="zh-CN" altLang="en-US" dirty="0"/>
           </a:p>
@@ -19253,7 +19038,6 @@
               <a:rPr lang="en-US" altLang="zh-CN" dirty="0" smtClean="0"/>
               <a:t>Demo</a:t>
             </a:r>
-            <a:endParaRPr lang="en-US" altLang="zh-CN" dirty="0" smtClean="0"/>
           </a:p>
           <a:p>
             <a:r>
@@ -19287,7 +19071,6 @@
               <a:rPr lang="en-US" altLang="zh-CN" dirty="0" smtClean="0"/>
               <a:t>Demo</a:t>
             </a:r>
-            <a:endParaRPr lang="en-US" altLang="zh-CN" dirty="0" smtClean="0"/>
           </a:p>
           <a:p>
             <a:endParaRPr lang="en-US" altLang="zh-CN" dirty="0" smtClean="0"/>
@@ -19453,7 +19236,7 @@
     </p:spTree>
     <p:extLst>
       <p:ext uri="{BB962C8B-B14F-4D97-AF65-F5344CB8AC3E}">
-        <p14:creationId xmlns:p14="http://schemas.microsoft.com/office/powerpoint/2010/main" xmlns="" val="3189830497"/>
+        <p14:creationId xmlns:p14="http://schemas.microsoft.com/office/powerpoint/2010/main" val="3189830497"/>
       </p:ext>
     </p:extLst>
   </p:cSld>
@@ -19799,7 +19582,7 @@
           <p:nvPr>
             <p:extLst>
               <p:ext uri="{D42A27DB-BD31-4B8C-83A1-F6EECF244321}">
-                <p14:modId xmlns:p14="http://schemas.microsoft.com/office/powerpoint/2010/main" xmlns="" val="973585415"/>
+                <p14:modId xmlns:p14="http://schemas.microsoft.com/office/powerpoint/2010/main" val="973585415"/>
               </p:ext>
             </p:extLst>
           </p:nvPr>
@@ -20574,7 +20357,7 @@
     </p:spTree>
     <p:extLst>
       <p:ext uri="{BB962C8B-B14F-4D97-AF65-F5344CB8AC3E}">
-        <p14:creationId xmlns:p14="http://schemas.microsoft.com/office/powerpoint/2010/main" xmlns="" val="4120100793"/>
+        <p14:creationId xmlns:p14="http://schemas.microsoft.com/office/powerpoint/2010/main" val="4120100793"/>
       </p:ext>
     </p:extLst>
   </p:cSld>
@@ -20661,7 +20444,7 @@
           <p:nvPr>
             <p:extLst>
               <p:ext uri="{D42A27DB-BD31-4B8C-83A1-F6EECF244321}">
-                <p14:modId xmlns:p14="http://schemas.microsoft.com/office/powerpoint/2010/main" xmlns="" val="1977680684"/>
+                <p14:modId xmlns:p14="http://schemas.microsoft.com/office/powerpoint/2010/main" val="1977680684"/>
               </p:ext>
             </p:extLst>
           </p:nvPr>
@@ -20721,7 +20504,7 @@
           <p:nvPr>
             <p:extLst>
               <p:ext uri="{D42A27DB-BD31-4B8C-83A1-F6EECF244321}">
-                <p14:modId xmlns:p14="http://schemas.microsoft.com/office/powerpoint/2010/main" xmlns="" val="3925052879"/>
+                <p14:modId xmlns:p14="http://schemas.microsoft.com/office/powerpoint/2010/main" val="3925052879"/>
               </p:ext>
             </p:extLst>
           </p:nvPr>
@@ -20787,7 +20570,7 @@
     </p:spTree>
     <p:extLst>
       <p:ext uri="{BB962C8B-B14F-4D97-AF65-F5344CB8AC3E}">
-        <p14:creationId xmlns:p14="http://schemas.microsoft.com/office/powerpoint/2010/main" xmlns="" val="843410372"/>
+        <p14:creationId xmlns:p14="http://schemas.microsoft.com/office/powerpoint/2010/main" val="843410372"/>
       </p:ext>
     </p:extLst>
   </p:cSld>
@@ -20887,7 +20670,7 @@
     </p:spTree>
     <p:extLst>
       <p:ext uri="{BB962C8B-B14F-4D97-AF65-F5344CB8AC3E}">
-        <p14:creationId xmlns:p14="http://schemas.microsoft.com/office/powerpoint/2010/main" xmlns="" val="1322045940"/>
+        <p14:creationId xmlns:p14="http://schemas.microsoft.com/office/powerpoint/2010/main" val="1322045940"/>
       </p:ext>
     </p:extLst>
   </p:cSld>
@@ -20979,7 +20762,7 @@
     </p:spTree>
     <p:extLst>
       <p:ext uri="{BB962C8B-B14F-4D97-AF65-F5344CB8AC3E}">
-        <p14:creationId xmlns:p14="http://schemas.microsoft.com/office/powerpoint/2010/main" xmlns="" val="3738519081"/>
+        <p14:creationId xmlns:p14="http://schemas.microsoft.com/office/powerpoint/2010/main" val="3738519081"/>
       </p:ext>
     </p:extLst>
   </p:cSld>
@@ -21169,7 +20952,7 @@
     </p:spTree>
     <p:extLst>
       <p:ext uri="{BB962C8B-B14F-4D97-AF65-F5344CB8AC3E}">
-        <p14:creationId xmlns:p14="http://schemas.microsoft.com/office/powerpoint/2010/main" xmlns="" val="2353156051"/>
+        <p14:creationId xmlns:p14="http://schemas.microsoft.com/office/powerpoint/2010/main" val="2353156051"/>
       </p:ext>
     </p:extLst>
   </p:cSld>
@@ -21251,7 +21034,7 @@
             <p:ph idx="1"/>
             <p:extLst>
               <p:ext uri="{D42A27DB-BD31-4B8C-83A1-F6EECF244321}">
-                <p14:modId xmlns:p14="http://schemas.microsoft.com/office/powerpoint/2010/main" xmlns="" val="4268596295"/>
+                <p14:modId xmlns:p14="http://schemas.microsoft.com/office/powerpoint/2010/main" val="4268596295"/>
               </p:ext>
             </p:extLst>
           </p:nvPr>
@@ -21316,7 +21099,7 @@
     </p:spTree>
     <p:extLst>
       <p:ext uri="{BB962C8B-B14F-4D97-AF65-F5344CB8AC3E}">
-        <p14:creationId xmlns:p14="http://schemas.microsoft.com/office/powerpoint/2010/main" xmlns="" val="1408319310"/>
+        <p14:creationId xmlns:p14="http://schemas.microsoft.com/office/powerpoint/2010/main" val="1408319310"/>
       </p:ext>
     </p:extLst>
   </p:cSld>
@@ -21414,7 +21197,7 @@
           <a:blip r:embed="rId2">
             <a:extLst>
               <a:ext uri="{28A0092B-C50C-407E-A947-70E740481C1C}">
-                <a14:useLocalDpi xmlns:a14="http://schemas.microsoft.com/office/drawing/2010/main" xmlns="" val="0"/>
+                <a14:useLocalDpi xmlns:a14="http://schemas.microsoft.com/office/drawing/2010/main" val="0"/>
               </a:ext>
             </a:extLst>
           </a:blip>
@@ -21435,7 +21218,7 @@
     </p:spTree>
     <p:extLst>
       <p:ext uri="{BB962C8B-B14F-4D97-AF65-F5344CB8AC3E}">
-        <p14:creationId xmlns:p14="http://schemas.microsoft.com/office/powerpoint/2010/main" xmlns="" val="4265376992"/>
+        <p14:creationId xmlns:p14="http://schemas.microsoft.com/office/powerpoint/2010/main" val="4265376992"/>
       </p:ext>
     </p:extLst>
   </p:cSld>
@@ -21533,7 +21316,7 @@
           <a:blip r:embed="rId2">
             <a:extLst>
               <a:ext uri="{28A0092B-C50C-407E-A947-70E740481C1C}">
-                <a14:useLocalDpi xmlns:a14="http://schemas.microsoft.com/office/drawing/2010/main" xmlns="" val="0"/>
+                <a14:useLocalDpi xmlns:a14="http://schemas.microsoft.com/office/drawing/2010/main" val="0"/>
               </a:ext>
             </a:extLst>
           </a:blip>
@@ -21554,7 +21337,7 @@
     </p:spTree>
     <p:extLst>
       <p:ext uri="{BB962C8B-B14F-4D97-AF65-F5344CB8AC3E}">
-        <p14:creationId xmlns:p14="http://schemas.microsoft.com/office/powerpoint/2010/main" xmlns="" val="2911620675"/>
+        <p14:creationId xmlns:p14="http://schemas.microsoft.com/office/powerpoint/2010/main" val="2911620675"/>
       </p:ext>
     </p:extLst>
   </p:cSld>
@@ -21651,7 +21434,7 @@
           <a:blip r:embed="rId2">
             <a:extLst>
               <a:ext uri="{28A0092B-C50C-407E-A947-70E740481C1C}">
-                <a14:useLocalDpi xmlns:a14="http://schemas.microsoft.com/office/drawing/2010/main" xmlns="" val="0"/>
+                <a14:useLocalDpi xmlns:a14="http://schemas.microsoft.com/office/drawing/2010/main" val="0"/>
               </a:ext>
             </a:extLst>
           </a:blip>
@@ -21672,7 +21455,7 @@
     </p:spTree>
     <p:extLst>
       <p:ext uri="{BB962C8B-B14F-4D97-AF65-F5344CB8AC3E}">
-        <p14:creationId xmlns:p14="http://schemas.microsoft.com/office/powerpoint/2010/main" xmlns="" val="1639528390"/>
+        <p14:creationId xmlns:p14="http://schemas.microsoft.com/office/powerpoint/2010/main" val="1639528390"/>
       </p:ext>
     </p:extLst>
   </p:cSld>
@@ -21769,7 +21552,7 @@
           <a:blip r:embed="rId2">
             <a:extLst>
               <a:ext uri="{28A0092B-C50C-407E-A947-70E740481C1C}">
-                <a14:useLocalDpi xmlns:a14="http://schemas.microsoft.com/office/drawing/2010/main" xmlns="" val="0"/>
+                <a14:useLocalDpi xmlns:a14="http://schemas.microsoft.com/office/drawing/2010/main" val="0"/>
               </a:ext>
             </a:extLst>
           </a:blip>
@@ -21790,7 +21573,7 @@
     </p:spTree>
     <p:extLst>
       <p:ext uri="{BB962C8B-B14F-4D97-AF65-F5344CB8AC3E}">
-        <p14:creationId xmlns:p14="http://schemas.microsoft.com/office/powerpoint/2010/main" xmlns="" val="1541191744"/>
+        <p14:creationId xmlns:p14="http://schemas.microsoft.com/office/powerpoint/2010/main" val="1541191744"/>
       </p:ext>
     </p:extLst>
   </p:cSld>
@@ -21862,7 +21645,7 @@
             <p:ph idx="1"/>
             <p:extLst>
               <p:ext uri="{D42A27DB-BD31-4B8C-83A1-F6EECF244321}">
-                <p14:modId xmlns:p14="http://schemas.microsoft.com/office/powerpoint/2010/main" xmlns="" val="4004654259"/>
+                <p14:modId xmlns:p14="http://schemas.microsoft.com/office/powerpoint/2010/main" val="4004654259"/>
               </p:ext>
             </p:extLst>
           </p:nvPr>
@@ -22196,7 +21979,7 @@
     </p:spTree>
     <p:extLst>
       <p:ext uri="{BB962C8B-B14F-4D97-AF65-F5344CB8AC3E}">
-        <p14:creationId xmlns:p14="http://schemas.microsoft.com/office/powerpoint/2010/main" xmlns="" val="3804095954"/>
+        <p14:creationId xmlns:p14="http://schemas.microsoft.com/office/powerpoint/2010/main" val="3804095954"/>
       </p:ext>
     </p:extLst>
   </p:cSld>
@@ -22393,7 +22176,7 @@
     </p:spTree>
     <p:extLst>
       <p:ext uri="{BB962C8B-B14F-4D97-AF65-F5344CB8AC3E}">
-        <p14:creationId xmlns:p14="http://schemas.microsoft.com/office/powerpoint/2010/main" xmlns="" val="3745167176"/>
+        <p14:creationId xmlns:p14="http://schemas.microsoft.com/office/powerpoint/2010/main" val="3745167176"/>
       </p:ext>
     </p:extLst>
   </p:cSld>
@@ -22506,7 +22289,7 @@
     </p:spTree>
     <p:extLst>
       <p:ext uri="{BB962C8B-B14F-4D97-AF65-F5344CB8AC3E}">
-        <p14:creationId xmlns:p14="http://schemas.microsoft.com/office/powerpoint/2010/main" xmlns="" val="3554741049"/>
+        <p14:creationId xmlns:p14="http://schemas.microsoft.com/office/powerpoint/2010/main" val="3554741049"/>
       </p:ext>
     </p:extLst>
   </p:cSld>
@@ -23291,15 +23074,7 @@
           <a:p>
             <a:r>
               <a:rPr lang="zh-CN" altLang="en-US" dirty="0" smtClean="0"/>
-              <a:t>什么是单元测试（优秀</a:t>
-            </a:r>
-            <a:r>
-              <a:rPr lang="zh-CN" altLang="en-US" dirty="0" smtClean="0"/>
-              <a:t>单元测试的</a:t>
-            </a:r>
-            <a:r>
-              <a:rPr lang="zh-CN" altLang="en-US" dirty="0" smtClean="0"/>
-              <a:t>特性）</a:t>
+              <a:t>什么是单元测试（优秀单元测试的特性）</a:t>
             </a:r>
             <a:endParaRPr lang="zh-CN" altLang="en-US" dirty="0"/>
           </a:p>
@@ -23315,7 +23090,7 @@
             <p:ph idx="1"/>
             <p:extLst>
               <p:ext uri="{D42A27DB-BD31-4B8C-83A1-F6EECF244321}">
-                <p14:modId xmlns:p14="http://schemas.microsoft.com/office/powerpoint/2010/main" xmlns="" val="2703503720"/>
+                <p14:modId xmlns:p14="http://schemas.microsoft.com/office/powerpoint/2010/main" val="2703503720"/>
               </p:ext>
             </p:extLst>
           </p:nvPr>
@@ -23380,7 +23155,7 @@
     </p:spTree>
     <p:extLst>
       <p:ext uri="{BB962C8B-B14F-4D97-AF65-F5344CB8AC3E}">
-        <p14:creationId xmlns:p14="http://schemas.microsoft.com/office/powerpoint/2010/main" xmlns="" val="2276224563"/>
+        <p14:creationId xmlns:p14="http://schemas.microsoft.com/office/powerpoint/2010/main" val="2276224563"/>
       </p:ext>
     </p:extLst>
   </p:cSld>
@@ -23601,7 +23376,7 @@
     </p:spTree>
     <p:extLst>
       <p:ext uri="{BB962C8B-B14F-4D97-AF65-F5344CB8AC3E}">
-        <p14:creationId xmlns:p14="http://schemas.microsoft.com/office/powerpoint/2010/main" xmlns="" val="3948841432"/>
+        <p14:creationId xmlns:p14="http://schemas.microsoft.com/office/powerpoint/2010/main" val="3948841432"/>
       </p:ext>
     </p:extLst>
   </p:cSld>
@@ -24168,7 +23943,7 @@
     </p:spTree>
     <p:extLst>
       <p:ext uri="{BB962C8B-B14F-4D97-AF65-F5344CB8AC3E}">
-        <p14:creationId xmlns:p14="http://schemas.microsoft.com/office/powerpoint/2010/main" xmlns="" val="250897556"/>
+        <p14:creationId xmlns:p14="http://schemas.microsoft.com/office/powerpoint/2010/main" val="250897556"/>
       </p:ext>
     </p:extLst>
   </p:cSld>
@@ -24264,22 +24039,14 @@
             </a:pPr>
             <a:r>
               <a:rPr lang="zh-CN" altLang="en-US" dirty="0" smtClean="0"/>
-              <a:t>界面</a:t>
-            </a:r>
-            <a:r>
-              <a:rPr lang="zh-CN" altLang="en-US" dirty="0" smtClean="0"/>
-              <a:t>逻辑</a:t>
+              <a:t>界面逻辑</a:t>
             </a:r>
             <a:endParaRPr lang="en-US" altLang="zh-CN" dirty="0" smtClean="0"/>
           </a:p>
           <a:p>
             <a:r>
               <a:rPr lang="zh-CN" altLang="en-US" dirty="0" smtClean="0"/>
-              <a:t>不</a:t>
-            </a:r>
-            <a:r>
-              <a:rPr lang="zh-CN" altLang="en-US" dirty="0" smtClean="0"/>
-              <a:t>测试什么</a:t>
+              <a:t>不测试什么</a:t>
             </a:r>
             <a:endParaRPr lang="en-US" altLang="zh-CN" dirty="0" smtClean="0"/>
           </a:p>
@@ -24304,11 +24071,7 @@
             </a:pPr>
             <a:r>
               <a:rPr lang="zh-CN" altLang="en-US" dirty="0" smtClean="0"/>
-              <a:t>外部</a:t>
-            </a:r>
-            <a:r>
-              <a:rPr lang="zh-CN" altLang="en-US" dirty="0" smtClean="0"/>
-              <a:t>服务</a:t>
+              <a:t>外部服务</a:t>
             </a:r>
             <a:endParaRPr lang="en-US" altLang="zh-CN" dirty="0" smtClean="0"/>
           </a:p>
@@ -24390,7 +24153,7 @@
     </p:spTree>
     <p:extLst>
       <p:ext uri="{BB962C8B-B14F-4D97-AF65-F5344CB8AC3E}">
-        <p14:creationId xmlns:p14="http://schemas.microsoft.com/office/powerpoint/2010/main" xmlns="" val="3490512329"/>
+        <p14:creationId xmlns:p14="http://schemas.microsoft.com/office/powerpoint/2010/main" val="3490512329"/>
       </p:ext>
     </p:extLst>
   </p:cSld>
@@ -24464,7 +24227,7 @@
             <p:ph idx="1"/>
             <p:extLst>
               <p:ext uri="{D42A27DB-BD31-4B8C-83A1-F6EECF244321}">
-                <p14:modId xmlns:p14="http://schemas.microsoft.com/office/powerpoint/2010/main" xmlns="" val="2935677693"/>
+                <p14:modId xmlns:p14="http://schemas.microsoft.com/office/powerpoint/2010/main" val="2935677693"/>
               </p:ext>
             </p:extLst>
           </p:nvPr>
@@ -25107,7 +24870,7 @@
     </p:spTree>
     <p:extLst>
       <p:ext uri="{BB962C8B-B14F-4D97-AF65-F5344CB8AC3E}">
-        <p14:creationId xmlns:p14="http://schemas.microsoft.com/office/powerpoint/2010/main" xmlns="" val="1025917695"/>
+        <p14:creationId xmlns:p14="http://schemas.microsoft.com/office/powerpoint/2010/main" val="1025917695"/>
       </p:ext>
     </p:extLst>
   </p:cSld>
@@ -25258,7 +25021,7 @@
           <p:nvPr>
             <p:extLst>
               <p:ext uri="{D42A27DB-BD31-4B8C-83A1-F6EECF244321}">
-                <p14:modId xmlns:p14="http://schemas.microsoft.com/office/powerpoint/2010/main" xmlns="" val="1160269705"/>
+                <p14:modId xmlns:p14="http://schemas.microsoft.com/office/powerpoint/2010/main" val="1160269705"/>
               </p:ext>
             </p:extLst>
           </p:nvPr>
@@ -25616,7 +25379,7 @@
     </p:spTree>
     <p:extLst>
       <p:ext uri="{BB962C8B-B14F-4D97-AF65-F5344CB8AC3E}">
-        <p14:creationId xmlns:p14="http://schemas.microsoft.com/office/powerpoint/2010/main" xmlns="" val="1064877064"/>
+        <p14:creationId xmlns:p14="http://schemas.microsoft.com/office/powerpoint/2010/main" val="1064877064"/>
       </p:ext>
     </p:extLst>
   </p:cSld>
@@ -25711,7 +25474,7 @@
           <p:nvPr>
             <p:extLst>
               <p:ext uri="{D42A27DB-BD31-4B8C-83A1-F6EECF244321}">
-                <p14:modId xmlns:p14="http://schemas.microsoft.com/office/powerpoint/2010/main" xmlns="" val="2532065326"/>
+                <p14:modId xmlns:p14="http://schemas.microsoft.com/office/powerpoint/2010/main" val="2532065326"/>
               </p:ext>
             </p:extLst>
           </p:nvPr>
@@ -31340,7 +31103,7 @@
     </p:spTree>
     <p:extLst>
       <p:ext uri="{BB962C8B-B14F-4D97-AF65-F5344CB8AC3E}">
-        <p14:creationId xmlns:p14="http://schemas.microsoft.com/office/powerpoint/2010/main" xmlns="" val="3525597983"/>
+        <p14:creationId xmlns:p14="http://schemas.microsoft.com/office/powerpoint/2010/main" val="3525597983"/>
       </p:ext>
     </p:extLst>
   </p:cSld>
@@ -31612,7 +31375,7 @@
   <a:extraClrSchemeLst/>
   <a:extLst>
     <a:ext uri="{05A4C25C-085E-4340-85A3-A5531E510DB2}">
-      <thm15:themeFamily xmlns:thm15="http://schemas.microsoft.com/office/thememl/2012/main" xmlns="" name="Office Theme" id="{62F939B6-93AF-4DB8-9C6B-D6C7DFDC589F}" vid="{4A3C46E8-61CC-4603-A589-7422A47A8E4A}"/>
+      <thm15:themeFamily xmlns:thm15="http://schemas.microsoft.com/office/thememl/2012/main" name="Office Theme" id="{62F939B6-93AF-4DB8-9C6B-D6C7DFDC589F}" vid="{4A3C46E8-61CC-4603-A589-7422A47A8E4A}"/>
     </a:ext>
   </a:extLst>
 </a:theme>
@@ -31873,7 +31636,7 @@
   <a:extraClrSchemeLst/>
   <a:extLst>
     <a:ext uri="{05A4C25C-085E-4340-85A3-A5531E510DB2}">
-      <thm15:themeFamily xmlns:thm15="http://schemas.microsoft.com/office/thememl/2012/main" xmlns="" name="Office Theme" id="{62F939B6-93AF-4DB8-9C6B-D6C7DFDC589F}" vid="{4A3C46E8-61CC-4603-A589-7422A47A8E4A}"/>
+      <thm15:themeFamily xmlns:thm15="http://schemas.microsoft.com/office/thememl/2012/main" name="Office Theme" id="{62F939B6-93AF-4DB8-9C6B-D6C7DFDC589F}" vid="{4A3C46E8-61CC-4603-A589-7422A47A8E4A}"/>
     </a:ext>
   </a:extLst>
 </a:theme>
@@ -32134,7 +31897,7 @@
   <a:extraClrSchemeLst/>
   <a:extLst>
     <a:ext uri="{05A4C25C-085E-4340-85A3-A5531E510DB2}">
-      <thm15:themeFamily xmlns:thm15="http://schemas.microsoft.com/office/thememl/2012/main" xmlns="" name="Office Theme" id="{62F939B6-93AF-4DB8-9C6B-D6C7DFDC589F}" vid="{4A3C46E8-61CC-4603-A589-7422A47A8E4A}"/>
+      <thm15:themeFamily xmlns:thm15="http://schemas.microsoft.com/office/thememl/2012/main" name="Office Theme" id="{62F939B6-93AF-4DB8-9C6B-D6C7DFDC589F}" vid="{4A3C46E8-61CC-4603-A589-7422A47A8E4A}"/>
     </a:ext>
   </a:extLst>
 </a:theme>

--- a/MyUnitTest/Document/单元测试.pptx
+++ b/MyUnitTest/Document/单元测试.pptx
@@ -360,7 +360,7 @@
                     <a:cs typeface="+mn-cs"/>
                   </a:defRPr>
                 </a:pPr>
-                <a:endParaRPr lang="zh-CN"/>
+                <a:endParaRPr lang="en-US"/>
               </a:p>
             </c:txPr>
             <c:showLegendKey val="0"/>
@@ -500,7 +500,7 @@
       <a:pPr>
         <a:defRPr sz="1800"/>
       </a:pPr>
-      <a:endParaRPr lang="zh-CN"/>
+      <a:endParaRPr lang="en-US"/>
     </a:p>
   </c:txPr>
   <c:externalData r:id="rId3">
@@ -577,7 +577,7 @@
               <a:cs typeface="+mn-cs"/>
             </a:defRPr>
           </a:pPr>
-          <a:endParaRPr lang="zh-CN"/>
+          <a:endParaRPr lang="en-US"/>
         </a:p>
       </c:txPr>
     </c:title>
@@ -708,7 +708,7 @@
                     <a:cs typeface="+mn-cs"/>
                   </a:defRPr>
                 </a:pPr>
-                <a:endParaRPr lang="zh-CN"/>
+                <a:endParaRPr lang="en-US"/>
               </a:p>
             </c:txPr>
             <c:showLegendKey val="0"/>
@@ -817,7 +817,7 @@
       <a:pPr>
         <a:defRPr sz="1800"/>
       </a:pPr>
-      <a:endParaRPr lang="zh-CN"/>
+      <a:endParaRPr lang="en-US"/>
     </a:p>
   </c:txPr>
   <c:externalData r:id="rId3">
@@ -6844,960 +6844,6 @@
       <dsp:cNvGrpSpPr/>
     </dsp:nvGrpSpPr>
     <dsp:grpSpPr/>
-    <dsp:sp modelId="{13F417B4-B05C-4E01-97BE-8FE5B4DFFBCD}">
-      <dsp:nvSpPr>
-        <dsp:cNvPr id="0" name=""/>
-        <dsp:cNvSpPr/>
-      </dsp:nvSpPr>
-      <dsp:spPr>
-        <a:xfrm>
-          <a:off x="0" y="6265"/>
-          <a:ext cx="10515600" cy="477945"/>
-        </a:xfrm>
-        <a:prstGeom prst="roundRect">
-          <a:avLst/>
-        </a:prstGeom>
-        <a:gradFill rotWithShape="0">
-          <a:gsLst>
-            <a:gs pos="0">
-              <a:schemeClr val="lt1">
-                <a:hueOff val="0"/>
-                <a:satOff val="0"/>
-                <a:lumOff val="0"/>
-                <a:alphaOff val="0"/>
-                <a:lumMod val="110000"/>
-                <a:satMod val="105000"/>
-                <a:tint val="67000"/>
-              </a:schemeClr>
-            </a:gs>
-            <a:gs pos="50000">
-              <a:schemeClr val="lt1">
-                <a:hueOff val="0"/>
-                <a:satOff val="0"/>
-                <a:lumOff val="0"/>
-                <a:alphaOff val="0"/>
-                <a:lumMod val="105000"/>
-                <a:satMod val="103000"/>
-                <a:tint val="73000"/>
-              </a:schemeClr>
-            </a:gs>
-            <a:gs pos="100000">
-              <a:schemeClr val="lt1">
-                <a:hueOff val="0"/>
-                <a:satOff val="0"/>
-                <a:lumOff val="0"/>
-                <a:alphaOff val="0"/>
-                <a:lumMod val="105000"/>
-                <a:satMod val="109000"/>
-                <a:tint val="81000"/>
-              </a:schemeClr>
-            </a:gs>
-          </a:gsLst>
-          <a:lin ang="5400000" scaled="0"/>
-        </a:gradFill>
-        <a:ln>
-          <a:noFill/>
-        </a:ln>
-        <a:effectLst/>
-        <a:scene3d>
-          <a:camera prst="orthographicFront"/>
-          <a:lightRig rig="flat" dir="t"/>
-        </a:scene3d>
-        <a:sp3d prstMaterial="dkEdge">
-          <a:bevelT w="8200" h="38100"/>
-        </a:sp3d>
-      </dsp:spPr>
-      <dsp:style>
-        <a:lnRef idx="0">
-          <a:scrgbClr r="0" g="0" b="0"/>
-        </a:lnRef>
-        <a:fillRef idx="2">
-          <a:scrgbClr r="0" g="0" b="0"/>
-        </a:fillRef>
-        <a:effectRef idx="1">
-          <a:scrgbClr r="0" g="0" b="0"/>
-        </a:effectRef>
-        <a:fontRef idx="minor">
-          <a:schemeClr val="dk1"/>
-        </a:fontRef>
-      </dsp:style>
-      <dsp:txBody>
-        <a:bodyPr spcFirstLastPara="0" vert="horz" wrap="square" lIns="72390" tIns="72390" rIns="72390" bIns="72390" numCol="1" spcCol="1270" anchor="ctr" anchorCtr="0">
-          <a:noAutofit/>
-        </a:bodyPr>
-        <a:lstStyle/>
-        <a:p>
-          <a:pPr lvl="0" algn="l" defTabSz="844550" rtl="0">
-            <a:lnSpc>
-              <a:spcPct val="90000"/>
-            </a:lnSpc>
-            <a:spcBef>
-              <a:spcPct val="0"/>
-            </a:spcBef>
-            <a:spcAft>
-              <a:spcPct val="35000"/>
-            </a:spcAft>
-          </a:pPr>
-          <a:r>
-            <a:rPr lang="zh-CN" sz="1900" kern="1200" dirty="0" smtClean="0"/>
-            <a:t>自动化的，可重复执行</a:t>
-          </a:r>
-          <a:endParaRPr lang="zh-CN" sz="1900" kern="1200" dirty="0"/>
-        </a:p>
-      </dsp:txBody>
-      <dsp:txXfrm>
-        <a:off x="23331" y="29596"/>
-        <a:ext cx="10468938" cy="431283"/>
-      </dsp:txXfrm>
-    </dsp:sp>
-    <dsp:sp modelId="{12FC72C9-6B4F-44FD-AAF7-0FD013F53B0D}">
-      <dsp:nvSpPr>
-        <dsp:cNvPr id="0" name=""/>
-        <dsp:cNvSpPr/>
-      </dsp:nvSpPr>
-      <dsp:spPr>
-        <a:xfrm>
-          <a:off x="0" y="538930"/>
-          <a:ext cx="10515600" cy="477945"/>
-        </a:xfrm>
-        <a:prstGeom prst="roundRect">
-          <a:avLst/>
-        </a:prstGeom>
-        <a:gradFill rotWithShape="0">
-          <a:gsLst>
-            <a:gs pos="0">
-              <a:schemeClr val="lt1">
-                <a:hueOff val="0"/>
-                <a:satOff val="0"/>
-                <a:lumOff val="0"/>
-                <a:alphaOff val="0"/>
-                <a:lumMod val="110000"/>
-                <a:satMod val="105000"/>
-                <a:tint val="67000"/>
-              </a:schemeClr>
-            </a:gs>
-            <a:gs pos="50000">
-              <a:schemeClr val="lt1">
-                <a:hueOff val="0"/>
-                <a:satOff val="0"/>
-                <a:lumOff val="0"/>
-                <a:alphaOff val="0"/>
-                <a:lumMod val="105000"/>
-                <a:satMod val="103000"/>
-                <a:tint val="73000"/>
-              </a:schemeClr>
-            </a:gs>
-            <a:gs pos="100000">
-              <a:schemeClr val="lt1">
-                <a:hueOff val="0"/>
-                <a:satOff val="0"/>
-                <a:lumOff val="0"/>
-                <a:alphaOff val="0"/>
-                <a:lumMod val="105000"/>
-                <a:satMod val="109000"/>
-                <a:tint val="81000"/>
-              </a:schemeClr>
-            </a:gs>
-          </a:gsLst>
-          <a:lin ang="5400000" scaled="0"/>
-        </a:gradFill>
-        <a:ln>
-          <a:noFill/>
-        </a:ln>
-        <a:effectLst/>
-        <a:scene3d>
-          <a:camera prst="orthographicFront"/>
-          <a:lightRig rig="flat" dir="t"/>
-        </a:scene3d>
-        <a:sp3d prstMaterial="dkEdge">
-          <a:bevelT w="8200" h="38100"/>
-        </a:sp3d>
-      </dsp:spPr>
-      <dsp:style>
-        <a:lnRef idx="0">
-          <a:scrgbClr r="0" g="0" b="0"/>
-        </a:lnRef>
-        <a:fillRef idx="2">
-          <a:scrgbClr r="0" g="0" b="0"/>
-        </a:fillRef>
-        <a:effectRef idx="1">
-          <a:scrgbClr r="0" g="0" b="0"/>
-        </a:effectRef>
-        <a:fontRef idx="minor">
-          <a:schemeClr val="dk1"/>
-        </a:fontRef>
-      </dsp:style>
-      <dsp:txBody>
-        <a:bodyPr spcFirstLastPara="0" vert="horz" wrap="square" lIns="72390" tIns="72390" rIns="72390" bIns="72390" numCol="1" spcCol="1270" anchor="ctr" anchorCtr="0">
-          <a:noAutofit/>
-        </a:bodyPr>
-        <a:lstStyle/>
-        <a:p>
-          <a:pPr lvl="0" algn="l" defTabSz="844550" rtl="0">
-            <a:lnSpc>
-              <a:spcPct val="90000"/>
-            </a:lnSpc>
-            <a:spcBef>
-              <a:spcPct val="0"/>
-            </a:spcBef>
-            <a:spcAft>
-              <a:spcPct val="35000"/>
-            </a:spcAft>
-          </a:pPr>
-          <a:r>
-            <a:rPr lang="zh-CN" sz="1900" kern="1200" smtClean="0"/>
-            <a:t>很容易实现（几分钟内写出一个基本的测试）</a:t>
-          </a:r>
-          <a:endParaRPr lang="zh-CN" sz="1900" kern="1200"/>
-        </a:p>
-      </dsp:txBody>
-      <dsp:txXfrm>
-        <a:off x="23331" y="562261"/>
-        <a:ext cx="10468938" cy="431283"/>
-      </dsp:txXfrm>
-    </dsp:sp>
-    <dsp:sp modelId="{D0A8B1D7-2CF4-4572-8692-C4DFE295E73A}">
-      <dsp:nvSpPr>
-        <dsp:cNvPr id="0" name=""/>
-        <dsp:cNvSpPr/>
-      </dsp:nvSpPr>
-      <dsp:spPr>
-        <a:xfrm>
-          <a:off x="0" y="1071595"/>
-          <a:ext cx="10515600" cy="477945"/>
-        </a:xfrm>
-        <a:prstGeom prst="roundRect">
-          <a:avLst/>
-        </a:prstGeom>
-        <a:gradFill rotWithShape="0">
-          <a:gsLst>
-            <a:gs pos="0">
-              <a:schemeClr val="lt1">
-                <a:hueOff val="0"/>
-                <a:satOff val="0"/>
-                <a:lumOff val="0"/>
-                <a:alphaOff val="0"/>
-                <a:lumMod val="110000"/>
-                <a:satMod val="105000"/>
-                <a:tint val="67000"/>
-              </a:schemeClr>
-            </a:gs>
-            <a:gs pos="50000">
-              <a:schemeClr val="lt1">
-                <a:hueOff val="0"/>
-                <a:satOff val="0"/>
-                <a:lumOff val="0"/>
-                <a:alphaOff val="0"/>
-                <a:lumMod val="105000"/>
-                <a:satMod val="103000"/>
-                <a:tint val="73000"/>
-              </a:schemeClr>
-            </a:gs>
-            <a:gs pos="100000">
-              <a:schemeClr val="lt1">
-                <a:hueOff val="0"/>
-                <a:satOff val="0"/>
-                <a:lumOff val="0"/>
-                <a:alphaOff val="0"/>
-                <a:lumMod val="105000"/>
-                <a:satMod val="109000"/>
-                <a:tint val="81000"/>
-              </a:schemeClr>
-            </a:gs>
-          </a:gsLst>
-          <a:lin ang="5400000" scaled="0"/>
-        </a:gradFill>
-        <a:ln>
-          <a:noFill/>
-        </a:ln>
-        <a:effectLst/>
-        <a:scene3d>
-          <a:camera prst="orthographicFront"/>
-          <a:lightRig rig="flat" dir="t"/>
-        </a:scene3d>
-        <a:sp3d prstMaterial="dkEdge">
-          <a:bevelT w="8200" h="38100"/>
-        </a:sp3d>
-      </dsp:spPr>
-      <dsp:style>
-        <a:lnRef idx="0">
-          <a:scrgbClr r="0" g="0" b="0"/>
-        </a:lnRef>
-        <a:fillRef idx="2">
-          <a:scrgbClr r="0" g="0" b="0"/>
-        </a:fillRef>
-        <a:effectRef idx="1">
-          <a:scrgbClr r="0" g="0" b="0"/>
-        </a:effectRef>
-        <a:fontRef idx="minor">
-          <a:schemeClr val="dk1"/>
-        </a:fontRef>
-      </dsp:style>
-      <dsp:txBody>
-        <a:bodyPr spcFirstLastPara="0" vert="horz" wrap="square" lIns="72390" tIns="72390" rIns="72390" bIns="72390" numCol="1" spcCol="1270" anchor="ctr" anchorCtr="0">
-          <a:noAutofit/>
-        </a:bodyPr>
-        <a:lstStyle/>
-        <a:p>
-          <a:pPr lvl="0" algn="l" defTabSz="844550" rtl="0">
-            <a:lnSpc>
-              <a:spcPct val="90000"/>
-            </a:lnSpc>
-            <a:spcBef>
-              <a:spcPct val="0"/>
-            </a:spcBef>
-            <a:spcAft>
-              <a:spcPct val="35000"/>
-            </a:spcAft>
-          </a:pPr>
-          <a:r>
-            <a:rPr lang="zh-CN" sz="1900" kern="1200" smtClean="0"/>
-            <a:t>第二天还有意义（很久以后，仍然能够运行并得到结果）</a:t>
-          </a:r>
-          <a:endParaRPr lang="zh-CN" sz="1900" kern="1200"/>
-        </a:p>
-      </dsp:txBody>
-      <dsp:txXfrm>
-        <a:off x="23331" y="1094926"/>
-        <a:ext cx="10468938" cy="431283"/>
-      </dsp:txXfrm>
-    </dsp:sp>
-    <dsp:sp modelId="{8126ED31-E1DA-4192-8C3B-F326AD00D33D}">
-      <dsp:nvSpPr>
-        <dsp:cNvPr id="0" name=""/>
-        <dsp:cNvSpPr/>
-      </dsp:nvSpPr>
-      <dsp:spPr>
-        <a:xfrm>
-          <a:off x="0" y="1604260"/>
-          <a:ext cx="10515600" cy="477945"/>
-        </a:xfrm>
-        <a:prstGeom prst="roundRect">
-          <a:avLst/>
-        </a:prstGeom>
-        <a:gradFill rotWithShape="0">
-          <a:gsLst>
-            <a:gs pos="0">
-              <a:schemeClr val="lt1">
-                <a:hueOff val="0"/>
-                <a:satOff val="0"/>
-                <a:lumOff val="0"/>
-                <a:alphaOff val="0"/>
-                <a:lumMod val="110000"/>
-                <a:satMod val="105000"/>
-                <a:tint val="67000"/>
-              </a:schemeClr>
-            </a:gs>
-            <a:gs pos="50000">
-              <a:schemeClr val="lt1">
-                <a:hueOff val="0"/>
-                <a:satOff val="0"/>
-                <a:lumOff val="0"/>
-                <a:alphaOff val="0"/>
-                <a:lumMod val="105000"/>
-                <a:satMod val="103000"/>
-                <a:tint val="73000"/>
-              </a:schemeClr>
-            </a:gs>
-            <a:gs pos="100000">
-              <a:schemeClr val="lt1">
-                <a:hueOff val="0"/>
-                <a:satOff val="0"/>
-                <a:lumOff val="0"/>
-                <a:alphaOff val="0"/>
-                <a:lumMod val="105000"/>
-                <a:satMod val="109000"/>
-                <a:tint val="81000"/>
-              </a:schemeClr>
-            </a:gs>
-          </a:gsLst>
-          <a:lin ang="5400000" scaled="0"/>
-        </a:gradFill>
-        <a:ln>
-          <a:noFill/>
-        </a:ln>
-        <a:effectLst/>
-        <a:scene3d>
-          <a:camera prst="orthographicFront"/>
-          <a:lightRig rig="flat" dir="t"/>
-        </a:scene3d>
-        <a:sp3d prstMaterial="dkEdge">
-          <a:bevelT w="8200" h="38100"/>
-        </a:sp3d>
-      </dsp:spPr>
-      <dsp:style>
-        <a:lnRef idx="0">
-          <a:scrgbClr r="0" g="0" b="0"/>
-        </a:lnRef>
-        <a:fillRef idx="2">
-          <a:scrgbClr r="0" g="0" b="0"/>
-        </a:fillRef>
-        <a:effectRef idx="1">
-          <a:scrgbClr r="0" g="0" b="0"/>
-        </a:effectRef>
-        <a:fontRef idx="minor">
-          <a:schemeClr val="dk1"/>
-        </a:fontRef>
-      </dsp:style>
-      <dsp:txBody>
-        <a:bodyPr spcFirstLastPara="0" vert="horz" wrap="square" lIns="72390" tIns="72390" rIns="72390" bIns="72390" numCol="1" spcCol="1270" anchor="ctr" anchorCtr="0">
-          <a:noAutofit/>
-        </a:bodyPr>
-        <a:lstStyle/>
-        <a:p>
-          <a:pPr lvl="0" algn="l" defTabSz="844550" rtl="0">
-            <a:lnSpc>
-              <a:spcPct val="90000"/>
-            </a:lnSpc>
-            <a:spcBef>
-              <a:spcPct val="0"/>
-            </a:spcBef>
-            <a:spcAft>
-              <a:spcPct val="35000"/>
-            </a:spcAft>
-          </a:pPr>
-          <a:r>
-            <a:rPr lang="zh-CN" sz="1900" kern="1200" smtClean="0"/>
-            <a:t>任何人都能一键运行</a:t>
-          </a:r>
-          <a:endParaRPr lang="zh-CN" sz="1900" kern="1200"/>
-        </a:p>
-      </dsp:txBody>
-      <dsp:txXfrm>
-        <a:off x="23331" y="1627591"/>
-        <a:ext cx="10468938" cy="431283"/>
-      </dsp:txXfrm>
-    </dsp:sp>
-    <dsp:sp modelId="{4C8F5D48-64D7-4B34-8B11-EAF3BA0D16F7}">
-      <dsp:nvSpPr>
-        <dsp:cNvPr id="0" name=""/>
-        <dsp:cNvSpPr/>
-      </dsp:nvSpPr>
-      <dsp:spPr>
-        <a:xfrm>
-          <a:off x="0" y="2136925"/>
-          <a:ext cx="10515600" cy="477945"/>
-        </a:xfrm>
-        <a:prstGeom prst="roundRect">
-          <a:avLst/>
-        </a:prstGeom>
-        <a:gradFill rotWithShape="0">
-          <a:gsLst>
-            <a:gs pos="0">
-              <a:schemeClr val="lt1">
-                <a:hueOff val="0"/>
-                <a:satOff val="0"/>
-                <a:lumOff val="0"/>
-                <a:alphaOff val="0"/>
-                <a:lumMod val="110000"/>
-                <a:satMod val="105000"/>
-                <a:tint val="67000"/>
-              </a:schemeClr>
-            </a:gs>
-            <a:gs pos="50000">
-              <a:schemeClr val="lt1">
-                <a:hueOff val="0"/>
-                <a:satOff val="0"/>
-                <a:lumOff val="0"/>
-                <a:alphaOff val="0"/>
-                <a:lumMod val="105000"/>
-                <a:satMod val="103000"/>
-                <a:tint val="73000"/>
-              </a:schemeClr>
-            </a:gs>
-            <a:gs pos="100000">
-              <a:schemeClr val="lt1">
-                <a:hueOff val="0"/>
-                <a:satOff val="0"/>
-                <a:lumOff val="0"/>
-                <a:alphaOff val="0"/>
-                <a:lumMod val="105000"/>
-                <a:satMod val="109000"/>
-                <a:tint val="81000"/>
-              </a:schemeClr>
-            </a:gs>
-          </a:gsLst>
-          <a:lin ang="5400000" scaled="0"/>
-        </a:gradFill>
-        <a:ln>
-          <a:noFill/>
-        </a:ln>
-        <a:effectLst/>
-        <a:scene3d>
-          <a:camera prst="orthographicFront"/>
-          <a:lightRig rig="flat" dir="t"/>
-        </a:scene3d>
-        <a:sp3d prstMaterial="dkEdge">
-          <a:bevelT w="8200" h="38100"/>
-        </a:sp3d>
-      </dsp:spPr>
-      <dsp:style>
-        <a:lnRef idx="0">
-          <a:scrgbClr r="0" g="0" b="0"/>
-        </a:lnRef>
-        <a:fillRef idx="2">
-          <a:scrgbClr r="0" g="0" b="0"/>
-        </a:fillRef>
-        <a:effectRef idx="1">
-          <a:scrgbClr r="0" g="0" b="0"/>
-        </a:effectRef>
-        <a:fontRef idx="minor">
-          <a:schemeClr val="dk1"/>
-        </a:fontRef>
-      </dsp:style>
-      <dsp:txBody>
-        <a:bodyPr spcFirstLastPara="0" vert="horz" wrap="square" lIns="72390" tIns="72390" rIns="72390" bIns="72390" numCol="1" spcCol="1270" anchor="ctr" anchorCtr="0">
-          <a:noAutofit/>
-        </a:bodyPr>
-        <a:lstStyle/>
-        <a:p>
-          <a:pPr lvl="0" algn="l" defTabSz="844550" rtl="0">
-            <a:lnSpc>
-              <a:spcPct val="90000"/>
-            </a:lnSpc>
-            <a:spcBef>
-              <a:spcPct val="0"/>
-            </a:spcBef>
-            <a:spcAft>
-              <a:spcPct val="35000"/>
-            </a:spcAft>
-          </a:pPr>
-          <a:r>
-            <a:rPr lang="zh-CN" sz="1900" kern="1200" smtClean="0"/>
-            <a:t>运行速度很快（几分钟跑完所有的测试）</a:t>
-          </a:r>
-          <a:endParaRPr lang="zh-CN" sz="1900" kern="1200"/>
-        </a:p>
-      </dsp:txBody>
-      <dsp:txXfrm>
-        <a:off x="23331" y="2160256"/>
-        <a:ext cx="10468938" cy="431283"/>
-      </dsp:txXfrm>
-    </dsp:sp>
-    <dsp:sp modelId="{A0016F7E-A614-4BF7-9E9C-74526837614C}">
-      <dsp:nvSpPr>
-        <dsp:cNvPr id="0" name=""/>
-        <dsp:cNvSpPr/>
-      </dsp:nvSpPr>
-      <dsp:spPr>
-        <a:xfrm>
-          <a:off x="0" y="2669590"/>
-          <a:ext cx="10515600" cy="477945"/>
-        </a:xfrm>
-        <a:prstGeom prst="roundRect">
-          <a:avLst/>
-        </a:prstGeom>
-        <a:gradFill rotWithShape="0">
-          <a:gsLst>
-            <a:gs pos="0">
-              <a:schemeClr val="lt1">
-                <a:hueOff val="0"/>
-                <a:satOff val="0"/>
-                <a:lumOff val="0"/>
-                <a:alphaOff val="0"/>
-                <a:lumMod val="110000"/>
-                <a:satMod val="105000"/>
-                <a:tint val="67000"/>
-              </a:schemeClr>
-            </a:gs>
-            <a:gs pos="50000">
-              <a:schemeClr val="lt1">
-                <a:hueOff val="0"/>
-                <a:satOff val="0"/>
-                <a:lumOff val="0"/>
-                <a:alphaOff val="0"/>
-                <a:lumMod val="105000"/>
-                <a:satMod val="103000"/>
-                <a:tint val="73000"/>
-              </a:schemeClr>
-            </a:gs>
-            <a:gs pos="100000">
-              <a:schemeClr val="lt1">
-                <a:hueOff val="0"/>
-                <a:satOff val="0"/>
-                <a:lumOff val="0"/>
-                <a:alphaOff val="0"/>
-                <a:lumMod val="105000"/>
-                <a:satMod val="109000"/>
-                <a:tint val="81000"/>
-              </a:schemeClr>
-            </a:gs>
-          </a:gsLst>
-          <a:lin ang="5400000" scaled="0"/>
-        </a:gradFill>
-        <a:ln>
-          <a:noFill/>
-        </a:ln>
-        <a:effectLst/>
-        <a:scene3d>
-          <a:camera prst="orthographicFront"/>
-          <a:lightRig rig="flat" dir="t"/>
-        </a:scene3d>
-        <a:sp3d prstMaterial="dkEdge">
-          <a:bevelT w="8200" h="38100"/>
-        </a:sp3d>
-      </dsp:spPr>
-      <dsp:style>
-        <a:lnRef idx="0">
-          <a:scrgbClr r="0" g="0" b="0"/>
-        </a:lnRef>
-        <a:fillRef idx="2">
-          <a:scrgbClr r="0" g="0" b="0"/>
-        </a:fillRef>
-        <a:effectRef idx="1">
-          <a:scrgbClr r="0" g="0" b="0"/>
-        </a:effectRef>
-        <a:fontRef idx="minor">
-          <a:schemeClr val="dk1"/>
-        </a:fontRef>
-      </dsp:style>
-      <dsp:txBody>
-        <a:bodyPr spcFirstLastPara="0" vert="horz" wrap="square" lIns="72390" tIns="72390" rIns="72390" bIns="72390" numCol="1" spcCol="1270" anchor="ctr" anchorCtr="0">
-          <a:noAutofit/>
-        </a:bodyPr>
-        <a:lstStyle/>
-        <a:p>
-          <a:pPr lvl="0" algn="l" defTabSz="844550" rtl="0">
-            <a:lnSpc>
-              <a:spcPct val="90000"/>
-            </a:lnSpc>
-            <a:spcBef>
-              <a:spcPct val="0"/>
-            </a:spcBef>
-            <a:spcAft>
-              <a:spcPct val="35000"/>
-            </a:spcAft>
-          </a:pPr>
-          <a:r>
-            <a:rPr lang="zh-CN" sz="1900" kern="1200" smtClean="0"/>
-            <a:t>结果是稳定的（多次运行一个测试，结果是一样的）</a:t>
-          </a:r>
-          <a:endParaRPr lang="zh-CN" sz="1900" kern="1200"/>
-        </a:p>
-      </dsp:txBody>
-      <dsp:txXfrm>
-        <a:off x="23331" y="2692921"/>
-        <a:ext cx="10468938" cy="431283"/>
-      </dsp:txXfrm>
-    </dsp:sp>
-    <dsp:sp modelId="{9D957FCD-19B8-4F52-8F23-D120908C942A}">
-      <dsp:nvSpPr>
-        <dsp:cNvPr id="0" name=""/>
-        <dsp:cNvSpPr/>
-      </dsp:nvSpPr>
-      <dsp:spPr>
-        <a:xfrm>
-          <a:off x="0" y="3202255"/>
-          <a:ext cx="10515600" cy="477945"/>
-        </a:xfrm>
-        <a:prstGeom prst="roundRect">
-          <a:avLst/>
-        </a:prstGeom>
-        <a:gradFill rotWithShape="0">
-          <a:gsLst>
-            <a:gs pos="0">
-              <a:schemeClr val="lt1">
-                <a:hueOff val="0"/>
-                <a:satOff val="0"/>
-                <a:lumOff val="0"/>
-                <a:alphaOff val="0"/>
-                <a:lumMod val="110000"/>
-                <a:satMod val="105000"/>
-                <a:tint val="67000"/>
-              </a:schemeClr>
-            </a:gs>
-            <a:gs pos="50000">
-              <a:schemeClr val="lt1">
-                <a:hueOff val="0"/>
-                <a:satOff val="0"/>
-                <a:lumOff val="0"/>
-                <a:alphaOff val="0"/>
-                <a:lumMod val="105000"/>
-                <a:satMod val="103000"/>
-                <a:tint val="73000"/>
-              </a:schemeClr>
-            </a:gs>
-            <a:gs pos="100000">
-              <a:schemeClr val="lt1">
-                <a:hueOff val="0"/>
-                <a:satOff val="0"/>
-                <a:lumOff val="0"/>
-                <a:alphaOff val="0"/>
-                <a:lumMod val="105000"/>
-                <a:satMod val="109000"/>
-                <a:tint val="81000"/>
-              </a:schemeClr>
-            </a:gs>
-          </a:gsLst>
-          <a:lin ang="5400000" scaled="0"/>
-        </a:gradFill>
-        <a:ln>
-          <a:noFill/>
-        </a:ln>
-        <a:effectLst/>
-        <a:scene3d>
-          <a:camera prst="orthographicFront"/>
-          <a:lightRig rig="flat" dir="t"/>
-        </a:scene3d>
-        <a:sp3d prstMaterial="dkEdge">
-          <a:bevelT w="8200" h="38100"/>
-        </a:sp3d>
-      </dsp:spPr>
-      <dsp:style>
-        <a:lnRef idx="0">
-          <a:scrgbClr r="0" g="0" b="0"/>
-        </a:lnRef>
-        <a:fillRef idx="2">
-          <a:scrgbClr r="0" g="0" b="0"/>
-        </a:fillRef>
-        <a:effectRef idx="1">
-          <a:scrgbClr r="0" g="0" b="0"/>
-        </a:effectRef>
-        <a:fontRef idx="minor">
-          <a:schemeClr val="dk1"/>
-        </a:fontRef>
-      </dsp:style>
-      <dsp:txBody>
-        <a:bodyPr spcFirstLastPara="0" vert="horz" wrap="square" lIns="72390" tIns="72390" rIns="72390" bIns="72390" numCol="1" spcCol="1270" anchor="ctr" anchorCtr="0">
-          <a:noAutofit/>
-        </a:bodyPr>
-        <a:lstStyle/>
-        <a:p>
-          <a:pPr lvl="0" algn="l" defTabSz="844550" rtl="0">
-            <a:lnSpc>
-              <a:spcPct val="90000"/>
-            </a:lnSpc>
-            <a:spcBef>
-              <a:spcPct val="0"/>
-            </a:spcBef>
-            <a:spcAft>
-              <a:spcPct val="35000"/>
-            </a:spcAft>
-          </a:pPr>
-          <a:r>
-            <a:rPr lang="zh-CN" sz="1900" kern="1200" smtClean="0"/>
-            <a:t>完全控制被测试的单元</a:t>
-          </a:r>
-          <a:endParaRPr lang="zh-CN" sz="1900" kern="1200"/>
-        </a:p>
-      </dsp:txBody>
-      <dsp:txXfrm>
-        <a:off x="23331" y="3225586"/>
-        <a:ext cx="10468938" cy="431283"/>
-      </dsp:txXfrm>
-    </dsp:sp>
-    <dsp:sp modelId="{C0337F5B-F4C6-4455-9E4E-E42014C71AB6}">
-      <dsp:nvSpPr>
-        <dsp:cNvPr id="0" name=""/>
-        <dsp:cNvSpPr/>
-      </dsp:nvSpPr>
-      <dsp:spPr>
-        <a:xfrm>
-          <a:off x="0" y="3734920"/>
-          <a:ext cx="10515600" cy="477945"/>
-        </a:xfrm>
-        <a:prstGeom prst="roundRect">
-          <a:avLst/>
-        </a:prstGeom>
-        <a:gradFill rotWithShape="0">
-          <a:gsLst>
-            <a:gs pos="0">
-              <a:schemeClr val="lt1">
-                <a:hueOff val="0"/>
-                <a:satOff val="0"/>
-                <a:lumOff val="0"/>
-                <a:alphaOff val="0"/>
-                <a:lumMod val="110000"/>
-                <a:satMod val="105000"/>
-                <a:tint val="67000"/>
-              </a:schemeClr>
-            </a:gs>
-            <a:gs pos="50000">
-              <a:schemeClr val="lt1">
-                <a:hueOff val="0"/>
-                <a:satOff val="0"/>
-                <a:lumOff val="0"/>
-                <a:alphaOff val="0"/>
-                <a:lumMod val="105000"/>
-                <a:satMod val="103000"/>
-                <a:tint val="73000"/>
-              </a:schemeClr>
-            </a:gs>
-            <a:gs pos="100000">
-              <a:schemeClr val="lt1">
-                <a:hueOff val="0"/>
-                <a:satOff val="0"/>
-                <a:lumOff val="0"/>
-                <a:alphaOff val="0"/>
-                <a:lumMod val="105000"/>
-                <a:satMod val="109000"/>
-                <a:tint val="81000"/>
-              </a:schemeClr>
-            </a:gs>
-          </a:gsLst>
-          <a:lin ang="5400000" scaled="0"/>
-        </a:gradFill>
-        <a:ln>
-          <a:noFill/>
-        </a:ln>
-        <a:effectLst/>
-        <a:scene3d>
-          <a:camera prst="orthographicFront"/>
-          <a:lightRig rig="flat" dir="t"/>
-        </a:scene3d>
-        <a:sp3d prstMaterial="dkEdge">
-          <a:bevelT w="8200" h="38100"/>
-        </a:sp3d>
-      </dsp:spPr>
-      <dsp:style>
-        <a:lnRef idx="0">
-          <a:scrgbClr r="0" g="0" b="0"/>
-        </a:lnRef>
-        <a:fillRef idx="2">
-          <a:scrgbClr r="0" g="0" b="0"/>
-        </a:fillRef>
-        <a:effectRef idx="1">
-          <a:scrgbClr r="0" g="0" b="0"/>
-        </a:effectRef>
-        <a:fontRef idx="minor">
-          <a:schemeClr val="dk1"/>
-        </a:fontRef>
-      </dsp:style>
-      <dsp:txBody>
-        <a:bodyPr spcFirstLastPara="0" vert="horz" wrap="square" lIns="72390" tIns="72390" rIns="72390" bIns="72390" numCol="1" spcCol="1270" anchor="ctr" anchorCtr="0">
-          <a:noAutofit/>
-        </a:bodyPr>
-        <a:lstStyle/>
-        <a:p>
-          <a:pPr lvl="0" algn="l" defTabSz="844550" rtl="0">
-            <a:lnSpc>
-              <a:spcPct val="90000"/>
-            </a:lnSpc>
-            <a:spcBef>
-              <a:spcPct val="0"/>
-            </a:spcBef>
-            <a:spcAft>
-              <a:spcPct val="35000"/>
-            </a:spcAft>
-          </a:pPr>
-          <a:r>
-            <a:rPr lang="zh-CN" sz="1900" kern="1200" smtClean="0"/>
-            <a:t>完全隔离（独立于其它测试的运行）</a:t>
-          </a:r>
-          <a:endParaRPr lang="zh-CN" sz="1900" kern="1200"/>
-        </a:p>
-      </dsp:txBody>
-      <dsp:txXfrm>
-        <a:off x="23331" y="3758251"/>
-        <a:ext cx="10468938" cy="431283"/>
-      </dsp:txXfrm>
-    </dsp:sp>
-    <dsp:sp modelId="{F1A4582A-D685-421B-82D4-F7ACC28DEDB3}">
-      <dsp:nvSpPr>
-        <dsp:cNvPr id="0" name=""/>
-        <dsp:cNvSpPr/>
-      </dsp:nvSpPr>
-      <dsp:spPr>
-        <a:xfrm>
-          <a:off x="0" y="4267585"/>
-          <a:ext cx="10515600" cy="477945"/>
-        </a:xfrm>
-        <a:prstGeom prst="roundRect">
-          <a:avLst/>
-        </a:prstGeom>
-        <a:gradFill rotWithShape="0">
-          <a:gsLst>
-            <a:gs pos="0">
-              <a:schemeClr val="lt1">
-                <a:hueOff val="0"/>
-                <a:satOff val="0"/>
-                <a:lumOff val="0"/>
-                <a:alphaOff val="0"/>
-                <a:lumMod val="110000"/>
-                <a:satMod val="105000"/>
-                <a:tint val="67000"/>
-              </a:schemeClr>
-            </a:gs>
-            <a:gs pos="50000">
-              <a:schemeClr val="lt1">
-                <a:hueOff val="0"/>
-                <a:satOff val="0"/>
-                <a:lumOff val="0"/>
-                <a:alphaOff val="0"/>
-                <a:lumMod val="105000"/>
-                <a:satMod val="103000"/>
-                <a:tint val="73000"/>
-              </a:schemeClr>
-            </a:gs>
-            <a:gs pos="100000">
-              <a:schemeClr val="lt1">
-                <a:hueOff val="0"/>
-                <a:satOff val="0"/>
-                <a:lumOff val="0"/>
-                <a:alphaOff val="0"/>
-                <a:lumMod val="105000"/>
-                <a:satMod val="109000"/>
-                <a:tint val="81000"/>
-              </a:schemeClr>
-            </a:gs>
-          </a:gsLst>
-          <a:lin ang="5400000" scaled="0"/>
-        </a:gradFill>
-        <a:ln>
-          <a:noFill/>
-        </a:ln>
-        <a:effectLst/>
-        <a:scene3d>
-          <a:camera prst="orthographicFront"/>
-          <a:lightRig rig="flat" dir="t"/>
-        </a:scene3d>
-        <a:sp3d prstMaterial="dkEdge">
-          <a:bevelT w="8200" h="38100"/>
-        </a:sp3d>
-      </dsp:spPr>
-      <dsp:style>
-        <a:lnRef idx="0">
-          <a:scrgbClr r="0" g="0" b="0"/>
-        </a:lnRef>
-        <a:fillRef idx="2">
-          <a:scrgbClr r="0" g="0" b="0"/>
-        </a:fillRef>
-        <a:effectRef idx="1">
-          <a:scrgbClr r="0" g="0" b="0"/>
-        </a:effectRef>
-        <a:fontRef idx="minor">
-          <a:schemeClr val="dk1"/>
-        </a:fontRef>
-      </dsp:style>
-      <dsp:txBody>
-        <a:bodyPr spcFirstLastPara="0" vert="horz" wrap="square" lIns="72390" tIns="72390" rIns="72390" bIns="72390" numCol="1" spcCol="1270" anchor="ctr" anchorCtr="0">
-          <a:noAutofit/>
-        </a:bodyPr>
-        <a:lstStyle/>
-        <a:p>
-          <a:pPr lvl="0" algn="l" defTabSz="844550" rtl="0">
-            <a:lnSpc>
-              <a:spcPct val="90000"/>
-            </a:lnSpc>
-            <a:spcBef>
-              <a:spcPct val="0"/>
-            </a:spcBef>
-            <a:spcAft>
-              <a:spcPct val="35000"/>
-            </a:spcAft>
-          </a:pPr>
-          <a:r>
-            <a:rPr lang="zh-CN" sz="1900" kern="1200" smtClean="0"/>
-            <a:t>如果失败，很容易发现问题，并定位问题</a:t>
-          </a:r>
-          <a:endParaRPr lang="zh-CN" sz="1900" kern="1200"/>
-        </a:p>
-      </dsp:txBody>
-      <dsp:txXfrm>
-        <a:off x="23331" y="4290916"/>
-        <a:ext cx="10468938" cy="431283"/>
-      </dsp:txXfrm>
-    </dsp:sp>
   </dsp:spTree>
 </dsp:drawing>
 </file>
@@ -18029,22 +17075,10 @@
           </a:lstStyle>
           <a:p>
             <a:r>
-              <a:rPr lang="en-US" altLang="zh-CN" dirty="0" smtClean="0"/>
-              <a:t>Setup</a:t>
+              <a:rPr lang="zh-CN" altLang="en-US" dirty="0" smtClean="0"/>
+              <a:t>常规测试</a:t>
             </a:r>
-            <a:r>
-              <a:rPr lang="zh-CN" altLang="en-US" dirty="0" smtClean="0"/>
-              <a:t>和</a:t>
-            </a:r>
-            <a:r>
-              <a:rPr lang="en-US" altLang="zh-CN" dirty="0" smtClean="0"/>
-              <a:t>teardown(</a:t>
-            </a:r>
-            <a:r>
-              <a:rPr lang="zh-CN" altLang="en-US" dirty="0" smtClean="0"/>
-              <a:t>不推荐）</a:t>
-            </a:r>
-            <a:endParaRPr lang="en-US" altLang="zh-CN" dirty="0" smtClean="0"/>
+            <a:endParaRPr lang="en-US" altLang="zh-CN" dirty="0"/>
           </a:p>
           <a:p>
             <a:r>
@@ -18154,13 +17188,13 @@
         </p:nvSpPr>
         <p:spPr>
           <a:xfrm>
-            <a:off x="698862" y="1972263"/>
-            <a:ext cx="10073641" cy="3054360"/>
+            <a:off x="693467" y="2409191"/>
+            <a:ext cx="10355825" cy="3879120"/>
           </a:xfrm>
         </p:spPr>
         <p:txBody>
           <a:bodyPr>
-            <a:normAutofit lnSpcReduction="10000"/>
+            <a:noAutofit/>
           </a:bodyPr>
           <a:lstStyle/>
           <a:p>
@@ -18169,10 +17203,10 @@
               <a:buChar char="ü"/>
             </a:pPr>
             <a:r>
-              <a:rPr lang="zh-CN" altLang="en-US" sz="1800" dirty="0"/>
+              <a:rPr lang="zh-CN" altLang="en-US" sz="2000" dirty="0"/>
               <a:t>使方法成为公共方法</a:t>
             </a:r>
-            <a:endParaRPr lang="en-US" altLang="zh-CN" sz="1800" dirty="0"/>
+            <a:endParaRPr lang="en-US" altLang="zh-CN" sz="2000" dirty="0"/>
           </a:p>
           <a:p>
             <a:pPr lvl="1">
@@ -18180,10 +17214,10 @@
               <a:buChar char="l"/>
             </a:pPr>
             <a:r>
-              <a:rPr lang="zh-CN" altLang="en-US" sz="1800" dirty="0"/>
+              <a:rPr lang="zh-CN" altLang="en-US" sz="2000" dirty="0"/>
               <a:t>如果你想要测试一个方法，可能就说明这个方法对其调用者有某种已知的行为或者契约。</a:t>
             </a:r>
-            <a:endParaRPr lang="en-US" altLang="zh-CN" sz="1800" dirty="0"/>
+            <a:endParaRPr lang="en-US" altLang="zh-CN" sz="2000" dirty="0"/>
           </a:p>
           <a:p>
             <a:pPr>
@@ -18191,10 +17225,10 @@
               <a:buChar char="ü"/>
             </a:pPr>
             <a:r>
-              <a:rPr lang="zh-CN" altLang="en-US" sz="1800" dirty="0"/>
+              <a:rPr lang="zh-CN" altLang="en-US" sz="2000" dirty="0"/>
               <a:t>把方法抽取到新类</a:t>
             </a:r>
-            <a:endParaRPr lang="en-US" altLang="zh-CN" sz="1800" dirty="0"/>
+            <a:endParaRPr lang="en-US" altLang="zh-CN" sz="2000" dirty="0"/>
           </a:p>
           <a:p>
             <a:pPr lvl="1">
@@ -18202,10 +17236,10 @@
               <a:buChar char="l"/>
             </a:pPr>
             <a:r>
-              <a:rPr lang="zh-CN" altLang="en-US" sz="1800" dirty="0"/>
+              <a:rPr lang="zh-CN" altLang="en-US" sz="2000" dirty="0"/>
               <a:t>如果一个方法包含很多独立的逻辑，或者它使用的类状态只和这个方法有关，把这个方法抽取到一个具有特定功能的新类也许会更好。</a:t>
             </a:r>
-            <a:endParaRPr lang="en-US" altLang="zh-CN" sz="1800" dirty="0"/>
+            <a:endParaRPr lang="en-US" altLang="zh-CN" sz="2000" dirty="0"/>
           </a:p>
           <a:p>
             <a:pPr>
@@ -18213,10 +17247,10 @@
               <a:buChar char="ü"/>
             </a:pPr>
             <a:r>
-              <a:rPr lang="zh-CN" altLang="en-US" sz="1800" dirty="0"/>
+              <a:rPr lang="zh-CN" altLang="en-US" sz="2000" dirty="0"/>
               <a:t>使方法成为静态方法</a:t>
             </a:r>
-            <a:endParaRPr lang="en-US" altLang="zh-CN" sz="1800" dirty="0"/>
+            <a:endParaRPr lang="en-US" altLang="zh-CN" sz="2000" dirty="0"/>
           </a:p>
           <a:p>
             <a:pPr lvl="1">
@@ -18224,10 +17258,10 @@
               <a:buChar char="l"/>
             </a:pPr>
             <a:r>
-              <a:rPr lang="zh-CN" altLang="en-US" sz="1800" dirty="0"/>
+              <a:rPr lang="zh-CN" altLang="en-US" sz="2000" dirty="0"/>
               <a:t>如果一个方法不使用所在类的任何变量，可使成其成为静态方法。</a:t>
             </a:r>
-            <a:endParaRPr lang="en-US" altLang="zh-CN" sz="1800" dirty="0"/>
+            <a:endParaRPr lang="en-US" altLang="zh-CN" sz="2000" dirty="0"/>
           </a:p>
           <a:p>
             <a:pPr>
@@ -18235,18 +17269,18 @@
               <a:buChar char="ü"/>
             </a:pPr>
             <a:r>
-              <a:rPr lang="zh-CN" altLang="en-US" sz="1800" dirty="0"/>
+              <a:rPr lang="zh-CN" altLang="en-US" sz="2000" dirty="0"/>
               <a:t>使方法成为内部方法（</a:t>
             </a:r>
             <a:r>
-              <a:rPr lang="zh-CN" altLang="en-US" sz="1800" b="1" dirty="0"/>
+              <a:rPr lang="zh-CN" altLang="en-US" sz="2000" b="1" dirty="0"/>
               <a:t>不推荐</a:t>
             </a:r>
             <a:r>
-              <a:rPr lang="zh-CN" altLang="en-US" sz="1800" dirty="0"/>
+              <a:rPr lang="zh-CN" altLang="en-US" sz="2000" dirty="0"/>
               <a:t>）</a:t>
             </a:r>
-            <a:endParaRPr lang="en-US" altLang="zh-CN" sz="1800" dirty="0"/>
+            <a:endParaRPr lang="en-US" altLang="zh-CN" sz="2000" dirty="0"/>
           </a:p>
           <a:p>
             <a:pPr lvl="1">
@@ -18254,14 +17288,14 @@
               <a:buChar char="l"/>
             </a:pPr>
             <a:r>
-              <a:rPr lang="zh-CN" altLang="en-US" sz="1800" dirty="0"/>
+              <a:rPr lang="zh-CN" altLang="en-US" sz="2000" dirty="0"/>
               <a:t>将方法设成内部</a:t>
             </a:r>
             <a:r>
-              <a:rPr lang="zh-CN" altLang="en-US" sz="1800" dirty="0" smtClean="0"/>
+              <a:rPr lang="zh-CN" altLang="en-US" sz="2000" dirty="0" smtClean="0"/>
               <a:t>方法</a:t>
             </a:r>
-            <a:endParaRPr lang="en-US" altLang="zh-CN" sz="1800" dirty="0" smtClean="0"/>
+            <a:endParaRPr lang="en-US" altLang="zh-CN" sz="2000" dirty="0" smtClean="0"/>
           </a:p>
           <a:p>
             <a:pPr lvl="1">
@@ -18269,26 +17303,26 @@
               <a:buChar char="l"/>
             </a:pPr>
             <a:r>
-              <a:rPr lang="zh-CN" altLang="en-US" sz="1800" dirty="0" smtClean="0"/>
+              <a:rPr lang="zh-CN" altLang="en-US" sz="2000" dirty="0" smtClean="0"/>
               <a:t>在</a:t>
             </a:r>
             <a:r>
-              <a:rPr lang="en-US" altLang="zh-CN" sz="1800" dirty="0" err="1" smtClean="0"/>
+              <a:rPr lang="en-US" altLang="zh-CN" sz="2000" dirty="0" err="1" smtClean="0"/>
               <a:t>AssemblyInfo.cs</a:t>
             </a:r>
             <a:r>
-              <a:rPr lang="zh-CN" altLang="en-US" sz="1800" dirty="0" smtClean="0"/>
+              <a:rPr lang="zh-CN" altLang="en-US" sz="2000" dirty="0" smtClean="0"/>
               <a:t>中使用</a:t>
             </a:r>
             <a:r>
-              <a:rPr lang="en-US" altLang="zh-CN" sz="1800" dirty="0" err="1" smtClean="0"/>
+              <a:rPr lang="en-US" altLang="zh-CN" sz="2000" dirty="0" err="1" smtClean="0"/>
               <a:t>internalsVisibleTo</a:t>
             </a:r>
             <a:r>
-              <a:rPr lang="zh-CN" altLang="en-US" sz="1800" dirty="0" smtClean="0"/>
+              <a:rPr lang="zh-CN" altLang="en-US" sz="2000" dirty="0" smtClean="0"/>
               <a:t>特性</a:t>
             </a:r>
-            <a:endParaRPr lang="zh-CN" altLang="en-US" sz="1800" dirty="0"/>
+            <a:endParaRPr lang="zh-CN" altLang="en-US" sz="2000" dirty="0"/>
           </a:p>
         </p:txBody>
       </p:sp>
@@ -18348,7 +17382,7 @@
         <p:spPr>
           <a:xfrm>
             <a:off x="838200" y="1140823"/>
-            <a:ext cx="10064931" cy="646331"/>
+            <a:ext cx="10066361" cy="1200329"/>
           </a:xfrm>
           <a:prstGeom prst="rect">
             <a:avLst/>
@@ -18361,10 +17395,10 @@
           <a:lstStyle/>
           <a:p>
             <a:r>
-              <a:rPr lang="zh-CN" altLang="en-US" dirty="0"/>
+              <a:rPr lang="zh-CN" altLang="en-US" sz="2400" dirty="0"/>
               <a:t>如果一个私有方法值得测试，那么也许它应该设为公共的、静态的、或者至少是内部的，并且定义使用它的公共契约。有时候，把这个方法放在另一个类里会使设计更加干净。</a:t>
             </a:r>
-            <a:endParaRPr lang="en-US" altLang="zh-CN" dirty="0"/>
+            <a:endParaRPr lang="en-US" altLang="zh-CN" sz="2400" dirty="0"/>
           </a:p>
         </p:txBody>
       </p:sp>
@@ -23455,8 +22489,12 @@
           </a:p>
           <a:p>
             <a:r>
+              <a:rPr lang="en-US" altLang="zh-CN" dirty="0" err="1" smtClean="0"/>
+              <a:t>Fitnesse</a:t>
+            </a:r>
+            <a:r>
               <a:rPr lang="zh-CN" altLang="en-US" dirty="0" smtClean="0"/>
-              <a:t>单元测试与集成测试</a:t>
+              <a:t>集成测试</a:t>
             </a:r>
             <a:endParaRPr lang="en-US" altLang="zh-CN" dirty="0" smtClean="0"/>
           </a:p>
@@ -23499,6 +22537,7 @@
               <a:rPr lang="en-US" altLang="zh-CN" dirty="0" smtClean="0"/>
               <a:t>)</a:t>
             </a:r>
+            <a:endParaRPr lang="en-US" altLang="zh-CN" dirty="0" smtClean="0"/>
           </a:p>
           <a:p>
             <a:r>
